--- a/Presentatie/Presentatie groep A1.pptx
+++ b/Presentatie/Presentatie groep A1.pptx
@@ -5,17 +5,13 @@
     <p:sldMasterId id="2147483649" r:id="rId1"/>
   </p:sldMasterIdLst>
   <p:notesMasterIdLst>
-    <p:notesMasterId r:id="rId7"/>
+    <p:notesMasterId r:id="rId3"/>
   </p:notesMasterIdLst>
   <p:handoutMasterIdLst>
-    <p:handoutMasterId r:id="rId8"/>
+    <p:handoutMasterId r:id="rId4"/>
   </p:handoutMasterIdLst>
   <p:sldIdLst>
-    <p:sldId id="377" r:id="rId2"/>
-    <p:sldId id="379" r:id="rId3"/>
-    <p:sldId id="378" r:id="rId4"/>
-    <p:sldId id="380" r:id="rId5"/>
-    <p:sldId id="381" r:id="rId6"/>
+    <p:sldId id="382" r:id="rId2"/>
   </p:sldIdLst>
   <p:sldSz cx="9144000" cy="6858000" type="screen4x3"/>
   <p:notesSz cx="6794500" cy="9931400"/>
@@ -294,7 +290,7 @@
               <a:pPr>
                 <a:defRPr/>
               </a:pPr>
-              <a:t>1/15/2015</a:t>
+              <a:t>1/16/2015</a:t>
             </a:fld>
             <a:endParaRPr lang="en-US" altLang="nl-NL"/>
           </a:p>
@@ -5035,6 +5031,9 @@
               <a:buNone/>
             </a:pPr>
             <a:endParaRPr lang="nl-NL" altLang="nl-NL" sz="2400">
+              <a:solidFill>
+                <a:srgbClr val="000000"/>
+              </a:solidFill>
               <a:latin typeface="Arial" panose="020B0604020202020204" pitchFamily="34" charset="0"/>
             </a:endParaRPr>
           </a:p>
@@ -5069,9 +5068,6 @@
               </a:rPr>
               <a:t>E.W.I.</a:t>
             </a:r>
-            <a:endParaRPr lang="en-US" altLang="nl-NL" dirty="0" smtClean="0">
-              <a:latin typeface="+mn-lt"/>
-            </a:endParaRPr>
           </a:p>
         </p:txBody>
       </p:sp>
@@ -5087,8 +5083,8 @@
         </p:nvSpPr>
         <p:spPr>
           <a:xfrm>
-            <a:off x="693738" y="2862263"/>
-            <a:ext cx="6781800" cy="828675"/>
+            <a:off x="693737" y="2862263"/>
+            <a:ext cx="6888881" cy="828675"/>
           </a:xfrm>
         </p:spPr>
         <p:txBody>
@@ -5096,25 +5092,102 @@
           <a:lstStyle/>
           <a:p>
             <a:r>
+              <a:rPr lang="en-US" altLang="nl-NL" dirty="0" smtClean="0">
+                <a:latin typeface="Tahoma" panose="020B0604030504040204" pitchFamily="34" charset="0"/>
+                <a:ea typeface="ＭＳ Ｐゴシック" panose="020B0600070205080204" pitchFamily="34" charset="-128"/>
+              </a:rPr>
+              <a:t>Roy </a:t>
+            </a:r>
+            <a:r>
               <a:rPr lang="en-US" altLang="nl-NL" dirty="0" err="1" smtClean="0">
                 <a:latin typeface="Tahoma" panose="020B0604030504040204" pitchFamily="34" charset="0"/>
                 <a:ea typeface="ＭＳ Ｐゴシック" panose="020B0600070205080204" pitchFamily="34" charset="-128"/>
               </a:rPr>
-              <a:t>Hier</a:t>
+              <a:t>Blokker</a:t>
             </a:r>
             <a:r>
               <a:rPr lang="en-US" altLang="nl-NL" dirty="0" smtClean="0">
                 <a:latin typeface="Tahoma" panose="020B0604030504040204" pitchFamily="34" charset="0"/>
                 <a:ea typeface="ＭＳ Ｐゴシック" panose="020B0600070205080204" pitchFamily="34" charset="-128"/>
               </a:rPr>
-              <a:t> </a:t>
+              <a:t>, Martin </a:t>
             </a:r>
             <a:r>
               <a:rPr lang="en-US" altLang="nl-NL" dirty="0" err="1" smtClean="0">
                 <a:latin typeface="Tahoma" panose="020B0604030504040204" pitchFamily="34" charset="0"/>
                 <a:ea typeface="ＭＳ Ｐゴシック" panose="020B0600070205080204" pitchFamily="34" charset="-128"/>
               </a:rPr>
-              <a:t>namen</a:t>
+              <a:t>Geertjes</a:t>
+            </a:r>
+            <a:r>
+              <a:rPr lang="en-US" altLang="nl-NL" dirty="0" smtClean="0">
+                <a:latin typeface="Tahoma" panose="020B0604030504040204" pitchFamily="34" charset="0"/>
+                <a:ea typeface="ＭＳ Ｐゴシック" panose="020B0600070205080204" pitchFamily="34" charset="-128"/>
+              </a:rPr>
+              <a:t>, </a:t>
+            </a:r>
+            <a:r>
+              <a:rPr lang="en-US" altLang="nl-NL" dirty="0" err="1" smtClean="0">
+                <a:latin typeface="Tahoma" panose="020B0604030504040204" pitchFamily="34" charset="0"/>
+                <a:ea typeface="ＭＳ Ｐゴシック" panose="020B0600070205080204" pitchFamily="34" charset="-128"/>
+              </a:rPr>
+              <a:t>Rens</a:t>
+            </a:r>
+            <a:r>
+              <a:rPr lang="en-US" altLang="nl-NL" dirty="0" smtClean="0">
+                <a:latin typeface="Tahoma" panose="020B0604030504040204" pitchFamily="34" charset="0"/>
+                <a:ea typeface="ＭＳ Ｐゴシック" panose="020B0600070205080204" pitchFamily="34" charset="-128"/>
+              </a:rPr>
+              <a:t> Hamburger, Kevin Hill, Alex Oudsen, </a:t>
+            </a:r>
+            <a:r>
+              <a:rPr lang="en-US" altLang="nl-NL" dirty="0" err="1" smtClean="0">
+                <a:latin typeface="Tahoma" panose="020B0604030504040204" pitchFamily="34" charset="0"/>
+                <a:ea typeface="ＭＳ Ｐゴシック" panose="020B0600070205080204" pitchFamily="34" charset="-128"/>
+              </a:rPr>
+              <a:t>Joran</a:t>
+            </a:r>
+            <a:r>
+              <a:rPr lang="en-US" altLang="nl-NL" dirty="0" smtClean="0">
+                <a:latin typeface="Tahoma" panose="020B0604030504040204" pitchFamily="34" charset="0"/>
+                <a:ea typeface="ＭＳ Ｐゴシック" panose="020B0600070205080204" pitchFamily="34" charset="-128"/>
+              </a:rPr>
+              <a:t> Out, </a:t>
+            </a:r>
+            <a:r>
+              <a:rPr lang="en-US" altLang="nl-NL" dirty="0" err="1" smtClean="0">
+                <a:latin typeface="Tahoma" panose="020B0604030504040204" pitchFamily="34" charset="0"/>
+                <a:ea typeface="ＭＳ Ｐゴシック" panose="020B0600070205080204" pitchFamily="34" charset="-128"/>
+              </a:rPr>
+              <a:t>Elke</a:t>
+            </a:r>
+            <a:r>
+              <a:rPr lang="en-US" altLang="nl-NL" dirty="0" smtClean="0">
+                <a:latin typeface="Tahoma" panose="020B0604030504040204" pitchFamily="34" charset="0"/>
+                <a:ea typeface="ＭＳ Ｐゴシック" panose="020B0600070205080204" pitchFamily="34" charset="-128"/>
+              </a:rPr>
+              <a:t> Salzmann &amp; </a:t>
+            </a:r>
+            <a:r>
+              <a:rPr lang="en-US" altLang="nl-NL" dirty="0" err="1" smtClean="0">
+                <a:latin typeface="Tahoma" panose="020B0604030504040204" pitchFamily="34" charset="0"/>
+                <a:ea typeface="ＭＳ Ｐゴシック" panose="020B0600070205080204" pitchFamily="34" charset="-128"/>
+              </a:rPr>
+              <a:t>Jeroen</a:t>
+            </a:r>
+            <a:r>
+              <a:rPr lang="en-US" altLang="nl-NL" dirty="0" smtClean="0">
+                <a:latin typeface="Tahoma" panose="020B0604030504040204" pitchFamily="34" charset="0"/>
+                <a:ea typeface="ＭＳ Ｐゴシック" panose="020B0600070205080204" pitchFamily="34" charset="-128"/>
+              </a:rPr>
+              <a:t> van </a:t>
+            </a:r>
+            <a:r>
+              <a:rPr lang="en-US" altLang="nl-NL" dirty="0" err="1" smtClean="0">
+                <a:latin typeface="Tahoma" panose="020B0604030504040204" pitchFamily="34" charset="0"/>
+                <a:ea typeface="ＭＳ Ｐゴシック" panose="020B0600070205080204" pitchFamily="34" charset="-128"/>
+              </a:rPr>
+              <a:t>Uffelen</a:t>
             </a:r>
             <a:endParaRPr lang="en-US" altLang="nl-NL" dirty="0" smtClean="0">
               <a:latin typeface="Tahoma" panose="020B0604030504040204" pitchFamily="34" charset="0"/>
@@ -5158,949 +5231,17 @@
               <a:defRPr/>
             </a:pPr>
             <a:endParaRPr lang="nl-NL" sz="2200">
-              <a:cs typeface="+mn-cs"/>
+              <a:solidFill>
+                <a:srgbClr val="000000"/>
+              </a:solidFill>
             </a:endParaRPr>
-          </a:p>
-        </p:txBody>
-      </p:sp>
-    </p:spTree>
-  </p:cSld>
-  <p:clrMapOvr>
-    <a:masterClrMapping/>
-  </p:clrMapOvr>
-  <p:timing>
-    <p:tnLst>
-      <p:par>
-        <p:cTn id="1" dur="indefinite" restart="never" nodeType="tmRoot"/>
-      </p:par>
-    </p:tnLst>
-  </p:timing>
-</p:sld>
-</file>
-
-<file path=ppt/slides/slide2.xml><?xml version="1.0" encoding="utf-8"?>
-<p:sld xmlns:a="http://schemas.openxmlformats.org/drawingml/2006/main" xmlns:r="http://schemas.openxmlformats.org/officeDocument/2006/relationships" xmlns:p="http://schemas.openxmlformats.org/presentationml/2006/main">
-  <p:cSld>
-    <p:spTree>
-      <p:nvGrpSpPr>
-        <p:cNvPr id="1" name=""/>
-        <p:cNvGrpSpPr/>
-        <p:nvPr/>
-      </p:nvGrpSpPr>
-      <p:grpSpPr>
-        <a:xfrm>
-          <a:off x="0" y="0"/>
-          <a:ext cx="0" cy="0"/>
-          <a:chOff x="0" y="0"/>
-          <a:chExt cx="0" cy="0"/>
-        </a:xfrm>
-      </p:grpSpPr>
-      <p:sp>
-        <p:nvSpPr>
-          <p:cNvPr id="2" name="Titel 1"/>
-          <p:cNvSpPr>
-            <a:spLocks noGrp="1"/>
-          </p:cNvSpPr>
-          <p:nvPr>
-            <p:ph type="title"/>
-          </p:nvPr>
-        </p:nvSpPr>
-        <p:spPr/>
-        <p:txBody>
-          <a:bodyPr/>
-          <a:lstStyle/>
-          <a:p>
-            <a:r>
-              <a:rPr lang="nl-NL" dirty="0" smtClean="0"/>
-              <a:t>DCF77 module</a:t>
-            </a:r>
-            <a:endParaRPr lang="nl-NL" dirty="0"/>
-          </a:p>
-        </p:txBody>
-      </p:sp>
-      <p:sp>
-        <p:nvSpPr>
-          <p:cNvPr id="3" name="Tijdelijke aanduiding voor tekst 2"/>
-          <p:cNvSpPr>
-            <a:spLocks noGrp="1"/>
-          </p:cNvSpPr>
-          <p:nvPr>
-            <p:ph type="body" idx="1"/>
-          </p:nvPr>
-        </p:nvSpPr>
-        <p:spPr/>
-        <p:txBody>
-          <a:bodyPr/>
-          <a:lstStyle/>
-          <a:p>
-            <a:endParaRPr lang="nl-NL" dirty="0"/>
           </a:p>
         </p:txBody>
       </p:sp>
     </p:spTree>
     <p:extLst>
       <p:ext uri="{BB962C8B-B14F-4D97-AF65-F5344CB8AC3E}">
-        <p14:creationId xmlns:p14="http://schemas.microsoft.com/office/powerpoint/2010/main" val="3758653427"/>
-      </p:ext>
-    </p:extLst>
-  </p:cSld>
-  <p:clrMapOvr>
-    <a:masterClrMapping/>
-  </p:clrMapOvr>
-  <p:timing>
-    <p:tnLst>
-      <p:par>
-        <p:cTn id="1" dur="indefinite" restart="never" nodeType="tmRoot"/>
-      </p:par>
-    </p:tnLst>
-  </p:timing>
-</p:sld>
-</file>
-
-<file path=ppt/slides/slide3.xml><?xml version="1.0" encoding="utf-8"?>
-<p:sld xmlns:a="http://schemas.openxmlformats.org/drawingml/2006/main" xmlns:r="http://schemas.openxmlformats.org/officeDocument/2006/relationships" xmlns:p="http://schemas.openxmlformats.org/presentationml/2006/main">
-  <p:cSld>
-    <p:spTree>
-      <p:nvGrpSpPr>
-        <p:cNvPr id="1" name=""/>
-        <p:cNvGrpSpPr/>
-        <p:nvPr/>
-      </p:nvGrpSpPr>
-      <p:grpSpPr>
-        <a:xfrm>
-          <a:off x="0" y="0"/>
-          <a:ext cx="0" cy="0"/>
-          <a:chOff x="0" y="0"/>
-          <a:chExt cx="0" cy="0"/>
-        </a:xfrm>
-      </p:grpSpPr>
-      <p:sp>
-        <p:nvSpPr>
-          <p:cNvPr id="4098" name="Title 3"/>
-          <p:cNvSpPr>
-            <a:spLocks noGrp="1"/>
-          </p:cNvSpPr>
-          <p:nvPr>
-            <p:ph type="title"/>
-          </p:nvPr>
-        </p:nvSpPr>
-        <p:spPr>
-          <a:xfrm>
-            <a:off x="915193" y="502892"/>
-            <a:ext cx="7159625" cy="627063"/>
-          </a:xfrm>
-        </p:spPr>
-        <p:txBody>
-          <a:bodyPr/>
-          <a:lstStyle/>
-          <a:p>
-            <a:pPr>
-              <a:defRPr/>
-            </a:pPr>
-            <a:r>
-              <a:rPr lang="nl-NL" altLang="nl-NL" dirty="0" smtClean="0">
-                <a:latin typeface="+mn-lt"/>
-                <a:ea typeface="ＭＳ Ｐゴシック" pitchFamily="34" charset="-128"/>
-              </a:rPr>
-              <a:t>DCF77</a:t>
-            </a:r>
-            <a:endParaRPr lang="nl-NL" altLang="nl-NL" dirty="0" smtClean="0">
-              <a:latin typeface="+mn-lt"/>
-              <a:ea typeface="ＭＳ Ｐゴシック" pitchFamily="34" charset="-128"/>
-            </a:endParaRPr>
-          </a:p>
-        </p:txBody>
-      </p:sp>
-      <p:sp>
-        <p:nvSpPr>
-          <p:cNvPr id="6" name="Ondertitel 2"/>
-          <p:cNvSpPr txBox="1">
-            <a:spLocks/>
-          </p:cNvSpPr>
-          <p:nvPr/>
-        </p:nvSpPr>
-        <p:spPr bwMode="auto">
-          <a:xfrm>
-            <a:off x="914400" y="1041400"/>
-            <a:ext cx="6781800" cy="474663"/>
-          </a:xfrm>
-          <a:prstGeom prst="rect">
-            <a:avLst/>
-          </a:prstGeom>
-          <a:noFill/>
-          <a:ln w="9525">
-            <a:noFill/>
-            <a:miter lim="800000"/>
-            <a:headEnd/>
-            <a:tailEnd/>
-          </a:ln>
-        </p:spPr>
-        <p:txBody>
-          <a:bodyPr lIns="0" tIns="0" rIns="0" bIns="0"/>
-          <a:lstStyle>
-            <a:lvl1pPr eaLnBrk="0" hangingPunct="0">
-              <a:defRPr sz="2400">
-                <a:solidFill>
-                  <a:schemeClr val="tx1"/>
-                </a:solidFill>
-                <a:latin typeface="Tahoma" charset="0"/>
-                <a:cs typeface="Arial" charset="0"/>
-              </a:defRPr>
-            </a:lvl1pPr>
-            <a:lvl2pPr marL="37931725" indent="-37474525" eaLnBrk="0" hangingPunct="0">
-              <a:defRPr sz="2400">
-                <a:solidFill>
-                  <a:schemeClr val="tx1"/>
-                </a:solidFill>
-                <a:latin typeface="Tahoma" charset="0"/>
-                <a:cs typeface="Arial" charset="0"/>
-              </a:defRPr>
-            </a:lvl2pPr>
-            <a:lvl3pPr eaLnBrk="0" hangingPunct="0">
-              <a:defRPr sz="2400">
-                <a:solidFill>
-                  <a:schemeClr val="tx1"/>
-                </a:solidFill>
-                <a:latin typeface="Tahoma" charset="0"/>
-                <a:cs typeface="Arial" charset="0"/>
-              </a:defRPr>
-            </a:lvl3pPr>
-            <a:lvl4pPr eaLnBrk="0" hangingPunct="0">
-              <a:defRPr sz="2400">
-                <a:solidFill>
-                  <a:schemeClr val="tx1"/>
-                </a:solidFill>
-                <a:latin typeface="Tahoma" charset="0"/>
-                <a:cs typeface="Arial" charset="0"/>
-              </a:defRPr>
-            </a:lvl4pPr>
-            <a:lvl5pPr eaLnBrk="0" hangingPunct="0">
-              <a:defRPr sz="2400">
-                <a:solidFill>
-                  <a:schemeClr val="tx1"/>
-                </a:solidFill>
-                <a:latin typeface="Tahoma" charset="0"/>
-                <a:cs typeface="Arial" charset="0"/>
-              </a:defRPr>
-            </a:lvl5pPr>
-            <a:lvl6pPr marL="457200" eaLnBrk="0" fontAlgn="base" hangingPunct="0">
-              <a:spcBef>
-                <a:spcPct val="0"/>
-              </a:spcBef>
-              <a:spcAft>
-                <a:spcPct val="0"/>
-              </a:spcAft>
-              <a:defRPr sz="2400">
-                <a:solidFill>
-                  <a:schemeClr val="tx1"/>
-                </a:solidFill>
-                <a:latin typeface="Tahoma" charset="0"/>
-                <a:cs typeface="Arial" charset="0"/>
-              </a:defRPr>
-            </a:lvl6pPr>
-            <a:lvl7pPr marL="914400" eaLnBrk="0" fontAlgn="base" hangingPunct="0">
-              <a:spcBef>
-                <a:spcPct val="0"/>
-              </a:spcBef>
-              <a:spcAft>
-                <a:spcPct val="0"/>
-              </a:spcAft>
-              <a:defRPr sz="2400">
-                <a:solidFill>
-                  <a:schemeClr val="tx1"/>
-                </a:solidFill>
-                <a:latin typeface="Tahoma" charset="0"/>
-                <a:cs typeface="Arial" charset="0"/>
-              </a:defRPr>
-            </a:lvl7pPr>
-            <a:lvl8pPr marL="1371600" eaLnBrk="0" fontAlgn="base" hangingPunct="0">
-              <a:spcBef>
-                <a:spcPct val="0"/>
-              </a:spcBef>
-              <a:spcAft>
-                <a:spcPct val="0"/>
-              </a:spcAft>
-              <a:defRPr sz="2400">
-                <a:solidFill>
-                  <a:schemeClr val="tx1"/>
-                </a:solidFill>
-                <a:latin typeface="Tahoma" charset="0"/>
-                <a:cs typeface="Arial" charset="0"/>
-              </a:defRPr>
-            </a:lvl8pPr>
-            <a:lvl9pPr marL="1828800" eaLnBrk="0" fontAlgn="base" hangingPunct="0">
-              <a:spcBef>
-                <a:spcPct val="0"/>
-              </a:spcBef>
-              <a:spcAft>
-                <a:spcPct val="0"/>
-              </a:spcAft>
-              <a:defRPr sz="2400">
-                <a:solidFill>
-                  <a:schemeClr val="tx1"/>
-                </a:solidFill>
-                <a:latin typeface="Tahoma" charset="0"/>
-                <a:cs typeface="Arial" charset="0"/>
-              </a:defRPr>
-            </a:lvl9pPr>
-          </a:lstStyle>
-          <a:p>
-            <a:pPr algn="l">
-              <a:lnSpc>
-                <a:spcPts val="2500"/>
-              </a:lnSpc>
-              <a:buClr>
-                <a:srgbClr val="00A6D6"/>
-              </a:buClr>
-              <a:defRPr/>
-            </a:pPr>
-            <a:r>
-              <a:rPr lang="nl-NL" altLang="nl-NL" sz="2000" dirty="0" smtClean="0">
-                <a:solidFill>
-                  <a:srgbClr val="00A6D6"/>
-                </a:solidFill>
-                <a:latin typeface="+mn-lt"/>
-                <a:ea typeface="ＭＳ Ｐゴシック" charset="-128"/>
-              </a:rPr>
-              <a:t>Het signaal</a:t>
-            </a:r>
-            <a:endParaRPr lang="nl-NL" altLang="nl-NL" sz="2000" dirty="0" smtClean="0">
-              <a:solidFill>
-                <a:srgbClr val="00A6D6"/>
-              </a:solidFill>
-              <a:latin typeface="+mn-lt"/>
-              <a:ea typeface="ＭＳ Ｐゴシック" charset="-128"/>
-            </a:endParaRPr>
-          </a:p>
-        </p:txBody>
-      </p:sp>
-      <p:sp>
-        <p:nvSpPr>
-          <p:cNvPr id="4" name="Tijdelijke aanduiding voor inhoud 3"/>
-          <p:cNvSpPr>
-            <a:spLocks noGrp="1"/>
-          </p:cNvSpPr>
-          <p:nvPr>
-            <p:ph idx="1"/>
-          </p:nvPr>
-        </p:nvSpPr>
-        <p:spPr/>
-        <p:txBody>
-          <a:bodyPr/>
-          <a:lstStyle/>
-          <a:p>
-            <a:r>
-              <a:rPr lang="nl-NL" dirty="0" smtClean="0"/>
-              <a:t>BCD</a:t>
-            </a:r>
-          </a:p>
-          <a:p>
-            <a:r>
-              <a:rPr lang="nl-NL" dirty="0" smtClean="0"/>
-              <a:t>Korte &amp; lange pulsen</a:t>
-            </a:r>
-          </a:p>
-          <a:p>
-            <a:r>
-              <a:rPr lang="nl-NL" dirty="0" smtClean="0"/>
-              <a:t>Nieuwe minuut</a:t>
-            </a:r>
-          </a:p>
-          <a:p>
-            <a:r>
-              <a:rPr lang="nl-NL" dirty="0" smtClean="0"/>
-              <a:t>Codering</a:t>
-            </a:r>
-            <a:endParaRPr lang="nl-NL" dirty="0"/>
-          </a:p>
-        </p:txBody>
-      </p:sp>
-      <p:pic>
-        <p:nvPicPr>
-          <p:cNvPr id="9" name="Tijdelijke aanduiding voor inhoud 1"/>
-          <p:cNvPicPr>
-            <a:picLocks noChangeAspect="1"/>
-          </p:cNvPicPr>
-          <p:nvPr/>
-        </p:nvPicPr>
-        <p:blipFill>
-          <a:blip r:embed="rId2" cstate="print">
-            <a:extLst>
-              <a:ext uri="{28A0092B-C50C-407E-A947-70E740481C1C}">
-                <a14:useLocalDpi xmlns:a14="http://schemas.microsoft.com/office/drawing/2010/main" val="0"/>
-              </a:ext>
-            </a:extLst>
-          </a:blip>
-          <a:stretch>
-            <a:fillRect/>
-          </a:stretch>
-        </p:blipFill>
-        <p:spPr bwMode="auto">
-          <a:xfrm>
-            <a:off x="4410973" y="1516063"/>
-            <a:ext cx="3666227" cy="3759832"/>
-          </a:xfrm>
-          <a:prstGeom prst="rect">
-            <a:avLst/>
-          </a:prstGeom>
-          <a:noFill/>
-          <a:ln>
-            <a:noFill/>
-          </a:ln>
-          <a:extLst>
-            <a:ext uri="{909E8E84-426E-40DD-AFC4-6F175D3DCCD1}">
-              <a14:hiddenFill xmlns:a14="http://schemas.microsoft.com/office/drawing/2010/main">
-                <a:solidFill>
-                  <a:srgbClr val="FFFFFF"/>
-                </a:solidFill>
-              </a14:hiddenFill>
-            </a:ext>
-            <a:ext uri="{91240B29-F687-4F45-9708-019B960494DF}">
-              <a14:hiddenLine xmlns:a14="http://schemas.microsoft.com/office/drawing/2010/main" w="9525">
-                <a:solidFill>
-                  <a:srgbClr val="000000"/>
-                </a:solidFill>
-                <a:miter lim="800000"/>
-                <a:headEnd/>
-                <a:tailEnd/>
-              </a14:hiddenLine>
-            </a:ext>
-          </a:extLst>
-        </p:spPr>
-      </p:pic>
-    </p:spTree>
-  </p:cSld>
-  <p:clrMapOvr>
-    <a:masterClrMapping/>
-  </p:clrMapOvr>
-  <p:timing>
-    <p:tnLst>
-      <p:par>
-        <p:cTn id="1" dur="indefinite" restart="never" nodeType="tmRoot"/>
-      </p:par>
-    </p:tnLst>
-  </p:timing>
-</p:sld>
-</file>
-
-<file path=ppt/slides/slide4.xml><?xml version="1.0" encoding="utf-8"?>
-<p:sld xmlns:a="http://schemas.openxmlformats.org/drawingml/2006/main" xmlns:r="http://schemas.openxmlformats.org/officeDocument/2006/relationships" xmlns:p="http://schemas.openxmlformats.org/presentationml/2006/main">
-  <p:cSld>
-    <p:spTree>
-      <p:nvGrpSpPr>
-        <p:cNvPr id="1" name=""/>
-        <p:cNvGrpSpPr/>
-        <p:nvPr/>
-      </p:nvGrpSpPr>
-      <p:grpSpPr>
-        <a:xfrm>
-          <a:off x="0" y="0"/>
-          <a:ext cx="0" cy="0"/>
-          <a:chOff x="0" y="0"/>
-          <a:chExt cx="0" cy="0"/>
-        </a:xfrm>
-      </p:grpSpPr>
-      <p:sp>
-        <p:nvSpPr>
-          <p:cNvPr id="4098" name="Title 3"/>
-          <p:cNvSpPr>
-            <a:spLocks noGrp="1"/>
-          </p:cNvSpPr>
-          <p:nvPr>
-            <p:ph type="title"/>
-          </p:nvPr>
-        </p:nvSpPr>
-        <p:spPr>
-          <a:xfrm>
-            <a:off x="917575" y="457200"/>
-            <a:ext cx="7159625" cy="627063"/>
-          </a:xfrm>
-        </p:spPr>
-        <p:txBody>
-          <a:bodyPr/>
-          <a:lstStyle/>
-          <a:p>
-            <a:pPr>
-              <a:defRPr/>
-            </a:pPr>
-            <a:r>
-              <a:rPr lang="nl-NL" altLang="nl-NL" dirty="0" smtClean="0">
-                <a:latin typeface="+mn-lt"/>
-                <a:ea typeface="ＭＳ Ｐゴシック" pitchFamily="34" charset="-128"/>
-              </a:rPr>
-              <a:t>DCF77</a:t>
-            </a:r>
-            <a:endParaRPr lang="nl-NL" altLang="nl-NL" dirty="0" smtClean="0">
-              <a:latin typeface="+mn-lt"/>
-              <a:ea typeface="ＭＳ Ｐゴシック" pitchFamily="34" charset="-128"/>
-            </a:endParaRPr>
-          </a:p>
-        </p:txBody>
-      </p:sp>
-      <p:sp>
-        <p:nvSpPr>
-          <p:cNvPr id="6" name="Ondertitel 2"/>
-          <p:cNvSpPr txBox="1">
-            <a:spLocks/>
-          </p:cNvSpPr>
-          <p:nvPr/>
-        </p:nvSpPr>
-        <p:spPr bwMode="auto">
-          <a:xfrm>
-            <a:off x="914400" y="1041400"/>
-            <a:ext cx="6781800" cy="474663"/>
-          </a:xfrm>
-          <a:prstGeom prst="rect">
-            <a:avLst/>
-          </a:prstGeom>
-          <a:noFill/>
-          <a:ln w="9525">
-            <a:noFill/>
-            <a:miter lim="800000"/>
-            <a:headEnd/>
-            <a:tailEnd/>
-          </a:ln>
-        </p:spPr>
-        <p:txBody>
-          <a:bodyPr lIns="0" tIns="0" rIns="0" bIns="0"/>
-          <a:lstStyle>
-            <a:lvl1pPr eaLnBrk="0" hangingPunct="0">
-              <a:defRPr sz="2400">
-                <a:solidFill>
-                  <a:schemeClr val="tx1"/>
-                </a:solidFill>
-                <a:latin typeface="Tahoma" charset="0"/>
-                <a:cs typeface="Arial" charset="0"/>
-              </a:defRPr>
-            </a:lvl1pPr>
-            <a:lvl2pPr marL="37931725" indent="-37474525" eaLnBrk="0" hangingPunct="0">
-              <a:defRPr sz="2400">
-                <a:solidFill>
-                  <a:schemeClr val="tx1"/>
-                </a:solidFill>
-                <a:latin typeface="Tahoma" charset="0"/>
-                <a:cs typeface="Arial" charset="0"/>
-              </a:defRPr>
-            </a:lvl2pPr>
-            <a:lvl3pPr eaLnBrk="0" hangingPunct="0">
-              <a:defRPr sz="2400">
-                <a:solidFill>
-                  <a:schemeClr val="tx1"/>
-                </a:solidFill>
-                <a:latin typeface="Tahoma" charset="0"/>
-                <a:cs typeface="Arial" charset="0"/>
-              </a:defRPr>
-            </a:lvl3pPr>
-            <a:lvl4pPr eaLnBrk="0" hangingPunct="0">
-              <a:defRPr sz="2400">
-                <a:solidFill>
-                  <a:schemeClr val="tx1"/>
-                </a:solidFill>
-                <a:latin typeface="Tahoma" charset="0"/>
-                <a:cs typeface="Arial" charset="0"/>
-              </a:defRPr>
-            </a:lvl4pPr>
-            <a:lvl5pPr eaLnBrk="0" hangingPunct="0">
-              <a:defRPr sz="2400">
-                <a:solidFill>
-                  <a:schemeClr val="tx1"/>
-                </a:solidFill>
-                <a:latin typeface="Tahoma" charset="0"/>
-                <a:cs typeface="Arial" charset="0"/>
-              </a:defRPr>
-            </a:lvl5pPr>
-            <a:lvl6pPr marL="457200" eaLnBrk="0" fontAlgn="base" hangingPunct="0">
-              <a:spcBef>
-                <a:spcPct val="0"/>
-              </a:spcBef>
-              <a:spcAft>
-                <a:spcPct val="0"/>
-              </a:spcAft>
-              <a:defRPr sz="2400">
-                <a:solidFill>
-                  <a:schemeClr val="tx1"/>
-                </a:solidFill>
-                <a:latin typeface="Tahoma" charset="0"/>
-                <a:cs typeface="Arial" charset="0"/>
-              </a:defRPr>
-            </a:lvl6pPr>
-            <a:lvl7pPr marL="914400" eaLnBrk="0" fontAlgn="base" hangingPunct="0">
-              <a:spcBef>
-                <a:spcPct val="0"/>
-              </a:spcBef>
-              <a:spcAft>
-                <a:spcPct val="0"/>
-              </a:spcAft>
-              <a:defRPr sz="2400">
-                <a:solidFill>
-                  <a:schemeClr val="tx1"/>
-                </a:solidFill>
-                <a:latin typeface="Tahoma" charset="0"/>
-                <a:cs typeface="Arial" charset="0"/>
-              </a:defRPr>
-            </a:lvl7pPr>
-            <a:lvl8pPr marL="1371600" eaLnBrk="0" fontAlgn="base" hangingPunct="0">
-              <a:spcBef>
-                <a:spcPct val="0"/>
-              </a:spcBef>
-              <a:spcAft>
-                <a:spcPct val="0"/>
-              </a:spcAft>
-              <a:defRPr sz="2400">
-                <a:solidFill>
-                  <a:schemeClr val="tx1"/>
-                </a:solidFill>
-                <a:latin typeface="Tahoma" charset="0"/>
-                <a:cs typeface="Arial" charset="0"/>
-              </a:defRPr>
-            </a:lvl8pPr>
-            <a:lvl9pPr marL="1828800" eaLnBrk="0" fontAlgn="base" hangingPunct="0">
-              <a:spcBef>
-                <a:spcPct val="0"/>
-              </a:spcBef>
-              <a:spcAft>
-                <a:spcPct val="0"/>
-              </a:spcAft>
-              <a:defRPr sz="2400">
-                <a:solidFill>
-                  <a:schemeClr val="tx1"/>
-                </a:solidFill>
-                <a:latin typeface="Tahoma" charset="0"/>
-                <a:cs typeface="Arial" charset="0"/>
-              </a:defRPr>
-            </a:lvl9pPr>
-          </a:lstStyle>
-          <a:p>
-            <a:pPr algn="l">
-              <a:lnSpc>
-                <a:spcPts val="2500"/>
-              </a:lnSpc>
-              <a:buClr>
-                <a:srgbClr val="00A6D6"/>
-              </a:buClr>
-              <a:defRPr/>
-            </a:pPr>
-            <a:r>
-              <a:rPr lang="nl-NL" altLang="nl-NL" sz="2000" dirty="0" smtClean="0">
-                <a:solidFill>
-                  <a:srgbClr val="00A6D6"/>
-                </a:solidFill>
-                <a:latin typeface="+mn-lt"/>
-                <a:ea typeface="ＭＳ Ｐゴシック" charset="-128"/>
-              </a:rPr>
-              <a:t>Ontwerp</a:t>
-            </a:r>
-            <a:endParaRPr lang="nl-NL" altLang="nl-NL" sz="2000" dirty="0" smtClean="0">
-              <a:solidFill>
-                <a:srgbClr val="00A6D6"/>
-              </a:solidFill>
-              <a:latin typeface="+mn-lt"/>
-              <a:ea typeface="ＭＳ Ｐゴシック" charset="-128"/>
-            </a:endParaRPr>
-          </a:p>
-        </p:txBody>
-      </p:sp>
-      <p:pic>
-        <p:nvPicPr>
-          <p:cNvPr id="5" name="Afbeelding 4"/>
-          <p:cNvPicPr>
-            <a:picLocks noChangeAspect="1"/>
-          </p:cNvPicPr>
-          <p:nvPr/>
-        </p:nvPicPr>
-        <p:blipFill>
-          <a:blip r:embed="rId2">
-            <a:extLst>
-              <a:ext uri="{28A0092B-C50C-407E-A947-70E740481C1C}">
-                <a14:useLocalDpi xmlns:a14="http://schemas.microsoft.com/office/drawing/2010/main" val="0"/>
-              </a:ext>
-            </a:extLst>
-          </a:blip>
-          <a:stretch>
-            <a:fillRect/>
-          </a:stretch>
-        </p:blipFill>
-        <p:spPr>
-          <a:xfrm>
-            <a:off x="914400" y="1364996"/>
-            <a:ext cx="7053069" cy="4538682"/>
-          </a:xfrm>
-          <a:prstGeom prst="rect">
-            <a:avLst/>
-          </a:prstGeom>
-        </p:spPr>
-      </p:pic>
-    </p:spTree>
-    <p:extLst>
-      <p:ext uri="{BB962C8B-B14F-4D97-AF65-F5344CB8AC3E}">
-        <p14:creationId xmlns:p14="http://schemas.microsoft.com/office/powerpoint/2010/main" val="4018347521"/>
-      </p:ext>
-    </p:extLst>
-  </p:cSld>
-  <p:clrMapOvr>
-    <a:masterClrMapping/>
-  </p:clrMapOvr>
-  <p:timing>
-    <p:tnLst>
-      <p:par>
-        <p:cTn id="1" dur="indefinite" restart="never" nodeType="tmRoot"/>
-      </p:par>
-    </p:tnLst>
-  </p:timing>
-</p:sld>
-</file>
-
-<file path=ppt/slides/slide5.xml><?xml version="1.0" encoding="utf-8"?>
-<p:sld xmlns:a="http://schemas.openxmlformats.org/drawingml/2006/main" xmlns:r="http://schemas.openxmlformats.org/officeDocument/2006/relationships" xmlns:p="http://schemas.openxmlformats.org/presentationml/2006/main">
-  <p:cSld>
-    <p:spTree>
-      <p:nvGrpSpPr>
-        <p:cNvPr id="1" name=""/>
-        <p:cNvGrpSpPr/>
-        <p:nvPr/>
-      </p:nvGrpSpPr>
-      <p:grpSpPr>
-        <a:xfrm>
-          <a:off x="0" y="0"/>
-          <a:ext cx="0" cy="0"/>
-          <a:chOff x="0" y="0"/>
-          <a:chExt cx="0" cy="0"/>
-        </a:xfrm>
-      </p:grpSpPr>
-      <p:sp>
-        <p:nvSpPr>
-          <p:cNvPr id="4098" name="Title 3"/>
-          <p:cNvSpPr>
-            <a:spLocks noGrp="1"/>
-          </p:cNvSpPr>
-          <p:nvPr>
-            <p:ph type="title"/>
-          </p:nvPr>
-        </p:nvSpPr>
-        <p:spPr>
-          <a:xfrm>
-            <a:off x="917575" y="457200"/>
-            <a:ext cx="7159625" cy="627063"/>
-          </a:xfrm>
-        </p:spPr>
-        <p:txBody>
-          <a:bodyPr/>
-          <a:lstStyle/>
-          <a:p>
-            <a:pPr>
-              <a:defRPr/>
-            </a:pPr>
-            <a:r>
-              <a:rPr lang="nl-NL" altLang="nl-NL" dirty="0" smtClean="0">
-                <a:latin typeface="+mn-lt"/>
-                <a:ea typeface="ＭＳ Ｐゴシック" pitchFamily="34" charset="-128"/>
-              </a:rPr>
-              <a:t>DCF77</a:t>
-            </a:r>
-            <a:endParaRPr lang="nl-NL" altLang="nl-NL" dirty="0" smtClean="0">
-              <a:latin typeface="+mn-lt"/>
-              <a:ea typeface="ＭＳ Ｐゴシック" pitchFamily="34" charset="-128"/>
-            </a:endParaRPr>
-          </a:p>
-        </p:txBody>
-      </p:sp>
-      <p:sp>
-        <p:nvSpPr>
-          <p:cNvPr id="6" name="Ondertitel 2"/>
-          <p:cNvSpPr txBox="1">
-            <a:spLocks/>
-          </p:cNvSpPr>
-          <p:nvPr/>
-        </p:nvSpPr>
-        <p:spPr bwMode="auto">
-          <a:xfrm>
-            <a:off x="914400" y="1041400"/>
-            <a:ext cx="6781800" cy="474663"/>
-          </a:xfrm>
-          <a:prstGeom prst="rect">
-            <a:avLst/>
-          </a:prstGeom>
-          <a:noFill/>
-          <a:ln w="9525">
-            <a:noFill/>
-            <a:miter lim="800000"/>
-            <a:headEnd/>
-            <a:tailEnd/>
-          </a:ln>
-        </p:spPr>
-        <p:txBody>
-          <a:bodyPr lIns="0" tIns="0" rIns="0" bIns="0"/>
-          <a:lstStyle>
-            <a:lvl1pPr eaLnBrk="0" hangingPunct="0">
-              <a:defRPr sz="2400">
-                <a:solidFill>
-                  <a:schemeClr val="tx1"/>
-                </a:solidFill>
-                <a:latin typeface="Tahoma" charset="0"/>
-                <a:cs typeface="Arial" charset="0"/>
-              </a:defRPr>
-            </a:lvl1pPr>
-            <a:lvl2pPr marL="37931725" indent="-37474525" eaLnBrk="0" hangingPunct="0">
-              <a:defRPr sz="2400">
-                <a:solidFill>
-                  <a:schemeClr val="tx1"/>
-                </a:solidFill>
-                <a:latin typeface="Tahoma" charset="0"/>
-                <a:cs typeface="Arial" charset="0"/>
-              </a:defRPr>
-            </a:lvl2pPr>
-            <a:lvl3pPr eaLnBrk="0" hangingPunct="0">
-              <a:defRPr sz="2400">
-                <a:solidFill>
-                  <a:schemeClr val="tx1"/>
-                </a:solidFill>
-                <a:latin typeface="Tahoma" charset="0"/>
-                <a:cs typeface="Arial" charset="0"/>
-              </a:defRPr>
-            </a:lvl3pPr>
-            <a:lvl4pPr eaLnBrk="0" hangingPunct="0">
-              <a:defRPr sz="2400">
-                <a:solidFill>
-                  <a:schemeClr val="tx1"/>
-                </a:solidFill>
-                <a:latin typeface="Tahoma" charset="0"/>
-                <a:cs typeface="Arial" charset="0"/>
-              </a:defRPr>
-            </a:lvl4pPr>
-            <a:lvl5pPr eaLnBrk="0" hangingPunct="0">
-              <a:defRPr sz="2400">
-                <a:solidFill>
-                  <a:schemeClr val="tx1"/>
-                </a:solidFill>
-                <a:latin typeface="Tahoma" charset="0"/>
-                <a:cs typeface="Arial" charset="0"/>
-              </a:defRPr>
-            </a:lvl5pPr>
-            <a:lvl6pPr marL="457200" eaLnBrk="0" fontAlgn="base" hangingPunct="0">
-              <a:spcBef>
-                <a:spcPct val="0"/>
-              </a:spcBef>
-              <a:spcAft>
-                <a:spcPct val="0"/>
-              </a:spcAft>
-              <a:defRPr sz="2400">
-                <a:solidFill>
-                  <a:schemeClr val="tx1"/>
-                </a:solidFill>
-                <a:latin typeface="Tahoma" charset="0"/>
-                <a:cs typeface="Arial" charset="0"/>
-              </a:defRPr>
-            </a:lvl6pPr>
-            <a:lvl7pPr marL="914400" eaLnBrk="0" fontAlgn="base" hangingPunct="0">
-              <a:spcBef>
-                <a:spcPct val="0"/>
-              </a:spcBef>
-              <a:spcAft>
-                <a:spcPct val="0"/>
-              </a:spcAft>
-              <a:defRPr sz="2400">
-                <a:solidFill>
-                  <a:schemeClr val="tx1"/>
-                </a:solidFill>
-                <a:latin typeface="Tahoma" charset="0"/>
-                <a:cs typeface="Arial" charset="0"/>
-              </a:defRPr>
-            </a:lvl7pPr>
-            <a:lvl8pPr marL="1371600" eaLnBrk="0" fontAlgn="base" hangingPunct="0">
-              <a:spcBef>
-                <a:spcPct val="0"/>
-              </a:spcBef>
-              <a:spcAft>
-                <a:spcPct val="0"/>
-              </a:spcAft>
-              <a:defRPr sz="2400">
-                <a:solidFill>
-                  <a:schemeClr val="tx1"/>
-                </a:solidFill>
-                <a:latin typeface="Tahoma" charset="0"/>
-                <a:cs typeface="Arial" charset="0"/>
-              </a:defRPr>
-            </a:lvl8pPr>
-            <a:lvl9pPr marL="1828800" eaLnBrk="0" fontAlgn="base" hangingPunct="0">
-              <a:spcBef>
-                <a:spcPct val="0"/>
-              </a:spcBef>
-              <a:spcAft>
-                <a:spcPct val="0"/>
-              </a:spcAft>
-              <a:defRPr sz="2400">
-                <a:solidFill>
-                  <a:schemeClr val="tx1"/>
-                </a:solidFill>
-                <a:latin typeface="Tahoma" charset="0"/>
-                <a:cs typeface="Arial" charset="0"/>
-              </a:defRPr>
-            </a:lvl9pPr>
-          </a:lstStyle>
-          <a:p>
-            <a:pPr algn="l">
-              <a:lnSpc>
-                <a:spcPts val="2500"/>
-              </a:lnSpc>
-              <a:buClr>
-                <a:srgbClr val="00A6D6"/>
-              </a:buClr>
-              <a:defRPr/>
-            </a:pPr>
-            <a:r>
-              <a:rPr lang="nl-NL" altLang="nl-NL" sz="2000" dirty="0" smtClean="0">
-                <a:solidFill>
-                  <a:srgbClr val="00A6D6"/>
-                </a:solidFill>
-                <a:latin typeface="+mn-lt"/>
-                <a:ea typeface="ＭＳ Ｐゴシック" charset="-128"/>
-              </a:rPr>
-              <a:t>Testen</a:t>
-            </a:r>
-            <a:endParaRPr lang="nl-NL" altLang="nl-NL" sz="2000" dirty="0" smtClean="0">
-              <a:solidFill>
-                <a:srgbClr val="00A6D6"/>
-              </a:solidFill>
-              <a:latin typeface="+mn-lt"/>
-              <a:ea typeface="ＭＳ Ｐゴシック" charset="-128"/>
-            </a:endParaRPr>
-          </a:p>
-        </p:txBody>
-      </p:sp>
-      <p:pic>
-        <p:nvPicPr>
-          <p:cNvPr id="4" name="Afbeelding 3"/>
-          <p:cNvPicPr>
-            <a:picLocks noChangeAspect="1"/>
-          </p:cNvPicPr>
-          <p:nvPr/>
-        </p:nvPicPr>
-        <p:blipFill>
-          <a:blip r:embed="rId2">
-            <a:extLst>
-              <a:ext uri="{28A0092B-C50C-407E-A947-70E740481C1C}">
-                <a14:useLocalDpi xmlns:a14="http://schemas.microsoft.com/office/drawing/2010/main" val="0"/>
-              </a:ext>
-            </a:extLst>
-          </a:blip>
-          <a:stretch>
-            <a:fillRect/>
-          </a:stretch>
-        </p:blipFill>
-        <p:spPr>
-          <a:xfrm>
-            <a:off x="990714" y="2488486"/>
-            <a:ext cx="7300593" cy="2088061"/>
-          </a:xfrm>
-          <a:prstGeom prst="rect">
-            <a:avLst/>
-          </a:prstGeom>
-        </p:spPr>
-      </p:pic>
-    </p:spTree>
-    <p:extLst>
-      <p:ext uri="{BB962C8B-B14F-4D97-AF65-F5344CB8AC3E}">
-        <p14:creationId xmlns:p14="http://schemas.microsoft.com/office/powerpoint/2010/main" val="2920824063"/>
+        <p14:creationId xmlns:p14="http://schemas.microsoft.com/office/powerpoint/2010/main" val="212430228"/>
       </p:ext>
     </p:extLst>
   </p:cSld>

--- a/Presentatie/Presentatie groep A1.pptx
+++ b/Presentatie/Presentatie groep A1.pptx
@@ -290,7 +290,7 @@
               <a:pPr>
                 <a:defRPr/>
               </a:pPr>
-              <a:t>1/16/2015</a:t>
+              <a:t>1/17/2015</a:t>
             </a:fld>
             <a:endParaRPr lang="en-US" altLang="nl-NL"/>
           </a:p>
@@ -4816,8 +4816,8 @@
         </p:nvSpPr>
         <p:spPr bwMode="auto">
           <a:xfrm>
-            <a:off x="471488" y="2055813"/>
-            <a:ext cx="7307262" cy="1897062"/>
+            <a:off x="471487" y="2055813"/>
+            <a:ext cx="8008279" cy="1897062"/>
           </a:xfrm>
           <a:prstGeom prst="rect">
             <a:avLst/>
@@ -5052,7 +5052,7 @@
         <p:spPr>
           <a:xfrm>
             <a:off x="685800" y="2155825"/>
-            <a:ext cx="6799263" cy="646113"/>
+            <a:ext cx="7716328" cy="646113"/>
           </a:xfrm>
         </p:spPr>
         <p:txBody>
@@ -5066,8 +5066,23 @@
               <a:rPr lang="en-US" altLang="nl-NL" dirty="0" smtClean="0">
                 <a:latin typeface="+mn-lt"/>
               </a:rPr>
-              <a:t>E.W.I.</a:t>
-            </a:r>
+              <a:t>Extreme </a:t>
+            </a:r>
+            <a:r>
+              <a:rPr lang="en-US" altLang="nl-NL" dirty="0" err="1" smtClean="0">
+                <a:latin typeface="+mn-lt"/>
+              </a:rPr>
+              <a:t>Winterslaap</a:t>
+            </a:r>
+            <a:r>
+              <a:rPr lang="en-US" altLang="nl-NL" dirty="0" smtClean="0">
+                <a:latin typeface="+mn-lt"/>
+              </a:rPr>
+              <a:t> Interrupter (E.W.I.)</a:t>
+            </a:r>
+            <a:endParaRPr lang="en-US" altLang="nl-NL" dirty="0" smtClean="0">
+              <a:latin typeface="+mn-lt"/>
+            </a:endParaRPr>
           </a:p>
         </p:txBody>
       </p:sp>
@@ -5083,7 +5098,7 @@
         </p:nvSpPr>
         <p:spPr>
           <a:xfrm>
-            <a:off x="693737" y="2862263"/>
+            <a:off x="685800" y="3004344"/>
             <a:ext cx="6888881" cy="828675"/>
           </a:xfrm>
         </p:spPr>

--- a/Presentatie/Presentatie groep A1.pptx
+++ b/Presentatie/Presentatie groep A1.pptx
@@ -5,13 +5,22 @@
     <p:sldMasterId id="2147483649" r:id="rId1"/>
   </p:sldMasterIdLst>
   <p:notesMasterIdLst>
-    <p:notesMasterId r:id="rId3"/>
+    <p:notesMasterId r:id="rId12"/>
   </p:notesMasterIdLst>
   <p:handoutMasterIdLst>
-    <p:handoutMasterId r:id="rId4"/>
+    <p:handoutMasterId r:id="rId13"/>
   </p:handoutMasterIdLst>
   <p:sldIdLst>
     <p:sldId id="382" r:id="rId2"/>
+    <p:sldId id="383" r:id="rId3"/>
+    <p:sldId id="384" r:id="rId4"/>
+    <p:sldId id="385" r:id="rId5"/>
+    <p:sldId id="386" r:id="rId6"/>
+    <p:sldId id="387" r:id="rId7"/>
+    <p:sldId id="388" r:id="rId8"/>
+    <p:sldId id="389" r:id="rId9"/>
+    <p:sldId id="390" r:id="rId10"/>
+    <p:sldId id="391" r:id="rId11"/>
   </p:sldIdLst>
   <p:sldSz cx="9144000" cy="6858000" type="screen4x3"/>
   <p:notesSz cx="6794500" cy="9931400"/>
@@ -290,7 +299,7 @@
               <a:pPr>
                 <a:defRPr/>
               </a:pPr>
-              <a:t>1/17/2015</a:t>
+              <a:t>1/18/2015</a:t>
             </a:fld>
             <a:endParaRPr lang="en-US" altLang="nl-NL"/>
           </a:p>
@@ -5080,9 +5089,6 @@
               </a:rPr>
               <a:t> Interrupter (E.W.I.)</a:t>
             </a:r>
-            <a:endParaRPr lang="en-US" altLang="nl-NL" dirty="0" smtClean="0">
-              <a:latin typeface="+mn-lt"/>
-            </a:endParaRPr>
           </a:p>
         </p:txBody>
       </p:sp>
@@ -5257,6 +5263,7558 @@
     <p:extLst>
       <p:ext uri="{BB962C8B-B14F-4D97-AF65-F5344CB8AC3E}">
         <p14:creationId xmlns:p14="http://schemas.microsoft.com/office/powerpoint/2010/main" val="212430228"/>
+      </p:ext>
+    </p:extLst>
+  </p:cSld>
+  <p:clrMapOvr>
+    <a:masterClrMapping/>
+  </p:clrMapOvr>
+  <p:timing>
+    <p:tnLst>
+      <p:par>
+        <p:cTn id="1" dur="indefinite" restart="never" nodeType="tmRoot"/>
+      </p:par>
+    </p:tnLst>
+  </p:timing>
+</p:sld>
+</file>
+
+<file path=ppt/slides/slide10.xml><?xml version="1.0" encoding="utf-8"?>
+<p:sld xmlns:a="http://schemas.openxmlformats.org/drawingml/2006/main" xmlns:r="http://schemas.openxmlformats.org/officeDocument/2006/relationships" xmlns:p="http://schemas.openxmlformats.org/presentationml/2006/main">
+  <p:cSld>
+    <p:spTree>
+      <p:nvGrpSpPr>
+        <p:cNvPr id="1" name=""/>
+        <p:cNvGrpSpPr/>
+        <p:nvPr/>
+      </p:nvGrpSpPr>
+      <p:grpSpPr>
+        <a:xfrm>
+          <a:off x="0" y="0"/>
+          <a:ext cx="0" cy="0"/>
+          <a:chOff x="0" y="0"/>
+          <a:chExt cx="0" cy="0"/>
+        </a:xfrm>
+      </p:grpSpPr>
+      <p:sp>
+        <p:nvSpPr>
+          <p:cNvPr id="2" name="Titel 1"/>
+          <p:cNvSpPr>
+            <a:spLocks noGrp="1"/>
+          </p:cNvSpPr>
+          <p:nvPr>
+            <p:ph type="title"/>
+          </p:nvPr>
+        </p:nvSpPr>
+        <p:spPr/>
+        <p:txBody>
+          <a:bodyPr/>
+          <a:lstStyle/>
+          <a:p>
+            <a:r>
+              <a:rPr lang="nl-NL" dirty="0" smtClean="0">
+                <a:latin typeface="+mn-lt"/>
+              </a:rPr>
+              <a:t>FSM</a:t>
+            </a:r>
+            <a:endParaRPr lang="nl-NL" dirty="0">
+              <a:latin typeface="+mn-lt"/>
+            </a:endParaRPr>
+          </a:p>
+        </p:txBody>
+      </p:sp>
+      <p:pic>
+        <p:nvPicPr>
+          <p:cNvPr id="4" name="Tijdelijke aanduiding voor inhoud 3"/>
+          <p:cNvPicPr>
+            <a:picLocks noGrp="1" noChangeAspect="1"/>
+          </p:cNvPicPr>
+          <p:nvPr>
+            <p:ph idx="1"/>
+          </p:nvPr>
+        </p:nvPicPr>
+        <p:blipFill>
+          <a:blip r:embed="rId2">
+            <a:extLst>
+              <a:ext uri="{28A0092B-C50C-407E-A947-70E740481C1C}">
+                <a14:useLocalDpi xmlns:a14="http://schemas.microsoft.com/office/drawing/2010/main" val="0"/>
+              </a:ext>
+            </a:extLst>
+          </a:blip>
+          <a:stretch>
+            <a:fillRect/>
+          </a:stretch>
+        </p:blipFill>
+        <p:spPr>
+          <a:xfrm>
+            <a:off x="1378424" y="916596"/>
+            <a:ext cx="6815905" cy="5210562"/>
+          </a:xfrm>
+        </p:spPr>
+      </p:pic>
+    </p:spTree>
+    <p:extLst>
+      <p:ext uri="{BB962C8B-B14F-4D97-AF65-F5344CB8AC3E}">
+        <p14:creationId xmlns:p14="http://schemas.microsoft.com/office/powerpoint/2010/main" val="2574639051"/>
+      </p:ext>
+    </p:extLst>
+  </p:cSld>
+  <p:clrMapOvr>
+    <a:masterClrMapping/>
+  </p:clrMapOvr>
+  <p:timing>
+    <p:tnLst>
+      <p:par>
+        <p:cTn id="1" dur="indefinite" restart="never" nodeType="tmRoot"/>
+      </p:par>
+    </p:tnLst>
+  </p:timing>
+</p:sld>
+</file>
+
+<file path=ppt/slides/slide2.xml><?xml version="1.0" encoding="utf-8"?>
+<p:sld xmlns:a="http://schemas.openxmlformats.org/drawingml/2006/main" xmlns:r="http://schemas.openxmlformats.org/officeDocument/2006/relationships" xmlns:p="http://schemas.openxmlformats.org/presentationml/2006/main">
+  <p:cSld>
+    <p:spTree>
+      <p:nvGrpSpPr>
+        <p:cNvPr id="1" name=""/>
+        <p:cNvGrpSpPr/>
+        <p:nvPr/>
+      </p:nvGrpSpPr>
+      <p:grpSpPr>
+        <a:xfrm>
+          <a:off x="0" y="0"/>
+          <a:ext cx="0" cy="0"/>
+          <a:chOff x="0" y="0"/>
+          <a:chExt cx="0" cy="0"/>
+        </a:xfrm>
+      </p:grpSpPr>
+      <p:sp>
+        <p:nvSpPr>
+          <p:cNvPr id="2" name="Titel 1"/>
+          <p:cNvSpPr>
+            <a:spLocks noGrp="1"/>
+          </p:cNvSpPr>
+          <p:nvPr>
+            <p:ph type="title"/>
+          </p:nvPr>
+        </p:nvSpPr>
+        <p:spPr/>
+        <p:txBody>
+          <a:bodyPr/>
+          <a:lstStyle/>
+          <a:p>
+            <a:r>
+              <a:rPr lang="nl-NL" dirty="0" smtClean="0"/>
+              <a:t>DCF77 module</a:t>
+            </a:r>
+            <a:endParaRPr lang="nl-NL" dirty="0"/>
+          </a:p>
+        </p:txBody>
+      </p:sp>
+    </p:spTree>
+    <p:extLst>
+      <p:ext uri="{BB962C8B-B14F-4D97-AF65-F5344CB8AC3E}">
+        <p14:creationId xmlns:p14="http://schemas.microsoft.com/office/powerpoint/2010/main" val="912281294"/>
+      </p:ext>
+    </p:extLst>
+  </p:cSld>
+  <p:clrMapOvr>
+    <a:masterClrMapping/>
+  </p:clrMapOvr>
+  <p:timing>
+    <p:tnLst>
+      <p:par>
+        <p:cTn id="1" dur="indefinite" restart="never" nodeType="tmRoot"/>
+      </p:par>
+    </p:tnLst>
+  </p:timing>
+</p:sld>
+</file>
+
+<file path=ppt/slides/slide3.xml><?xml version="1.0" encoding="utf-8"?>
+<p:sld xmlns:a="http://schemas.openxmlformats.org/drawingml/2006/main" xmlns:r="http://schemas.openxmlformats.org/officeDocument/2006/relationships" xmlns:p="http://schemas.openxmlformats.org/presentationml/2006/main">
+  <p:cSld>
+    <p:spTree>
+      <p:nvGrpSpPr>
+        <p:cNvPr id="1" name=""/>
+        <p:cNvGrpSpPr/>
+        <p:nvPr/>
+      </p:nvGrpSpPr>
+      <p:grpSpPr>
+        <a:xfrm>
+          <a:off x="0" y="0"/>
+          <a:ext cx="0" cy="0"/>
+          <a:chOff x="0" y="0"/>
+          <a:chExt cx="0" cy="0"/>
+        </a:xfrm>
+      </p:grpSpPr>
+      <p:pic>
+        <p:nvPicPr>
+          <p:cNvPr id="9" name="Tijdelijke aanduiding voor inhoud 1"/>
+          <p:cNvPicPr>
+            <a:picLocks noChangeAspect="1"/>
+          </p:cNvPicPr>
+          <p:nvPr/>
+        </p:nvPicPr>
+        <p:blipFill>
+          <a:blip r:embed="rId2" cstate="print">
+            <a:extLst>
+              <a:ext uri="{28A0092B-C50C-407E-A947-70E740481C1C}">
+                <a14:useLocalDpi xmlns:a14="http://schemas.microsoft.com/office/drawing/2010/main" val="0"/>
+              </a:ext>
+            </a:extLst>
+          </a:blip>
+          <a:stretch>
+            <a:fillRect/>
+          </a:stretch>
+        </p:blipFill>
+        <p:spPr bwMode="auto">
+          <a:xfrm>
+            <a:off x="4570866" y="597289"/>
+            <a:ext cx="3666227" cy="3759832"/>
+          </a:xfrm>
+          <a:prstGeom prst="rect">
+            <a:avLst/>
+          </a:prstGeom>
+          <a:noFill/>
+          <a:ln>
+            <a:noFill/>
+          </a:ln>
+          <a:extLst>
+            <a:ext uri="{909E8E84-426E-40DD-AFC4-6F175D3DCCD1}">
+              <a14:hiddenFill xmlns:a14="http://schemas.microsoft.com/office/drawing/2010/main">
+                <a:solidFill>
+                  <a:srgbClr val="FFFFFF"/>
+                </a:solidFill>
+              </a14:hiddenFill>
+            </a:ext>
+            <a:ext uri="{91240B29-F687-4F45-9708-019B960494DF}">
+              <a14:hiddenLine xmlns:a14="http://schemas.microsoft.com/office/drawing/2010/main" w="9525">
+                <a:solidFill>
+                  <a:srgbClr val="000000"/>
+                </a:solidFill>
+                <a:miter lim="800000"/>
+                <a:headEnd/>
+                <a:tailEnd/>
+              </a14:hiddenLine>
+            </a:ext>
+          </a:extLst>
+        </p:spPr>
+      </p:pic>
+      <p:sp>
+        <p:nvSpPr>
+          <p:cNvPr id="4098" name="Title 3"/>
+          <p:cNvSpPr>
+            <a:spLocks noGrp="1"/>
+          </p:cNvSpPr>
+          <p:nvPr>
+            <p:ph type="title"/>
+          </p:nvPr>
+        </p:nvSpPr>
+        <p:spPr>
+          <a:xfrm>
+            <a:off x="915193" y="502892"/>
+            <a:ext cx="7159625" cy="627063"/>
+          </a:xfrm>
+        </p:spPr>
+        <p:txBody>
+          <a:bodyPr/>
+          <a:lstStyle/>
+          <a:p>
+            <a:pPr>
+              <a:defRPr/>
+            </a:pPr>
+            <a:r>
+              <a:rPr lang="nl-NL" altLang="nl-NL" dirty="0" smtClean="0">
+                <a:latin typeface="+mn-lt"/>
+                <a:ea typeface="ＭＳ Ｐゴシック" pitchFamily="34" charset="-128"/>
+              </a:rPr>
+              <a:t>DCF77</a:t>
+            </a:r>
+          </a:p>
+        </p:txBody>
+      </p:sp>
+      <p:sp>
+        <p:nvSpPr>
+          <p:cNvPr id="6" name="Ondertitel 2"/>
+          <p:cNvSpPr txBox="1">
+            <a:spLocks/>
+          </p:cNvSpPr>
+          <p:nvPr/>
+        </p:nvSpPr>
+        <p:spPr bwMode="auto">
+          <a:xfrm>
+            <a:off x="914400" y="1041400"/>
+            <a:ext cx="6781800" cy="474663"/>
+          </a:xfrm>
+          <a:prstGeom prst="rect">
+            <a:avLst/>
+          </a:prstGeom>
+          <a:noFill/>
+          <a:ln w="9525">
+            <a:noFill/>
+            <a:miter lim="800000"/>
+            <a:headEnd/>
+            <a:tailEnd/>
+          </a:ln>
+        </p:spPr>
+        <p:txBody>
+          <a:bodyPr lIns="0" tIns="0" rIns="0" bIns="0"/>
+          <a:lstStyle>
+            <a:lvl1pPr eaLnBrk="0" hangingPunct="0">
+              <a:defRPr sz="2400">
+                <a:solidFill>
+                  <a:schemeClr val="tx1"/>
+                </a:solidFill>
+                <a:latin typeface="Tahoma" charset="0"/>
+                <a:cs typeface="Arial" charset="0"/>
+              </a:defRPr>
+            </a:lvl1pPr>
+            <a:lvl2pPr marL="37931725" indent="-37474525" eaLnBrk="0" hangingPunct="0">
+              <a:defRPr sz="2400">
+                <a:solidFill>
+                  <a:schemeClr val="tx1"/>
+                </a:solidFill>
+                <a:latin typeface="Tahoma" charset="0"/>
+                <a:cs typeface="Arial" charset="0"/>
+              </a:defRPr>
+            </a:lvl2pPr>
+            <a:lvl3pPr eaLnBrk="0" hangingPunct="0">
+              <a:defRPr sz="2400">
+                <a:solidFill>
+                  <a:schemeClr val="tx1"/>
+                </a:solidFill>
+                <a:latin typeface="Tahoma" charset="0"/>
+                <a:cs typeface="Arial" charset="0"/>
+              </a:defRPr>
+            </a:lvl3pPr>
+            <a:lvl4pPr eaLnBrk="0" hangingPunct="0">
+              <a:defRPr sz="2400">
+                <a:solidFill>
+                  <a:schemeClr val="tx1"/>
+                </a:solidFill>
+                <a:latin typeface="Tahoma" charset="0"/>
+                <a:cs typeface="Arial" charset="0"/>
+              </a:defRPr>
+            </a:lvl4pPr>
+            <a:lvl5pPr eaLnBrk="0" hangingPunct="0">
+              <a:defRPr sz="2400">
+                <a:solidFill>
+                  <a:schemeClr val="tx1"/>
+                </a:solidFill>
+                <a:latin typeface="Tahoma" charset="0"/>
+                <a:cs typeface="Arial" charset="0"/>
+              </a:defRPr>
+            </a:lvl5pPr>
+            <a:lvl6pPr marL="457200" eaLnBrk="0" fontAlgn="base" hangingPunct="0">
+              <a:spcBef>
+                <a:spcPct val="0"/>
+              </a:spcBef>
+              <a:spcAft>
+                <a:spcPct val="0"/>
+              </a:spcAft>
+              <a:defRPr sz="2400">
+                <a:solidFill>
+                  <a:schemeClr val="tx1"/>
+                </a:solidFill>
+                <a:latin typeface="Tahoma" charset="0"/>
+                <a:cs typeface="Arial" charset="0"/>
+              </a:defRPr>
+            </a:lvl6pPr>
+            <a:lvl7pPr marL="914400" eaLnBrk="0" fontAlgn="base" hangingPunct="0">
+              <a:spcBef>
+                <a:spcPct val="0"/>
+              </a:spcBef>
+              <a:spcAft>
+                <a:spcPct val="0"/>
+              </a:spcAft>
+              <a:defRPr sz="2400">
+                <a:solidFill>
+                  <a:schemeClr val="tx1"/>
+                </a:solidFill>
+                <a:latin typeface="Tahoma" charset="0"/>
+                <a:cs typeface="Arial" charset="0"/>
+              </a:defRPr>
+            </a:lvl7pPr>
+            <a:lvl8pPr marL="1371600" eaLnBrk="0" fontAlgn="base" hangingPunct="0">
+              <a:spcBef>
+                <a:spcPct val="0"/>
+              </a:spcBef>
+              <a:spcAft>
+                <a:spcPct val="0"/>
+              </a:spcAft>
+              <a:defRPr sz="2400">
+                <a:solidFill>
+                  <a:schemeClr val="tx1"/>
+                </a:solidFill>
+                <a:latin typeface="Tahoma" charset="0"/>
+                <a:cs typeface="Arial" charset="0"/>
+              </a:defRPr>
+            </a:lvl8pPr>
+            <a:lvl9pPr marL="1828800" eaLnBrk="0" fontAlgn="base" hangingPunct="0">
+              <a:spcBef>
+                <a:spcPct val="0"/>
+              </a:spcBef>
+              <a:spcAft>
+                <a:spcPct val="0"/>
+              </a:spcAft>
+              <a:defRPr sz="2400">
+                <a:solidFill>
+                  <a:schemeClr val="tx1"/>
+                </a:solidFill>
+                <a:latin typeface="Tahoma" charset="0"/>
+                <a:cs typeface="Arial" charset="0"/>
+              </a:defRPr>
+            </a:lvl9pPr>
+          </a:lstStyle>
+          <a:p>
+            <a:pPr algn="l">
+              <a:lnSpc>
+                <a:spcPts val="2500"/>
+              </a:lnSpc>
+              <a:buClr>
+                <a:srgbClr val="00A6D6"/>
+              </a:buClr>
+              <a:defRPr/>
+            </a:pPr>
+            <a:r>
+              <a:rPr lang="nl-NL" altLang="nl-NL" sz="2000" dirty="0" smtClean="0">
+                <a:solidFill>
+                  <a:srgbClr val="00A6D6"/>
+                </a:solidFill>
+                <a:latin typeface="+mn-lt"/>
+                <a:ea typeface="ＭＳ Ｐゴシック" charset="-128"/>
+              </a:rPr>
+              <a:t>Het signaal</a:t>
+            </a:r>
+          </a:p>
+        </p:txBody>
+      </p:sp>
+      <p:sp>
+        <p:nvSpPr>
+          <p:cNvPr id="4" name="Tijdelijke aanduiding voor inhoud 3"/>
+          <p:cNvSpPr>
+            <a:spLocks noGrp="1"/>
+          </p:cNvSpPr>
+          <p:nvPr>
+            <p:ph idx="1"/>
+          </p:nvPr>
+        </p:nvSpPr>
+        <p:spPr/>
+        <p:txBody>
+          <a:bodyPr/>
+          <a:lstStyle/>
+          <a:p>
+            <a:r>
+              <a:rPr lang="nl-NL" dirty="0" smtClean="0"/>
+              <a:t>Gedigitaliseerd signaal</a:t>
+            </a:r>
+          </a:p>
+          <a:p>
+            <a:pPr lvl="1"/>
+            <a:r>
+              <a:rPr lang="nl-NL" dirty="0" smtClean="0"/>
+              <a:t>Korte &amp; lange pulsen</a:t>
+            </a:r>
+          </a:p>
+          <a:p>
+            <a:r>
+              <a:rPr lang="nl-NL" dirty="0" smtClean="0"/>
+              <a:t>Minuutmarkering</a:t>
+            </a:r>
+          </a:p>
+          <a:p>
+            <a:r>
+              <a:rPr lang="nl-NL" dirty="0" smtClean="0"/>
+              <a:t>Codering</a:t>
+            </a:r>
+          </a:p>
+          <a:p>
+            <a:pPr lvl="1"/>
+            <a:r>
+              <a:rPr lang="nl-NL" dirty="0" smtClean="0"/>
+              <a:t>Datum &amp; tijd</a:t>
+            </a:r>
+          </a:p>
+          <a:p>
+            <a:r>
+              <a:rPr lang="nl-NL" dirty="0" smtClean="0"/>
+              <a:t>BCD</a:t>
+            </a:r>
+            <a:endParaRPr lang="nl-NL" dirty="0"/>
+          </a:p>
+        </p:txBody>
+      </p:sp>
+      <p:pic>
+        <p:nvPicPr>
+          <p:cNvPr id="1026" name="Picture 2" descr="http://www.sjelab.nl/DCF77_project/signaal.png"/>
+          <p:cNvPicPr>
+            <a:picLocks noChangeAspect="1" noChangeArrowheads="1"/>
+          </p:cNvPicPr>
+          <p:nvPr/>
+        </p:nvPicPr>
+        <p:blipFill rotWithShape="1">
+          <a:blip r:embed="rId3">
+            <a:extLst>
+              <a:ext uri="{28A0092B-C50C-407E-A947-70E740481C1C}">
+                <a14:useLocalDpi xmlns:a14="http://schemas.microsoft.com/office/drawing/2010/main" val="0"/>
+              </a:ext>
+            </a:extLst>
+          </a:blip>
+          <a:srcRect l="8371" t="14351" r="25537" b="8884"/>
+          <a:stretch/>
+        </p:blipFill>
+        <p:spPr bwMode="auto">
+          <a:xfrm>
+            <a:off x="912813" y="4037163"/>
+            <a:ext cx="3295808" cy="1742536"/>
+          </a:xfrm>
+          <a:prstGeom prst="rect">
+            <a:avLst/>
+          </a:prstGeom>
+          <a:noFill/>
+          <a:extLst>
+            <a:ext uri="{909E8E84-426E-40DD-AFC4-6F175D3DCCD1}">
+              <a14:hiddenFill xmlns:a14="http://schemas.microsoft.com/office/drawing/2010/main">
+                <a:solidFill>
+                  <a:srgbClr val="FFFFFF"/>
+                </a:solidFill>
+              </a14:hiddenFill>
+            </a:ext>
+          </a:extLst>
+        </p:spPr>
+      </p:pic>
+      <p:pic>
+        <p:nvPicPr>
+          <p:cNvPr id="2" name="Picture 2" descr="http://www.electronicsarea.com/images1/BCD_code_2.gif"/>
+          <p:cNvPicPr>
+            <a:picLocks noChangeAspect="1" noChangeArrowheads="1"/>
+          </p:cNvPicPr>
+          <p:nvPr/>
+        </p:nvPicPr>
+        <p:blipFill rotWithShape="1">
+          <a:blip r:embed="rId4">
+            <a:extLst>
+              <a:ext uri="{28A0092B-C50C-407E-A947-70E740481C1C}">
+                <a14:useLocalDpi xmlns:a14="http://schemas.microsoft.com/office/drawing/2010/main" val="0"/>
+              </a:ext>
+            </a:extLst>
+          </a:blip>
+          <a:srcRect t="2" b="17050"/>
+          <a:stretch/>
+        </p:blipFill>
+        <p:spPr bwMode="auto">
+          <a:xfrm>
+            <a:off x="5442516" y="4801232"/>
+            <a:ext cx="2253684" cy="831817"/>
+          </a:xfrm>
+          <a:prstGeom prst="rect">
+            <a:avLst/>
+          </a:prstGeom>
+          <a:noFill/>
+          <a:extLst>
+            <a:ext uri="{909E8E84-426E-40DD-AFC4-6F175D3DCCD1}">
+              <a14:hiddenFill xmlns:a14="http://schemas.microsoft.com/office/drawing/2010/main">
+                <a:solidFill>
+                  <a:srgbClr val="FFFFFF"/>
+                </a:solidFill>
+              </a14:hiddenFill>
+            </a:ext>
+          </a:extLst>
+        </p:spPr>
+      </p:pic>
+    </p:spTree>
+    <p:extLst>
+      <p:ext uri="{BB962C8B-B14F-4D97-AF65-F5344CB8AC3E}">
+        <p14:creationId xmlns:p14="http://schemas.microsoft.com/office/powerpoint/2010/main" val="3027842130"/>
+      </p:ext>
+    </p:extLst>
+  </p:cSld>
+  <p:clrMapOvr>
+    <a:masterClrMapping/>
+  </p:clrMapOvr>
+  <p:timing>
+    <p:tnLst>
+      <p:par>
+        <p:cTn id="1" dur="indefinite" restart="never" nodeType="tmRoot"/>
+      </p:par>
+    </p:tnLst>
+  </p:timing>
+</p:sld>
+</file>
+
+<file path=ppt/slides/slide4.xml><?xml version="1.0" encoding="utf-8"?>
+<p:sld xmlns:a="http://schemas.openxmlformats.org/drawingml/2006/main" xmlns:r="http://schemas.openxmlformats.org/officeDocument/2006/relationships" xmlns:p="http://schemas.openxmlformats.org/presentationml/2006/main">
+  <p:cSld>
+    <p:spTree>
+      <p:nvGrpSpPr>
+        <p:cNvPr id="1" name=""/>
+        <p:cNvGrpSpPr/>
+        <p:nvPr/>
+      </p:nvGrpSpPr>
+      <p:grpSpPr>
+        <a:xfrm>
+          <a:off x="0" y="0"/>
+          <a:ext cx="0" cy="0"/>
+          <a:chOff x="0" y="0"/>
+          <a:chExt cx="0" cy="0"/>
+        </a:xfrm>
+      </p:grpSpPr>
+      <p:sp>
+        <p:nvSpPr>
+          <p:cNvPr id="92" name="Rechthoek 91"/>
+          <p:cNvSpPr/>
+          <p:nvPr/>
+        </p:nvSpPr>
+        <p:spPr>
+          <a:xfrm>
+            <a:off x="1374749" y="1516063"/>
+            <a:ext cx="6321451" cy="4220503"/>
+          </a:xfrm>
+          <a:prstGeom prst="rect">
+            <a:avLst/>
+          </a:prstGeom>
+          <a:solidFill>
+            <a:schemeClr val="bg1"/>
+          </a:solidFill>
+          <a:ln w="3175">
+            <a:solidFill>
+              <a:schemeClr val="tx1">
+                <a:lumMod val="50000"/>
+                <a:lumOff val="50000"/>
+              </a:schemeClr>
+            </a:solidFill>
+            <a:prstDash val="dash"/>
+          </a:ln>
+        </p:spPr>
+        <p:style>
+          <a:lnRef idx="2">
+            <a:schemeClr val="accent1">
+              <a:shade val="50000"/>
+            </a:schemeClr>
+          </a:lnRef>
+          <a:fillRef idx="1">
+            <a:schemeClr val="accent1"/>
+          </a:fillRef>
+          <a:effectRef idx="0">
+            <a:schemeClr val="accent1"/>
+          </a:effectRef>
+          <a:fontRef idx="minor">
+            <a:schemeClr val="lt1"/>
+          </a:fontRef>
+        </p:style>
+        <p:txBody>
+          <a:bodyPr rtlCol="0" anchor="ctr"/>
+          <a:lstStyle/>
+          <a:p>
+            <a:pPr algn="ctr"/>
+            <a:endParaRPr lang="nl-NL"/>
+          </a:p>
+        </p:txBody>
+      </p:sp>
+      <p:sp>
+        <p:nvSpPr>
+          <p:cNvPr id="102" name="Rechthoek 101"/>
+          <p:cNvSpPr/>
+          <p:nvPr/>
+        </p:nvSpPr>
+        <p:spPr>
+          <a:xfrm>
+            <a:off x="1374750" y="2254493"/>
+            <a:ext cx="3309546" cy="3482074"/>
+          </a:xfrm>
+          <a:prstGeom prst="rect">
+            <a:avLst/>
+          </a:prstGeom>
+          <a:solidFill>
+            <a:schemeClr val="bg1"/>
+          </a:solidFill>
+          <a:ln w="3175">
+            <a:solidFill>
+              <a:schemeClr val="tx1">
+                <a:lumMod val="50000"/>
+                <a:lumOff val="50000"/>
+              </a:schemeClr>
+            </a:solidFill>
+            <a:prstDash val="dash"/>
+          </a:ln>
+        </p:spPr>
+        <p:style>
+          <a:lnRef idx="2">
+            <a:schemeClr val="accent1">
+              <a:shade val="50000"/>
+            </a:schemeClr>
+          </a:lnRef>
+          <a:fillRef idx="1">
+            <a:schemeClr val="accent1"/>
+          </a:fillRef>
+          <a:effectRef idx="0">
+            <a:schemeClr val="accent1"/>
+          </a:effectRef>
+          <a:fontRef idx="minor">
+            <a:schemeClr val="lt1"/>
+          </a:fontRef>
+        </p:style>
+        <p:txBody>
+          <a:bodyPr rtlCol="0" anchor="ctr"/>
+          <a:lstStyle/>
+          <a:p>
+            <a:pPr algn="ctr"/>
+            <a:endParaRPr lang="nl-NL"/>
+          </a:p>
+        </p:txBody>
+      </p:sp>
+      <p:sp>
+        <p:nvSpPr>
+          <p:cNvPr id="261" name="Rechthoek 260"/>
+          <p:cNvSpPr/>
+          <p:nvPr/>
+        </p:nvSpPr>
+        <p:spPr>
+          <a:xfrm>
+            <a:off x="3418232" y="2248158"/>
+            <a:ext cx="1266064" cy="583308"/>
+          </a:xfrm>
+          <a:prstGeom prst="rect">
+            <a:avLst/>
+          </a:prstGeom>
+          <a:solidFill>
+            <a:schemeClr val="bg1"/>
+          </a:solidFill>
+          <a:ln w="3175">
+            <a:solidFill>
+              <a:schemeClr val="tx1">
+                <a:lumMod val="50000"/>
+                <a:lumOff val="50000"/>
+              </a:schemeClr>
+            </a:solidFill>
+            <a:prstDash val="dash"/>
+          </a:ln>
+        </p:spPr>
+        <p:style>
+          <a:lnRef idx="2">
+            <a:schemeClr val="accent1">
+              <a:shade val="50000"/>
+            </a:schemeClr>
+          </a:lnRef>
+          <a:fillRef idx="1">
+            <a:schemeClr val="accent1"/>
+          </a:fillRef>
+          <a:effectRef idx="0">
+            <a:schemeClr val="accent1"/>
+          </a:effectRef>
+          <a:fontRef idx="minor">
+            <a:schemeClr val="lt1"/>
+          </a:fontRef>
+        </p:style>
+        <p:txBody>
+          <a:bodyPr rtlCol="0" anchor="ctr"/>
+          <a:lstStyle/>
+          <a:p>
+            <a:pPr algn="ctr"/>
+            <a:endParaRPr lang="nl-NL"/>
+          </a:p>
+        </p:txBody>
+      </p:sp>
+      <p:sp>
+        <p:nvSpPr>
+          <p:cNvPr id="4098" name="Title 3"/>
+          <p:cNvSpPr>
+            <a:spLocks noGrp="1"/>
+          </p:cNvSpPr>
+          <p:nvPr>
+            <p:ph type="title"/>
+          </p:nvPr>
+        </p:nvSpPr>
+        <p:spPr>
+          <a:xfrm>
+            <a:off x="917575" y="457200"/>
+            <a:ext cx="7159625" cy="627063"/>
+          </a:xfrm>
+        </p:spPr>
+        <p:txBody>
+          <a:bodyPr/>
+          <a:lstStyle/>
+          <a:p>
+            <a:pPr>
+              <a:defRPr/>
+            </a:pPr>
+            <a:r>
+              <a:rPr lang="nl-NL" altLang="nl-NL" dirty="0" smtClean="0">
+                <a:latin typeface="+mn-lt"/>
+                <a:ea typeface="ＭＳ Ｐゴシック" pitchFamily="34" charset="-128"/>
+              </a:rPr>
+              <a:t>DCF77</a:t>
+            </a:r>
+          </a:p>
+        </p:txBody>
+      </p:sp>
+      <p:sp>
+        <p:nvSpPr>
+          <p:cNvPr id="6" name="Ondertitel 2"/>
+          <p:cNvSpPr txBox="1">
+            <a:spLocks/>
+          </p:cNvSpPr>
+          <p:nvPr/>
+        </p:nvSpPr>
+        <p:spPr bwMode="auto">
+          <a:xfrm>
+            <a:off x="914400" y="1041400"/>
+            <a:ext cx="6781800" cy="474663"/>
+          </a:xfrm>
+          <a:prstGeom prst="rect">
+            <a:avLst/>
+          </a:prstGeom>
+          <a:noFill/>
+          <a:ln w="9525">
+            <a:noFill/>
+            <a:miter lim="800000"/>
+            <a:headEnd/>
+            <a:tailEnd/>
+          </a:ln>
+        </p:spPr>
+        <p:txBody>
+          <a:bodyPr lIns="0" tIns="0" rIns="0" bIns="0"/>
+          <a:lstStyle>
+            <a:lvl1pPr eaLnBrk="0" hangingPunct="0">
+              <a:defRPr sz="2400">
+                <a:solidFill>
+                  <a:schemeClr val="tx1"/>
+                </a:solidFill>
+                <a:latin typeface="Tahoma" charset="0"/>
+                <a:cs typeface="Arial" charset="0"/>
+              </a:defRPr>
+            </a:lvl1pPr>
+            <a:lvl2pPr marL="37931725" indent="-37474525" eaLnBrk="0" hangingPunct="0">
+              <a:defRPr sz="2400">
+                <a:solidFill>
+                  <a:schemeClr val="tx1"/>
+                </a:solidFill>
+                <a:latin typeface="Tahoma" charset="0"/>
+                <a:cs typeface="Arial" charset="0"/>
+              </a:defRPr>
+            </a:lvl2pPr>
+            <a:lvl3pPr eaLnBrk="0" hangingPunct="0">
+              <a:defRPr sz="2400">
+                <a:solidFill>
+                  <a:schemeClr val="tx1"/>
+                </a:solidFill>
+                <a:latin typeface="Tahoma" charset="0"/>
+                <a:cs typeface="Arial" charset="0"/>
+              </a:defRPr>
+            </a:lvl3pPr>
+            <a:lvl4pPr eaLnBrk="0" hangingPunct="0">
+              <a:defRPr sz="2400">
+                <a:solidFill>
+                  <a:schemeClr val="tx1"/>
+                </a:solidFill>
+                <a:latin typeface="Tahoma" charset="0"/>
+                <a:cs typeface="Arial" charset="0"/>
+              </a:defRPr>
+            </a:lvl4pPr>
+            <a:lvl5pPr eaLnBrk="0" hangingPunct="0">
+              <a:defRPr sz="2400">
+                <a:solidFill>
+                  <a:schemeClr val="tx1"/>
+                </a:solidFill>
+                <a:latin typeface="Tahoma" charset="0"/>
+                <a:cs typeface="Arial" charset="0"/>
+              </a:defRPr>
+            </a:lvl5pPr>
+            <a:lvl6pPr marL="457200" eaLnBrk="0" fontAlgn="base" hangingPunct="0">
+              <a:spcBef>
+                <a:spcPct val="0"/>
+              </a:spcBef>
+              <a:spcAft>
+                <a:spcPct val="0"/>
+              </a:spcAft>
+              <a:defRPr sz="2400">
+                <a:solidFill>
+                  <a:schemeClr val="tx1"/>
+                </a:solidFill>
+                <a:latin typeface="Tahoma" charset="0"/>
+                <a:cs typeface="Arial" charset="0"/>
+              </a:defRPr>
+            </a:lvl6pPr>
+            <a:lvl7pPr marL="914400" eaLnBrk="0" fontAlgn="base" hangingPunct="0">
+              <a:spcBef>
+                <a:spcPct val="0"/>
+              </a:spcBef>
+              <a:spcAft>
+                <a:spcPct val="0"/>
+              </a:spcAft>
+              <a:defRPr sz="2400">
+                <a:solidFill>
+                  <a:schemeClr val="tx1"/>
+                </a:solidFill>
+                <a:latin typeface="Tahoma" charset="0"/>
+                <a:cs typeface="Arial" charset="0"/>
+              </a:defRPr>
+            </a:lvl7pPr>
+            <a:lvl8pPr marL="1371600" eaLnBrk="0" fontAlgn="base" hangingPunct="0">
+              <a:spcBef>
+                <a:spcPct val="0"/>
+              </a:spcBef>
+              <a:spcAft>
+                <a:spcPct val="0"/>
+              </a:spcAft>
+              <a:defRPr sz="2400">
+                <a:solidFill>
+                  <a:schemeClr val="tx1"/>
+                </a:solidFill>
+                <a:latin typeface="Tahoma" charset="0"/>
+                <a:cs typeface="Arial" charset="0"/>
+              </a:defRPr>
+            </a:lvl8pPr>
+            <a:lvl9pPr marL="1828800" eaLnBrk="0" fontAlgn="base" hangingPunct="0">
+              <a:spcBef>
+                <a:spcPct val="0"/>
+              </a:spcBef>
+              <a:spcAft>
+                <a:spcPct val="0"/>
+              </a:spcAft>
+              <a:defRPr sz="2400">
+                <a:solidFill>
+                  <a:schemeClr val="tx1"/>
+                </a:solidFill>
+                <a:latin typeface="Tahoma" charset="0"/>
+                <a:cs typeface="Arial" charset="0"/>
+              </a:defRPr>
+            </a:lvl9pPr>
+          </a:lstStyle>
+          <a:p>
+            <a:pPr algn="l">
+              <a:lnSpc>
+                <a:spcPts val="2500"/>
+              </a:lnSpc>
+              <a:buClr>
+                <a:srgbClr val="00A6D6"/>
+              </a:buClr>
+              <a:defRPr/>
+            </a:pPr>
+            <a:r>
+              <a:rPr lang="nl-NL" altLang="nl-NL" sz="2000" dirty="0" smtClean="0">
+                <a:solidFill>
+                  <a:srgbClr val="00A6D6"/>
+                </a:solidFill>
+                <a:latin typeface="+mn-lt"/>
+                <a:ea typeface="ＭＳ Ｐゴシック" charset="-128"/>
+              </a:rPr>
+              <a:t>Ontwerp</a:t>
+            </a:r>
+          </a:p>
+        </p:txBody>
+      </p:sp>
+      <p:sp>
+        <p:nvSpPr>
+          <p:cNvPr id="93" name="Tekstvak 92"/>
+          <p:cNvSpPr txBox="1"/>
+          <p:nvPr/>
+        </p:nvSpPr>
+        <p:spPr>
+          <a:xfrm>
+            <a:off x="1369899" y="1514916"/>
+            <a:ext cx="1268483" cy="307777"/>
+          </a:xfrm>
+          <a:prstGeom prst="rect">
+            <a:avLst/>
+          </a:prstGeom>
+          <a:noFill/>
+          <a:ln>
+            <a:solidFill>
+              <a:schemeClr val="tx1"/>
+            </a:solidFill>
+            <a:prstDash val="sysDash"/>
+          </a:ln>
+        </p:spPr>
+        <p:txBody>
+          <a:bodyPr wrap="square" rtlCol="0">
+            <a:spAutoFit/>
+          </a:bodyPr>
+          <a:lstStyle/>
+          <a:p>
+            <a:r>
+              <a:rPr lang="nl-NL" sz="1400" b="1" dirty="0" smtClean="0"/>
+              <a:t>DCF77 blok</a:t>
+            </a:r>
+            <a:endParaRPr lang="nl-NL" sz="1400" b="1" dirty="0"/>
+          </a:p>
+        </p:txBody>
+      </p:sp>
+      <p:sp>
+        <p:nvSpPr>
+          <p:cNvPr id="98" name="Tekstvak 97"/>
+          <p:cNvSpPr txBox="1"/>
+          <p:nvPr/>
+        </p:nvSpPr>
+        <p:spPr>
+          <a:xfrm>
+            <a:off x="4547905" y="1080204"/>
+            <a:ext cx="522774" cy="276999"/>
+          </a:xfrm>
+          <a:prstGeom prst="rect">
+            <a:avLst/>
+          </a:prstGeom>
+          <a:noFill/>
+        </p:spPr>
+        <p:txBody>
+          <a:bodyPr wrap="square" rtlCol="0">
+            <a:spAutoFit/>
+          </a:bodyPr>
+          <a:lstStyle/>
+          <a:p>
+            <a:pPr algn="ctr"/>
+            <a:r>
+              <a:rPr lang="nl-NL" sz="1200" dirty="0" smtClean="0"/>
+              <a:t>reset</a:t>
+            </a:r>
+            <a:endParaRPr lang="nl-NL" sz="1200" dirty="0"/>
+          </a:p>
+        </p:txBody>
+      </p:sp>
+      <p:cxnSp>
+        <p:nvCxnSpPr>
+          <p:cNvPr id="99" name="Rechte verbindingslijn met pijl 98"/>
+          <p:cNvCxnSpPr>
+            <a:stCxn id="98" idx="2"/>
+          </p:cNvCxnSpPr>
+          <p:nvPr/>
+        </p:nvCxnSpPr>
+        <p:spPr>
+          <a:xfrm>
+            <a:off x="4809292" y="1357203"/>
+            <a:ext cx="0" cy="509718"/>
+          </a:xfrm>
+          <a:prstGeom prst="straightConnector1">
+            <a:avLst/>
+          </a:prstGeom>
+          <a:ln>
+            <a:solidFill>
+              <a:schemeClr val="accent6">
+                <a:lumMod val="50000"/>
+                <a:lumOff val="50000"/>
+              </a:schemeClr>
+            </a:solidFill>
+            <a:tailEnd type="triangle"/>
+          </a:ln>
+        </p:spPr>
+        <p:style>
+          <a:lnRef idx="1">
+            <a:schemeClr val="accent1"/>
+          </a:lnRef>
+          <a:fillRef idx="0">
+            <a:schemeClr val="accent1"/>
+          </a:fillRef>
+          <a:effectRef idx="0">
+            <a:schemeClr val="accent1"/>
+          </a:effectRef>
+          <a:fontRef idx="minor">
+            <a:schemeClr val="tx1"/>
+          </a:fontRef>
+        </p:style>
+      </p:cxnSp>
+      <p:cxnSp>
+        <p:nvCxnSpPr>
+          <p:cNvPr id="100" name="Rechte verbindingslijn met pijl 99"/>
+          <p:cNvCxnSpPr>
+            <a:stCxn id="215" idx="2"/>
+          </p:cNvCxnSpPr>
+          <p:nvPr/>
+        </p:nvCxnSpPr>
+        <p:spPr>
+          <a:xfrm>
+            <a:off x="4218384" y="1357203"/>
+            <a:ext cx="0" cy="509717"/>
+          </a:xfrm>
+          <a:prstGeom prst="straightConnector1">
+            <a:avLst/>
+          </a:prstGeom>
+          <a:ln>
+            <a:solidFill>
+              <a:schemeClr val="accent6">
+                <a:lumMod val="50000"/>
+                <a:lumOff val="50000"/>
+              </a:schemeClr>
+            </a:solidFill>
+            <a:tailEnd type="triangle"/>
+          </a:ln>
+        </p:spPr>
+        <p:style>
+          <a:lnRef idx="1">
+            <a:schemeClr val="accent1"/>
+          </a:lnRef>
+          <a:fillRef idx="0">
+            <a:schemeClr val="accent1"/>
+          </a:fillRef>
+          <a:effectRef idx="0">
+            <a:schemeClr val="accent1"/>
+          </a:effectRef>
+          <a:fontRef idx="minor">
+            <a:schemeClr val="tx1"/>
+          </a:fontRef>
+        </p:style>
+      </p:cxnSp>
+      <p:sp>
+        <p:nvSpPr>
+          <p:cNvPr id="103" name="Tekstvak 102"/>
+          <p:cNvSpPr txBox="1"/>
+          <p:nvPr/>
+        </p:nvSpPr>
+        <p:spPr>
+          <a:xfrm>
+            <a:off x="1369899" y="5459986"/>
+            <a:ext cx="1033197" cy="276999"/>
+          </a:xfrm>
+          <a:prstGeom prst="rect">
+            <a:avLst/>
+          </a:prstGeom>
+          <a:noFill/>
+          <a:ln>
+            <a:solidFill>
+              <a:schemeClr val="tx1"/>
+            </a:solidFill>
+            <a:prstDash val="sysDash"/>
+          </a:ln>
+        </p:spPr>
+        <p:txBody>
+          <a:bodyPr wrap="square" rtlCol="0">
+            <a:spAutoFit/>
+          </a:bodyPr>
+          <a:lstStyle/>
+          <a:p>
+            <a:r>
+              <a:rPr lang="nl-NL" sz="1200" b="1" dirty="0" smtClean="0"/>
+              <a:t>Timesync.</a:t>
+            </a:r>
+            <a:endParaRPr lang="nl-NL" sz="1200" b="1" dirty="0"/>
+          </a:p>
+        </p:txBody>
+      </p:sp>
+      <p:sp>
+        <p:nvSpPr>
+          <p:cNvPr id="104" name="Rechthoek 103"/>
+          <p:cNvSpPr/>
+          <p:nvPr/>
+        </p:nvSpPr>
+        <p:spPr>
+          <a:xfrm>
+            <a:off x="5917722" y="2969967"/>
+            <a:ext cx="1778478" cy="2766600"/>
+          </a:xfrm>
+          <a:prstGeom prst="rect">
+            <a:avLst/>
+          </a:prstGeom>
+          <a:solidFill>
+            <a:schemeClr val="bg1"/>
+          </a:solidFill>
+          <a:ln w="3175">
+            <a:solidFill>
+              <a:schemeClr val="tx1">
+                <a:lumMod val="50000"/>
+                <a:lumOff val="50000"/>
+              </a:schemeClr>
+            </a:solidFill>
+            <a:prstDash val="dash"/>
+          </a:ln>
+        </p:spPr>
+        <p:style>
+          <a:lnRef idx="2">
+            <a:schemeClr val="accent1">
+              <a:shade val="50000"/>
+            </a:schemeClr>
+          </a:lnRef>
+          <a:fillRef idx="1">
+            <a:schemeClr val="accent1"/>
+          </a:fillRef>
+          <a:effectRef idx="0">
+            <a:schemeClr val="accent1"/>
+          </a:effectRef>
+          <a:fontRef idx="minor">
+            <a:schemeClr val="lt1"/>
+          </a:fontRef>
+        </p:style>
+        <p:txBody>
+          <a:bodyPr rtlCol="0" anchor="ctr"/>
+          <a:lstStyle/>
+          <a:p>
+            <a:pPr algn="ctr"/>
+            <a:endParaRPr lang="nl-NL"/>
+          </a:p>
+        </p:txBody>
+      </p:sp>
+      <p:sp>
+        <p:nvSpPr>
+          <p:cNvPr id="105" name="Tekstvak 104"/>
+          <p:cNvSpPr txBox="1"/>
+          <p:nvPr/>
+        </p:nvSpPr>
+        <p:spPr>
+          <a:xfrm>
+            <a:off x="5917723" y="5456400"/>
+            <a:ext cx="1778477" cy="276999"/>
+          </a:xfrm>
+          <a:prstGeom prst="rect">
+            <a:avLst/>
+          </a:prstGeom>
+          <a:noFill/>
+          <a:ln>
+            <a:solidFill>
+              <a:schemeClr val="tx1"/>
+            </a:solidFill>
+            <a:prstDash val="sysDash"/>
+          </a:ln>
+        </p:spPr>
+        <p:txBody>
+          <a:bodyPr wrap="square" rtlCol="0">
+            <a:spAutoFit/>
+          </a:bodyPr>
+          <a:lstStyle/>
+          <a:p>
+            <a:r>
+              <a:rPr lang="nl-NL" sz="1200" b="1" dirty="0" smtClean="0"/>
+              <a:t>Autonome </a:t>
+            </a:r>
+            <a:r>
+              <a:rPr lang="nl-NL" sz="1200" b="1" dirty="0" err="1" smtClean="0"/>
+              <a:t>sync</a:t>
+            </a:r>
+            <a:r>
+              <a:rPr lang="nl-NL" sz="1200" b="1" dirty="0" smtClean="0"/>
+              <a:t>. klok</a:t>
+            </a:r>
+            <a:endParaRPr lang="nl-NL" sz="1200" b="1" dirty="0"/>
+          </a:p>
+        </p:txBody>
+      </p:sp>
+      <p:cxnSp>
+        <p:nvCxnSpPr>
+          <p:cNvPr id="106" name="Rechte verbindingslijn met pijl 105"/>
+          <p:cNvCxnSpPr>
+            <a:stCxn id="107" idx="3"/>
+            <a:endCxn id="108" idx="1"/>
+          </p:cNvCxnSpPr>
+          <p:nvPr/>
+        </p:nvCxnSpPr>
+        <p:spPr>
+          <a:xfrm>
+            <a:off x="1204640" y="2802096"/>
+            <a:ext cx="499985" cy="577"/>
+          </a:xfrm>
+          <a:prstGeom prst="straightConnector1">
+            <a:avLst/>
+          </a:prstGeom>
+          <a:ln>
+            <a:solidFill>
+              <a:schemeClr val="accent6">
+                <a:lumMod val="50000"/>
+                <a:lumOff val="50000"/>
+              </a:schemeClr>
+            </a:solidFill>
+            <a:tailEnd type="triangle"/>
+          </a:ln>
+        </p:spPr>
+        <p:style>
+          <a:lnRef idx="1">
+            <a:schemeClr val="accent1"/>
+          </a:lnRef>
+          <a:fillRef idx="0">
+            <a:schemeClr val="accent1"/>
+          </a:fillRef>
+          <a:effectRef idx="0">
+            <a:schemeClr val="accent1"/>
+          </a:effectRef>
+          <a:fontRef idx="minor">
+            <a:schemeClr val="tx1"/>
+          </a:fontRef>
+        </p:style>
+      </p:cxnSp>
+      <p:sp>
+        <p:nvSpPr>
+          <p:cNvPr id="107" name="Tekstvak 106"/>
+          <p:cNvSpPr txBox="1"/>
+          <p:nvPr/>
+        </p:nvSpPr>
+        <p:spPr>
+          <a:xfrm>
+            <a:off x="608651" y="2663596"/>
+            <a:ext cx="595989" cy="276999"/>
+          </a:xfrm>
+          <a:prstGeom prst="rect">
+            <a:avLst/>
+          </a:prstGeom>
+          <a:noFill/>
+        </p:spPr>
+        <p:txBody>
+          <a:bodyPr wrap="square" rtlCol="0">
+            <a:spAutoFit/>
+          </a:bodyPr>
+          <a:lstStyle/>
+          <a:p>
+            <a:r>
+              <a:rPr lang="nl-NL" sz="1200" dirty="0"/>
+              <a:t>d</a:t>
+            </a:r>
+            <a:r>
+              <a:rPr lang="nl-NL" sz="1200" dirty="0" smtClean="0"/>
+              <a:t>cf_in</a:t>
+            </a:r>
+            <a:endParaRPr lang="nl-NL" sz="2000" dirty="0"/>
+          </a:p>
+        </p:txBody>
+      </p:sp>
+      <p:sp>
+        <p:nvSpPr>
+          <p:cNvPr id="108" name="Rechthoek 107"/>
+          <p:cNvSpPr/>
+          <p:nvPr/>
+        </p:nvSpPr>
+        <p:spPr>
+          <a:xfrm>
+            <a:off x="1704625" y="2499340"/>
+            <a:ext cx="1010929" cy="606665"/>
+          </a:xfrm>
+          <a:prstGeom prst="rect">
+            <a:avLst/>
+          </a:prstGeom>
+          <a:solidFill>
+            <a:schemeClr val="bg1"/>
+          </a:solidFill>
+          <a:ln>
+            <a:solidFill>
+              <a:schemeClr val="accent6">
+                <a:lumMod val="50000"/>
+                <a:lumOff val="50000"/>
+              </a:schemeClr>
+            </a:solidFill>
+          </a:ln>
+        </p:spPr>
+        <p:style>
+          <a:lnRef idx="2">
+            <a:schemeClr val="accent1">
+              <a:shade val="50000"/>
+            </a:schemeClr>
+          </a:lnRef>
+          <a:fillRef idx="1">
+            <a:schemeClr val="accent1"/>
+          </a:fillRef>
+          <a:effectRef idx="0">
+            <a:schemeClr val="accent1"/>
+          </a:effectRef>
+          <a:fontRef idx="minor">
+            <a:schemeClr val="lt1"/>
+          </a:fontRef>
+        </p:style>
+        <p:txBody>
+          <a:bodyPr rtlCol="0" anchor="ctr"/>
+          <a:lstStyle/>
+          <a:p>
+            <a:pPr algn="ctr"/>
+            <a:r>
+              <a:rPr lang="nl-NL" sz="1400" dirty="0" smtClean="0">
+                <a:solidFill>
+                  <a:schemeClr val="tx1"/>
+                </a:solidFill>
+              </a:rPr>
+              <a:t>Edge detector</a:t>
+            </a:r>
+            <a:endParaRPr lang="nl-NL" sz="1400" dirty="0">
+              <a:solidFill>
+                <a:schemeClr val="tx1"/>
+              </a:solidFill>
+            </a:endParaRPr>
+          </a:p>
+        </p:txBody>
+      </p:sp>
+      <p:sp>
+        <p:nvSpPr>
+          <p:cNvPr id="121" name="Rechthoek 120"/>
+          <p:cNvSpPr/>
+          <p:nvPr/>
+        </p:nvSpPr>
+        <p:spPr>
+          <a:xfrm>
+            <a:off x="1739838" y="4132320"/>
+            <a:ext cx="1010929" cy="552956"/>
+          </a:xfrm>
+          <a:prstGeom prst="rect">
+            <a:avLst/>
+          </a:prstGeom>
+          <a:solidFill>
+            <a:schemeClr val="bg1"/>
+          </a:solidFill>
+          <a:ln>
+            <a:solidFill>
+              <a:schemeClr val="accent6">
+                <a:lumMod val="50000"/>
+                <a:lumOff val="50000"/>
+              </a:schemeClr>
+            </a:solidFill>
+          </a:ln>
+        </p:spPr>
+        <p:style>
+          <a:lnRef idx="2">
+            <a:schemeClr val="accent1">
+              <a:shade val="50000"/>
+            </a:schemeClr>
+          </a:lnRef>
+          <a:fillRef idx="1">
+            <a:schemeClr val="accent1"/>
+          </a:fillRef>
+          <a:effectRef idx="0">
+            <a:schemeClr val="accent1"/>
+          </a:effectRef>
+          <a:fontRef idx="minor">
+            <a:schemeClr val="lt1"/>
+          </a:fontRef>
+        </p:style>
+        <p:txBody>
+          <a:bodyPr rtlCol="0" anchor="ctr"/>
+          <a:lstStyle/>
+          <a:p>
+            <a:pPr algn="ctr"/>
+            <a:r>
+              <a:rPr lang="nl-NL" sz="1400" dirty="0" smtClean="0">
+                <a:solidFill>
+                  <a:schemeClr val="tx1"/>
+                </a:solidFill>
+              </a:rPr>
+              <a:t>DCF counter</a:t>
+            </a:r>
+            <a:endParaRPr lang="nl-NL" sz="1400" dirty="0">
+              <a:solidFill>
+                <a:schemeClr val="tx1"/>
+              </a:solidFill>
+            </a:endParaRPr>
+          </a:p>
+        </p:txBody>
+      </p:sp>
+      <p:cxnSp>
+        <p:nvCxnSpPr>
+          <p:cNvPr id="122" name="Rechte verbindingslijn met pijl 121"/>
+          <p:cNvCxnSpPr/>
+          <p:nvPr/>
+        </p:nvCxnSpPr>
+        <p:spPr>
+          <a:xfrm>
+            <a:off x="1911378" y="3104196"/>
+            <a:ext cx="0" cy="1035745"/>
+          </a:xfrm>
+          <a:prstGeom prst="straightConnector1">
+            <a:avLst/>
+          </a:prstGeom>
+          <a:ln>
+            <a:solidFill>
+              <a:schemeClr val="accent6">
+                <a:lumMod val="50000"/>
+                <a:lumOff val="50000"/>
+              </a:schemeClr>
+            </a:solidFill>
+            <a:tailEnd type="triangle"/>
+          </a:ln>
+        </p:spPr>
+        <p:style>
+          <a:lnRef idx="1">
+            <a:schemeClr val="accent1"/>
+          </a:lnRef>
+          <a:fillRef idx="0">
+            <a:schemeClr val="accent1"/>
+          </a:fillRef>
+          <a:effectRef idx="0">
+            <a:schemeClr val="accent1"/>
+          </a:effectRef>
+          <a:fontRef idx="minor">
+            <a:schemeClr val="tx1"/>
+          </a:fontRef>
+        </p:style>
+      </p:cxnSp>
+      <p:cxnSp>
+        <p:nvCxnSpPr>
+          <p:cNvPr id="123" name="Rechte verbindingslijn met pijl 122"/>
+          <p:cNvCxnSpPr/>
+          <p:nvPr/>
+        </p:nvCxnSpPr>
+        <p:spPr>
+          <a:xfrm flipH="1">
+            <a:off x="2513953" y="3104195"/>
+            <a:ext cx="937" cy="1035745"/>
+          </a:xfrm>
+          <a:prstGeom prst="straightConnector1">
+            <a:avLst/>
+          </a:prstGeom>
+          <a:ln>
+            <a:solidFill>
+              <a:schemeClr val="accent6">
+                <a:lumMod val="50000"/>
+                <a:lumOff val="50000"/>
+              </a:schemeClr>
+            </a:solidFill>
+            <a:tailEnd type="triangle"/>
+          </a:ln>
+        </p:spPr>
+        <p:style>
+          <a:lnRef idx="1">
+            <a:schemeClr val="accent1"/>
+          </a:lnRef>
+          <a:fillRef idx="0">
+            <a:schemeClr val="accent1"/>
+          </a:fillRef>
+          <a:effectRef idx="0">
+            <a:schemeClr val="accent1"/>
+          </a:effectRef>
+          <a:fontRef idx="minor">
+            <a:schemeClr val="tx1"/>
+          </a:fontRef>
+        </p:style>
+      </p:cxnSp>
+      <p:sp>
+        <p:nvSpPr>
+          <p:cNvPr id="124" name="Tekstvak 123"/>
+          <p:cNvSpPr txBox="1"/>
+          <p:nvPr/>
+        </p:nvSpPr>
+        <p:spPr>
+          <a:xfrm rot="18900059">
+            <a:off x="1305328" y="3483569"/>
+            <a:ext cx="709391" cy="276999"/>
+          </a:xfrm>
+          <a:prstGeom prst="rect">
+            <a:avLst/>
+          </a:prstGeom>
+          <a:noFill/>
+        </p:spPr>
+        <p:txBody>
+          <a:bodyPr wrap="square" rtlCol="0">
+            <a:spAutoFit/>
+          </a:bodyPr>
+          <a:lstStyle/>
+          <a:p>
+            <a:r>
+              <a:rPr lang="nl-NL" sz="1200" dirty="0" smtClean="0"/>
+              <a:t>dcf_rise</a:t>
+            </a:r>
+            <a:endParaRPr lang="nl-NL" sz="1200" dirty="0"/>
+          </a:p>
+        </p:txBody>
+      </p:sp>
+      <p:sp>
+        <p:nvSpPr>
+          <p:cNvPr id="125" name="Tekstvak 124"/>
+          <p:cNvSpPr txBox="1"/>
+          <p:nvPr/>
+        </p:nvSpPr>
+        <p:spPr>
+          <a:xfrm rot="2634756">
+            <a:off x="2471425" y="3483566"/>
+            <a:ext cx="672775" cy="276999"/>
+          </a:xfrm>
+          <a:prstGeom prst="rect">
+            <a:avLst/>
+          </a:prstGeom>
+          <a:noFill/>
+        </p:spPr>
+        <p:txBody>
+          <a:bodyPr wrap="square" rtlCol="0">
+            <a:spAutoFit/>
+          </a:bodyPr>
+          <a:lstStyle/>
+          <a:p>
+            <a:r>
+              <a:rPr lang="nl-NL" sz="1200" dirty="0" smtClean="0"/>
+              <a:t>dcf_fall</a:t>
+            </a:r>
+            <a:endParaRPr lang="nl-NL" sz="1200" dirty="0"/>
+          </a:p>
+        </p:txBody>
+      </p:sp>
+      <p:cxnSp>
+        <p:nvCxnSpPr>
+          <p:cNvPr id="136" name="Rechte verbindingslijn met pijl 135"/>
+          <p:cNvCxnSpPr>
+            <a:endCxn id="137" idx="0"/>
+          </p:cNvCxnSpPr>
+          <p:nvPr/>
+        </p:nvCxnSpPr>
+        <p:spPr>
+          <a:xfrm>
+            <a:off x="3709469" y="5306067"/>
+            <a:ext cx="851" cy="562067"/>
+          </a:xfrm>
+          <a:prstGeom prst="straightConnector1">
+            <a:avLst/>
+          </a:prstGeom>
+          <a:ln>
+            <a:solidFill>
+              <a:schemeClr val="accent6">
+                <a:lumMod val="50000"/>
+                <a:lumOff val="50000"/>
+              </a:schemeClr>
+            </a:solidFill>
+            <a:tailEnd type="triangle"/>
+          </a:ln>
+        </p:spPr>
+        <p:style>
+          <a:lnRef idx="1">
+            <a:schemeClr val="accent1"/>
+          </a:lnRef>
+          <a:fillRef idx="0">
+            <a:schemeClr val="accent1"/>
+          </a:fillRef>
+          <a:effectRef idx="0">
+            <a:schemeClr val="accent1"/>
+          </a:effectRef>
+          <a:fontRef idx="minor">
+            <a:schemeClr val="tx1"/>
+          </a:fontRef>
+        </p:style>
+      </p:cxnSp>
+      <p:sp>
+        <p:nvSpPr>
+          <p:cNvPr id="137" name="Tekstvak 136"/>
+          <p:cNvSpPr txBox="1"/>
+          <p:nvPr/>
+        </p:nvSpPr>
+        <p:spPr>
+          <a:xfrm>
+            <a:off x="3369934" y="5868134"/>
+            <a:ext cx="680771" cy="276999"/>
+          </a:xfrm>
+          <a:prstGeom prst="rect">
+            <a:avLst/>
+          </a:prstGeom>
+          <a:noFill/>
+        </p:spPr>
+        <p:txBody>
+          <a:bodyPr wrap="square" rtlCol="0">
+            <a:spAutoFit/>
+          </a:bodyPr>
+          <a:lstStyle/>
+          <a:p>
+            <a:pPr algn="ctr"/>
+            <a:r>
+              <a:rPr lang="nl-NL" sz="1200" dirty="0"/>
+              <a:t>d</a:t>
+            </a:r>
+            <a:r>
+              <a:rPr lang="nl-NL" sz="1200" dirty="0" smtClean="0"/>
+              <a:t>cf_led</a:t>
+            </a:r>
+            <a:endParaRPr lang="nl-NL" sz="1200" dirty="0"/>
+          </a:p>
+        </p:txBody>
+      </p:sp>
+      <p:sp>
+        <p:nvSpPr>
+          <p:cNvPr id="138" name="Rechthoek 137"/>
+          <p:cNvSpPr/>
+          <p:nvPr/>
+        </p:nvSpPr>
+        <p:spPr>
+          <a:xfrm>
+            <a:off x="3461675" y="4754424"/>
+            <a:ext cx="1020204" cy="552957"/>
+          </a:xfrm>
+          <a:prstGeom prst="rect">
+            <a:avLst/>
+          </a:prstGeom>
+          <a:solidFill>
+            <a:schemeClr val="bg1"/>
+          </a:solidFill>
+          <a:ln>
+            <a:solidFill>
+              <a:schemeClr val="accent6">
+                <a:lumMod val="50000"/>
+                <a:lumOff val="50000"/>
+              </a:schemeClr>
+            </a:solidFill>
+          </a:ln>
+        </p:spPr>
+        <p:style>
+          <a:lnRef idx="2">
+            <a:schemeClr val="accent1">
+              <a:shade val="50000"/>
+            </a:schemeClr>
+          </a:lnRef>
+          <a:fillRef idx="1">
+            <a:schemeClr val="accent1"/>
+          </a:fillRef>
+          <a:effectRef idx="0">
+            <a:schemeClr val="accent1"/>
+          </a:effectRef>
+          <a:fontRef idx="minor">
+            <a:schemeClr val="lt1"/>
+          </a:fontRef>
+        </p:style>
+        <p:txBody>
+          <a:bodyPr rtlCol="0" anchor="ctr"/>
+          <a:lstStyle/>
+          <a:p>
+            <a:pPr algn="ctr"/>
+            <a:r>
+              <a:rPr lang="nl-NL" sz="1400" dirty="0" smtClean="0">
+                <a:solidFill>
+                  <a:schemeClr val="tx1"/>
+                </a:solidFill>
+              </a:rPr>
+              <a:t>DCF decoder</a:t>
+            </a:r>
+            <a:endParaRPr lang="nl-NL" sz="1400" dirty="0">
+              <a:solidFill>
+                <a:schemeClr val="tx1"/>
+              </a:solidFill>
+            </a:endParaRPr>
+          </a:p>
+        </p:txBody>
+      </p:sp>
+      <p:sp>
+        <p:nvSpPr>
+          <p:cNvPr id="139" name="Tekstvak 138"/>
+          <p:cNvSpPr txBox="1"/>
+          <p:nvPr/>
+        </p:nvSpPr>
+        <p:spPr>
+          <a:xfrm>
+            <a:off x="2674290" y="4597033"/>
+            <a:ext cx="787384" cy="276999"/>
+          </a:xfrm>
+          <a:prstGeom prst="rect">
+            <a:avLst/>
+          </a:prstGeom>
+          <a:noFill/>
+        </p:spPr>
+        <p:txBody>
+          <a:bodyPr wrap="square" rtlCol="0">
+            <a:spAutoFit/>
+          </a:bodyPr>
+          <a:lstStyle/>
+          <a:p>
+            <a:r>
+              <a:rPr lang="nl-NL" sz="1200" dirty="0" err="1" smtClean="0"/>
+              <a:t>new_bit</a:t>
+            </a:r>
+            <a:endParaRPr lang="nl-NL" sz="2000" dirty="0"/>
+          </a:p>
+        </p:txBody>
+      </p:sp>
+      <p:sp>
+        <p:nvSpPr>
+          <p:cNvPr id="140" name="Tekstvak 139"/>
+          <p:cNvSpPr txBox="1"/>
+          <p:nvPr/>
+        </p:nvSpPr>
+        <p:spPr>
+          <a:xfrm>
+            <a:off x="1682833" y="5122528"/>
+            <a:ext cx="1353614" cy="276999"/>
+          </a:xfrm>
+          <a:prstGeom prst="rect">
+            <a:avLst/>
+          </a:prstGeom>
+          <a:noFill/>
+        </p:spPr>
+        <p:txBody>
+          <a:bodyPr wrap="square" rtlCol="0">
+            <a:spAutoFit/>
+          </a:bodyPr>
+          <a:lstStyle/>
+          <a:p>
+            <a:r>
+              <a:rPr lang="nl-NL" sz="1200" dirty="0" smtClean="0"/>
+              <a:t>  </a:t>
+            </a:r>
+            <a:r>
+              <a:rPr lang="nl-NL" sz="1200" dirty="0" err="1" smtClean="0"/>
+              <a:t>count</a:t>
+            </a:r>
+            <a:r>
+              <a:rPr lang="nl-NL" sz="1200" dirty="0" smtClean="0"/>
+              <a:t>  (16 bits)</a:t>
+            </a:r>
+            <a:endParaRPr lang="nl-NL" sz="2000" dirty="0"/>
+          </a:p>
+        </p:txBody>
+      </p:sp>
+      <p:cxnSp>
+        <p:nvCxnSpPr>
+          <p:cNvPr id="141" name="Rechte verbindingslijn met pijl 140"/>
+          <p:cNvCxnSpPr/>
+          <p:nvPr/>
+        </p:nvCxnSpPr>
+        <p:spPr>
+          <a:xfrm>
+            <a:off x="1911378" y="5135678"/>
+            <a:ext cx="1540441" cy="421"/>
+          </a:xfrm>
+          <a:prstGeom prst="straightConnector1">
+            <a:avLst/>
+          </a:prstGeom>
+          <a:ln>
+            <a:solidFill>
+              <a:schemeClr val="accent6">
+                <a:lumMod val="50000"/>
+                <a:lumOff val="50000"/>
+              </a:schemeClr>
+            </a:solidFill>
+            <a:tailEnd type="triangle"/>
+          </a:ln>
+        </p:spPr>
+        <p:style>
+          <a:lnRef idx="1">
+            <a:schemeClr val="accent1"/>
+          </a:lnRef>
+          <a:fillRef idx="0">
+            <a:schemeClr val="accent1"/>
+          </a:fillRef>
+          <a:effectRef idx="0">
+            <a:schemeClr val="accent1"/>
+          </a:effectRef>
+          <a:fontRef idx="minor">
+            <a:schemeClr val="tx1"/>
+          </a:fontRef>
+        </p:style>
+      </p:cxnSp>
+      <p:cxnSp>
+        <p:nvCxnSpPr>
+          <p:cNvPr id="142" name="Rechte verbindingslijn met pijl 141"/>
+          <p:cNvCxnSpPr/>
+          <p:nvPr/>
+        </p:nvCxnSpPr>
+        <p:spPr>
+          <a:xfrm>
+            <a:off x="2513953" y="4887316"/>
+            <a:ext cx="937866" cy="1994"/>
+          </a:xfrm>
+          <a:prstGeom prst="straightConnector1">
+            <a:avLst/>
+          </a:prstGeom>
+          <a:ln>
+            <a:solidFill>
+              <a:schemeClr val="accent6">
+                <a:lumMod val="50000"/>
+                <a:lumOff val="50000"/>
+              </a:schemeClr>
+            </a:solidFill>
+            <a:tailEnd type="triangle"/>
+          </a:ln>
+        </p:spPr>
+        <p:style>
+          <a:lnRef idx="1">
+            <a:schemeClr val="accent1"/>
+          </a:lnRef>
+          <a:fillRef idx="0">
+            <a:schemeClr val="accent1"/>
+          </a:fillRef>
+          <a:effectRef idx="0">
+            <a:schemeClr val="accent1"/>
+          </a:effectRef>
+          <a:fontRef idx="minor">
+            <a:schemeClr val="tx1"/>
+          </a:fontRef>
+        </p:style>
+      </p:cxnSp>
+      <p:cxnSp>
+        <p:nvCxnSpPr>
+          <p:cNvPr id="143" name="Rechte verbindingslijn 142"/>
+          <p:cNvCxnSpPr/>
+          <p:nvPr/>
+        </p:nvCxnSpPr>
+        <p:spPr>
+          <a:xfrm flipH="1">
+            <a:off x="3014510" y="5037328"/>
+            <a:ext cx="138792" cy="196967"/>
+          </a:xfrm>
+          <a:prstGeom prst="line">
+            <a:avLst/>
+          </a:prstGeom>
+          <a:ln>
+            <a:solidFill>
+              <a:schemeClr val="accent6">
+                <a:lumMod val="50000"/>
+                <a:lumOff val="50000"/>
+              </a:schemeClr>
+            </a:solidFill>
+          </a:ln>
+        </p:spPr>
+        <p:style>
+          <a:lnRef idx="1">
+            <a:schemeClr val="accent1"/>
+          </a:lnRef>
+          <a:fillRef idx="0">
+            <a:schemeClr val="accent1"/>
+          </a:fillRef>
+          <a:effectRef idx="0">
+            <a:schemeClr val="accent1"/>
+          </a:effectRef>
+          <a:fontRef idx="minor">
+            <a:schemeClr val="tx1"/>
+          </a:fontRef>
+        </p:style>
+      </p:cxnSp>
+      <p:sp>
+        <p:nvSpPr>
+          <p:cNvPr id="159" name="Rechthoek 158"/>
+          <p:cNvSpPr/>
+          <p:nvPr/>
+        </p:nvSpPr>
+        <p:spPr>
+          <a:xfrm>
+            <a:off x="3404127" y="3124502"/>
+            <a:ext cx="1059903" cy="606665"/>
+          </a:xfrm>
+          <a:prstGeom prst="rect">
+            <a:avLst/>
+          </a:prstGeom>
+          <a:solidFill>
+            <a:schemeClr val="bg1"/>
+          </a:solidFill>
+          <a:ln>
+            <a:solidFill>
+              <a:schemeClr val="accent6">
+                <a:lumMod val="50000"/>
+                <a:lumOff val="50000"/>
+              </a:schemeClr>
+            </a:solidFill>
+          </a:ln>
+        </p:spPr>
+        <p:style>
+          <a:lnRef idx="2">
+            <a:schemeClr val="accent1">
+              <a:shade val="50000"/>
+            </a:schemeClr>
+          </a:lnRef>
+          <a:fillRef idx="1">
+            <a:schemeClr val="accent1"/>
+          </a:fillRef>
+          <a:effectRef idx="0">
+            <a:schemeClr val="accent1"/>
+          </a:effectRef>
+          <a:fontRef idx="minor">
+            <a:schemeClr val="lt1"/>
+          </a:fontRef>
+        </p:style>
+        <p:txBody>
+          <a:bodyPr rtlCol="0" anchor="ctr"/>
+          <a:lstStyle/>
+          <a:p>
+            <a:pPr algn="ctr"/>
+            <a:r>
+              <a:rPr lang="nl-NL" sz="1400" dirty="0" smtClean="0">
+                <a:solidFill>
+                  <a:schemeClr val="tx1"/>
+                </a:solidFill>
+              </a:rPr>
+              <a:t>Parity check</a:t>
+            </a:r>
+            <a:endParaRPr lang="nl-NL" sz="1400" dirty="0">
+              <a:solidFill>
+                <a:schemeClr val="tx1"/>
+              </a:solidFill>
+            </a:endParaRPr>
+          </a:p>
+        </p:txBody>
+      </p:sp>
+      <p:cxnSp>
+        <p:nvCxnSpPr>
+          <p:cNvPr id="160" name="Rechte verbindingslijn met pijl 159"/>
+          <p:cNvCxnSpPr/>
+          <p:nvPr/>
+        </p:nvCxnSpPr>
+        <p:spPr>
+          <a:xfrm flipH="1" flipV="1">
+            <a:off x="4029710" y="3730615"/>
+            <a:ext cx="4457" cy="1035740"/>
+          </a:xfrm>
+          <a:prstGeom prst="straightConnector1">
+            <a:avLst/>
+          </a:prstGeom>
+          <a:ln>
+            <a:solidFill>
+              <a:schemeClr val="accent6">
+                <a:lumMod val="50000"/>
+                <a:lumOff val="50000"/>
+              </a:schemeClr>
+            </a:solidFill>
+            <a:tailEnd type="triangle"/>
+          </a:ln>
+        </p:spPr>
+        <p:style>
+          <a:lnRef idx="1">
+            <a:schemeClr val="accent1"/>
+          </a:lnRef>
+          <a:fillRef idx="0">
+            <a:schemeClr val="accent1"/>
+          </a:fillRef>
+          <a:effectRef idx="0">
+            <a:schemeClr val="accent1"/>
+          </a:effectRef>
+          <a:fontRef idx="minor">
+            <a:schemeClr val="tx1"/>
+          </a:fontRef>
+        </p:style>
+      </p:cxnSp>
+      <p:cxnSp>
+        <p:nvCxnSpPr>
+          <p:cNvPr id="161" name="Rechte verbindingslijn met pijl 160"/>
+          <p:cNvCxnSpPr/>
+          <p:nvPr/>
+        </p:nvCxnSpPr>
+        <p:spPr>
+          <a:xfrm flipV="1">
+            <a:off x="3770534" y="3716932"/>
+            <a:ext cx="0" cy="1035742"/>
+          </a:xfrm>
+          <a:prstGeom prst="straightConnector1">
+            <a:avLst/>
+          </a:prstGeom>
+          <a:ln>
+            <a:solidFill>
+              <a:schemeClr val="accent6">
+                <a:lumMod val="50000"/>
+                <a:lumOff val="50000"/>
+              </a:schemeClr>
+            </a:solidFill>
+            <a:tailEnd type="triangle"/>
+          </a:ln>
+        </p:spPr>
+        <p:style>
+          <a:lnRef idx="1">
+            <a:schemeClr val="accent1"/>
+          </a:lnRef>
+          <a:fillRef idx="0">
+            <a:schemeClr val="accent1"/>
+          </a:fillRef>
+          <a:effectRef idx="0">
+            <a:schemeClr val="accent1"/>
+          </a:effectRef>
+          <a:fontRef idx="minor">
+            <a:schemeClr val="tx1"/>
+          </a:fontRef>
+        </p:style>
+      </p:cxnSp>
+      <p:cxnSp>
+        <p:nvCxnSpPr>
+          <p:cNvPr id="162" name="Rechte verbindingslijn 161"/>
+          <p:cNvCxnSpPr/>
+          <p:nvPr/>
+        </p:nvCxnSpPr>
+        <p:spPr>
+          <a:xfrm flipH="1">
+            <a:off x="3960314" y="4146690"/>
+            <a:ext cx="138792" cy="196967"/>
+          </a:xfrm>
+          <a:prstGeom prst="line">
+            <a:avLst/>
+          </a:prstGeom>
+          <a:ln>
+            <a:solidFill>
+              <a:schemeClr val="accent6">
+                <a:lumMod val="50000"/>
+                <a:lumOff val="50000"/>
+              </a:schemeClr>
+            </a:solidFill>
+          </a:ln>
+        </p:spPr>
+        <p:style>
+          <a:lnRef idx="1">
+            <a:schemeClr val="accent1"/>
+          </a:lnRef>
+          <a:fillRef idx="0">
+            <a:schemeClr val="accent1"/>
+          </a:fillRef>
+          <a:effectRef idx="0">
+            <a:schemeClr val="accent1"/>
+          </a:effectRef>
+          <a:fontRef idx="minor">
+            <a:schemeClr val="tx1"/>
+          </a:fontRef>
+        </p:style>
+      </p:cxnSp>
+      <p:sp>
+        <p:nvSpPr>
+          <p:cNvPr id="163" name="Tekstvak 162"/>
+          <p:cNvSpPr txBox="1"/>
+          <p:nvPr/>
+        </p:nvSpPr>
+        <p:spPr>
+          <a:xfrm>
+            <a:off x="4065271" y="3923210"/>
+            <a:ext cx="672246" cy="646331"/>
+          </a:xfrm>
+          <a:prstGeom prst="rect">
+            <a:avLst/>
+          </a:prstGeom>
+          <a:noFill/>
+        </p:spPr>
+        <p:txBody>
+          <a:bodyPr wrap="square" rtlCol="0">
+            <a:spAutoFit/>
+          </a:bodyPr>
+          <a:lstStyle/>
+          <a:p>
+            <a:pPr algn="l"/>
+            <a:r>
+              <a:rPr lang="nl-NL" sz="1200" dirty="0" err="1"/>
+              <a:t>p</a:t>
+            </a:r>
+            <a:r>
+              <a:rPr lang="nl-NL" sz="1200" dirty="0" err="1" smtClean="0"/>
+              <a:t>arity</a:t>
+            </a:r>
+            <a:endParaRPr lang="nl-NL" sz="1200" dirty="0"/>
+          </a:p>
+          <a:p>
+            <a:pPr algn="l"/>
+            <a:r>
+              <a:rPr lang="nl-NL" sz="1200" dirty="0" smtClean="0"/>
+              <a:t>bits</a:t>
+            </a:r>
+          </a:p>
+          <a:p>
+            <a:pPr algn="l"/>
+            <a:r>
+              <a:rPr lang="nl-NL" sz="1200" dirty="0" smtClean="0"/>
+              <a:t>(3 bits)</a:t>
+            </a:r>
+            <a:endParaRPr lang="nl-NL" sz="1200" dirty="0"/>
+          </a:p>
+        </p:txBody>
+      </p:sp>
+      <p:sp>
+        <p:nvSpPr>
+          <p:cNvPr id="164" name="Tekstvak 163"/>
+          <p:cNvSpPr txBox="1"/>
+          <p:nvPr/>
+        </p:nvSpPr>
+        <p:spPr>
+          <a:xfrm>
+            <a:off x="3311718" y="3978919"/>
+            <a:ext cx="489798" cy="461665"/>
+          </a:xfrm>
+          <a:prstGeom prst="rect">
+            <a:avLst/>
+          </a:prstGeom>
+          <a:noFill/>
+        </p:spPr>
+        <p:txBody>
+          <a:bodyPr wrap="square" rtlCol="0">
+            <a:spAutoFit/>
+          </a:bodyPr>
+          <a:lstStyle/>
+          <a:p>
+            <a:pPr algn="ctr"/>
+            <a:r>
+              <a:rPr lang="nl-NL" sz="1200" dirty="0" smtClean="0"/>
+              <a:t>start_xor</a:t>
+            </a:r>
+            <a:endParaRPr lang="nl-NL" sz="1200" dirty="0"/>
+          </a:p>
+        </p:txBody>
+      </p:sp>
+      <p:sp>
+        <p:nvSpPr>
+          <p:cNvPr id="177" name="Rechthoek 176"/>
+          <p:cNvSpPr/>
+          <p:nvPr/>
+        </p:nvSpPr>
+        <p:spPr>
+          <a:xfrm>
+            <a:off x="6125377" y="4770676"/>
+            <a:ext cx="1363165" cy="509989"/>
+          </a:xfrm>
+          <a:prstGeom prst="rect">
+            <a:avLst/>
+          </a:prstGeom>
+          <a:solidFill>
+            <a:schemeClr val="bg1"/>
+          </a:solidFill>
+          <a:ln>
+            <a:solidFill>
+              <a:schemeClr val="accent6">
+                <a:lumMod val="50000"/>
+                <a:lumOff val="50000"/>
+              </a:schemeClr>
+            </a:solidFill>
+          </a:ln>
+        </p:spPr>
+        <p:style>
+          <a:lnRef idx="2">
+            <a:schemeClr val="accent1">
+              <a:shade val="50000"/>
+            </a:schemeClr>
+          </a:lnRef>
+          <a:fillRef idx="1">
+            <a:schemeClr val="accent1"/>
+          </a:fillRef>
+          <a:effectRef idx="0">
+            <a:schemeClr val="accent1"/>
+          </a:effectRef>
+          <a:fontRef idx="minor">
+            <a:schemeClr val="lt1"/>
+          </a:fontRef>
+        </p:style>
+        <p:txBody>
+          <a:bodyPr rtlCol="0" anchor="ctr"/>
+          <a:lstStyle/>
+          <a:p>
+            <a:pPr algn="ctr"/>
+            <a:r>
+              <a:rPr lang="nl-NL" sz="1400" dirty="0" smtClean="0">
+                <a:solidFill>
+                  <a:schemeClr val="tx1"/>
+                </a:solidFill>
+              </a:rPr>
+              <a:t>Mod24 teller</a:t>
+            </a:r>
+          </a:p>
+          <a:p>
+            <a:pPr algn="ctr"/>
+            <a:r>
+              <a:rPr lang="nl-NL" sz="1400" dirty="0" smtClean="0">
+                <a:solidFill>
+                  <a:schemeClr val="tx1"/>
+                </a:solidFill>
+              </a:rPr>
+              <a:t>(24 uren)</a:t>
+            </a:r>
+            <a:endParaRPr lang="nl-NL" sz="1400" dirty="0">
+              <a:solidFill>
+                <a:schemeClr val="tx1"/>
+              </a:solidFill>
+            </a:endParaRPr>
+          </a:p>
+        </p:txBody>
+      </p:sp>
+      <p:cxnSp>
+        <p:nvCxnSpPr>
+          <p:cNvPr id="178" name="Rechte verbindingslijn met pijl 177"/>
+          <p:cNvCxnSpPr>
+            <a:stCxn id="177" idx="3"/>
+            <a:endCxn id="179" idx="1"/>
+          </p:cNvCxnSpPr>
+          <p:nvPr/>
+        </p:nvCxnSpPr>
+        <p:spPr>
+          <a:xfrm>
+            <a:off x="7488542" y="5025671"/>
+            <a:ext cx="595022" cy="11717"/>
+          </a:xfrm>
+          <a:prstGeom prst="straightConnector1">
+            <a:avLst/>
+          </a:prstGeom>
+          <a:ln>
+            <a:solidFill>
+              <a:schemeClr val="accent6">
+                <a:lumMod val="50000"/>
+                <a:lumOff val="50000"/>
+              </a:schemeClr>
+            </a:solidFill>
+            <a:tailEnd type="triangle"/>
+          </a:ln>
+        </p:spPr>
+        <p:style>
+          <a:lnRef idx="1">
+            <a:schemeClr val="accent1"/>
+          </a:lnRef>
+          <a:fillRef idx="0">
+            <a:schemeClr val="accent1"/>
+          </a:fillRef>
+          <a:effectRef idx="0">
+            <a:schemeClr val="accent1"/>
+          </a:effectRef>
+          <a:fontRef idx="minor">
+            <a:schemeClr val="tx1"/>
+          </a:fontRef>
+        </p:style>
+      </p:cxnSp>
+      <p:sp>
+        <p:nvSpPr>
+          <p:cNvPr id="179" name="Tekstvak 178"/>
+          <p:cNvSpPr txBox="1"/>
+          <p:nvPr/>
+        </p:nvSpPr>
+        <p:spPr>
+          <a:xfrm>
+            <a:off x="8083564" y="4806555"/>
+            <a:ext cx="738978" cy="461665"/>
+          </a:xfrm>
+          <a:prstGeom prst="rect">
+            <a:avLst/>
+          </a:prstGeom>
+          <a:noFill/>
+        </p:spPr>
+        <p:txBody>
+          <a:bodyPr wrap="square" rtlCol="0">
+            <a:spAutoFit/>
+          </a:bodyPr>
+          <a:lstStyle/>
+          <a:p>
+            <a:r>
+              <a:rPr lang="nl-NL" sz="1200" dirty="0" err="1"/>
+              <a:t>h</a:t>
+            </a:r>
+            <a:r>
+              <a:rPr lang="nl-NL" sz="1200" dirty="0" err="1" smtClean="0"/>
+              <a:t>ours</a:t>
+            </a:r>
+            <a:endParaRPr lang="nl-NL" sz="1200" dirty="0" smtClean="0"/>
+          </a:p>
+          <a:p>
+            <a:r>
+              <a:rPr lang="nl-NL" sz="1200" dirty="0" smtClean="0"/>
+              <a:t>(5 bits)</a:t>
+            </a:r>
+            <a:endParaRPr lang="nl-NL" sz="2000" dirty="0"/>
+          </a:p>
+        </p:txBody>
+      </p:sp>
+      <p:cxnSp>
+        <p:nvCxnSpPr>
+          <p:cNvPr id="181" name="Rechte verbindingslijn 180"/>
+          <p:cNvCxnSpPr/>
+          <p:nvPr/>
+        </p:nvCxnSpPr>
+        <p:spPr>
+          <a:xfrm flipH="1">
+            <a:off x="7809551" y="4927186"/>
+            <a:ext cx="138792" cy="196967"/>
+          </a:xfrm>
+          <a:prstGeom prst="line">
+            <a:avLst/>
+          </a:prstGeom>
+          <a:ln>
+            <a:solidFill>
+              <a:schemeClr val="accent6">
+                <a:lumMod val="50000"/>
+                <a:lumOff val="50000"/>
+              </a:schemeClr>
+            </a:solidFill>
+          </a:ln>
+        </p:spPr>
+        <p:style>
+          <a:lnRef idx="1">
+            <a:schemeClr val="accent1"/>
+          </a:lnRef>
+          <a:fillRef idx="0">
+            <a:schemeClr val="accent1"/>
+          </a:fillRef>
+          <a:effectRef idx="0">
+            <a:schemeClr val="accent1"/>
+          </a:effectRef>
+          <a:fontRef idx="minor">
+            <a:schemeClr val="tx1"/>
+          </a:fontRef>
+        </p:style>
+      </p:cxnSp>
+      <p:sp>
+        <p:nvSpPr>
+          <p:cNvPr id="188" name="Rechthoek 187"/>
+          <p:cNvSpPr/>
+          <p:nvPr/>
+        </p:nvSpPr>
+        <p:spPr>
+          <a:xfrm>
+            <a:off x="6125377" y="3956992"/>
+            <a:ext cx="1363165" cy="533703"/>
+          </a:xfrm>
+          <a:prstGeom prst="rect">
+            <a:avLst/>
+          </a:prstGeom>
+          <a:solidFill>
+            <a:schemeClr val="bg1"/>
+          </a:solidFill>
+          <a:ln>
+            <a:solidFill>
+              <a:schemeClr val="accent6">
+                <a:lumMod val="50000"/>
+                <a:lumOff val="50000"/>
+              </a:schemeClr>
+            </a:solidFill>
+          </a:ln>
+        </p:spPr>
+        <p:style>
+          <a:lnRef idx="2">
+            <a:schemeClr val="accent1">
+              <a:shade val="50000"/>
+            </a:schemeClr>
+          </a:lnRef>
+          <a:fillRef idx="1">
+            <a:schemeClr val="accent1"/>
+          </a:fillRef>
+          <a:effectRef idx="0">
+            <a:schemeClr val="accent1"/>
+          </a:effectRef>
+          <a:fontRef idx="minor">
+            <a:schemeClr val="lt1"/>
+          </a:fontRef>
+        </p:style>
+        <p:txBody>
+          <a:bodyPr rtlCol="0" anchor="ctr"/>
+          <a:lstStyle/>
+          <a:p>
+            <a:pPr algn="ctr"/>
+            <a:r>
+              <a:rPr lang="nl-NL" sz="1400" dirty="0" smtClean="0">
+                <a:solidFill>
+                  <a:schemeClr val="tx1"/>
+                </a:solidFill>
+              </a:rPr>
+              <a:t>Mod60 teller</a:t>
+            </a:r>
+          </a:p>
+          <a:p>
+            <a:pPr algn="ctr"/>
+            <a:r>
+              <a:rPr lang="nl-NL" sz="1400" dirty="0" smtClean="0">
+                <a:solidFill>
+                  <a:schemeClr val="tx1"/>
+                </a:solidFill>
+              </a:rPr>
+              <a:t>(60 minuten)</a:t>
+            </a:r>
+            <a:endParaRPr lang="nl-NL" sz="1400" dirty="0">
+              <a:solidFill>
+                <a:schemeClr val="tx1"/>
+              </a:solidFill>
+            </a:endParaRPr>
+          </a:p>
+        </p:txBody>
+      </p:sp>
+      <p:cxnSp>
+        <p:nvCxnSpPr>
+          <p:cNvPr id="189" name="Rechte verbindingslijn met pijl 188"/>
+          <p:cNvCxnSpPr>
+            <a:stCxn id="188" idx="3"/>
+            <a:endCxn id="191" idx="1"/>
+          </p:cNvCxnSpPr>
+          <p:nvPr/>
+        </p:nvCxnSpPr>
+        <p:spPr>
+          <a:xfrm flipV="1">
+            <a:off x="7488542" y="4223843"/>
+            <a:ext cx="599682" cy="1"/>
+          </a:xfrm>
+          <a:prstGeom prst="straightConnector1">
+            <a:avLst/>
+          </a:prstGeom>
+          <a:ln>
+            <a:solidFill>
+              <a:schemeClr val="accent6">
+                <a:lumMod val="50000"/>
+                <a:lumOff val="50000"/>
+              </a:schemeClr>
+            </a:solidFill>
+            <a:tailEnd type="triangle"/>
+          </a:ln>
+        </p:spPr>
+        <p:style>
+          <a:lnRef idx="1">
+            <a:schemeClr val="accent1"/>
+          </a:lnRef>
+          <a:fillRef idx="0">
+            <a:schemeClr val="accent1"/>
+          </a:fillRef>
+          <a:effectRef idx="0">
+            <a:schemeClr val="accent1"/>
+          </a:effectRef>
+          <a:fontRef idx="minor">
+            <a:schemeClr val="tx1"/>
+          </a:fontRef>
+        </p:style>
+      </p:cxnSp>
+      <p:cxnSp>
+        <p:nvCxnSpPr>
+          <p:cNvPr id="190" name="Rechte verbindingslijn met pijl 189"/>
+          <p:cNvCxnSpPr>
+            <a:stCxn id="188" idx="2"/>
+            <a:endCxn id="177" idx="0"/>
+          </p:cNvCxnSpPr>
+          <p:nvPr/>
+        </p:nvCxnSpPr>
+        <p:spPr>
+          <a:xfrm>
+            <a:off x="6806960" y="4490695"/>
+            <a:ext cx="0" cy="279981"/>
+          </a:xfrm>
+          <a:prstGeom prst="straightConnector1">
+            <a:avLst/>
+          </a:prstGeom>
+          <a:ln>
+            <a:solidFill>
+              <a:schemeClr val="accent6">
+                <a:lumMod val="50000"/>
+                <a:lumOff val="50000"/>
+              </a:schemeClr>
+            </a:solidFill>
+            <a:tailEnd type="triangle"/>
+          </a:ln>
+        </p:spPr>
+        <p:style>
+          <a:lnRef idx="1">
+            <a:schemeClr val="accent1"/>
+          </a:lnRef>
+          <a:fillRef idx="0">
+            <a:schemeClr val="accent1"/>
+          </a:fillRef>
+          <a:effectRef idx="0">
+            <a:schemeClr val="accent1"/>
+          </a:effectRef>
+          <a:fontRef idx="minor">
+            <a:schemeClr val="tx1"/>
+          </a:fontRef>
+        </p:style>
+      </p:cxnSp>
+      <p:sp>
+        <p:nvSpPr>
+          <p:cNvPr id="191" name="Tekstvak 190"/>
+          <p:cNvSpPr txBox="1"/>
+          <p:nvPr/>
+        </p:nvSpPr>
+        <p:spPr>
+          <a:xfrm>
+            <a:off x="8088224" y="3993010"/>
+            <a:ext cx="729659" cy="461665"/>
+          </a:xfrm>
+          <a:prstGeom prst="rect">
+            <a:avLst/>
+          </a:prstGeom>
+          <a:noFill/>
+        </p:spPr>
+        <p:txBody>
+          <a:bodyPr wrap="square" rtlCol="0">
+            <a:spAutoFit/>
+          </a:bodyPr>
+          <a:lstStyle/>
+          <a:p>
+            <a:r>
+              <a:rPr lang="nl-NL" sz="1200" dirty="0" smtClean="0"/>
+              <a:t>minutes</a:t>
+            </a:r>
+          </a:p>
+          <a:p>
+            <a:r>
+              <a:rPr lang="nl-NL" sz="1200" dirty="0" smtClean="0"/>
+              <a:t>(6 bits)</a:t>
+            </a:r>
+            <a:endParaRPr lang="nl-NL" sz="2000" dirty="0"/>
+          </a:p>
+        </p:txBody>
+      </p:sp>
+      <p:sp>
+        <p:nvSpPr>
+          <p:cNvPr id="193" name="Tekstvak 192"/>
+          <p:cNvSpPr txBox="1"/>
+          <p:nvPr/>
+        </p:nvSpPr>
+        <p:spPr>
+          <a:xfrm>
+            <a:off x="6239982" y="4481626"/>
+            <a:ext cx="539052" cy="276999"/>
+          </a:xfrm>
+          <a:prstGeom prst="rect">
+            <a:avLst/>
+          </a:prstGeom>
+          <a:noFill/>
+        </p:spPr>
+        <p:txBody>
+          <a:bodyPr wrap="square" rtlCol="0">
+            <a:spAutoFit/>
+          </a:bodyPr>
+          <a:lstStyle/>
+          <a:p>
+            <a:r>
+              <a:rPr lang="nl-NL" sz="1200" dirty="0"/>
+              <a:t>h</a:t>
+            </a:r>
+            <a:r>
+              <a:rPr lang="nl-NL" sz="1200" dirty="0" smtClean="0"/>
+              <a:t>_clk</a:t>
+            </a:r>
+            <a:endParaRPr lang="nl-NL" sz="2000" dirty="0"/>
+          </a:p>
+        </p:txBody>
+      </p:sp>
+      <p:cxnSp>
+        <p:nvCxnSpPr>
+          <p:cNvPr id="206" name="Rechte verbindingslijn 205"/>
+          <p:cNvCxnSpPr/>
+          <p:nvPr/>
+        </p:nvCxnSpPr>
+        <p:spPr>
+          <a:xfrm flipH="1">
+            <a:off x="7809551" y="4141243"/>
+            <a:ext cx="138792" cy="196967"/>
+          </a:xfrm>
+          <a:prstGeom prst="line">
+            <a:avLst/>
+          </a:prstGeom>
+          <a:ln>
+            <a:solidFill>
+              <a:schemeClr val="accent6">
+                <a:lumMod val="50000"/>
+                <a:lumOff val="50000"/>
+              </a:schemeClr>
+            </a:solidFill>
+          </a:ln>
+        </p:spPr>
+        <p:style>
+          <a:lnRef idx="1">
+            <a:schemeClr val="accent1"/>
+          </a:lnRef>
+          <a:fillRef idx="0">
+            <a:schemeClr val="accent1"/>
+          </a:fillRef>
+          <a:effectRef idx="0">
+            <a:schemeClr val="accent1"/>
+          </a:effectRef>
+          <a:fontRef idx="minor">
+            <a:schemeClr val="tx1"/>
+          </a:fontRef>
+        </p:style>
+      </p:cxnSp>
+      <p:sp>
+        <p:nvSpPr>
+          <p:cNvPr id="210" name="Rechthoek 209"/>
+          <p:cNvSpPr/>
+          <p:nvPr/>
+        </p:nvSpPr>
+        <p:spPr>
+          <a:xfrm>
+            <a:off x="6125377" y="3119780"/>
+            <a:ext cx="1363165" cy="557231"/>
+          </a:xfrm>
+          <a:prstGeom prst="rect">
+            <a:avLst/>
+          </a:prstGeom>
+          <a:solidFill>
+            <a:schemeClr val="bg1"/>
+          </a:solidFill>
+          <a:ln>
+            <a:solidFill>
+              <a:schemeClr val="accent6">
+                <a:lumMod val="50000"/>
+                <a:lumOff val="50000"/>
+              </a:schemeClr>
+            </a:solidFill>
+          </a:ln>
+        </p:spPr>
+        <p:style>
+          <a:lnRef idx="2">
+            <a:schemeClr val="accent1">
+              <a:shade val="50000"/>
+            </a:schemeClr>
+          </a:lnRef>
+          <a:fillRef idx="1">
+            <a:schemeClr val="accent1"/>
+          </a:fillRef>
+          <a:effectRef idx="0">
+            <a:schemeClr val="accent1"/>
+          </a:effectRef>
+          <a:fontRef idx="minor">
+            <a:schemeClr val="lt1"/>
+          </a:fontRef>
+        </p:style>
+        <p:txBody>
+          <a:bodyPr rtlCol="0" anchor="ctr"/>
+          <a:lstStyle/>
+          <a:p>
+            <a:pPr algn="ctr"/>
+            <a:r>
+              <a:rPr lang="nl-NL" sz="1400" dirty="0" smtClean="0">
+                <a:solidFill>
+                  <a:schemeClr val="tx1"/>
+                </a:solidFill>
+              </a:rPr>
+              <a:t>Mod60 teller</a:t>
+            </a:r>
+          </a:p>
+          <a:p>
+            <a:pPr algn="ctr"/>
+            <a:r>
+              <a:rPr lang="nl-NL" sz="1400" dirty="0" smtClean="0">
+                <a:solidFill>
+                  <a:schemeClr val="tx1"/>
+                </a:solidFill>
+              </a:rPr>
+              <a:t>(60 seconden)</a:t>
+            </a:r>
+            <a:endParaRPr lang="nl-NL" sz="1400" dirty="0">
+              <a:solidFill>
+                <a:schemeClr val="tx1"/>
+              </a:solidFill>
+            </a:endParaRPr>
+          </a:p>
+        </p:txBody>
+      </p:sp>
+      <p:cxnSp>
+        <p:nvCxnSpPr>
+          <p:cNvPr id="211" name="Rechte verbindingslijn met pijl 210"/>
+          <p:cNvCxnSpPr>
+            <a:stCxn id="210" idx="2"/>
+            <a:endCxn id="188" idx="0"/>
+          </p:cNvCxnSpPr>
+          <p:nvPr/>
+        </p:nvCxnSpPr>
+        <p:spPr>
+          <a:xfrm>
+            <a:off x="6806960" y="3677011"/>
+            <a:ext cx="0" cy="279981"/>
+          </a:xfrm>
+          <a:prstGeom prst="straightConnector1">
+            <a:avLst/>
+          </a:prstGeom>
+          <a:ln>
+            <a:solidFill>
+              <a:schemeClr val="accent6">
+                <a:lumMod val="50000"/>
+                <a:lumOff val="50000"/>
+              </a:schemeClr>
+            </a:solidFill>
+            <a:tailEnd type="triangle"/>
+          </a:ln>
+        </p:spPr>
+        <p:style>
+          <a:lnRef idx="1">
+            <a:schemeClr val="accent1"/>
+          </a:lnRef>
+          <a:fillRef idx="0">
+            <a:schemeClr val="accent1"/>
+          </a:fillRef>
+          <a:effectRef idx="0">
+            <a:schemeClr val="accent1"/>
+          </a:effectRef>
+          <a:fontRef idx="minor">
+            <a:schemeClr val="tx1"/>
+          </a:fontRef>
+        </p:style>
+      </p:cxnSp>
+      <p:sp>
+        <p:nvSpPr>
+          <p:cNvPr id="212" name="Tekstvak 211"/>
+          <p:cNvSpPr txBox="1"/>
+          <p:nvPr/>
+        </p:nvSpPr>
+        <p:spPr>
+          <a:xfrm>
+            <a:off x="6212057" y="3676361"/>
+            <a:ext cx="594902" cy="276999"/>
+          </a:xfrm>
+          <a:prstGeom prst="rect">
+            <a:avLst/>
+          </a:prstGeom>
+          <a:noFill/>
+        </p:spPr>
+        <p:txBody>
+          <a:bodyPr wrap="square" rtlCol="0">
+            <a:spAutoFit/>
+          </a:bodyPr>
+          <a:lstStyle/>
+          <a:p>
+            <a:r>
+              <a:rPr lang="nl-NL" sz="1200" dirty="0" smtClean="0"/>
+              <a:t>m_clk</a:t>
+            </a:r>
+            <a:endParaRPr lang="nl-NL" sz="2000" dirty="0"/>
+          </a:p>
+        </p:txBody>
+      </p:sp>
+      <p:sp>
+        <p:nvSpPr>
+          <p:cNvPr id="235" name="Rechthoek 234"/>
+          <p:cNvSpPr/>
+          <p:nvPr/>
+        </p:nvSpPr>
+        <p:spPr>
+          <a:xfrm>
+            <a:off x="6125376" y="1843053"/>
+            <a:ext cx="1363166" cy="706469"/>
+          </a:xfrm>
+          <a:prstGeom prst="rect">
+            <a:avLst/>
+          </a:prstGeom>
+          <a:solidFill>
+            <a:schemeClr val="bg1"/>
+          </a:solidFill>
+          <a:ln>
+            <a:solidFill>
+              <a:schemeClr val="accent6">
+                <a:lumMod val="50000"/>
+                <a:lumOff val="50000"/>
+              </a:schemeClr>
+            </a:solidFill>
+          </a:ln>
+        </p:spPr>
+        <p:style>
+          <a:lnRef idx="2">
+            <a:schemeClr val="accent1">
+              <a:shade val="50000"/>
+            </a:schemeClr>
+          </a:lnRef>
+          <a:fillRef idx="1">
+            <a:schemeClr val="accent1"/>
+          </a:fillRef>
+          <a:effectRef idx="0">
+            <a:schemeClr val="accent1"/>
+          </a:effectRef>
+          <a:fontRef idx="minor">
+            <a:schemeClr val="lt1"/>
+          </a:fontRef>
+        </p:style>
+        <p:txBody>
+          <a:bodyPr rtlCol="0" anchor="ctr"/>
+          <a:lstStyle/>
+          <a:p>
+            <a:pPr algn="ctr"/>
+            <a:r>
+              <a:rPr lang="nl-NL" sz="1400" dirty="0" smtClean="0">
+                <a:solidFill>
+                  <a:schemeClr val="tx1"/>
+                </a:solidFill>
+              </a:rPr>
+              <a:t>Klokdeler</a:t>
+            </a:r>
+            <a:endParaRPr lang="nl-NL" dirty="0">
+              <a:solidFill>
+                <a:schemeClr val="tx1"/>
+              </a:solidFill>
+            </a:endParaRPr>
+          </a:p>
+        </p:txBody>
+      </p:sp>
+      <p:cxnSp>
+        <p:nvCxnSpPr>
+          <p:cNvPr id="236" name="Rechte verbindingslijn met pijl 235"/>
+          <p:cNvCxnSpPr>
+            <a:endCxn id="238" idx="1"/>
+          </p:cNvCxnSpPr>
+          <p:nvPr/>
+        </p:nvCxnSpPr>
+        <p:spPr>
+          <a:xfrm>
+            <a:off x="7434190" y="2708282"/>
+            <a:ext cx="645848" cy="306"/>
+          </a:xfrm>
+          <a:prstGeom prst="straightConnector1">
+            <a:avLst/>
+          </a:prstGeom>
+          <a:ln>
+            <a:solidFill>
+              <a:schemeClr val="accent6">
+                <a:lumMod val="50000"/>
+                <a:lumOff val="50000"/>
+              </a:schemeClr>
+            </a:solidFill>
+            <a:tailEnd type="triangle"/>
+          </a:ln>
+        </p:spPr>
+        <p:style>
+          <a:lnRef idx="1">
+            <a:schemeClr val="accent1"/>
+          </a:lnRef>
+          <a:fillRef idx="0">
+            <a:schemeClr val="accent1"/>
+          </a:fillRef>
+          <a:effectRef idx="0">
+            <a:schemeClr val="accent1"/>
+          </a:effectRef>
+          <a:fontRef idx="minor">
+            <a:schemeClr val="tx1"/>
+          </a:fontRef>
+        </p:style>
+      </p:cxnSp>
+      <p:cxnSp>
+        <p:nvCxnSpPr>
+          <p:cNvPr id="237" name="Rechte verbindingslijn met pijl 236"/>
+          <p:cNvCxnSpPr>
+            <a:stCxn id="240" idx="4"/>
+            <a:endCxn id="210" idx="0"/>
+          </p:cNvCxnSpPr>
+          <p:nvPr/>
+        </p:nvCxnSpPr>
+        <p:spPr>
+          <a:xfrm>
+            <a:off x="6806959" y="2736410"/>
+            <a:ext cx="1" cy="383370"/>
+          </a:xfrm>
+          <a:prstGeom prst="straightConnector1">
+            <a:avLst/>
+          </a:prstGeom>
+          <a:ln>
+            <a:solidFill>
+              <a:schemeClr val="accent6">
+                <a:lumMod val="50000"/>
+                <a:lumOff val="50000"/>
+              </a:schemeClr>
+            </a:solidFill>
+            <a:tailEnd type="triangle"/>
+          </a:ln>
+        </p:spPr>
+        <p:style>
+          <a:lnRef idx="1">
+            <a:schemeClr val="accent1"/>
+          </a:lnRef>
+          <a:fillRef idx="0">
+            <a:schemeClr val="accent1"/>
+          </a:fillRef>
+          <a:effectRef idx="0">
+            <a:schemeClr val="accent1"/>
+          </a:effectRef>
+          <a:fontRef idx="minor">
+            <a:schemeClr val="tx1"/>
+          </a:fontRef>
+        </p:style>
+      </p:cxnSp>
+      <p:sp>
+        <p:nvSpPr>
+          <p:cNvPr id="238" name="Tekstvak 237"/>
+          <p:cNvSpPr txBox="1"/>
+          <p:nvPr/>
+        </p:nvSpPr>
+        <p:spPr>
+          <a:xfrm>
+            <a:off x="8080038" y="2570088"/>
+            <a:ext cx="737845" cy="276999"/>
+          </a:xfrm>
+          <a:prstGeom prst="rect">
+            <a:avLst/>
+          </a:prstGeom>
+          <a:noFill/>
+        </p:spPr>
+        <p:txBody>
+          <a:bodyPr wrap="square" rtlCol="0">
+            <a:spAutoFit/>
+          </a:bodyPr>
+          <a:lstStyle/>
+          <a:p>
+            <a:r>
+              <a:rPr lang="nl-NL" sz="1200" dirty="0" smtClean="0"/>
+              <a:t>clk_1hz</a:t>
+            </a:r>
+            <a:endParaRPr lang="nl-NL" sz="2000" dirty="0"/>
+          </a:p>
+        </p:txBody>
+      </p:sp>
+      <p:sp>
+        <p:nvSpPr>
+          <p:cNvPr id="239" name="Tekstvak 238"/>
+          <p:cNvSpPr txBox="1"/>
+          <p:nvPr/>
+        </p:nvSpPr>
+        <p:spPr>
+          <a:xfrm>
+            <a:off x="6239982" y="2707897"/>
+            <a:ext cx="538411" cy="276999"/>
+          </a:xfrm>
+          <a:prstGeom prst="rect">
+            <a:avLst/>
+          </a:prstGeom>
+          <a:noFill/>
+        </p:spPr>
+        <p:txBody>
+          <a:bodyPr wrap="square" rtlCol="0">
+            <a:spAutoFit/>
+          </a:bodyPr>
+          <a:lstStyle/>
+          <a:p>
+            <a:r>
+              <a:rPr lang="nl-NL" sz="1200" dirty="0"/>
+              <a:t>s</a:t>
+            </a:r>
+            <a:r>
+              <a:rPr lang="nl-NL" sz="1200" dirty="0" smtClean="0"/>
+              <a:t>_clk</a:t>
+            </a:r>
+            <a:endParaRPr lang="nl-NL" sz="2000" dirty="0"/>
+          </a:p>
+        </p:txBody>
+      </p:sp>
+      <p:sp>
+        <p:nvSpPr>
+          <p:cNvPr id="240" name="Stroomdiagram: Verbindingslijn 239"/>
+          <p:cNvSpPr/>
+          <p:nvPr/>
+        </p:nvSpPr>
+        <p:spPr>
+          <a:xfrm>
+            <a:off x="6770736" y="2677698"/>
+            <a:ext cx="72445" cy="58712"/>
+          </a:xfrm>
+          <a:prstGeom prst="flowChartConnector">
+            <a:avLst/>
+          </a:prstGeom>
+          <a:solidFill>
+            <a:schemeClr val="accent1">
+              <a:lumMod val="50000"/>
+            </a:schemeClr>
+          </a:solidFill>
+          <a:ln>
+            <a:solidFill>
+              <a:schemeClr val="accent6">
+                <a:lumMod val="50000"/>
+                <a:lumOff val="50000"/>
+              </a:schemeClr>
+            </a:solidFill>
+          </a:ln>
+        </p:spPr>
+        <p:style>
+          <a:lnRef idx="2">
+            <a:schemeClr val="accent1">
+              <a:shade val="50000"/>
+            </a:schemeClr>
+          </a:lnRef>
+          <a:fillRef idx="1">
+            <a:schemeClr val="accent1"/>
+          </a:fillRef>
+          <a:effectRef idx="0">
+            <a:schemeClr val="accent1"/>
+          </a:effectRef>
+          <a:fontRef idx="minor">
+            <a:schemeClr val="lt1"/>
+          </a:fontRef>
+        </p:style>
+        <p:txBody>
+          <a:bodyPr rtlCol="0" anchor="ctr"/>
+          <a:lstStyle/>
+          <a:p>
+            <a:pPr algn="ctr"/>
+            <a:endParaRPr lang="nl-NL"/>
+          </a:p>
+        </p:txBody>
+      </p:sp>
+      <p:sp>
+        <p:nvSpPr>
+          <p:cNvPr id="215" name="Tekstvak 214"/>
+          <p:cNvSpPr txBox="1"/>
+          <p:nvPr/>
+        </p:nvSpPr>
+        <p:spPr>
+          <a:xfrm>
+            <a:off x="4029710" y="1080204"/>
+            <a:ext cx="377347" cy="276999"/>
+          </a:xfrm>
+          <a:prstGeom prst="rect">
+            <a:avLst/>
+          </a:prstGeom>
+          <a:noFill/>
+        </p:spPr>
+        <p:txBody>
+          <a:bodyPr wrap="square" rtlCol="0">
+            <a:spAutoFit/>
+          </a:bodyPr>
+          <a:lstStyle/>
+          <a:p>
+            <a:r>
+              <a:rPr lang="nl-NL" sz="1200" dirty="0" err="1" smtClean="0"/>
+              <a:t>clk</a:t>
+            </a:r>
+            <a:endParaRPr lang="nl-NL" sz="1200" dirty="0"/>
+          </a:p>
+        </p:txBody>
+      </p:sp>
+      <p:sp>
+        <p:nvSpPr>
+          <p:cNvPr id="222" name="Tekstvak 221"/>
+          <p:cNvSpPr txBox="1"/>
+          <p:nvPr/>
+        </p:nvSpPr>
+        <p:spPr>
+          <a:xfrm>
+            <a:off x="3456289" y="2166491"/>
+            <a:ext cx="1840410" cy="642733"/>
+          </a:xfrm>
+          <a:prstGeom prst="rect">
+            <a:avLst/>
+          </a:prstGeom>
+          <a:solidFill>
+            <a:schemeClr val="bg1"/>
+          </a:solidFill>
+          <a:ln>
+            <a:solidFill>
+              <a:schemeClr val="bg1"/>
+            </a:solidFill>
+          </a:ln>
+        </p:spPr>
+        <p:txBody>
+          <a:bodyPr wrap="square" rtlCol="0">
+            <a:spAutoFit/>
+          </a:bodyPr>
+          <a:lstStyle/>
+          <a:p>
+            <a:endParaRPr lang="nl-NL" dirty="0"/>
+          </a:p>
+        </p:txBody>
+      </p:sp>
+      <p:sp>
+        <p:nvSpPr>
+          <p:cNvPr id="101" name="Tekstvak 100"/>
+          <p:cNvSpPr txBox="1"/>
+          <p:nvPr/>
+        </p:nvSpPr>
+        <p:spPr>
+          <a:xfrm>
+            <a:off x="3792172" y="1874599"/>
+            <a:ext cx="1280291" cy="646331"/>
+          </a:xfrm>
+          <a:prstGeom prst="rect">
+            <a:avLst/>
+          </a:prstGeom>
+          <a:noFill/>
+          <a:ln w="3175">
+            <a:solidFill>
+              <a:schemeClr val="tx1"/>
+            </a:solidFill>
+            <a:prstDash val="lgDashDotDot"/>
+          </a:ln>
+        </p:spPr>
+        <p:txBody>
+          <a:bodyPr wrap="square" rtlCol="0">
+            <a:spAutoFit/>
+          </a:bodyPr>
+          <a:lstStyle/>
+          <a:p>
+            <a:r>
+              <a:rPr lang="nl-NL" sz="1200" dirty="0" smtClean="0"/>
+              <a:t>Worden beiden verspreid naar alle subblokken</a:t>
+            </a:r>
+            <a:endParaRPr lang="nl-NL" sz="1200" dirty="0"/>
+          </a:p>
+        </p:txBody>
+      </p:sp>
+      <p:sp>
+        <p:nvSpPr>
+          <p:cNvPr id="263" name="Tekstvak 262"/>
+          <p:cNvSpPr txBox="1"/>
+          <p:nvPr/>
+        </p:nvSpPr>
+        <p:spPr>
+          <a:xfrm>
+            <a:off x="3511345" y="2834770"/>
+            <a:ext cx="862591" cy="276999"/>
+          </a:xfrm>
+          <a:prstGeom prst="rect">
+            <a:avLst/>
+          </a:prstGeom>
+          <a:noFill/>
+        </p:spPr>
+        <p:txBody>
+          <a:bodyPr wrap="square" rtlCol="0">
+            <a:spAutoFit/>
+          </a:bodyPr>
+          <a:lstStyle/>
+          <a:p>
+            <a:r>
+              <a:rPr lang="nl-NL" sz="1200" dirty="0" smtClean="0"/>
+              <a:t>sync_now</a:t>
+            </a:r>
+            <a:endParaRPr lang="nl-NL" sz="2000" dirty="0"/>
+          </a:p>
+        </p:txBody>
+      </p:sp>
+      <p:cxnSp>
+        <p:nvCxnSpPr>
+          <p:cNvPr id="264" name="Rechte verbindingslijn met pijl 263"/>
+          <p:cNvCxnSpPr>
+            <a:endCxn id="265" idx="2"/>
+          </p:cNvCxnSpPr>
+          <p:nvPr/>
+        </p:nvCxnSpPr>
+        <p:spPr>
+          <a:xfrm flipV="1">
+            <a:off x="3541228" y="1361784"/>
+            <a:ext cx="0" cy="328993"/>
+          </a:xfrm>
+          <a:prstGeom prst="straightConnector1">
+            <a:avLst/>
+          </a:prstGeom>
+          <a:ln>
+            <a:solidFill>
+              <a:schemeClr val="accent2">
+                <a:lumMod val="50000"/>
+                <a:lumOff val="50000"/>
+              </a:schemeClr>
+            </a:solidFill>
+            <a:tailEnd type="triangle"/>
+          </a:ln>
+        </p:spPr>
+        <p:style>
+          <a:lnRef idx="1">
+            <a:schemeClr val="accent1"/>
+          </a:lnRef>
+          <a:fillRef idx="0">
+            <a:schemeClr val="accent1"/>
+          </a:fillRef>
+          <a:effectRef idx="0">
+            <a:schemeClr val="accent1"/>
+          </a:effectRef>
+          <a:fontRef idx="minor">
+            <a:schemeClr val="tx1"/>
+          </a:fontRef>
+        </p:style>
+      </p:cxnSp>
+      <p:sp>
+        <p:nvSpPr>
+          <p:cNvPr id="265" name="Tekstvak 264"/>
+          <p:cNvSpPr txBox="1"/>
+          <p:nvPr/>
+        </p:nvSpPr>
+        <p:spPr>
+          <a:xfrm>
+            <a:off x="3063124" y="1084785"/>
+            <a:ext cx="956208" cy="276999"/>
+          </a:xfrm>
+          <a:prstGeom prst="rect">
+            <a:avLst/>
+          </a:prstGeom>
+          <a:noFill/>
+        </p:spPr>
+        <p:txBody>
+          <a:bodyPr wrap="square" rtlCol="0">
+            <a:spAutoFit/>
+          </a:bodyPr>
+          <a:lstStyle/>
+          <a:p>
+            <a:pPr algn="ctr"/>
+            <a:r>
+              <a:rPr lang="nl-NL" sz="1200" dirty="0" smtClean="0"/>
+              <a:t>date_ready</a:t>
+            </a:r>
+            <a:endParaRPr lang="nl-NL" sz="1200" dirty="0"/>
+          </a:p>
+        </p:txBody>
+      </p:sp>
+      <p:sp>
+        <p:nvSpPr>
+          <p:cNvPr id="266" name="Stroomdiagram: Verbindingslijn 265"/>
+          <p:cNvSpPr/>
+          <p:nvPr/>
+        </p:nvSpPr>
+        <p:spPr>
+          <a:xfrm>
+            <a:off x="3506605" y="2674547"/>
+            <a:ext cx="72893" cy="68529"/>
+          </a:xfrm>
+          <a:prstGeom prst="flowChartConnector">
+            <a:avLst/>
+          </a:prstGeom>
+          <a:solidFill>
+            <a:schemeClr val="accent1">
+              <a:lumMod val="50000"/>
+            </a:schemeClr>
+          </a:solidFill>
+          <a:ln>
+            <a:solidFill>
+              <a:schemeClr val="accent2">
+                <a:lumMod val="50000"/>
+                <a:lumOff val="50000"/>
+              </a:schemeClr>
+            </a:solidFill>
+          </a:ln>
+        </p:spPr>
+        <p:style>
+          <a:lnRef idx="2">
+            <a:schemeClr val="accent1">
+              <a:shade val="50000"/>
+            </a:schemeClr>
+          </a:lnRef>
+          <a:fillRef idx="1">
+            <a:schemeClr val="accent1"/>
+          </a:fillRef>
+          <a:effectRef idx="0">
+            <a:schemeClr val="accent1"/>
+          </a:effectRef>
+          <a:fontRef idx="minor">
+            <a:schemeClr val="lt1"/>
+          </a:fontRef>
+        </p:style>
+        <p:txBody>
+          <a:bodyPr rtlCol="0" anchor="ctr"/>
+          <a:lstStyle/>
+          <a:p>
+            <a:pPr algn="ctr"/>
+            <a:endParaRPr lang="nl-NL"/>
+          </a:p>
+        </p:txBody>
+      </p:sp>
+      <p:cxnSp>
+        <p:nvCxnSpPr>
+          <p:cNvPr id="269" name="Rechte verbindingslijn 268"/>
+          <p:cNvCxnSpPr>
+            <a:stCxn id="266" idx="0"/>
+          </p:cNvCxnSpPr>
+          <p:nvPr/>
+        </p:nvCxnSpPr>
+        <p:spPr>
+          <a:xfrm flipH="1">
+            <a:off x="3536701" y="2674547"/>
+            <a:ext cx="6351" cy="449381"/>
+          </a:xfrm>
+          <a:prstGeom prst="line">
+            <a:avLst/>
+          </a:prstGeom>
+          <a:ln>
+            <a:solidFill>
+              <a:schemeClr val="accent2">
+                <a:lumMod val="50000"/>
+                <a:lumOff val="50000"/>
+              </a:schemeClr>
+            </a:solidFill>
+          </a:ln>
+        </p:spPr>
+        <p:style>
+          <a:lnRef idx="1">
+            <a:schemeClr val="accent1"/>
+          </a:lnRef>
+          <a:fillRef idx="0">
+            <a:schemeClr val="accent1"/>
+          </a:fillRef>
+          <a:effectRef idx="0">
+            <a:schemeClr val="accent1"/>
+          </a:effectRef>
+          <a:fontRef idx="minor">
+            <a:schemeClr val="tx1"/>
+          </a:fontRef>
+        </p:style>
+      </p:cxnSp>
+      <p:cxnSp>
+        <p:nvCxnSpPr>
+          <p:cNvPr id="293" name="Rechte verbindingslijn 292"/>
+          <p:cNvCxnSpPr>
+            <a:stCxn id="266" idx="6"/>
+          </p:cNvCxnSpPr>
+          <p:nvPr/>
+        </p:nvCxnSpPr>
+        <p:spPr>
+          <a:xfrm>
+            <a:off x="3579498" y="2708812"/>
+            <a:ext cx="2187741" cy="671"/>
+          </a:xfrm>
+          <a:prstGeom prst="line">
+            <a:avLst/>
+          </a:prstGeom>
+          <a:ln>
+            <a:solidFill>
+              <a:schemeClr val="accent2">
+                <a:lumMod val="50000"/>
+                <a:lumOff val="50000"/>
+              </a:schemeClr>
+            </a:solidFill>
+          </a:ln>
+        </p:spPr>
+        <p:style>
+          <a:lnRef idx="1">
+            <a:schemeClr val="accent1"/>
+          </a:lnRef>
+          <a:fillRef idx="0">
+            <a:schemeClr val="accent1"/>
+          </a:fillRef>
+          <a:effectRef idx="0">
+            <a:schemeClr val="accent1"/>
+          </a:effectRef>
+          <a:fontRef idx="minor">
+            <a:schemeClr val="tx1"/>
+          </a:fontRef>
+        </p:style>
+      </p:cxnSp>
+      <p:cxnSp>
+        <p:nvCxnSpPr>
+          <p:cNvPr id="310" name="Rechte verbindingslijn met pijl 309"/>
+          <p:cNvCxnSpPr/>
+          <p:nvPr/>
+        </p:nvCxnSpPr>
+        <p:spPr>
+          <a:xfrm flipV="1">
+            <a:off x="5766484" y="4095264"/>
+            <a:ext cx="358892" cy="759"/>
+          </a:xfrm>
+          <a:prstGeom prst="straightConnector1">
+            <a:avLst/>
+          </a:prstGeom>
+          <a:ln>
+            <a:solidFill>
+              <a:schemeClr val="accent2">
+                <a:lumMod val="50000"/>
+                <a:lumOff val="50000"/>
+              </a:schemeClr>
+            </a:solidFill>
+            <a:tailEnd type="triangle"/>
+          </a:ln>
+        </p:spPr>
+        <p:style>
+          <a:lnRef idx="1">
+            <a:schemeClr val="accent1"/>
+          </a:lnRef>
+          <a:fillRef idx="0">
+            <a:schemeClr val="accent1"/>
+          </a:fillRef>
+          <a:effectRef idx="0">
+            <a:schemeClr val="accent1"/>
+          </a:effectRef>
+          <a:fontRef idx="minor">
+            <a:schemeClr val="tx1"/>
+          </a:fontRef>
+        </p:style>
+      </p:cxnSp>
+      <p:sp>
+        <p:nvSpPr>
+          <p:cNvPr id="311" name="Stroomdiagram: Verbindingslijn 310"/>
+          <p:cNvSpPr/>
+          <p:nvPr/>
+        </p:nvSpPr>
+        <p:spPr>
+          <a:xfrm>
+            <a:off x="5722191" y="4063791"/>
+            <a:ext cx="72893" cy="68529"/>
+          </a:xfrm>
+          <a:prstGeom prst="flowChartConnector">
+            <a:avLst/>
+          </a:prstGeom>
+          <a:solidFill>
+            <a:schemeClr val="accent1">
+              <a:lumMod val="50000"/>
+            </a:schemeClr>
+          </a:solidFill>
+          <a:ln>
+            <a:solidFill>
+              <a:schemeClr val="accent2">
+                <a:lumMod val="50000"/>
+                <a:lumOff val="50000"/>
+              </a:schemeClr>
+            </a:solidFill>
+          </a:ln>
+        </p:spPr>
+        <p:style>
+          <a:lnRef idx="2">
+            <a:schemeClr val="accent1">
+              <a:shade val="50000"/>
+            </a:schemeClr>
+          </a:lnRef>
+          <a:fillRef idx="1">
+            <a:schemeClr val="accent1"/>
+          </a:fillRef>
+          <a:effectRef idx="0">
+            <a:schemeClr val="accent1"/>
+          </a:effectRef>
+          <a:fontRef idx="minor">
+            <a:schemeClr val="lt1"/>
+          </a:fontRef>
+        </p:style>
+        <p:txBody>
+          <a:bodyPr rtlCol="0" anchor="ctr"/>
+          <a:lstStyle/>
+          <a:p>
+            <a:pPr algn="ctr"/>
+            <a:endParaRPr lang="nl-NL"/>
+          </a:p>
+        </p:txBody>
+      </p:sp>
+      <p:cxnSp>
+        <p:nvCxnSpPr>
+          <p:cNvPr id="313" name="Rechte verbindingslijn met pijl 312"/>
+          <p:cNvCxnSpPr/>
+          <p:nvPr/>
+        </p:nvCxnSpPr>
+        <p:spPr>
+          <a:xfrm flipV="1">
+            <a:off x="5766484" y="3373736"/>
+            <a:ext cx="358892" cy="759"/>
+          </a:xfrm>
+          <a:prstGeom prst="straightConnector1">
+            <a:avLst/>
+          </a:prstGeom>
+          <a:ln>
+            <a:solidFill>
+              <a:schemeClr val="accent2">
+                <a:lumMod val="50000"/>
+                <a:lumOff val="50000"/>
+              </a:schemeClr>
+            </a:solidFill>
+            <a:tailEnd type="triangle"/>
+          </a:ln>
+        </p:spPr>
+        <p:style>
+          <a:lnRef idx="1">
+            <a:schemeClr val="accent1"/>
+          </a:lnRef>
+          <a:fillRef idx="0">
+            <a:schemeClr val="accent1"/>
+          </a:fillRef>
+          <a:effectRef idx="0">
+            <a:schemeClr val="accent1"/>
+          </a:effectRef>
+          <a:fontRef idx="minor">
+            <a:schemeClr val="tx1"/>
+          </a:fontRef>
+        </p:style>
+      </p:cxnSp>
+      <p:sp>
+        <p:nvSpPr>
+          <p:cNvPr id="314" name="Stroomdiagram: Verbindingslijn 313"/>
+          <p:cNvSpPr/>
+          <p:nvPr/>
+        </p:nvSpPr>
+        <p:spPr>
+          <a:xfrm>
+            <a:off x="5722191" y="3342263"/>
+            <a:ext cx="72893" cy="68529"/>
+          </a:xfrm>
+          <a:prstGeom prst="flowChartConnector">
+            <a:avLst/>
+          </a:prstGeom>
+          <a:solidFill>
+            <a:schemeClr val="accent1">
+              <a:lumMod val="50000"/>
+            </a:schemeClr>
+          </a:solidFill>
+          <a:ln>
+            <a:solidFill>
+              <a:schemeClr val="accent2">
+                <a:lumMod val="50000"/>
+                <a:lumOff val="50000"/>
+              </a:schemeClr>
+            </a:solidFill>
+          </a:ln>
+        </p:spPr>
+        <p:style>
+          <a:lnRef idx="2">
+            <a:schemeClr val="accent1">
+              <a:shade val="50000"/>
+            </a:schemeClr>
+          </a:lnRef>
+          <a:fillRef idx="1">
+            <a:schemeClr val="accent1"/>
+          </a:fillRef>
+          <a:effectRef idx="0">
+            <a:schemeClr val="accent1"/>
+          </a:effectRef>
+          <a:fontRef idx="minor">
+            <a:schemeClr val="lt1"/>
+          </a:fontRef>
+        </p:style>
+        <p:txBody>
+          <a:bodyPr rtlCol="0" anchor="ctr"/>
+          <a:lstStyle/>
+          <a:p>
+            <a:pPr algn="ctr"/>
+            <a:endParaRPr lang="nl-NL"/>
+          </a:p>
+        </p:txBody>
+      </p:sp>
+      <p:cxnSp>
+        <p:nvCxnSpPr>
+          <p:cNvPr id="315" name="Rechte verbindingslijn met pijl 314"/>
+          <p:cNvCxnSpPr/>
+          <p:nvPr/>
+        </p:nvCxnSpPr>
+        <p:spPr>
+          <a:xfrm flipV="1">
+            <a:off x="5766484" y="4921297"/>
+            <a:ext cx="358892" cy="759"/>
+          </a:xfrm>
+          <a:prstGeom prst="straightConnector1">
+            <a:avLst/>
+          </a:prstGeom>
+          <a:ln>
+            <a:solidFill>
+              <a:schemeClr val="accent2">
+                <a:lumMod val="50000"/>
+                <a:lumOff val="50000"/>
+              </a:schemeClr>
+            </a:solidFill>
+            <a:tailEnd type="triangle"/>
+          </a:ln>
+        </p:spPr>
+        <p:style>
+          <a:lnRef idx="1">
+            <a:schemeClr val="accent1"/>
+          </a:lnRef>
+          <a:fillRef idx="0">
+            <a:schemeClr val="accent1"/>
+          </a:fillRef>
+          <a:effectRef idx="0">
+            <a:schemeClr val="accent1"/>
+          </a:effectRef>
+          <a:fontRef idx="minor">
+            <a:schemeClr val="tx1"/>
+          </a:fontRef>
+        </p:style>
+      </p:cxnSp>
+      <p:cxnSp>
+        <p:nvCxnSpPr>
+          <p:cNvPr id="317" name="Rechte verbindingslijn 316"/>
+          <p:cNvCxnSpPr/>
+          <p:nvPr/>
+        </p:nvCxnSpPr>
+        <p:spPr>
+          <a:xfrm>
+            <a:off x="5762383" y="2705352"/>
+            <a:ext cx="3352" cy="2219016"/>
+          </a:xfrm>
+          <a:prstGeom prst="line">
+            <a:avLst/>
+          </a:prstGeom>
+          <a:ln>
+            <a:solidFill>
+              <a:schemeClr val="accent2">
+                <a:lumMod val="50000"/>
+                <a:lumOff val="50000"/>
+              </a:schemeClr>
+            </a:solidFill>
+          </a:ln>
+        </p:spPr>
+        <p:style>
+          <a:lnRef idx="1">
+            <a:schemeClr val="accent1"/>
+          </a:lnRef>
+          <a:fillRef idx="0">
+            <a:schemeClr val="accent1"/>
+          </a:fillRef>
+          <a:effectRef idx="0">
+            <a:schemeClr val="accent1"/>
+          </a:effectRef>
+          <a:fontRef idx="minor">
+            <a:schemeClr val="tx1"/>
+          </a:fontRef>
+        </p:style>
+      </p:cxnSp>
+      <p:cxnSp>
+        <p:nvCxnSpPr>
+          <p:cNvPr id="327" name="Rechte verbindingslijn 326"/>
+          <p:cNvCxnSpPr/>
+          <p:nvPr/>
+        </p:nvCxnSpPr>
+        <p:spPr>
+          <a:xfrm flipH="1">
+            <a:off x="5373619" y="5423082"/>
+            <a:ext cx="138792" cy="196967"/>
+          </a:xfrm>
+          <a:prstGeom prst="line">
+            <a:avLst/>
+          </a:prstGeom>
+          <a:ln>
+            <a:solidFill>
+              <a:schemeClr val="accent2">
+                <a:lumMod val="50000"/>
+                <a:lumOff val="50000"/>
+              </a:schemeClr>
+            </a:solidFill>
+          </a:ln>
+        </p:spPr>
+        <p:style>
+          <a:lnRef idx="1">
+            <a:schemeClr val="accent1"/>
+          </a:lnRef>
+          <a:fillRef idx="0">
+            <a:schemeClr val="accent1"/>
+          </a:fillRef>
+          <a:effectRef idx="0">
+            <a:schemeClr val="accent1"/>
+          </a:effectRef>
+          <a:fontRef idx="minor">
+            <a:schemeClr val="tx1"/>
+          </a:fontRef>
+        </p:style>
+      </p:cxnSp>
+      <p:cxnSp>
+        <p:nvCxnSpPr>
+          <p:cNvPr id="328" name="Rechte verbindingslijn met pijl 327"/>
+          <p:cNvCxnSpPr/>
+          <p:nvPr/>
+        </p:nvCxnSpPr>
+        <p:spPr>
+          <a:xfrm>
+            <a:off x="5770494" y="5185788"/>
+            <a:ext cx="354882" cy="0"/>
+          </a:xfrm>
+          <a:prstGeom prst="straightConnector1">
+            <a:avLst/>
+          </a:prstGeom>
+          <a:ln>
+            <a:solidFill>
+              <a:schemeClr val="accent2">
+                <a:lumMod val="50000"/>
+                <a:lumOff val="50000"/>
+              </a:schemeClr>
+            </a:solidFill>
+            <a:tailEnd type="triangle"/>
+          </a:ln>
+        </p:spPr>
+        <p:style>
+          <a:lnRef idx="1">
+            <a:schemeClr val="accent1"/>
+          </a:lnRef>
+          <a:fillRef idx="0">
+            <a:schemeClr val="accent1"/>
+          </a:fillRef>
+          <a:effectRef idx="0">
+            <a:schemeClr val="accent1"/>
+          </a:effectRef>
+          <a:fontRef idx="minor">
+            <a:schemeClr val="tx1"/>
+          </a:fontRef>
+        </p:style>
+      </p:cxnSp>
+      <p:sp>
+        <p:nvSpPr>
+          <p:cNvPr id="329" name="Tekstvak 328"/>
+          <p:cNvSpPr txBox="1"/>
+          <p:nvPr/>
+        </p:nvSpPr>
+        <p:spPr>
+          <a:xfrm>
+            <a:off x="4753176" y="5298337"/>
+            <a:ext cx="690166" cy="461665"/>
+          </a:xfrm>
+          <a:prstGeom prst="rect">
+            <a:avLst/>
+          </a:prstGeom>
+          <a:noFill/>
+        </p:spPr>
+        <p:txBody>
+          <a:bodyPr wrap="square" rtlCol="0">
+            <a:spAutoFit/>
+          </a:bodyPr>
+          <a:lstStyle/>
+          <a:p>
+            <a:pPr algn="ctr"/>
+            <a:r>
+              <a:rPr lang="nl-NL" sz="1200" dirty="0" smtClean="0"/>
+              <a:t>uur</a:t>
+            </a:r>
+          </a:p>
+          <a:p>
+            <a:pPr algn="ctr"/>
+            <a:r>
+              <a:rPr lang="nl-NL" sz="1200" dirty="0" smtClean="0"/>
+              <a:t>(5 </a:t>
+            </a:r>
+            <a:r>
+              <a:rPr lang="nl-NL" sz="1200" dirty="0"/>
+              <a:t>bits</a:t>
+            </a:r>
+            <a:r>
+              <a:rPr lang="nl-NL" sz="1200" dirty="0" smtClean="0"/>
+              <a:t>)</a:t>
+            </a:r>
+            <a:endParaRPr lang="nl-NL" sz="1200" dirty="0"/>
+          </a:p>
+        </p:txBody>
+      </p:sp>
+      <p:cxnSp>
+        <p:nvCxnSpPr>
+          <p:cNvPr id="330" name="Rechte verbindingslijn 329"/>
+          <p:cNvCxnSpPr/>
+          <p:nvPr/>
+        </p:nvCxnSpPr>
+        <p:spPr>
+          <a:xfrm>
+            <a:off x="4115952" y="5511228"/>
+            <a:ext cx="1649691" cy="10338"/>
+          </a:xfrm>
+          <a:prstGeom prst="line">
+            <a:avLst/>
+          </a:prstGeom>
+          <a:ln>
+            <a:solidFill>
+              <a:schemeClr val="accent2">
+                <a:lumMod val="50000"/>
+                <a:lumOff val="50000"/>
+              </a:schemeClr>
+            </a:solidFill>
+          </a:ln>
+        </p:spPr>
+        <p:style>
+          <a:lnRef idx="1">
+            <a:schemeClr val="accent1"/>
+          </a:lnRef>
+          <a:fillRef idx="0">
+            <a:schemeClr val="accent1"/>
+          </a:fillRef>
+          <a:effectRef idx="0">
+            <a:schemeClr val="accent1"/>
+          </a:effectRef>
+          <a:fontRef idx="minor">
+            <a:schemeClr val="tx1"/>
+          </a:fontRef>
+        </p:style>
+      </p:cxnSp>
+      <p:cxnSp>
+        <p:nvCxnSpPr>
+          <p:cNvPr id="331" name="Rechte verbindingslijn 330"/>
+          <p:cNvCxnSpPr/>
+          <p:nvPr/>
+        </p:nvCxnSpPr>
+        <p:spPr>
+          <a:xfrm flipH="1">
+            <a:off x="4115951" y="5305162"/>
+            <a:ext cx="1" cy="211692"/>
+          </a:xfrm>
+          <a:prstGeom prst="line">
+            <a:avLst/>
+          </a:prstGeom>
+          <a:ln>
+            <a:solidFill>
+              <a:schemeClr val="accent2">
+                <a:lumMod val="50000"/>
+                <a:lumOff val="50000"/>
+              </a:schemeClr>
+            </a:solidFill>
+          </a:ln>
+        </p:spPr>
+        <p:style>
+          <a:lnRef idx="1">
+            <a:schemeClr val="accent1"/>
+          </a:lnRef>
+          <a:fillRef idx="0">
+            <a:schemeClr val="accent1"/>
+          </a:fillRef>
+          <a:effectRef idx="0">
+            <a:schemeClr val="accent1"/>
+          </a:effectRef>
+          <a:fontRef idx="minor">
+            <a:schemeClr val="tx1"/>
+          </a:fontRef>
+        </p:style>
+      </p:cxnSp>
+      <p:cxnSp>
+        <p:nvCxnSpPr>
+          <p:cNvPr id="338" name="Rechte verbindingslijn 337"/>
+          <p:cNvCxnSpPr/>
+          <p:nvPr/>
+        </p:nvCxnSpPr>
+        <p:spPr>
+          <a:xfrm flipH="1">
+            <a:off x="5765643" y="5180030"/>
+            <a:ext cx="842" cy="349327"/>
+          </a:xfrm>
+          <a:prstGeom prst="line">
+            <a:avLst/>
+          </a:prstGeom>
+          <a:ln>
+            <a:solidFill>
+              <a:schemeClr val="accent2">
+                <a:lumMod val="50000"/>
+                <a:lumOff val="50000"/>
+              </a:schemeClr>
+            </a:solidFill>
+          </a:ln>
+        </p:spPr>
+        <p:style>
+          <a:lnRef idx="1">
+            <a:schemeClr val="accent1"/>
+          </a:lnRef>
+          <a:fillRef idx="0">
+            <a:schemeClr val="accent1"/>
+          </a:fillRef>
+          <a:effectRef idx="0">
+            <a:schemeClr val="accent1"/>
+          </a:effectRef>
+          <a:fontRef idx="minor">
+            <a:schemeClr val="tx1"/>
+          </a:fontRef>
+        </p:style>
+      </p:cxnSp>
+      <p:cxnSp>
+        <p:nvCxnSpPr>
+          <p:cNvPr id="343" name="Rechte verbindingslijn 342"/>
+          <p:cNvCxnSpPr/>
+          <p:nvPr/>
+        </p:nvCxnSpPr>
+        <p:spPr>
+          <a:xfrm flipH="1">
+            <a:off x="5377438" y="5037328"/>
+            <a:ext cx="138792" cy="196967"/>
+          </a:xfrm>
+          <a:prstGeom prst="line">
+            <a:avLst/>
+          </a:prstGeom>
+          <a:ln>
+            <a:solidFill>
+              <a:schemeClr val="accent2">
+                <a:lumMod val="50000"/>
+                <a:lumOff val="50000"/>
+              </a:schemeClr>
+            </a:solidFill>
+          </a:ln>
+        </p:spPr>
+        <p:style>
+          <a:lnRef idx="1">
+            <a:schemeClr val="accent1"/>
+          </a:lnRef>
+          <a:fillRef idx="0">
+            <a:schemeClr val="accent1"/>
+          </a:fillRef>
+          <a:effectRef idx="0">
+            <a:schemeClr val="accent1"/>
+          </a:effectRef>
+          <a:fontRef idx="minor">
+            <a:schemeClr val="tx1"/>
+          </a:fontRef>
+        </p:style>
+      </p:cxnSp>
+      <p:cxnSp>
+        <p:nvCxnSpPr>
+          <p:cNvPr id="344" name="Rechte verbindingslijn met pijl 343"/>
+          <p:cNvCxnSpPr/>
+          <p:nvPr/>
+        </p:nvCxnSpPr>
+        <p:spPr>
+          <a:xfrm flipV="1">
+            <a:off x="5591431" y="4346591"/>
+            <a:ext cx="529947" cy="6676"/>
+          </a:xfrm>
+          <a:prstGeom prst="straightConnector1">
+            <a:avLst/>
+          </a:prstGeom>
+          <a:ln>
+            <a:solidFill>
+              <a:schemeClr val="accent2">
+                <a:lumMod val="50000"/>
+                <a:lumOff val="50000"/>
+              </a:schemeClr>
+            </a:solidFill>
+            <a:tailEnd type="triangle"/>
+          </a:ln>
+        </p:spPr>
+        <p:style>
+          <a:lnRef idx="1">
+            <a:schemeClr val="accent1"/>
+          </a:lnRef>
+          <a:fillRef idx="0">
+            <a:schemeClr val="accent1"/>
+          </a:fillRef>
+          <a:effectRef idx="0">
+            <a:schemeClr val="accent1"/>
+          </a:effectRef>
+          <a:fontRef idx="minor">
+            <a:schemeClr val="tx1"/>
+          </a:fontRef>
+        </p:style>
+      </p:cxnSp>
+      <p:cxnSp>
+        <p:nvCxnSpPr>
+          <p:cNvPr id="345" name="Rechte verbindingslijn 344"/>
+          <p:cNvCxnSpPr/>
+          <p:nvPr/>
+        </p:nvCxnSpPr>
+        <p:spPr>
+          <a:xfrm>
+            <a:off x="4495928" y="5135678"/>
+            <a:ext cx="1095503" cy="0"/>
+          </a:xfrm>
+          <a:prstGeom prst="line">
+            <a:avLst/>
+          </a:prstGeom>
+          <a:ln>
+            <a:solidFill>
+              <a:schemeClr val="accent2">
+                <a:lumMod val="50000"/>
+                <a:lumOff val="50000"/>
+              </a:schemeClr>
+            </a:solidFill>
+          </a:ln>
+        </p:spPr>
+        <p:style>
+          <a:lnRef idx="1">
+            <a:schemeClr val="accent1"/>
+          </a:lnRef>
+          <a:fillRef idx="0">
+            <a:schemeClr val="accent1"/>
+          </a:fillRef>
+          <a:effectRef idx="0">
+            <a:schemeClr val="accent1"/>
+          </a:effectRef>
+          <a:fontRef idx="minor">
+            <a:schemeClr val="tx1"/>
+          </a:fontRef>
+        </p:style>
+      </p:cxnSp>
+      <p:cxnSp>
+        <p:nvCxnSpPr>
+          <p:cNvPr id="346" name="Rechte verbindingslijn 345"/>
+          <p:cNvCxnSpPr/>
+          <p:nvPr/>
+        </p:nvCxnSpPr>
+        <p:spPr>
+          <a:xfrm flipV="1">
+            <a:off x="5591431" y="4346594"/>
+            <a:ext cx="0" cy="789084"/>
+          </a:xfrm>
+          <a:prstGeom prst="line">
+            <a:avLst/>
+          </a:prstGeom>
+          <a:ln>
+            <a:solidFill>
+              <a:schemeClr val="accent2">
+                <a:lumMod val="50000"/>
+                <a:lumOff val="50000"/>
+              </a:schemeClr>
+            </a:solidFill>
+          </a:ln>
+        </p:spPr>
+        <p:style>
+          <a:lnRef idx="1">
+            <a:schemeClr val="accent1"/>
+          </a:lnRef>
+          <a:fillRef idx="0">
+            <a:schemeClr val="accent1"/>
+          </a:fillRef>
+          <a:effectRef idx="0">
+            <a:schemeClr val="accent1"/>
+          </a:effectRef>
+          <a:fontRef idx="minor">
+            <a:schemeClr val="tx1"/>
+          </a:fontRef>
+        </p:style>
+      </p:cxnSp>
+      <p:sp>
+        <p:nvSpPr>
+          <p:cNvPr id="347" name="Tekstvak 346"/>
+          <p:cNvSpPr txBox="1"/>
+          <p:nvPr/>
+        </p:nvSpPr>
+        <p:spPr>
+          <a:xfrm>
+            <a:off x="4752169" y="4911185"/>
+            <a:ext cx="692181" cy="461665"/>
+          </a:xfrm>
+          <a:prstGeom prst="rect">
+            <a:avLst/>
+          </a:prstGeom>
+          <a:noFill/>
+        </p:spPr>
+        <p:txBody>
+          <a:bodyPr wrap="square" rtlCol="0">
+            <a:spAutoFit/>
+          </a:bodyPr>
+          <a:lstStyle/>
+          <a:p>
+            <a:pPr algn="ctr"/>
+            <a:r>
+              <a:rPr lang="nl-NL" sz="1200" dirty="0" smtClean="0"/>
+              <a:t>minuut</a:t>
+            </a:r>
+          </a:p>
+          <a:p>
+            <a:pPr algn="ctr"/>
+            <a:r>
+              <a:rPr lang="nl-NL" sz="1200" dirty="0" smtClean="0"/>
+              <a:t>(6 bits)</a:t>
+            </a:r>
+            <a:endParaRPr lang="nl-NL" sz="1200" dirty="0"/>
+          </a:p>
+        </p:txBody>
+      </p:sp>
+      <p:cxnSp>
+        <p:nvCxnSpPr>
+          <p:cNvPr id="361" name="Rechte verbindingslijn 360"/>
+          <p:cNvCxnSpPr/>
+          <p:nvPr/>
+        </p:nvCxnSpPr>
+        <p:spPr>
+          <a:xfrm>
+            <a:off x="2513953" y="4685276"/>
+            <a:ext cx="0" cy="217184"/>
+          </a:xfrm>
+          <a:prstGeom prst="line">
+            <a:avLst/>
+          </a:prstGeom>
+          <a:ln>
+            <a:solidFill>
+              <a:schemeClr val="accent2">
+                <a:lumMod val="50000"/>
+                <a:lumOff val="50000"/>
+              </a:schemeClr>
+            </a:solidFill>
+          </a:ln>
+        </p:spPr>
+        <p:style>
+          <a:lnRef idx="1">
+            <a:schemeClr val="accent1"/>
+          </a:lnRef>
+          <a:fillRef idx="0">
+            <a:schemeClr val="accent1"/>
+          </a:fillRef>
+          <a:effectRef idx="0">
+            <a:schemeClr val="accent1"/>
+          </a:effectRef>
+          <a:fontRef idx="minor">
+            <a:schemeClr val="tx1"/>
+          </a:fontRef>
+        </p:style>
+      </p:cxnSp>
+      <p:cxnSp>
+        <p:nvCxnSpPr>
+          <p:cNvPr id="364" name="Rechte verbindingslijn 363"/>
+          <p:cNvCxnSpPr/>
+          <p:nvPr/>
+        </p:nvCxnSpPr>
+        <p:spPr>
+          <a:xfrm>
+            <a:off x="1911378" y="4673082"/>
+            <a:ext cx="0" cy="462596"/>
+          </a:xfrm>
+          <a:prstGeom prst="line">
+            <a:avLst/>
+          </a:prstGeom>
+          <a:ln>
+            <a:solidFill>
+              <a:schemeClr val="accent2">
+                <a:lumMod val="50000"/>
+                <a:lumOff val="50000"/>
+              </a:schemeClr>
+            </a:solidFill>
+          </a:ln>
+        </p:spPr>
+        <p:style>
+          <a:lnRef idx="1">
+            <a:schemeClr val="accent1"/>
+          </a:lnRef>
+          <a:fillRef idx="0">
+            <a:schemeClr val="accent1"/>
+          </a:fillRef>
+          <a:effectRef idx="0">
+            <a:schemeClr val="accent1"/>
+          </a:effectRef>
+          <a:fontRef idx="minor">
+            <a:schemeClr val="tx1"/>
+          </a:fontRef>
+        </p:style>
+      </p:cxnSp>
+      <p:sp>
+        <p:nvSpPr>
+          <p:cNvPr id="388" name="Tekstvak 387"/>
+          <p:cNvSpPr txBox="1"/>
+          <p:nvPr/>
+        </p:nvSpPr>
+        <p:spPr>
+          <a:xfrm>
+            <a:off x="4891650" y="896866"/>
+            <a:ext cx="2814928" cy="461665"/>
+          </a:xfrm>
+          <a:prstGeom prst="rect">
+            <a:avLst/>
+          </a:prstGeom>
+          <a:noFill/>
+        </p:spPr>
+        <p:txBody>
+          <a:bodyPr wrap="square" rtlCol="0">
+            <a:spAutoFit/>
+          </a:bodyPr>
+          <a:lstStyle/>
+          <a:p>
+            <a:pPr algn="r"/>
+            <a:r>
+              <a:rPr lang="nl-NL" sz="1200" dirty="0" smtClean="0"/>
+              <a:t>datum (DD:MM:JJ &amp; dag v.d. week)</a:t>
+            </a:r>
+          </a:p>
+          <a:p>
+            <a:pPr algn="r"/>
+            <a:r>
+              <a:rPr lang="nl-NL" sz="1200" dirty="0" smtClean="0"/>
+              <a:t>(21 bits) bestaat uit 4 losse vectoren</a:t>
+            </a:r>
+            <a:endParaRPr lang="nl-NL" sz="1200" dirty="0"/>
+          </a:p>
+        </p:txBody>
+      </p:sp>
+      <p:cxnSp>
+        <p:nvCxnSpPr>
+          <p:cNvPr id="389" name="Rechte verbindingslijn met pijl 388"/>
+          <p:cNvCxnSpPr/>
+          <p:nvPr/>
+        </p:nvCxnSpPr>
+        <p:spPr>
+          <a:xfrm flipV="1">
+            <a:off x="5373619" y="1357204"/>
+            <a:ext cx="0" cy="333574"/>
+          </a:xfrm>
+          <a:prstGeom prst="straightConnector1">
+            <a:avLst/>
+          </a:prstGeom>
+          <a:ln>
+            <a:solidFill>
+              <a:schemeClr val="accent2">
+                <a:lumMod val="50000"/>
+                <a:lumOff val="50000"/>
+              </a:schemeClr>
+            </a:solidFill>
+            <a:tailEnd type="triangle"/>
+          </a:ln>
+        </p:spPr>
+        <p:style>
+          <a:lnRef idx="1">
+            <a:schemeClr val="accent1"/>
+          </a:lnRef>
+          <a:fillRef idx="0">
+            <a:schemeClr val="accent1"/>
+          </a:fillRef>
+          <a:effectRef idx="0">
+            <a:schemeClr val="accent1"/>
+          </a:effectRef>
+          <a:fontRef idx="minor">
+            <a:schemeClr val="tx1"/>
+          </a:fontRef>
+        </p:style>
+      </p:cxnSp>
+      <p:cxnSp>
+        <p:nvCxnSpPr>
+          <p:cNvPr id="391" name="Rechte verbindingslijn 390"/>
+          <p:cNvCxnSpPr/>
+          <p:nvPr/>
+        </p:nvCxnSpPr>
+        <p:spPr>
+          <a:xfrm flipH="1">
+            <a:off x="4491735" y="4804338"/>
+            <a:ext cx="884312" cy="3040"/>
+          </a:xfrm>
+          <a:prstGeom prst="line">
+            <a:avLst/>
+          </a:prstGeom>
+          <a:ln>
+            <a:solidFill>
+              <a:schemeClr val="accent2">
+                <a:lumMod val="50000"/>
+                <a:lumOff val="50000"/>
+              </a:schemeClr>
+            </a:solidFill>
+          </a:ln>
+        </p:spPr>
+        <p:style>
+          <a:lnRef idx="1">
+            <a:schemeClr val="accent1"/>
+          </a:lnRef>
+          <a:fillRef idx="0">
+            <a:schemeClr val="accent1"/>
+          </a:fillRef>
+          <a:effectRef idx="0">
+            <a:schemeClr val="accent1"/>
+          </a:effectRef>
+          <a:fontRef idx="minor">
+            <a:schemeClr val="tx1"/>
+          </a:fontRef>
+        </p:style>
+      </p:cxnSp>
+      <p:cxnSp>
+        <p:nvCxnSpPr>
+          <p:cNvPr id="397" name="Rechte verbindingslijn 396"/>
+          <p:cNvCxnSpPr/>
+          <p:nvPr/>
+        </p:nvCxnSpPr>
+        <p:spPr>
+          <a:xfrm flipH="1">
+            <a:off x="5012990" y="4716120"/>
+            <a:ext cx="138792" cy="196967"/>
+          </a:xfrm>
+          <a:prstGeom prst="line">
+            <a:avLst/>
+          </a:prstGeom>
+          <a:ln>
+            <a:solidFill>
+              <a:schemeClr val="accent2">
+                <a:lumMod val="50000"/>
+                <a:lumOff val="50000"/>
+              </a:schemeClr>
+            </a:solidFill>
+          </a:ln>
+        </p:spPr>
+        <p:style>
+          <a:lnRef idx="1">
+            <a:schemeClr val="accent1"/>
+          </a:lnRef>
+          <a:fillRef idx="0">
+            <a:schemeClr val="accent1"/>
+          </a:fillRef>
+          <a:effectRef idx="0">
+            <a:schemeClr val="accent1"/>
+          </a:effectRef>
+          <a:fontRef idx="minor">
+            <a:schemeClr val="tx1"/>
+          </a:fontRef>
+        </p:style>
+      </p:cxnSp>
+      <p:sp>
+        <p:nvSpPr>
+          <p:cNvPr id="399" name="Stroomdiagram: Verbindingslijn 398"/>
+          <p:cNvSpPr/>
+          <p:nvPr/>
+        </p:nvSpPr>
+        <p:spPr>
+          <a:xfrm>
+            <a:off x="4712720" y="5487301"/>
+            <a:ext cx="72893" cy="68529"/>
+          </a:xfrm>
+          <a:prstGeom prst="flowChartConnector">
+            <a:avLst/>
+          </a:prstGeom>
+          <a:solidFill>
+            <a:schemeClr val="accent1">
+              <a:lumMod val="50000"/>
+            </a:schemeClr>
+          </a:solidFill>
+          <a:ln>
+            <a:solidFill>
+              <a:schemeClr val="tx1"/>
+            </a:solidFill>
+          </a:ln>
+        </p:spPr>
+        <p:style>
+          <a:lnRef idx="2">
+            <a:schemeClr val="accent1">
+              <a:shade val="50000"/>
+            </a:schemeClr>
+          </a:lnRef>
+          <a:fillRef idx="1">
+            <a:schemeClr val="accent1"/>
+          </a:fillRef>
+          <a:effectRef idx="0">
+            <a:schemeClr val="accent1"/>
+          </a:effectRef>
+          <a:fontRef idx="minor">
+            <a:schemeClr val="lt1"/>
+          </a:fontRef>
+        </p:style>
+        <p:txBody>
+          <a:bodyPr rtlCol="0" anchor="ctr"/>
+          <a:lstStyle/>
+          <a:p>
+            <a:pPr algn="ctr"/>
+            <a:endParaRPr lang="nl-NL"/>
+          </a:p>
+        </p:txBody>
+      </p:sp>
+      <p:cxnSp>
+        <p:nvCxnSpPr>
+          <p:cNvPr id="365" name="Rechte verbindingslijn 364"/>
+          <p:cNvCxnSpPr>
+            <a:stCxn id="399" idx="0"/>
+          </p:cNvCxnSpPr>
+          <p:nvPr/>
+        </p:nvCxnSpPr>
+        <p:spPr bwMode="auto">
+          <a:xfrm flipH="1" flipV="1">
+            <a:off x="4748668" y="3427834"/>
+            <a:ext cx="499" cy="2059467"/>
+          </a:xfrm>
+          <a:prstGeom prst="line">
+            <a:avLst/>
+          </a:prstGeom>
+          <a:solidFill>
+            <a:schemeClr val="accent1"/>
+          </a:solidFill>
+          <a:ln w="9525" cap="flat" cmpd="sng" algn="ctr">
+            <a:solidFill>
+              <a:schemeClr val="tx1"/>
+            </a:solidFill>
+            <a:prstDash val="solid"/>
+            <a:round/>
+            <a:headEnd type="none" w="med" len="med"/>
+            <a:tailEnd type="none" w="med" len="med"/>
+          </a:ln>
+          <a:effectLst/>
+        </p:spPr>
+      </p:cxnSp>
+      <p:sp>
+        <p:nvSpPr>
+          <p:cNvPr id="402" name="Stroomdiagram: Verbindingslijn 401"/>
+          <p:cNvSpPr/>
+          <p:nvPr/>
+        </p:nvSpPr>
+        <p:spPr>
+          <a:xfrm>
+            <a:off x="4712611" y="5101062"/>
+            <a:ext cx="72893" cy="68529"/>
+          </a:xfrm>
+          <a:prstGeom prst="flowChartConnector">
+            <a:avLst/>
+          </a:prstGeom>
+          <a:solidFill>
+            <a:schemeClr val="accent1">
+              <a:lumMod val="50000"/>
+            </a:schemeClr>
+          </a:solidFill>
+          <a:ln>
+            <a:solidFill>
+              <a:schemeClr val="tx1"/>
+            </a:solidFill>
+          </a:ln>
+        </p:spPr>
+        <p:style>
+          <a:lnRef idx="2">
+            <a:schemeClr val="accent1">
+              <a:shade val="50000"/>
+            </a:schemeClr>
+          </a:lnRef>
+          <a:fillRef idx="1">
+            <a:schemeClr val="accent1"/>
+          </a:fillRef>
+          <a:effectRef idx="0">
+            <a:schemeClr val="accent1"/>
+          </a:effectRef>
+          <a:fontRef idx="minor">
+            <a:schemeClr val="lt1"/>
+          </a:fontRef>
+        </p:style>
+        <p:txBody>
+          <a:bodyPr rtlCol="0" anchor="ctr"/>
+          <a:lstStyle/>
+          <a:p>
+            <a:pPr algn="ctr"/>
+            <a:endParaRPr lang="nl-NL"/>
+          </a:p>
+        </p:txBody>
+      </p:sp>
+      <p:sp>
+        <p:nvSpPr>
+          <p:cNvPr id="403" name="Stroomdiagram: Verbindingslijn 402"/>
+          <p:cNvSpPr/>
+          <p:nvPr/>
+        </p:nvSpPr>
+        <p:spPr>
+          <a:xfrm>
+            <a:off x="4712222" y="4775153"/>
+            <a:ext cx="72893" cy="68529"/>
+          </a:xfrm>
+          <a:prstGeom prst="flowChartConnector">
+            <a:avLst/>
+          </a:prstGeom>
+          <a:solidFill>
+            <a:schemeClr val="accent1">
+              <a:lumMod val="50000"/>
+            </a:schemeClr>
+          </a:solidFill>
+          <a:ln>
+            <a:solidFill>
+              <a:schemeClr val="tx1"/>
+            </a:solidFill>
+          </a:ln>
+        </p:spPr>
+        <p:style>
+          <a:lnRef idx="2">
+            <a:schemeClr val="accent1">
+              <a:shade val="50000"/>
+            </a:schemeClr>
+          </a:lnRef>
+          <a:fillRef idx="1">
+            <a:schemeClr val="accent1"/>
+          </a:fillRef>
+          <a:effectRef idx="0">
+            <a:schemeClr val="accent1"/>
+          </a:effectRef>
+          <a:fontRef idx="minor">
+            <a:schemeClr val="lt1"/>
+          </a:fontRef>
+        </p:style>
+        <p:txBody>
+          <a:bodyPr rtlCol="0" anchor="ctr"/>
+          <a:lstStyle/>
+          <a:p>
+            <a:pPr algn="ctr"/>
+            <a:endParaRPr lang="nl-NL"/>
+          </a:p>
+        </p:txBody>
+      </p:sp>
+      <p:cxnSp>
+        <p:nvCxnSpPr>
+          <p:cNvPr id="404" name="Rechte verbindingslijn met pijl 403"/>
+          <p:cNvCxnSpPr>
+            <a:endCxn id="159" idx="3"/>
+          </p:cNvCxnSpPr>
+          <p:nvPr/>
+        </p:nvCxnSpPr>
+        <p:spPr>
+          <a:xfrm flipH="1">
+            <a:off x="4464030" y="3427415"/>
+            <a:ext cx="284638" cy="420"/>
+          </a:xfrm>
+          <a:prstGeom prst="straightConnector1">
+            <a:avLst/>
+          </a:prstGeom>
+          <a:ln>
+            <a:solidFill>
+              <a:schemeClr val="tx1"/>
+            </a:solidFill>
+            <a:tailEnd type="triangle"/>
+          </a:ln>
+        </p:spPr>
+        <p:style>
+          <a:lnRef idx="1">
+            <a:schemeClr val="accent1"/>
+          </a:lnRef>
+          <a:fillRef idx="0">
+            <a:schemeClr val="accent1"/>
+          </a:fillRef>
+          <a:effectRef idx="0">
+            <a:schemeClr val="accent1"/>
+          </a:effectRef>
+          <a:fontRef idx="minor">
+            <a:schemeClr val="tx1"/>
+          </a:fontRef>
+        </p:style>
+      </p:cxnSp>
+      <p:sp>
+        <p:nvSpPr>
+          <p:cNvPr id="412" name="Tekstvak 411"/>
+          <p:cNvSpPr txBox="1"/>
+          <p:nvPr/>
+        </p:nvSpPr>
+        <p:spPr>
+          <a:xfrm rot="5400000">
+            <a:off x="4372072" y="3771487"/>
+            <a:ext cx="1066837" cy="276999"/>
+          </a:xfrm>
+          <a:prstGeom prst="rect">
+            <a:avLst/>
+          </a:prstGeom>
+          <a:noFill/>
+        </p:spPr>
+        <p:txBody>
+          <a:bodyPr wrap="square" rtlCol="0">
+            <a:spAutoFit/>
+          </a:bodyPr>
+          <a:lstStyle/>
+          <a:p>
+            <a:r>
+              <a:rPr lang="nl-NL" sz="1200" dirty="0" smtClean="0"/>
+              <a:t>datum + tijd</a:t>
+            </a:r>
+            <a:endParaRPr lang="nl-NL" sz="2000" dirty="0"/>
+          </a:p>
+        </p:txBody>
+      </p:sp>
+      <p:cxnSp>
+        <p:nvCxnSpPr>
+          <p:cNvPr id="3" name="Rechte verbindingslijn 2"/>
+          <p:cNvCxnSpPr/>
+          <p:nvPr/>
+        </p:nvCxnSpPr>
+        <p:spPr bwMode="auto">
+          <a:xfrm flipV="1">
+            <a:off x="5373619" y="1690777"/>
+            <a:ext cx="0" cy="3113561"/>
+          </a:xfrm>
+          <a:prstGeom prst="line">
+            <a:avLst/>
+          </a:prstGeom>
+          <a:solidFill>
+            <a:schemeClr val="accent1"/>
+          </a:solidFill>
+          <a:ln w="9525" cap="flat" cmpd="sng" algn="ctr">
+            <a:solidFill>
+              <a:schemeClr val="accent2">
+                <a:lumMod val="50000"/>
+                <a:lumOff val="50000"/>
+              </a:schemeClr>
+            </a:solidFill>
+            <a:prstDash val="solid"/>
+            <a:round/>
+            <a:headEnd type="none" w="med" len="med"/>
+            <a:tailEnd type="none" w="med" len="med"/>
+          </a:ln>
+          <a:effectLst/>
+        </p:spPr>
+      </p:cxnSp>
+      <p:cxnSp>
+        <p:nvCxnSpPr>
+          <p:cNvPr id="96" name="Rechte verbindingslijn 95"/>
+          <p:cNvCxnSpPr>
+            <a:stCxn id="266" idx="0"/>
+          </p:cNvCxnSpPr>
+          <p:nvPr/>
+        </p:nvCxnSpPr>
+        <p:spPr bwMode="auto">
+          <a:xfrm flipH="1" flipV="1">
+            <a:off x="3541228" y="1690777"/>
+            <a:ext cx="1824" cy="983770"/>
+          </a:xfrm>
+          <a:prstGeom prst="line">
+            <a:avLst/>
+          </a:prstGeom>
+          <a:solidFill>
+            <a:schemeClr val="accent1"/>
+          </a:solidFill>
+          <a:ln w="9525" cap="flat" cmpd="sng" algn="ctr">
+            <a:solidFill>
+              <a:schemeClr val="accent2">
+                <a:lumMod val="50000"/>
+                <a:lumOff val="50000"/>
+              </a:schemeClr>
+            </a:solidFill>
+            <a:prstDash val="solid"/>
+            <a:round/>
+            <a:headEnd type="none" w="med" len="med"/>
+            <a:tailEnd type="none" w="med" len="med"/>
+          </a:ln>
+          <a:effectLst/>
+        </p:spPr>
+      </p:cxnSp>
+      <p:cxnSp>
+        <p:nvCxnSpPr>
+          <p:cNvPr id="14" name="Rechte verbindingslijn 13"/>
+          <p:cNvCxnSpPr/>
+          <p:nvPr/>
+        </p:nvCxnSpPr>
+        <p:spPr bwMode="auto">
+          <a:xfrm flipV="1">
+            <a:off x="6804368" y="2708382"/>
+            <a:ext cx="681583" cy="2910"/>
+          </a:xfrm>
+          <a:prstGeom prst="line">
+            <a:avLst/>
+          </a:prstGeom>
+          <a:solidFill>
+            <a:schemeClr val="accent1"/>
+          </a:solidFill>
+          <a:ln w="9525" cap="flat" cmpd="sng" algn="ctr">
+            <a:solidFill>
+              <a:schemeClr val="accent2">
+                <a:lumMod val="50000"/>
+                <a:lumOff val="50000"/>
+              </a:schemeClr>
+            </a:solidFill>
+            <a:prstDash val="solid"/>
+            <a:round/>
+            <a:headEnd type="none" w="med" len="med"/>
+            <a:tailEnd type="none" w="med" len="med"/>
+          </a:ln>
+          <a:effectLst/>
+        </p:spPr>
+      </p:cxnSp>
+      <p:cxnSp>
+        <p:nvCxnSpPr>
+          <p:cNvPr id="30" name="Rechte verbindingslijn 29"/>
+          <p:cNvCxnSpPr>
+            <a:stCxn id="235" idx="2"/>
+          </p:cNvCxnSpPr>
+          <p:nvPr/>
+        </p:nvCxnSpPr>
+        <p:spPr bwMode="auto">
+          <a:xfrm>
+            <a:off x="6806959" y="2549522"/>
+            <a:ext cx="2532" cy="169386"/>
+          </a:xfrm>
+          <a:prstGeom prst="line">
+            <a:avLst/>
+          </a:prstGeom>
+          <a:solidFill>
+            <a:schemeClr val="accent1"/>
+          </a:solidFill>
+          <a:ln w="9525" cap="flat" cmpd="sng" algn="ctr">
+            <a:solidFill>
+              <a:schemeClr val="accent2">
+                <a:lumMod val="50000"/>
+                <a:lumOff val="50000"/>
+              </a:schemeClr>
+            </a:solidFill>
+            <a:prstDash val="solid"/>
+            <a:round/>
+            <a:headEnd type="none" w="med" len="med"/>
+            <a:tailEnd type="none" w="med" len="med"/>
+          </a:ln>
+          <a:effectLst/>
+        </p:spPr>
+      </p:cxnSp>
+    </p:spTree>
+    <p:extLst>
+      <p:ext uri="{BB962C8B-B14F-4D97-AF65-F5344CB8AC3E}">
+        <p14:creationId xmlns:p14="http://schemas.microsoft.com/office/powerpoint/2010/main" val="2678527900"/>
+      </p:ext>
+    </p:extLst>
+  </p:cSld>
+  <p:clrMapOvr>
+    <a:masterClrMapping/>
+  </p:clrMapOvr>
+  <p:timing>
+    <p:tnLst>
+      <p:par>
+        <p:cTn id="1" dur="indefinite" restart="never" nodeType="tmRoot">
+          <p:childTnLst>
+            <p:seq concurrent="1" nextAc="seek">
+              <p:cTn id="2" dur="indefinite" nodeType="mainSeq">
+                <p:childTnLst>
+                  <p:par>
+                    <p:cTn id="3" fill="hold">
+                      <p:stCondLst>
+                        <p:cond delay="indefinite"/>
+                      </p:stCondLst>
+                      <p:childTnLst>
+                        <p:par>
+                          <p:cTn id="4" fill="hold">
+                            <p:stCondLst>
+                              <p:cond delay="0"/>
+                            </p:stCondLst>
+                            <p:childTnLst>
+                              <p:par>
+                                <p:cTn id="5" presetID="1" presetClass="entr" presetSubtype="0" fill="hold" grpId="0" nodeType="clickEffect">
+                                  <p:stCondLst>
+                                    <p:cond delay="0"/>
+                                  </p:stCondLst>
+                                  <p:childTnLst>
+                                    <p:set>
+                                      <p:cBhvr>
+                                        <p:cTn id="6" dur="1" fill="hold">
+                                          <p:stCondLst>
+                                            <p:cond delay="0"/>
+                                          </p:stCondLst>
+                                        </p:cTn>
+                                        <p:tgtEl>
+                                          <p:spTgt spid="101"/>
+                                        </p:tgtEl>
+                                        <p:attrNameLst>
+                                          <p:attrName>style.visibility</p:attrName>
+                                        </p:attrNameLst>
+                                      </p:cBhvr>
+                                      <p:to>
+                                        <p:strVal val="visible"/>
+                                      </p:to>
+                                    </p:set>
+                                  </p:childTnLst>
+                                </p:cTn>
+                              </p:par>
+                              <p:par>
+                                <p:cTn id="7" presetID="1" presetClass="entr" presetSubtype="0" fill="hold" grpId="0" nodeType="withEffect">
+                                  <p:stCondLst>
+                                    <p:cond delay="0"/>
+                                  </p:stCondLst>
+                                  <p:childTnLst>
+                                    <p:set>
+                                      <p:cBhvr>
+                                        <p:cTn id="8" dur="1" fill="hold">
+                                          <p:stCondLst>
+                                            <p:cond delay="0"/>
+                                          </p:stCondLst>
+                                        </p:cTn>
+                                        <p:tgtEl>
+                                          <p:spTgt spid="261"/>
+                                        </p:tgtEl>
+                                        <p:attrNameLst>
+                                          <p:attrName>style.visibility</p:attrName>
+                                        </p:attrNameLst>
+                                      </p:cBhvr>
+                                      <p:to>
+                                        <p:strVal val="visible"/>
+                                      </p:to>
+                                    </p:set>
+                                  </p:childTnLst>
+                                </p:cTn>
+                              </p:par>
+                              <p:par>
+                                <p:cTn id="9" presetID="1" presetClass="entr" presetSubtype="0" fill="hold" grpId="0" nodeType="withEffect">
+                                  <p:stCondLst>
+                                    <p:cond delay="0"/>
+                                  </p:stCondLst>
+                                  <p:childTnLst>
+                                    <p:set>
+                                      <p:cBhvr>
+                                        <p:cTn id="10" dur="1" fill="hold">
+                                          <p:stCondLst>
+                                            <p:cond delay="0"/>
+                                          </p:stCondLst>
+                                        </p:cTn>
+                                        <p:tgtEl>
+                                          <p:spTgt spid="222"/>
+                                        </p:tgtEl>
+                                        <p:attrNameLst>
+                                          <p:attrName>style.visibility</p:attrName>
+                                        </p:attrNameLst>
+                                      </p:cBhvr>
+                                      <p:to>
+                                        <p:strVal val="visible"/>
+                                      </p:to>
+                                    </p:set>
+                                  </p:childTnLst>
+                                </p:cTn>
+                              </p:par>
+                              <p:par>
+                                <p:cTn id="11" presetID="1" presetClass="entr" presetSubtype="0" fill="hold" grpId="0" nodeType="withEffect">
+                                  <p:stCondLst>
+                                    <p:cond delay="0"/>
+                                  </p:stCondLst>
+                                  <p:childTnLst>
+                                    <p:set>
+                                      <p:cBhvr>
+                                        <p:cTn id="12" dur="1" fill="hold">
+                                          <p:stCondLst>
+                                            <p:cond delay="0"/>
+                                          </p:stCondLst>
+                                        </p:cTn>
+                                        <p:tgtEl>
+                                          <p:spTgt spid="102"/>
+                                        </p:tgtEl>
+                                        <p:attrNameLst>
+                                          <p:attrName>style.visibility</p:attrName>
+                                        </p:attrNameLst>
+                                      </p:cBhvr>
+                                      <p:to>
+                                        <p:strVal val="visible"/>
+                                      </p:to>
+                                    </p:set>
+                                  </p:childTnLst>
+                                </p:cTn>
+                              </p:par>
+                              <p:par>
+                                <p:cTn id="13" presetID="1" presetClass="entr" presetSubtype="0" fill="hold" grpId="0" nodeType="withEffect">
+                                  <p:stCondLst>
+                                    <p:cond delay="0"/>
+                                  </p:stCondLst>
+                                  <p:childTnLst>
+                                    <p:set>
+                                      <p:cBhvr>
+                                        <p:cTn id="14" dur="1" fill="hold">
+                                          <p:stCondLst>
+                                            <p:cond delay="0"/>
+                                          </p:stCondLst>
+                                        </p:cTn>
+                                        <p:tgtEl>
+                                          <p:spTgt spid="103"/>
+                                        </p:tgtEl>
+                                        <p:attrNameLst>
+                                          <p:attrName>style.visibility</p:attrName>
+                                        </p:attrNameLst>
+                                      </p:cBhvr>
+                                      <p:to>
+                                        <p:strVal val="visible"/>
+                                      </p:to>
+                                    </p:set>
+                                  </p:childTnLst>
+                                </p:cTn>
+                              </p:par>
+                              <p:par>
+                                <p:cTn id="15" presetID="1" presetClass="entr" presetSubtype="0" fill="hold" grpId="0" nodeType="withEffect">
+                                  <p:stCondLst>
+                                    <p:cond delay="0"/>
+                                  </p:stCondLst>
+                                  <p:childTnLst>
+                                    <p:set>
+                                      <p:cBhvr>
+                                        <p:cTn id="16" dur="1" fill="hold">
+                                          <p:stCondLst>
+                                            <p:cond delay="0"/>
+                                          </p:stCondLst>
+                                        </p:cTn>
+                                        <p:tgtEl>
+                                          <p:spTgt spid="104"/>
+                                        </p:tgtEl>
+                                        <p:attrNameLst>
+                                          <p:attrName>style.visibility</p:attrName>
+                                        </p:attrNameLst>
+                                      </p:cBhvr>
+                                      <p:to>
+                                        <p:strVal val="visible"/>
+                                      </p:to>
+                                    </p:set>
+                                  </p:childTnLst>
+                                </p:cTn>
+                              </p:par>
+                              <p:par>
+                                <p:cTn id="17" presetID="1" presetClass="entr" presetSubtype="0" fill="hold" grpId="0" nodeType="withEffect">
+                                  <p:stCondLst>
+                                    <p:cond delay="0"/>
+                                  </p:stCondLst>
+                                  <p:childTnLst>
+                                    <p:set>
+                                      <p:cBhvr>
+                                        <p:cTn id="18" dur="1" fill="hold">
+                                          <p:stCondLst>
+                                            <p:cond delay="0"/>
+                                          </p:stCondLst>
+                                        </p:cTn>
+                                        <p:tgtEl>
+                                          <p:spTgt spid="105"/>
+                                        </p:tgtEl>
+                                        <p:attrNameLst>
+                                          <p:attrName>style.visibility</p:attrName>
+                                        </p:attrNameLst>
+                                      </p:cBhvr>
+                                      <p:to>
+                                        <p:strVal val="visible"/>
+                                      </p:to>
+                                    </p:set>
+                                  </p:childTnLst>
+                                </p:cTn>
+                              </p:par>
+                              <p:par>
+                                <p:cTn id="19" presetID="1" presetClass="entr" presetSubtype="0" fill="hold" nodeType="withEffect">
+                                  <p:stCondLst>
+                                    <p:cond delay="0"/>
+                                  </p:stCondLst>
+                                  <p:childTnLst>
+                                    <p:set>
+                                      <p:cBhvr>
+                                        <p:cTn id="20" dur="1" fill="hold">
+                                          <p:stCondLst>
+                                            <p:cond delay="0"/>
+                                          </p:stCondLst>
+                                        </p:cTn>
+                                        <p:tgtEl>
+                                          <p:spTgt spid="30"/>
+                                        </p:tgtEl>
+                                        <p:attrNameLst>
+                                          <p:attrName>style.visibility</p:attrName>
+                                        </p:attrNameLst>
+                                      </p:cBhvr>
+                                      <p:to>
+                                        <p:strVal val="visible"/>
+                                      </p:to>
+                                    </p:set>
+                                  </p:childTnLst>
+                                </p:cTn>
+                              </p:par>
+                              <p:par>
+                                <p:cTn id="21" presetID="1" presetClass="entr" presetSubtype="0" fill="hold" nodeType="withEffect">
+                                  <p:stCondLst>
+                                    <p:cond delay="0"/>
+                                  </p:stCondLst>
+                                  <p:childTnLst>
+                                    <p:set>
+                                      <p:cBhvr>
+                                        <p:cTn id="22" dur="1" fill="hold">
+                                          <p:stCondLst>
+                                            <p:cond delay="0"/>
+                                          </p:stCondLst>
+                                        </p:cTn>
+                                        <p:tgtEl>
+                                          <p:spTgt spid="14"/>
+                                        </p:tgtEl>
+                                        <p:attrNameLst>
+                                          <p:attrName>style.visibility</p:attrName>
+                                        </p:attrNameLst>
+                                      </p:cBhvr>
+                                      <p:to>
+                                        <p:strVal val="visible"/>
+                                      </p:to>
+                                    </p:set>
+                                  </p:childTnLst>
+                                </p:cTn>
+                              </p:par>
+                              <p:par>
+                                <p:cTn id="23" presetID="1" presetClass="entr" presetSubtype="0" fill="hold" grpId="0" nodeType="withEffect">
+                                  <p:stCondLst>
+                                    <p:cond delay="0"/>
+                                  </p:stCondLst>
+                                  <p:childTnLst>
+                                    <p:set>
+                                      <p:cBhvr>
+                                        <p:cTn id="24" dur="1" fill="hold">
+                                          <p:stCondLst>
+                                            <p:cond delay="0"/>
+                                          </p:stCondLst>
+                                        </p:cTn>
+                                        <p:tgtEl>
+                                          <p:spTgt spid="235"/>
+                                        </p:tgtEl>
+                                        <p:attrNameLst>
+                                          <p:attrName>style.visibility</p:attrName>
+                                        </p:attrNameLst>
+                                      </p:cBhvr>
+                                      <p:to>
+                                        <p:strVal val="visible"/>
+                                      </p:to>
+                                    </p:set>
+                                  </p:childTnLst>
+                                </p:cTn>
+                              </p:par>
+                              <p:par>
+                                <p:cTn id="25" presetID="1" presetClass="entr" presetSubtype="0" fill="hold" nodeType="withEffect">
+                                  <p:stCondLst>
+                                    <p:cond delay="0"/>
+                                  </p:stCondLst>
+                                  <p:childTnLst>
+                                    <p:set>
+                                      <p:cBhvr>
+                                        <p:cTn id="26" dur="1" fill="hold">
+                                          <p:stCondLst>
+                                            <p:cond delay="0"/>
+                                          </p:stCondLst>
+                                        </p:cTn>
+                                        <p:tgtEl>
+                                          <p:spTgt spid="397"/>
+                                        </p:tgtEl>
+                                        <p:attrNameLst>
+                                          <p:attrName>style.visibility</p:attrName>
+                                        </p:attrNameLst>
+                                      </p:cBhvr>
+                                      <p:to>
+                                        <p:strVal val="visible"/>
+                                      </p:to>
+                                    </p:set>
+                                  </p:childTnLst>
+                                </p:cTn>
+                              </p:par>
+                              <p:par>
+                                <p:cTn id="27" presetID="1" presetClass="entr" presetSubtype="0" fill="hold" nodeType="withEffect">
+                                  <p:stCondLst>
+                                    <p:cond delay="0"/>
+                                  </p:stCondLst>
+                                  <p:childTnLst>
+                                    <p:set>
+                                      <p:cBhvr>
+                                        <p:cTn id="28" dur="1" fill="hold">
+                                          <p:stCondLst>
+                                            <p:cond delay="0"/>
+                                          </p:stCondLst>
+                                        </p:cTn>
+                                        <p:tgtEl>
+                                          <p:spTgt spid="391"/>
+                                        </p:tgtEl>
+                                        <p:attrNameLst>
+                                          <p:attrName>style.visibility</p:attrName>
+                                        </p:attrNameLst>
+                                      </p:cBhvr>
+                                      <p:to>
+                                        <p:strVal val="visible"/>
+                                      </p:to>
+                                    </p:set>
+                                  </p:childTnLst>
+                                </p:cTn>
+                              </p:par>
+                              <p:par>
+                                <p:cTn id="29" presetID="1" presetClass="entr" presetSubtype="0" fill="hold" nodeType="withEffect">
+                                  <p:stCondLst>
+                                    <p:cond delay="0"/>
+                                  </p:stCondLst>
+                                  <p:childTnLst>
+                                    <p:set>
+                                      <p:cBhvr>
+                                        <p:cTn id="30" dur="1" fill="hold">
+                                          <p:stCondLst>
+                                            <p:cond delay="0"/>
+                                          </p:stCondLst>
+                                        </p:cTn>
+                                        <p:tgtEl>
+                                          <p:spTgt spid="3"/>
+                                        </p:tgtEl>
+                                        <p:attrNameLst>
+                                          <p:attrName>style.visibility</p:attrName>
+                                        </p:attrNameLst>
+                                      </p:cBhvr>
+                                      <p:to>
+                                        <p:strVal val="visible"/>
+                                      </p:to>
+                                    </p:set>
+                                  </p:childTnLst>
+                                </p:cTn>
+                              </p:par>
+                              <p:par>
+                                <p:cTn id="31" presetID="1" presetClass="entr" presetSubtype="0" fill="hold" nodeType="withEffect">
+                                  <p:stCondLst>
+                                    <p:cond delay="0"/>
+                                  </p:stCondLst>
+                                  <p:childTnLst>
+                                    <p:set>
+                                      <p:cBhvr>
+                                        <p:cTn id="32" dur="1" fill="hold">
+                                          <p:stCondLst>
+                                            <p:cond delay="0"/>
+                                          </p:stCondLst>
+                                        </p:cTn>
+                                        <p:tgtEl>
+                                          <p:spTgt spid="269"/>
+                                        </p:tgtEl>
+                                        <p:attrNameLst>
+                                          <p:attrName>style.visibility</p:attrName>
+                                        </p:attrNameLst>
+                                      </p:cBhvr>
+                                      <p:to>
+                                        <p:strVal val="visible"/>
+                                      </p:to>
+                                    </p:set>
+                                  </p:childTnLst>
+                                </p:cTn>
+                              </p:par>
+                              <p:par>
+                                <p:cTn id="33" presetID="1" presetClass="entr" presetSubtype="0" fill="hold" nodeType="withEffect">
+                                  <p:stCondLst>
+                                    <p:cond delay="0"/>
+                                  </p:stCondLst>
+                                  <p:childTnLst>
+                                    <p:set>
+                                      <p:cBhvr>
+                                        <p:cTn id="34" dur="1" fill="hold">
+                                          <p:stCondLst>
+                                            <p:cond delay="0"/>
+                                          </p:stCondLst>
+                                        </p:cTn>
+                                        <p:tgtEl>
+                                          <p:spTgt spid="96"/>
+                                        </p:tgtEl>
+                                        <p:attrNameLst>
+                                          <p:attrName>style.visibility</p:attrName>
+                                        </p:attrNameLst>
+                                      </p:cBhvr>
+                                      <p:to>
+                                        <p:strVal val="visible"/>
+                                      </p:to>
+                                    </p:set>
+                                  </p:childTnLst>
+                                </p:cTn>
+                              </p:par>
+                              <p:par>
+                                <p:cTn id="35" presetID="1" presetClass="entr" presetSubtype="0" fill="hold" nodeType="withEffect">
+                                  <p:stCondLst>
+                                    <p:cond delay="0"/>
+                                  </p:stCondLst>
+                                  <p:childTnLst>
+                                    <p:set>
+                                      <p:cBhvr>
+                                        <p:cTn id="36" dur="1" fill="hold">
+                                          <p:stCondLst>
+                                            <p:cond delay="0"/>
+                                          </p:stCondLst>
+                                        </p:cTn>
+                                        <p:tgtEl>
+                                          <p:spTgt spid="327"/>
+                                        </p:tgtEl>
+                                        <p:attrNameLst>
+                                          <p:attrName>style.visibility</p:attrName>
+                                        </p:attrNameLst>
+                                      </p:cBhvr>
+                                      <p:to>
+                                        <p:strVal val="visible"/>
+                                      </p:to>
+                                    </p:set>
+                                  </p:childTnLst>
+                                </p:cTn>
+                              </p:par>
+                              <p:par>
+                                <p:cTn id="37" presetID="1" presetClass="entr" presetSubtype="0" fill="hold" nodeType="withEffect">
+                                  <p:stCondLst>
+                                    <p:cond delay="0"/>
+                                  </p:stCondLst>
+                                  <p:childTnLst>
+                                    <p:set>
+                                      <p:cBhvr>
+                                        <p:cTn id="38" dur="1" fill="hold">
+                                          <p:stCondLst>
+                                            <p:cond delay="0"/>
+                                          </p:stCondLst>
+                                        </p:cTn>
+                                        <p:tgtEl>
+                                          <p:spTgt spid="343"/>
+                                        </p:tgtEl>
+                                        <p:attrNameLst>
+                                          <p:attrName>style.visibility</p:attrName>
+                                        </p:attrNameLst>
+                                      </p:cBhvr>
+                                      <p:to>
+                                        <p:strVal val="visible"/>
+                                      </p:to>
+                                    </p:set>
+                                  </p:childTnLst>
+                                </p:cTn>
+                              </p:par>
+                              <p:par>
+                                <p:cTn id="39" presetID="1" presetClass="entr" presetSubtype="0" fill="hold" nodeType="withEffect">
+                                  <p:stCondLst>
+                                    <p:cond delay="0"/>
+                                  </p:stCondLst>
+                                  <p:childTnLst>
+                                    <p:set>
+                                      <p:cBhvr>
+                                        <p:cTn id="40" dur="1" fill="hold">
+                                          <p:stCondLst>
+                                            <p:cond delay="0"/>
+                                          </p:stCondLst>
+                                        </p:cTn>
+                                        <p:tgtEl>
+                                          <p:spTgt spid="330"/>
+                                        </p:tgtEl>
+                                        <p:attrNameLst>
+                                          <p:attrName>style.visibility</p:attrName>
+                                        </p:attrNameLst>
+                                      </p:cBhvr>
+                                      <p:to>
+                                        <p:strVal val="visible"/>
+                                      </p:to>
+                                    </p:set>
+                                  </p:childTnLst>
+                                </p:cTn>
+                              </p:par>
+                              <p:par>
+                                <p:cTn id="41" presetID="1" presetClass="entr" presetSubtype="0" fill="hold" nodeType="withEffect">
+                                  <p:stCondLst>
+                                    <p:cond delay="0"/>
+                                  </p:stCondLst>
+                                  <p:childTnLst>
+                                    <p:set>
+                                      <p:cBhvr>
+                                        <p:cTn id="42" dur="1" fill="hold">
+                                          <p:stCondLst>
+                                            <p:cond delay="0"/>
+                                          </p:stCondLst>
+                                        </p:cTn>
+                                        <p:tgtEl>
+                                          <p:spTgt spid="331"/>
+                                        </p:tgtEl>
+                                        <p:attrNameLst>
+                                          <p:attrName>style.visibility</p:attrName>
+                                        </p:attrNameLst>
+                                      </p:cBhvr>
+                                      <p:to>
+                                        <p:strVal val="visible"/>
+                                      </p:to>
+                                    </p:set>
+                                  </p:childTnLst>
+                                </p:cTn>
+                              </p:par>
+                              <p:par>
+                                <p:cTn id="43" presetID="1" presetClass="entr" presetSubtype="0" fill="hold" grpId="0" nodeType="withEffect">
+                                  <p:stCondLst>
+                                    <p:cond delay="0"/>
+                                  </p:stCondLst>
+                                  <p:childTnLst>
+                                    <p:set>
+                                      <p:cBhvr>
+                                        <p:cTn id="44" dur="1" fill="hold">
+                                          <p:stCondLst>
+                                            <p:cond delay="0"/>
+                                          </p:stCondLst>
+                                        </p:cTn>
+                                        <p:tgtEl>
+                                          <p:spTgt spid="329"/>
+                                        </p:tgtEl>
+                                        <p:attrNameLst>
+                                          <p:attrName>style.visibility</p:attrName>
+                                        </p:attrNameLst>
+                                      </p:cBhvr>
+                                      <p:to>
+                                        <p:strVal val="visible"/>
+                                      </p:to>
+                                    </p:set>
+                                  </p:childTnLst>
+                                </p:cTn>
+                              </p:par>
+                              <p:par>
+                                <p:cTn id="45" presetID="1" presetClass="entr" presetSubtype="0" fill="hold" nodeType="withEffect">
+                                  <p:stCondLst>
+                                    <p:cond delay="0"/>
+                                  </p:stCondLst>
+                                  <p:childTnLst>
+                                    <p:set>
+                                      <p:cBhvr>
+                                        <p:cTn id="46" dur="1" fill="hold">
+                                          <p:stCondLst>
+                                            <p:cond delay="0"/>
+                                          </p:stCondLst>
+                                        </p:cTn>
+                                        <p:tgtEl>
+                                          <p:spTgt spid="345"/>
+                                        </p:tgtEl>
+                                        <p:attrNameLst>
+                                          <p:attrName>style.visibility</p:attrName>
+                                        </p:attrNameLst>
+                                      </p:cBhvr>
+                                      <p:to>
+                                        <p:strVal val="visible"/>
+                                      </p:to>
+                                    </p:set>
+                                  </p:childTnLst>
+                                </p:cTn>
+                              </p:par>
+                              <p:par>
+                                <p:cTn id="47" presetID="1" presetClass="entr" presetSubtype="0" fill="hold" grpId="0" nodeType="withEffect">
+                                  <p:stCondLst>
+                                    <p:cond delay="0"/>
+                                  </p:stCondLst>
+                                  <p:childTnLst>
+                                    <p:set>
+                                      <p:cBhvr>
+                                        <p:cTn id="48" dur="1" fill="hold">
+                                          <p:stCondLst>
+                                            <p:cond delay="0"/>
+                                          </p:stCondLst>
+                                        </p:cTn>
+                                        <p:tgtEl>
+                                          <p:spTgt spid="347"/>
+                                        </p:tgtEl>
+                                        <p:attrNameLst>
+                                          <p:attrName>style.visibility</p:attrName>
+                                        </p:attrNameLst>
+                                      </p:cBhvr>
+                                      <p:to>
+                                        <p:strVal val="visible"/>
+                                      </p:to>
+                                    </p:set>
+                                  </p:childTnLst>
+                                </p:cTn>
+                              </p:par>
+                              <p:par>
+                                <p:cTn id="49" presetID="1" presetClass="entr" presetSubtype="0" fill="hold" nodeType="withEffect">
+                                  <p:stCondLst>
+                                    <p:cond delay="0"/>
+                                  </p:stCondLst>
+                                  <p:childTnLst>
+                                    <p:set>
+                                      <p:cBhvr>
+                                        <p:cTn id="50" dur="1" fill="hold">
+                                          <p:stCondLst>
+                                            <p:cond delay="0"/>
+                                          </p:stCondLst>
+                                        </p:cTn>
+                                        <p:tgtEl>
+                                          <p:spTgt spid="346"/>
+                                        </p:tgtEl>
+                                        <p:attrNameLst>
+                                          <p:attrName>style.visibility</p:attrName>
+                                        </p:attrNameLst>
+                                      </p:cBhvr>
+                                      <p:to>
+                                        <p:strVal val="visible"/>
+                                      </p:to>
+                                    </p:set>
+                                  </p:childTnLst>
+                                </p:cTn>
+                              </p:par>
+                              <p:par>
+                                <p:cTn id="51" presetID="1" presetClass="entr" presetSubtype="0" fill="hold" nodeType="withEffect">
+                                  <p:stCondLst>
+                                    <p:cond delay="0"/>
+                                  </p:stCondLst>
+                                  <p:childTnLst>
+                                    <p:set>
+                                      <p:cBhvr>
+                                        <p:cTn id="52" dur="1" fill="hold">
+                                          <p:stCondLst>
+                                            <p:cond delay="0"/>
+                                          </p:stCondLst>
+                                        </p:cTn>
+                                        <p:tgtEl>
+                                          <p:spTgt spid="344"/>
+                                        </p:tgtEl>
+                                        <p:attrNameLst>
+                                          <p:attrName>style.visibility</p:attrName>
+                                        </p:attrNameLst>
+                                      </p:cBhvr>
+                                      <p:to>
+                                        <p:strVal val="visible"/>
+                                      </p:to>
+                                    </p:set>
+                                  </p:childTnLst>
+                                </p:cTn>
+                              </p:par>
+                              <p:par>
+                                <p:cTn id="53" presetID="1" presetClass="entr" presetSubtype="0" fill="hold" nodeType="withEffect">
+                                  <p:stCondLst>
+                                    <p:cond delay="0"/>
+                                  </p:stCondLst>
+                                  <p:childTnLst>
+                                    <p:set>
+                                      <p:cBhvr>
+                                        <p:cTn id="54" dur="1" fill="hold">
+                                          <p:stCondLst>
+                                            <p:cond delay="0"/>
+                                          </p:stCondLst>
+                                        </p:cTn>
+                                        <p:tgtEl>
+                                          <p:spTgt spid="338"/>
+                                        </p:tgtEl>
+                                        <p:attrNameLst>
+                                          <p:attrName>style.visibility</p:attrName>
+                                        </p:attrNameLst>
+                                      </p:cBhvr>
+                                      <p:to>
+                                        <p:strVal val="visible"/>
+                                      </p:to>
+                                    </p:set>
+                                  </p:childTnLst>
+                                </p:cTn>
+                              </p:par>
+                              <p:par>
+                                <p:cTn id="55" presetID="1" presetClass="entr" presetSubtype="0" fill="hold" nodeType="withEffect">
+                                  <p:stCondLst>
+                                    <p:cond delay="0"/>
+                                  </p:stCondLst>
+                                  <p:childTnLst>
+                                    <p:set>
+                                      <p:cBhvr>
+                                        <p:cTn id="56" dur="1" fill="hold">
+                                          <p:stCondLst>
+                                            <p:cond delay="0"/>
+                                          </p:stCondLst>
+                                        </p:cTn>
+                                        <p:tgtEl>
+                                          <p:spTgt spid="328"/>
+                                        </p:tgtEl>
+                                        <p:attrNameLst>
+                                          <p:attrName>style.visibility</p:attrName>
+                                        </p:attrNameLst>
+                                      </p:cBhvr>
+                                      <p:to>
+                                        <p:strVal val="visible"/>
+                                      </p:to>
+                                    </p:set>
+                                  </p:childTnLst>
+                                </p:cTn>
+                              </p:par>
+                              <p:par>
+                                <p:cTn id="57" presetID="1" presetClass="entr" presetSubtype="0" fill="hold" grpId="0" nodeType="withEffect">
+                                  <p:stCondLst>
+                                    <p:cond delay="0"/>
+                                  </p:stCondLst>
+                                  <p:childTnLst>
+                                    <p:set>
+                                      <p:cBhvr>
+                                        <p:cTn id="58" dur="1" fill="hold">
+                                          <p:stCondLst>
+                                            <p:cond delay="0"/>
+                                          </p:stCondLst>
+                                        </p:cTn>
+                                        <p:tgtEl>
+                                          <p:spTgt spid="266"/>
+                                        </p:tgtEl>
+                                        <p:attrNameLst>
+                                          <p:attrName>style.visibility</p:attrName>
+                                        </p:attrNameLst>
+                                      </p:cBhvr>
+                                      <p:to>
+                                        <p:strVal val="visible"/>
+                                      </p:to>
+                                    </p:set>
+                                  </p:childTnLst>
+                                </p:cTn>
+                              </p:par>
+                              <p:par>
+                                <p:cTn id="59" presetID="1" presetClass="entr" presetSubtype="0" fill="hold" nodeType="withEffect">
+                                  <p:stCondLst>
+                                    <p:cond delay="0"/>
+                                  </p:stCondLst>
+                                  <p:childTnLst>
+                                    <p:set>
+                                      <p:cBhvr>
+                                        <p:cTn id="60" dur="1" fill="hold">
+                                          <p:stCondLst>
+                                            <p:cond delay="0"/>
+                                          </p:stCondLst>
+                                        </p:cTn>
+                                        <p:tgtEl>
+                                          <p:spTgt spid="293"/>
+                                        </p:tgtEl>
+                                        <p:attrNameLst>
+                                          <p:attrName>style.visibility</p:attrName>
+                                        </p:attrNameLst>
+                                      </p:cBhvr>
+                                      <p:to>
+                                        <p:strVal val="visible"/>
+                                      </p:to>
+                                    </p:set>
+                                  </p:childTnLst>
+                                </p:cTn>
+                              </p:par>
+                              <p:par>
+                                <p:cTn id="61" presetID="1" presetClass="entr" presetSubtype="0" fill="hold" nodeType="withEffect">
+                                  <p:stCondLst>
+                                    <p:cond delay="0"/>
+                                  </p:stCondLst>
+                                  <p:childTnLst>
+                                    <p:set>
+                                      <p:cBhvr>
+                                        <p:cTn id="62" dur="1" fill="hold">
+                                          <p:stCondLst>
+                                            <p:cond delay="0"/>
+                                          </p:stCondLst>
+                                        </p:cTn>
+                                        <p:tgtEl>
+                                          <p:spTgt spid="317"/>
+                                        </p:tgtEl>
+                                        <p:attrNameLst>
+                                          <p:attrName>style.visibility</p:attrName>
+                                        </p:attrNameLst>
+                                      </p:cBhvr>
+                                      <p:to>
+                                        <p:strVal val="visible"/>
+                                      </p:to>
+                                    </p:set>
+                                  </p:childTnLst>
+                                </p:cTn>
+                              </p:par>
+                              <p:par>
+                                <p:cTn id="63" presetID="1" presetClass="entr" presetSubtype="0" fill="hold" grpId="0" nodeType="withEffect">
+                                  <p:stCondLst>
+                                    <p:cond delay="0"/>
+                                  </p:stCondLst>
+                                  <p:childTnLst>
+                                    <p:set>
+                                      <p:cBhvr>
+                                        <p:cTn id="64" dur="1" fill="hold">
+                                          <p:stCondLst>
+                                            <p:cond delay="0"/>
+                                          </p:stCondLst>
+                                        </p:cTn>
+                                        <p:tgtEl>
+                                          <p:spTgt spid="263"/>
+                                        </p:tgtEl>
+                                        <p:attrNameLst>
+                                          <p:attrName>style.visibility</p:attrName>
+                                        </p:attrNameLst>
+                                      </p:cBhvr>
+                                      <p:to>
+                                        <p:strVal val="visible"/>
+                                      </p:to>
+                                    </p:set>
+                                  </p:childTnLst>
+                                </p:cTn>
+                              </p:par>
+                              <p:par>
+                                <p:cTn id="65" presetID="1" presetClass="entr" presetSubtype="0" fill="hold" nodeType="withEffect">
+                                  <p:stCondLst>
+                                    <p:cond delay="0"/>
+                                  </p:stCondLst>
+                                  <p:childTnLst>
+                                    <p:set>
+                                      <p:cBhvr>
+                                        <p:cTn id="66" dur="1" fill="hold">
+                                          <p:stCondLst>
+                                            <p:cond delay="0"/>
+                                          </p:stCondLst>
+                                        </p:cTn>
+                                        <p:tgtEl>
+                                          <p:spTgt spid="315"/>
+                                        </p:tgtEl>
+                                        <p:attrNameLst>
+                                          <p:attrName>style.visibility</p:attrName>
+                                        </p:attrNameLst>
+                                      </p:cBhvr>
+                                      <p:to>
+                                        <p:strVal val="visible"/>
+                                      </p:to>
+                                    </p:set>
+                                  </p:childTnLst>
+                                </p:cTn>
+                              </p:par>
+                              <p:par>
+                                <p:cTn id="67" presetID="1" presetClass="entr" presetSubtype="0" fill="hold" grpId="0" nodeType="withEffect">
+                                  <p:stCondLst>
+                                    <p:cond delay="0"/>
+                                  </p:stCondLst>
+                                  <p:childTnLst>
+                                    <p:set>
+                                      <p:cBhvr>
+                                        <p:cTn id="68" dur="1" fill="hold">
+                                          <p:stCondLst>
+                                            <p:cond delay="0"/>
+                                          </p:stCondLst>
+                                        </p:cTn>
+                                        <p:tgtEl>
+                                          <p:spTgt spid="240"/>
+                                        </p:tgtEl>
+                                        <p:attrNameLst>
+                                          <p:attrName>style.visibility</p:attrName>
+                                        </p:attrNameLst>
+                                      </p:cBhvr>
+                                      <p:to>
+                                        <p:strVal val="visible"/>
+                                      </p:to>
+                                    </p:set>
+                                  </p:childTnLst>
+                                </p:cTn>
+                              </p:par>
+                              <p:par>
+                                <p:cTn id="69" presetID="1" presetClass="entr" presetSubtype="0" fill="hold" nodeType="withEffect">
+                                  <p:stCondLst>
+                                    <p:cond delay="0"/>
+                                  </p:stCondLst>
+                                  <p:childTnLst>
+                                    <p:set>
+                                      <p:cBhvr>
+                                        <p:cTn id="70" dur="1" fill="hold">
+                                          <p:stCondLst>
+                                            <p:cond delay="0"/>
+                                          </p:stCondLst>
+                                        </p:cTn>
+                                        <p:tgtEl>
+                                          <p:spTgt spid="237"/>
+                                        </p:tgtEl>
+                                        <p:attrNameLst>
+                                          <p:attrName>style.visibility</p:attrName>
+                                        </p:attrNameLst>
+                                      </p:cBhvr>
+                                      <p:to>
+                                        <p:strVal val="visible"/>
+                                      </p:to>
+                                    </p:set>
+                                  </p:childTnLst>
+                                </p:cTn>
+                              </p:par>
+                              <p:par>
+                                <p:cTn id="71" presetID="1" presetClass="entr" presetSubtype="0" fill="hold" grpId="0" nodeType="withEffect">
+                                  <p:stCondLst>
+                                    <p:cond delay="0"/>
+                                  </p:stCondLst>
+                                  <p:childTnLst>
+                                    <p:set>
+                                      <p:cBhvr>
+                                        <p:cTn id="72" dur="1" fill="hold">
+                                          <p:stCondLst>
+                                            <p:cond delay="0"/>
+                                          </p:stCondLst>
+                                        </p:cTn>
+                                        <p:tgtEl>
+                                          <p:spTgt spid="239"/>
+                                        </p:tgtEl>
+                                        <p:attrNameLst>
+                                          <p:attrName>style.visibility</p:attrName>
+                                        </p:attrNameLst>
+                                      </p:cBhvr>
+                                      <p:to>
+                                        <p:strVal val="visible"/>
+                                      </p:to>
+                                    </p:set>
+                                  </p:childTnLst>
+                                </p:cTn>
+                              </p:par>
+                            </p:childTnLst>
+                          </p:cTn>
+                        </p:par>
+                      </p:childTnLst>
+                    </p:cTn>
+                  </p:par>
+                  <p:par>
+                    <p:cTn id="73" fill="hold">
+                      <p:stCondLst>
+                        <p:cond delay="indefinite"/>
+                      </p:stCondLst>
+                      <p:childTnLst>
+                        <p:par>
+                          <p:cTn id="74" fill="hold">
+                            <p:stCondLst>
+                              <p:cond delay="0"/>
+                            </p:stCondLst>
+                            <p:childTnLst>
+                              <p:par>
+                                <p:cTn id="75" presetID="1" presetClass="entr" presetSubtype="0" fill="hold" grpId="0" nodeType="clickEffect">
+                                  <p:stCondLst>
+                                    <p:cond delay="0"/>
+                                  </p:stCondLst>
+                                  <p:childTnLst>
+                                    <p:set>
+                                      <p:cBhvr>
+                                        <p:cTn id="76" dur="1" fill="hold">
+                                          <p:stCondLst>
+                                            <p:cond delay="0"/>
+                                          </p:stCondLst>
+                                        </p:cTn>
+                                        <p:tgtEl>
+                                          <p:spTgt spid="314"/>
+                                        </p:tgtEl>
+                                        <p:attrNameLst>
+                                          <p:attrName>style.visibility</p:attrName>
+                                        </p:attrNameLst>
+                                      </p:cBhvr>
+                                      <p:to>
+                                        <p:strVal val="visible"/>
+                                      </p:to>
+                                    </p:set>
+                                  </p:childTnLst>
+                                </p:cTn>
+                              </p:par>
+                              <p:par>
+                                <p:cTn id="77" presetID="1" presetClass="entr" presetSubtype="0" fill="hold" nodeType="withEffect">
+                                  <p:stCondLst>
+                                    <p:cond delay="0"/>
+                                  </p:stCondLst>
+                                  <p:childTnLst>
+                                    <p:set>
+                                      <p:cBhvr>
+                                        <p:cTn id="78" dur="1" fill="hold">
+                                          <p:stCondLst>
+                                            <p:cond delay="0"/>
+                                          </p:stCondLst>
+                                        </p:cTn>
+                                        <p:tgtEl>
+                                          <p:spTgt spid="313"/>
+                                        </p:tgtEl>
+                                        <p:attrNameLst>
+                                          <p:attrName>style.visibility</p:attrName>
+                                        </p:attrNameLst>
+                                      </p:cBhvr>
+                                      <p:to>
+                                        <p:strVal val="visible"/>
+                                      </p:to>
+                                    </p:set>
+                                  </p:childTnLst>
+                                </p:cTn>
+                              </p:par>
+                              <p:par>
+                                <p:cTn id="79" presetID="1" presetClass="entr" presetSubtype="0" fill="hold" grpId="0" nodeType="withEffect">
+                                  <p:stCondLst>
+                                    <p:cond delay="0"/>
+                                  </p:stCondLst>
+                                  <p:childTnLst>
+                                    <p:set>
+                                      <p:cBhvr>
+                                        <p:cTn id="80" dur="1" fill="hold">
+                                          <p:stCondLst>
+                                            <p:cond delay="0"/>
+                                          </p:stCondLst>
+                                        </p:cTn>
+                                        <p:tgtEl>
+                                          <p:spTgt spid="210"/>
+                                        </p:tgtEl>
+                                        <p:attrNameLst>
+                                          <p:attrName>style.visibility</p:attrName>
+                                        </p:attrNameLst>
+                                      </p:cBhvr>
+                                      <p:to>
+                                        <p:strVal val="visible"/>
+                                      </p:to>
+                                    </p:set>
+                                  </p:childTnLst>
+                                </p:cTn>
+                              </p:par>
+                            </p:childTnLst>
+                          </p:cTn>
+                        </p:par>
+                      </p:childTnLst>
+                    </p:cTn>
+                  </p:par>
+                  <p:par>
+                    <p:cTn id="81" fill="hold">
+                      <p:stCondLst>
+                        <p:cond delay="indefinite"/>
+                      </p:stCondLst>
+                      <p:childTnLst>
+                        <p:par>
+                          <p:cTn id="82" fill="hold">
+                            <p:stCondLst>
+                              <p:cond delay="0"/>
+                            </p:stCondLst>
+                            <p:childTnLst>
+                              <p:par>
+                                <p:cTn id="83" presetID="1" presetClass="entr" presetSubtype="0" fill="hold" nodeType="clickEffect">
+                                  <p:stCondLst>
+                                    <p:cond delay="0"/>
+                                  </p:stCondLst>
+                                  <p:childTnLst>
+                                    <p:set>
+                                      <p:cBhvr>
+                                        <p:cTn id="84" dur="1" fill="hold">
+                                          <p:stCondLst>
+                                            <p:cond delay="0"/>
+                                          </p:stCondLst>
+                                        </p:cTn>
+                                        <p:tgtEl>
+                                          <p:spTgt spid="211"/>
+                                        </p:tgtEl>
+                                        <p:attrNameLst>
+                                          <p:attrName>style.visibility</p:attrName>
+                                        </p:attrNameLst>
+                                      </p:cBhvr>
+                                      <p:to>
+                                        <p:strVal val="visible"/>
+                                      </p:to>
+                                    </p:set>
+                                  </p:childTnLst>
+                                </p:cTn>
+                              </p:par>
+                              <p:par>
+                                <p:cTn id="85" presetID="1" presetClass="entr" presetSubtype="0" fill="hold" grpId="0" nodeType="withEffect">
+                                  <p:stCondLst>
+                                    <p:cond delay="0"/>
+                                  </p:stCondLst>
+                                  <p:childTnLst>
+                                    <p:set>
+                                      <p:cBhvr>
+                                        <p:cTn id="86" dur="1" fill="hold">
+                                          <p:stCondLst>
+                                            <p:cond delay="0"/>
+                                          </p:stCondLst>
+                                        </p:cTn>
+                                        <p:tgtEl>
+                                          <p:spTgt spid="212"/>
+                                        </p:tgtEl>
+                                        <p:attrNameLst>
+                                          <p:attrName>style.visibility</p:attrName>
+                                        </p:attrNameLst>
+                                      </p:cBhvr>
+                                      <p:to>
+                                        <p:strVal val="visible"/>
+                                      </p:to>
+                                    </p:set>
+                                  </p:childTnLst>
+                                </p:cTn>
+                              </p:par>
+                              <p:par>
+                                <p:cTn id="87" presetID="1" presetClass="entr" presetSubtype="0" fill="hold" grpId="0" nodeType="withEffect">
+                                  <p:stCondLst>
+                                    <p:cond delay="200"/>
+                                  </p:stCondLst>
+                                  <p:childTnLst>
+                                    <p:set>
+                                      <p:cBhvr>
+                                        <p:cTn id="88" dur="1" fill="hold">
+                                          <p:stCondLst>
+                                            <p:cond delay="0"/>
+                                          </p:stCondLst>
+                                        </p:cTn>
+                                        <p:tgtEl>
+                                          <p:spTgt spid="311"/>
+                                        </p:tgtEl>
+                                        <p:attrNameLst>
+                                          <p:attrName>style.visibility</p:attrName>
+                                        </p:attrNameLst>
+                                      </p:cBhvr>
+                                      <p:to>
+                                        <p:strVal val="visible"/>
+                                      </p:to>
+                                    </p:set>
+                                  </p:childTnLst>
+                                </p:cTn>
+                              </p:par>
+                              <p:par>
+                                <p:cTn id="89" presetID="1" presetClass="entr" presetSubtype="0" fill="hold" nodeType="withEffect">
+                                  <p:stCondLst>
+                                    <p:cond delay="200"/>
+                                  </p:stCondLst>
+                                  <p:childTnLst>
+                                    <p:set>
+                                      <p:cBhvr>
+                                        <p:cTn id="90" dur="1" fill="hold">
+                                          <p:stCondLst>
+                                            <p:cond delay="0"/>
+                                          </p:stCondLst>
+                                        </p:cTn>
+                                        <p:tgtEl>
+                                          <p:spTgt spid="310"/>
+                                        </p:tgtEl>
+                                        <p:attrNameLst>
+                                          <p:attrName>style.visibility</p:attrName>
+                                        </p:attrNameLst>
+                                      </p:cBhvr>
+                                      <p:to>
+                                        <p:strVal val="visible"/>
+                                      </p:to>
+                                    </p:set>
+                                  </p:childTnLst>
+                                </p:cTn>
+                              </p:par>
+                              <p:par>
+                                <p:cTn id="91" presetID="1" presetClass="entr" presetSubtype="0" fill="hold" grpId="0" nodeType="withEffect">
+                                  <p:stCondLst>
+                                    <p:cond delay="200"/>
+                                  </p:stCondLst>
+                                  <p:childTnLst>
+                                    <p:set>
+                                      <p:cBhvr>
+                                        <p:cTn id="92" dur="1" fill="hold">
+                                          <p:stCondLst>
+                                            <p:cond delay="0"/>
+                                          </p:stCondLst>
+                                        </p:cTn>
+                                        <p:tgtEl>
+                                          <p:spTgt spid="188"/>
+                                        </p:tgtEl>
+                                        <p:attrNameLst>
+                                          <p:attrName>style.visibility</p:attrName>
+                                        </p:attrNameLst>
+                                      </p:cBhvr>
+                                      <p:to>
+                                        <p:strVal val="visible"/>
+                                      </p:to>
+                                    </p:set>
+                                  </p:childTnLst>
+                                </p:cTn>
+                              </p:par>
+                            </p:childTnLst>
+                          </p:cTn>
+                        </p:par>
+                      </p:childTnLst>
+                    </p:cTn>
+                  </p:par>
+                  <p:par>
+                    <p:cTn id="93" fill="hold">
+                      <p:stCondLst>
+                        <p:cond delay="indefinite"/>
+                      </p:stCondLst>
+                      <p:childTnLst>
+                        <p:par>
+                          <p:cTn id="94" fill="hold">
+                            <p:stCondLst>
+                              <p:cond delay="0"/>
+                            </p:stCondLst>
+                            <p:childTnLst>
+                              <p:par>
+                                <p:cTn id="95" presetID="1" presetClass="entr" presetSubtype="0" fill="hold" nodeType="clickEffect">
+                                  <p:stCondLst>
+                                    <p:cond delay="0"/>
+                                  </p:stCondLst>
+                                  <p:childTnLst>
+                                    <p:set>
+                                      <p:cBhvr>
+                                        <p:cTn id="96" dur="1" fill="hold">
+                                          <p:stCondLst>
+                                            <p:cond delay="0"/>
+                                          </p:stCondLst>
+                                        </p:cTn>
+                                        <p:tgtEl>
+                                          <p:spTgt spid="190"/>
+                                        </p:tgtEl>
+                                        <p:attrNameLst>
+                                          <p:attrName>style.visibility</p:attrName>
+                                        </p:attrNameLst>
+                                      </p:cBhvr>
+                                      <p:to>
+                                        <p:strVal val="visible"/>
+                                      </p:to>
+                                    </p:set>
+                                  </p:childTnLst>
+                                </p:cTn>
+                              </p:par>
+                              <p:par>
+                                <p:cTn id="97" presetID="1" presetClass="entr" presetSubtype="0" fill="hold" grpId="0" nodeType="withEffect">
+                                  <p:stCondLst>
+                                    <p:cond delay="0"/>
+                                  </p:stCondLst>
+                                  <p:childTnLst>
+                                    <p:set>
+                                      <p:cBhvr>
+                                        <p:cTn id="98" dur="1" fill="hold">
+                                          <p:stCondLst>
+                                            <p:cond delay="0"/>
+                                          </p:stCondLst>
+                                        </p:cTn>
+                                        <p:tgtEl>
+                                          <p:spTgt spid="193"/>
+                                        </p:tgtEl>
+                                        <p:attrNameLst>
+                                          <p:attrName>style.visibility</p:attrName>
+                                        </p:attrNameLst>
+                                      </p:cBhvr>
+                                      <p:to>
+                                        <p:strVal val="visible"/>
+                                      </p:to>
+                                    </p:set>
+                                  </p:childTnLst>
+                                </p:cTn>
+                              </p:par>
+                              <p:par>
+                                <p:cTn id="99" presetID="1" presetClass="entr" presetSubtype="0" fill="hold" grpId="0" nodeType="withEffect">
+                                  <p:stCondLst>
+                                    <p:cond delay="200"/>
+                                  </p:stCondLst>
+                                  <p:childTnLst>
+                                    <p:set>
+                                      <p:cBhvr>
+                                        <p:cTn id="100" dur="1" fill="hold">
+                                          <p:stCondLst>
+                                            <p:cond delay="0"/>
+                                          </p:stCondLst>
+                                        </p:cTn>
+                                        <p:tgtEl>
+                                          <p:spTgt spid="177"/>
+                                        </p:tgtEl>
+                                        <p:attrNameLst>
+                                          <p:attrName>style.visibility</p:attrName>
+                                        </p:attrNameLst>
+                                      </p:cBhvr>
+                                      <p:to>
+                                        <p:strVal val="visible"/>
+                                      </p:to>
+                                    </p:set>
+                                  </p:childTnLst>
+                                </p:cTn>
+                              </p:par>
+                            </p:childTnLst>
+                          </p:cTn>
+                        </p:par>
+                      </p:childTnLst>
+                    </p:cTn>
+                  </p:par>
+                  <p:par>
+                    <p:cTn id="101" fill="hold">
+                      <p:stCondLst>
+                        <p:cond delay="indefinite"/>
+                      </p:stCondLst>
+                      <p:childTnLst>
+                        <p:par>
+                          <p:cTn id="102" fill="hold">
+                            <p:stCondLst>
+                              <p:cond delay="0"/>
+                            </p:stCondLst>
+                            <p:childTnLst>
+                              <p:par>
+                                <p:cTn id="103" presetID="1" presetClass="entr" presetSubtype="0" fill="hold" grpId="0" nodeType="clickEffect">
+                                  <p:stCondLst>
+                                    <p:cond delay="0"/>
+                                  </p:stCondLst>
+                                  <p:childTnLst>
+                                    <p:set>
+                                      <p:cBhvr>
+                                        <p:cTn id="104" dur="1" fill="hold">
+                                          <p:stCondLst>
+                                            <p:cond delay="0"/>
+                                          </p:stCondLst>
+                                        </p:cTn>
+                                        <p:tgtEl>
+                                          <p:spTgt spid="124"/>
+                                        </p:tgtEl>
+                                        <p:attrNameLst>
+                                          <p:attrName>style.visibility</p:attrName>
+                                        </p:attrNameLst>
+                                      </p:cBhvr>
+                                      <p:to>
+                                        <p:strVal val="visible"/>
+                                      </p:to>
+                                    </p:set>
+                                  </p:childTnLst>
+                                </p:cTn>
+                              </p:par>
+                              <p:par>
+                                <p:cTn id="105" presetID="1" presetClass="entr" presetSubtype="0" fill="hold" nodeType="withEffect">
+                                  <p:stCondLst>
+                                    <p:cond delay="0"/>
+                                  </p:stCondLst>
+                                  <p:childTnLst>
+                                    <p:set>
+                                      <p:cBhvr>
+                                        <p:cTn id="106" dur="1" fill="hold">
+                                          <p:stCondLst>
+                                            <p:cond delay="0"/>
+                                          </p:stCondLst>
+                                        </p:cTn>
+                                        <p:tgtEl>
+                                          <p:spTgt spid="122"/>
+                                        </p:tgtEl>
+                                        <p:attrNameLst>
+                                          <p:attrName>style.visibility</p:attrName>
+                                        </p:attrNameLst>
+                                      </p:cBhvr>
+                                      <p:to>
+                                        <p:strVal val="visible"/>
+                                      </p:to>
+                                    </p:set>
+                                  </p:childTnLst>
+                                </p:cTn>
+                              </p:par>
+                              <p:par>
+                                <p:cTn id="107" presetID="1" presetClass="entr" presetSubtype="0" fill="hold" nodeType="withEffect">
+                                  <p:stCondLst>
+                                    <p:cond delay="0"/>
+                                  </p:stCondLst>
+                                  <p:childTnLst>
+                                    <p:set>
+                                      <p:cBhvr>
+                                        <p:cTn id="108" dur="1" fill="hold">
+                                          <p:stCondLst>
+                                            <p:cond delay="0"/>
+                                          </p:stCondLst>
+                                        </p:cTn>
+                                        <p:tgtEl>
+                                          <p:spTgt spid="123"/>
+                                        </p:tgtEl>
+                                        <p:attrNameLst>
+                                          <p:attrName>style.visibility</p:attrName>
+                                        </p:attrNameLst>
+                                      </p:cBhvr>
+                                      <p:to>
+                                        <p:strVal val="visible"/>
+                                      </p:to>
+                                    </p:set>
+                                  </p:childTnLst>
+                                </p:cTn>
+                              </p:par>
+                              <p:par>
+                                <p:cTn id="109" presetID="1" presetClass="entr" presetSubtype="0" fill="hold" grpId="0" nodeType="withEffect">
+                                  <p:stCondLst>
+                                    <p:cond delay="0"/>
+                                  </p:stCondLst>
+                                  <p:childTnLst>
+                                    <p:set>
+                                      <p:cBhvr>
+                                        <p:cTn id="110" dur="1" fill="hold">
+                                          <p:stCondLst>
+                                            <p:cond delay="0"/>
+                                          </p:stCondLst>
+                                        </p:cTn>
+                                        <p:tgtEl>
+                                          <p:spTgt spid="125"/>
+                                        </p:tgtEl>
+                                        <p:attrNameLst>
+                                          <p:attrName>style.visibility</p:attrName>
+                                        </p:attrNameLst>
+                                      </p:cBhvr>
+                                      <p:to>
+                                        <p:strVal val="visible"/>
+                                      </p:to>
+                                    </p:set>
+                                  </p:childTnLst>
+                                </p:cTn>
+                              </p:par>
+                              <p:par>
+                                <p:cTn id="111" presetID="1" presetClass="entr" presetSubtype="0" fill="hold" grpId="0" nodeType="withEffect">
+                                  <p:stCondLst>
+                                    <p:cond delay="0"/>
+                                  </p:stCondLst>
+                                  <p:childTnLst>
+                                    <p:set>
+                                      <p:cBhvr>
+                                        <p:cTn id="112" dur="1" fill="hold">
+                                          <p:stCondLst>
+                                            <p:cond delay="0"/>
+                                          </p:stCondLst>
+                                        </p:cTn>
+                                        <p:tgtEl>
+                                          <p:spTgt spid="108"/>
+                                        </p:tgtEl>
+                                        <p:attrNameLst>
+                                          <p:attrName>style.visibility</p:attrName>
+                                        </p:attrNameLst>
+                                      </p:cBhvr>
+                                      <p:to>
+                                        <p:strVal val="visible"/>
+                                      </p:to>
+                                    </p:set>
+                                  </p:childTnLst>
+                                </p:cTn>
+                              </p:par>
+                            </p:childTnLst>
+                          </p:cTn>
+                        </p:par>
+                      </p:childTnLst>
+                    </p:cTn>
+                  </p:par>
+                  <p:par>
+                    <p:cTn id="113" fill="hold">
+                      <p:stCondLst>
+                        <p:cond delay="indefinite"/>
+                      </p:stCondLst>
+                      <p:childTnLst>
+                        <p:par>
+                          <p:cTn id="114" fill="hold">
+                            <p:stCondLst>
+                              <p:cond delay="0"/>
+                            </p:stCondLst>
+                            <p:childTnLst>
+                              <p:par>
+                                <p:cTn id="115" presetID="1" presetClass="entr" presetSubtype="0" fill="hold" grpId="0" nodeType="clickEffect">
+                                  <p:stCondLst>
+                                    <p:cond delay="0"/>
+                                  </p:stCondLst>
+                                  <p:childTnLst>
+                                    <p:set>
+                                      <p:cBhvr>
+                                        <p:cTn id="116" dur="1" fill="hold">
+                                          <p:stCondLst>
+                                            <p:cond delay="0"/>
+                                          </p:stCondLst>
+                                        </p:cTn>
+                                        <p:tgtEl>
+                                          <p:spTgt spid="139"/>
+                                        </p:tgtEl>
+                                        <p:attrNameLst>
+                                          <p:attrName>style.visibility</p:attrName>
+                                        </p:attrNameLst>
+                                      </p:cBhvr>
+                                      <p:to>
+                                        <p:strVal val="visible"/>
+                                      </p:to>
+                                    </p:set>
+                                  </p:childTnLst>
+                                </p:cTn>
+                              </p:par>
+                              <p:par>
+                                <p:cTn id="117" presetID="1" presetClass="entr" presetSubtype="0" fill="hold" nodeType="withEffect">
+                                  <p:stCondLst>
+                                    <p:cond delay="0"/>
+                                  </p:stCondLst>
+                                  <p:childTnLst>
+                                    <p:set>
+                                      <p:cBhvr>
+                                        <p:cTn id="118" dur="1" fill="hold">
+                                          <p:stCondLst>
+                                            <p:cond delay="0"/>
+                                          </p:stCondLst>
+                                        </p:cTn>
+                                        <p:tgtEl>
+                                          <p:spTgt spid="361"/>
+                                        </p:tgtEl>
+                                        <p:attrNameLst>
+                                          <p:attrName>style.visibility</p:attrName>
+                                        </p:attrNameLst>
+                                      </p:cBhvr>
+                                      <p:to>
+                                        <p:strVal val="visible"/>
+                                      </p:to>
+                                    </p:set>
+                                  </p:childTnLst>
+                                </p:cTn>
+                              </p:par>
+                              <p:par>
+                                <p:cTn id="119" presetID="1" presetClass="entr" presetSubtype="0" fill="hold" grpId="0" nodeType="withEffect">
+                                  <p:stCondLst>
+                                    <p:cond delay="0"/>
+                                  </p:stCondLst>
+                                  <p:childTnLst>
+                                    <p:set>
+                                      <p:cBhvr>
+                                        <p:cTn id="120" dur="1" fill="hold">
+                                          <p:stCondLst>
+                                            <p:cond delay="0"/>
+                                          </p:stCondLst>
+                                        </p:cTn>
+                                        <p:tgtEl>
+                                          <p:spTgt spid="140"/>
+                                        </p:tgtEl>
+                                        <p:attrNameLst>
+                                          <p:attrName>style.visibility</p:attrName>
+                                        </p:attrNameLst>
+                                      </p:cBhvr>
+                                      <p:to>
+                                        <p:strVal val="visible"/>
+                                      </p:to>
+                                    </p:set>
+                                  </p:childTnLst>
+                                </p:cTn>
+                              </p:par>
+                              <p:par>
+                                <p:cTn id="121" presetID="1" presetClass="entr" presetSubtype="0" fill="hold" nodeType="withEffect">
+                                  <p:stCondLst>
+                                    <p:cond delay="0"/>
+                                  </p:stCondLst>
+                                  <p:childTnLst>
+                                    <p:set>
+                                      <p:cBhvr>
+                                        <p:cTn id="122" dur="1" fill="hold">
+                                          <p:stCondLst>
+                                            <p:cond delay="0"/>
+                                          </p:stCondLst>
+                                        </p:cTn>
+                                        <p:tgtEl>
+                                          <p:spTgt spid="141"/>
+                                        </p:tgtEl>
+                                        <p:attrNameLst>
+                                          <p:attrName>style.visibility</p:attrName>
+                                        </p:attrNameLst>
+                                      </p:cBhvr>
+                                      <p:to>
+                                        <p:strVal val="visible"/>
+                                      </p:to>
+                                    </p:set>
+                                  </p:childTnLst>
+                                </p:cTn>
+                              </p:par>
+                              <p:par>
+                                <p:cTn id="123" presetID="1" presetClass="entr" presetSubtype="0" fill="hold" nodeType="withEffect">
+                                  <p:stCondLst>
+                                    <p:cond delay="0"/>
+                                  </p:stCondLst>
+                                  <p:childTnLst>
+                                    <p:set>
+                                      <p:cBhvr>
+                                        <p:cTn id="124" dur="1" fill="hold">
+                                          <p:stCondLst>
+                                            <p:cond delay="0"/>
+                                          </p:stCondLst>
+                                        </p:cTn>
+                                        <p:tgtEl>
+                                          <p:spTgt spid="143"/>
+                                        </p:tgtEl>
+                                        <p:attrNameLst>
+                                          <p:attrName>style.visibility</p:attrName>
+                                        </p:attrNameLst>
+                                      </p:cBhvr>
+                                      <p:to>
+                                        <p:strVal val="visible"/>
+                                      </p:to>
+                                    </p:set>
+                                  </p:childTnLst>
+                                </p:cTn>
+                              </p:par>
+                              <p:par>
+                                <p:cTn id="125" presetID="1" presetClass="entr" presetSubtype="0" fill="hold" nodeType="withEffect">
+                                  <p:stCondLst>
+                                    <p:cond delay="0"/>
+                                  </p:stCondLst>
+                                  <p:childTnLst>
+                                    <p:set>
+                                      <p:cBhvr>
+                                        <p:cTn id="126" dur="1" fill="hold">
+                                          <p:stCondLst>
+                                            <p:cond delay="0"/>
+                                          </p:stCondLst>
+                                        </p:cTn>
+                                        <p:tgtEl>
+                                          <p:spTgt spid="364"/>
+                                        </p:tgtEl>
+                                        <p:attrNameLst>
+                                          <p:attrName>style.visibility</p:attrName>
+                                        </p:attrNameLst>
+                                      </p:cBhvr>
+                                      <p:to>
+                                        <p:strVal val="visible"/>
+                                      </p:to>
+                                    </p:set>
+                                  </p:childTnLst>
+                                </p:cTn>
+                              </p:par>
+                              <p:par>
+                                <p:cTn id="127" presetID="1" presetClass="entr" presetSubtype="0" fill="hold" nodeType="withEffect">
+                                  <p:stCondLst>
+                                    <p:cond delay="0"/>
+                                  </p:stCondLst>
+                                  <p:childTnLst>
+                                    <p:set>
+                                      <p:cBhvr>
+                                        <p:cTn id="128" dur="1" fill="hold">
+                                          <p:stCondLst>
+                                            <p:cond delay="0"/>
+                                          </p:stCondLst>
+                                        </p:cTn>
+                                        <p:tgtEl>
+                                          <p:spTgt spid="142"/>
+                                        </p:tgtEl>
+                                        <p:attrNameLst>
+                                          <p:attrName>style.visibility</p:attrName>
+                                        </p:attrNameLst>
+                                      </p:cBhvr>
+                                      <p:to>
+                                        <p:strVal val="visible"/>
+                                      </p:to>
+                                    </p:set>
+                                  </p:childTnLst>
+                                </p:cTn>
+                              </p:par>
+                              <p:par>
+                                <p:cTn id="129" presetID="1" presetClass="entr" presetSubtype="0" fill="hold" grpId="0" nodeType="withEffect">
+                                  <p:stCondLst>
+                                    <p:cond delay="0"/>
+                                  </p:stCondLst>
+                                  <p:childTnLst>
+                                    <p:set>
+                                      <p:cBhvr>
+                                        <p:cTn id="130" dur="1" fill="hold">
+                                          <p:stCondLst>
+                                            <p:cond delay="0"/>
+                                          </p:stCondLst>
+                                        </p:cTn>
+                                        <p:tgtEl>
+                                          <p:spTgt spid="121"/>
+                                        </p:tgtEl>
+                                        <p:attrNameLst>
+                                          <p:attrName>style.visibility</p:attrName>
+                                        </p:attrNameLst>
+                                      </p:cBhvr>
+                                      <p:to>
+                                        <p:strVal val="visible"/>
+                                      </p:to>
+                                    </p:set>
+                                  </p:childTnLst>
+                                </p:cTn>
+                              </p:par>
+                            </p:childTnLst>
+                          </p:cTn>
+                        </p:par>
+                      </p:childTnLst>
+                    </p:cTn>
+                  </p:par>
+                  <p:par>
+                    <p:cTn id="131" fill="hold">
+                      <p:stCondLst>
+                        <p:cond delay="indefinite"/>
+                      </p:stCondLst>
+                      <p:childTnLst>
+                        <p:par>
+                          <p:cTn id="132" fill="hold">
+                            <p:stCondLst>
+                              <p:cond delay="0"/>
+                            </p:stCondLst>
+                            <p:childTnLst>
+                              <p:par>
+                                <p:cTn id="133" presetID="1" presetClass="entr" presetSubtype="0" fill="hold" grpId="0" nodeType="clickEffect">
+                                  <p:stCondLst>
+                                    <p:cond delay="0"/>
+                                  </p:stCondLst>
+                                  <p:childTnLst>
+                                    <p:set>
+                                      <p:cBhvr>
+                                        <p:cTn id="134" dur="1" fill="hold">
+                                          <p:stCondLst>
+                                            <p:cond delay="0"/>
+                                          </p:stCondLst>
+                                        </p:cTn>
+                                        <p:tgtEl>
+                                          <p:spTgt spid="164"/>
+                                        </p:tgtEl>
+                                        <p:attrNameLst>
+                                          <p:attrName>style.visibility</p:attrName>
+                                        </p:attrNameLst>
+                                      </p:cBhvr>
+                                      <p:to>
+                                        <p:strVal val="visible"/>
+                                      </p:to>
+                                    </p:set>
+                                  </p:childTnLst>
+                                </p:cTn>
+                              </p:par>
+                              <p:par>
+                                <p:cTn id="135" presetID="1" presetClass="entr" presetSubtype="0" fill="hold" nodeType="withEffect">
+                                  <p:stCondLst>
+                                    <p:cond delay="0"/>
+                                  </p:stCondLst>
+                                  <p:childTnLst>
+                                    <p:set>
+                                      <p:cBhvr>
+                                        <p:cTn id="136" dur="1" fill="hold">
+                                          <p:stCondLst>
+                                            <p:cond delay="0"/>
+                                          </p:stCondLst>
+                                        </p:cTn>
+                                        <p:tgtEl>
+                                          <p:spTgt spid="161"/>
+                                        </p:tgtEl>
+                                        <p:attrNameLst>
+                                          <p:attrName>style.visibility</p:attrName>
+                                        </p:attrNameLst>
+                                      </p:cBhvr>
+                                      <p:to>
+                                        <p:strVal val="visible"/>
+                                      </p:to>
+                                    </p:set>
+                                  </p:childTnLst>
+                                </p:cTn>
+                              </p:par>
+                              <p:par>
+                                <p:cTn id="137" presetID="1" presetClass="entr" presetSubtype="0" fill="hold" grpId="0" nodeType="withEffect">
+                                  <p:stCondLst>
+                                    <p:cond delay="0"/>
+                                  </p:stCondLst>
+                                  <p:childTnLst>
+                                    <p:set>
+                                      <p:cBhvr>
+                                        <p:cTn id="138" dur="1" fill="hold">
+                                          <p:stCondLst>
+                                            <p:cond delay="0"/>
+                                          </p:stCondLst>
+                                        </p:cTn>
+                                        <p:tgtEl>
+                                          <p:spTgt spid="163"/>
+                                        </p:tgtEl>
+                                        <p:attrNameLst>
+                                          <p:attrName>style.visibility</p:attrName>
+                                        </p:attrNameLst>
+                                      </p:cBhvr>
+                                      <p:to>
+                                        <p:strVal val="visible"/>
+                                      </p:to>
+                                    </p:set>
+                                  </p:childTnLst>
+                                </p:cTn>
+                              </p:par>
+                              <p:par>
+                                <p:cTn id="139" presetID="1" presetClass="entr" presetSubtype="0" fill="hold" nodeType="withEffect">
+                                  <p:stCondLst>
+                                    <p:cond delay="0"/>
+                                  </p:stCondLst>
+                                  <p:childTnLst>
+                                    <p:set>
+                                      <p:cBhvr>
+                                        <p:cTn id="140" dur="1" fill="hold">
+                                          <p:stCondLst>
+                                            <p:cond delay="0"/>
+                                          </p:stCondLst>
+                                        </p:cTn>
+                                        <p:tgtEl>
+                                          <p:spTgt spid="162"/>
+                                        </p:tgtEl>
+                                        <p:attrNameLst>
+                                          <p:attrName>style.visibility</p:attrName>
+                                        </p:attrNameLst>
+                                      </p:cBhvr>
+                                      <p:to>
+                                        <p:strVal val="visible"/>
+                                      </p:to>
+                                    </p:set>
+                                  </p:childTnLst>
+                                </p:cTn>
+                              </p:par>
+                              <p:par>
+                                <p:cTn id="141" presetID="1" presetClass="entr" presetSubtype="0" fill="hold" nodeType="withEffect">
+                                  <p:stCondLst>
+                                    <p:cond delay="0"/>
+                                  </p:stCondLst>
+                                  <p:childTnLst>
+                                    <p:set>
+                                      <p:cBhvr>
+                                        <p:cTn id="142" dur="1" fill="hold">
+                                          <p:stCondLst>
+                                            <p:cond delay="0"/>
+                                          </p:stCondLst>
+                                        </p:cTn>
+                                        <p:tgtEl>
+                                          <p:spTgt spid="160"/>
+                                        </p:tgtEl>
+                                        <p:attrNameLst>
+                                          <p:attrName>style.visibility</p:attrName>
+                                        </p:attrNameLst>
+                                      </p:cBhvr>
+                                      <p:to>
+                                        <p:strVal val="visible"/>
+                                      </p:to>
+                                    </p:set>
+                                  </p:childTnLst>
+                                </p:cTn>
+                              </p:par>
+                              <p:par>
+                                <p:cTn id="143" presetID="1" presetClass="entr" presetSubtype="0" fill="hold" grpId="0" nodeType="withEffect">
+                                  <p:stCondLst>
+                                    <p:cond delay="0"/>
+                                  </p:stCondLst>
+                                  <p:childTnLst>
+                                    <p:set>
+                                      <p:cBhvr>
+                                        <p:cTn id="144" dur="1" fill="hold">
+                                          <p:stCondLst>
+                                            <p:cond delay="0"/>
+                                          </p:stCondLst>
+                                        </p:cTn>
+                                        <p:tgtEl>
+                                          <p:spTgt spid="138"/>
+                                        </p:tgtEl>
+                                        <p:attrNameLst>
+                                          <p:attrName>style.visibility</p:attrName>
+                                        </p:attrNameLst>
+                                      </p:cBhvr>
+                                      <p:to>
+                                        <p:strVal val="visible"/>
+                                      </p:to>
+                                    </p:set>
+                                  </p:childTnLst>
+                                </p:cTn>
+                              </p:par>
+                            </p:childTnLst>
+                          </p:cTn>
+                        </p:par>
+                      </p:childTnLst>
+                    </p:cTn>
+                  </p:par>
+                  <p:par>
+                    <p:cTn id="145" fill="hold">
+                      <p:stCondLst>
+                        <p:cond delay="indefinite"/>
+                      </p:stCondLst>
+                      <p:childTnLst>
+                        <p:par>
+                          <p:cTn id="146" fill="hold">
+                            <p:stCondLst>
+                              <p:cond delay="0"/>
+                            </p:stCondLst>
+                            <p:childTnLst>
+                              <p:par>
+                                <p:cTn id="147" presetID="1" presetClass="entr" presetSubtype="0" fill="hold" grpId="0" nodeType="clickEffect">
+                                  <p:stCondLst>
+                                    <p:cond delay="0"/>
+                                  </p:stCondLst>
+                                  <p:childTnLst>
+                                    <p:set>
+                                      <p:cBhvr>
+                                        <p:cTn id="148" dur="1" fill="hold">
+                                          <p:stCondLst>
+                                            <p:cond delay="0"/>
+                                          </p:stCondLst>
+                                        </p:cTn>
+                                        <p:tgtEl>
+                                          <p:spTgt spid="399"/>
+                                        </p:tgtEl>
+                                        <p:attrNameLst>
+                                          <p:attrName>style.visibility</p:attrName>
+                                        </p:attrNameLst>
+                                      </p:cBhvr>
+                                      <p:to>
+                                        <p:strVal val="visible"/>
+                                      </p:to>
+                                    </p:set>
+                                  </p:childTnLst>
+                                </p:cTn>
+                              </p:par>
+                              <p:par>
+                                <p:cTn id="149" presetID="1" presetClass="entr" presetSubtype="0" fill="hold" grpId="0" nodeType="withEffect">
+                                  <p:stCondLst>
+                                    <p:cond delay="0"/>
+                                  </p:stCondLst>
+                                  <p:childTnLst>
+                                    <p:set>
+                                      <p:cBhvr>
+                                        <p:cTn id="150" dur="1" fill="hold">
+                                          <p:stCondLst>
+                                            <p:cond delay="0"/>
+                                          </p:stCondLst>
+                                        </p:cTn>
+                                        <p:tgtEl>
+                                          <p:spTgt spid="402"/>
+                                        </p:tgtEl>
+                                        <p:attrNameLst>
+                                          <p:attrName>style.visibility</p:attrName>
+                                        </p:attrNameLst>
+                                      </p:cBhvr>
+                                      <p:to>
+                                        <p:strVal val="visible"/>
+                                      </p:to>
+                                    </p:set>
+                                  </p:childTnLst>
+                                </p:cTn>
+                              </p:par>
+                              <p:par>
+                                <p:cTn id="151" presetID="1" presetClass="entr" presetSubtype="0" fill="hold" grpId="0" nodeType="withEffect">
+                                  <p:stCondLst>
+                                    <p:cond delay="0"/>
+                                  </p:stCondLst>
+                                  <p:childTnLst>
+                                    <p:set>
+                                      <p:cBhvr>
+                                        <p:cTn id="152" dur="1" fill="hold">
+                                          <p:stCondLst>
+                                            <p:cond delay="0"/>
+                                          </p:stCondLst>
+                                        </p:cTn>
+                                        <p:tgtEl>
+                                          <p:spTgt spid="403"/>
+                                        </p:tgtEl>
+                                        <p:attrNameLst>
+                                          <p:attrName>style.visibility</p:attrName>
+                                        </p:attrNameLst>
+                                      </p:cBhvr>
+                                      <p:to>
+                                        <p:strVal val="visible"/>
+                                      </p:to>
+                                    </p:set>
+                                  </p:childTnLst>
+                                </p:cTn>
+                              </p:par>
+                              <p:par>
+                                <p:cTn id="153" presetID="1" presetClass="entr" presetSubtype="0" fill="hold" nodeType="withEffect">
+                                  <p:stCondLst>
+                                    <p:cond delay="0"/>
+                                  </p:stCondLst>
+                                  <p:childTnLst>
+                                    <p:set>
+                                      <p:cBhvr>
+                                        <p:cTn id="154" dur="1" fill="hold">
+                                          <p:stCondLst>
+                                            <p:cond delay="0"/>
+                                          </p:stCondLst>
+                                        </p:cTn>
+                                        <p:tgtEl>
+                                          <p:spTgt spid="365"/>
+                                        </p:tgtEl>
+                                        <p:attrNameLst>
+                                          <p:attrName>style.visibility</p:attrName>
+                                        </p:attrNameLst>
+                                      </p:cBhvr>
+                                      <p:to>
+                                        <p:strVal val="visible"/>
+                                      </p:to>
+                                    </p:set>
+                                  </p:childTnLst>
+                                </p:cTn>
+                              </p:par>
+                              <p:par>
+                                <p:cTn id="155" presetID="1" presetClass="entr" presetSubtype="0" fill="hold" nodeType="withEffect">
+                                  <p:stCondLst>
+                                    <p:cond delay="0"/>
+                                  </p:stCondLst>
+                                  <p:childTnLst>
+                                    <p:set>
+                                      <p:cBhvr>
+                                        <p:cTn id="156" dur="1" fill="hold">
+                                          <p:stCondLst>
+                                            <p:cond delay="0"/>
+                                          </p:stCondLst>
+                                        </p:cTn>
+                                        <p:tgtEl>
+                                          <p:spTgt spid="404"/>
+                                        </p:tgtEl>
+                                        <p:attrNameLst>
+                                          <p:attrName>style.visibility</p:attrName>
+                                        </p:attrNameLst>
+                                      </p:cBhvr>
+                                      <p:to>
+                                        <p:strVal val="visible"/>
+                                      </p:to>
+                                    </p:set>
+                                  </p:childTnLst>
+                                </p:cTn>
+                              </p:par>
+                              <p:par>
+                                <p:cTn id="157" presetID="1" presetClass="entr" presetSubtype="0" fill="hold" grpId="0" nodeType="withEffect">
+                                  <p:stCondLst>
+                                    <p:cond delay="0"/>
+                                  </p:stCondLst>
+                                  <p:childTnLst>
+                                    <p:set>
+                                      <p:cBhvr>
+                                        <p:cTn id="158" dur="1" fill="hold">
+                                          <p:stCondLst>
+                                            <p:cond delay="0"/>
+                                          </p:stCondLst>
+                                        </p:cTn>
+                                        <p:tgtEl>
+                                          <p:spTgt spid="412"/>
+                                        </p:tgtEl>
+                                        <p:attrNameLst>
+                                          <p:attrName>style.visibility</p:attrName>
+                                        </p:attrNameLst>
+                                      </p:cBhvr>
+                                      <p:to>
+                                        <p:strVal val="visible"/>
+                                      </p:to>
+                                    </p:set>
+                                  </p:childTnLst>
+                                </p:cTn>
+                              </p:par>
+                              <p:par>
+                                <p:cTn id="159" presetID="1" presetClass="entr" presetSubtype="0" fill="hold" grpId="0" nodeType="withEffect">
+                                  <p:stCondLst>
+                                    <p:cond delay="0"/>
+                                  </p:stCondLst>
+                                  <p:childTnLst>
+                                    <p:set>
+                                      <p:cBhvr>
+                                        <p:cTn id="160" dur="1" fill="hold">
+                                          <p:stCondLst>
+                                            <p:cond delay="0"/>
+                                          </p:stCondLst>
+                                        </p:cTn>
+                                        <p:tgtEl>
+                                          <p:spTgt spid="159"/>
+                                        </p:tgtEl>
+                                        <p:attrNameLst>
+                                          <p:attrName>style.visibility</p:attrName>
+                                        </p:attrNameLst>
+                                      </p:cBhvr>
+                                      <p:to>
+                                        <p:strVal val="visible"/>
+                                      </p:to>
+                                    </p:set>
+                                  </p:childTnLst>
+                                </p:cTn>
+                              </p:par>
+                            </p:childTnLst>
+                          </p:cTn>
+                        </p:par>
+                      </p:childTnLst>
+                    </p:cTn>
+                  </p:par>
+                </p:childTnLst>
+              </p:cTn>
+              <p:prevCondLst>
+                <p:cond evt="onPrev" delay="0">
+                  <p:tgtEl>
+                    <p:sldTgt/>
+                  </p:tgtEl>
+                </p:cond>
+              </p:prevCondLst>
+              <p:nextCondLst>
+                <p:cond evt="onNext" delay="0">
+                  <p:tgtEl>
+                    <p:sldTgt/>
+                  </p:tgtEl>
+                </p:cond>
+              </p:nextCondLst>
+            </p:seq>
+          </p:childTnLst>
+        </p:cTn>
+      </p:par>
+    </p:tnLst>
+    <p:bldLst>
+      <p:bldP spid="102" grpId="0" animBg="1"/>
+      <p:bldP spid="261" grpId="0" animBg="1"/>
+      <p:bldP spid="103" grpId="0" animBg="1"/>
+      <p:bldP spid="104" grpId="0" animBg="1"/>
+      <p:bldP spid="105" grpId="0" animBg="1"/>
+      <p:bldP spid="108" grpId="0" animBg="1"/>
+      <p:bldP spid="121" grpId="0" animBg="1"/>
+      <p:bldP spid="124" grpId="0"/>
+      <p:bldP spid="125" grpId="0"/>
+      <p:bldP spid="138" grpId="0" animBg="1"/>
+      <p:bldP spid="139" grpId="0"/>
+      <p:bldP spid="140" grpId="0"/>
+      <p:bldP spid="159" grpId="0" animBg="1"/>
+      <p:bldP spid="163" grpId="0"/>
+      <p:bldP spid="164" grpId="0"/>
+      <p:bldP spid="177" grpId="0" animBg="1"/>
+      <p:bldP spid="188" grpId="0" animBg="1"/>
+      <p:bldP spid="193" grpId="0"/>
+      <p:bldP spid="210" grpId="0" animBg="1"/>
+      <p:bldP spid="212" grpId="0"/>
+      <p:bldP spid="235" grpId="0" animBg="1"/>
+      <p:bldP spid="239" grpId="0"/>
+      <p:bldP spid="240" grpId="0" animBg="1"/>
+      <p:bldP spid="222" grpId="0" animBg="1"/>
+      <p:bldP spid="101" grpId="0" animBg="1"/>
+      <p:bldP spid="263" grpId="0"/>
+      <p:bldP spid="266" grpId="0" animBg="1"/>
+      <p:bldP spid="311" grpId="0" animBg="1"/>
+      <p:bldP spid="314" grpId="0" animBg="1"/>
+      <p:bldP spid="329" grpId="0"/>
+      <p:bldP spid="347" grpId="0"/>
+      <p:bldP spid="399" grpId="0" animBg="1"/>
+      <p:bldP spid="402" grpId="0" animBg="1"/>
+      <p:bldP spid="403" grpId="0" animBg="1"/>
+      <p:bldP spid="412" grpId="0"/>
+    </p:bldLst>
+  </p:timing>
+</p:sld>
+</file>
+
+<file path=ppt/slides/slide5.xml><?xml version="1.0" encoding="utf-8"?>
+<p:sld xmlns:a="http://schemas.openxmlformats.org/drawingml/2006/main" xmlns:r="http://schemas.openxmlformats.org/officeDocument/2006/relationships" xmlns:p="http://schemas.openxmlformats.org/presentationml/2006/main">
+  <p:cSld>
+    <p:spTree>
+      <p:nvGrpSpPr>
+        <p:cNvPr id="1" name=""/>
+        <p:cNvGrpSpPr/>
+        <p:nvPr/>
+      </p:nvGrpSpPr>
+      <p:grpSpPr>
+        <a:xfrm>
+          <a:off x="0" y="0"/>
+          <a:ext cx="0" cy="0"/>
+          <a:chOff x="0" y="0"/>
+          <a:chExt cx="0" cy="0"/>
+        </a:xfrm>
+      </p:grpSpPr>
+      <p:sp>
+        <p:nvSpPr>
+          <p:cNvPr id="4098" name="Title 3"/>
+          <p:cNvSpPr>
+            <a:spLocks noGrp="1"/>
+          </p:cNvSpPr>
+          <p:nvPr>
+            <p:ph type="title"/>
+          </p:nvPr>
+        </p:nvSpPr>
+        <p:spPr>
+          <a:xfrm>
+            <a:off x="917575" y="457200"/>
+            <a:ext cx="7159625" cy="627063"/>
+          </a:xfrm>
+        </p:spPr>
+        <p:txBody>
+          <a:bodyPr/>
+          <a:lstStyle/>
+          <a:p>
+            <a:pPr>
+              <a:defRPr/>
+            </a:pPr>
+            <a:r>
+              <a:rPr lang="nl-NL" altLang="nl-NL" dirty="0" smtClean="0">
+                <a:latin typeface="+mn-lt"/>
+                <a:ea typeface="ＭＳ Ｐゴシック" pitchFamily="34" charset="-128"/>
+              </a:rPr>
+              <a:t>DCF77</a:t>
+            </a:r>
+          </a:p>
+        </p:txBody>
+      </p:sp>
+      <p:sp>
+        <p:nvSpPr>
+          <p:cNvPr id="6" name="Ondertitel 2"/>
+          <p:cNvSpPr txBox="1">
+            <a:spLocks/>
+          </p:cNvSpPr>
+          <p:nvPr/>
+        </p:nvSpPr>
+        <p:spPr bwMode="auto">
+          <a:xfrm>
+            <a:off x="914400" y="1041400"/>
+            <a:ext cx="6781800" cy="474663"/>
+          </a:xfrm>
+          <a:prstGeom prst="rect">
+            <a:avLst/>
+          </a:prstGeom>
+          <a:noFill/>
+          <a:ln w="9525">
+            <a:noFill/>
+            <a:miter lim="800000"/>
+            <a:headEnd/>
+            <a:tailEnd/>
+          </a:ln>
+        </p:spPr>
+        <p:txBody>
+          <a:bodyPr lIns="0" tIns="0" rIns="0" bIns="0"/>
+          <a:lstStyle>
+            <a:lvl1pPr eaLnBrk="0" hangingPunct="0">
+              <a:defRPr sz="2400">
+                <a:solidFill>
+                  <a:schemeClr val="tx1"/>
+                </a:solidFill>
+                <a:latin typeface="Tahoma" charset="0"/>
+                <a:cs typeface="Arial" charset="0"/>
+              </a:defRPr>
+            </a:lvl1pPr>
+            <a:lvl2pPr marL="37931725" indent="-37474525" eaLnBrk="0" hangingPunct="0">
+              <a:defRPr sz="2400">
+                <a:solidFill>
+                  <a:schemeClr val="tx1"/>
+                </a:solidFill>
+                <a:latin typeface="Tahoma" charset="0"/>
+                <a:cs typeface="Arial" charset="0"/>
+              </a:defRPr>
+            </a:lvl2pPr>
+            <a:lvl3pPr eaLnBrk="0" hangingPunct="0">
+              <a:defRPr sz="2400">
+                <a:solidFill>
+                  <a:schemeClr val="tx1"/>
+                </a:solidFill>
+                <a:latin typeface="Tahoma" charset="0"/>
+                <a:cs typeface="Arial" charset="0"/>
+              </a:defRPr>
+            </a:lvl3pPr>
+            <a:lvl4pPr eaLnBrk="0" hangingPunct="0">
+              <a:defRPr sz="2400">
+                <a:solidFill>
+                  <a:schemeClr val="tx1"/>
+                </a:solidFill>
+                <a:latin typeface="Tahoma" charset="0"/>
+                <a:cs typeface="Arial" charset="0"/>
+              </a:defRPr>
+            </a:lvl4pPr>
+            <a:lvl5pPr eaLnBrk="0" hangingPunct="0">
+              <a:defRPr sz="2400">
+                <a:solidFill>
+                  <a:schemeClr val="tx1"/>
+                </a:solidFill>
+                <a:latin typeface="Tahoma" charset="0"/>
+                <a:cs typeface="Arial" charset="0"/>
+              </a:defRPr>
+            </a:lvl5pPr>
+            <a:lvl6pPr marL="457200" eaLnBrk="0" fontAlgn="base" hangingPunct="0">
+              <a:spcBef>
+                <a:spcPct val="0"/>
+              </a:spcBef>
+              <a:spcAft>
+                <a:spcPct val="0"/>
+              </a:spcAft>
+              <a:defRPr sz="2400">
+                <a:solidFill>
+                  <a:schemeClr val="tx1"/>
+                </a:solidFill>
+                <a:latin typeface="Tahoma" charset="0"/>
+                <a:cs typeface="Arial" charset="0"/>
+              </a:defRPr>
+            </a:lvl6pPr>
+            <a:lvl7pPr marL="914400" eaLnBrk="0" fontAlgn="base" hangingPunct="0">
+              <a:spcBef>
+                <a:spcPct val="0"/>
+              </a:spcBef>
+              <a:spcAft>
+                <a:spcPct val="0"/>
+              </a:spcAft>
+              <a:defRPr sz="2400">
+                <a:solidFill>
+                  <a:schemeClr val="tx1"/>
+                </a:solidFill>
+                <a:latin typeface="Tahoma" charset="0"/>
+                <a:cs typeface="Arial" charset="0"/>
+              </a:defRPr>
+            </a:lvl7pPr>
+            <a:lvl8pPr marL="1371600" eaLnBrk="0" fontAlgn="base" hangingPunct="0">
+              <a:spcBef>
+                <a:spcPct val="0"/>
+              </a:spcBef>
+              <a:spcAft>
+                <a:spcPct val="0"/>
+              </a:spcAft>
+              <a:defRPr sz="2400">
+                <a:solidFill>
+                  <a:schemeClr val="tx1"/>
+                </a:solidFill>
+                <a:latin typeface="Tahoma" charset="0"/>
+                <a:cs typeface="Arial" charset="0"/>
+              </a:defRPr>
+            </a:lvl8pPr>
+            <a:lvl9pPr marL="1828800" eaLnBrk="0" fontAlgn="base" hangingPunct="0">
+              <a:spcBef>
+                <a:spcPct val="0"/>
+              </a:spcBef>
+              <a:spcAft>
+                <a:spcPct val="0"/>
+              </a:spcAft>
+              <a:defRPr sz="2400">
+                <a:solidFill>
+                  <a:schemeClr val="tx1"/>
+                </a:solidFill>
+                <a:latin typeface="Tahoma" charset="0"/>
+                <a:cs typeface="Arial" charset="0"/>
+              </a:defRPr>
+            </a:lvl9pPr>
+          </a:lstStyle>
+          <a:p>
+            <a:pPr algn="l">
+              <a:lnSpc>
+                <a:spcPts val="2500"/>
+              </a:lnSpc>
+              <a:buClr>
+                <a:srgbClr val="00A6D6"/>
+              </a:buClr>
+              <a:defRPr/>
+            </a:pPr>
+            <a:r>
+              <a:rPr lang="nl-NL" altLang="nl-NL" sz="2000" dirty="0" smtClean="0">
+                <a:solidFill>
+                  <a:srgbClr val="00A6D6"/>
+                </a:solidFill>
+                <a:latin typeface="+mn-lt"/>
+                <a:ea typeface="ＭＳ Ｐゴシック" charset="-128"/>
+              </a:rPr>
+              <a:t>Testen</a:t>
+            </a:r>
+          </a:p>
+        </p:txBody>
+      </p:sp>
+      <p:pic>
+        <p:nvPicPr>
+          <p:cNvPr id="4" name="Afbeelding 3"/>
+          <p:cNvPicPr>
+            <a:picLocks noChangeAspect="1"/>
+          </p:cNvPicPr>
+          <p:nvPr/>
+        </p:nvPicPr>
+        <p:blipFill>
+          <a:blip r:embed="rId2">
+            <a:extLst>
+              <a:ext uri="{28A0092B-C50C-407E-A947-70E740481C1C}">
+                <a14:useLocalDpi xmlns:a14="http://schemas.microsoft.com/office/drawing/2010/main" val="0"/>
+              </a:ext>
+            </a:extLst>
+          </a:blip>
+          <a:stretch>
+            <a:fillRect/>
+          </a:stretch>
+        </p:blipFill>
+        <p:spPr>
+          <a:xfrm>
+            <a:off x="990714" y="2488486"/>
+            <a:ext cx="7300593" cy="2088061"/>
+          </a:xfrm>
+          <a:prstGeom prst="rect">
+            <a:avLst/>
+          </a:prstGeom>
+        </p:spPr>
+      </p:pic>
+      <p:sp>
+        <p:nvSpPr>
+          <p:cNvPr id="2" name="Tekstvak 1"/>
+          <p:cNvSpPr txBox="1"/>
+          <p:nvPr/>
+        </p:nvSpPr>
+        <p:spPr>
+          <a:xfrm>
+            <a:off x="1001987" y="4576547"/>
+            <a:ext cx="7289320" cy="261610"/>
+          </a:xfrm>
+          <a:prstGeom prst="rect">
+            <a:avLst/>
+          </a:prstGeom>
+          <a:noFill/>
+        </p:spPr>
+        <p:txBody>
+          <a:bodyPr wrap="square" rtlCol="0">
+            <a:spAutoFit/>
+          </a:bodyPr>
+          <a:lstStyle/>
+          <a:p>
+            <a:r>
+              <a:rPr lang="nl-NL" sz="1050" i="1" dirty="0" smtClean="0"/>
+              <a:t>De in het DCF signaal van de testbench gecodeerde datum &amp; tijdstempel is in dit geval: maandag 08-12-2014, 11:48  </a:t>
+            </a:r>
+            <a:endParaRPr lang="nl-NL" sz="1050" i="1" dirty="0"/>
+          </a:p>
+        </p:txBody>
+      </p:sp>
+    </p:spTree>
+    <p:extLst>
+      <p:ext uri="{BB962C8B-B14F-4D97-AF65-F5344CB8AC3E}">
+        <p14:creationId xmlns:p14="http://schemas.microsoft.com/office/powerpoint/2010/main" val="488364077"/>
+      </p:ext>
+    </p:extLst>
+  </p:cSld>
+  <p:clrMapOvr>
+    <a:masterClrMapping/>
+  </p:clrMapOvr>
+  <p:timing>
+    <p:tnLst>
+      <p:par>
+        <p:cTn id="1" dur="indefinite" restart="never" nodeType="tmRoot"/>
+      </p:par>
+    </p:tnLst>
+  </p:timing>
+</p:sld>
+</file>
+
+<file path=ppt/slides/slide6.xml><?xml version="1.0" encoding="utf-8"?>
+<p:sld xmlns:a="http://schemas.openxmlformats.org/drawingml/2006/main" xmlns:r="http://schemas.openxmlformats.org/officeDocument/2006/relationships" xmlns:p="http://schemas.openxmlformats.org/presentationml/2006/main">
+  <p:cSld>
+    <p:spTree>
+      <p:nvGrpSpPr>
+        <p:cNvPr id="1" name=""/>
+        <p:cNvGrpSpPr/>
+        <p:nvPr/>
+      </p:nvGrpSpPr>
+      <p:grpSpPr>
+        <a:xfrm>
+          <a:off x="0" y="0"/>
+          <a:ext cx="0" cy="0"/>
+          <a:chOff x="0" y="0"/>
+          <a:chExt cx="0" cy="0"/>
+        </a:xfrm>
+      </p:grpSpPr>
+      <p:sp>
+        <p:nvSpPr>
+          <p:cNvPr id="2" name="Titel 1"/>
+          <p:cNvSpPr>
+            <a:spLocks noGrp="1"/>
+          </p:cNvSpPr>
+          <p:nvPr>
+            <p:ph type="title"/>
+          </p:nvPr>
+        </p:nvSpPr>
+        <p:spPr/>
+        <p:txBody>
+          <a:bodyPr/>
+          <a:lstStyle/>
+          <a:p>
+            <a:r>
+              <a:rPr lang="nl-NL" dirty="0" smtClean="0"/>
+              <a:t>Alarm module</a:t>
+            </a:r>
+            <a:endParaRPr lang="nl-NL" dirty="0"/>
+          </a:p>
+        </p:txBody>
+      </p:sp>
+    </p:spTree>
+    <p:extLst>
+      <p:ext uri="{BB962C8B-B14F-4D97-AF65-F5344CB8AC3E}">
+        <p14:creationId xmlns:p14="http://schemas.microsoft.com/office/powerpoint/2010/main" val="1580779184"/>
+      </p:ext>
+    </p:extLst>
+  </p:cSld>
+  <p:clrMapOvr>
+    <a:masterClrMapping/>
+  </p:clrMapOvr>
+</p:sld>
+</file>
+
+<file path=ppt/slides/slide7.xml><?xml version="1.0" encoding="utf-8"?>
+<p:sld xmlns:a="http://schemas.openxmlformats.org/drawingml/2006/main" xmlns:r="http://schemas.openxmlformats.org/officeDocument/2006/relationships" xmlns:p="http://schemas.openxmlformats.org/presentationml/2006/main">
+  <p:cSld>
+    <p:spTree>
+      <p:nvGrpSpPr>
+        <p:cNvPr id="1" name=""/>
+        <p:cNvGrpSpPr/>
+        <p:nvPr/>
+      </p:nvGrpSpPr>
+      <p:grpSpPr>
+        <a:xfrm>
+          <a:off x="0" y="0"/>
+          <a:ext cx="0" cy="0"/>
+          <a:chOff x="0" y="0"/>
+          <a:chExt cx="0" cy="0"/>
+        </a:xfrm>
+      </p:grpSpPr>
+      <p:sp>
+        <p:nvSpPr>
+          <p:cNvPr id="2" name="Titel 1"/>
+          <p:cNvSpPr>
+            <a:spLocks noGrp="1"/>
+          </p:cNvSpPr>
+          <p:nvPr>
+            <p:ph type="title"/>
+          </p:nvPr>
+        </p:nvSpPr>
+        <p:spPr/>
+        <p:txBody>
+          <a:bodyPr/>
+          <a:lstStyle/>
+          <a:p>
+            <a:r>
+              <a:rPr lang="nl-NL" dirty="0" smtClean="0">
+                <a:latin typeface="+mn-lt"/>
+              </a:rPr>
+              <a:t>Totaal</a:t>
+            </a:r>
+            <a:endParaRPr lang="nl-NL" dirty="0">
+              <a:latin typeface="+mn-lt"/>
+            </a:endParaRPr>
+          </a:p>
+        </p:txBody>
+      </p:sp>
+      <p:pic>
+        <p:nvPicPr>
+          <p:cNvPr id="6" name="Tijdelijke aanduiding voor inhoud 5"/>
+          <p:cNvPicPr>
+            <a:picLocks noGrp="1" noChangeAspect="1"/>
+          </p:cNvPicPr>
+          <p:nvPr>
+            <p:ph idx="1"/>
+          </p:nvPr>
+        </p:nvPicPr>
+        <p:blipFill>
+          <a:blip r:embed="rId2">
+            <a:extLst>
+              <a:ext uri="{28A0092B-C50C-407E-A947-70E740481C1C}">
+                <a14:useLocalDpi xmlns:a14="http://schemas.microsoft.com/office/drawing/2010/main" val="0"/>
+              </a:ext>
+            </a:extLst>
+          </a:blip>
+          <a:stretch>
+            <a:fillRect/>
+          </a:stretch>
+        </p:blipFill>
+        <p:spPr>
+          <a:xfrm>
+            <a:off x="153448" y="2238233"/>
+            <a:ext cx="8990552" cy="3745381"/>
+          </a:xfrm>
+        </p:spPr>
+      </p:pic>
+    </p:spTree>
+    <p:extLst>
+      <p:ext uri="{BB962C8B-B14F-4D97-AF65-F5344CB8AC3E}">
+        <p14:creationId xmlns:p14="http://schemas.microsoft.com/office/powerpoint/2010/main" val="2638307415"/>
+      </p:ext>
+    </p:extLst>
+  </p:cSld>
+  <p:clrMapOvr>
+    <a:masterClrMapping/>
+  </p:clrMapOvr>
+  <p:timing>
+    <p:tnLst>
+      <p:par>
+        <p:cTn id="1" dur="indefinite" restart="never" nodeType="tmRoot"/>
+      </p:par>
+    </p:tnLst>
+  </p:timing>
+</p:sld>
+</file>
+
+<file path=ppt/slides/slide8.xml><?xml version="1.0" encoding="utf-8"?>
+<p:sld xmlns:a="http://schemas.openxmlformats.org/drawingml/2006/main" xmlns:r="http://schemas.openxmlformats.org/officeDocument/2006/relationships" xmlns:p="http://schemas.openxmlformats.org/presentationml/2006/main">
+  <p:cSld>
+    <p:spTree>
+      <p:nvGrpSpPr>
+        <p:cNvPr id="1" name=""/>
+        <p:cNvGrpSpPr/>
+        <p:nvPr/>
+      </p:nvGrpSpPr>
+      <p:grpSpPr>
+        <a:xfrm>
+          <a:off x="0" y="0"/>
+          <a:ext cx="0" cy="0"/>
+          <a:chOff x="0" y="0"/>
+          <a:chExt cx="0" cy="0"/>
+        </a:xfrm>
+      </p:grpSpPr>
+      <p:sp>
+        <p:nvSpPr>
+          <p:cNvPr id="4098" name="Title 3"/>
+          <p:cNvSpPr>
+            <a:spLocks noGrp="1"/>
+          </p:cNvSpPr>
+          <p:nvPr>
+            <p:ph type="title"/>
+          </p:nvPr>
+        </p:nvSpPr>
+        <p:spPr>
+          <a:xfrm>
+            <a:off x="917575" y="457200"/>
+            <a:ext cx="7159625" cy="627063"/>
+          </a:xfrm>
+        </p:spPr>
+        <p:txBody>
+          <a:bodyPr/>
+          <a:lstStyle/>
+          <a:p>
+            <a:pPr>
+              <a:defRPr/>
+            </a:pPr>
+            <a:r>
+              <a:rPr lang="nl-NL" altLang="nl-NL" dirty="0" smtClean="0">
+                <a:latin typeface="+mn-lt"/>
+                <a:ea typeface="ＭＳ Ｐゴシック" pitchFamily="34" charset="-128"/>
+              </a:rPr>
+              <a:t>FSM</a:t>
+            </a:r>
+          </a:p>
+        </p:txBody>
+      </p:sp>
+      <p:pic>
+        <p:nvPicPr>
+          <p:cNvPr id="2" name="Tijdelijke aanduiding voor inhoud 1"/>
+          <p:cNvPicPr>
+            <a:picLocks noGrp="1" noChangeAspect="1"/>
+          </p:cNvPicPr>
+          <p:nvPr>
+            <p:ph idx="1"/>
+          </p:nvPr>
+        </p:nvPicPr>
+        <p:blipFill>
+          <a:blip r:embed="rId2">
+            <a:extLst>
+              <a:ext uri="{28A0092B-C50C-407E-A947-70E740481C1C}">
+                <a14:useLocalDpi xmlns:a14="http://schemas.microsoft.com/office/drawing/2010/main" val="0"/>
+              </a:ext>
+            </a:extLst>
+          </a:blip>
+          <a:stretch>
+            <a:fillRect/>
+          </a:stretch>
+        </p:blipFill>
+        <p:spPr>
+          <a:xfrm>
+            <a:off x="532263" y="1316251"/>
+            <a:ext cx="7789246" cy="4646400"/>
+          </a:xfrm>
+        </p:spPr>
+      </p:pic>
+      <p:sp>
+        <p:nvSpPr>
+          <p:cNvPr id="6" name="Ondertitel 2"/>
+          <p:cNvSpPr txBox="1">
+            <a:spLocks/>
+          </p:cNvSpPr>
+          <p:nvPr/>
+        </p:nvSpPr>
+        <p:spPr bwMode="auto">
+          <a:xfrm>
+            <a:off x="914400" y="1041400"/>
+            <a:ext cx="6781800" cy="474663"/>
+          </a:xfrm>
+          <a:prstGeom prst="rect">
+            <a:avLst/>
+          </a:prstGeom>
+          <a:noFill/>
+          <a:ln w="9525">
+            <a:noFill/>
+            <a:miter lim="800000"/>
+            <a:headEnd/>
+            <a:tailEnd/>
+          </a:ln>
+        </p:spPr>
+        <p:txBody>
+          <a:bodyPr lIns="0" tIns="0" rIns="0" bIns="0"/>
+          <a:lstStyle>
+            <a:lvl1pPr eaLnBrk="0" hangingPunct="0">
+              <a:defRPr sz="2400">
+                <a:solidFill>
+                  <a:schemeClr val="tx1"/>
+                </a:solidFill>
+                <a:latin typeface="Tahoma" charset="0"/>
+                <a:cs typeface="Arial" charset="0"/>
+              </a:defRPr>
+            </a:lvl1pPr>
+            <a:lvl2pPr marL="37931725" indent="-37474525" eaLnBrk="0" hangingPunct="0">
+              <a:defRPr sz="2400">
+                <a:solidFill>
+                  <a:schemeClr val="tx1"/>
+                </a:solidFill>
+                <a:latin typeface="Tahoma" charset="0"/>
+                <a:cs typeface="Arial" charset="0"/>
+              </a:defRPr>
+            </a:lvl2pPr>
+            <a:lvl3pPr eaLnBrk="0" hangingPunct="0">
+              <a:defRPr sz="2400">
+                <a:solidFill>
+                  <a:schemeClr val="tx1"/>
+                </a:solidFill>
+                <a:latin typeface="Tahoma" charset="0"/>
+                <a:cs typeface="Arial" charset="0"/>
+              </a:defRPr>
+            </a:lvl3pPr>
+            <a:lvl4pPr eaLnBrk="0" hangingPunct="0">
+              <a:defRPr sz="2400">
+                <a:solidFill>
+                  <a:schemeClr val="tx1"/>
+                </a:solidFill>
+                <a:latin typeface="Tahoma" charset="0"/>
+                <a:cs typeface="Arial" charset="0"/>
+              </a:defRPr>
+            </a:lvl4pPr>
+            <a:lvl5pPr eaLnBrk="0" hangingPunct="0">
+              <a:defRPr sz="2400">
+                <a:solidFill>
+                  <a:schemeClr val="tx1"/>
+                </a:solidFill>
+                <a:latin typeface="Tahoma" charset="0"/>
+                <a:cs typeface="Arial" charset="0"/>
+              </a:defRPr>
+            </a:lvl5pPr>
+            <a:lvl6pPr marL="457200" eaLnBrk="0" fontAlgn="base" hangingPunct="0">
+              <a:spcBef>
+                <a:spcPct val="0"/>
+              </a:spcBef>
+              <a:spcAft>
+                <a:spcPct val="0"/>
+              </a:spcAft>
+              <a:defRPr sz="2400">
+                <a:solidFill>
+                  <a:schemeClr val="tx1"/>
+                </a:solidFill>
+                <a:latin typeface="Tahoma" charset="0"/>
+                <a:cs typeface="Arial" charset="0"/>
+              </a:defRPr>
+            </a:lvl6pPr>
+            <a:lvl7pPr marL="914400" eaLnBrk="0" fontAlgn="base" hangingPunct="0">
+              <a:spcBef>
+                <a:spcPct val="0"/>
+              </a:spcBef>
+              <a:spcAft>
+                <a:spcPct val="0"/>
+              </a:spcAft>
+              <a:defRPr sz="2400">
+                <a:solidFill>
+                  <a:schemeClr val="tx1"/>
+                </a:solidFill>
+                <a:latin typeface="Tahoma" charset="0"/>
+                <a:cs typeface="Arial" charset="0"/>
+              </a:defRPr>
+            </a:lvl7pPr>
+            <a:lvl8pPr marL="1371600" eaLnBrk="0" fontAlgn="base" hangingPunct="0">
+              <a:spcBef>
+                <a:spcPct val="0"/>
+              </a:spcBef>
+              <a:spcAft>
+                <a:spcPct val="0"/>
+              </a:spcAft>
+              <a:defRPr sz="2400">
+                <a:solidFill>
+                  <a:schemeClr val="tx1"/>
+                </a:solidFill>
+                <a:latin typeface="Tahoma" charset="0"/>
+                <a:cs typeface="Arial" charset="0"/>
+              </a:defRPr>
+            </a:lvl8pPr>
+            <a:lvl9pPr marL="1828800" eaLnBrk="0" fontAlgn="base" hangingPunct="0">
+              <a:spcBef>
+                <a:spcPct val="0"/>
+              </a:spcBef>
+              <a:spcAft>
+                <a:spcPct val="0"/>
+              </a:spcAft>
+              <a:defRPr sz="2400">
+                <a:solidFill>
+                  <a:schemeClr val="tx1"/>
+                </a:solidFill>
+                <a:latin typeface="Tahoma" charset="0"/>
+                <a:cs typeface="Arial" charset="0"/>
+              </a:defRPr>
+            </a:lvl9pPr>
+          </a:lstStyle>
+          <a:p>
+            <a:pPr algn="l">
+              <a:lnSpc>
+                <a:spcPts val="2500"/>
+              </a:lnSpc>
+              <a:buClr>
+                <a:srgbClr val="00A6D6"/>
+              </a:buClr>
+              <a:defRPr/>
+            </a:pPr>
+            <a:endParaRPr lang="nl-NL" altLang="nl-NL" sz="2000" dirty="0" smtClean="0">
+              <a:solidFill>
+                <a:srgbClr val="00A6D6"/>
+              </a:solidFill>
+              <a:latin typeface="+mn-lt"/>
+              <a:ea typeface="ＭＳ Ｐゴシック" charset="-128"/>
+            </a:endParaRPr>
+          </a:p>
+        </p:txBody>
+      </p:sp>
+    </p:spTree>
+    <p:extLst>
+      <p:ext uri="{BB962C8B-B14F-4D97-AF65-F5344CB8AC3E}">
+        <p14:creationId xmlns:p14="http://schemas.microsoft.com/office/powerpoint/2010/main" val="205514984"/>
+      </p:ext>
+    </p:extLst>
+  </p:cSld>
+  <p:clrMapOvr>
+    <a:masterClrMapping/>
+  </p:clrMapOvr>
+  <p:timing>
+    <p:tnLst>
+      <p:par>
+        <p:cTn id="1" dur="indefinite" restart="never" nodeType="tmRoot"/>
+      </p:par>
+    </p:tnLst>
+  </p:timing>
+</p:sld>
+</file>
+
+<file path=ppt/slides/slide9.xml><?xml version="1.0" encoding="utf-8"?>
+<p:sld xmlns:a="http://schemas.openxmlformats.org/drawingml/2006/main" xmlns:r="http://schemas.openxmlformats.org/officeDocument/2006/relationships" xmlns:p="http://schemas.openxmlformats.org/presentationml/2006/main">
+  <p:cSld>
+    <p:spTree>
+      <p:nvGrpSpPr>
+        <p:cNvPr id="1" name=""/>
+        <p:cNvGrpSpPr/>
+        <p:nvPr/>
+      </p:nvGrpSpPr>
+      <p:grpSpPr>
+        <a:xfrm>
+          <a:off x="0" y="0"/>
+          <a:ext cx="0" cy="0"/>
+          <a:chOff x="0" y="0"/>
+          <a:chExt cx="0" cy="0"/>
+        </a:xfrm>
+      </p:grpSpPr>
+      <p:sp>
+        <p:nvSpPr>
+          <p:cNvPr id="2" name="Titel 1"/>
+          <p:cNvSpPr>
+            <a:spLocks noGrp="1"/>
+          </p:cNvSpPr>
+          <p:nvPr>
+            <p:ph type="title"/>
+          </p:nvPr>
+        </p:nvSpPr>
+        <p:spPr/>
+        <p:txBody>
+          <a:bodyPr/>
+          <a:lstStyle/>
+          <a:p>
+            <a:r>
+              <a:rPr lang="nl-NL" dirty="0" smtClean="0">
+                <a:latin typeface="+mn-lt"/>
+              </a:rPr>
+              <a:t>FSM</a:t>
+            </a:r>
+            <a:endParaRPr lang="nl-NL" dirty="0">
+              <a:latin typeface="+mn-lt"/>
+            </a:endParaRPr>
+          </a:p>
+        </p:txBody>
+      </p:sp>
+      <p:pic>
+        <p:nvPicPr>
+          <p:cNvPr id="4" name="Tijdelijke aanduiding voor inhoud 3"/>
+          <p:cNvPicPr>
+            <a:picLocks noGrp="1" noChangeAspect="1"/>
+          </p:cNvPicPr>
+          <p:nvPr>
+            <p:ph idx="1"/>
+          </p:nvPr>
+        </p:nvPicPr>
+        <p:blipFill>
+          <a:blip r:embed="rId2">
+            <a:extLst>
+              <a:ext uri="{28A0092B-C50C-407E-A947-70E740481C1C}">
+                <a14:useLocalDpi xmlns:a14="http://schemas.microsoft.com/office/drawing/2010/main" val="0"/>
+              </a:ext>
+            </a:extLst>
+          </a:blip>
+          <a:stretch>
+            <a:fillRect/>
+          </a:stretch>
+        </p:blipFill>
+        <p:spPr>
+          <a:xfrm>
+            <a:off x="917575" y="1310185"/>
+            <a:ext cx="7154574" cy="4403832"/>
+          </a:xfrm>
+        </p:spPr>
+      </p:pic>
+    </p:spTree>
+    <p:extLst>
+      <p:ext uri="{BB962C8B-B14F-4D97-AF65-F5344CB8AC3E}">
+        <p14:creationId xmlns:p14="http://schemas.microsoft.com/office/powerpoint/2010/main" val="877790804"/>
       </p:ext>
     </p:extLst>
   </p:cSld>

--- a/Presentatie/Presentatie groep A1.pptx
+++ b/Presentatie/Presentatie groep A1.pptx
@@ -5,10 +5,10 @@
     <p:sldMasterId id="2147483649" r:id="rId1"/>
   </p:sldMasterIdLst>
   <p:notesMasterIdLst>
-    <p:notesMasterId r:id="rId12"/>
+    <p:notesMasterId r:id="rId23"/>
   </p:notesMasterIdLst>
   <p:handoutMasterIdLst>
-    <p:handoutMasterId r:id="rId13"/>
+    <p:handoutMasterId r:id="rId24"/>
   </p:handoutMasterIdLst>
   <p:sldIdLst>
     <p:sldId id="382" r:id="rId2"/>
@@ -16,11 +16,22 @@
     <p:sldId id="384" r:id="rId4"/>
     <p:sldId id="385" r:id="rId5"/>
     <p:sldId id="386" r:id="rId6"/>
-    <p:sldId id="387" r:id="rId7"/>
-    <p:sldId id="388" r:id="rId8"/>
-    <p:sldId id="389" r:id="rId9"/>
-    <p:sldId id="390" r:id="rId10"/>
-    <p:sldId id="391" r:id="rId11"/>
+    <p:sldId id="392" r:id="rId7"/>
+    <p:sldId id="393" r:id="rId8"/>
+    <p:sldId id="394" r:id="rId9"/>
+    <p:sldId id="395" r:id="rId10"/>
+    <p:sldId id="396" r:id="rId11"/>
+    <p:sldId id="387" r:id="rId12"/>
+    <p:sldId id="403" r:id="rId13"/>
+    <p:sldId id="404" r:id="rId14"/>
+    <p:sldId id="405" r:id="rId15"/>
+    <p:sldId id="406" r:id="rId16"/>
+    <p:sldId id="397" r:id="rId17"/>
+    <p:sldId id="398" r:id="rId18"/>
+    <p:sldId id="399" r:id="rId19"/>
+    <p:sldId id="400" r:id="rId20"/>
+    <p:sldId id="401" r:id="rId21"/>
+    <p:sldId id="402" r:id="rId22"/>
   </p:sldIdLst>
   <p:sldSz cx="9144000" cy="6858000" type="screen4x3"/>
   <p:notesSz cx="6794500" cy="9931400"/>
@@ -5298,6 +5309,319 @@
       </p:grpSpPr>
       <p:sp>
         <p:nvSpPr>
+          <p:cNvPr id="4098" name="Title 3"/>
+          <p:cNvSpPr>
+            <a:spLocks noGrp="1"/>
+          </p:cNvSpPr>
+          <p:nvPr>
+            <p:ph type="title"/>
+          </p:nvPr>
+        </p:nvSpPr>
+        <p:spPr>
+          <a:xfrm>
+            <a:off x="917575" y="457200"/>
+            <a:ext cx="7159625" cy="627063"/>
+          </a:xfrm>
+        </p:spPr>
+        <p:txBody>
+          <a:bodyPr/>
+          <a:lstStyle/>
+          <a:p>
+            <a:pPr>
+              <a:defRPr/>
+            </a:pPr>
+            <a:r>
+              <a:rPr lang="nl-NL" altLang="nl-NL" dirty="0" err="1" smtClean="0">
+                <a:latin typeface="+mn-lt"/>
+                <a:ea typeface="ＭＳ Ｐゴシック" pitchFamily="34" charset="-128"/>
+              </a:rPr>
+              <a:t>Main</a:t>
+            </a:r>
+            <a:r>
+              <a:rPr lang="nl-NL" altLang="nl-NL" dirty="0" smtClean="0">
+                <a:latin typeface="+mn-lt"/>
+                <a:ea typeface="ＭＳ Ｐゴシック" pitchFamily="34" charset="-128"/>
+              </a:rPr>
+              <a:t> controller</a:t>
+            </a:r>
+            <a:endParaRPr lang="nl-NL" altLang="nl-NL" dirty="0" smtClean="0">
+              <a:latin typeface="+mn-lt"/>
+              <a:ea typeface="ＭＳ Ｐゴシック" pitchFamily="34" charset="-128"/>
+            </a:endParaRPr>
+          </a:p>
+        </p:txBody>
+      </p:sp>
+      <p:sp>
+        <p:nvSpPr>
+          <p:cNvPr id="6" name="Ondertitel 2"/>
+          <p:cNvSpPr txBox="1">
+            <a:spLocks/>
+          </p:cNvSpPr>
+          <p:nvPr/>
+        </p:nvSpPr>
+        <p:spPr bwMode="auto">
+          <a:xfrm>
+            <a:off x="914400" y="1041400"/>
+            <a:ext cx="6781800" cy="474663"/>
+          </a:xfrm>
+          <a:prstGeom prst="rect">
+            <a:avLst/>
+          </a:prstGeom>
+          <a:noFill/>
+          <a:ln w="9525">
+            <a:noFill/>
+            <a:miter lim="800000"/>
+            <a:headEnd/>
+            <a:tailEnd/>
+          </a:ln>
+        </p:spPr>
+        <p:txBody>
+          <a:bodyPr lIns="0" tIns="0" rIns="0" bIns="0"/>
+          <a:lstStyle>
+            <a:lvl1pPr eaLnBrk="0" hangingPunct="0">
+              <a:defRPr sz="2400">
+                <a:solidFill>
+                  <a:schemeClr val="tx1"/>
+                </a:solidFill>
+                <a:latin typeface="Tahoma" charset="0"/>
+                <a:cs typeface="Arial" charset="0"/>
+              </a:defRPr>
+            </a:lvl1pPr>
+            <a:lvl2pPr marL="37931725" indent="-37474525" eaLnBrk="0" hangingPunct="0">
+              <a:defRPr sz="2400">
+                <a:solidFill>
+                  <a:schemeClr val="tx1"/>
+                </a:solidFill>
+                <a:latin typeface="Tahoma" charset="0"/>
+                <a:cs typeface="Arial" charset="0"/>
+              </a:defRPr>
+            </a:lvl2pPr>
+            <a:lvl3pPr eaLnBrk="0" hangingPunct="0">
+              <a:defRPr sz="2400">
+                <a:solidFill>
+                  <a:schemeClr val="tx1"/>
+                </a:solidFill>
+                <a:latin typeface="Tahoma" charset="0"/>
+                <a:cs typeface="Arial" charset="0"/>
+              </a:defRPr>
+            </a:lvl3pPr>
+            <a:lvl4pPr eaLnBrk="0" hangingPunct="0">
+              <a:defRPr sz="2400">
+                <a:solidFill>
+                  <a:schemeClr val="tx1"/>
+                </a:solidFill>
+                <a:latin typeface="Tahoma" charset="0"/>
+                <a:cs typeface="Arial" charset="0"/>
+              </a:defRPr>
+            </a:lvl4pPr>
+            <a:lvl5pPr eaLnBrk="0" hangingPunct="0">
+              <a:defRPr sz="2400">
+                <a:solidFill>
+                  <a:schemeClr val="tx1"/>
+                </a:solidFill>
+                <a:latin typeface="Tahoma" charset="0"/>
+                <a:cs typeface="Arial" charset="0"/>
+              </a:defRPr>
+            </a:lvl5pPr>
+            <a:lvl6pPr marL="457200" eaLnBrk="0" fontAlgn="base" hangingPunct="0">
+              <a:spcBef>
+                <a:spcPct val="0"/>
+              </a:spcBef>
+              <a:spcAft>
+                <a:spcPct val="0"/>
+              </a:spcAft>
+              <a:defRPr sz="2400">
+                <a:solidFill>
+                  <a:schemeClr val="tx1"/>
+                </a:solidFill>
+                <a:latin typeface="Tahoma" charset="0"/>
+                <a:cs typeface="Arial" charset="0"/>
+              </a:defRPr>
+            </a:lvl6pPr>
+            <a:lvl7pPr marL="914400" eaLnBrk="0" fontAlgn="base" hangingPunct="0">
+              <a:spcBef>
+                <a:spcPct val="0"/>
+              </a:spcBef>
+              <a:spcAft>
+                <a:spcPct val="0"/>
+              </a:spcAft>
+              <a:defRPr sz="2400">
+                <a:solidFill>
+                  <a:schemeClr val="tx1"/>
+                </a:solidFill>
+                <a:latin typeface="Tahoma" charset="0"/>
+                <a:cs typeface="Arial" charset="0"/>
+              </a:defRPr>
+            </a:lvl7pPr>
+            <a:lvl8pPr marL="1371600" eaLnBrk="0" fontAlgn="base" hangingPunct="0">
+              <a:spcBef>
+                <a:spcPct val="0"/>
+              </a:spcBef>
+              <a:spcAft>
+                <a:spcPct val="0"/>
+              </a:spcAft>
+              <a:defRPr sz="2400">
+                <a:solidFill>
+                  <a:schemeClr val="tx1"/>
+                </a:solidFill>
+                <a:latin typeface="Tahoma" charset="0"/>
+                <a:cs typeface="Arial" charset="0"/>
+              </a:defRPr>
+            </a:lvl8pPr>
+            <a:lvl9pPr marL="1828800" eaLnBrk="0" fontAlgn="base" hangingPunct="0">
+              <a:spcBef>
+                <a:spcPct val="0"/>
+              </a:spcBef>
+              <a:spcAft>
+                <a:spcPct val="0"/>
+              </a:spcAft>
+              <a:defRPr sz="2400">
+                <a:solidFill>
+                  <a:schemeClr val="tx1"/>
+                </a:solidFill>
+                <a:latin typeface="Tahoma" charset="0"/>
+                <a:cs typeface="Arial" charset="0"/>
+              </a:defRPr>
+            </a:lvl9pPr>
+          </a:lstStyle>
+          <a:p>
+            <a:pPr algn="l">
+              <a:lnSpc>
+                <a:spcPts val="2500"/>
+              </a:lnSpc>
+              <a:buClr>
+                <a:srgbClr val="00A6D6"/>
+              </a:buClr>
+              <a:defRPr/>
+            </a:pPr>
+            <a:r>
+              <a:rPr lang="nl-NL" altLang="nl-NL" sz="2000" dirty="0" smtClean="0">
+                <a:solidFill>
+                  <a:srgbClr val="00A6D6"/>
+                </a:solidFill>
+                <a:latin typeface="+mn-lt"/>
+                <a:ea typeface="ＭＳ Ｐゴシック" charset="-128"/>
+              </a:rPr>
+              <a:t>Menu</a:t>
+            </a:r>
+            <a:endParaRPr lang="nl-NL" altLang="nl-NL" sz="2000" dirty="0" smtClean="0">
+              <a:solidFill>
+                <a:srgbClr val="00A6D6"/>
+              </a:solidFill>
+              <a:latin typeface="+mn-lt"/>
+              <a:ea typeface="ＭＳ Ｐゴシック" charset="-128"/>
+            </a:endParaRPr>
+          </a:p>
+        </p:txBody>
+      </p:sp>
+      <p:sp>
+        <p:nvSpPr>
+          <p:cNvPr id="8" name="Content Placeholder 4"/>
+          <p:cNvSpPr>
+            <a:spLocks noGrp="1"/>
+          </p:cNvSpPr>
+          <p:nvPr>
+            <p:ph idx="1"/>
+          </p:nvPr>
+        </p:nvSpPr>
+        <p:spPr/>
+        <p:txBody>
+          <a:bodyPr/>
+          <a:lstStyle/>
+          <a:p>
+            <a:r>
+              <a:rPr lang="nl-NL" altLang="nl-NL" dirty="0">
+                <a:ea typeface="Tahoma"/>
+                <a:cs typeface="Tahoma"/>
+              </a:rPr>
+              <a:t>Gebruiksvriendelijk</a:t>
+            </a:r>
+          </a:p>
+          <a:p>
+            <a:r>
+              <a:rPr lang="nl-NL" altLang="nl-NL" dirty="0" smtClean="0">
+                <a:ea typeface="Tahoma"/>
+                <a:cs typeface="Tahoma"/>
+              </a:rPr>
+              <a:t>FSM</a:t>
+            </a:r>
+            <a:endParaRPr lang="nl-NL" altLang="nl-NL" dirty="0">
+              <a:ea typeface="Tahoma"/>
+              <a:cs typeface="Tahoma"/>
+            </a:endParaRPr>
+          </a:p>
+        </p:txBody>
+      </p:sp>
+      <p:pic>
+        <p:nvPicPr>
+          <p:cNvPr id="5" name="Afbeelding 4" descr="fsm.png"/>
+          <p:cNvPicPr>
+            <a:picLocks noChangeAspect="1"/>
+          </p:cNvPicPr>
+          <p:nvPr/>
+        </p:nvPicPr>
+        <p:blipFill>
+          <a:blip r:embed="rId2">
+            <a:extLst>
+              <a:ext uri="{28A0092B-C50C-407E-A947-70E740481C1C}">
+                <a14:useLocalDpi xmlns:a14="http://schemas.microsoft.com/office/drawing/2010/main" val="0"/>
+              </a:ext>
+            </a:extLst>
+          </a:blip>
+          <a:srcRect l="-10" r="12916"/>
+          <a:stretch>
+            <a:fillRect/>
+          </a:stretch>
+        </p:blipFill>
+        <p:spPr>
+          <a:xfrm>
+            <a:off x="3544508" y="1903216"/>
+            <a:ext cx="5157167" cy="3552825"/>
+          </a:xfrm>
+          <a:prstGeom prst="rect">
+            <a:avLst/>
+          </a:prstGeom>
+        </p:spPr>
+      </p:pic>
+    </p:spTree>
+    <p:extLst>
+      <p:ext uri="{BB962C8B-B14F-4D97-AF65-F5344CB8AC3E}">
+        <p14:creationId xmlns:p14="http://schemas.microsoft.com/office/powerpoint/2010/main" val="3958517889"/>
+      </p:ext>
+    </p:extLst>
+  </p:cSld>
+  <p:clrMapOvr>
+    <a:masterClrMapping/>
+  </p:clrMapOvr>
+  <p:timing>
+    <p:tnLst>
+      <p:par>
+        <p:cTn id="1" dur="indefinite" restart="never" nodeType="tmRoot"/>
+      </p:par>
+    </p:tnLst>
+  </p:timing>
+</p:sld>
+</file>
+
+<file path=ppt/slides/slide11.xml><?xml version="1.0" encoding="utf-8"?>
+<p:sld xmlns:a="http://schemas.openxmlformats.org/drawingml/2006/main" xmlns:r="http://schemas.openxmlformats.org/officeDocument/2006/relationships" xmlns:p="http://schemas.openxmlformats.org/presentationml/2006/main">
+  <p:cSld>
+    <p:spTree>
+      <p:nvGrpSpPr>
+        <p:cNvPr id="1" name=""/>
+        <p:cNvGrpSpPr/>
+        <p:nvPr/>
+      </p:nvGrpSpPr>
+      <p:grpSpPr>
+        <a:xfrm>
+          <a:off x="0" y="0"/>
+          <a:ext cx="0" cy="0"/>
+          <a:chOff x="0" y="0"/>
+          <a:chExt cx="0" cy="0"/>
+        </a:xfrm>
+      </p:grpSpPr>
+      <p:sp>
+        <p:nvSpPr>
           <p:cNvPr id="2" name="Titel 1"/>
           <p:cNvSpPr>
             <a:spLocks noGrp="1"/>
@@ -5312,20 +5636,563 @@
           <a:lstStyle/>
           <a:p>
             <a:r>
-              <a:rPr lang="nl-NL" dirty="0" smtClean="0">
+              <a:rPr lang="nl-NL" dirty="0" smtClean="0"/>
+              <a:t>Alarm module</a:t>
+            </a:r>
+            <a:endParaRPr lang="nl-NL" dirty="0"/>
+          </a:p>
+        </p:txBody>
+      </p:sp>
+    </p:spTree>
+    <p:extLst>
+      <p:ext uri="{BB962C8B-B14F-4D97-AF65-F5344CB8AC3E}">
+        <p14:creationId xmlns:p14="http://schemas.microsoft.com/office/powerpoint/2010/main" val="1580779184"/>
+      </p:ext>
+    </p:extLst>
+  </p:cSld>
+  <p:clrMapOvr>
+    <a:masterClrMapping/>
+  </p:clrMapOvr>
+  <p:timing>
+    <p:tnLst>
+      <p:par>
+        <p:cTn id="1" dur="indefinite" restart="never" nodeType="tmRoot"/>
+      </p:par>
+    </p:tnLst>
+  </p:timing>
+</p:sld>
+</file>
+
+<file path=ppt/slides/slide12.xml><?xml version="1.0" encoding="utf-8"?>
+<p:sld xmlns:a="http://schemas.openxmlformats.org/drawingml/2006/main" xmlns:r="http://schemas.openxmlformats.org/officeDocument/2006/relationships" xmlns:p="http://schemas.openxmlformats.org/presentationml/2006/main">
+  <p:cSld>
+    <p:spTree>
+      <p:nvGrpSpPr>
+        <p:cNvPr id="1" name=""/>
+        <p:cNvGrpSpPr/>
+        <p:nvPr/>
+      </p:nvGrpSpPr>
+      <p:grpSpPr>
+        <a:xfrm>
+          <a:off x="0" y="0"/>
+          <a:ext cx="0" cy="0"/>
+          <a:chOff x="0" y="0"/>
+          <a:chExt cx="0" cy="0"/>
+        </a:xfrm>
+      </p:grpSpPr>
+      <p:sp>
+        <p:nvSpPr>
+          <p:cNvPr id="4098" name="Title 3"/>
+          <p:cNvSpPr>
+            <a:spLocks noGrp="1"/>
+          </p:cNvSpPr>
+          <p:nvPr>
+            <p:ph type="title"/>
+          </p:nvPr>
+        </p:nvSpPr>
+        <p:spPr>
+          <a:xfrm>
+            <a:off x="917575" y="457200"/>
+            <a:ext cx="7159625" cy="627063"/>
+          </a:xfrm>
+        </p:spPr>
+        <p:txBody>
+          <a:bodyPr/>
+          <a:lstStyle/>
+          <a:p>
+            <a:pPr>
+              <a:defRPr/>
+            </a:pPr>
+            <a:r>
+              <a:rPr lang="nl-NL" altLang="nl-NL" dirty="0" smtClean="0">
                 <a:latin typeface="+mn-lt"/>
+                <a:ea typeface="ＭＳ Ｐゴシック" pitchFamily="34" charset="-128"/>
               </a:rPr>
-              <a:t>FSM</a:t>
-            </a:r>
-            <a:endParaRPr lang="nl-NL" dirty="0">
+              <a:t>Alarm</a:t>
+            </a:r>
+            <a:endParaRPr lang="nl-NL" altLang="nl-NL" dirty="0" smtClean="0">
               <a:latin typeface="+mn-lt"/>
+              <a:ea typeface="ＭＳ Ｐゴシック" pitchFamily="34" charset="-128"/>
+            </a:endParaRPr>
+          </a:p>
+        </p:txBody>
+      </p:sp>
+      <p:sp>
+        <p:nvSpPr>
+          <p:cNvPr id="6" name="Ondertitel 2"/>
+          <p:cNvSpPr txBox="1">
+            <a:spLocks/>
+          </p:cNvSpPr>
+          <p:nvPr/>
+        </p:nvSpPr>
+        <p:spPr bwMode="auto">
+          <a:xfrm>
+            <a:off x="914400" y="1041400"/>
+            <a:ext cx="6781800" cy="474663"/>
+          </a:xfrm>
+          <a:prstGeom prst="rect">
+            <a:avLst/>
+          </a:prstGeom>
+          <a:noFill/>
+          <a:ln w="9525">
+            <a:noFill/>
+            <a:miter lim="800000"/>
+            <a:headEnd/>
+            <a:tailEnd/>
+          </a:ln>
+        </p:spPr>
+        <p:txBody>
+          <a:bodyPr lIns="0" tIns="0" rIns="0" bIns="0"/>
+          <a:lstStyle>
+            <a:lvl1pPr eaLnBrk="0" hangingPunct="0">
+              <a:defRPr sz="2400">
+                <a:solidFill>
+                  <a:schemeClr val="tx1"/>
+                </a:solidFill>
+                <a:latin typeface="Tahoma" charset="0"/>
+                <a:cs typeface="Arial" charset="0"/>
+              </a:defRPr>
+            </a:lvl1pPr>
+            <a:lvl2pPr marL="37931725" indent="-37474525" eaLnBrk="0" hangingPunct="0">
+              <a:defRPr sz="2400">
+                <a:solidFill>
+                  <a:schemeClr val="tx1"/>
+                </a:solidFill>
+                <a:latin typeface="Tahoma" charset="0"/>
+                <a:cs typeface="Arial" charset="0"/>
+              </a:defRPr>
+            </a:lvl2pPr>
+            <a:lvl3pPr eaLnBrk="0" hangingPunct="0">
+              <a:defRPr sz="2400">
+                <a:solidFill>
+                  <a:schemeClr val="tx1"/>
+                </a:solidFill>
+                <a:latin typeface="Tahoma" charset="0"/>
+                <a:cs typeface="Arial" charset="0"/>
+              </a:defRPr>
+            </a:lvl3pPr>
+            <a:lvl4pPr eaLnBrk="0" hangingPunct="0">
+              <a:defRPr sz="2400">
+                <a:solidFill>
+                  <a:schemeClr val="tx1"/>
+                </a:solidFill>
+                <a:latin typeface="Tahoma" charset="0"/>
+                <a:cs typeface="Arial" charset="0"/>
+              </a:defRPr>
+            </a:lvl4pPr>
+            <a:lvl5pPr eaLnBrk="0" hangingPunct="0">
+              <a:defRPr sz="2400">
+                <a:solidFill>
+                  <a:schemeClr val="tx1"/>
+                </a:solidFill>
+                <a:latin typeface="Tahoma" charset="0"/>
+                <a:cs typeface="Arial" charset="0"/>
+              </a:defRPr>
+            </a:lvl5pPr>
+            <a:lvl6pPr marL="457200" eaLnBrk="0" fontAlgn="base" hangingPunct="0">
+              <a:spcBef>
+                <a:spcPct val="0"/>
+              </a:spcBef>
+              <a:spcAft>
+                <a:spcPct val="0"/>
+              </a:spcAft>
+              <a:defRPr sz="2400">
+                <a:solidFill>
+                  <a:schemeClr val="tx1"/>
+                </a:solidFill>
+                <a:latin typeface="Tahoma" charset="0"/>
+                <a:cs typeface="Arial" charset="0"/>
+              </a:defRPr>
+            </a:lvl6pPr>
+            <a:lvl7pPr marL="914400" eaLnBrk="0" fontAlgn="base" hangingPunct="0">
+              <a:spcBef>
+                <a:spcPct val="0"/>
+              </a:spcBef>
+              <a:spcAft>
+                <a:spcPct val="0"/>
+              </a:spcAft>
+              <a:defRPr sz="2400">
+                <a:solidFill>
+                  <a:schemeClr val="tx1"/>
+                </a:solidFill>
+                <a:latin typeface="Tahoma" charset="0"/>
+                <a:cs typeface="Arial" charset="0"/>
+              </a:defRPr>
+            </a:lvl7pPr>
+            <a:lvl8pPr marL="1371600" eaLnBrk="0" fontAlgn="base" hangingPunct="0">
+              <a:spcBef>
+                <a:spcPct val="0"/>
+              </a:spcBef>
+              <a:spcAft>
+                <a:spcPct val="0"/>
+              </a:spcAft>
+              <a:defRPr sz="2400">
+                <a:solidFill>
+                  <a:schemeClr val="tx1"/>
+                </a:solidFill>
+                <a:latin typeface="Tahoma" charset="0"/>
+                <a:cs typeface="Arial" charset="0"/>
+              </a:defRPr>
+            </a:lvl8pPr>
+            <a:lvl9pPr marL="1828800" eaLnBrk="0" fontAlgn="base" hangingPunct="0">
+              <a:spcBef>
+                <a:spcPct val="0"/>
+              </a:spcBef>
+              <a:spcAft>
+                <a:spcPct val="0"/>
+              </a:spcAft>
+              <a:defRPr sz="2400">
+                <a:solidFill>
+                  <a:schemeClr val="tx1"/>
+                </a:solidFill>
+                <a:latin typeface="Tahoma" charset="0"/>
+                <a:cs typeface="Arial" charset="0"/>
+              </a:defRPr>
+            </a:lvl9pPr>
+          </a:lstStyle>
+          <a:p>
+            <a:pPr algn="l">
+              <a:lnSpc>
+                <a:spcPts val="2500"/>
+              </a:lnSpc>
+              <a:buClr>
+                <a:srgbClr val="00A6D6"/>
+              </a:buClr>
+              <a:defRPr/>
+            </a:pPr>
+            <a:r>
+              <a:rPr lang="nl-NL" altLang="nl-NL" sz="2000" dirty="0" smtClean="0">
+                <a:solidFill>
+                  <a:srgbClr val="00A6D6"/>
+                </a:solidFill>
+                <a:latin typeface="+mn-lt"/>
+                <a:ea typeface="ＭＳ Ｐゴシック" charset="-128"/>
+              </a:rPr>
+              <a:t>Blokdiagram</a:t>
+            </a:r>
+            <a:endParaRPr lang="nl-NL" altLang="nl-NL" sz="2000" dirty="0" smtClean="0">
+              <a:solidFill>
+                <a:srgbClr val="00A6D6"/>
+              </a:solidFill>
+              <a:latin typeface="+mn-lt"/>
+              <a:ea typeface="ＭＳ Ｐゴシック" charset="-128"/>
             </a:endParaRPr>
           </a:p>
         </p:txBody>
       </p:sp>
       <p:pic>
         <p:nvPicPr>
-          <p:cNvPr id="4" name="Tijdelijke aanduiding voor inhoud 3"/>
+          <p:cNvPr id="7" name="Tijdelijke aanduiding voor inhoud 5"/>
+          <p:cNvPicPr>
+            <a:picLocks noChangeAspect="1"/>
+          </p:cNvPicPr>
+          <p:nvPr/>
+        </p:nvPicPr>
+        <p:blipFill>
+          <a:blip r:embed="rId2">
+            <a:extLst>
+              <a:ext uri="{28A0092B-C50C-407E-A947-70E740481C1C}">
+                <a14:useLocalDpi xmlns:a14="http://schemas.microsoft.com/office/drawing/2010/main" val="0"/>
+              </a:ext>
+            </a:extLst>
+          </a:blip>
+          <a:stretch>
+            <a:fillRect/>
+          </a:stretch>
+        </p:blipFill>
+        <p:spPr bwMode="auto">
+          <a:xfrm>
+            <a:off x="153448" y="2238233"/>
+            <a:ext cx="8990552" cy="3745381"/>
+          </a:xfrm>
+          <a:prstGeom prst="rect">
+            <a:avLst/>
+          </a:prstGeom>
+          <a:noFill/>
+          <a:ln>
+            <a:noFill/>
+          </a:ln>
+          <a:extLst>
+            <a:ext uri="{909E8E84-426E-40DD-AFC4-6F175D3DCCD1}">
+              <a14:hiddenFill xmlns:a14="http://schemas.microsoft.com/office/drawing/2010/main">
+                <a:solidFill>
+                  <a:srgbClr val="FFFFFF"/>
+                </a:solidFill>
+              </a14:hiddenFill>
+            </a:ext>
+            <a:ext uri="{91240B29-F687-4F45-9708-019B960494DF}">
+              <a14:hiddenLine xmlns:a14="http://schemas.microsoft.com/office/drawing/2010/main" w="9525">
+                <a:solidFill>
+                  <a:srgbClr val="000000"/>
+                </a:solidFill>
+                <a:miter lim="800000"/>
+                <a:headEnd/>
+                <a:tailEnd/>
+              </a14:hiddenLine>
+            </a:ext>
+          </a:extLst>
+        </p:spPr>
+      </p:pic>
+    </p:spTree>
+    <p:extLst>
+      <p:ext uri="{BB962C8B-B14F-4D97-AF65-F5344CB8AC3E}">
+        <p14:creationId xmlns:p14="http://schemas.microsoft.com/office/powerpoint/2010/main" val="2267202334"/>
+      </p:ext>
+    </p:extLst>
+  </p:cSld>
+  <p:clrMapOvr>
+    <a:masterClrMapping/>
+  </p:clrMapOvr>
+  <p:timing>
+    <p:tnLst>
+      <p:par>
+        <p:cTn id="1" dur="indefinite" restart="never" nodeType="tmRoot"/>
+      </p:par>
+    </p:tnLst>
+  </p:timing>
+</p:sld>
+</file>
+
+<file path=ppt/slides/slide13.xml><?xml version="1.0" encoding="utf-8"?>
+<p:sld xmlns:a="http://schemas.openxmlformats.org/drawingml/2006/main" xmlns:r="http://schemas.openxmlformats.org/officeDocument/2006/relationships" xmlns:p="http://schemas.openxmlformats.org/presentationml/2006/main">
+  <p:cSld>
+    <p:spTree>
+      <p:nvGrpSpPr>
+        <p:cNvPr id="1" name=""/>
+        <p:cNvGrpSpPr/>
+        <p:nvPr/>
+      </p:nvGrpSpPr>
+      <p:grpSpPr>
+        <a:xfrm>
+          <a:off x="0" y="0"/>
+          <a:ext cx="0" cy="0"/>
+          <a:chOff x="0" y="0"/>
+          <a:chExt cx="0" cy="0"/>
+        </a:xfrm>
+      </p:grpSpPr>
+      <p:sp>
+        <p:nvSpPr>
+          <p:cNvPr id="4098" name="Title 3"/>
+          <p:cNvSpPr>
+            <a:spLocks noGrp="1"/>
+          </p:cNvSpPr>
+          <p:nvPr>
+            <p:ph type="title"/>
+          </p:nvPr>
+        </p:nvSpPr>
+        <p:spPr>
+          <a:xfrm>
+            <a:off x="917575" y="457200"/>
+            <a:ext cx="7159625" cy="627063"/>
+          </a:xfrm>
+        </p:spPr>
+        <p:txBody>
+          <a:bodyPr/>
+          <a:lstStyle/>
+          <a:p>
+            <a:pPr>
+              <a:defRPr/>
+            </a:pPr>
+            <a:r>
+              <a:rPr lang="nl-NL" altLang="nl-NL" dirty="0" smtClean="0">
+                <a:latin typeface="+mn-lt"/>
+                <a:ea typeface="ＭＳ Ｐゴシック" pitchFamily="34" charset="-128"/>
+              </a:rPr>
+              <a:t>Alarm</a:t>
+            </a:r>
+            <a:endParaRPr lang="nl-NL" altLang="nl-NL" dirty="0" smtClean="0">
+              <a:latin typeface="+mn-lt"/>
+              <a:ea typeface="ＭＳ Ｐゴシック" pitchFamily="34" charset="-128"/>
+            </a:endParaRPr>
+          </a:p>
+        </p:txBody>
+      </p:sp>
+      <p:sp>
+        <p:nvSpPr>
+          <p:cNvPr id="6" name="Ondertitel 2"/>
+          <p:cNvSpPr txBox="1">
+            <a:spLocks/>
+          </p:cNvSpPr>
+          <p:nvPr/>
+        </p:nvSpPr>
+        <p:spPr bwMode="auto">
+          <a:xfrm>
+            <a:off x="914400" y="1041400"/>
+            <a:ext cx="6781800" cy="474663"/>
+          </a:xfrm>
+          <a:prstGeom prst="rect">
+            <a:avLst/>
+          </a:prstGeom>
+          <a:noFill/>
+          <a:ln w="9525">
+            <a:noFill/>
+            <a:miter lim="800000"/>
+            <a:headEnd/>
+            <a:tailEnd/>
+          </a:ln>
+        </p:spPr>
+        <p:txBody>
+          <a:bodyPr lIns="0" tIns="0" rIns="0" bIns="0"/>
+          <a:lstStyle>
+            <a:lvl1pPr eaLnBrk="0" hangingPunct="0">
+              <a:defRPr sz="2400">
+                <a:solidFill>
+                  <a:schemeClr val="tx1"/>
+                </a:solidFill>
+                <a:latin typeface="Tahoma" charset="0"/>
+                <a:cs typeface="Arial" charset="0"/>
+              </a:defRPr>
+            </a:lvl1pPr>
+            <a:lvl2pPr marL="37931725" indent="-37474525" eaLnBrk="0" hangingPunct="0">
+              <a:defRPr sz="2400">
+                <a:solidFill>
+                  <a:schemeClr val="tx1"/>
+                </a:solidFill>
+                <a:latin typeface="Tahoma" charset="0"/>
+                <a:cs typeface="Arial" charset="0"/>
+              </a:defRPr>
+            </a:lvl2pPr>
+            <a:lvl3pPr eaLnBrk="0" hangingPunct="0">
+              <a:defRPr sz="2400">
+                <a:solidFill>
+                  <a:schemeClr val="tx1"/>
+                </a:solidFill>
+                <a:latin typeface="Tahoma" charset="0"/>
+                <a:cs typeface="Arial" charset="0"/>
+              </a:defRPr>
+            </a:lvl3pPr>
+            <a:lvl4pPr eaLnBrk="0" hangingPunct="0">
+              <a:defRPr sz="2400">
+                <a:solidFill>
+                  <a:schemeClr val="tx1"/>
+                </a:solidFill>
+                <a:latin typeface="Tahoma" charset="0"/>
+                <a:cs typeface="Arial" charset="0"/>
+              </a:defRPr>
+            </a:lvl4pPr>
+            <a:lvl5pPr eaLnBrk="0" hangingPunct="0">
+              <a:defRPr sz="2400">
+                <a:solidFill>
+                  <a:schemeClr val="tx1"/>
+                </a:solidFill>
+                <a:latin typeface="Tahoma" charset="0"/>
+                <a:cs typeface="Arial" charset="0"/>
+              </a:defRPr>
+            </a:lvl5pPr>
+            <a:lvl6pPr marL="457200" eaLnBrk="0" fontAlgn="base" hangingPunct="0">
+              <a:spcBef>
+                <a:spcPct val="0"/>
+              </a:spcBef>
+              <a:spcAft>
+                <a:spcPct val="0"/>
+              </a:spcAft>
+              <a:defRPr sz="2400">
+                <a:solidFill>
+                  <a:schemeClr val="tx1"/>
+                </a:solidFill>
+                <a:latin typeface="Tahoma" charset="0"/>
+                <a:cs typeface="Arial" charset="0"/>
+              </a:defRPr>
+            </a:lvl6pPr>
+            <a:lvl7pPr marL="914400" eaLnBrk="0" fontAlgn="base" hangingPunct="0">
+              <a:spcBef>
+                <a:spcPct val="0"/>
+              </a:spcBef>
+              <a:spcAft>
+                <a:spcPct val="0"/>
+              </a:spcAft>
+              <a:defRPr sz="2400">
+                <a:solidFill>
+                  <a:schemeClr val="tx1"/>
+                </a:solidFill>
+                <a:latin typeface="Tahoma" charset="0"/>
+                <a:cs typeface="Arial" charset="0"/>
+              </a:defRPr>
+            </a:lvl7pPr>
+            <a:lvl8pPr marL="1371600" eaLnBrk="0" fontAlgn="base" hangingPunct="0">
+              <a:spcBef>
+                <a:spcPct val="0"/>
+              </a:spcBef>
+              <a:spcAft>
+                <a:spcPct val="0"/>
+              </a:spcAft>
+              <a:defRPr sz="2400">
+                <a:solidFill>
+                  <a:schemeClr val="tx1"/>
+                </a:solidFill>
+                <a:latin typeface="Tahoma" charset="0"/>
+                <a:cs typeface="Arial" charset="0"/>
+              </a:defRPr>
+            </a:lvl8pPr>
+            <a:lvl9pPr marL="1828800" eaLnBrk="0" fontAlgn="base" hangingPunct="0">
+              <a:spcBef>
+                <a:spcPct val="0"/>
+              </a:spcBef>
+              <a:spcAft>
+                <a:spcPct val="0"/>
+              </a:spcAft>
+              <a:defRPr sz="2400">
+                <a:solidFill>
+                  <a:schemeClr val="tx1"/>
+                </a:solidFill>
+                <a:latin typeface="Tahoma" charset="0"/>
+                <a:cs typeface="Arial" charset="0"/>
+              </a:defRPr>
+            </a:lvl9pPr>
+          </a:lstStyle>
+          <a:p>
+            <a:pPr algn="l">
+              <a:lnSpc>
+                <a:spcPts val="2500"/>
+              </a:lnSpc>
+              <a:buClr>
+                <a:srgbClr val="00A6D6"/>
+              </a:buClr>
+              <a:defRPr/>
+            </a:pPr>
+            <a:r>
+              <a:rPr lang="nl-NL" altLang="nl-NL" sz="2000" dirty="0" smtClean="0">
+                <a:solidFill>
+                  <a:srgbClr val="00A6D6"/>
+                </a:solidFill>
+                <a:latin typeface="+mn-lt"/>
+                <a:ea typeface="ＭＳ Ｐゴシック" charset="-128"/>
+              </a:rPr>
+              <a:t>FSM ‘</a:t>
+            </a:r>
+            <a:r>
+              <a:rPr lang="nl-NL" altLang="nl-NL" sz="2000" dirty="0" err="1" smtClean="0">
+                <a:solidFill>
+                  <a:srgbClr val="00A6D6"/>
+                </a:solidFill>
+                <a:latin typeface="+mn-lt"/>
+                <a:ea typeface="ＭＳ Ｐゴシック" charset="-128"/>
+              </a:rPr>
+              <a:t>Compare</a:t>
+            </a:r>
+            <a:r>
+              <a:rPr lang="nl-NL" altLang="nl-NL" sz="2000" dirty="0" smtClean="0">
+                <a:solidFill>
+                  <a:srgbClr val="00A6D6"/>
+                </a:solidFill>
+                <a:latin typeface="+mn-lt"/>
+                <a:ea typeface="ＭＳ Ｐゴシック" charset="-128"/>
+              </a:rPr>
+              <a:t>’</a:t>
+            </a:r>
+            <a:endParaRPr lang="nl-NL" altLang="nl-NL" sz="2000" dirty="0" smtClean="0">
+              <a:solidFill>
+                <a:srgbClr val="00A6D6"/>
+              </a:solidFill>
+              <a:latin typeface="+mn-lt"/>
+              <a:ea typeface="ＭＳ Ｐゴシック" charset="-128"/>
+            </a:endParaRPr>
+          </a:p>
+        </p:txBody>
+      </p:sp>
+      <p:pic>
+        <p:nvPicPr>
+          <p:cNvPr id="5" name="Tijdelijke aanduiding voor inhoud 1"/>
           <p:cNvPicPr>
             <a:picLocks noGrp="1" noChangeAspect="1"/>
           </p:cNvPicPr>
@@ -5347,15 +6214,1777 @@
         </p:blipFill>
         <p:spPr>
           <a:xfrm>
-            <a:off x="1378424" y="916596"/>
-            <a:ext cx="6815905" cy="5210562"/>
+            <a:off x="532263" y="1316251"/>
+            <a:ext cx="7789246" cy="4646400"/>
           </a:xfrm>
         </p:spPr>
       </p:pic>
     </p:spTree>
     <p:extLst>
       <p:ext uri="{BB962C8B-B14F-4D97-AF65-F5344CB8AC3E}">
-        <p14:creationId xmlns:p14="http://schemas.microsoft.com/office/powerpoint/2010/main" val="2574639051"/>
+        <p14:creationId xmlns:p14="http://schemas.microsoft.com/office/powerpoint/2010/main" val="1260428583"/>
+      </p:ext>
+    </p:extLst>
+  </p:cSld>
+  <p:clrMapOvr>
+    <a:masterClrMapping/>
+  </p:clrMapOvr>
+  <p:timing>
+    <p:tnLst>
+      <p:par>
+        <p:cTn id="1" dur="indefinite" restart="never" nodeType="tmRoot"/>
+      </p:par>
+    </p:tnLst>
+  </p:timing>
+</p:sld>
+</file>
+
+<file path=ppt/slides/slide14.xml><?xml version="1.0" encoding="utf-8"?>
+<p:sld xmlns:a="http://schemas.openxmlformats.org/drawingml/2006/main" xmlns:r="http://schemas.openxmlformats.org/officeDocument/2006/relationships" xmlns:p="http://schemas.openxmlformats.org/presentationml/2006/main">
+  <p:cSld>
+    <p:spTree>
+      <p:nvGrpSpPr>
+        <p:cNvPr id="1" name=""/>
+        <p:cNvGrpSpPr/>
+        <p:nvPr/>
+      </p:nvGrpSpPr>
+      <p:grpSpPr>
+        <a:xfrm>
+          <a:off x="0" y="0"/>
+          <a:ext cx="0" cy="0"/>
+          <a:chOff x="0" y="0"/>
+          <a:chExt cx="0" cy="0"/>
+        </a:xfrm>
+      </p:grpSpPr>
+      <p:sp>
+        <p:nvSpPr>
+          <p:cNvPr id="4098" name="Title 3"/>
+          <p:cNvSpPr>
+            <a:spLocks noGrp="1"/>
+          </p:cNvSpPr>
+          <p:nvPr>
+            <p:ph type="title"/>
+          </p:nvPr>
+        </p:nvSpPr>
+        <p:spPr>
+          <a:xfrm>
+            <a:off x="917575" y="457200"/>
+            <a:ext cx="7159625" cy="627063"/>
+          </a:xfrm>
+        </p:spPr>
+        <p:txBody>
+          <a:bodyPr/>
+          <a:lstStyle/>
+          <a:p>
+            <a:pPr>
+              <a:defRPr/>
+            </a:pPr>
+            <a:r>
+              <a:rPr lang="nl-NL" altLang="nl-NL" dirty="0" smtClean="0">
+                <a:latin typeface="+mn-lt"/>
+                <a:ea typeface="ＭＳ Ｐゴシック" pitchFamily="34" charset="-128"/>
+              </a:rPr>
+              <a:t>Alarm</a:t>
+            </a:r>
+            <a:endParaRPr lang="nl-NL" altLang="nl-NL" dirty="0" smtClean="0">
+              <a:latin typeface="+mn-lt"/>
+              <a:ea typeface="ＭＳ Ｐゴシック" pitchFamily="34" charset="-128"/>
+            </a:endParaRPr>
+          </a:p>
+        </p:txBody>
+      </p:sp>
+      <p:sp>
+        <p:nvSpPr>
+          <p:cNvPr id="6" name="Ondertitel 2"/>
+          <p:cNvSpPr txBox="1">
+            <a:spLocks/>
+          </p:cNvSpPr>
+          <p:nvPr/>
+        </p:nvSpPr>
+        <p:spPr bwMode="auto">
+          <a:xfrm>
+            <a:off x="914400" y="1041400"/>
+            <a:ext cx="6781800" cy="474663"/>
+          </a:xfrm>
+          <a:prstGeom prst="rect">
+            <a:avLst/>
+          </a:prstGeom>
+          <a:noFill/>
+          <a:ln w="9525">
+            <a:noFill/>
+            <a:miter lim="800000"/>
+            <a:headEnd/>
+            <a:tailEnd/>
+          </a:ln>
+        </p:spPr>
+        <p:txBody>
+          <a:bodyPr lIns="0" tIns="0" rIns="0" bIns="0"/>
+          <a:lstStyle>
+            <a:lvl1pPr eaLnBrk="0" hangingPunct="0">
+              <a:defRPr sz="2400">
+                <a:solidFill>
+                  <a:schemeClr val="tx1"/>
+                </a:solidFill>
+                <a:latin typeface="Tahoma" charset="0"/>
+                <a:cs typeface="Arial" charset="0"/>
+              </a:defRPr>
+            </a:lvl1pPr>
+            <a:lvl2pPr marL="37931725" indent="-37474525" eaLnBrk="0" hangingPunct="0">
+              <a:defRPr sz="2400">
+                <a:solidFill>
+                  <a:schemeClr val="tx1"/>
+                </a:solidFill>
+                <a:latin typeface="Tahoma" charset="0"/>
+                <a:cs typeface="Arial" charset="0"/>
+              </a:defRPr>
+            </a:lvl2pPr>
+            <a:lvl3pPr eaLnBrk="0" hangingPunct="0">
+              <a:defRPr sz="2400">
+                <a:solidFill>
+                  <a:schemeClr val="tx1"/>
+                </a:solidFill>
+                <a:latin typeface="Tahoma" charset="0"/>
+                <a:cs typeface="Arial" charset="0"/>
+              </a:defRPr>
+            </a:lvl3pPr>
+            <a:lvl4pPr eaLnBrk="0" hangingPunct="0">
+              <a:defRPr sz="2400">
+                <a:solidFill>
+                  <a:schemeClr val="tx1"/>
+                </a:solidFill>
+                <a:latin typeface="Tahoma" charset="0"/>
+                <a:cs typeface="Arial" charset="0"/>
+              </a:defRPr>
+            </a:lvl4pPr>
+            <a:lvl5pPr eaLnBrk="0" hangingPunct="0">
+              <a:defRPr sz="2400">
+                <a:solidFill>
+                  <a:schemeClr val="tx1"/>
+                </a:solidFill>
+                <a:latin typeface="Tahoma" charset="0"/>
+                <a:cs typeface="Arial" charset="0"/>
+              </a:defRPr>
+            </a:lvl5pPr>
+            <a:lvl6pPr marL="457200" eaLnBrk="0" fontAlgn="base" hangingPunct="0">
+              <a:spcBef>
+                <a:spcPct val="0"/>
+              </a:spcBef>
+              <a:spcAft>
+                <a:spcPct val="0"/>
+              </a:spcAft>
+              <a:defRPr sz="2400">
+                <a:solidFill>
+                  <a:schemeClr val="tx1"/>
+                </a:solidFill>
+                <a:latin typeface="Tahoma" charset="0"/>
+                <a:cs typeface="Arial" charset="0"/>
+              </a:defRPr>
+            </a:lvl6pPr>
+            <a:lvl7pPr marL="914400" eaLnBrk="0" fontAlgn="base" hangingPunct="0">
+              <a:spcBef>
+                <a:spcPct val="0"/>
+              </a:spcBef>
+              <a:spcAft>
+                <a:spcPct val="0"/>
+              </a:spcAft>
+              <a:defRPr sz="2400">
+                <a:solidFill>
+                  <a:schemeClr val="tx1"/>
+                </a:solidFill>
+                <a:latin typeface="Tahoma" charset="0"/>
+                <a:cs typeface="Arial" charset="0"/>
+              </a:defRPr>
+            </a:lvl7pPr>
+            <a:lvl8pPr marL="1371600" eaLnBrk="0" fontAlgn="base" hangingPunct="0">
+              <a:spcBef>
+                <a:spcPct val="0"/>
+              </a:spcBef>
+              <a:spcAft>
+                <a:spcPct val="0"/>
+              </a:spcAft>
+              <a:defRPr sz="2400">
+                <a:solidFill>
+                  <a:schemeClr val="tx1"/>
+                </a:solidFill>
+                <a:latin typeface="Tahoma" charset="0"/>
+                <a:cs typeface="Arial" charset="0"/>
+              </a:defRPr>
+            </a:lvl8pPr>
+            <a:lvl9pPr marL="1828800" eaLnBrk="0" fontAlgn="base" hangingPunct="0">
+              <a:spcBef>
+                <a:spcPct val="0"/>
+              </a:spcBef>
+              <a:spcAft>
+                <a:spcPct val="0"/>
+              </a:spcAft>
+              <a:defRPr sz="2400">
+                <a:solidFill>
+                  <a:schemeClr val="tx1"/>
+                </a:solidFill>
+                <a:latin typeface="Tahoma" charset="0"/>
+                <a:cs typeface="Arial" charset="0"/>
+              </a:defRPr>
+            </a:lvl9pPr>
+          </a:lstStyle>
+          <a:p>
+            <a:pPr algn="l">
+              <a:lnSpc>
+                <a:spcPts val="2500"/>
+              </a:lnSpc>
+              <a:buClr>
+                <a:srgbClr val="00A6D6"/>
+              </a:buClr>
+              <a:defRPr/>
+            </a:pPr>
+            <a:r>
+              <a:rPr lang="nl-NL" altLang="nl-NL" sz="2000" dirty="0" smtClean="0">
+                <a:solidFill>
+                  <a:srgbClr val="00A6D6"/>
+                </a:solidFill>
+                <a:latin typeface="+mn-lt"/>
+                <a:ea typeface="ＭＳ Ｐゴシック" charset="-128"/>
+              </a:rPr>
+              <a:t>FSM ‘PWM’</a:t>
+            </a:r>
+            <a:endParaRPr lang="nl-NL" altLang="nl-NL" sz="2000" dirty="0" smtClean="0">
+              <a:solidFill>
+                <a:srgbClr val="00A6D6"/>
+              </a:solidFill>
+              <a:latin typeface="+mn-lt"/>
+              <a:ea typeface="ＭＳ Ｐゴシック" charset="-128"/>
+            </a:endParaRPr>
+          </a:p>
+        </p:txBody>
+      </p:sp>
+      <p:sp>
+        <p:nvSpPr>
+          <p:cNvPr id="2" name="Tijdelijke aanduiding voor inhoud 1"/>
+          <p:cNvSpPr>
+            <a:spLocks noGrp="1"/>
+          </p:cNvSpPr>
+          <p:nvPr>
+            <p:ph idx="1"/>
+          </p:nvPr>
+        </p:nvSpPr>
+        <p:spPr/>
+        <p:txBody>
+          <a:bodyPr/>
+          <a:lstStyle/>
+          <a:p>
+            <a:endParaRPr lang="nl-NL"/>
+          </a:p>
+        </p:txBody>
+      </p:sp>
+      <p:pic>
+        <p:nvPicPr>
+          <p:cNvPr id="7" name="Tijdelijke aanduiding voor inhoud 3"/>
+          <p:cNvPicPr>
+            <a:picLocks noChangeAspect="1"/>
+          </p:cNvPicPr>
+          <p:nvPr/>
+        </p:nvPicPr>
+        <p:blipFill>
+          <a:blip r:embed="rId2">
+            <a:extLst>
+              <a:ext uri="{28A0092B-C50C-407E-A947-70E740481C1C}">
+                <a14:useLocalDpi xmlns:a14="http://schemas.microsoft.com/office/drawing/2010/main" val="0"/>
+              </a:ext>
+            </a:extLst>
+          </a:blip>
+          <a:stretch>
+            <a:fillRect/>
+          </a:stretch>
+        </p:blipFill>
+        <p:spPr bwMode="auto">
+          <a:xfrm>
+            <a:off x="917575" y="1310185"/>
+            <a:ext cx="7154574" cy="4403832"/>
+          </a:xfrm>
+          <a:prstGeom prst="rect">
+            <a:avLst/>
+          </a:prstGeom>
+          <a:noFill/>
+          <a:ln>
+            <a:noFill/>
+          </a:ln>
+          <a:extLst>
+            <a:ext uri="{909E8E84-426E-40DD-AFC4-6F175D3DCCD1}">
+              <a14:hiddenFill xmlns:a14="http://schemas.microsoft.com/office/drawing/2010/main">
+                <a:solidFill>
+                  <a:srgbClr val="FFFFFF"/>
+                </a:solidFill>
+              </a14:hiddenFill>
+            </a:ext>
+            <a:ext uri="{91240B29-F687-4F45-9708-019B960494DF}">
+              <a14:hiddenLine xmlns:a14="http://schemas.microsoft.com/office/drawing/2010/main" w="9525">
+                <a:solidFill>
+                  <a:srgbClr val="000000"/>
+                </a:solidFill>
+                <a:miter lim="800000"/>
+                <a:headEnd/>
+                <a:tailEnd/>
+              </a14:hiddenLine>
+            </a:ext>
+          </a:extLst>
+        </p:spPr>
+      </p:pic>
+    </p:spTree>
+    <p:extLst>
+      <p:ext uri="{BB962C8B-B14F-4D97-AF65-F5344CB8AC3E}">
+        <p14:creationId xmlns:p14="http://schemas.microsoft.com/office/powerpoint/2010/main" val="2792786641"/>
+      </p:ext>
+    </p:extLst>
+  </p:cSld>
+  <p:clrMapOvr>
+    <a:masterClrMapping/>
+  </p:clrMapOvr>
+  <p:timing>
+    <p:tnLst>
+      <p:par>
+        <p:cTn id="1" dur="indefinite" restart="never" nodeType="tmRoot"/>
+      </p:par>
+    </p:tnLst>
+  </p:timing>
+</p:sld>
+</file>
+
+<file path=ppt/slides/slide15.xml><?xml version="1.0" encoding="utf-8"?>
+<p:sld xmlns:a="http://schemas.openxmlformats.org/drawingml/2006/main" xmlns:r="http://schemas.openxmlformats.org/officeDocument/2006/relationships" xmlns:p="http://schemas.openxmlformats.org/presentationml/2006/main">
+  <p:cSld>
+    <p:spTree>
+      <p:nvGrpSpPr>
+        <p:cNvPr id="1" name=""/>
+        <p:cNvGrpSpPr/>
+        <p:nvPr/>
+      </p:nvGrpSpPr>
+      <p:grpSpPr>
+        <a:xfrm>
+          <a:off x="0" y="0"/>
+          <a:ext cx="0" cy="0"/>
+          <a:chOff x="0" y="0"/>
+          <a:chExt cx="0" cy="0"/>
+        </a:xfrm>
+      </p:grpSpPr>
+      <p:pic>
+        <p:nvPicPr>
+          <p:cNvPr id="8" name="Tijdelijke aanduiding voor inhoud 3"/>
+          <p:cNvPicPr>
+            <a:picLocks noChangeAspect="1"/>
+          </p:cNvPicPr>
+          <p:nvPr/>
+        </p:nvPicPr>
+        <p:blipFill>
+          <a:blip r:embed="rId2">
+            <a:extLst>
+              <a:ext uri="{28A0092B-C50C-407E-A947-70E740481C1C}">
+                <a14:useLocalDpi xmlns:a14="http://schemas.microsoft.com/office/drawing/2010/main" val="0"/>
+              </a:ext>
+            </a:extLst>
+          </a:blip>
+          <a:stretch>
+            <a:fillRect/>
+          </a:stretch>
+        </p:blipFill>
+        <p:spPr bwMode="auto">
+          <a:xfrm>
+            <a:off x="1378424" y="916596"/>
+            <a:ext cx="6815905" cy="5210562"/>
+          </a:xfrm>
+          <a:prstGeom prst="rect">
+            <a:avLst/>
+          </a:prstGeom>
+          <a:noFill/>
+          <a:ln>
+            <a:noFill/>
+          </a:ln>
+          <a:extLst>
+            <a:ext uri="{909E8E84-426E-40DD-AFC4-6F175D3DCCD1}">
+              <a14:hiddenFill xmlns:a14="http://schemas.microsoft.com/office/drawing/2010/main">
+                <a:solidFill>
+                  <a:srgbClr val="FFFFFF"/>
+                </a:solidFill>
+              </a14:hiddenFill>
+            </a:ext>
+            <a:ext uri="{91240B29-F687-4F45-9708-019B960494DF}">
+              <a14:hiddenLine xmlns:a14="http://schemas.microsoft.com/office/drawing/2010/main" w="9525">
+                <a:solidFill>
+                  <a:srgbClr val="000000"/>
+                </a:solidFill>
+                <a:miter lim="800000"/>
+                <a:headEnd/>
+                <a:tailEnd/>
+              </a14:hiddenLine>
+            </a:ext>
+          </a:extLst>
+        </p:spPr>
+      </p:pic>
+      <p:sp>
+        <p:nvSpPr>
+          <p:cNvPr id="4098" name="Title 3"/>
+          <p:cNvSpPr>
+            <a:spLocks noGrp="1"/>
+          </p:cNvSpPr>
+          <p:nvPr>
+            <p:ph type="title"/>
+          </p:nvPr>
+        </p:nvSpPr>
+        <p:spPr>
+          <a:xfrm>
+            <a:off x="917575" y="457200"/>
+            <a:ext cx="7159625" cy="627063"/>
+          </a:xfrm>
+        </p:spPr>
+        <p:txBody>
+          <a:bodyPr/>
+          <a:lstStyle/>
+          <a:p>
+            <a:pPr>
+              <a:defRPr/>
+            </a:pPr>
+            <a:r>
+              <a:rPr lang="nl-NL" altLang="nl-NL" dirty="0" smtClean="0">
+                <a:latin typeface="+mn-lt"/>
+                <a:ea typeface="ＭＳ Ｐゴシック" pitchFamily="34" charset="-128"/>
+              </a:rPr>
+              <a:t>Alarm</a:t>
+            </a:r>
+            <a:endParaRPr lang="nl-NL" altLang="nl-NL" dirty="0" smtClean="0">
+              <a:latin typeface="+mn-lt"/>
+              <a:ea typeface="ＭＳ Ｐゴシック" pitchFamily="34" charset="-128"/>
+            </a:endParaRPr>
+          </a:p>
+        </p:txBody>
+      </p:sp>
+      <p:sp>
+        <p:nvSpPr>
+          <p:cNvPr id="6" name="Ondertitel 2"/>
+          <p:cNvSpPr txBox="1">
+            <a:spLocks/>
+          </p:cNvSpPr>
+          <p:nvPr/>
+        </p:nvSpPr>
+        <p:spPr bwMode="auto">
+          <a:xfrm>
+            <a:off x="914400" y="1041400"/>
+            <a:ext cx="6781800" cy="474663"/>
+          </a:xfrm>
+          <a:prstGeom prst="rect">
+            <a:avLst/>
+          </a:prstGeom>
+          <a:noFill/>
+          <a:ln w="9525">
+            <a:noFill/>
+            <a:miter lim="800000"/>
+            <a:headEnd/>
+            <a:tailEnd/>
+          </a:ln>
+        </p:spPr>
+        <p:txBody>
+          <a:bodyPr lIns="0" tIns="0" rIns="0" bIns="0"/>
+          <a:lstStyle>
+            <a:lvl1pPr eaLnBrk="0" hangingPunct="0">
+              <a:defRPr sz="2400">
+                <a:solidFill>
+                  <a:schemeClr val="tx1"/>
+                </a:solidFill>
+                <a:latin typeface="Tahoma" charset="0"/>
+                <a:cs typeface="Arial" charset="0"/>
+              </a:defRPr>
+            </a:lvl1pPr>
+            <a:lvl2pPr marL="37931725" indent="-37474525" eaLnBrk="0" hangingPunct="0">
+              <a:defRPr sz="2400">
+                <a:solidFill>
+                  <a:schemeClr val="tx1"/>
+                </a:solidFill>
+                <a:latin typeface="Tahoma" charset="0"/>
+                <a:cs typeface="Arial" charset="0"/>
+              </a:defRPr>
+            </a:lvl2pPr>
+            <a:lvl3pPr eaLnBrk="0" hangingPunct="0">
+              <a:defRPr sz="2400">
+                <a:solidFill>
+                  <a:schemeClr val="tx1"/>
+                </a:solidFill>
+                <a:latin typeface="Tahoma" charset="0"/>
+                <a:cs typeface="Arial" charset="0"/>
+              </a:defRPr>
+            </a:lvl3pPr>
+            <a:lvl4pPr eaLnBrk="0" hangingPunct="0">
+              <a:defRPr sz="2400">
+                <a:solidFill>
+                  <a:schemeClr val="tx1"/>
+                </a:solidFill>
+                <a:latin typeface="Tahoma" charset="0"/>
+                <a:cs typeface="Arial" charset="0"/>
+              </a:defRPr>
+            </a:lvl4pPr>
+            <a:lvl5pPr eaLnBrk="0" hangingPunct="0">
+              <a:defRPr sz="2400">
+                <a:solidFill>
+                  <a:schemeClr val="tx1"/>
+                </a:solidFill>
+                <a:latin typeface="Tahoma" charset="0"/>
+                <a:cs typeface="Arial" charset="0"/>
+              </a:defRPr>
+            </a:lvl5pPr>
+            <a:lvl6pPr marL="457200" eaLnBrk="0" fontAlgn="base" hangingPunct="0">
+              <a:spcBef>
+                <a:spcPct val="0"/>
+              </a:spcBef>
+              <a:spcAft>
+                <a:spcPct val="0"/>
+              </a:spcAft>
+              <a:defRPr sz="2400">
+                <a:solidFill>
+                  <a:schemeClr val="tx1"/>
+                </a:solidFill>
+                <a:latin typeface="Tahoma" charset="0"/>
+                <a:cs typeface="Arial" charset="0"/>
+              </a:defRPr>
+            </a:lvl6pPr>
+            <a:lvl7pPr marL="914400" eaLnBrk="0" fontAlgn="base" hangingPunct="0">
+              <a:spcBef>
+                <a:spcPct val="0"/>
+              </a:spcBef>
+              <a:spcAft>
+                <a:spcPct val="0"/>
+              </a:spcAft>
+              <a:defRPr sz="2400">
+                <a:solidFill>
+                  <a:schemeClr val="tx1"/>
+                </a:solidFill>
+                <a:latin typeface="Tahoma" charset="0"/>
+                <a:cs typeface="Arial" charset="0"/>
+              </a:defRPr>
+            </a:lvl7pPr>
+            <a:lvl8pPr marL="1371600" eaLnBrk="0" fontAlgn="base" hangingPunct="0">
+              <a:spcBef>
+                <a:spcPct val="0"/>
+              </a:spcBef>
+              <a:spcAft>
+                <a:spcPct val="0"/>
+              </a:spcAft>
+              <a:defRPr sz="2400">
+                <a:solidFill>
+                  <a:schemeClr val="tx1"/>
+                </a:solidFill>
+                <a:latin typeface="Tahoma" charset="0"/>
+                <a:cs typeface="Arial" charset="0"/>
+              </a:defRPr>
+            </a:lvl8pPr>
+            <a:lvl9pPr marL="1828800" eaLnBrk="0" fontAlgn="base" hangingPunct="0">
+              <a:spcBef>
+                <a:spcPct val="0"/>
+              </a:spcBef>
+              <a:spcAft>
+                <a:spcPct val="0"/>
+              </a:spcAft>
+              <a:defRPr sz="2400">
+                <a:solidFill>
+                  <a:schemeClr val="tx1"/>
+                </a:solidFill>
+                <a:latin typeface="Tahoma" charset="0"/>
+                <a:cs typeface="Arial" charset="0"/>
+              </a:defRPr>
+            </a:lvl9pPr>
+          </a:lstStyle>
+          <a:p>
+            <a:pPr algn="l">
+              <a:lnSpc>
+                <a:spcPts val="2500"/>
+              </a:lnSpc>
+              <a:buClr>
+                <a:srgbClr val="00A6D6"/>
+              </a:buClr>
+              <a:defRPr/>
+            </a:pPr>
+            <a:r>
+              <a:rPr lang="nl-NL" altLang="nl-NL" sz="2000" dirty="0" smtClean="0">
+                <a:solidFill>
+                  <a:srgbClr val="00A6D6"/>
+                </a:solidFill>
+                <a:latin typeface="+mn-lt"/>
+                <a:ea typeface="ＭＳ Ｐゴシック" charset="-128"/>
+              </a:rPr>
+              <a:t>FSM ‘Counter’</a:t>
+            </a:r>
+            <a:endParaRPr lang="nl-NL" altLang="nl-NL" sz="2000" dirty="0" smtClean="0">
+              <a:solidFill>
+                <a:srgbClr val="00A6D6"/>
+              </a:solidFill>
+              <a:latin typeface="+mn-lt"/>
+              <a:ea typeface="ＭＳ Ｐゴシック" charset="-128"/>
+            </a:endParaRPr>
+          </a:p>
+        </p:txBody>
+      </p:sp>
+    </p:spTree>
+    <p:extLst>
+      <p:ext uri="{BB962C8B-B14F-4D97-AF65-F5344CB8AC3E}">
+        <p14:creationId xmlns:p14="http://schemas.microsoft.com/office/powerpoint/2010/main" val="2660275856"/>
+      </p:ext>
+    </p:extLst>
+  </p:cSld>
+  <p:clrMapOvr>
+    <a:masterClrMapping/>
+  </p:clrMapOvr>
+  <p:timing>
+    <p:tnLst>
+      <p:par>
+        <p:cTn id="1" dur="indefinite" restart="never" nodeType="tmRoot"/>
+      </p:par>
+    </p:tnLst>
+  </p:timing>
+</p:sld>
+</file>
+
+<file path=ppt/slides/slide16.xml><?xml version="1.0" encoding="utf-8"?>
+<p:sld xmlns:a="http://schemas.openxmlformats.org/drawingml/2006/main" xmlns:r="http://schemas.openxmlformats.org/officeDocument/2006/relationships" xmlns:p="http://schemas.openxmlformats.org/presentationml/2006/main">
+  <p:cSld>
+    <p:spTree>
+      <p:nvGrpSpPr>
+        <p:cNvPr id="1" name=""/>
+        <p:cNvGrpSpPr/>
+        <p:nvPr/>
+      </p:nvGrpSpPr>
+      <p:grpSpPr>
+        <a:xfrm>
+          <a:off x="0" y="0"/>
+          <a:ext cx="0" cy="0"/>
+          <a:chOff x="0" y="0"/>
+          <a:chExt cx="0" cy="0"/>
+        </a:xfrm>
+      </p:grpSpPr>
+      <p:sp>
+        <p:nvSpPr>
+          <p:cNvPr id="2" name="Titel 1"/>
+          <p:cNvSpPr>
+            <a:spLocks noGrp="1"/>
+          </p:cNvSpPr>
+          <p:nvPr>
+            <p:ph type="title"/>
+          </p:nvPr>
+        </p:nvSpPr>
+        <p:spPr/>
+        <p:txBody>
+          <a:bodyPr/>
+          <a:lstStyle/>
+          <a:p>
+            <a:r>
+              <a:rPr lang="nl-NL" dirty="0" smtClean="0"/>
+              <a:t>LCD module</a:t>
+            </a:r>
+            <a:endParaRPr lang="nl-NL" dirty="0"/>
+          </a:p>
+        </p:txBody>
+      </p:sp>
+    </p:spTree>
+    <p:extLst>
+      <p:ext uri="{BB962C8B-B14F-4D97-AF65-F5344CB8AC3E}">
+        <p14:creationId xmlns:p14="http://schemas.microsoft.com/office/powerpoint/2010/main" val="3719282447"/>
+      </p:ext>
+    </p:extLst>
+  </p:cSld>
+  <p:clrMapOvr>
+    <a:masterClrMapping/>
+  </p:clrMapOvr>
+  <p:timing>
+    <p:tnLst>
+      <p:par>
+        <p:cTn id="1" dur="indefinite" restart="never" nodeType="tmRoot"/>
+      </p:par>
+    </p:tnLst>
+  </p:timing>
+</p:sld>
+</file>
+
+<file path=ppt/slides/slide17.xml><?xml version="1.0" encoding="utf-8"?>
+<p:sld xmlns:a="http://schemas.openxmlformats.org/drawingml/2006/main" xmlns:r="http://schemas.openxmlformats.org/officeDocument/2006/relationships" xmlns:p="http://schemas.openxmlformats.org/presentationml/2006/main">
+  <p:cSld>
+    <p:spTree>
+      <p:nvGrpSpPr>
+        <p:cNvPr id="1" name=""/>
+        <p:cNvGrpSpPr/>
+        <p:nvPr/>
+      </p:nvGrpSpPr>
+      <p:grpSpPr>
+        <a:xfrm>
+          <a:off x="0" y="0"/>
+          <a:ext cx="0" cy="0"/>
+          <a:chOff x="0" y="0"/>
+          <a:chExt cx="0" cy="0"/>
+        </a:xfrm>
+      </p:grpSpPr>
+      <p:sp>
+        <p:nvSpPr>
+          <p:cNvPr id="4098" name="Title 3"/>
+          <p:cNvSpPr>
+            <a:spLocks noGrp="1"/>
+          </p:cNvSpPr>
+          <p:nvPr>
+            <p:ph type="title"/>
+          </p:nvPr>
+        </p:nvSpPr>
+        <p:spPr>
+          <a:xfrm>
+            <a:off x="915193" y="502892"/>
+            <a:ext cx="7159625" cy="627063"/>
+          </a:xfrm>
+        </p:spPr>
+        <p:txBody>
+          <a:bodyPr/>
+          <a:lstStyle/>
+          <a:p>
+            <a:pPr>
+              <a:defRPr/>
+            </a:pPr>
+            <a:r>
+              <a:rPr lang="nl-NL" altLang="nl-NL" dirty="0" smtClean="0">
+                <a:latin typeface="+mn-lt"/>
+                <a:ea typeface="ＭＳ Ｐゴシック" pitchFamily="34" charset="-128"/>
+              </a:rPr>
+              <a:t>LCD</a:t>
+            </a:r>
+          </a:p>
+        </p:txBody>
+      </p:sp>
+      <p:sp>
+        <p:nvSpPr>
+          <p:cNvPr id="6" name="Ondertitel 2"/>
+          <p:cNvSpPr txBox="1">
+            <a:spLocks/>
+          </p:cNvSpPr>
+          <p:nvPr/>
+        </p:nvSpPr>
+        <p:spPr bwMode="auto">
+          <a:xfrm>
+            <a:off x="914400" y="1041400"/>
+            <a:ext cx="6781800" cy="474663"/>
+          </a:xfrm>
+          <a:prstGeom prst="rect">
+            <a:avLst/>
+          </a:prstGeom>
+          <a:noFill/>
+          <a:ln w="9525">
+            <a:noFill/>
+            <a:miter lim="800000"/>
+            <a:headEnd/>
+            <a:tailEnd/>
+          </a:ln>
+        </p:spPr>
+        <p:txBody>
+          <a:bodyPr lIns="0" tIns="0" rIns="0" bIns="0"/>
+          <a:lstStyle>
+            <a:lvl1pPr eaLnBrk="0" hangingPunct="0">
+              <a:defRPr sz="2400">
+                <a:solidFill>
+                  <a:schemeClr val="tx1"/>
+                </a:solidFill>
+                <a:latin typeface="Tahoma" charset="0"/>
+                <a:cs typeface="Arial" charset="0"/>
+              </a:defRPr>
+            </a:lvl1pPr>
+            <a:lvl2pPr marL="37931725" indent="-37474525" eaLnBrk="0" hangingPunct="0">
+              <a:defRPr sz="2400">
+                <a:solidFill>
+                  <a:schemeClr val="tx1"/>
+                </a:solidFill>
+                <a:latin typeface="Tahoma" charset="0"/>
+                <a:cs typeface="Arial" charset="0"/>
+              </a:defRPr>
+            </a:lvl2pPr>
+            <a:lvl3pPr eaLnBrk="0" hangingPunct="0">
+              <a:defRPr sz="2400">
+                <a:solidFill>
+                  <a:schemeClr val="tx1"/>
+                </a:solidFill>
+                <a:latin typeface="Tahoma" charset="0"/>
+                <a:cs typeface="Arial" charset="0"/>
+              </a:defRPr>
+            </a:lvl3pPr>
+            <a:lvl4pPr eaLnBrk="0" hangingPunct="0">
+              <a:defRPr sz="2400">
+                <a:solidFill>
+                  <a:schemeClr val="tx1"/>
+                </a:solidFill>
+                <a:latin typeface="Tahoma" charset="0"/>
+                <a:cs typeface="Arial" charset="0"/>
+              </a:defRPr>
+            </a:lvl4pPr>
+            <a:lvl5pPr eaLnBrk="0" hangingPunct="0">
+              <a:defRPr sz="2400">
+                <a:solidFill>
+                  <a:schemeClr val="tx1"/>
+                </a:solidFill>
+                <a:latin typeface="Tahoma" charset="0"/>
+                <a:cs typeface="Arial" charset="0"/>
+              </a:defRPr>
+            </a:lvl5pPr>
+            <a:lvl6pPr marL="457200" eaLnBrk="0" fontAlgn="base" hangingPunct="0">
+              <a:spcBef>
+                <a:spcPct val="0"/>
+              </a:spcBef>
+              <a:spcAft>
+                <a:spcPct val="0"/>
+              </a:spcAft>
+              <a:defRPr sz="2400">
+                <a:solidFill>
+                  <a:schemeClr val="tx1"/>
+                </a:solidFill>
+                <a:latin typeface="Tahoma" charset="0"/>
+                <a:cs typeface="Arial" charset="0"/>
+              </a:defRPr>
+            </a:lvl6pPr>
+            <a:lvl7pPr marL="914400" eaLnBrk="0" fontAlgn="base" hangingPunct="0">
+              <a:spcBef>
+                <a:spcPct val="0"/>
+              </a:spcBef>
+              <a:spcAft>
+                <a:spcPct val="0"/>
+              </a:spcAft>
+              <a:defRPr sz="2400">
+                <a:solidFill>
+                  <a:schemeClr val="tx1"/>
+                </a:solidFill>
+                <a:latin typeface="Tahoma" charset="0"/>
+                <a:cs typeface="Arial" charset="0"/>
+              </a:defRPr>
+            </a:lvl7pPr>
+            <a:lvl8pPr marL="1371600" eaLnBrk="0" fontAlgn="base" hangingPunct="0">
+              <a:spcBef>
+                <a:spcPct val="0"/>
+              </a:spcBef>
+              <a:spcAft>
+                <a:spcPct val="0"/>
+              </a:spcAft>
+              <a:defRPr sz="2400">
+                <a:solidFill>
+                  <a:schemeClr val="tx1"/>
+                </a:solidFill>
+                <a:latin typeface="Tahoma" charset="0"/>
+                <a:cs typeface="Arial" charset="0"/>
+              </a:defRPr>
+            </a:lvl8pPr>
+            <a:lvl9pPr marL="1828800" eaLnBrk="0" fontAlgn="base" hangingPunct="0">
+              <a:spcBef>
+                <a:spcPct val="0"/>
+              </a:spcBef>
+              <a:spcAft>
+                <a:spcPct val="0"/>
+              </a:spcAft>
+              <a:defRPr sz="2400">
+                <a:solidFill>
+                  <a:schemeClr val="tx1"/>
+                </a:solidFill>
+                <a:latin typeface="Tahoma" charset="0"/>
+                <a:cs typeface="Arial" charset="0"/>
+              </a:defRPr>
+            </a:lvl9pPr>
+          </a:lstStyle>
+          <a:p>
+            <a:pPr algn="l">
+              <a:lnSpc>
+                <a:spcPts val="2500"/>
+              </a:lnSpc>
+              <a:buClr>
+                <a:srgbClr val="00A6D6"/>
+              </a:buClr>
+              <a:defRPr/>
+            </a:pPr>
+            <a:r>
+              <a:rPr lang="nl-NL" altLang="nl-NL" sz="2000" dirty="0" smtClean="0">
+                <a:solidFill>
+                  <a:srgbClr val="00A6D6"/>
+                </a:solidFill>
+                <a:latin typeface="Tahoma"/>
+                <a:ea typeface="ＭＳ Ｐゴシック" charset="-128"/>
+              </a:rPr>
+              <a:t>Het totale systeem</a:t>
+            </a:r>
+          </a:p>
+        </p:txBody>
+      </p:sp>
+      <p:sp>
+        <p:nvSpPr>
+          <p:cNvPr id="4" name="Tijdelijke aanduiding voor inhoud 3"/>
+          <p:cNvSpPr>
+            <a:spLocks noGrp="1"/>
+          </p:cNvSpPr>
+          <p:nvPr>
+            <p:ph idx="1"/>
+          </p:nvPr>
+        </p:nvSpPr>
+        <p:spPr/>
+        <p:txBody>
+          <a:bodyPr/>
+          <a:lstStyle/>
+          <a:p>
+            <a:pPr lvl="0"/>
+            <a:r>
+              <a:rPr lang="nl-NL" dirty="0"/>
+              <a:t>LCD MIDAS typenummer </a:t>
+            </a:r>
+            <a:r>
+              <a:rPr lang="nl-NL" dirty="0" smtClean="0"/>
+              <a:t>MC128064B6W-BNMLW</a:t>
+            </a:r>
+          </a:p>
+          <a:p>
+            <a:pPr lvl="0"/>
+            <a:endParaRPr lang="nl-NL" dirty="0"/>
+          </a:p>
+          <a:p>
+            <a:pPr lvl="0"/>
+            <a:r>
+              <a:rPr lang="nl-NL" dirty="0"/>
+              <a:t>Chip geeft x-y positie met </a:t>
+            </a:r>
+            <a:r>
+              <a:rPr lang="nl-NL" dirty="0" smtClean="0"/>
+              <a:t>karakter</a:t>
+            </a:r>
+          </a:p>
+          <a:p>
+            <a:pPr lvl="0"/>
+            <a:endParaRPr lang="nl-NL" dirty="0"/>
+          </a:p>
+          <a:p>
+            <a:pPr lvl="0"/>
+            <a:r>
+              <a:rPr lang="nl-NL" dirty="0"/>
+              <a:t>Atmega32-16pu met karakter bibliotheek en schrijf </a:t>
+            </a:r>
+            <a:r>
+              <a:rPr lang="nl-NL" dirty="0" smtClean="0"/>
+              <a:t>routine</a:t>
+            </a:r>
+            <a:endParaRPr lang="nl-NL" dirty="0"/>
+          </a:p>
+        </p:txBody>
+      </p:sp>
+      <p:pic>
+        <p:nvPicPr>
+          <p:cNvPr id="8" name="voorbeeld_lcd.png"/>
+          <p:cNvPicPr/>
+          <p:nvPr/>
+        </p:nvPicPr>
+        <p:blipFill>
+          <a:blip r:embed="rId2">
+            <a:extLst/>
+          </a:blip>
+          <a:stretch>
+            <a:fillRect/>
+          </a:stretch>
+        </p:blipFill>
+        <p:spPr>
+          <a:xfrm>
+            <a:off x="5058289" y="4160983"/>
+            <a:ext cx="3059981" cy="1373199"/>
+          </a:xfrm>
+          <a:prstGeom prst="rect">
+            <a:avLst/>
+          </a:prstGeom>
+          <a:ln w="12700">
+            <a:miter lim="400000"/>
+          </a:ln>
+        </p:spPr>
+      </p:pic>
+      <p:pic>
+        <p:nvPicPr>
+          <p:cNvPr id="10" name="pasted-image.tif"/>
+          <p:cNvPicPr/>
+          <p:nvPr/>
+        </p:nvPicPr>
+        <p:blipFill>
+          <a:blip r:embed="rId3">
+            <a:extLst/>
+          </a:blip>
+          <a:srcRect l="31265" t="1357" r="31139" b="10740"/>
+          <a:stretch>
+            <a:fillRect/>
+          </a:stretch>
+        </p:blipFill>
+        <p:spPr>
+          <a:xfrm>
+            <a:off x="3586356" y="3990773"/>
+            <a:ext cx="673162" cy="1774865"/>
+          </a:xfrm>
+          <a:prstGeom prst="rect">
+            <a:avLst/>
+          </a:prstGeom>
+          <a:ln w="12700">
+            <a:miter lim="400000"/>
+          </a:ln>
+        </p:spPr>
+      </p:pic>
+      <p:pic>
+        <p:nvPicPr>
+          <p:cNvPr id="11" name="toplevel_entity.png"/>
+          <p:cNvPicPr/>
+          <p:nvPr/>
+        </p:nvPicPr>
+        <p:blipFill>
+          <a:blip r:embed="rId4">
+            <a:extLst/>
+          </a:blip>
+          <a:stretch>
+            <a:fillRect/>
+          </a:stretch>
+        </p:blipFill>
+        <p:spPr>
+          <a:xfrm>
+            <a:off x="468569" y="3929528"/>
+            <a:ext cx="2823273" cy="1836110"/>
+          </a:xfrm>
+          <a:prstGeom prst="rect">
+            <a:avLst/>
+          </a:prstGeom>
+          <a:ln w="12700">
+            <a:miter lim="400000"/>
+          </a:ln>
+        </p:spPr>
+      </p:pic>
+      <p:sp>
+        <p:nvSpPr>
+          <p:cNvPr id="12" name="Shape 41"/>
+          <p:cNvSpPr/>
+          <p:nvPr/>
+        </p:nvSpPr>
+        <p:spPr>
+          <a:xfrm>
+            <a:off x="2787586" y="4604708"/>
+            <a:ext cx="798770" cy="0"/>
+          </a:xfrm>
+          <a:prstGeom prst="line">
+            <a:avLst/>
+          </a:prstGeom>
+          <a:ln w="63500">
+            <a:solidFill/>
+            <a:miter lim="400000"/>
+            <a:tailEnd type="triangle"/>
+          </a:ln>
+        </p:spPr>
+        <p:txBody>
+          <a:bodyPr lIns="0" tIns="0" rIns="0" bIns="0" anchor="ctr"/>
+          <a:lstStyle/>
+          <a:p>
+            <a:pPr>
+              <a:defRPr sz="2400"/>
+            </a:pPr>
+            <a:endParaRPr>
+              <a:solidFill>
+                <a:srgbClr val="000000"/>
+              </a:solidFill>
+            </a:endParaRPr>
+          </a:p>
+        </p:txBody>
+      </p:sp>
+      <p:sp>
+        <p:nvSpPr>
+          <p:cNvPr id="13" name="Shape 42"/>
+          <p:cNvSpPr/>
+          <p:nvPr/>
+        </p:nvSpPr>
+        <p:spPr>
+          <a:xfrm>
+            <a:off x="4259518" y="4604708"/>
+            <a:ext cx="798771" cy="0"/>
+          </a:xfrm>
+          <a:prstGeom prst="line">
+            <a:avLst/>
+          </a:prstGeom>
+          <a:ln w="63500">
+            <a:solidFill/>
+            <a:miter lim="400000"/>
+            <a:tailEnd type="triangle"/>
+          </a:ln>
+        </p:spPr>
+        <p:txBody>
+          <a:bodyPr lIns="0" tIns="0" rIns="0" bIns="0" anchor="ctr"/>
+          <a:lstStyle/>
+          <a:p>
+            <a:pPr>
+              <a:defRPr sz="2400"/>
+            </a:pPr>
+            <a:endParaRPr>
+              <a:solidFill>
+                <a:srgbClr val="000000"/>
+              </a:solidFill>
+            </a:endParaRPr>
+          </a:p>
+        </p:txBody>
+      </p:sp>
+    </p:spTree>
+    <p:extLst>
+      <p:ext uri="{BB962C8B-B14F-4D97-AF65-F5344CB8AC3E}">
+        <p14:creationId xmlns:p14="http://schemas.microsoft.com/office/powerpoint/2010/main" val="1029360624"/>
+      </p:ext>
+    </p:extLst>
+  </p:cSld>
+  <p:clrMapOvr>
+    <a:masterClrMapping/>
+  </p:clrMapOvr>
+  <p:timing>
+    <p:tnLst>
+      <p:par>
+        <p:cTn id="1" dur="indefinite" restart="never" nodeType="tmRoot"/>
+      </p:par>
+    </p:tnLst>
+  </p:timing>
+</p:sld>
+</file>
+
+<file path=ppt/slides/slide18.xml><?xml version="1.0" encoding="utf-8"?>
+<p:sld xmlns:a="http://schemas.openxmlformats.org/drawingml/2006/main" xmlns:r="http://schemas.openxmlformats.org/officeDocument/2006/relationships" xmlns:p="http://schemas.openxmlformats.org/presentationml/2006/main">
+  <p:cSld>
+    <p:spTree>
+      <p:nvGrpSpPr>
+        <p:cNvPr id="1" name=""/>
+        <p:cNvGrpSpPr/>
+        <p:nvPr/>
+      </p:nvGrpSpPr>
+      <p:grpSpPr>
+        <a:xfrm>
+          <a:off x="0" y="0"/>
+          <a:ext cx="0" cy="0"/>
+          <a:chOff x="0" y="0"/>
+          <a:chExt cx="0" cy="0"/>
+        </a:xfrm>
+      </p:grpSpPr>
+      <p:sp>
+        <p:nvSpPr>
+          <p:cNvPr id="4098" name="Title 3"/>
+          <p:cNvSpPr>
+            <a:spLocks noGrp="1"/>
+          </p:cNvSpPr>
+          <p:nvPr>
+            <p:ph type="title"/>
+          </p:nvPr>
+        </p:nvSpPr>
+        <p:spPr>
+          <a:xfrm>
+            <a:off x="915193" y="502892"/>
+            <a:ext cx="7159625" cy="627063"/>
+          </a:xfrm>
+        </p:spPr>
+        <p:txBody>
+          <a:bodyPr/>
+          <a:lstStyle/>
+          <a:p>
+            <a:pPr>
+              <a:defRPr/>
+            </a:pPr>
+            <a:r>
+              <a:rPr lang="nl-NL" altLang="nl-NL" dirty="0" smtClean="0">
+                <a:latin typeface="+mn-lt"/>
+                <a:ea typeface="ＭＳ Ｐゴシック" pitchFamily="34" charset="-128"/>
+              </a:rPr>
+              <a:t>LCD</a:t>
+            </a:r>
+          </a:p>
+        </p:txBody>
+      </p:sp>
+      <p:sp>
+        <p:nvSpPr>
+          <p:cNvPr id="6" name="Ondertitel 2"/>
+          <p:cNvSpPr txBox="1">
+            <a:spLocks/>
+          </p:cNvSpPr>
+          <p:nvPr/>
+        </p:nvSpPr>
+        <p:spPr bwMode="auto">
+          <a:xfrm>
+            <a:off x="914400" y="1041400"/>
+            <a:ext cx="6781800" cy="474663"/>
+          </a:xfrm>
+          <a:prstGeom prst="rect">
+            <a:avLst/>
+          </a:prstGeom>
+          <a:noFill/>
+          <a:ln w="9525">
+            <a:noFill/>
+            <a:miter lim="800000"/>
+            <a:headEnd/>
+            <a:tailEnd/>
+          </a:ln>
+        </p:spPr>
+        <p:txBody>
+          <a:bodyPr lIns="0" tIns="0" rIns="0" bIns="0"/>
+          <a:lstStyle>
+            <a:lvl1pPr eaLnBrk="0" hangingPunct="0">
+              <a:defRPr sz="2400">
+                <a:solidFill>
+                  <a:schemeClr val="tx1"/>
+                </a:solidFill>
+                <a:latin typeface="Tahoma" charset="0"/>
+                <a:cs typeface="Arial" charset="0"/>
+              </a:defRPr>
+            </a:lvl1pPr>
+            <a:lvl2pPr marL="37931725" indent="-37474525" eaLnBrk="0" hangingPunct="0">
+              <a:defRPr sz="2400">
+                <a:solidFill>
+                  <a:schemeClr val="tx1"/>
+                </a:solidFill>
+                <a:latin typeface="Tahoma" charset="0"/>
+                <a:cs typeface="Arial" charset="0"/>
+              </a:defRPr>
+            </a:lvl2pPr>
+            <a:lvl3pPr eaLnBrk="0" hangingPunct="0">
+              <a:defRPr sz="2400">
+                <a:solidFill>
+                  <a:schemeClr val="tx1"/>
+                </a:solidFill>
+                <a:latin typeface="Tahoma" charset="0"/>
+                <a:cs typeface="Arial" charset="0"/>
+              </a:defRPr>
+            </a:lvl3pPr>
+            <a:lvl4pPr eaLnBrk="0" hangingPunct="0">
+              <a:defRPr sz="2400">
+                <a:solidFill>
+                  <a:schemeClr val="tx1"/>
+                </a:solidFill>
+                <a:latin typeface="Tahoma" charset="0"/>
+                <a:cs typeface="Arial" charset="0"/>
+              </a:defRPr>
+            </a:lvl4pPr>
+            <a:lvl5pPr eaLnBrk="0" hangingPunct="0">
+              <a:defRPr sz="2400">
+                <a:solidFill>
+                  <a:schemeClr val="tx1"/>
+                </a:solidFill>
+                <a:latin typeface="Tahoma" charset="0"/>
+                <a:cs typeface="Arial" charset="0"/>
+              </a:defRPr>
+            </a:lvl5pPr>
+            <a:lvl6pPr marL="457200" eaLnBrk="0" fontAlgn="base" hangingPunct="0">
+              <a:spcBef>
+                <a:spcPct val="0"/>
+              </a:spcBef>
+              <a:spcAft>
+                <a:spcPct val="0"/>
+              </a:spcAft>
+              <a:defRPr sz="2400">
+                <a:solidFill>
+                  <a:schemeClr val="tx1"/>
+                </a:solidFill>
+                <a:latin typeface="Tahoma" charset="0"/>
+                <a:cs typeface="Arial" charset="0"/>
+              </a:defRPr>
+            </a:lvl6pPr>
+            <a:lvl7pPr marL="914400" eaLnBrk="0" fontAlgn="base" hangingPunct="0">
+              <a:spcBef>
+                <a:spcPct val="0"/>
+              </a:spcBef>
+              <a:spcAft>
+                <a:spcPct val="0"/>
+              </a:spcAft>
+              <a:defRPr sz="2400">
+                <a:solidFill>
+                  <a:schemeClr val="tx1"/>
+                </a:solidFill>
+                <a:latin typeface="Tahoma" charset="0"/>
+                <a:cs typeface="Arial" charset="0"/>
+              </a:defRPr>
+            </a:lvl7pPr>
+            <a:lvl8pPr marL="1371600" eaLnBrk="0" fontAlgn="base" hangingPunct="0">
+              <a:spcBef>
+                <a:spcPct val="0"/>
+              </a:spcBef>
+              <a:spcAft>
+                <a:spcPct val="0"/>
+              </a:spcAft>
+              <a:defRPr sz="2400">
+                <a:solidFill>
+                  <a:schemeClr val="tx1"/>
+                </a:solidFill>
+                <a:latin typeface="Tahoma" charset="0"/>
+                <a:cs typeface="Arial" charset="0"/>
+              </a:defRPr>
+            </a:lvl8pPr>
+            <a:lvl9pPr marL="1828800" eaLnBrk="0" fontAlgn="base" hangingPunct="0">
+              <a:spcBef>
+                <a:spcPct val="0"/>
+              </a:spcBef>
+              <a:spcAft>
+                <a:spcPct val="0"/>
+              </a:spcAft>
+              <a:defRPr sz="2400">
+                <a:solidFill>
+                  <a:schemeClr val="tx1"/>
+                </a:solidFill>
+                <a:latin typeface="Tahoma" charset="0"/>
+                <a:cs typeface="Arial" charset="0"/>
+              </a:defRPr>
+            </a:lvl9pPr>
+          </a:lstStyle>
+          <a:p>
+            <a:pPr algn="l">
+              <a:lnSpc>
+                <a:spcPts val="2500"/>
+              </a:lnSpc>
+              <a:buClr>
+                <a:srgbClr val="00A6D6"/>
+              </a:buClr>
+              <a:defRPr/>
+            </a:pPr>
+            <a:r>
+              <a:rPr lang="nl-NL" altLang="nl-NL" sz="2000" dirty="0" smtClean="0">
+                <a:solidFill>
+                  <a:srgbClr val="00A6D6"/>
+                </a:solidFill>
+                <a:latin typeface="Tahoma"/>
+                <a:ea typeface="ＭＳ Ｐゴシック" charset="-128"/>
+              </a:rPr>
+              <a:t>Werking display</a:t>
+            </a:r>
+          </a:p>
+        </p:txBody>
+      </p:sp>
+      <p:pic>
+        <p:nvPicPr>
+          <p:cNvPr id="14" name="voorbeeld_lcd.png"/>
+          <p:cNvPicPr/>
+          <p:nvPr/>
+        </p:nvPicPr>
+        <p:blipFill>
+          <a:blip r:embed="rId2">
+            <a:extLst/>
+          </a:blip>
+          <a:stretch>
+            <a:fillRect/>
+          </a:stretch>
+        </p:blipFill>
+        <p:spPr>
+          <a:xfrm>
+            <a:off x="2796156" y="4305606"/>
+            <a:ext cx="3147444" cy="1422333"/>
+          </a:xfrm>
+          <a:prstGeom prst="rect">
+            <a:avLst/>
+          </a:prstGeom>
+          <a:ln w="12700">
+            <a:miter lim="400000"/>
+          </a:ln>
+        </p:spPr>
+      </p:pic>
+      <p:pic>
+        <p:nvPicPr>
+          <p:cNvPr id="15" name="pasted-image.png"/>
+          <p:cNvPicPr/>
+          <p:nvPr/>
+        </p:nvPicPr>
+        <p:blipFill>
+          <a:blip r:embed="rId3">
+            <a:extLst/>
+          </a:blip>
+          <a:stretch>
+            <a:fillRect/>
+          </a:stretch>
+        </p:blipFill>
+        <p:spPr>
+          <a:xfrm>
+            <a:off x="5297313" y="2054571"/>
+            <a:ext cx="3583304" cy="2087816"/>
+          </a:xfrm>
+          <a:prstGeom prst="rect">
+            <a:avLst/>
+          </a:prstGeom>
+          <a:ln w="12700">
+            <a:miter lim="400000"/>
+          </a:ln>
+        </p:spPr>
+      </p:pic>
+      <p:pic>
+        <p:nvPicPr>
+          <p:cNvPr id="16" name="pasted-image.png"/>
+          <p:cNvPicPr/>
+          <p:nvPr/>
+        </p:nvPicPr>
+        <p:blipFill>
+          <a:blip r:embed="rId4">
+            <a:extLst/>
+          </a:blip>
+          <a:stretch>
+            <a:fillRect/>
+          </a:stretch>
+        </p:blipFill>
+        <p:spPr>
+          <a:xfrm>
+            <a:off x="268958" y="2054571"/>
+            <a:ext cx="2010067" cy="1995570"/>
+          </a:xfrm>
+          <a:prstGeom prst="rect">
+            <a:avLst/>
+          </a:prstGeom>
+          <a:ln w="12700">
+            <a:miter lim="400000"/>
+          </a:ln>
+        </p:spPr>
+      </p:pic>
+      <p:pic>
+        <p:nvPicPr>
+          <p:cNvPr id="17" name="pasted-image.png"/>
+          <p:cNvPicPr/>
+          <p:nvPr/>
+        </p:nvPicPr>
+        <p:blipFill>
+          <a:blip r:embed="rId5">
+            <a:extLst/>
+          </a:blip>
+          <a:stretch>
+            <a:fillRect/>
+          </a:stretch>
+        </p:blipFill>
+        <p:spPr>
+          <a:xfrm>
+            <a:off x="2224824" y="3077072"/>
+            <a:ext cx="3018288" cy="561385"/>
+          </a:xfrm>
+          <a:prstGeom prst="rect">
+            <a:avLst/>
+          </a:prstGeom>
+          <a:ln w="12700">
+            <a:miter lim="400000"/>
+          </a:ln>
+        </p:spPr>
+      </p:pic>
+      <p:pic>
+        <p:nvPicPr>
+          <p:cNvPr id="18" name="pasted-image.png"/>
+          <p:cNvPicPr/>
+          <p:nvPr/>
+        </p:nvPicPr>
+        <p:blipFill>
+          <a:blip r:embed="rId6">
+            <a:extLst/>
+          </a:blip>
+          <a:stretch>
+            <a:fillRect/>
+          </a:stretch>
+        </p:blipFill>
+        <p:spPr>
+          <a:xfrm>
+            <a:off x="2279025" y="2591538"/>
+            <a:ext cx="2909886" cy="506941"/>
+          </a:xfrm>
+          <a:prstGeom prst="rect">
+            <a:avLst/>
+          </a:prstGeom>
+          <a:ln w="12700">
+            <a:miter lim="400000"/>
+          </a:ln>
+        </p:spPr>
+      </p:pic>
+      <p:pic>
+        <p:nvPicPr>
+          <p:cNvPr id="19" name="pasted-image.png"/>
+          <p:cNvPicPr/>
+          <p:nvPr/>
+        </p:nvPicPr>
+        <p:blipFill>
+          <a:blip r:embed="rId7">
+            <a:extLst/>
+          </a:blip>
+          <a:stretch>
+            <a:fillRect/>
+          </a:stretch>
+        </p:blipFill>
+        <p:spPr>
+          <a:xfrm>
+            <a:off x="2224824" y="3635446"/>
+            <a:ext cx="2907026" cy="506941"/>
+          </a:xfrm>
+          <a:prstGeom prst="rect">
+            <a:avLst/>
+          </a:prstGeom>
+          <a:ln w="12700">
+            <a:miter lim="400000"/>
+          </a:ln>
+        </p:spPr>
+      </p:pic>
+      <p:pic>
+        <p:nvPicPr>
+          <p:cNvPr id="20" name="pasted-image.png"/>
+          <p:cNvPicPr/>
+          <p:nvPr/>
+        </p:nvPicPr>
+        <p:blipFill>
+          <a:blip r:embed="rId8">
+            <a:extLst/>
+          </a:blip>
+          <a:stretch>
+            <a:fillRect/>
+          </a:stretch>
+        </p:blipFill>
+        <p:spPr>
+          <a:xfrm>
+            <a:off x="2317237" y="2095332"/>
+            <a:ext cx="3009410" cy="444773"/>
+          </a:xfrm>
+          <a:prstGeom prst="rect">
+            <a:avLst/>
+          </a:prstGeom>
+          <a:ln w="12700">
+            <a:miter lim="400000"/>
+          </a:ln>
+        </p:spPr>
+      </p:pic>
+    </p:spTree>
+    <p:extLst>
+      <p:ext uri="{BB962C8B-B14F-4D97-AF65-F5344CB8AC3E}">
+        <p14:creationId xmlns:p14="http://schemas.microsoft.com/office/powerpoint/2010/main" val="1364178138"/>
+      </p:ext>
+    </p:extLst>
+  </p:cSld>
+  <p:clrMapOvr>
+    <a:masterClrMapping/>
+  </p:clrMapOvr>
+  <p:timing>
+    <p:tnLst>
+      <p:par>
+        <p:cTn id="1" dur="indefinite" restart="never" nodeType="tmRoot"/>
+      </p:par>
+    </p:tnLst>
+  </p:timing>
+</p:sld>
+</file>
+
+<file path=ppt/slides/slide19.xml><?xml version="1.0" encoding="utf-8"?>
+<p:sld xmlns:a="http://schemas.openxmlformats.org/drawingml/2006/main" xmlns:r="http://schemas.openxmlformats.org/officeDocument/2006/relationships" xmlns:p="http://schemas.openxmlformats.org/presentationml/2006/main">
+  <p:cSld>
+    <p:spTree>
+      <p:nvGrpSpPr>
+        <p:cNvPr id="1" name=""/>
+        <p:cNvGrpSpPr/>
+        <p:nvPr/>
+      </p:nvGrpSpPr>
+      <p:grpSpPr>
+        <a:xfrm>
+          <a:off x="0" y="0"/>
+          <a:ext cx="0" cy="0"/>
+          <a:chOff x="0" y="0"/>
+          <a:chExt cx="0" cy="0"/>
+        </a:xfrm>
+      </p:grpSpPr>
+      <p:sp>
+        <p:nvSpPr>
+          <p:cNvPr id="4098" name="Title 3"/>
+          <p:cNvSpPr>
+            <a:spLocks noGrp="1"/>
+          </p:cNvSpPr>
+          <p:nvPr>
+            <p:ph type="title"/>
+          </p:nvPr>
+        </p:nvSpPr>
+        <p:spPr>
+          <a:xfrm>
+            <a:off x="915193" y="502892"/>
+            <a:ext cx="7159625" cy="627063"/>
+          </a:xfrm>
+        </p:spPr>
+        <p:txBody>
+          <a:bodyPr/>
+          <a:lstStyle/>
+          <a:p>
+            <a:pPr>
+              <a:defRPr/>
+            </a:pPr>
+            <a:r>
+              <a:rPr lang="nl-NL" altLang="nl-NL" dirty="0" smtClean="0">
+                <a:latin typeface="+mn-lt"/>
+                <a:ea typeface="ＭＳ Ｐゴシック" pitchFamily="34" charset="-128"/>
+              </a:rPr>
+              <a:t>LCD</a:t>
+            </a:r>
+          </a:p>
+        </p:txBody>
+      </p:sp>
+      <p:sp>
+        <p:nvSpPr>
+          <p:cNvPr id="6" name="Ondertitel 2"/>
+          <p:cNvSpPr txBox="1">
+            <a:spLocks/>
+          </p:cNvSpPr>
+          <p:nvPr/>
+        </p:nvSpPr>
+        <p:spPr bwMode="auto">
+          <a:xfrm>
+            <a:off x="914400" y="1041400"/>
+            <a:ext cx="6781800" cy="474663"/>
+          </a:xfrm>
+          <a:prstGeom prst="rect">
+            <a:avLst/>
+          </a:prstGeom>
+          <a:noFill/>
+          <a:ln w="9525">
+            <a:noFill/>
+            <a:miter lim="800000"/>
+            <a:headEnd/>
+            <a:tailEnd/>
+          </a:ln>
+        </p:spPr>
+        <p:txBody>
+          <a:bodyPr lIns="0" tIns="0" rIns="0" bIns="0"/>
+          <a:lstStyle>
+            <a:lvl1pPr eaLnBrk="0" hangingPunct="0">
+              <a:defRPr sz="2400">
+                <a:solidFill>
+                  <a:schemeClr val="tx1"/>
+                </a:solidFill>
+                <a:latin typeface="Tahoma" charset="0"/>
+                <a:cs typeface="Arial" charset="0"/>
+              </a:defRPr>
+            </a:lvl1pPr>
+            <a:lvl2pPr marL="37931725" indent="-37474525" eaLnBrk="0" hangingPunct="0">
+              <a:defRPr sz="2400">
+                <a:solidFill>
+                  <a:schemeClr val="tx1"/>
+                </a:solidFill>
+                <a:latin typeface="Tahoma" charset="0"/>
+                <a:cs typeface="Arial" charset="0"/>
+              </a:defRPr>
+            </a:lvl2pPr>
+            <a:lvl3pPr eaLnBrk="0" hangingPunct="0">
+              <a:defRPr sz="2400">
+                <a:solidFill>
+                  <a:schemeClr val="tx1"/>
+                </a:solidFill>
+                <a:latin typeface="Tahoma" charset="0"/>
+                <a:cs typeface="Arial" charset="0"/>
+              </a:defRPr>
+            </a:lvl3pPr>
+            <a:lvl4pPr eaLnBrk="0" hangingPunct="0">
+              <a:defRPr sz="2400">
+                <a:solidFill>
+                  <a:schemeClr val="tx1"/>
+                </a:solidFill>
+                <a:latin typeface="Tahoma" charset="0"/>
+                <a:cs typeface="Arial" charset="0"/>
+              </a:defRPr>
+            </a:lvl4pPr>
+            <a:lvl5pPr eaLnBrk="0" hangingPunct="0">
+              <a:defRPr sz="2400">
+                <a:solidFill>
+                  <a:schemeClr val="tx1"/>
+                </a:solidFill>
+                <a:latin typeface="Tahoma" charset="0"/>
+                <a:cs typeface="Arial" charset="0"/>
+              </a:defRPr>
+            </a:lvl5pPr>
+            <a:lvl6pPr marL="457200" eaLnBrk="0" fontAlgn="base" hangingPunct="0">
+              <a:spcBef>
+                <a:spcPct val="0"/>
+              </a:spcBef>
+              <a:spcAft>
+                <a:spcPct val="0"/>
+              </a:spcAft>
+              <a:defRPr sz="2400">
+                <a:solidFill>
+                  <a:schemeClr val="tx1"/>
+                </a:solidFill>
+                <a:latin typeface="Tahoma" charset="0"/>
+                <a:cs typeface="Arial" charset="0"/>
+              </a:defRPr>
+            </a:lvl6pPr>
+            <a:lvl7pPr marL="914400" eaLnBrk="0" fontAlgn="base" hangingPunct="0">
+              <a:spcBef>
+                <a:spcPct val="0"/>
+              </a:spcBef>
+              <a:spcAft>
+                <a:spcPct val="0"/>
+              </a:spcAft>
+              <a:defRPr sz="2400">
+                <a:solidFill>
+                  <a:schemeClr val="tx1"/>
+                </a:solidFill>
+                <a:latin typeface="Tahoma" charset="0"/>
+                <a:cs typeface="Arial" charset="0"/>
+              </a:defRPr>
+            </a:lvl7pPr>
+            <a:lvl8pPr marL="1371600" eaLnBrk="0" fontAlgn="base" hangingPunct="0">
+              <a:spcBef>
+                <a:spcPct val="0"/>
+              </a:spcBef>
+              <a:spcAft>
+                <a:spcPct val="0"/>
+              </a:spcAft>
+              <a:defRPr sz="2400">
+                <a:solidFill>
+                  <a:schemeClr val="tx1"/>
+                </a:solidFill>
+                <a:latin typeface="Tahoma" charset="0"/>
+                <a:cs typeface="Arial" charset="0"/>
+              </a:defRPr>
+            </a:lvl8pPr>
+            <a:lvl9pPr marL="1828800" eaLnBrk="0" fontAlgn="base" hangingPunct="0">
+              <a:spcBef>
+                <a:spcPct val="0"/>
+              </a:spcBef>
+              <a:spcAft>
+                <a:spcPct val="0"/>
+              </a:spcAft>
+              <a:defRPr sz="2400">
+                <a:solidFill>
+                  <a:schemeClr val="tx1"/>
+                </a:solidFill>
+                <a:latin typeface="Tahoma" charset="0"/>
+                <a:cs typeface="Arial" charset="0"/>
+              </a:defRPr>
+            </a:lvl9pPr>
+          </a:lstStyle>
+          <a:p>
+            <a:pPr algn="l">
+              <a:lnSpc>
+                <a:spcPts val="2500"/>
+              </a:lnSpc>
+              <a:buClr>
+                <a:srgbClr val="00A6D6"/>
+              </a:buClr>
+              <a:defRPr/>
+            </a:pPr>
+            <a:r>
+              <a:rPr lang="nl-NL" altLang="nl-NL" sz="2000" dirty="0" smtClean="0">
+                <a:solidFill>
+                  <a:srgbClr val="00A6D6"/>
+                </a:solidFill>
+                <a:latin typeface="Tahoma"/>
+                <a:ea typeface="ＭＳ Ｐゴシック" charset="-128"/>
+              </a:rPr>
+              <a:t>LCD controller chip</a:t>
+            </a:r>
+          </a:p>
+        </p:txBody>
+      </p:sp>
+      <p:pic>
+        <p:nvPicPr>
+          <p:cNvPr id="14" name="pasted-image.png"/>
+          <p:cNvPicPr/>
+          <p:nvPr/>
+        </p:nvPicPr>
+        <p:blipFill rotWithShape="1">
+          <a:blip r:embed="rId2">
+            <a:extLst/>
+          </a:blip>
+          <a:srcRect t="2545" b="2026"/>
+          <a:stretch/>
+        </p:blipFill>
+        <p:spPr>
+          <a:xfrm>
+            <a:off x="1561381" y="1431985"/>
+            <a:ext cx="6513437" cy="4666890"/>
+          </a:xfrm>
+          <a:prstGeom prst="rect">
+            <a:avLst/>
+          </a:prstGeom>
+          <a:ln w="12700">
+            <a:miter lim="400000"/>
+          </a:ln>
+        </p:spPr>
+      </p:pic>
+    </p:spTree>
+    <p:extLst>
+      <p:ext uri="{BB962C8B-B14F-4D97-AF65-F5344CB8AC3E}">
+        <p14:creationId xmlns:p14="http://schemas.microsoft.com/office/powerpoint/2010/main" val="2724193976"/>
       </p:ext>
     </p:extLst>
   </p:cSld>
@@ -5416,6 +8045,1445 @@
     <p:extLst>
       <p:ext uri="{BB962C8B-B14F-4D97-AF65-F5344CB8AC3E}">
         <p14:creationId xmlns:p14="http://schemas.microsoft.com/office/powerpoint/2010/main" val="912281294"/>
+      </p:ext>
+    </p:extLst>
+  </p:cSld>
+  <p:clrMapOvr>
+    <a:masterClrMapping/>
+  </p:clrMapOvr>
+  <p:timing>
+    <p:tnLst>
+      <p:par>
+        <p:cTn id="1" dur="indefinite" restart="never" nodeType="tmRoot"/>
+      </p:par>
+    </p:tnLst>
+  </p:timing>
+</p:sld>
+</file>
+
+<file path=ppt/slides/slide20.xml><?xml version="1.0" encoding="utf-8"?>
+<p:sld xmlns:a="http://schemas.openxmlformats.org/drawingml/2006/main" xmlns:r="http://schemas.openxmlformats.org/officeDocument/2006/relationships" xmlns:p="http://schemas.openxmlformats.org/presentationml/2006/main">
+  <p:cSld>
+    <p:spTree>
+      <p:nvGrpSpPr>
+        <p:cNvPr id="1" name=""/>
+        <p:cNvGrpSpPr/>
+        <p:nvPr/>
+      </p:nvGrpSpPr>
+      <p:grpSpPr>
+        <a:xfrm>
+          <a:off x="0" y="0"/>
+          <a:ext cx="0" cy="0"/>
+          <a:chOff x="0" y="0"/>
+          <a:chExt cx="0" cy="0"/>
+        </a:xfrm>
+      </p:grpSpPr>
+      <p:sp>
+        <p:nvSpPr>
+          <p:cNvPr id="4098" name="Title 3"/>
+          <p:cNvSpPr>
+            <a:spLocks noGrp="1"/>
+          </p:cNvSpPr>
+          <p:nvPr>
+            <p:ph type="title"/>
+          </p:nvPr>
+        </p:nvSpPr>
+        <p:spPr>
+          <a:xfrm>
+            <a:off x="915193" y="502892"/>
+            <a:ext cx="7159625" cy="627063"/>
+          </a:xfrm>
+        </p:spPr>
+        <p:txBody>
+          <a:bodyPr/>
+          <a:lstStyle/>
+          <a:p>
+            <a:pPr>
+              <a:defRPr/>
+            </a:pPr>
+            <a:r>
+              <a:rPr lang="nl-NL" altLang="nl-NL" dirty="0" smtClean="0">
+                <a:latin typeface="+mn-lt"/>
+                <a:ea typeface="ＭＳ Ｐゴシック" pitchFamily="34" charset="-128"/>
+              </a:rPr>
+              <a:t>LCD</a:t>
+            </a:r>
+          </a:p>
+        </p:txBody>
+      </p:sp>
+      <p:sp>
+        <p:nvSpPr>
+          <p:cNvPr id="6" name="Ondertitel 2"/>
+          <p:cNvSpPr txBox="1">
+            <a:spLocks/>
+          </p:cNvSpPr>
+          <p:nvPr/>
+        </p:nvSpPr>
+        <p:spPr bwMode="auto">
+          <a:xfrm>
+            <a:off x="914400" y="1041400"/>
+            <a:ext cx="6781800" cy="474663"/>
+          </a:xfrm>
+          <a:prstGeom prst="rect">
+            <a:avLst/>
+          </a:prstGeom>
+          <a:noFill/>
+          <a:ln w="9525">
+            <a:noFill/>
+            <a:miter lim="800000"/>
+            <a:headEnd/>
+            <a:tailEnd/>
+          </a:ln>
+        </p:spPr>
+        <p:txBody>
+          <a:bodyPr lIns="0" tIns="0" rIns="0" bIns="0"/>
+          <a:lstStyle>
+            <a:lvl1pPr eaLnBrk="0" hangingPunct="0">
+              <a:defRPr sz="2400">
+                <a:solidFill>
+                  <a:schemeClr val="tx1"/>
+                </a:solidFill>
+                <a:latin typeface="Tahoma" charset="0"/>
+                <a:cs typeface="Arial" charset="0"/>
+              </a:defRPr>
+            </a:lvl1pPr>
+            <a:lvl2pPr marL="37931725" indent="-37474525" eaLnBrk="0" hangingPunct="0">
+              <a:defRPr sz="2400">
+                <a:solidFill>
+                  <a:schemeClr val="tx1"/>
+                </a:solidFill>
+                <a:latin typeface="Tahoma" charset="0"/>
+                <a:cs typeface="Arial" charset="0"/>
+              </a:defRPr>
+            </a:lvl2pPr>
+            <a:lvl3pPr eaLnBrk="0" hangingPunct="0">
+              <a:defRPr sz="2400">
+                <a:solidFill>
+                  <a:schemeClr val="tx1"/>
+                </a:solidFill>
+                <a:latin typeface="Tahoma" charset="0"/>
+                <a:cs typeface="Arial" charset="0"/>
+              </a:defRPr>
+            </a:lvl3pPr>
+            <a:lvl4pPr eaLnBrk="0" hangingPunct="0">
+              <a:defRPr sz="2400">
+                <a:solidFill>
+                  <a:schemeClr val="tx1"/>
+                </a:solidFill>
+                <a:latin typeface="Tahoma" charset="0"/>
+                <a:cs typeface="Arial" charset="0"/>
+              </a:defRPr>
+            </a:lvl4pPr>
+            <a:lvl5pPr eaLnBrk="0" hangingPunct="0">
+              <a:defRPr sz="2400">
+                <a:solidFill>
+                  <a:schemeClr val="tx1"/>
+                </a:solidFill>
+                <a:latin typeface="Tahoma" charset="0"/>
+                <a:cs typeface="Arial" charset="0"/>
+              </a:defRPr>
+            </a:lvl5pPr>
+            <a:lvl6pPr marL="457200" eaLnBrk="0" fontAlgn="base" hangingPunct="0">
+              <a:spcBef>
+                <a:spcPct val="0"/>
+              </a:spcBef>
+              <a:spcAft>
+                <a:spcPct val="0"/>
+              </a:spcAft>
+              <a:defRPr sz="2400">
+                <a:solidFill>
+                  <a:schemeClr val="tx1"/>
+                </a:solidFill>
+                <a:latin typeface="Tahoma" charset="0"/>
+                <a:cs typeface="Arial" charset="0"/>
+              </a:defRPr>
+            </a:lvl6pPr>
+            <a:lvl7pPr marL="914400" eaLnBrk="0" fontAlgn="base" hangingPunct="0">
+              <a:spcBef>
+                <a:spcPct val="0"/>
+              </a:spcBef>
+              <a:spcAft>
+                <a:spcPct val="0"/>
+              </a:spcAft>
+              <a:defRPr sz="2400">
+                <a:solidFill>
+                  <a:schemeClr val="tx1"/>
+                </a:solidFill>
+                <a:latin typeface="Tahoma" charset="0"/>
+                <a:cs typeface="Arial" charset="0"/>
+              </a:defRPr>
+            </a:lvl7pPr>
+            <a:lvl8pPr marL="1371600" eaLnBrk="0" fontAlgn="base" hangingPunct="0">
+              <a:spcBef>
+                <a:spcPct val="0"/>
+              </a:spcBef>
+              <a:spcAft>
+                <a:spcPct val="0"/>
+              </a:spcAft>
+              <a:defRPr sz="2400">
+                <a:solidFill>
+                  <a:schemeClr val="tx1"/>
+                </a:solidFill>
+                <a:latin typeface="Tahoma" charset="0"/>
+                <a:cs typeface="Arial" charset="0"/>
+              </a:defRPr>
+            </a:lvl8pPr>
+            <a:lvl9pPr marL="1828800" eaLnBrk="0" fontAlgn="base" hangingPunct="0">
+              <a:spcBef>
+                <a:spcPct val="0"/>
+              </a:spcBef>
+              <a:spcAft>
+                <a:spcPct val="0"/>
+              </a:spcAft>
+              <a:defRPr sz="2400">
+                <a:solidFill>
+                  <a:schemeClr val="tx1"/>
+                </a:solidFill>
+                <a:latin typeface="Tahoma" charset="0"/>
+                <a:cs typeface="Arial" charset="0"/>
+              </a:defRPr>
+            </a:lvl9pPr>
+          </a:lstStyle>
+          <a:p>
+            <a:pPr algn="l">
+              <a:lnSpc>
+                <a:spcPts val="2500"/>
+              </a:lnSpc>
+              <a:buClr>
+                <a:srgbClr val="00A6D6"/>
+              </a:buClr>
+              <a:defRPr/>
+            </a:pPr>
+            <a:r>
+              <a:rPr lang="nl-NL" altLang="nl-NL" sz="2000" dirty="0" smtClean="0">
+                <a:solidFill>
+                  <a:srgbClr val="00A6D6"/>
+                </a:solidFill>
+                <a:latin typeface="Tahoma"/>
+                <a:ea typeface="ＭＳ Ｐゴシック" charset="-128"/>
+              </a:rPr>
+              <a:t>Data omzetting, vb. datum</a:t>
+            </a:r>
+          </a:p>
+        </p:txBody>
+      </p:sp>
+      <p:pic>
+        <p:nvPicPr>
+          <p:cNvPr id="5" name="datum_fsm.png"/>
+          <p:cNvPicPr/>
+          <p:nvPr/>
+        </p:nvPicPr>
+        <p:blipFill>
+          <a:blip r:embed="rId2">
+            <a:extLst/>
+          </a:blip>
+          <a:stretch>
+            <a:fillRect/>
+          </a:stretch>
+        </p:blipFill>
+        <p:spPr>
+          <a:xfrm>
+            <a:off x="2803586" y="1516063"/>
+            <a:ext cx="6239758" cy="3901326"/>
+          </a:xfrm>
+          <a:prstGeom prst="rect">
+            <a:avLst/>
+          </a:prstGeom>
+          <a:ln w="12700">
+            <a:miter lim="400000"/>
+          </a:ln>
+        </p:spPr>
+      </p:pic>
+      <p:pic>
+        <p:nvPicPr>
+          <p:cNvPr id="7" name="datum_entity.png"/>
+          <p:cNvPicPr/>
+          <p:nvPr/>
+        </p:nvPicPr>
+        <p:blipFill>
+          <a:blip r:embed="rId3">
+            <a:extLst/>
+          </a:blip>
+          <a:stretch>
+            <a:fillRect/>
+          </a:stretch>
+        </p:blipFill>
+        <p:spPr>
+          <a:xfrm>
+            <a:off x="612475" y="4278702"/>
+            <a:ext cx="4045789" cy="1475457"/>
+          </a:xfrm>
+          <a:prstGeom prst="rect">
+            <a:avLst/>
+          </a:prstGeom>
+          <a:ln w="12700">
+            <a:miter lim="400000"/>
+          </a:ln>
+        </p:spPr>
+      </p:pic>
+    </p:spTree>
+    <p:extLst>
+      <p:ext uri="{BB962C8B-B14F-4D97-AF65-F5344CB8AC3E}">
+        <p14:creationId xmlns:p14="http://schemas.microsoft.com/office/powerpoint/2010/main" val="1193109032"/>
+      </p:ext>
+    </p:extLst>
+  </p:cSld>
+  <p:clrMapOvr>
+    <a:masterClrMapping/>
+  </p:clrMapOvr>
+  <p:timing>
+    <p:tnLst>
+      <p:par>
+        <p:cTn id="1" dur="indefinite" restart="never" nodeType="tmRoot"/>
+      </p:par>
+    </p:tnLst>
+  </p:timing>
+</p:sld>
+</file>
+
+<file path=ppt/slides/slide21.xml><?xml version="1.0" encoding="utf-8"?>
+<p:sld xmlns:a="http://schemas.openxmlformats.org/drawingml/2006/main" xmlns:r="http://schemas.openxmlformats.org/officeDocument/2006/relationships" xmlns:p="http://schemas.openxmlformats.org/presentationml/2006/main">
+  <p:cSld>
+    <p:spTree>
+      <p:nvGrpSpPr>
+        <p:cNvPr id="1" name=""/>
+        <p:cNvGrpSpPr/>
+        <p:nvPr/>
+      </p:nvGrpSpPr>
+      <p:grpSpPr>
+        <a:xfrm>
+          <a:off x="0" y="0"/>
+          <a:ext cx="0" cy="0"/>
+          <a:chOff x="0" y="0"/>
+          <a:chExt cx="0" cy="0"/>
+        </a:xfrm>
+      </p:grpSpPr>
+      <p:pic>
+        <p:nvPicPr>
+          <p:cNvPr id="2" name="Afbeelding 1"/>
+          <p:cNvPicPr>
+            <a:picLocks noChangeAspect="1"/>
+          </p:cNvPicPr>
+          <p:nvPr/>
+        </p:nvPicPr>
+        <p:blipFill>
+          <a:blip r:embed="rId2">
+            <a:extLst>
+              <a:ext uri="{28A0092B-C50C-407E-A947-70E740481C1C}">
+                <a14:useLocalDpi xmlns:a14="http://schemas.microsoft.com/office/drawing/2010/main" val="0"/>
+              </a:ext>
+            </a:extLst>
+          </a:blip>
+          <a:stretch>
+            <a:fillRect/>
+          </a:stretch>
+        </p:blipFill>
+        <p:spPr>
+          <a:xfrm>
+            <a:off x="4095819" y="1573869"/>
+            <a:ext cx="2949196" cy="1486029"/>
+          </a:xfrm>
+          <a:prstGeom prst="rect">
+            <a:avLst/>
+          </a:prstGeom>
+        </p:spPr>
+      </p:pic>
+      <p:sp>
+        <p:nvSpPr>
+          <p:cNvPr id="4098" name="Title 3"/>
+          <p:cNvSpPr>
+            <a:spLocks noGrp="1"/>
+          </p:cNvSpPr>
+          <p:nvPr>
+            <p:ph type="title"/>
+          </p:nvPr>
+        </p:nvSpPr>
+        <p:spPr>
+          <a:xfrm>
+            <a:off x="915193" y="502892"/>
+            <a:ext cx="7159625" cy="627063"/>
+          </a:xfrm>
+        </p:spPr>
+        <p:txBody>
+          <a:bodyPr/>
+          <a:lstStyle/>
+          <a:p>
+            <a:pPr>
+              <a:defRPr/>
+            </a:pPr>
+            <a:r>
+              <a:rPr lang="nl-NL" altLang="nl-NL" dirty="0" smtClean="0">
+                <a:latin typeface="+mn-lt"/>
+                <a:ea typeface="ＭＳ Ｐゴシック" pitchFamily="34" charset="-128"/>
+              </a:rPr>
+              <a:t>LCD</a:t>
+            </a:r>
+          </a:p>
+        </p:txBody>
+      </p:sp>
+      <p:sp>
+        <p:nvSpPr>
+          <p:cNvPr id="6" name="Ondertitel 2"/>
+          <p:cNvSpPr txBox="1">
+            <a:spLocks/>
+          </p:cNvSpPr>
+          <p:nvPr/>
+        </p:nvSpPr>
+        <p:spPr bwMode="auto">
+          <a:xfrm>
+            <a:off x="914400" y="1041400"/>
+            <a:ext cx="6781800" cy="474663"/>
+          </a:xfrm>
+          <a:prstGeom prst="rect">
+            <a:avLst/>
+          </a:prstGeom>
+          <a:noFill/>
+          <a:ln w="9525">
+            <a:noFill/>
+            <a:miter lim="800000"/>
+            <a:headEnd/>
+            <a:tailEnd/>
+          </a:ln>
+        </p:spPr>
+        <p:txBody>
+          <a:bodyPr lIns="0" tIns="0" rIns="0" bIns="0"/>
+          <a:lstStyle>
+            <a:lvl1pPr eaLnBrk="0" hangingPunct="0">
+              <a:defRPr sz="2400">
+                <a:solidFill>
+                  <a:schemeClr val="tx1"/>
+                </a:solidFill>
+                <a:latin typeface="Tahoma" charset="0"/>
+                <a:cs typeface="Arial" charset="0"/>
+              </a:defRPr>
+            </a:lvl1pPr>
+            <a:lvl2pPr marL="37931725" indent="-37474525" eaLnBrk="0" hangingPunct="0">
+              <a:defRPr sz="2400">
+                <a:solidFill>
+                  <a:schemeClr val="tx1"/>
+                </a:solidFill>
+                <a:latin typeface="Tahoma" charset="0"/>
+                <a:cs typeface="Arial" charset="0"/>
+              </a:defRPr>
+            </a:lvl2pPr>
+            <a:lvl3pPr eaLnBrk="0" hangingPunct="0">
+              <a:defRPr sz="2400">
+                <a:solidFill>
+                  <a:schemeClr val="tx1"/>
+                </a:solidFill>
+                <a:latin typeface="Tahoma" charset="0"/>
+                <a:cs typeface="Arial" charset="0"/>
+              </a:defRPr>
+            </a:lvl3pPr>
+            <a:lvl4pPr eaLnBrk="0" hangingPunct="0">
+              <a:defRPr sz="2400">
+                <a:solidFill>
+                  <a:schemeClr val="tx1"/>
+                </a:solidFill>
+                <a:latin typeface="Tahoma" charset="0"/>
+                <a:cs typeface="Arial" charset="0"/>
+              </a:defRPr>
+            </a:lvl4pPr>
+            <a:lvl5pPr eaLnBrk="0" hangingPunct="0">
+              <a:defRPr sz="2400">
+                <a:solidFill>
+                  <a:schemeClr val="tx1"/>
+                </a:solidFill>
+                <a:latin typeface="Tahoma" charset="0"/>
+                <a:cs typeface="Arial" charset="0"/>
+              </a:defRPr>
+            </a:lvl5pPr>
+            <a:lvl6pPr marL="457200" eaLnBrk="0" fontAlgn="base" hangingPunct="0">
+              <a:spcBef>
+                <a:spcPct val="0"/>
+              </a:spcBef>
+              <a:spcAft>
+                <a:spcPct val="0"/>
+              </a:spcAft>
+              <a:defRPr sz="2400">
+                <a:solidFill>
+                  <a:schemeClr val="tx1"/>
+                </a:solidFill>
+                <a:latin typeface="Tahoma" charset="0"/>
+                <a:cs typeface="Arial" charset="0"/>
+              </a:defRPr>
+            </a:lvl6pPr>
+            <a:lvl7pPr marL="914400" eaLnBrk="0" fontAlgn="base" hangingPunct="0">
+              <a:spcBef>
+                <a:spcPct val="0"/>
+              </a:spcBef>
+              <a:spcAft>
+                <a:spcPct val="0"/>
+              </a:spcAft>
+              <a:defRPr sz="2400">
+                <a:solidFill>
+                  <a:schemeClr val="tx1"/>
+                </a:solidFill>
+                <a:latin typeface="Tahoma" charset="0"/>
+                <a:cs typeface="Arial" charset="0"/>
+              </a:defRPr>
+            </a:lvl7pPr>
+            <a:lvl8pPr marL="1371600" eaLnBrk="0" fontAlgn="base" hangingPunct="0">
+              <a:spcBef>
+                <a:spcPct val="0"/>
+              </a:spcBef>
+              <a:spcAft>
+                <a:spcPct val="0"/>
+              </a:spcAft>
+              <a:defRPr sz="2400">
+                <a:solidFill>
+                  <a:schemeClr val="tx1"/>
+                </a:solidFill>
+                <a:latin typeface="Tahoma" charset="0"/>
+                <a:cs typeface="Arial" charset="0"/>
+              </a:defRPr>
+            </a:lvl8pPr>
+            <a:lvl9pPr marL="1828800" eaLnBrk="0" fontAlgn="base" hangingPunct="0">
+              <a:spcBef>
+                <a:spcPct val="0"/>
+              </a:spcBef>
+              <a:spcAft>
+                <a:spcPct val="0"/>
+              </a:spcAft>
+              <a:defRPr sz="2400">
+                <a:solidFill>
+                  <a:schemeClr val="tx1"/>
+                </a:solidFill>
+                <a:latin typeface="Tahoma" charset="0"/>
+                <a:cs typeface="Arial" charset="0"/>
+              </a:defRPr>
+            </a:lvl9pPr>
+          </a:lstStyle>
+          <a:p>
+            <a:pPr algn="l">
+              <a:lnSpc>
+                <a:spcPts val="2500"/>
+              </a:lnSpc>
+              <a:buClr>
+                <a:srgbClr val="00A6D6"/>
+              </a:buClr>
+              <a:defRPr/>
+            </a:pPr>
+            <a:r>
+              <a:rPr lang="nl-NL" altLang="nl-NL" sz="2000" dirty="0" smtClean="0">
+                <a:solidFill>
+                  <a:srgbClr val="00A6D6"/>
+                </a:solidFill>
+                <a:latin typeface="Tahoma"/>
+                <a:ea typeface="ＭＳ Ｐゴシック" charset="-128"/>
+              </a:rPr>
+              <a:t>Proces positie bepaling</a:t>
+            </a:r>
+          </a:p>
+        </p:txBody>
+      </p:sp>
+      <p:grpSp>
+        <p:nvGrpSpPr>
+          <p:cNvPr id="9" name="Group 81"/>
+          <p:cNvGrpSpPr/>
+          <p:nvPr/>
+        </p:nvGrpSpPr>
+        <p:grpSpPr>
+          <a:xfrm>
+            <a:off x="914400" y="1824256"/>
+            <a:ext cx="5201728" cy="4179729"/>
+            <a:chOff x="0" y="0"/>
+            <a:chExt cx="7868671" cy="6444048"/>
+          </a:xfrm>
+        </p:grpSpPr>
+        <p:pic>
+          <p:nvPicPr>
+            <p:cNvPr id="10" name="pasted-image.png"/>
+            <p:cNvPicPr/>
+            <p:nvPr/>
+          </p:nvPicPr>
+          <p:blipFill>
+            <a:blip r:embed="rId3">
+              <a:extLst/>
+            </a:blip>
+            <a:stretch>
+              <a:fillRect/>
+            </a:stretch>
+          </p:blipFill>
+          <p:spPr>
+            <a:xfrm>
+              <a:off x="0" y="0"/>
+              <a:ext cx="3329914" cy="1542612"/>
+            </a:xfrm>
+            <a:prstGeom prst="rect">
+              <a:avLst/>
+            </a:prstGeom>
+            <a:ln w="12700" cap="flat">
+              <a:noFill/>
+              <a:miter lim="400000"/>
+            </a:ln>
+            <a:effectLst/>
+          </p:spPr>
+        </p:pic>
+        <p:pic>
+          <p:nvPicPr>
+            <p:cNvPr id="11" name="pasted-image.png"/>
+            <p:cNvPicPr/>
+            <p:nvPr/>
+          </p:nvPicPr>
+          <p:blipFill>
+            <a:blip r:embed="rId4">
+              <a:extLst/>
+            </a:blip>
+            <a:stretch>
+              <a:fillRect/>
+            </a:stretch>
+          </p:blipFill>
+          <p:spPr>
+            <a:xfrm>
+              <a:off x="570856" y="1556620"/>
+              <a:ext cx="2453608" cy="4887429"/>
+            </a:xfrm>
+            <a:prstGeom prst="rect">
+              <a:avLst/>
+            </a:prstGeom>
+            <a:ln w="12700" cap="flat">
+              <a:noFill/>
+              <a:miter lim="400000"/>
+            </a:ln>
+            <a:effectLst/>
+          </p:spPr>
+        </p:pic>
+        <p:sp>
+          <p:nvSpPr>
+            <p:cNvPr id="12" name="Shape 64"/>
+            <p:cNvSpPr/>
+            <p:nvPr/>
+          </p:nvSpPr>
+          <p:spPr>
+            <a:xfrm>
+              <a:off x="5511611" y="873434"/>
+              <a:ext cx="484091" cy="84371"/>
+            </a:xfrm>
+            <a:prstGeom prst="rect">
+              <a:avLst/>
+            </a:prstGeom>
+            <a:blipFill rotWithShape="1">
+              <a:blip r:embed="rId5"/>
+              <a:srcRect/>
+              <a:tile tx="0" ty="0" sx="100000" sy="100000" flip="none" algn="tl"/>
+            </a:blipFill>
+            <a:ln w="12700" cap="flat">
+              <a:noFill/>
+              <a:miter lim="400000"/>
+            </a:ln>
+            <a:effectLst>
+              <a:outerShdw blurRad="50800" dist="12700" rotWithShape="0">
+                <a:srgbClr val="000000">
+                  <a:alpha val="50000"/>
+                </a:srgbClr>
+              </a:outerShdw>
+            </a:effectLst>
+          </p:spPr>
+          <p:txBody>
+            <a:bodyPr wrap="square" lIns="50800" tIns="50800" rIns="50800" bIns="50800" numCol="1" anchor="ctr">
+              <a:noAutofit/>
+            </a:bodyPr>
+            <a:lstStyle/>
+            <a:p>
+              <a:pPr>
+                <a:defRPr sz="2400">
+                  <a:solidFill>
+                    <a:srgbClr val="FFFFFF"/>
+                  </a:solidFill>
+                </a:defRPr>
+              </a:pPr>
+              <a:endParaRPr>
+                <a:solidFill>
+                  <a:srgbClr val="FFFFFF"/>
+                </a:solidFill>
+              </a:endParaRPr>
+            </a:p>
+          </p:txBody>
+        </p:sp>
+        <p:sp>
+          <p:nvSpPr>
+            <p:cNvPr id="13" name="Shape 65"/>
+            <p:cNvSpPr/>
+            <p:nvPr/>
+          </p:nvSpPr>
+          <p:spPr>
+            <a:xfrm>
+              <a:off x="6270081" y="873434"/>
+              <a:ext cx="214291" cy="84371"/>
+            </a:xfrm>
+            <a:prstGeom prst="rect">
+              <a:avLst/>
+            </a:prstGeom>
+            <a:blipFill rotWithShape="1">
+              <a:blip r:embed="rId5"/>
+              <a:srcRect/>
+              <a:tile tx="0" ty="0" sx="100000" sy="100000" flip="none" algn="tl"/>
+            </a:blipFill>
+            <a:ln w="12700" cap="flat">
+              <a:noFill/>
+              <a:miter lim="400000"/>
+            </a:ln>
+            <a:effectLst>
+              <a:outerShdw blurRad="50800" dist="12700" rotWithShape="0">
+                <a:srgbClr val="000000">
+                  <a:alpha val="50000"/>
+                </a:srgbClr>
+              </a:outerShdw>
+            </a:effectLst>
+          </p:spPr>
+          <p:txBody>
+            <a:bodyPr wrap="square" lIns="50800" tIns="50800" rIns="50800" bIns="50800" numCol="1" anchor="ctr">
+              <a:noAutofit/>
+            </a:bodyPr>
+            <a:lstStyle/>
+            <a:p>
+              <a:pPr>
+                <a:defRPr sz="2400">
+                  <a:solidFill>
+                    <a:srgbClr val="FFFFFF"/>
+                  </a:solidFill>
+                </a:defRPr>
+              </a:pPr>
+              <a:endParaRPr>
+                <a:solidFill>
+                  <a:srgbClr val="FFFFFF"/>
+                </a:solidFill>
+              </a:endParaRPr>
+            </a:p>
+          </p:txBody>
+        </p:sp>
+        <p:sp>
+          <p:nvSpPr>
+            <p:cNvPr id="14" name="Shape 66"/>
+            <p:cNvSpPr/>
+            <p:nvPr/>
+          </p:nvSpPr>
+          <p:spPr>
+            <a:xfrm>
+              <a:off x="6524081" y="873434"/>
+              <a:ext cx="214291" cy="84371"/>
+            </a:xfrm>
+            <a:prstGeom prst="rect">
+              <a:avLst/>
+            </a:prstGeom>
+            <a:blipFill rotWithShape="1">
+              <a:blip r:embed="rId5"/>
+              <a:srcRect/>
+              <a:tile tx="0" ty="0" sx="100000" sy="100000" flip="none" algn="tl"/>
+            </a:blipFill>
+            <a:ln w="12700" cap="flat">
+              <a:noFill/>
+              <a:miter lim="400000"/>
+            </a:ln>
+            <a:effectLst>
+              <a:outerShdw blurRad="50800" dist="12700" rotWithShape="0">
+                <a:srgbClr val="000000">
+                  <a:alpha val="50000"/>
+                </a:srgbClr>
+              </a:outerShdw>
+            </a:effectLst>
+          </p:spPr>
+          <p:txBody>
+            <a:bodyPr wrap="square" lIns="50800" tIns="50800" rIns="50800" bIns="50800" numCol="1" anchor="ctr">
+              <a:noAutofit/>
+            </a:bodyPr>
+            <a:lstStyle/>
+            <a:p>
+              <a:pPr>
+                <a:defRPr sz="2400">
+                  <a:solidFill>
+                    <a:srgbClr val="FFFFFF"/>
+                  </a:solidFill>
+                </a:defRPr>
+              </a:pPr>
+              <a:endParaRPr>
+                <a:solidFill>
+                  <a:srgbClr val="FFFFFF"/>
+                </a:solidFill>
+              </a:endParaRPr>
+            </a:p>
+          </p:txBody>
+        </p:sp>
+        <p:sp>
+          <p:nvSpPr>
+            <p:cNvPr id="15" name="Shape 67"/>
+            <p:cNvSpPr/>
+            <p:nvPr/>
+          </p:nvSpPr>
+          <p:spPr>
+            <a:xfrm>
+              <a:off x="6828881" y="873434"/>
+              <a:ext cx="214291" cy="84371"/>
+            </a:xfrm>
+            <a:prstGeom prst="rect">
+              <a:avLst/>
+            </a:prstGeom>
+            <a:blipFill rotWithShape="1">
+              <a:blip r:embed="rId5"/>
+              <a:srcRect/>
+              <a:tile tx="0" ty="0" sx="100000" sy="100000" flip="none" algn="tl"/>
+            </a:blipFill>
+            <a:ln w="12700" cap="flat">
+              <a:noFill/>
+              <a:miter lim="400000"/>
+            </a:ln>
+            <a:effectLst>
+              <a:outerShdw blurRad="50800" dist="12700" rotWithShape="0">
+                <a:srgbClr val="000000">
+                  <a:alpha val="50000"/>
+                </a:srgbClr>
+              </a:outerShdw>
+            </a:effectLst>
+          </p:spPr>
+          <p:txBody>
+            <a:bodyPr wrap="square" lIns="50800" tIns="50800" rIns="50800" bIns="50800" numCol="1" anchor="ctr">
+              <a:noAutofit/>
+            </a:bodyPr>
+            <a:lstStyle/>
+            <a:p>
+              <a:pPr>
+                <a:defRPr sz="2400">
+                  <a:solidFill>
+                    <a:srgbClr val="FFFFFF"/>
+                  </a:solidFill>
+                </a:defRPr>
+              </a:pPr>
+              <a:endParaRPr>
+                <a:solidFill>
+                  <a:srgbClr val="FFFFFF"/>
+                </a:solidFill>
+              </a:endParaRPr>
+            </a:p>
+          </p:txBody>
+        </p:sp>
+        <p:sp>
+          <p:nvSpPr>
+            <p:cNvPr id="16" name="Shape 68"/>
+            <p:cNvSpPr/>
+            <p:nvPr/>
+          </p:nvSpPr>
+          <p:spPr>
+            <a:xfrm>
+              <a:off x="7082881" y="873434"/>
+              <a:ext cx="214291" cy="84371"/>
+            </a:xfrm>
+            <a:prstGeom prst="rect">
+              <a:avLst/>
+            </a:prstGeom>
+            <a:blipFill rotWithShape="1">
+              <a:blip r:embed="rId5"/>
+              <a:srcRect/>
+              <a:tile tx="0" ty="0" sx="100000" sy="100000" flip="none" algn="tl"/>
+            </a:blipFill>
+            <a:ln w="12700" cap="flat">
+              <a:noFill/>
+              <a:miter lim="400000"/>
+            </a:ln>
+            <a:effectLst>
+              <a:outerShdw blurRad="50800" dist="12700" rotWithShape="0">
+                <a:srgbClr val="000000">
+                  <a:alpha val="50000"/>
+                </a:srgbClr>
+              </a:outerShdw>
+            </a:effectLst>
+          </p:spPr>
+          <p:txBody>
+            <a:bodyPr wrap="square" lIns="50800" tIns="50800" rIns="50800" bIns="50800" numCol="1" anchor="ctr">
+              <a:noAutofit/>
+            </a:bodyPr>
+            <a:lstStyle/>
+            <a:p>
+              <a:pPr>
+                <a:defRPr sz="2400">
+                  <a:solidFill>
+                    <a:srgbClr val="FFFFFF"/>
+                  </a:solidFill>
+                </a:defRPr>
+              </a:pPr>
+              <a:endParaRPr>
+                <a:solidFill>
+                  <a:srgbClr val="FFFFFF"/>
+                </a:solidFill>
+              </a:endParaRPr>
+            </a:p>
+          </p:txBody>
+        </p:sp>
+        <p:sp>
+          <p:nvSpPr>
+            <p:cNvPr id="17" name="Shape 69"/>
+            <p:cNvSpPr/>
+            <p:nvPr/>
+          </p:nvSpPr>
+          <p:spPr>
+            <a:xfrm>
+              <a:off x="7400381" y="873434"/>
+              <a:ext cx="214291" cy="84371"/>
+            </a:xfrm>
+            <a:prstGeom prst="rect">
+              <a:avLst/>
+            </a:prstGeom>
+            <a:blipFill rotWithShape="1">
+              <a:blip r:embed="rId5"/>
+              <a:srcRect/>
+              <a:tile tx="0" ty="0" sx="100000" sy="100000" flip="none" algn="tl"/>
+            </a:blipFill>
+            <a:ln w="12700" cap="flat">
+              <a:noFill/>
+              <a:miter lim="400000"/>
+            </a:ln>
+            <a:effectLst>
+              <a:outerShdw blurRad="50800" dist="12700" rotWithShape="0">
+                <a:srgbClr val="000000">
+                  <a:alpha val="50000"/>
+                </a:srgbClr>
+              </a:outerShdw>
+            </a:effectLst>
+          </p:spPr>
+          <p:txBody>
+            <a:bodyPr wrap="square" lIns="50800" tIns="50800" rIns="50800" bIns="50800" numCol="1" anchor="ctr">
+              <a:noAutofit/>
+            </a:bodyPr>
+            <a:lstStyle/>
+            <a:p>
+              <a:pPr>
+                <a:defRPr sz="2400">
+                  <a:solidFill>
+                    <a:srgbClr val="FFFFFF"/>
+                  </a:solidFill>
+                </a:defRPr>
+              </a:pPr>
+              <a:endParaRPr>
+                <a:solidFill>
+                  <a:srgbClr val="FFFFFF"/>
+                </a:solidFill>
+              </a:endParaRPr>
+            </a:p>
+          </p:txBody>
+        </p:sp>
+        <p:sp>
+          <p:nvSpPr>
+            <p:cNvPr id="18" name="Shape 70"/>
+            <p:cNvSpPr/>
+            <p:nvPr/>
+          </p:nvSpPr>
+          <p:spPr>
+            <a:xfrm>
+              <a:off x="7654381" y="873434"/>
+              <a:ext cx="214291" cy="84371"/>
+            </a:xfrm>
+            <a:prstGeom prst="rect">
+              <a:avLst/>
+            </a:prstGeom>
+            <a:blipFill rotWithShape="1">
+              <a:blip r:embed="rId5"/>
+              <a:srcRect/>
+              <a:tile tx="0" ty="0" sx="100000" sy="100000" flip="none" algn="tl"/>
+            </a:blipFill>
+            <a:ln w="12700" cap="flat">
+              <a:noFill/>
+              <a:miter lim="400000"/>
+            </a:ln>
+            <a:effectLst>
+              <a:outerShdw blurRad="50800" dist="12700" rotWithShape="0">
+                <a:srgbClr val="000000">
+                  <a:alpha val="50000"/>
+                </a:srgbClr>
+              </a:outerShdw>
+            </a:effectLst>
+          </p:spPr>
+          <p:txBody>
+            <a:bodyPr wrap="square" lIns="50800" tIns="50800" rIns="50800" bIns="50800" numCol="1" anchor="ctr">
+              <a:noAutofit/>
+            </a:bodyPr>
+            <a:lstStyle/>
+            <a:p>
+              <a:pPr>
+                <a:defRPr sz="2400">
+                  <a:solidFill>
+                    <a:srgbClr val="FFFFFF"/>
+                  </a:solidFill>
+                </a:defRPr>
+              </a:pPr>
+              <a:endParaRPr>
+                <a:solidFill>
+                  <a:srgbClr val="FFFFFF"/>
+                </a:solidFill>
+              </a:endParaRPr>
+            </a:p>
+          </p:txBody>
+        </p:sp>
+        <p:sp>
+          <p:nvSpPr>
+            <p:cNvPr id="19" name="Shape 71"/>
+            <p:cNvSpPr/>
+            <p:nvPr/>
+          </p:nvSpPr>
+          <p:spPr>
+            <a:xfrm flipV="1">
+              <a:off x="5753656" y="955816"/>
+              <a:ext cx="1" cy="343072"/>
+            </a:xfrm>
+            <a:prstGeom prst="line">
+              <a:avLst/>
+            </a:prstGeom>
+            <a:noFill/>
+            <a:ln w="25400" cap="flat">
+              <a:solidFill>
+                <a:srgbClr val="1A931F"/>
+              </a:solidFill>
+              <a:prstDash val="solid"/>
+              <a:miter lim="400000"/>
+              <a:tailEnd type="triangle" w="med" len="med"/>
+            </a:ln>
+            <a:effectLst/>
+          </p:spPr>
+          <p:txBody>
+            <a:bodyPr wrap="square" lIns="0" tIns="0" rIns="0" bIns="0" numCol="1" anchor="ctr">
+              <a:noAutofit/>
+            </a:bodyPr>
+            <a:lstStyle/>
+            <a:p>
+              <a:pPr>
+                <a:defRPr sz="2400"/>
+              </a:pPr>
+              <a:endParaRPr>
+                <a:solidFill>
+                  <a:srgbClr val="000000"/>
+                </a:solidFill>
+              </a:endParaRPr>
+            </a:p>
+          </p:txBody>
+        </p:sp>
+        <p:sp>
+          <p:nvSpPr>
+            <p:cNvPr id="20" name="Shape 72"/>
+            <p:cNvSpPr/>
+            <p:nvPr/>
+          </p:nvSpPr>
+          <p:spPr>
+            <a:xfrm flipV="1">
+              <a:off x="1657536" y="1289045"/>
+              <a:ext cx="4105511" cy="1"/>
+            </a:xfrm>
+            <a:prstGeom prst="line">
+              <a:avLst/>
+            </a:prstGeom>
+            <a:noFill/>
+            <a:ln w="25400" cap="flat">
+              <a:solidFill>
+                <a:srgbClr val="1A931F"/>
+              </a:solidFill>
+              <a:prstDash val="solid"/>
+              <a:miter lim="400000"/>
+            </a:ln>
+            <a:effectLst/>
+          </p:spPr>
+          <p:txBody>
+            <a:bodyPr wrap="square" lIns="0" tIns="0" rIns="0" bIns="0" numCol="1" anchor="ctr">
+              <a:noAutofit/>
+            </a:bodyPr>
+            <a:lstStyle/>
+            <a:p>
+              <a:pPr>
+                <a:defRPr sz="2400"/>
+              </a:pPr>
+              <a:endParaRPr>
+                <a:solidFill>
+                  <a:srgbClr val="000000"/>
+                </a:solidFill>
+              </a:endParaRPr>
+            </a:p>
+          </p:txBody>
+        </p:sp>
+        <p:sp>
+          <p:nvSpPr>
+            <p:cNvPr id="21" name="Shape 73"/>
+            <p:cNvSpPr/>
+            <p:nvPr/>
+          </p:nvSpPr>
+          <p:spPr>
+            <a:xfrm flipV="1">
+              <a:off x="6377226" y="941814"/>
+              <a:ext cx="1" cy="1433619"/>
+            </a:xfrm>
+            <a:prstGeom prst="line">
+              <a:avLst/>
+            </a:prstGeom>
+            <a:noFill/>
+            <a:ln w="25400" cap="flat">
+              <a:solidFill>
+                <a:srgbClr val="1A931F"/>
+              </a:solidFill>
+              <a:prstDash val="solid"/>
+              <a:miter lim="400000"/>
+              <a:tailEnd type="triangle" w="med" len="med"/>
+            </a:ln>
+            <a:effectLst/>
+          </p:spPr>
+          <p:txBody>
+            <a:bodyPr wrap="square" lIns="0" tIns="0" rIns="0" bIns="0" numCol="1" anchor="ctr">
+              <a:noAutofit/>
+            </a:bodyPr>
+            <a:lstStyle/>
+            <a:p>
+              <a:pPr>
+                <a:defRPr sz="2400"/>
+              </a:pPr>
+              <a:endParaRPr>
+                <a:solidFill>
+                  <a:srgbClr val="000000"/>
+                </a:solidFill>
+              </a:endParaRPr>
+            </a:p>
+          </p:txBody>
+        </p:sp>
+        <p:sp>
+          <p:nvSpPr>
+            <p:cNvPr id="22" name="Shape 74"/>
+            <p:cNvSpPr/>
+            <p:nvPr/>
+          </p:nvSpPr>
+          <p:spPr>
+            <a:xfrm>
+              <a:off x="1682936" y="2355845"/>
+              <a:ext cx="4691454" cy="1"/>
+            </a:xfrm>
+            <a:prstGeom prst="line">
+              <a:avLst/>
+            </a:prstGeom>
+            <a:noFill/>
+            <a:ln w="25400" cap="flat">
+              <a:solidFill>
+                <a:srgbClr val="1A931F"/>
+              </a:solidFill>
+              <a:prstDash val="solid"/>
+              <a:miter lim="400000"/>
+            </a:ln>
+            <a:effectLst/>
+          </p:spPr>
+          <p:txBody>
+            <a:bodyPr wrap="square" lIns="0" tIns="0" rIns="0" bIns="0" numCol="1" anchor="ctr">
+              <a:noAutofit/>
+            </a:bodyPr>
+            <a:lstStyle/>
+            <a:p>
+              <a:pPr>
+                <a:defRPr sz="2400"/>
+              </a:pPr>
+              <a:endParaRPr>
+                <a:solidFill>
+                  <a:srgbClr val="000000"/>
+                </a:solidFill>
+              </a:endParaRPr>
+            </a:p>
+          </p:txBody>
+        </p:sp>
+        <p:sp>
+          <p:nvSpPr>
+            <p:cNvPr id="23" name="Shape 75"/>
+            <p:cNvSpPr/>
+            <p:nvPr/>
+          </p:nvSpPr>
+          <p:spPr>
+            <a:xfrm flipV="1">
+              <a:off x="6633534" y="941814"/>
+              <a:ext cx="1" cy="3425776"/>
+            </a:xfrm>
+            <a:prstGeom prst="line">
+              <a:avLst/>
+            </a:prstGeom>
+            <a:noFill/>
+            <a:ln w="25400" cap="flat">
+              <a:solidFill>
+                <a:srgbClr val="1A931F"/>
+              </a:solidFill>
+              <a:prstDash val="solid"/>
+              <a:miter lim="400000"/>
+              <a:tailEnd type="triangle" w="med" len="med"/>
+            </a:ln>
+            <a:effectLst/>
+          </p:spPr>
+          <p:txBody>
+            <a:bodyPr wrap="square" lIns="0" tIns="0" rIns="0" bIns="0" numCol="1" anchor="ctr">
+              <a:noAutofit/>
+            </a:bodyPr>
+            <a:lstStyle/>
+            <a:p>
+              <a:pPr>
+                <a:defRPr sz="2400"/>
+              </a:pPr>
+              <a:endParaRPr>
+                <a:solidFill>
+                  <a:srgbClr val="000000"/>
+                </a:solidFill>
+              </a:endParaRPr>
+            </a:p>
+          </p:txBody>
+        </p:sp>
+        <p:sp>
+          <p:nvSpPr>
+            <p:cNvPr id="24" name="Shape 76"/>
+            <p:cNvSpPr/>
+            <p:nvPr/>
+          </p:nvSpPr>
+          <p:spPr>
+            <a:xfrm>
+              <a:off x="1651037" y="4363710"/>
+              <a:ext cx="4989910" cy="1"/>
+            </a:xfrm>
+            <a:prstGeom prst="line">
+              <a:avLst/>
+            </a:prstGeom>
+            <a:noFill/>
+            <a:ln w="25400" cap="flat">
+              <a:solidFill>
+                <a:srgbClr val="1A931F"/>
+              </a:solidFill>
+              <a:prstDash val="solid"/>
+              <a:miter lim="400000"/>
+            </a:ln>
+            <a:effectLst/>
+          </p:spPr>
+          <p:txBody>
+            <a:bodyPr wrap="square" lIns="0" tIns="0" rIns="0" bIns="0" numCol="1" anchor="ctr">
+              <a:noAutofit/>
+            </a:bodyPr>
+            <a:lstStyle/>
+            <a:p>
+              <a:pPr>
+                <a:defRPr sz="2400"/>
+              </a:pPr>
+              <a:endParaRPr>
+                <a:solidFill>
+                  <a:srgbClr val="000000"/>
+                </a:solidFill>
+              </a:endParaRPr>
+            </a:p>
+          </p:txBody>
+        </p:sp>
+        <p:sp>
+          <p:nvSpPr>
+            <p:cNvPr id="25" name="Shape 77"/>
+            <p:cNvSpPr/>
+            <p:nvPr/>
+          </p:nvSpPr>
+          <p:spPr>
+            <a:xfrm flipV="1">
+              <a:off x="6935951" y="937109"/>
+              <a:ext cx="1" cy="4331292"/>
+            </a:xfrm>
+            <a:prstGeom prst="line">
+              <a:avLst/>
+            </a:prstGeom>
+            <a:noFill/>
+            <a:ln w="25400" cap="flat">
+              <a:solidFill>
+                <a:srgbClr val="1A931F"/>
+              </a:solidFill>
+              <a:prstDash val="solid"/>
+              <a:miter lim="400000"/>
+              <a:tailEnd type="triangle" w="med" len="med"/>
+            </a:ln>
+            <a:effectLst/>
+          </p:spPr>
+          <p:txBody>
+            <a:bodyPr wrap="square" lIns="0" tIns="0" rIns="0" bIns="0" numCol="1" anchor="ctr">
+              <a:noAutofit/>
+            </a:bodyPr>
+            <a:lstStyle/>
+            <a:p>
+              <a:pPr>
+                <a:defRPr sz="2400"/>
+              </a:pPr>
+              <a:endParaRPr>
+                <a:solidFill>
+                  <a:srgbClr val="000000"/>
+                </a:solidFill>
+              </a:endParaRPr>
+            </a:p>
+          </p:txBody>
+        </p:sp>
+        <p:sp>
+          <p:nvSpPr>
+            <p:cNvPr id="26" name="Shape 78"/>
+            <p:cNvSpPr/>
+            <p:nvPr/>
+          </p:nvSpPr>
+          <p:spPr>
+            <a:xfrm>
+              <a:off x="1651037" y="5265328"/>
+              <a:ext cx="5294838" cy="1"/>
+            </a:xfrm>
+            <a:prstGeom prst="line">
+              <a:avLst/>
+            </a:prstGeom>
+            <a:noFill/>
+            <a:ln w="25400" cap="flat">
+              <a:solidFill>
+                <a:srgbClr val="1A931F"/>
+              </a:solidFill>
+              <a:prstDash val="solid"/>
+              <a:miter lim="400000"/>
+            </a:ln>
+            <a:effectLst/>
+          </p:spPr>
+          <p:txBody>
+            <a:bodyPr wrap="square" lIns="0" tIns="0" rIns="0" bIns="0" numCol="1" anchor="ctr">
+              <a:noAutofit/>
+            </a:bodyPr>
+            <a:lstStyle/>
+            <a:p>
+              <a:pPr>
+                <a:defRPr sz="2400"/>
+              </a:pPr>
+              <a:endParaRPr>
+                <a:solidFill>
+                  <a:srgbClr val="000000"/>
+                </a:solidFill>
+              </a:endParaRPr>
+            </a:p>
+          </p:txBody>
+        </p:sp>
+        <p:sp>
+          <p:nvSpPr>
+            <p:cNvPr id="27" name="Shape 79"/>
+            <p:cNvSpPr/>
+            <p:nvPr/>
+          </p:nvSpPr>
+          <p:spPr>
+            <a:xfrm flipV="1">
+              <a:off x="7188760" y="930448"/>
+              <a:ext cx="1" cy="5391906"/>
+            </a:xfrm>
+            <a:prstGeom prst="line">
+              <a:avLst/>
+            </a:prstGeom>
+            <a:noFill/>
+            <a:ln w="25400" cap="flat">
+              <a:solidFill>
+                <a:srgbClr val="1A931F"/>
+              </a:solidFill>
+              <a:prstDash val="solid"/>
+              <a:miter lim="400000"/>
+              <a:tailEnd type="triangle" w="med" len="med"/>
+            </a:ln>
+            <a:effectLst/>
+          </p:spPr>
+          <p:txBody>
+            <a:bodyPr wrap="square" lIns="0" tIns="0" rIns="0" bIns="0" numCol="1" anchor="ctr">
+              <a:noAutofit/>
+            </a:bodyPr>
+            <a:lstStyle/>
+            <a:p>
+              <a:pPr>
+                <a:defRPr sz="2400"/>
+              </a:pPr>
+              <a:endParaRPr>
+                <a:solidFill>
+                  <a:srgbClr val="000000"/>
+                </a:solidFill>
+              </a:endParaRPr>
+            </a:p>
+          </p:txBody>
+        </p:sp>
+        <p:sp>
+          <p:nvSpPr>
+            <p:cNvPr id="28" name="Shape 80"/>
+            <p:cNvSpPr/>
+            <p:nvPr/>
+          </p:nvSpPr>
+          <p:spPr>
+            <a:xfrm>
+              <a:off x="1689627" y="6317081"/>
+              <a:ext cx="5497814" cy="1"/>
+            </a:xfrm>
+            <a:prstGeom prst="line">
+              <a:avLst/>
+            </a:prstGeom>
+            <a:noFill/>
+            <a:ln w="25400" cap="flat">
+              <a:solidFill>
+                <a:srgbClr val="1A931F"/>
+              </a:solidFill>
+              <a:prstDash val="solid"/>
+              <a:miter lim="400000"/>
+            </a:ln>
+            <a:effectLst/>
+          </p:spPr>
+          <p:txBody>
+            <a:bodyPr wrap="square" lIns="0" tIns="0" rIns="0" bIns="0" numCol="1" anchor="ctr">
+              <a:noAutofit/>
+            </a:bodyPr>
+            <a:lstStyle/>
+            <a:p>
+              <a:pPr>
+                <a:defRPr sz="2400"/>
+              </a:pPr>
+              <a:endParaRPr>
+                <a:solidFill>
+                  <a:srgbClr val="000000"/>
+                </a:solidFill>
+              </a:endParaRPr>
+            </a:p>
+          </p:txBody>
+        </p:sp>
+      </p:grpSp>
+      <p:sp>
+        <p:nvSpPr>
+          <p:cNvPr id="36" name="Shape 82"/>
+          <p:cNvSpPr/>
+          <p:nvPr/>
+        </p:nvSpPr>
+        <p:spPr>
+          <a:xfrm>
+            <a:off x="6212809" y="4476058"/>
+            <a:ext cx="886461" cy="533479"/>
+          </a:xfrm>
+          <a:prstGeom prst="rect">
+            <a:avLst/>
+          </a:prstGeom>
+          <a:ln w="12700">
+            <a:miter lim="400000"/>
+          </a:ln>
+          <a:extLst>
+            <a:ext uri="{C572A759-6A51-4108-AA02-DFA0A04FC94B}">
+              <ma14:wrappingTextBoxFlag xmlns="" xmlns:ma14="http://schemas.microsoft.com/office/mac/drawingml/2011/main" val="1"/>
+            </a:ext>
+          </a:extLst>
+        </p:spPr>
+        <p:txBody>
+          <a:bodyPr wrap="none" lIns="50800" tIns="50800" rIns="50800" bIns="50800" anchor="ctr">
+            <a:spAutoFit/>
+          </a:bodyPr>
+          <a:lstStyle>
+            <a:lvl1pPr>
+              <a:defRPr b="1">
+                <a:solidFill>
+                  <a:srgbClr val="00882B"/>
+                </a:solidFill>
+              </a:defRPr>
+            </a:lvl1pPr>
+          </a:lstStyle>
+          <a:p>
+            <a:pPr>
+              <a:defRPr sz="1800" b="0">
+                <a:solidFill>
+                  <a:srgbClr val="000000"/>
+                </a:solidFill>
+              </a:defRPr>
+            </a:pPr>
+            <a:r>
+              <a:rPr sz="2800" dirty="0"/>
+              <a:t>Etc..</a:t>
+            </a:r>
+          </a:p>
+        </p:txBody>
+      </p:sp>
+    </p:spTree>
+    <p:extLst>
+      <p:ext uri="{BB962C8B-B14F-4D97-AF65-F5344CB8AC3E}">
+        <p14:creationId xmlns:p14="http://schemas.microsoft.com/office/powerpoint/2010/main" val="185891393"/>
       </p:ext>
     </p:extLst>
   </p:cSld>
@@ -12373,8 +16441,12 @@
           <a:lstStyle/>
           <a:p>
             <a:r>
+              <a:rPr lang="nl-NL" dirty="0" err="1" smtClean="0"/>
+              <a:t>Main</a:t>
+            </a:r>
+            <a:r>
               <a:rPr lang="nl-NL" dirty="0" smtClean="0"/>
-              <a:t>Alarm module</a:t>
+              <a:t> controller</a:t>
             </a:r>
             <a:endParaRPr lang="nl-NL" dirty="0"/>
           </a:p>
@@ -12383,13 +16455,20 @@
     </p:spTree>
     <p:extLst>
       <p:ext uri="{BB962C8B-B14F-4D97-AF65-F5344CB8AC3E}">
-        <p14:creationId xmlns:p14="http://schemas.microsoft.com/office/powerpoint/2010/main" val="1580779184"/>
+        <p14:creationId xmlns:p14="http://schemas.microsoft.com/office/powerpoint/2010/main" val="1952424736"/>
       </p:ext>
     </p:extLst>
   </p:cSld>
   <p:clrMapOvr>
     <a:masterClrMapping/>
   </p:clrMapOvr>
+  <p:timing>
+    <p:tnLst>
+      <p:par>
+        <p:cTn id="1" dur="indefinite" restart="never" nodeType="tmRoot"/>
+      </p:par>
+    </p:tnLst>
+  </p:timing>
 </p:sld>
 </file>
 
@@ -12412,7 +16491,7 @@
       </p:grpSpPr>
       <p:sp>
         <p:nvSpPr>
-          <p:cNvPr id="2" name="Titel 1"/>
+          <p:cNvPr id="4098" name="Title 3"/>
           <p:cNvSpPr>
             <a:spLocks noGrp="1"/>
           </p:cNvSpPr>
@@ -12420,26 +16499,206 @@
             <p:ph type="title"/>
           </p:nvPr>
         </p:nvSpPr>
-        <p:spPr/>
+        <p:spPr>
+          <a:xfrm>
+            <a:off x="917575" y="457200"/>
+            <a:ext cx="7159625" cy="627063"/>
+          </a:xfrm>
+        </p:spPr>
         <p:txBody>
           <a:bodyPr/>
           <a:lstStyle/>
           <a:p>
-            <a:r>
-              <a:rPr lang="nl-NL" dirty="0" smtClean="0">
+            <a:pPr>
+              <a:defRPr/>
+            </a:pPr>
+            <a:r>
+              <a:rPr lang="nl-NL" altLang="nl-NL" dirty="0" err="1" smtClean="0">
                 <a:latin typeface="+mn-lt"/>
+                <a:ea typeface="ＭＳ Ｐゴシック" pitchFamily="34" charset="-128"/>
               </a:rPr>
-              <a:t>Totaal</a:t>
-            </a:r>
-            <a:endParaRPr lang="nl-NL" dirty="0">
+              <a:t>Main</a:t>
+            </a:r>
+            <a:r>
+              <a:rPr lang="nl-NL" altLang="nl-NL" dirty="0" smtClean="0">
+                <a:latin typeface="+mn-lt"/>
+                <a:ea typeface="ＭＳ Ｐゴシック" pitchFamily="34" charset="-128"/>
+              </a:rPr>
+              <a:t> controller</a:t>
+            </a:r>
+            <a:endParaRPr lang="nl-NL" altLang="nl-NL" dirty="0" smtClean="0">
               <a:latin typeface="+mn-lt"/>
+              <a:ea typeface="ＭＳ Ｐゴシック" pitchFamily="34" charset="-128"/>
+            </a:endParaRPr>
+          </a:p>
+        </p:txBody>
+      </p:sp>
+      <p:sp>
+        <p:nvSpPr>
+          <p:cNvPr id="6" name="Ondertitel 2"/>
+          <p:cNvSpPr txBox="1">
+            <a:spLocks/>
+          </p:cNvSpPr>
+          <p:nvPr/>
+        </p:nvSpPr>
+        <p:spPr bwMode="auto">
+          <a:xfrm>
+            <a:off x="914400" y="1041400"/>
+            <a:ext cx="6781800" cy="474663"/>
+          </a:xfrm>
+          <a:prstGeom prst="rect">
+            <a:avLst/>
+          </a:prstGeom>
+          <a:noFill/>
+          <a:ln w="9525">
+            <a:noFill/>
+            <a:miter lim="800000"/>
+            <a:headEnd/>
+            <a:tailEnd/>
+          </a:ln>
+        </p:spPr>
+        <p:txBody>
+          <a:bodyPr lIns="0" tIns="0" rIns="0" bIns="0"/>
+          <a:lstStyle>
+            <a:lvl1pPr eaLnBrk="0" hangingPunct="0">
+              <a:defRPr sz="2400">
+                <a:solidFill>
+                  <a:schemeClr val="tx1"/>
+                </a:solidFill>
+                <a:latin typeface="Tahoma" charset="0"/>
+                <a:cs typeface="Arial" charset="0"/>
+              </a:defRPr>
+            </a:lvl1pPr>
+            <a:lvl2pPr marL="37931725" indent="-37474525" eaLnBrk="0" hangingPunct="0">
+              <a:defRPr sz="2400">
+                <a:solidFill>
+                  <a:schemeClr val="tx1"/>
+                </a:solidFill>
+                <a:latin typeface="Tahoma" charset="0"/>
+                <a:cs typeface="Arial" charset="0"/>
+              </a:defRPr>
+            </a:lvl2pPr>
+            <a:lvl3pPr eaLnBrk="0" hangingPunct="0">
+              <a:defRPr sz="2400">
+                <a:solidFill>
+                  <a:schemeClr val="tx1"/>
+                </a:solidFill>
+                <a:latin typeface="Tahoma" charset="0"/>
+                <a:cs typeface="Arial" charset="0"/>
+              </a:defRPr>
+            </a:lvl3pPr>
+            <a:lvl4pPr eaLnBrk="0" hangingPunct="0">
+              <a:defRPr sz="2400">
+                <a:solidFill>
+                  <a:schemeClr val="tx1"/>
+                </a:solidFill>
+                <a:latin typeface="Tahoma" charset="0"/>
+                <a:cs typeface="Arial" charset="0"/>
+              </a:defRPr>
+            </a:lvl4pPr>
+            <a:lvl5pPr eaLnBrk="0" hangingPunct="0">
+              <a:defRPr sz="2400">
+                <a:solidFill>
+                  <a:schemeClr val="tx1"/>
+                </a:solidFill>
+                <a:latin typeface="Tahoma" charset="0"/>
+                <a:cs typeface="Arial" charset="0"/>
+              </a:defRPr>
+            </a:lvl5pPr>
+            <a:lvl6pPr marL="457200" eaLnBrk="0" fontAlgn="base" hangingPunct="0">
+              <a:spcBef>
+                <a:spcPct val="0"/>
+              </a:spcBef>
+              <a:spcAft>
+                <a:spcPct val="0"/>
+              </a:spcAft>
+              <a:defRPr sz="2400">
+                <a:solidFill>
+                  <a:schemeClr val="tx1"/>
+                </a:solidFill>
+                <a:latin typeface="Tahoma" charset="0"/>
+                <a:cs typeface="Arial" charset="0"/>
+              </a:defRPr>
+            </a:lvl6pPr>
+            <a:lvl7pPr marL="914400" eaLnBrk="0" fontAlgn="base" hangingPunct="0">
+              <a:spcBef>
+                <a:spcPct val="0"/>
+              </a:spcBef>
+              <a:spcAft>
+                <a:spcPct val="0"/>
+              </a:spcAft>
+              <a:defRPr sz="2400">
+                <a:solidFill>
+                  <a:schemeClr val="tx1"/>
+                </a:solidFill>
+                <a:latin typeface="Tahoma" charset="0"/>
+                <a:cs typeface="Arial" charset="0"/>
+              </a:defRPr>
+            </a:lvl7pPr>
+            <a:lvl8pPr marL="1371600" eaLnBrk="0" fontAlgn="base" hangingPunct="0">
+              <a:spcBef>
+                <a:spcPct val="0"/>
+              </a:spcBef>
+              <a:spcAft>
+                <a:spcPct val="0"/>
+              </a:spcAft>
+              <a:defRPr sz="2400">
+                <a:solidFill>
+                  <a:schemeClr val="tx1"/>
+                </a:solidFill>
+                <a:latin typeface="Tahoma" charset="0"/>
+                <a:cs typeface="Arial" charset="0"/>
+              </a:defRPr>
+            </a:lvl8pPr>
+            <a:lvl9pPr marL="1828800" eaLnBrk="0" fontAlgn="base" hangingPunct="0">
+              <a:spcBef>
+                <a:spcPct val="0"/>
+              </a:spcBef>
+              <a:spcAft>
+                <a:spcPct val="0"/>
+              </a:spcAft>
+              <a:defRPr sz="2400">
+                <a:solidFill>
+                  <a:schemeClr val="tx1"/>
+                </a:solidFill>
+                <a:latin typeface="Tahoma" charset="0"/>
+                <a:cs typeface="Arial" charset="0"/>
+              </a:defRPr>
+            </a:lvl9pPr>
+          </a:lstStyle>
+          <a:p>
+            <a:pPr algn="l">
+              <a:lnSpc>
+                <a:spcPts val="2500"/>
+              </a:lnSpc>
+              <a:buClr>
+                <a:srgbClr val="00A6D6"/>
+              </a:buClr>
+              <a:defRPr/>
+            </a:pPr>
+            <a:r>
+              <a:rPr lang="nl-NL" altLang="nl-NL" sz="2000" dirty="0" smtClean="0">
+                <a:solidFill>
+                  <a:srgbClr val="00A6D6"/>
+                </a:solidFill>
+                <a:latin typeface="+mn-lt"/>
+                <a:ea typeface="ＭＳ Ｐゴシック" charset="-128"/>
+              </a:rPr>
+              <a:t>Blokdiagram</a:t>
+            </a:r>
+            <a:endParaRPr lang="nl-NL" altLang="nl-NL" sz="2000" dirty="0" smtClean="0">
+              <a:solidFill>
+                <a:srgbClr val="00A6D6"/>
+              </a:solidFill>
+              <a:latin typeface="+mn-lt"/>
+              <a:ea typeface="ＭＳ Ｐゴシック" charset="-128"/>
             </a:endParaRPr>
           </a:p>
         </p:txBody>
       </p:sp>
       <p:pic>
         <p:nvPicPr>
-          <p:cNvPr id="6" name="Tijdelijke aanduiding voor inhoud 5"/>
+          <p:cNvPr id="97" name="Content Placeholder 1" descr="controller.png"/>
           <p:cNvPicPr>
             <a:picLocks noGrp="1" noChangeAspect="1"/>
           </p:cNvPicPr>
@@ -12455,21 +16714,22 @@
               </a:ext>
             </a:extLst>
           </a:blip>
+          <a:srcRect t="-43" b="41680"/>
           <a:stretch>
             <a:fillRect/>
           </a:stretch>
         </p:blipFill>
         <p:spPr>
           <a:xfrm>
-            <a:off x="153448" y="2238233"/>
-            <a:ext cx="8990552" cy="3745381"/>
+            <a:off x="1952625" y="1673225"/>
+            <a:ext cx="5320690" cy="4388402"/>
           </a:xfrm>
         </p:spPr>
       </p:pic>
     </p:spTree>
     <p:extLst>
       <p:ext uri="{BB962C8B-B14F-4D97-AF65-F5344CB8AC3E}">
-        <p14:creationId xmlns:p14="http://schemas.microsoft.com/office/powerpoint/2010/main" val="2638307415"/>
+        <p14:creationId xmlns:p14="http://schemas.microsoft.com/office/powerpoint/2010/main" val="2942164064"/>
       </p:ext>
     </p:extLst>
   </p:cSld>
@@ -12527,44 +16787,26 @@
               <a:defRPr/>
             </a:pPr>
             <a:r>
+              <a:rPr lang="nl-NL" altLang="nl-NL" dirty="0" err="1" smtClean="0">
+                <a:latin typeface="+mn-lt"/>
+                <a:ea typeface="ＭＳ Ｐゴシック" pitchFamily="34" charset="-128"/>
+              </a:rPr>
+              <a:t>Main</a:t>
+            </a:r>
+            <a:r>
               <a:rPr lang="nl-NL" altLang="nl-NL" dirty="0" smtClean="0">
                 <a:latin typeface="+mn-lt"/>
                 <a:ea typeface="ＭＳ Ｐゴシック" pitchFamily="34" charset="-128"/>
               </a:rPr>
-              <a:t>FSM</a:t>
-            </a:r>
+              <a:t> controller</a:t>
+            </a:r>
+            <a:endParaRPr lang="nl-NL" altLang="nl-NL" dirty="0" smtClean="0">
+              <a:latin typeface="+mn-lt"/>
+              <a:ea typeface="ＭＳ Ｐゴシック" pitchFamily="34" charset="-128"/>
+            </a:endParaRPr>
           </a:p>
         </p:txBody>
       </p:sp>
-      <p:pic>
-        <p:nvPicPr>
-          <p:cNvPr id="2" name="Tijdelijke aanduiding voor inhoud 1"/>
-          <p:cNvPicPr>
-            <a:picLocks noGrp="1" noChangeAspect="1"/>
-          </p:cNvPicPr>
-          <p:nvPr>
-            <p:ph idx="1"/>
-          </p:nvPr>
-        </p:nvPicPr>
-        <p:blipFill>
-          <a:blip r:embed="rId2">
-            <a:extLst>
-              <a:ext uri="{28A0092B-C50C-407E-A947-70E740481C1C}">
-                <a14:useLocalDpi xmlns:a14="http://schemas.microsoft.com/office/drawing/2010/main" val="0"/>
-              </a:ext>
-            </a:extLst>
-          </a:blip>
-          <a:stretch>
-            <a:fillRect/>
-          </a:stretch>
-        </p:blipFill>
-        <p:spPr>
-          <a:xfrm>
-            <a:off x="532263" y="1316251"/>
-            <a:ext cx="7789246" cy="4646400"/>
-          </a:xfrm>
-        </p:spPr>
-      </p:pic>
       <p:sp>
         <p:nvSpPr>
           <p:cNvPr id="6" name="Ondertitel 2"/>
@@ -12708,6 +16950,16 @@
               </a:buClr>
               <a:defRPr/>
             </a:pPr>
+            <a:r>
+              <a:rPr lang="nl-NL" altLang="nl-NL" sz="2000" dirty="0" smtClean="0">
+                <a:solidFill>
+                  <a:srgbClr val="00A6D6"/>
+                </a:solidFill>
+                <a:latin typeface="+mn-lt"/>
+                <a:ea typeface="ＭＳ Ｐゴシック" charset="-128"/>
+              </a:rPr>
+              <a:t>Buffer</a:t>
+            </a:r>
             <a:endParaRPr lang="nl-NL" altLang="nl-NL" sz="2000" dirty="0" smtClean="0">
               <a:solidFill>
                 <a:srgbClr val="00A6D6"/>
@@ -12718,10 +16970,57 @@
           </a:p>
         </p:txBody>
       </p:sp>
+      <p:sp>
+        <p:nvSpPr>
+          <p:cNvPr id="8" name="Content Placeholder 4"/>
+          <p:cNvSpPr>
+            <a:spLocks noGrp="1"/>
+          </p:cNvSpPr>
+          <p:nvPr>
+            <p:ph idx="1"/>
+          </p:nvPr>
+        </p:nvSpPr>
+        <p:spPr/>
+        <p:txBody>
+          <a:bodyPr/>
+          <a:lstStyle/>
+          <a:p>
+            <a:r>
+              <a:rPr lang="nl-NL" altLang="nl-NL" dirty="0">
+                <a:ea typeface="Tahoma"/>
+                <a:cs typeface="Tahoma"/>
+              </a:rPr>
+              <a:t> Ingedrukt houden van knoppen</a:t>
+            </a:r>
+          </a:p>
+          <a:p>
+            <a:r>
+              <a:rPr lang="nl-NL" altLang="nl-NL" dirty="0">
+                <a:ea typeface="Tahoma"/>
+                <a:cs typeface="Tahoma"/>
+              </a:rPr>
+              <a:t> Meerdere knoppen tegelijk indrukken</a:t>
+            </a:r>
+          </a:p>
+          <a:p>
+            <a:r>
+              <a:rPr lang="nl-NL" altLang="nl-NL" dirty="0">
+                <a:solidFill>
+                  <a:srgbClr val="000000"/>
+                </a:solidFill>
+                <a:latin typeface="Tahoma"/>
+                <a:ea typeface="Tahoma"/>
+                <a:cs typeface="Tahoma"/>
+              </a:rPr>
+              <a:t> Rekening houden met imperfecties van input</a:t>
+            </a:r>
+          </a:p>
+        </p:txBody>
+      </p:sp>
     </p:spTree>
     <p:extLst>
       <p:ext uri="{BB962C8B-B14F-4D97-AF65-F5344CB8AC3E}">
-        <p14:creationId xmlns:p14="http://schemas.microsoft.com/office/powerpoint/2010/main" val="205514984"/>
+        <p14:creationId xmlns:p14="http://schemas.microsoft.com/office/powerpoint/2010/main" val="388637402"/>
       </p:ext>
     </p:extLst>
   </p:cSld>
@@ -12757,7 +17056,7 @@
       </p:grpSpPr>
       <p:sp>
         <p:nvSpPr>
-          <p:cNvPr id="2" name="Titel 1"/>
+          <p:cNvPr id="4098" name="Title 3"/>
           <p:cNvSpPr>
             <a:spLocks noGrp="1"/>
           </p:cNvSpPr>
@@ -12765,56 +17064,261 @@
             <p:ph type="title"/>
           </p:nvPr>
         </p:nvSpPr>
+        <p:spPr>
+          <a:xfrm>
+            <a:off x="917575" y="457200"/>
+            <a:ext cx="7159625" cy="627063"/>
+          </a:xfrm>
+        </p:spPr>
+        <p:txBody>
+          <a:bodyPr/>
+          <a:lstStyle/>
+          <a:p>
+            <a:pPr>
+              <a:defRPr/>
+            </a:pPr>
+            <a:r>
+              <a:rPr lang="nl-NL" altLang="nl-NL" dirty="0" err="1" smtClean="0">
+                <a:latin typeface="+mn-lt"/>
+                <a:ea typeface="ＭＳ Ｐゴシック" pitchFamily="34" charset="-128"/>
+              </a:rPr>
+              <a:t>Main</a:t>
+            </a:r>
+            <a:r>
+              <a:rPr lang="nl-NL" altLang="nl-NL" dirty="0" smtClean="0">
+                <a:latin typeface="+mn-lt"/>
+                <a:ea typeface="ＭＳ Ｐゴシック" pitchFamily="34" charset="-128"/>
+              </a:rPr>
+              <a:t> controller</a:t>
+            </a:r>
+            <a:endParaRPr lang="nl-NL" altLang="nl-NL" dirty="0" smtClean="0">
+              <a:latin typeface="+mn-lt"/>
+              <a:ea typeface="ＭＳ Ｐゴシック" pitchFamily="34" charset="-128"/>
+            </a:endParaRPr>
+          </a:p>
+        </p:txBody>
+      </p:sp>
+      <p:sp>
+        <p:nvSpPr>
+          <p:cNvPr id="6" name="Ondertitel 2"/>
+          <p:cNvSpPr txBox="1">
+            <a:spLocks/>
+          </p:cNvSpPr>
+          <p:nvPr/>
+        </p:nvSpPr>
+        <p:spPr bwMode="auto">
+          <a:xfrm>
+            <a:off x="914400" y="1041400"/>
+            <a:ext cx="6781800" cy="474663"/>
+          </a:xfrm>
+          <a:prstGeom prst="rect">
+            <a:avLst/>
+          </a:prstGeom>
+          <a:noFill/>
+          <a:ln w="9525">
+            <a:noFill/>
+            <a:miter lim="800000"/>
+            <a:headEnd/>
+            <a:tailEnd/>
+          </a:ln>
+        </p:spPr>
+        <p:txBody>
+          <a:bodyPr lIns="0" tIns="0" rIns="0" bIns="0"/>
+          <a:lstStyle>
+            <a:lvl1pPr eaLnBrk="0" hangingPunct="0">
+              <a:defRPr sz="2400">
+                <a:solidFill>
+                  <a:schemeClr val="tx1"/>
+                </a:solidFill>
+                <a:latin typeface="Tahoma" charset="0"/>
+                <a:cs typeface="Arial" charset="0"/>
+              </a:defRPr>
+            </a:lvl1pPr>
+            <a:lvl2pPr marL="37931725" indent="-37474525" eaLnBrk="0" hangingPunct="0">
+              <a:defRPr sz="2400">
+                <a:solidFill>
+                  <a:schemeClr val="tx1"/>
+                </a:solidFill>
+                <a:latin typeface="Tahoma" charset="0"/>
+                <a:cs typeface="Arial" charset="0"/>
+              </a:defRPr>
+            </a:lvl2pPr>
+            <a:lvl3pPr eaLnBrk="0" hangingPunct="0">
+              <a:defRPr sz="2400">
+                <a:solidFill>
+                  <a:schemeClr val="tx1"/>
+                </a:solidFill>
+                <a:latin typeface="Tahoma" charset="0"/>
+                <a:cs typeface="Arial" charset="0"/>
+              </a:defRPr>
+            </a:lvl3pPr>
+            <a:lvl4pPr eaLnBrk="0" hangingPunct="0">
+              <a:defRPr sz="2400">
+                <a:solidFill>
+                  <a:schemeClr val="tx1"/>
+                </a:solidFill>
+                <a:latin typeface="Tahoma" charset="0"/>
+                <a:cs typeface="Arial" charset="0"/>
+              </a:defRPr>
+            </a:lvl4pPr>
+            <a:lvl5pPr eaLnBrk="0" hangingPunct="0">
+              <a:defRPr sz="2400">
+                <a:solidFill>
+                  <a:schemeClr val="tx1"/>
+                </a:solidFill>
+                <a:latin typeface="Tahoma" charset="0"/>
+                <a:cs typeface="Arial" charset="0"/>
+              </a:defRPr>
+            </a:lvl5pPr>
+            <a:lvl6pPr marL="457200" eaLnBrk="0" fontAlgn="base" hangingPunct="0">
+              <a:spcBef>
+                <a:spcPct val="0"/>
+              </a:spcBef>
+              <a:spcAft>
+                <a:spcPct val="0"/>
+              </a:spcAft>
+              <a:defRPr sz="2400">
+                <a:solidFill>
+                  <a:schemeClr val="tx1"/>
+                </a:solidFill>
+                <a:latin typeface="Tahoma" charset="0"/>
+                <a:cs typeface="Arial" charset="0"/>
+              </a:defRPr>
+            </a:lvl6pPr>
+            <a:lvl7pPr marL="914400" eaLnBrk="0" fontAlgn="base" hangingPunct="0">
+              <a:spcBef>
+                <a:spcPct val="0"/>
+              </a:spcBef>
+              <a:spcAft>
+                <a:spcPct val="0"/>
+              </a:spcAft>
+              <a:defRPr sz="2400">
+                <a:solidFill>
+                  <a:schemeClr val="tx1"/>
+                </a:solidFill>
+                <a:latin typeface="Tahoma" charset="0"/>
+                <a:cs typeface="Arial" charset="0"/>
+              </a:defRPr>
+            </a:lvl7pPr>
+            <a:lvl8pPr marL="1371600" eaLnBrk="0" fontAlgn="base" hangingPunct="0">
+              <a:spcBef>
+                <a:spcPct val="0"/>
+              </a:spcBef>
+              <a:spcAft>
+                <a:spcPct val="0"/>
+              </a:spcAft>
+              <a:defRPr sz="2400">
+                <a:solidFill>
+                  <a:schemeClr val="tx1"/>
+                </a:solidFill>
+                <a:latin typeface="Tahoma" charset="0"/>
+                <a:cs typeface="Arial" charset="0"/>
+              </a:defRPr>
+            </a:lvl8pPr>
+            <a:lvl9pPr marL="1828800" eaLnBrk="0" fontAlgn="base" hangingPunct="0">
+              <a:spcBef>
+                <a:spcPct val="0"/>
+              </a:spcBef>
+              <a:spcAft>
+                <a:spcPct val="0"/>
+              </a:spcAft>
+              <a:defRPr sz="2400">
+                <a:solidFill>
+                  <a:schemeClr val="tx1"/>
+                </a:solidFill>
+                <a:latin typeface="Tahoma" charset="0"/>
+                <a:cs typeface="Arial" charset="0"/>
+              </a:defRPr>
+            </a:lvl9pPr>
+          </a:lstStyle>
+          <a:p>
+            <a:pPr algn="l">
+              <a:lnSpc>
+                <a:spcPts val="2500"/>
+              </a:lnSpc>
+              <a:buClr>
+                <a:srgbClr val="00A6D6"/>
+              </a:buClr>
+              <a:defRPr/>
+            </a:pPr>
+            <a:r>
+              <a:rPr lang="nl-NL" altLang="nl-NL" sz="2000" dirty="0" smtClean="0">
+                <a:solidFill>
+                  <a:srgbClr val="00A6D6"/>
+                </a:solidFill>
+                <a:latin typeface="+mn-lt"/>
+                <a:ea typeface="ＭＳ Ｐゴシック" charset="-128"/>
+              </a:rPr>
+              <a:t>Geheugen</a:t>
+            </a:r>
+            <a:endParaRPr lang="nl-NL" altLang="nl-NL" sz="2000" dirty="0" smtClean="0">
+              <a:solidFill>
+                <a:srgbClr val="00A6D6"/>
+              </a:solidFill>
+              <a:latin typeface="+mn-lt"/>
+              <a:ea typeface="ＭＳ Ｐゴシック" charset="-128"/>
+            </a:endParaRPr>
+          </a:p>
+        </p:txBody>
+      </p:sp>
+      <p:sp>
+        <p:nvSpPr>
+          <p:cNvPr id="8" name="Content Placeholder 4"/>
+          <p:cNvSpPr>
+            <a:spLocks noGrp="1"/>
+          </p:cNvSpPr>
+          <p:nvPr>
+            <p:ph idx="1"/>
+          </p:nvPr>
+        </p:nvSpPr>
         <p:spPr/>
         <p:txBody>
           <a:bodyPr/>
           <a:lstStyle/>
           <a:p>
             <a:r>
-              <a:rPr lang="nl-NL" dirty="0" smtClean="0">
-                <a:latin typeface="+mn-lt"/>
+              <a:rPr lang="nl-NL" altLang="nl-NL" dirty="0" err="1">
+                <a:ea typeface="Tahoma"/>
+                <a:cs typeface="Tahoma"/>
               </a:rPr>
-              <a:t>FSM</a:t>
-            </a:r>
-            <a:endParaRPr lang="nl-NL" dirty="0">
-              <a:latin typeface="+mn-lt"/>
+              <a:t>Enable</a:t>
+            </a:r>
+            <a:r>
+              <a:rPr lang="nl-NL" altLang="nl-NL" dirty="0">
+                <a:ea typeface="Tahoma"/>
+                <a:cs typeface="Tahoma"/>
+              </a:rPr>
+              <a:t> signaal</a:t>
+            </a:r>
+          </a:p>
+          <a:p>
+            <a:r>
+              <a:rPr lang="nl-NL" altLang="nl-NL" dirty="0">
+                <a:ea typeface="Tahoma"/>
+                <a:cs typeface="Tahoma"/>
+              </a:rPr>
+              <a:t>16 bits groot</a:t>
+            </a:r>
+          </a:p>
+          <a:p>
+            <a:r>
+              <a:rPr lang="nl-NL" altLang="nl-NL" dirty="0" smtClean="0">
+                <a:ea typeface="Tahoma"/>
+                <a:cs typeface="Tahoma"/>
+              </a:rPr>
+              <a:t>Uitgang</a:t>
+            </a:r>
+            <a:endParaRPr lang="nl-NL" altLang="nl-NL" dirty="0">
+              <a:ea typeface="Tahoma"/>
+              <a:cs typeface="Tahoma"/>
             </a:endParaRPr>
           </a:p>
         </p:txBody>
       </p:sp>
-      <p:pic>
-        <p:nvPicPr>
-          <p:cNvPr id="4" name="Tijdelijke aanduiding voor inhoud 3"/>
-          <p:cNvPicPr>
-            <a:picLocks noGrp="1" noChangeAspect="1"/>
-          </p:cNvPicPr>
-          <p:nvPr>
-            <p:ph idx="1"/>
-          </p:nvPr>
-        </p:nvPicPr>
-        <p:blipFill>
-          <a:blip r:embed="rId2">
-            <a:extLst>
-              <a:ext uri="{28A0092B-C50C-407E-A947-70E740481C1C}">
-                <a14:useLocalDpi xmlns:a14="http://schemas.microsoft.com/office/drawing/2010/main" val="0"/>
-              </a:ext>
-            </a:extLst>
-          </a:blip>
-          <a:stretch>
-            <a:fillRect/>
-          </a:stretch>
-        </p:blipFill>
-        <p:spPr>
-          <a:xfrm>
-            <a:off x="917575" y="1310185"/>
-            <a:ext cx="7154574" cy="4403832"/>
-          </a:xfrm>
-        </p:spPr>
-      </p:pic>
     </p:spTree>
     <p:extLst>
       <p:ext uri="{BB962C8B-B14F-4D97-AF65-F5344CB8AC3E}">
-        <p14:creationId xmlns:p14="http://schemas.microsoft.com/office/powerpoint/2010/main" val="877790804"/>
+        <p14:creationId xmlns:p14="http://schemas.microsoft.com/office/powerpoint/2010/main" val="2557476164"/>
       </p:ext>
     </p:extLst>
   </p:cSld>

--- a/Presentatie/Presentatie groep A1.pptx
+++ b/Presentatie/Presentatie groep A1.pptx
@@ -5,33 +5,37 @@
     <p:sldMasterId id="2147483649" r:id="rId1"/>
   </p:sldMasterIdLst>
   <p:notesMasterIdLst>
-    <p:notesMasterId r:id="rId23"/>
+    <p:notesMasterId r:id="rId27"/>
   </p:notesMasterIdLst>
   <p:handoutMasterIdLst>
-    <p:handoutMasterId r:id="rId24"/>
+    <p:handoutMasterId r:id="rId28"/>
   </p:handoutMasterIdLst>
   <p:sldIdLst>
     <p:sldId id="382" r:id="rId2"/>
-    <p:sldId id="383" r:id="rId3"/>
-    <p:sldId id="384" r:id="rId4"/>
-    <p:sldId id="385" r:id="rId5"/>
-    <p:sldId id="386" r:id="rId6"/>
-    <p:sldId id="392" r:id="rId7"/>
-    <p:sldId id="393" r:id="rId8"/>
-    <p:sldId id="394" r:id="rId9"/>
-    <p:sldId id="395" r:id="rId10"/>
-    <p:sldId id="396" r:id="rId11"/>
-    <p:sldId id="387" r:id="rId12"/>
-    <p:sldId id="403" r:id="rId13"/>
-    <p:sldId id="404" r:id="rId14"/>
-    <p:sldId id="405" r:id="rId15"/>
-    <p:sldId id="406" r:id="rId16"/>
-    <p:sldId id="397" r:id="rId17"/>
-    <p:sldId id="398" r:id="rId18"/>
-    <p:sldId id="399" r:id="rId19"/>
-    <p:sldId id="400" r:id="rId20"/>
-    <p:sldId id="401" r:id="rId21"/>
-    <p:sldId id="402" r:id="rId22"/>
+    <p:sldId id="407" r:id="rId3"/>
+    <p:sldId id="408" r:id="rId4"/>
+    <p:sldId id="383" r:id="rId5"/>
+    <p:sldId id="384" r:id="rId6"/>
+    <p:sldId id="385" r:id="rId7"/>
+    <p:sldId id="386" r:id="rId8"/>
+    <p:sldId id="392" r:id="rId9"/>
+    <p:sldId id="393" r:id="rId10"/>
+    <p:sldId id="394" r:id="rId11"/>
+    <p:sldId id="395" r:id="rId12"/>
+    <p:sldId id="396" r:id="rId13"/>
+    <p:sldId id="387" r:id="rId14"/>
+    <p:sldId id="403" r:id="rId15"/>
+    <p:sldId id="404" r:id="rId16"/>
+    <p:sldId id="405" r:id="rId17"/>
+    <p:sldId id="406" r:id="rId18"/>
+    <p:sldId id="397" r:id="rId19"/>
+    <p:sldId id="398" r:id="rId20"/>
+    <p:sldId id="399" r:id="rId21"/>
+    <p:sldId id="400" r:id="rId22"/>
+    <p:sldId id="401" r:id="rId23"/>
+    <p:sldId id="402" r:id="rId24"/>
+    <p:sldId id="409" r:id="rId25"/>
+    <p:sldId id="410" r:id="rId26"/>
   </p:sldIdLst>
   <p:sldSz cx="9144000" cy="6858000" type="screen4x3"/>
   <p:notesSz cx="6794500" cy="9931400"/>
@@ -5344,10 +5348,6 @@
               </a:rPr>
               <a:t> controller</a:t>
             </a:r>
-            <a:endParaRPr lang="nl-NL" altLang="nl-NL" dirty="0" smtClean="0">
-              <a:latin typeface="+mn-lt"/>
-              <a:ea typeface="ＭＳ Ｐゴシック" pitchFamily="34" charset="-128"/>
-            </a:endParaRPr>
           </a:p>
         </p:txBody>
       </p:sp>
@@ -5502,15 +5502,8 @@
                 <a:latin typeface="+mn-lt"/>
                 <a:ea typeface="ＭＳ Ｐゴシック" charset="-128"/>
               </a:rPr>
-              <a:t>Menu</a:t>
-            </a:r>
-            <a:endParaRPr lang="nl-NL" altLang="nl-NL" sz="2000" dirty="0" smtClean="0">
-              <a:solidFill>
-                <a:srgbClr val="00A6D6"/>
-              </a:solidFill>
-              <a:latin typeface="+mn-lt"/>
-              <a:ea typeface="ＭＳ Ｐゴシック" charset="-128"/>
-            </a:endParaRPr>
+              <a:t>Buffer</a:t>
+            </a:r>
           </a:p>
         </p:txBody>
       </p:sp>
@@ -5534,59 +5527,37 @@
                 <a:ea typeface="Tahoma"/>
                 <a:cs typeface="Tahoma"/>
               </a:rPr>
-              <a:t>Gebruiksvriendelijk</a:t>
-            </a:r>
-          </a:p>
-          <a:p>
-            <a:r>
-              <a:rPr lang="nl-NL" altLang="nl-NL" dirty="0" smtClean="0">
+              <a:t> Ingedrukt houden van knoppen</a:t>
+            </a:r>
+          </a:p>
+          <a:p>
+            <a:r>
+              <a:rPr lang="nl-NL" altLang="nl-NL" dirty="0">
                 <a:ea typeface="Tahoma"/>
                 <a:cs typeface="Tahoma"/>
               </a:rPr>
-              <a:t>FSM</a:t>
-            </a:r>
-            <a:endParaRPr lang="nl-NL" altLang="nl-NL" dirty="0">
-              <a:ea typeface="Tahoma"/>
-              <a:cs typeface="Tahoma"/>
-            </a:endParaRPr>
+              <a:t> Meerdere knoppen tegelijk indrukken</a:t>
+            </a:r>
+          </a:p>
+          <a:p>
+            <a:r>
+              <a:rPr lang="nl-NL" altLang="nl-NL" dirty="0">
+                <a:solidFill>
+                  <a:srgbClr val="000000"/>
+                </a:solidFill>
+                <a:latin typeface="Tahoma"/>
+                <a:ea typeface="Tahoma"/>
+                <a:cs typeface="Tahoma"/>
+              </a:rPr>
+              <a:t> Rekening houden met imperfecties van input</a:t>
+            </a:r>
           </a:p>
         </p:txBody>
       </p:sp>
-      <p:pic>
-        <p:nvPicPr>
-          <p:cNvPr id="5" name="Afbeelding 4" descr="fsm.png"/>
-          <p:cNvPicPr>
-            <a:picLocks noChangeAspect="1"/>
-          </p:cNvPicPr>
-          <p:nvPr/>
-        </p:nvPicPr>
-        <p:blipFill>
-          <a:blip r:embed="rId2">
-            <a:extLst>
-              <a:ext uri="{28A0092B-C50C-407E-A947-70E740481C1C}">
-                <a14:useLocalDpi xmlns:a14="http://schemas.microsoft.com/office/drawing/2010/main" val="0"/>
-              </a:ext>
-            </a:extLst>
-          </a:blip>
-          <a:srcRect l="-10" r="12916"/>
-          <a:stretch>
-            <a:fillRect/>
-          </a:stretch>
-        </p:blipFill>
-        <p:spPr>
-          <a:xfrm>
-            <a:off x="3544508" y="1903216"/>
-            <a:ext cx="5157167" cy="3552825"/>
-          </a:xfrm>
-          <a:prstGeom prst="rect">
-            <a:avLst/>
-          </a:prstGeom>
-        </p:spPr>
-      </p:pic>
     </p:spTree>
     <p:extLst>
       <p:ext uri="{BB962C8B-B14F-4D97-AF65-F5344CB8AC3E}">
-        <p14:creationId xmlns:p14="http://schemas.microsoft.com/office/powerpoint/2010/main" val="3958517889"/>
+        <p14:creationId xmlns:p14="http://schemas.microsoft.com/office/powerpoint/2010/main" val="388637402"/>
       </p:ext>
     </p:extLst>
   </p:cSld>
@@ -5622,7 +5593,7 @@
       </p:grpSpPr>
       <p:sp>
         <p:nvSpPr>
-          <p:cNvPr id="2" name="Titel 1"/>
+          <p:cNvPr id="4098" name="Title 3"/>
           <p:cNvSpPr>
             <a:spLocks noGrp="1"/>
           </p:cNvSpPr>
@@ -5630,23 +5601,250 @@
             <p:ph type="title"/>
           </p:nvPr>
         </p:nvSpPr>
+        <p:spPr>
+          <a:xfrm>
+            <a:off x="917575" y="457200"/>
+            <a:ext cx="7159625" cy="627063"/>
+          </a:xfrm>
+        </p:spPr>
+        <p:txBody>
+          <a:bodyPr/>
+          <a:lstStyle/>
+          <a:p>
+            <a:pPr>
+              <a:defRPr/>
+            </a:pPr>
+            <a:r>
+              <a:rPr lang="nl-NL" altLang="nl-NL" dirty="0" err="1" smtClean="0">
+                <a:latin typeface="+mn-lt"/>
+                <a:ea typeface="ＭＳ Ｐゴシック" pitchFamily="34" charset="-128"/>
+              </a:rPr>
+              <a:t>Main</a:t>
+            </a:r>
+            <a:r>
+              <a:rPr lang="nl-NL" altLang="nl-NL" dirty="0" smtClean="0">
+                <a:latin typeface="+mn-lt"/>
+                <a:ea typeface="ＭＳ Ｐゴシック" pitchFamily="34" charset="-128"/>
+              </a:rPr>
+              <a:t> controller</a:t>
+            </a:r>
+          </a:p>
+        </p:txBody>
+      </p:sp>
+      <p:sp>
+        <p:nvSpPr>
+          <p:cNvPr id="6" name="Ondertitel 2"/>
+          <p:cNvSpPr txBox="1">
+            <a:spLocks/>
+          </p:cNvSpPr>
+          <p:nvPr/>
+        </p:nvSpPr>
+        <p:spPr bwMode="auto">
+          <a:xfrm>
+            <a:off x="914400" y="1041400"/>
+            <a:ext cx="6781800" cy="474663"/>
+          </a:xfrm>
+          <a:prstGeom prst="rect">
+            <a:avLst/>
+          </a:prstGeom>
+          <a:noFill/>
+          <a:ln w="9525">
+            <a:noFill/>
+            <a:miter lim="800000"/>
+            <a:headEnd/>
+            <a:tailEnd/>
+          </a:ln>
+        </p:spPr>
+        <p:txBody>
+          <a:bodyPr lIns="0" tIns="0" rIns="0" bIns="0"/>
+          <a:lstStyle>
+            <a:lvl1pPr eaLnBrk="0" hangingPunct="0">
+              <a:defRPr sz="2400">
+                <a:solidFill>
+                  <a:schemeClr val="tx1"/>
+                </a:solidFill>
+                <a:latin typeface="Tahoma" charset="0"/>
+                <a:cs typeface="Arial" charset="0"/>
+              </a:defRPr>
+            </a:lvl1pPr>
+            <a:lvl2pPr marL="37931725" indent="-37474525" eaLnBrk="0" hangingPunct="0">
+              <a:defRPr sz="2400">
+                <a:solidFill>
+                  <a:schemeClr val="tx1"/>
+                </a:solidFill>
+                <a:latin typeface="Tahoma" charset="0"/>
+                <a:cs typeface="Arial" charset="0"/>
+              </a:defRPr>
+            </a:lvl2pPr>
+            <a:lvl3pPr eaLnBrk="0" hangingPunct="0">
+              <a:defRPr sz="2400">
+                <a:solidFill>
+                  <a:schemeClr val="tx1"/>
+                </a:solidFill>
+                <a:latin typeface="Tahoma" charset="0"/>
+                <a:cs typeface="Arial" charset="0"/>
+              </a:defRPr>
+            </a:lvl3pPr>
+            <a:lvl4pPr eaLnBrk="0" hangingPunct="0">
+              <a:defRPr sz="2400">
+                <a:solidFill>
+                  <a:schemeClr val="tx1"/>
+                </a:solidFill>
+                <a:latin typeface="Tahoma" charset="0"/>
+                <a:cs typeface="Arial" charset="0"/>
+              </a:defRPr>
+            </a:lvl4pPr>
+            <a:lvl5pPr eaLnBrk="0" hangingPunct="0">
+              <a:defRPr sz="2400">
+                <a:solidFill>
+                  <a:schemeClr val="tx1"/>
+                </a:solidFill>
+                <a:latin typeface="Tahoma" charset="0"/>
+                <a:cs typeface="Arial" charset="0"/>
+              </a:defRPr>
+            </a:lvl5pPr>
+            <a:lvl6pPr marL="457200" eaLnBrk="0" fontAlgn="base" hangingPunct="0">
+              <a:spcBef>
+                <a:spcPct val="0"/>
+              </a:spcBef>
+              <a:spcAft>
+                <a:spcPct val="0"/>
+              </a:spcAft>
+              <a:defRPr sz="2400">
+                <a:solidFill>
+                  <a:schemeClr val="tx1"/>
+                </a:solidFill>
+                <a:latin typeface="Tahoma" charset="0"/>
+                <a:cs typeface="Arial" charset="0"/>
+              </a:defRPr>
+            </a:lvl6pPr>
+            <a:lvl7pPr marL="914400" eaLnBrk="0" fontAlgn="base" hangingPunct="0">
+              <a:spcBef>
+                <a:spcPct val="0"/>
+              </a:spcBef>
+              <a:spcAft>
+                <a:spcPct val="0"/>
+              </a:spcAft>
+              <a:defRPr sz="2400">
+                <a:solidFill>
+                  <a:schemeClr val="tx1"/>
+                </a:solidFill>
+                <a:latin typeface="Tahoma" charset="0"/>
+                <a:cs typeface="Arial" charset="0"/>
+              </a:defRPr>
+            </a:lvl7pPr>
+            <a:lvl8pPr marL="1371600" eaLnBrk="0" fontAlgn="base" hangingPunct="0">
+              <a:spcBef>
+                <a:spcPct val="0"/>
+              </a:spcBef>
+              <a:spcAft>
+                <a:spcPct val="0"/>
+              </a:spcAft>
+              <a:defRPr sz="2400">
+                <a:solidFill>
+                  <a:schemeClr val="tx1"/>
+                </a:solidFill>
+                <a:latin typeface="Tahoma" charset="0"/>
+                <a:cs typeface="Arial" charset="0"/>
+              </a:defRPr>
+            </a:lvl8pPr>
+            <a:lvl9pPr marL="1828800" eaLnBrk="0" fontAlgn="base" hangingPunct="0">
+              <a:spcBef>
+                <a:spcPct val="0"/>
+              </a:spcBef>
+              <a:spcAft>
+                <a:spcPct val="0"/>
+              </a:spcAft>
+              <a:defRPr sz="2400">
+                <a:solidFill>
+                  <a:schemeClr val="tx1"/>
+                </a:solidFill>
+                <a:latin typeface="Tahoma" charset="0"/>
+                <a:cs typeface="Arial" charset="0"/>
+              </a:defRPr>
+            </a:lvl9pPr>
+          </a:lstStyle>
+          <a:p>
+            <a:pPr algn="l">
+              <a:lnSpc>
+                <a:spcPts val="2500"/>
+              </a:lnSpc>
+              <a:buClr>
+                <a:srgbClr val="00A6D6"/>
+              </a:buClr>
+              <a:defRPr/>
+            </a:pPr>
+            <a:r>
+              <a:rPr lang="nl-NL" altLang="nl-NL" sz="2000" dirty="0" smtClean="0">
+                <a:solidFill>
+                  <a:srgbClr val="00A6D6"/>
+                </a:solidFill>
+                <a:latin typeface="+mn-lt"/>
+                <a:ea typeface="ＭＳ Ｐゴシック" charset="-128"/>
+              </a:rPr>
+              <a:t>Geheugen</a:t>
+            </a:r>
+          </a:p>
+        </p:txBody>
+      </p:sp>
+      <p:sp>
+        <p:nvSpPr>
+          <p:cNvPr id="8" name="Content Placeholder 4"/>
+          <p:cNvSpPr>
+            <a:spLocks noGrp="1"/>
+          </p:cNvSpPr>
+          <p:nvPr>
+            <p:ph idx="1"/>
+          </p:nvPr>
+        </p:nvSpPr>
         <p:spPr/>
         <p:txBody>
           <a:bodyPr/>
           <a:lstStyle/>
           <a:p>
             <a:r>
-              <a:rPr lang="nl-NL" dirty="0" smtClean="0"/>
-              <a:t>Alarm module</a:t>
-            </a:r>
-            <a:endParaRPr lang="nl-NL" dirty="0"/>
+              <a:rPr lang="nl-NL" altLang="nl-NL" dirty="0" err="1">
+                <a:ea typeface="Tahoma"/>
+                <a:cs typeface="Tahoma"/>
+              </a:rPr>
+              <a:t>Enable</a:t>
+            </a:r>
+            <a:r>
+              <a:rPr lang="nl-NL" altLang="nl-NL" dirty="0">
+                <a:ea typeface="Tahoma"/>
+                <a:cs typeface="Tahoma"/>
+              </a:rPr>
+              <a:t> signaal</a:t>
+            </a:r>
+          </a:p>
+          <a:p>
+            <a:r>
+              <a:rPr lang="nl-NL" altLang="nl-NL" dirty="0">
+                <a:ea typeface="Tahoma"/>
+                <a:cs typeface="Tahoma"/>
+              </a:rPr>
+              <a:t>16 bits groot</a:t>
+            </a:r>
+          </a:p>
+          <a:p>
+            <a:r>
+              <a:rPr lang="nl-NL" altLang="nl-NL" dirty="0" smtClean="0">
+                <a:ea typeface="Tahoma"/>
+                <a:cs typeface="Tahoma"/>
+              </a:rPr>
+              <a:t>Uitgang</a:t>
+            </a:r>
+            <a:endParaRPr lang="nl-NL" altLang="nl-NL" dirty="0">
+              <a:ea typeface="Tahoma"/>
+              <a:cs typeface="Tahoma"/>
+            </a:endParaRPr>
           </a:p>
         </p:txBody>
       </p:sp>
     </p:spTree>
     <p:extLst>
       <p:ext uri="{BB962C8B-B14F-4D97-AF65-F5344CB8AC3E}">
-        <p14:creationId xmlns:p14="http://schemas.microsoft.com/office/powerpoint/2010/main" val="1580779184"/>
+        <p14:creationId xmlns:p14="http://schemas.microsoft.com/office/powerpoint/2010/main" val="2557476164"/>
       </p:ext>
     </p:extLst>
   </p:cSld>
@@ -5704,16 +5902,19 @@
               <a:defRPr/>
             </a:pPr>
             <a:r>
+              <a:rPr lang="nl-NL" altLang="nl-NL" dirty="0" err="1" smtClean="0">
+                <a:latin typeface="+mn-lt"/>
+                <a:ea typeface="ＭＳ Ｐゴシック" pitchFamily="34" charset="-128"/>
+              </a:rPr>
+              <a:t>Main</a:t>
+            </a:r>
+            <a:r>
               <a:rPr lang="nl-NL" altLang="nl-NL" dirty="0" smtClean="0">
                 <a:latin typeface="+mn-lt"/>
                 <a:ea typeface="ＭＳ Ｐゴシック" pitchFamily="34" charset="-128"/>
               </a:rPr>
-              <a:t>Alarm</a:t>
-            </a:r>
-            <a:endParaRPr lang="nl-NL" altLang="nl-NL" dirty="0" smtClean="0">
-              <a:latin typeface="+mn-lt"/>
-              <a:ea typeface="ＭＳ Ｐゴシック" pitchFamily="34" charset="-128"/>
-            </a:endParaRPr>
+              <a:t> controller</a:t>
+            </a:r>
           </a:p>
         </p:txBody>
       </p:sp>
@@ -5868,21 +6069,52 @@
                 <a:latin typeface="+mn-lt"/>
                 <a:ea typeface="ＭＳ Ｐゴシック" charset="-128"/>
               </a:rPr>
-              <a:t>Blokdiagram</a:t>
-            </a:r>
-            <a:endParaRPr lang="nl-NL" altLang="nl-NL" sz="2000" dirty="0" smtClean="0">
-              <a:solidFill>
-                <a:srgbClr val="00A6D6"/>
-              </a:solidFill>
-              <a:latin typeface="+mn-lt"/>
-              <a:ea typeface="ＭＳ Ｐゴシック" charset="-128"/>
+              <a:t>Menu</a:t>
+            </a:r>
+          </a:p>
+        </p:txBody>
+      </p:sp>
+      <p:sp>
+        <p:nvSpPr>
+          <p:cNvPr id="8" name="Content Placeholder 4"/>
+          <p:cNvSpPr>
+            <a:spLocks noGrp="1"/>
+          </p:cNvSpPr>
+          <p:nvPr>
+            <p:ph idx="1"/>
+          </p:nvPr>
+        </p:nvSpPr>
+        <p:spPr/>
+        <p:txBody>
+          <a:bodyPr/>
+          <a:lstStyle/>
+          <a:p>
+            <a:r>
+              <a:rPr lang="nl-NL" altLang="nl-NL" dirty="0">
+                <a:ea typeface="Tahoma"/>
+                <a:cs typeface="Tahoma"/>
+              </a:rPr>
+              <a:t>Gebruiksvriendelijk</a:t>
+            </a:r>
+          </a:p>
+          <a:p>
+            <a:r>
+              <a:rPr lang="nl-NL" altLang="nl-NL" dirty="0" smtClean="0">
+                <a:ea typeface="Tahoma"/>
+                <a:cs typeface="Tahoma"/>
+              </a:rPr>
+              <a:t>FSM</a:t>
+            </a:r>
+            <a:endParaRPr lang="nl-NL" altLang="nl-NL" dirty="0">
+              <a:ea typeface="Tahoma"/>
+              <a:cs typeface="Tahoma"/>
             </a:endParaRPr>
           </a:p>
         </p:txBody>
       </p:sp>
       <p:pic>
         <p:nvPicPr>
-          <p:cNvPr id="7" name="Tijdelijke aanduiding voor inhoud 5"/>
+          <p:cNvPr id="5" name="Afbeelding 4" descr="fsm.png"/>
           <p:cNvPicPr>
             <a:picLocks noChangeAspect="1"/>
           </p:cNvPicPr>
@@ -5896,47 +6128,25 @@
               </a:ext>
             </a:extLst>
           </a:blip>
+          <a:srcRect l="-10" r="12916"/>
           <a:stretch>
             <a:fillRect/>
           </a:stretch>
         </p:blipFill>
-        <p:spPr bwMode="auto">
+        <p:spPr>
           <a:xfrm>
-            <a:off x="153448" y="2238233"/>
-            <a:ext cx="8990552" cy="3745381"/>
+            <a:off x="3544508" y="1903216"/>
+            <a:ext cx="5157167" cy="3552825"/>
           </a:xfrm>
           <a:prstGeom prst="rect">
             <a:avLst/>
           </a:prstGeom>
-          <a:noFill/>
-          <a:ln>
-            <a:noFill/>
-          </a:ln>
-          <a:extLst>
-            <a:ext uri="{909E8E84-426E-40DD-AFC4-6F175D3DCCD1}">
-              <a14:hiddenFill xmlns:a14="http://schemas.microsoft.com/office/drawing/2010/main">
-                <a:solidFill>
-                  <a:srgbClr val="FFFFFF"/>
-                </a:solidFill>
-              </a14:hiddenFill>
-            </a:ext>
-            <a:ext uri="{91240B29-F687-4F45-9708-019B960494DF}">
-              <a14:hiddenLine xmlns:a14="http://schemas.microsoft.com/office/drawing/2010/main" w="9525">
-                <a:solidFill>
-                  <a:srgbClr val="000000"/>
-                </a:solidFill>
-                <a:miter lim="800000"/>
-                <a:headEnd/>
-                <a:tailEnd/>
-              </a14:hiddenLine>
-            </a:ext>
-          </a:extLst>
         </p:spPr>
       </p:pic>
     </p:spTree>
     <p:extLst>
       <p:ext uri="{BB962C8B-B14F-4D97-AF65-F5344CB8AC3E}">
-        <p14:creationId xmlns:p14="http://schemas.microsoft.com/office/powerpoint/2010/main" val="2267202334"/>
+        <p14:creationId xmlns:p14="http://schemas.microsoft.com/office/powerpoint/2010/main" val="3958517889"/>
       </p:ext>
     </p:extLst>
   </p:cSld>
@@ -5972,7 +6182,7 @@
       </p:grpSpPr>
       <p:sp>
         <p:nvSpPr>
-          <p:cNvPr id="4098" name="Title 3"/>
+          <p:cNvPr id="2" name="Titel 1"/>
           <p:cNvSpPr>
             <a:spLocks noGrp="1"/>
           </p:cNvSpPr>
@@ -5980,249 +6190,23 @@
             <p:ph type="title"/>
           </p:nvPr>
         </p:nvSpPr>
-        <p:spPr>
-          <a:xfrm>
-            <a:off x="917575" y="457200"/>
-            <a:ext cx="7159625" cy="627063"/>
-          </a:xfrm>
-        </p:spPr>
+        <p:spPr/>
         <p:txBody>
           <a:bodyPr/>
           <a:lstStyle/>
           <a:p>
-            <a:pPr>
-              <a:defRPr/>
-            </a:pPr>
-            <a:r>
-              <a:rPr lang="nl-NL" altLang="nl-NL" dirty="0" smtClean="0">
-                <a:latin typeface="+mn-lt"/>
-                <a:ea typeface="ＭＳ Ｐゴシック" pitchFamily="34" charset="-128"/>
-              </a:rPr>
-              <a:t>Alarm</a:t>
-            </a:r>
-            <a:endParaRPr lang="nl-NL" altLang="nl-NL" dirty="0" smtClean="0">
-              <a:latin typeface="+mn-lt"/>
-              <a:ea typeface="ＭＳ Ｐゴシック" pitchFamily="34" charset="-128"/>
-            </a:endParaRPr>
+            <a:r>
+              <a:rPr lang="nl-NL" dirty="0" smtClean="0"/>
+              <a:t>Alarm module</a:t>
+            </a:r>
+            <a:endParaRPr lang="nl-NL" dirty="0"/>
           </a:p>
         </p:txBody>
       </p:sp>
-      <p:sp>
-        <p:nvSpPr>
-          <p:cNvPr id="6" name="Ondertitel 2"/>
-          <p:cNvSpPr txBox="1">
-            <a:spLocks/>
-          </p:cNvSpPr>
-          <p:nvPr/>
-        </p:nvSpPr>
-        <p:spPr bwMode="auto">
-          <a:xfrm>
-            <a:off x="914400" y="1041400"/>
-            <a:ext cx="6781800" cy="474663"/>
-          </a:xfrm>
-          <a:prstGeom prst="rect">
-            <a:avLst/>
-          </a:prstGeom>
-          <a:noFill/>
-          <a:ln w="9525">
-            <a:noFill/>
-            <a:miter lim="800000"/>
-            <a:headEnd/>
-            <a:tailEnd/>
-          </a:ln>
-        </p:spPr>
-        <p:txBody>
-          <a:bodyPr lIns="0" tIns="0" rIns="0" bIns="0"/>
-          <a:lstStyle>
-            <a:lvl1pPr eaLnBrk="0" hangingPunct="0">
-              <a:defRPr sz="2400">
-                <a:solidFill>
-                  <a:schemeClr val="tx1"/>
-                </a:solidFill>
-                <a:latin typeface="Tahoma" charset="0"/>
-                <a:cs typeface="Arial" charset="0"/>
-              </a:defRPr>
-            </a:lvl1pPr>
-            <a:lvl2pPr marL="37931725" indent="-37474525" eaLnBrk="0" hangingPunct="0">
-              <a:defRPr sz="2400">
-                <a:solidFill>
-                  <a:schemeClr val="tx1"/>
-                </a:solidFill>
-                <a:latin typeface="Tahoma" charset="0"/>
-                <a:cs typeface="Arial" charset="0"/>
-              </a:defRPr>
-            </a:lvl2pPr>
-            <a:lvl3pPr eaLnBrk="0" hangingPunct="0">
-              <a:defRPr sz="2400">
-                <a:solidFill>
-                  <a:schemeClr val="tx1"/>
-                </a:solidFill>
-                <a:latin typeface="Tahoma" charset="0"/>
-                <a:cs typeface="Arial" charset="0"/>
-              </a:defRPr>
-            </a:lvl3pPr>
-            <a:lvl4pPr eaLnBrk="0" hangingPunct="0">
-              <a:defRPr sz="2400">
-                <a:solidFill>
-                  <a:schemeClr val="tx1"/>
-                </a:solidFill>
-                <a:latin typeface="Tahoma" charset="0"/>
-                <a:cs typeface="Arial" charset="0"/>
-              </a:defRPr>
-            </a:lvl4pPr>
-            <a:lvl5pPr eaLnBrk="0" hangingPunct="0">
-              <a:defRPr sz="2400">
-                <a:solidFill>
-                  <a:schemeClr val="tx1"/>
-                </a:solidFill>
-                <a:latin typeface="Tahoma" charset="0"/>
-                <a:cs typeface="Arial" charset="0"/>
-              </a:defRPr>
-            </a:lvl5pPr>
-            <a:lvl6pPr marL="457200" eaLnBrk="0" fontAlgn="base" hangingPunct="0">
-              <a:spcBef>
-                <a:spcPct val="0"/>
-              </a:spcBef>
-              <a:spcAft>
-                <a:spcPct val="0"/>
-              </a:spcAft>
-              <a:defRPr sz="2400">
-                <a:solidFill>
-                  <a:schemeClr val="tx1"/>
-                </a:solidFill>
-                <a:latin typeface="Tahoma" charset="0"/>
-                <a:cs typeface="Arial" charset="0"/>
-              </a:defRPr>
-            </a:lvl6pPr>
-            <a:lvl7pPr marL="914400" eaLnBrk="0" fontAlgn="base" hangingPunct="0">
-              <a:spcBef>
-                <a:spcPct val="0"/>
-              </a:spcBef>
-              <a:spcAft>
-                <a:spcPct val="0"/>
-              </a:spcAft>
-              <a:defRPr sz="2400">
-                <a:solidFill>
-                  <a:schemeClr val="tx1"/>
-                </a:solidFill>
-                <a:latin typeface="Tahoma" charset="0"/>
-                <a:cs typeface="Arial" charset="0"/>
-              </a:defRPr>
-            </a:lvl7pPr>
-            <a:lvl8pPr marL="1371600" eaLnBrk="0" fontAlgn="base" hangingPunct="0">
-              <a:spcBef>
-                <a:spcPct val="0"/>
-              </a:spcBef>
-              <a:spcAft>
-                <a:spcPct val="0"/>
-              </a:spcAft>
-              <a:defRPr sz="2400">
-                <a:solidFill>
-                  <a:schemeClr val="tx1"/>
-                </a:solidFill>
-                <a:latin typeface="Tahoma" charset="0"/>
-                <a:cs typeface="Arial" charset="0"/>
-              </a:defRPr>
-            </a:lvl8pPr>
-            <a:lvl9pPr marL="1828800" eaLnBrk="0" fontAlgn="base" hangingPunct="0">
-              <a:spcBef>
-                <a:spcPct val="0"/>
-              </a:spcBef>
-              <a:spcAft>
-                <a:spcPct val="0"/>
-              </a:spcAft>
-              <a:defRPr sz="2400">
-                <a:solidFill>
-                  <a:schemeClr val="tx1"/>
-                </a:solidFill>
-                <a:latin typeface="Tahoma" charset="0"/>
-                <a:cs typeface="Arial" charset="0"/>
-              </a:defRPr>
-            </a:lvl9pPr>
-          </a:lstStyle>
-          <a:p>
-            <a:pPr algn="l">
-              <a:lnSpc>
-                <a:spcPts val="2500"/>
-              </a:lnSpc>
-              <a:buClr>
-                <a:srgbClr val="00A6D6"/>
-              </a:buClr>
-              <a:defRPr/>
-            </a:pPr>
-            <a:r>
-              <a:rPr lang="nl-NL" altLang="nl-NL" sz="2000" dirty="0" smtClean="0">
-                <a:solidFill>
-                  <a:srgbClr val="00A6D6"/>
-                </a:solidFill>
-                <a:latin typeface="+mn-lt"/>
-                <a:ea typeface="ＭＳ Ｐゴシック" charset="-128"/>
-              </a:rPr>
-              <a:t>FSM ‘</a:t>
-            </a:r>
-            <a:r>
-              <a:rPr lang="nl-NL" altLang="nl-NL" sz="2000" dirty="0" err="1" smtClean="0">
-                <a:solidFill>
-                  <a:srgbClr val="00A6D6"/>
-                </a:solidFill>
-                <a:latin typeface="+mn-lt"/>
-                <a:ea typeface="ＭＳ Ｐゴシック" charset="-128"/>
-              </a:rPr>
-              <a:t>Compare</a:t>
-            </a:r>
-            <a:r>
-              <a:rPr lang="nl-NL" altLang="nl-NL" sz="2000" dirty="0" smtClean="0">
-                <a:solidFill>
-                  <a:srgbClr val="00A6D6"/>
-                </a:solidFill>
-                <a:latin typeface="+mn-lt"/>
-                <a:ea typeface="ＭＳ Ｐゴシック" charset="-128"/>
-              </a:rPr>
-              <a:t>’</a:t>
-            </a:r>
-            <a:endParaRPr lang="nl-NL" altLang="nl-NL" sz="2000" dirty="0" smtClean="0">
-              <a:solidFill>
-                <a:srgbClr val="00A6D6"/>
-              </a:solidFill>
-              <a:latin typeface="+mn-lt"/>
-              <a:ea typeface="ＭＳ Ｐゴシック" charset="-128"/>
-            </a:endParaRPr>
-          </a:p>
-        </p:txBody>
-      </p:sp>
-      <p:pic>
-        <p:nvPicPr>
-          <p:cNvPr id="5" name="Tijdelijke aanduiding voor inhoud 1"/>
-          <p:cNvPicPr>
-            <a:picLocks noGrp="1" noChangeAspect="1"/>
-          </p:cNvPicPr>
-          <p:nvPr>
-            <p:ph idx="1"/>
-          </p:nvPr>
-        </p:nvPicPr>
-        <p:blipFill>
-          <a:blip r:embed="rId2">
-            <a:extLst>
-              <a:ext uri="{28A0092B-C50C-407E-A947-70E740481C1C}">
-                <a14:useLocalDpi xmlns:a14="http://schemas.microsoft.com/office/drawing/2010/main" val="0"/>
-              </a:ext>
-            </a:extLst>
-          </a:blip>
-          <a:stretch>
-            <a:fillRect/>
-          </a:stretch>
-        </p:blipFill>
-        <p:spPr>
-          <a:xfrm>
-            <a:off x="532263" y="1316251"/>
-            <a:ext cx="7789246" cy="4646400"/>
-          </a:xfrm>
-        </p:spPr>
-      </p:pic>
     </p:spTree>
     <p:extLst>
       <p:ext uri="{BB962C8B-B14F-4D97-AF65-F5344CB8AC3E}">
-        <p14:creationId xmlns:p14="http://schemas.microsoft.com/office/powerpoint/2010/main" val="1260428583"/>
+        <p14:creationId xmlns:p14="http://schemas.microsoft.com/office/powerpoint/2010/main" val="1580779184"/>
       </p:ext>
     </p:extLst>
   </p:cSld>
@@ -6286,10 +6270,6 @@
               </a:rPr>
               <a:t>Alarm</a:t>
             </a:r>
-            <a:endParaRPr lang="nl-NL" altLang="nl-NL" dirty="0" smtClean="0">
-              <a:latin typeface="+mn-lt"/>
-              <a:ea typeface="ＭＳ Ｐゴシック" pitchFamily="34" charset="-128"/>
-            </a:endParaRPr>
           </a:p>
         </p:txBody>
       </p:sp>
@@ -6444,15 +6424,562 @@
                 <a:latin typeface="+mn-lt"/>
                 <a:ea typeface="ＭＳ Ｐゴシック" charset="-128"/>
               </a:rPr>
+              <a:t>Blokdiagram</a:t>
+            </a:r>
+          </a:p>
+        </p:txBody>
+      </p:sp>
+      <p:pic>
+        <p:nvPicPr>
+          <p:cNvPr id="7" name="Tijdelijke aanduiding voor inhoud 5"/>
+          <p:cNvPicPr>
+            <a:picLocks noChangeAspect="1"/>
+          </p:cNvPicPr>
+          <p:nvPr/>
+        </p:nvPicPr>
+        <p:blipFill>
+          <a:blip r:embed="rId2">
+            <a:extLst>
+              <a:ext uri="{28A0092B-C50C-407E-A947-70E740481C1C}">
+                <a14:useLocalDpi xmlns:a14="http://schemas.microsoft.com/office/drawing/2010/main" val="0"/>
+              </a:ext>
+            </a:extLst>
+          </a:blip>
+          <a:stretch>
+            <a:fillRect/>
+          </a:stretch>
+        </p:blipFill>
+        <p:spPr bwMode="auto">
+          <a:xfrm>
+            <a:off x="153448" y="2238233"/>
+            <a:ext cx="8990552" cy="3745381"/>
+          </a:xfrm>
+          <a:prstGeom prst="rect">
+            <a:avLst/>
+          </a:prstGeom>
+          <a:noFill/>
+          <a:ln>
+            <a:noFill/>
+          </a:ln>
+          <a:extLst>
+            <a:ext uri="{909E8E84-426E-40DD-AFC4-6F175D3DCCD1}">
+              <a14:hiddenFill xmlns:a14="http://schemas.microsoft.com/office/drawing/2010/main">
+                <a:solidFill>
+                  <a:srgbClr val="FFFFFF"/>
+                </a:solidFill>
+              </a14:hiddenFill>
+            </a:ext>
+            <a:ext uri="{91240B29-F687-4F45-9708-019B960494DF}">
+              <a14:hiddenLine xmlns:a14="http://schemas.microsoft.com/office/drawing/2010/main" w="9525">
+                <a:solidFill>
+                  <a:srgbClr val="000000"/>
+                </a:solidFill>
+                <a:miter lim="800000"/>
+                <a:headEnd/>
+                <a:tailEnd/>
+              </a14:hiddenLine>
+            </a:ext>
+          </a:extLst>
+        </p:spPr>
+      </p:pic>
+    </p:spTree>
+    <p:extLst>
+      <p:ext uri="{BB962C8B-B14F-4D97-AF65-F5344CB8AC3E}">
+        <p14:creationId xmlns:p14="http://schemas.microsoft.com/office/powerpoint/2010/main" val="2267202334"/>
+      </p:ext>
+    </p:extLst>
+  </p:cSld>
+  <p:clrMapOvr>
+    <a:masterClrMapping/>
+  </p:clrMapOvr>
+  <p:timing>
+    <p:tnLst>
+      <p:par>
+        <p:cTn id="1" dur="indefinite" restart="never" nodeType="tmRoot"/>
+      </p:par>
+    </p:tnLst>
+  </p:timing>
+</p:sld>
+</file>
+
+<file path=ppt/slides/slide15.xml><?xml version="1.0" encoding="utf-8"?>
+<p:sld xmlns:a="http://schemas.openxmlformats.org/drawingml/2006/main" xmlns:r="http://schemas.openxmlformats.org/officeDocument/2006/relationships" xmlns:p="http://schemas.openxmlformats.org/presentationml/2006/main">
+  <p:cSld>
+    <p:spTree>
+      <p:nvGrpSpPr>
+        <p:cNvPr id="1" name=""/>
+        <p:cNvGrpSpPr/>
+        <p:nvPr/>
+      </p:nvGrpSpPr>
+      <p:grpSpPr>
+        <a:xfrm>
+          <a:off x="0" y="0"/>
+          <a:ext cx="0" cy="0"/>
+          <a:chOff x="0" y="0"/>
+          <a:chExt cx="0" cy="0"/>
+        </a:xfrm>
+      </p:grpSpPr>
+      <p:sp>
+        <p:nvSpPr>
+          <p:cNvPr id="4098" name="Title 3"/>
+          <p:cNvSpPr>
+            <a:spLocks noGrp="1"/>
+          </p:cNvSpPr>
+          <p:nvPr>
+            <p:ph type="title"/>
+          </p:nvPr>
+        </p:nvSpPr>
+        <p:spPr>
+          <a:xfrm>
+            <a:off x="917575" y="457200"/>
+            <a:ext cx="7159625" cy="627063"/>
+          </a:xfrm>
+        </p:spPr>
+        <p:txBody>
+          <a:bodyPr/>
+          <a:lstStyle/>
+          <a:p>
+            <a:pPr>
+              <a:defRPr/>
+            </a:pPr>
+            <a:r>
+              <a:rPr lang="nl-NL" altLang="nl-NL" dirty="0" smtClean="0">
+                <a:latin typeface="+mn-lt"/>
+                <a:ea typeface="ＭＳ Ｐゴシック" pitchFamily="34" charset="-128"/>
+              </a:rPr>
+              <a:t>Alarm</a:t>
+            </a:r>
+          </a:p>
+        </p:txBody>
+      </p:sp>
+      <p:sp>
+        <p:nvSpPr>
+          <p:cNvPr id="6" name="Ondertitel 2"/>
+          <p:cNvSpPr txBox="1">
+            <a:spLocks/>
+          </p:cNvSpPr>
+          <p:nvPr/>
+        </p:nvSpPr>
+        <p:spPr bwMode="auto">
+          <a:xfrm>
+            <a:off x="914400" y="1041400"/>
+            <a:ext cx="6781800" cy="474663"/>
+          </a:xfrm>
+          <a:prstGeom prst="rect">
+            <a:avLst/>
+          </a:prstGeom>
+          <a:noFill/>
+          <a:ln w="9525">
+            <a:noFill/>
+            <a:miter lim="800000"/>
+            <a:headEnd/>
+            <a:tailEnd/>
+          </a:ln>
+        </p:spPr>
+        <p:txBody>
+          <a:bodyPr lIns="0" tIns="0" rIns="0" bIns="0"/>
+          <a:lstStyle>
+            <a:lvl1pPr eaLnBrk="0" hangingPunct="0">
+              <a:defRPr sz="2400">
+                <a:solidFill>
+                  <a:schemeClr val="tx1"/>
+                </a:solidFill>
+                <a:latin typeface="Tahoma" charset="0"/>
+                <a:cs typeface="Arial" charset="0"/>
+              </a:defRPr>
+            </a:lvl1pPr>
+            <a:lvl2pPr marL="37931725" indent="-37474525" eaLnBrk="0" hangingPunct="0">
+              <a:defRPr sz="2400">
+                <a:solidFill>
+                  <a:schemeClr val="tx1"/>
+                </a:solidFill>
+                <a:latin typeface="Tahoma" charset="0"/>
+                <a:cs typeface="Arial" charset="0"/>
+              </a:defRPr>
+            </a:lvl2pPr>
+            <a:lvl3pPr eaLnBrk="0" hangingPunct="0">
+              <a:defRPr sz="2400">
+                <a:solidFill>
+                  <a:schemeClr val="tx1"/>
+                </a:solidFill>
+                <a:latin typeface="Tahoma" charset="0"/>
+                <a:cs typeface="Arial" charset="0"/>
+              </a:defRPr>
+            </a:lvl3pPr>
+            <a:lvl4pPr eaLnBrk="0" hangingPunct="0">
+              <a:defRPr sz="2400">
+                <a:solidFill>
+                  <a:schemeClr val="tx1"/>
+                </a:solidFill>
+                <a:latin typeface="Tahoma" charset="0"/>
+                <a:cs typeface="Arial" charset="0"/>
+              </a:defRPr>
+            </a:lvl4pPr>
+            <a:lvl5pPr eaLnBrk="0" hangingPunct="0">
+              <a:defRPr sz="2400">
+                <a:solidFill>
+                  <a:schemeClr val="tx1"/>
+                </a:solidFill>
+                <a:latin typeface="Tahoma" charset="0"/>
+                <a:cs typeface="Arial" charset="0"/>
+              </a:defRPr>
+            </a:lvl5pPr>
+            <a:lvl6pPr marL="457200" eaLnBrk="0" fontAlgn="base" hangingPunct="0">
+              <a:spcBef>
+                <a:spcPct val="0"/>
+              </a:spcBef>
+              <a:spcAft>
+                <a:spcPct val="0"/>
+              </a:spcAft>
+              <a:defRPr sz="2400">
+                <a:solidFill>
+                  <a:schemeClr val="tx1"/>
+                </a:solidFill>
+                <a:latin typeface="Tahoma" charset="0"/>
+                <a:cs typeface="Arial" charset="0"/>
+              </a:defRPr>
+            </a:lvl6pPr>
+            <a:lvl7pPr marL="914400" eaLnBrk="0" fontAlgn="base" hangingPunct="0">
+              <a:spcBef>
+                <a:spcPct val="0"/>
+              </a:spcBef>
+              <a:spcAft>
+                <a:spcPct val="0"/>
+              </a:spcAft>
+              <a:defRPr sz="2400">
+                <a:solidFill>
+                  <a:schemeClr val="tx1"/>
+                </a:solidFill>
+                <a:latin typeface="Tahoma" charset="0"/>
+                <a:cs typeface="Arial" charset="0"/>
+              </a:defRPr>
+            </a:lvl7pPr>
+            <a:lvl8pPr marL="1371600" eaLnBrk="0" fontAlgn="base" hangingPunct="0">
+              <a:spcBef>
+                <a:spcPct val="0"/>
+              </a:spcBef>
+              <a:spcAft>
+                <a:spcPct val="0"/>
+              </a:spcAft>
+              <a:defRPr sz="2400">
+                <a:solidFill>
+                  <a:schemeClr val="tx1"/>
+                </a:solidFill>
+                <a:latin typeface="Tahoma" charset="0"/>
+                <a:cs typeface="Arial" charset="0"/>
+              </a:defRPr>
+            </a:lvl8pPr>
+            <a:lvl9pPr marL="1828800" eaLnBrk="0" fontAlgn="base" hangingPunct="0">
+              <a:spcBef>
+                <a:spcPct val="0"/>
+              </a:spcBef>
+              <a:spcAft>
+                <a:spcPct val="0"/>
+              </a:spcAft>
+              <a:defRPr sz="2400">
+                <a:solidFill>
+                  <a:schemeClr val="tx1"/>
+                </a:solidFill>
+                <a:latin typeface="Tahoma" charset="0"/>
+                <a:cs typeface="Arial" charset="0"/>
+              </a:defRPr>
+            </a:lvl9pPr>
+          </a:lstStyle>
+          <a:p>
+            <a:pPr algn="l">
+              <a:lnSpc>
+                <a:spcPts val="2500"/>
+              </a:lnSpc>
+              <a:buClr>
+                <a:srgbClr val="00A6D6"/>
+              </a:buClr>
+              <a:defRPr/>
+            </a:pPr>
+            <a:r>
+              <a:rPr lang="nl-NL" altLang="nl-NL" sz="2000" dirty="0" smtClean="0">
+                <a:solidFill>
+                  <a:srgbClr val="00A6D6"/>
+                </a:solidFill>
+                <a:latin typeface="+mn-lt"/>
+                <a:ea typeface="ＭＳ Ｐゴシック" charset="-128"/>
+              </a:rPr>
+              <a:t>FSM ‘</a:t>
+            </a:r>
+            <a:r>
+              <a:rPr lang="nl-NL" altLang="nl-NL" sz="2000" dirty="0" err="1" smtClean="0">
+                <a:solidFill>
+                  <a:srgbClr val="00A6D6"/>
+                </a:solidFill>
+                <a:latin typeface="+mn-lt"/>
+                <a:ea typeface="ＭＳ Ｐゴシック" charset="-128"/>
+              </a:rPr>
+              <a:t>Compare</a:t>
+            </a:r>
+            <a:r>
+              <a:rPr lang="nl-NL" altLang="nl-NL" sz="2000" dirty="0" smtClean="0">
+                <a:solidFill>
+                  <a:srgbClr val="00A6D6"/>
+                </a:solidFill>
+                <a:latin typeface="+mn-lt"/>
+                <a:ea typeface="ＭＳ Ｐゴシック" charset="-128"/>
+              </a:rPr>
+              <a:t>’</a:t>
+            </a:r>
+          </a:p>
+        </p:txBody>
+      </p:sp>
+      <p:pic>
+        <p:nvPicPr>
+          <p:cNvPr id="5" name="Tijdelijke aanduiding voor inhoud 1"/>
+          <p:cNvPicPr>
+            <a:picLocks noGrp="1" noChangeAspect="1"/>
+          </p:cNvPicPr>
+          <p:nvPr>
+            <p:ph idx="1"/>
+          </p:nvPr>
+        </p:nvPicPr>
+        <p:blipFill>
+          <a:blip r:embed="rId2">
+            <a:extLst>
+              <a:ext uri="{28A0092B-C50C-407E-A947-70E740481C1C}">
+                <a14:useLocalDpi xmlns:a14="http://schemas.microsoft.com/office/drawing/2010/main" val="0"/>
+              </a:ext>
+            </a:extLst>
+          </a:blip>
+          <a:stretch>
+            <a:fillRect/>
+          </a:stretch>
+        </p:blipFill>
+        <p:spPr>
+          <a:xfrm>
+            <a:off x="532263" y="1316251"/>
+            <a:ext cx="7789246" cy="4646400"/>
+          </a:xfrm>
+        </p:spPr>
+      </p:pic>
+    </p:spTree>
+    <p:extLst>
+      <p:ext uri="{BB962C8B-B14F-4D97-AF65-F5344CB8AC3E}">
+        <p14:creationId xmlns:p14="http://schemas.microsoft.com/office/powerpoint/2010/main" val="1260428583"/>
+      </p:ext>
+    </p:extLst>
+  </p:cSld>
+  <p:clrMapOvr>
+    <a:masterClrMapping/>
+  </p:clrMapOvr>
+  <p:timing>
+    <p:tnLst>
+      <p:par>
+        <p:cTn id="1" dur="indefinite" restart="never" nodeType="tmRoot"/>
+      </p:par>
+    </p:tnLst>
+  </p:timing>
+</p:sld>
+</file>
+
+<file path=ppt/slides/slide16.xml><?xml version="1.0" encoding="utf-8"?>
+<p:sld xmlns:a="http://schemas.openxmlformats.org/drawingml/2006/main" xmlns:r="http://schemas.openxmlformats.org/officeDocument/2006/relationships" xmlns:p="http://schemas.openxmlformats.org/presentationml/2006/main">
+  <p:cSld>
+    <p:spTree>
+      <p:nvGrpSpPr>
+        <p:cNvPr id="1" name=""/>
+        <p:cNvGrpSpPr/>
+        <p:nvPr/>
+      </p:nvGrpSpPr>
+      <p:grpSpPr>
+        <a:xfrm>
+          <a:off x="0" y="0"/>
+          <a:ext cx="0" cy="0"/>
+          <a:chOff x="0" y="0"/>
+          <a:chExt cx="0" cy="0"/>
+        </a:xfrm>
+      </p:grpSpPr>
+      <p:sp>
+        <p:nvSpPr>
+          <p:cNvPr id="4098" name="Title 3"/>
+          <p:cNvSpPr>
+            <a:spLocks noGrp="1"/>
+          </p:cNvSpPr>
+          <p:nvPr>
+            <p:ph type="title"/>
+          </p:nvPr>
+        </p:nvSpPr>
+        <p:spPr>
+          <a:xfrm>
+            <a:off x="917575" y="457200"/>
+            <a:ext cx="7159625" cy="627063"/>
+          </a:xfrm>
+        </p:spPr>
+        <p:txBody>
+          <a:bodyPr/>
+          <a:lstStyle/>
+          <a:p>
+            <a:pPr>
+              <a:defRPr/>
+            </a:pPr>
+            <a:r>
+              <a:rPr lang="nl-NL" altLang="nl-NL" dirty="0" smtClean="0">
+                <a:latin typeface="+mn-lt"/>
+                <a:ea typeface="ＭＳ Ｐゴシック" pitchFamily="34" charset="-128"/>
+              </a:rPr>
+              <a:t>Alarm</a:t>
+            </a:r>
+          </a:p>
+        </p:txBody>
+      </p:sp>
+      <p:sp>
+        <p:nvSpPr>
+          <p:cNvPr id="6" name="Ondertitel 2"/>
+          <p:cNvSpPr txBox="1">
+            <a:spLocks/>
+          </p:cNvSpPr>
+          <p:nvPr/>
+        </p:nvSpPr>
+        <p:spPr bwMode="auto">
+          <a:xfrm>
+            <a:off x="914400" y="1041400"/>
+            <a:ext cx="6781800" cy="474663"/>
+          </a:xfrm>
+          <a:prstGeom prst="rect">
+            <a:avLst/>
+          </a:prstGeom>
+          <a:noFill/>
+          <a:ln w="9525">
+            <a:noFill/>
+            <a:miter lim="800000"/>
+            <a:headEnd/>
+            <a:tailEnd/>
+          </a:ln>
+        </p:spPr>
+        <p:txBody>
+          <a:bodyPr lIns="0" tIns="0" rIns="0" bIns="0"/>
+          <a:lstStyle>
+            <a:lvl1pPr eaLnBrk="0" hangingPunct="0">
+              <a:defRPr sz="2400">
+                <a:solidFill>
+                  <a:schemeClr val="tx1"/>
+                </a:solidFill>
+                <a:latin typeface="Tahoma" charset="0"/>
+                <a:cs typeface="Arial" charset="0"/>
+              </a:defRPr>
+            </a:lvl1pPr>
+            <a:lvl2pPr marL="37931725" indent="-37474525" eaLnBrk="0" hangingPunct="0">
+              <a:defRPr sz="2400">
+                <a:solidFill>
+                  <a:schemeClr val="tx1"/>
+                </a:solidFill>
+                <a:latin typeface="Tahoma" charset="0"/>
+                <a:cs typeface="Arial" charset="0"/>
+              </a:defRPr>
+            </a:lvl2pPr>
+            <a:lvl3pPr eaLnBrk="0" hangingPunct="0">
+              <a:defRPr sz="2400">
+                <a:solidFill>
+                  <a:schemeClr val="tx1"/>
+                </a:solidFill>
+                <a:latin typeface="Tahoma" charset="0"/>
+                <a:cs typeface="Arial" charset="0"/>
+              </a:defRPr>
+            </a:lvl3pPr>
+            <a:lvl4pPr eaLnBrk="0" hangingPunct="0">
+              <a:defRPr sz="2400">
+                <a:solidFill>
+                  <a:schemeClr val="tx1"/>
+                </a:solidFill>
+                <a:latin typeface="Tahoma" charset="0"/>
+                <a:cs typeface="Arial" charset="0"/>
+              </a:defRPr>
+            </a:lvl4pPr>
+            <a:lvl5pPr eaLnBrk="0" hangingPunct="0">
+              <a:defRPr sz="2400">
+                <a:solidFill>
+                  <a:schemeClr val="tx1"/>
+                </a:solidFill>
+                <a:latin typeface="Tahoma" charset="0"/>
+                <a:cs typeface="Arial" charset="0"/>
+              </a:defRPr>
+            </a:lvl5pPr>
+            <a:lvl6pPr marL="457200" eaLnBrk="0" fontAlgn="base" hangingPunct="0">
+              <a:spcBef>
+                <a:spcPct val="0"/>
+              </a:spcBef>
+              <a:spcAft>
+                <a:spcPct val="0"/>
+              </a:spcAft>
+              <a:defRPr sz="2400">
+                <a:solidFill>
+                  <a:schemeClr val="tx1"/>
+                </a:solidFill>
+                <a:latin typeface="Tahoma" charset="0"/>
+                <a:cs typeface="Arial" charset="0"/>
+              </a:defRPr>
+            </a:lvl6pPr>
+            <a:lvl7pPr marL="914400" eaLnBrk="0" fontAlgn="base" hangingPunct="0">
+              <a:spcBef>
+                <a:spcPct val="0"/>
+              </a:spcBef>
+              <a:spcAft>
+                <a:spcPct val="0"/>
+              </a:spcAft>
+              <a:defRPr sz="2400">
+                <a:solidFill>
+                  <a:schemeClr val="tx1"/>
+                </a:solidFill>
+                <a:latin typeface="Tahoma" charset="0"/>
+                <a:cs typeface="Arial" charset="0"/>
+              </a:defRPr>
+            </a:lvl7pPr>
+            <a:lvl8pPr marL="1371600" eaLnBrk="0" fontAlgn="base" hangingPunct="0">
+              <a:spcBef>
+                <a:spcPct val="0"/>
+              </a:spcBef>
+              <a:spcAft>
+                <a:spcPct val="0"/>
+              </a:spcAft>
+              <a:defRPr sz="2400">
+                <a:solidFill>
+                  <a:schemeClr val="tx1"/>
+                </a:solidFill>
+                <a:latin typeface="Tahoma" charset="0"/>
+                <a:cs typeface="Arial" charset="0"/>
+              </a:defRPr>
+            </a:lvl8pPr>
+            <a:lvl9pPr marL="1828800" eaLnBrk="0" fontAlgn="base" hangingPunct="0">
+              <a:spcBef>
+                <a:spcPct val="0"/>
+              </a:spcBef>
+              <a:spcAft>
+                <a:spcPct val="0"/>
+              </a:spcAft>
+              <a:defRPr sz="2400">
+                <a:solidFill>
+                  <a:schemeClr val="tx1"/>
+                </a:solidFill>
+                <a:latin typeface="Tahoma" charset="0"/>
+                <a:cs typeface="Arial" charset="0"/>
+              </a:defRPr>
+            </a:lvl9pPr>
+          </a:lstStyle>
+          <a:p>
+            <a:pPr algn="l">
+              <a:lnSpc>
+                <a:spcPts val="2500"/>
+              </a:lnSpc>
+              <a:buClr>
+                <a:srgbClr val="00A6D6"/>
+              </a:buClr>
+              <a:defRPr/>
+            </a:pPr>
+            <a:r>
+              <a:rPr lang="nl-NL" altLang="nl-NL" sz="2000" dirty="0" smtClean="0">
+                <a:solidFill>
+                  <a:srgbClr val="00A6D6"/>
+                </a:solidFill>
+                <a:latin typeface="+mn-lt"/>
+                <a:ea typeface="ＭＳ Ｐゴシック" charset="-128"/>
+              </a:rPr>
               <a:t>FSM ‘PWM’</a:t>
             </a:r>
-            <a:endParaRPr lang="nl-NL" altLang="nl-NL" sz="2000" dirty="0" smtClean="0">
-              <a:solidFill>
-                <a:srgbClr val="00A6D6"/>
-              </a:solidFill>
-              <a:latin typeface="+mn-lt"/>
-              <a:ea typeface="ＭＳ Ｐゴシック" charset="-128"/>
-            </a:endParaRPr>
           </a:p>
         </p:txBody>
       </p:sp>
@@ -6548,7 +7075,7 @@
 </p:sld>
 </file>
 
-<file path=ppt/slides/slide15.xml><?xml version="1.0" encoding="utf-8"?>
+<file path=ppt/slides/slide17.xml><?xml version="1.0" encoding="utf-8"?>
 <p:sld xmlns:a="http://schemas.openxmlformats.org/drawingml/2006/main" xmlns:r="http://schemas.openxmlformats.org/officeDocument/2006/relationships" xmlns:p="http://schemas.openxmlformats.org/presentationml/2006/main">
   <p:cSld>
     <p:spTree>
@@ -6648,10 +7175,6 @@
               </a:rPr>
               <a:t>Alarm</a:t>
             </a:r>
-            <a:endParaRPr lang="nl-NL" altLang="nl-NL" dirty="0" smtClean="0">
-              <a:latin typeface="+mn-lt"/>
-              <a:ea typeface="ＭＳ Ｐゴシック" pitchFamily="34" charset="-128"/>
-            </a:endParaRPr>
           </a:p>
         </p:txBody>
       </p:sp>
@@ -6808,13 +7331,6 @@
               </a:rPr>
               <a:t>FSM ‘Counter’</a:t>
             </a:r>
-            <a:endParaRPr lang="nl-NL" altLang="nl-NL" sz="2000" dirty="0" smtClean="0">
-              <a:solidFill>
-                <a:srgbClr val="00A6D6"/>
-              </a:solidFill>
-              <a:latin typeface="+mn-lt"/>
-              <a:ea typeface="ＭＳ Ｐゴシック" charset="-128"/>
-            </a:endParaRPr>
           </a:p>
         </p:txBody>
       </p:sp>
@@ -6822,502 +7338,6 @@
     <p:extLst>
       <p:ext uri="{BB962C8B-B14F-4D97-AF65-F5344CB8AC3E}">
         <p14:creationId xmlns:p14="http://schemas.microsoft.com/office/powerpoint/2010/main" val="2660275856"/>
-      </p:ext>
-    </p:extLst>
-  </p:cSld>
-  <p:clrMapOvr>
-    <a:masterClrMapping/>
-  </p:clrMapOvr>
-  <p:timing>
-    <p:tnLst>
-      <p:par>
-        <p:cTn id="1" dur="indefinite" restart="never" nodeType="tmRoot"/>
-      </p:par>
-    </p:tnLst>
-  </p:timing>
-</p:sld>
-</file>
-
-<file path=ppt/slides/slide16.xml><?xml version="1.0" encoding="utf-8"?>
-<p:sld xmlns:a="http://schemas.openxmlformats.org/drawingml/2006/main" xmlns:r="http://schemas.openxmlformats.org/officeDocument/2006/relationships" xmlns:p="http://schemas.openxmlformats.org/presentationml/2006/main">
-  <p:cSld>
-    <p:spTree>
-      <p:nvGrpSpPr>
-        <p:cNvPr id="1" name=""/>
-        <p:cNvGrpSpPr/>
-        <p:nvPr/>
-      </p:nvGrpSpPr>
-      <p:grpSpPr>
-        <a:xfrm>
-          <a:off x="0" y="0"/>
-          <a:ext cx="0" cy="0"/>
-          <a:chOff x="0" y="0"/>
-          <a:chExt cx="0" cy="0"/>
-        </a:xfrm>
-      </p:grpSpPr>
-      <p:sp>
-        <p:nvSpPr>
-          <p:cNvPr id="2" name="Titel 1"/>
-          <p:cNvSpPr>
-            <a:spLocks noGrp="1"/>
-          </p:cNvSpPr>
-          <p:nvPr>
-            <p:ph type="title"/>
-          </p:nvPr>
-        </p:nvSpPr>
-        <p:spPr/>
-        <p:txBody>
-          <a:bodyPr/>
-          <a:lstStyle/>
-          <a:p>
-            <a:r>
-              <a:rPr lang="nl-NL" dirty="0" smtClean="0"/>
-              <a:t>LCD module</a:t>
-            </a:r>
-            <a:endParaRPr lang="nl-NL" dirty="0"/>
-          </a:p>
-        </p:txBody>
-      </p:sp>
-    </p:spTree>
-    <p:extLst>
-      <p:ext uri="{BB962C8B-B14F-4D97-AF65-F5344CB8AC3E}">
-        <p14:creationId xmlns:p14="http://schemas.microsoft.com/office/powerpoint/2010/main" val="3719282447"/>
-      </p:ext>
-    </p:extLst>
-  </p:cSld>
-  <p:clrMapOvr>
-    <a:masterClrMapping/>
-  </p:clrMapOvr>
-  <p:timing>
-    <p:tnLst>
-      <p:par>
-        <p:cTn id="1" dur="indefinite" restart="never" nodeType="tmRoot"/>
-      </p:par>
-    </p:tnLst>
-  </p:timing>
-</p:sld>
-</file>
-
-<file path=ppt/slides/slide17.xml><?xml version="1.0" encoding="utf-8"?>
-<p:sld xmlns:a="http://schemas.openxmlformats.org/drawingml/2006/main" xmlns:r="http://schemas.openxmlformats.org/officeDocument/2006/relationships" xmlns:p="http://schemas.openxmlformats.org/presentationml/2006/main">
-  <p:cSld>
-    <p:spTree>
-      <p:nvGrpSpPr>
-        <p:cNvPr id="1" name=""/>
-        <p:cNvGrpSpPr/>
-        <p:nvPr/>
-      </p:nvGrpSpPr>
-      <p:grpSpPr>
-        <a:xfrm>
-          <a:off x="0" y="0"/>
-          <a:ext cx="0" cy="0"/>
-          <a:chOff x="0" y="0"/>
-          <a:chExt cx="0" cy="0"/>
-        </a:xfrm>
-      </p:grpSpPr>
-      <p:sp>
-        <p:nvSpPr>
-          <p:cNvPr id="4098" name="Title 3"/>
-          <p:cNvSpPr>
-            <a:spLocks noGrp="1"/>
-          </p:cNvSpPr>
-          <p:nvPr>
-            <p:ph type="title"/>
-          </p:nvPr>
-        </p:nvSpPr>
-        <p:spPr>
-          <a:xfrm>
-            <a:off x="915193" y="502892"/>
-            <a:ext cx="7159625" cy="627063"/>
-          </a:xfrm>
-        </p:spPr>
-        <p:txBody>
-          <a:bodyPr/>
-          <a:lstStyle/>
-          <a:p>
-            <a:pPr>
-              <a:defRPr/>
-            </a:pPr>
-            <a:r>
-              <a:rPr lang="nl-NL" altLang="nl-NL" dirty="0" smtClean="0">
-                <a:latin typeface="+mn-lt"/>
-                <a:ea typeface="ＭＳ Ｐゴシック" pitchFamily="34" charset="-128"/>
-              </a:rPr>
-              <a:t>LCD</a:t>
-            </a:r>
-          </a:p>
-        </p:txBody>
-      </p:sp>
-      <p:sp>
-        <p:nvSpPr>
-          <p:cNvPr id="6" name="Ondertitel 2"/>
-          <p:cNvSpPr txBox="1">
-            <a:spLocks/>
-          </p:cNvSpPr>
-          <p:nvPr/>
-        </p:nvSpPr>
-        <p:spPr bwMode="auto">
-          <a:xfrm>
-            <a:off x="914400" y="1041400"/>
-            <a:ext cx="6781800" cy="474663"/>
-          </a:xfrm>
-          <a:prstGeom prst="rect">
-            <a:avLst/>
-          </a:prstGeom>
-          <a:noFill/>
-          <a:ln w="9525">
-            <a:noFill/>
-            <a:miter lim="800000"/>
-            <a:headEnd/>
-            <a:tailEnd/>
-          </a:ln>
-        </p:spPr>
-        <p:txBody>
-          <a:bodyPr lIns="0" tIns="0" rIns="0" bIns="0"/>
-          <a:lstStyle>
-            <a:lvl1pPr eaLnBrk="0" hangingPunct="0">
-              <a:defRPr sz="2400">
-                <a:solidFill>
-                  <a:schemeClr val="tx1"/>
-                </a:solidFill>
-                <a:latin typeface="Tahoma" charset="0"/>
-                <a:cs typeface="Arial" charset="0"/>
-              </a:defRPr>
-            </a:lvl1pPr>
-            <a:lvl2pPr marL="37931725" indent="-37474525" eaLnBrk="0" hangingPunct="0">
-              <a:defRPr sz="2400">
-                <a:solidFill>
-                  <a:schemeClr val="tx1"/>
-                </a:solidFill>
-                <a:latin typeface="Tahoma" charset="0"/>
-                <a:cs typeface="Arial" charset="0"/>
-              </a:defRPr>
-            </a:lvl2pPr>
-            <a:lvl3pPr eaLnBrk="0" hangingPunct="0">
-              <a:defRPr sz="2400">
-                <a:solidFill>
-                  <a:schemeClr val="tx1"/>
-                </a:solidFill>
-                <a:latin typeface="Tahoma" charset="0"/>
-                <a:cs typeface="Arial" charset="0"/>
-              </a:defRPr>
-            </a:lvl3pPr>
-            <a:lvl4pPr eaLnBrk="0" hangingPunct="0">
-              <a:defRPr sz="2400">
-                <a:solidFill>
-                  <a:schemeClr val="tx1"/>
-                </a:solidFill>
-                <a:latin typeface="Tahoma" charset="0"/>
-                <a:cs typeface="Arial" charset="0"/>
-              </a:defRPr>
-            </a:lvl4pPr>
-            <a:lvl5pPr eaLnBrk="0" hangingPunct="0">
-              <a:defRPr sz="2400">
-                <a:solidFill>
-                  <a:schemeClr val="tx1"/>
-                </a:solidFill>
-                <a:latin typeface="Tahoma" charset="0"/>
-                <a:cs typeface="Arial" charset="0"/>
-              </a:defRPr>
-            </a:lvl5pPr>
-            <a:lvl6pPr marL="457200" eaLnBrk="0" fontAlgn="base" hangingPunct="0">
-              <a:spcBef>
-                <a:spcPct val="0"/>
-              </a:spcBef>
-              <a:spcAft>
-                <a:spcPct val="0"/>
-              </a:spcAft>
-              <a:defRPr sz="2400">
-                <a:solidFill>
-                  <a:schemeClr val="tx1"/>
-                </a:solidFill>
-                <a:latin typeface="Tahoma" charset="0"/>
-                <a:cs typeface="Arial" charset="0"/>
-              </a:defRPr>
-            </a:lvl6pPr>
-            <a:lvl7pPr marL="914400" eaLnBrk="0" fontAlgn="base" hangingPunct="0">
-              <a:spcBef>
-                <a:spcPct val="0"/>
-              </a:spcBef>
-              <a:spcAft>
-                <a:spcPct val="0"/>
-              </a:spcAft>
-              <a:defRPr sz="2400">
-                <a:solidFill>
-                  <a:schemeClr val="tx1"/>
-                </a:solidFill>
-                <a:latin typeface="Tahoma" charset="0"/>
-                <a:cs typeface="Arial" charset="0"/>
-              </a:defRPr>
-            </a:lvl7pPr>
-            <a:lvl8pPr marL="1371600" eaLnBrk="0" fontAlgn="base" hangingPunct="0">
-              <a:spcBef>
-                <a:spcPct val="0"/>
-              </a:spcBef>
-              <a:spcAft>
-                <a:spcPct val="0"/>
-              </a:spcAft>
-              <a:defRPr sz="2400">
-                <a:solidFill>
-                  <a:schemeClr val="tx1"/>
-                </a:solidFill>
-                <a:latin typeface="Tahoma" charset="0"/>
-                <a:cs typeface="Arial" charset="0"/>
-              </a:defRPr>
-            </a:lvl8pPr>
-            <a:lvl9pPr marL="1828800" eaLnBrk="0" fontAlgn="base" hangingPunct="0">
-              <a:spcBef>
-                <a:spcPct val="0"/>
-              </a:spcBef>
-              <a:spcAft>
-                <a:spcPct val="0"/>
-              </a:spcAft>
-              <a:defRPr sz="2400">
-                <a:solidFill>
-                  <a:schemeClr val="tx1"/>
-                </a:solidFill>
-                <a:latin typeface="Tahoma" charset="0"/>
-                <a:cs typeface="Arial" charset="0"/>
-              </a:defRPr>
-            </a:lvl9pPr>
-          </a:lstStyle>
-          <a:p>
-            <a:pPr algn="l">
-              <a:lnSpc>
-                <a:spcPts val="2500"/>
-              </a:lnSpc>
-              <a:buClr>
-                <a:srgbClr val="00A6D6"/>
-              </a:buClr>
-              <a:defRPr/>
-            </a:pPr>
-            <a:r>
-              <a:rPr lang="nl-NL" altLang="nl-NL" sz="2000" dirty="0" smtClean="0">
-                <a:solidFill>
-                  <a:srgbClr val="00A6D6"/>
-                </a:solidFill>
-                <a:latin typeface="Tahoma"/>
-                <a:ea typeface="ＭＳ Ｐゴシック" charset="-128"/>
-              </a:rPr>
-              <a:t>Het totale systeem</a:t>
-            </a:r>
-          </a:p>
-        </p:txBody>
-      </p:sp>
-      <p:sp>
-        <p:nvSpPr>
-          <p:cNvPr id="4" name="Tijdelijke aanduiding voor inhoud 3"/>
-          <p:cNvSpPr>
-            <a:spLocks noGrp="1"/>
-          </p:cNvSpPr>
-          <p:nvPr>
-            <p:ph idx="1"/>
-          </p:nvPr>
-        </p:nvSpPr>
-        <p:spPr/>
-        <p:txBody>
-          <a:bodyPr/>
-          <a:lstStyle/>
-          <a:p>
-            <a:pPr lvl="0"/>
-            <a:r>
-              <a:rPr lang="nl-NL" dirty="0"/>
-              <a:t>LCD MIDAS typenummer </a:t>
-            </a:r>
-            <a:r>
-              <a:rPr lang="nl-NL" dirty="0" smtClean="0"/>
-              <a:t>MC128064B6W-BNMLW</a:t>
-            </a:r>
-          </a:p>
-          <a:p>
-            <a:pPr lvl="0"/>
-            <a:endParaRPr lang="nl-NL" dirty="0"/>
-          </a:p>
-          <a:p>
-            <a:pPr lvl="0"/>
-            <a:r>
-              <a:rPr lang="nl-NL" dirty="0"/>
-              <a:t>Chip geeft x-y positie met </a:t>
-            </a:r>
-            <a:r>
-              <a:rPr lang="nl-NL" dirty="0" smtClean="0"/>
-              <a:t>karakter</a:t>
-            </a:r>
-          </a:p>
-          <a:p>
-            <a:pPr lvl="0"/>
-            <a:endParaRPr lang="nl-NL" dirty="0"/>
-          </a:p>
-          <a:p>
-            <a:pPr lvl="0"/>
-            <a:r>
-              <a:rPr lang="nl-NL" dirty="0"/>
-              <a:t>Atmega32-16pu met karakter bibliotheek en schrijf </a:t>
-            </a:r>
-            <a:r>
-              <a:rPr lang="nl-NL" dirty="0" smtClean="0"/>
-              <a:t>routine</a:t>
-            </a:r>
-            <a:endParaRPr lang="nl-NL" dirty="0"/>
-          </a:p>
-        </p:txBody>
-      </p:sp>
-      <p:pic>
-        <p:nvPicPr>
-          <p:cNvPr id="8" name="voorbeeld_lcd.png"/>
-          <p:cNvPicPr/>
-          <p:nvPr/>
-        </p:nvPicPr>
-        <p:blipFill>
-          <a:blip r:embed="rId2">
-            <a:extLst/>
-          </a:blip>
-          <a:stretch>
-            <a:fillRect/>
-          </a:stretch>
-        </p:blipFill>
-        <p:spPr>
-          <a:xfrm>
-            <a:off x="5058289" y="4160983"/>
-            <a:ext cx="3059981" cy="1373199"/>
-          </a:xfrm>
-          <a:prstGeom prst="rect">
-            <a:avLst/>
-          </a:prstGeom>
-          <a:ln w="12700">
-            <a:miter lim="400000"/>
-          </a:ln>
-        </p:spPr>
-      </p:pic>
-      <p:pic>
-        <p:nvPicPr>
-          <p:cNvPr id="10" name="pasted-image.tif"/>
-          <p:cNvPicPr/>
-          <p:nvPr/>
-        </p:nvPicPr>
-        <p:blipFill>
-          <a:blip r:embed="rId3">
-            <a:extLst/>
-          </a:blip>
-          <a:srcRect l="31265" t="1357" r="31139" b="10740"/>
-          <a:stretch>
-            <a:fillRect/>
-          </a:stretch>
-        </p:blipFill>
-        <p:spPr>
-          <a:xfrm>
-            <a:off x="3586356" y="3990773"/>
-            <a:ext cx="673162" cy="1774865"/>
-          </a:xfrm>
-          <a:prstGeom prst="rect">
-            <a:avLst/>
-          </a:prstGeom>
-          <a:ln w="12700">
-            <a:miter lim="400000"/>
-          </a:ln>
-        </p:spPr>
-      </p:pic>
-      <p:pic>
-        <p:nvPicPr>
-          <p:cNvPr id="11" name="toplevel_entity.png"/>
-          <p:cNvPicPr/>
-          <p:nvPr/>
-        </p:nvPicPr>
-        <p:blipFill>
-          <a:blip r:embed="rId4">
-            <a:extLst/>
-          </a:blip>
-          <a:stretch>
-            <a:fillRect/>
-          </a:stretch>
-        </p:blipFill>
-        <p:spPr>
-          <a:xfrm>
-            <a:off x="468569" y="3929528"/>
-            <a:ext cx="2823273" cy="1836110"/>
-          </a:xfrm>
-          <a:prstGeom prst="rect">
-            <a:avLst/>
-          </a:prstGeom>
-          <a:ln w="12700">
-            <a:miter lim="400000"/>
-          </a:ln>
-        </p:spPr>
-      </p:pic>
-      <p:sp>
-        <p:nvSpPr>
-          <p:cNvPr id="12" name="Shape 41"/>
-          <p:cNvSpPr/>
-          <p:nvPr/>
-        </p:nvSpPr>
-        <p:spPr>
-          <a:xfrm>
-            <a:off x="2787586" y="4604708"/>
-            <a:ext cx="798770" cy="0"/>
-          </a:xfrm>
-          <a:prstGeom prst="line">
-            <a:avLst/>
-          </a:prstGeom>
-          <a:ln w="63500">
-            <a:solidFill/>
-            <a:miter lim="400000"/>
-            <a:tailEnd type="triangle"/>
-          </a:ln>
-        </p:spPr>
-        <p:txBody>
-          <a:bodyPr lIns="0" tIns="0" rIns="0" bIns="0" anchor="ctr"/>
-          <a:lstStyle/>
-          <a:p>
-            <a:pPr>
-              <a:defRPr sz="2400"/>
-            </a:pPr>
-            <a:endParaRPr>
-              <a:solidFill>
-                <a:srgbClr val="000000"/>
-              </a:solidFill>
-            </a:endParaRPr>
-          </a:p>
-        </p:txBody>
-      </p:sp>
-      <p:sp>
-        <p:nvSpPr>
-          <p:cNvPr id="13" name="Shape 42"/>
-          <p:cNvSpPr/>
-          <p:nvPr/>
-        </p:nvSpPr>
-        <p:spPr>
-          <a:xfrm>
-            <a:off x="4259518" y="4604708"/>
-            <a:ext cx="798771" cy="0"/>
-          </a:xfrm>
-          <a:prstGeom prst="line">
-            <a:avLst/>
-          </a:prstGeom>
-          <a:ln w="63500">
-            <a:solidFill/>
-            <a:miter lim="400000"/>
-            <a:tailEnd type="triangle"/>
-          </a:ln>
-        </p:spPr>
-        <p:txBody>
-          <a:bodyPr lIns="0" tIns="0" rIns="0" bIns="0" anchor="ctr"/>
-          <a:lstStyle/>
-          <a:p>
-            <a:pPr>
-              <a:defRPr sz="2400"/>
-            </a:pPr>
-            <a:endParaRPr>
-              <a:solidFill>
-                <a:srgbClr val="000000"/>
-              </a:solidFill>
-            </a:endParaRPr>
-          </a:p>
-        </p:txBody>
-      </p:sp>
-    </p:spTree>
-    <p:extLst>
-      <p:ext uri="{BB962C8B-B14F-4D97-AF65-F5344CB8AC3E}">
-        <p14:creationId xmlns:p14="http://schemas.microsoft.com/office/powerpoint/2010/main" val="1029360624"/>
       </p:ext>
     </p:extLst>
   </p:cSld>
@@ -7353,7 +7373,7 @@
       </p:grpSpPr>
       <p:sp>
         <p:nvSpPr>
-          <p:cNvPr id="4098" name="Title 3"/>
+          <p:cNvPr id="2" name="Titel 1"/>
           <p:cNvSpPr>
             <a:spLocks noGrp="1"/>
           </p:cNvSpPr>
@@ -7361,378 +7381,23 @@
             <p:ph type="title"/>
           </p:nvPr>
         </p:nvSpPr>
-        <p:spPr>
-          <a:xfrm>
-            <a:off x="915193" y="502892"/>
-            <a:ext cx="7159625" cy="627063"/>
-          </a:xfrm>
-        </p:spPr>
+        <p:spPr/>
         <p:txBody>
           <a:bodyPr/>
           <a:lstStyle/>
           <a:p>
-            <a:pPr>
-              <a:defRPr/>
-            </a:pPr>
-            <a:r>
-              <a:rPr lang="nl-NL" altLang="nl-NL" dirty="0" smtClean="0">
-                <a:latin typeface="+mn-lt"/>
-                <a:ea typeface="ＭＳ Ｐゴシック" pitchFamily="34" charset="-128"/>
-              </a:rPr>
-              <a:t>LCD</a:t>
-            </a:r>
+            <a:r>
+              <a:rPr lang="nl-NL" dirty="0" smtClean="0"/>
+              <a:t>LCD module</a:t>
+            </a:r>
+            <a:endParaRPr lang="nl-NL" dirty="0"/>
           </a:p>
         </p:txBody>
       </p:sp>
-      <p:sp>
-        <p:nvSpPr>
-          <p:cNvPr id="6" name="Ondertitel 2"/>
-          <p:cNvSpPr txBox="1">
-            <a:spLocks/>
-          </p:cNvSpPr>
-          <p:nvPr/>
-        </p:nvSpPr>
-        <p:spPr bwMode="auto">
-          <a:xfrm>
-            <a:off x="914400" y="1041400"/>
-            <a:ext cx="6781800" cy="474663"/>
-          </a:xfrm>
-          <a:prstGeom prst="rect">
-            <a:avLst/>
-          </a:prstGeom>
-          <a:noFill/>
-          <a:ln w="9525">
-            <a:noFill/>
-            <a:miter lim="800000"/>
-            <a:headEnd/>
-            <a:tailEnd/>
-          </a:ln>
-        </p:spPr>
-        <p:txBody>
-          <a:bodyPr lIns="0" tIns="0" rIns="0" bIns="0"/>
-          <a:lstStyle>
-            <a:lvl1pPr eaLnBrk="0" hangingPunct="0">
-              <a:defRPr sz="2400">
-                <a:solidFill>
-                  <a:schemeClr val="tx1"/>
-                </a:solidFill>
-                <a:latin typeface="Tahoma" charset="0"/>
-                <a:cs typeface="Arial" charset="0"/>
-              </a:defRPr>
-            </a:lvl1pPr>
-            <a:lvl2pPr marL="37931725" indent="-37474525" eaLnBrk="0" hangingPunct="0">
-              <a:defRPr sz="2400">
-                <a:solidFill>
-                  <a:schemeClr val="tx1"/>
-                </a:solidFill>
-                <a:latin typeface="Tahoma" charset="0"/>
-                <a:cs typeface="Arial" charset="0"/>
-              </a:defRPr>
-            </a:lvl2pPr>
-            <a:lvl3pPr eaLnBrk="0" hangingPunct="0">
-              <a:defRPr sz="2400">
-                <a:solidFill>
-                  <a:schemeClr val="tx1"/>
-                </a:solidFill>
-                <a:latin typeface="Tahoma" charset="0"/>
-                <a:cs typeface="Arial" charset="0"/>
-              </a:defRPr>
-            </a:lvl3pPr>
-            <a:lvl4pPr eaLnBrk="0" hangingPunct="0">
-              <a:defRPr sz="2400">
-                <a:solidFill>
-                  <a:schemeClr val="tx1"/>
-                </a:solidFill>
-                <a:latin typeface="Tahoma" charset="0"/>
-                <a:cs typeface="Arial" charset="0"/>
-              </a:defRPr>
-            </a:lvl4pPr>
-            <a:lvl5pPr eaLnBrk="0" hangingPunct="0">
-              <a:defRPr sz="2400">
-                <a:solidFill>
-                  <a:schemeClr val="tx1"/>
-                </a:solidFill>
-                <a:latin typeface="Tahoma" charset="0"/>
-                <a:cs typeface="Arial" charset="0"/>
-              </a:defRPr>
-            </a:lvl5pPr>
-            <a:lvl6pPr marL="457200" eaLnBrk="0" fontAlgn="base" hangingPunct="0">
-              <a:spcBef>
-                <a:spcPct val="0"/>
-              </a:spcBef>
-              <a:spcAft>
-                <a:spcPct val="0"/>
-              </a:spcAft>
-              <a:defRPr sz="2400">
-                <a:solidFill>
-                  <a:schemeClr val="tx1"/>
-                </a:solidFill>
-                <a:latin typeface="Tahoma" charset="0"/>
-                <a:cs typeface="Arial" charset="0"/>
-              </a:defRPr>
-            </a:lvl6pPr>
-            <a:lvl7pPr marL="914400" eaLnBrk="0" fontAlgn="base" hangingPunct="0">
-              <a:spcBef>
-                <a:spcPct val="0"/>
-              </a:spcBef>
-              <a:spcAft>
-                <a:spcPct val="0"/>
-              </a:spcAft>
-              <a:defRPr sz="2400">
-                <a:solidFill>
-                  <a:schemeClr val="tx1"/>
-                </a:solidFill>
-                <a:latin typeface="Tahoma" charset="0"/>
-                <a:cs typeface="Arial" charset="0"/>
-              </a:defRPr>
-            </a:lvl7pPr>
-            <a:lvl8pPr marL="1371600" eaLnBrk="0" fontAlgn="base" hangingPunct="0">
-              <a:spcBef>
-                <a:spcPct val="0"/>
-              </a:spcBef>
-              <a:spcAft>
-                <a:spcPct val="0"/>
-              </a:spcAft>
-              <a:defRPr sz="2400">
-                <a:solidFill>
-                  <a:schemeClr val="tx1"/>
-                </a:solidFill>
-                <a:latin typeface="Tahoma" charset="0"/>
-                <a:cs typeface="Arial" charset="0"/>
-              </a:defRPr>
-            </a:lvl8pPr>
-            <a:lvl9pPr marL="1828800" eaLnBrk="0" fontAlgn="base" hangingPunct="0">
-              <a:spcBef>
-                <a:spcPct val="0"/>
-              </a:spcBef>
-              <a:spcAft>
-                <a:spcPct val="0"/>
-              </a:spcAft>
-              <a:defRPr sz="2400">
-                <a:solidFill>
-                  <a:schemeClr val="tx1"/>
-                </a:solidFill>
-                <a:latin typeface="Tahoma" charset="0"/>
-                <a:cs typeface="Arial" charset="0"/>
-              </a:defRPr>
-            </a:lvl9pPr>
-          </a:lstStyle>
-          <a:p>
-            <a:pPr algn="l">
-              <a:lnSpc>
-                <a:spcPts val="2500"/>
-              </a:lnSpc>
-              <a:buClr>
-                <a:srgbClr val="00A6D6"/>
-              </a:buClr>
-              <a:defRPr/>
-            </a:pPr>
-            <a:r>
-              <a:rPr lang="nl-NL" altLang="nl-NL" sz="2000" dirty="0" smtClean="0">
-                <a:solidFill>
-                  <a:srgbClr val="00A6D6"/>
-                </a:solidFill>
-                <a:latin typeface="Tahoma"/>
-                <a:ea typeface="ＭＳ Ｐゴシック" charset="-128"/>
-              </a:rPr>
-              <a:t>Werking display</a:t>
-            </a:r>
-          </a:p>
-        </p:txBody>
-      </p:sp>
-      <p:pic>
-        <p:nvPicPr>
-          <p:cNvPr id="14" name="voorbeeld_lcd.png"/>
-          <p:cNvPicPr/>
-          <p:nvPr/>
-        </p:nvPicPr>
-        <p:blipFill>
-          <a:blip r:embed="rId2">
-            <a:extLst/>
-          </a:blip>
-          <a:stretch>
-            <a:fillRect/>
-          </a:stretch>
-        </p:blipFill>
-        <p:spPr>
-          <a:xfrm>
-            <a:off x="2796156" y="4305606"/>
-            <a:ext cx="3147444" cy="1422333"/>
-          </a:xfrm>
-          <a:prstGeom prst="rect">
-            <a:avLst/>
-          </a:prstGeom>
-          <a:ln w="12700">
-            <a:miter lim="400000"/>
-          </a:ln>
-        </p:spPr>
-      </p:pic>
-      <p:pic>
-        <p:nvPicPr>
-          <p:cNvPr id="15" name="pasted-image.png"/>
-          <p:cNvPicPr/>
-          <p:nvPr/>
-        </p:nvPicPr>
-        <p:blipFill>
-          <a:blip r:embed="rId3">
-            <a:extLst/>
-          </a:blip>
-          <a:stretch>
-            <a:fillRect/>
-          </a:stretch>
-        </p:blipFill>
-        <p:spPr>
-          <a:xfrm>
-            <a:off x="5297313" y="2054571"/>
-            <a:ext cx="3583304" cy="2087816"/>
-          </a:xfrm>
-          <a:prstGeom prst="rect">
-            <a:avLst/>
-          </a:prstGeom>
-          <a:ln w="12700">
-            <a:miter lim="400000"/>
-          </a:ln>
-        </p:spPr>
-      </p:pic>
-      <p:pic>
-        <p:nvPicPr>
-          <p:cNvPr id="16" name="pasted-image.png"/>
-          <p:cNvPicPr/>
-          <p:nvPr/>
-        </p:nvPicPr>
-        <p:blipFill>
-          <a:blip r:embed="rId4">
-            <a:extLst/>
-          </a:blip>
-          <a:stretch>
-            <a:fillRect/>
-          </a:stretch>
-        </p:blipFill>
-        <p:spPr>
-          <a:xfrm>
-            <a:off x="268958" y="2054571"/>
-            <a:ext cx="2010067" cy="1995570"/>
-          </a:xfrm>
-          <a:prstGeom prst="rect">
-            <a:avLst/>
-          </a:prstGeom>
-          <a:ln w="12700">
-            <a:miter lim="400000"/>
-          </a:ln>
-        </p:spPr>
-      </p:pic>
-      <p:pic>
-        <p:nvPicPr>
-          <p:cNvPr id="17" name="pasted-image.png"/>
-          <p:cNvPicPr/>
-          <p:nvPr/>
-        </p:nvPicPr>
-        <p:blipFill>
-          <a:blip r:embed="rId5">
-            <a:extLst/>
-          </a:blip>
-          <a:stretch>
-            <a:fillRect/>
-          </a:stretch>
-        </p:blipFill>
-        <p:spPr>
-          <a:xfrm>
-            <a:off x="2224824" y="3077072"/>
-            <a:ext cx="3018288" cy="561385"/>
-          </a:xfrm>
-          <a:prstGeom prst="rect">
-            <a:avLst/>
-          </a:prstGeom>
-          <a:ln w="12700">
-            <a:miter lim="400000"/>
-          </a:ln>
-        </p:spPr>
-      </p:pic>
-      <p:pic>
-        <p:nvPicPr>
-          <p:cNvPr id="18" name="pasted-image.png"/>
-          <p:cNvPicPr/>
-          <p:nvPr/>
-        </p:nvPicPr>
-        <p:blipFill>
-          <a:blip r:embed="rId6">
-            <a:extLst/>
-          </a:blip>
-          <a:stretch>
-            <a:fillRect/>
-          </a:stretch>
-        </p:blipFill>
-        <p:spPr>
-          <a:xfrm>
-            <a:off x="2279025" y="2591538"/>
-            <a:ext cx="2909886" cy="506941"/>
-          </a:xfrm>
-          <a:prstGeom prst="rect">
-            <a:avLst/>
-          </a:prstGeom>
-          <a:ln w="12700">
-            <a:miter lim="400000"/>
-          </a:ln>
-        </p:spPr>
-      </p:pic>
-      <p:pic>
-        <p:nvPicPr>
-          <p:cNvPr id="19" name="pasted-image.png"/>
-          <p:cNvPicPr/>
-          <p:nvPr/>
-        </p:nvPicPr>
-        <p:blipFill>
-          <a:blip r:embed="rId7">
-            <a:extLst/>
-          </a:blip>
-          <a:stretch>
-            <a:fillRect/>
-          </a:stretch>
-        </p:blipFill>
-        <p:spPr>
-          <a:xfrm>
-            <a:off x="2224824" y="3635446"/>
-            <a:ext cx="2907026" cy="506941"/>
-          </a:xfrm>
-          <a:prstGeom prst="rect">
-            <a:avLst/>
-          </a:prstGeom>
-          <a:ln w="12700">
-            <a:miter lim="400000"/>
-          </a:ln>
-        </p:spPr>
-      </p:pic>
-      <p:pic>
-        <p:nvPicPr>
-          <p:cNvPr id="20" name="pasted-image.png"/>
-          <p:cNvPicPr/>
-          <p:nvPr/>
-        </p:nvPicPr>
-        <p:blipFill>
-          <a:blip r:embed="rId8">
-            <a:extLst/>
-          </a:blip>
-          <a:stretch>
-            <a:fillRect/>
-          </a:stretch>
-        </p:blipFill>
-        <p:spPr>
-          <a:xfrm>
-            <a:off x="2317237" y="2095332"/>
-            <a:ext cx="3009410" cy="444773"/>
-          </a:xfrm>
-          <a:prstGeom prst="rect">
-            <a:avLst/>
-          </a:prstGeom>
-          <a:ln w="12700">
-            <a:miter lim="400000"/>
-          </a:ln>
-        </p:spPr>
-      </p:pic>
     </p:spTree>
     <p:extLst>
       <p:ext uri="{BB962C8B-B14F-4D97-AF65-F5344CB8AC3E}">
-        <p14:creationId xmlns:p14="http://schemas.microsoft.com/office/powerpoint/2010/main" val="1364178138"/>
+        <p14:creationId xmlns:p14="http://schemas.microsoft.com/office/powerpoint/2010/main" val="3719282447"/>
       </p:ext>
     </p:extLst>
   </p:cSld>
@@ -7950,28 +7615,87 @@
                 <a:latin typeface="Tahoma"/>
                 <a:ea typeface="ＭＳ Ｐゴシック" charset="-128"/>
               </a:rPr>
-              <a:t>LCD controller chip</a:t>
-            </a:r>
+              <a:t>Het totale systeem</a:t>
+            </a:r>
+          </a:p>
+        </p:txBody>
+      </p:sp>
+      <p:sp>
+        <p:nvSpPr>
+          <p:cNvPr id="4" name="Tijdelijke aanduiding voor inhoud 3"/>
+          <p:cNvSpPr>
+            <a:spLocks noGrp="1"/>
+          </p:cNvSpPr>
+          <p:nvPr>
+            <p:ph idx="1"/>
+          </p:nvPr>
+        </p:nvSpPr>
+        <p:spPr/>
+        <p:txBody>
+          <a:bodyPr/>
+          <a:lstStyle/>
+          <a:p>
+            <a:pPr lvl="0"/>
+            <a:r>
+              <a:rPr lang="nl-NL" dirty="0"/>
+              <a:t>LCD MIDAS typenummer </a:t>
+            </a:r>
+            <a:r>
+              <a:rPr lang="nl-NL" dirty="0" smtClean="0"/>
+              <a:t>MC128064B6W-BNMLW</a:t>
+            </a:r>
+          </a:p>
+          <a:p>
+            <a:pPr lvl="0"/>
+            <a:endParaRPr lang="nl-NL" dirty="0"/>
+          </a:p>
+          <a:p>
+            <a:pPr lvl="0"/>
+            <a:r>
+              <a:rPr lang="nl-NL" dirty="0"/>
+              <a:t>Chip geeft x-y positie met </a:t>
+            </a:r>
+            <a:r>
+              <a:rPr lang="nl-NL" dirty="0" smtClean="0"/>
+              <a:t>karakter</a:t>
+            </a:r>
+          </a:p>
+          <a:p>
+            <a:pPr lvl="0"/>
+            <a:endParaRPr lang="nl-NL" dirty="0"/>
+          </a:p>
+          <a:p>
+            <a:pPr lvl="0"/>
+            <a:r>
+              <a:rPr lang="nl-NL" dirty="0"/>
+              <a:t>Atmega32-16pu met karakter bibliotheek en schrijf </a:t>
+            </a:r>
+            <a:r>
+              <a:rPr lang="nl-NL" dirty="0" smtClean="0"/>
+              <a:t>routine</a:t>
+            </a:r>
+            <a:endParaRPr lang="nl-NL" dirty="0"/>
           </a:p>
         </p:txBody>
       </p:sp>
       <p:pic>
         <p:nvPicPr>
-          <p:cNvPr id="14" name="pasted-image.png"/>
+          <p:cNvPr id="8" name="voorbeeld_lcd.png"/>
           <p:cNvPicPr/>
           <p:nvPr/>
         </p:nvPicPr>
-        <p:blipFill rotWithShape="1">
+        <p:blipFill>
           <a:blip r:embed="rId2">
             <a:extLst/>
           </a:blip>
-          <a:srcRect t="2545" b="2026"/>
-          <a:stretch/>
+          <a:stretch>
+            <a:fillRect/>
+          </a:stretch>
         </p:blipFill>
         <p:spPr>
           <a:xfrm>
-            <a:off x="1561381" y="1431985"/>
-            <a:ext cx="6513437" cy="4666890"/>
+            <a:off x="5058289" y="4160983"/>
+            <a:ext cx="3059981" cy="1373199"/>
           </a:xfrm>
           <a:prstGeom prst="rect">
             <a:avLst/>
@@ -7981,10 +7705,135 @@
           </a:ln>
         </p:spPr>
       </p:pic>
+      <p:pic>
+        <p:nvPicPr>
+          <p:cNvPr id="10" name="pasted-image.tif"/>
+          <p:cNvPicPr/>
+          <p:nvPr/>
+        </p:nvPicPr>
+        <p:blipFill>
+          <a:blip r:embed="rId3">
+            <a:extLst/>
+          </a:blip>
+          <a:srcRect l="31265" t="1357" r="31139" b="10740"/>
+          <a:stretch>
+            <a:fillRect/>
+          </a:stretch>
+        </p:blipFill>
+        <p:spPr>
+          <a:xfrm>
+            <a:off x="3586356" y="3990773"/>
+            <a:ext cx="673162" cy="1774865"/>
+          </a:xfrm>
+          <a:prstGeom prst="rect">
+            <a:avLst/>
+          </a:prstGeom>
+          <a:ln w="12700">
+            <a:miter lim="400000"/>
+          </a:ln>
+        </p:spPr>
+      </p:pic>
+      <p:pic>
+        <p:nvPicPr>
+          <p:cNvPr id="11" name="toplevel_entity.png"/>
+          <p:cNvPicPr/>
+          <p:nvPr/>
+        </p:nvPicPr>
+        <p:blipFill>
+          <a:blip r:embed="rId4">
+            <a:extLst/>
+          </a:blip>
+          <a:stretch>
+            <a:fillRect/>
+          </a:stretch>
+        </p:blipFill>
+        <p:spPr>
+          <a:xfrm>
+            <a:off x="468569" y="3929528"/>
+            <a:ext cx="2823273" cy="1836110"/>
+          </a:xfrm>
+          <a:prstGeom prst="rect">
+            <a:avLst/>
+          </a:prstGeom>
+          <a:ln w="12700">
+            <a:miter lim="400000"/>
+          </a:ln>
+        </p:spPr>
+      </p:pic>
+      <p:sp>
+        <p:nvSpPr>
+          <p:cNvPr id="12" name="Shape 41"/>
+          <p:cNvSpPr/>
+          <p:nvPr/>
+        </p:nvSpPr>
+        <p:spPr>
+          <a:xfrm>
+            <a:off x="2787586" y="4604708"/>
+            <a:ext cx="798770" cy="0"/>
+          </a:xfrm>
+          <a:prstGeom prst="line">
+            <a:avLst/>
+          </a:prstGeom>
+          <a:ln w="63500">
+            <a:solidFill/>
+            <a:miter lim="400000"/>
+            <a:tailEnd type="triangle"/>
+          </a:ln>
+        </p:spPr>
+        <p:txBody>
+          <a:bodyPr lIns="0" tIns="0" rIns="0" bIns="0" anchor="ctr"/>
+          <a:lstStyle/>
+          <a:p>
+            <a:pPr>
+              <a:defRPr sz="2400"/>
+            </a:pPr>
+            <a:endParaRPr>
+              <a:solidFill>
+                <a:srgbClr val="000000"/>
+              </a:solidFill>
+            </a:endParaRPr>
+          </a:p>
+        </p:txBody>
+      </p:sp>
+      <p:sp>
+        <p:nvSpPr>
+          <p:cNvPr id="13" name="Shape 42"/>
+          <p:cNvSpPr/>
+          <p:nvPr/>
+        </p:nvSpPr>
+        <p:spPr>
+          <a:xfrm>
+            <a:off x="4259518" y="4604708"/>
+            <a:ext cx="798771" cy="0"/>
+          </a:xfrm>
+          <a:prstGeom prst="line">
+            <a:avLst/>
+          </a:prstGeom>
+          <a:ln w="63500">
+            <a:solidFill/>
+            <a:miter lim="400000"/>
+            <a:tailEnd type="triangle"/>
+          </a:ln>
+        </p:spPr>
+        <p:txBody>
+          <a:bodyPr lIns="0" tIns="0" rIns="0" bIns="0" anchor="ctr"/>
+          <a:lstStyle/>
+          <a:p>
+            <a:pPr>
+              <a:defRPr sz="2400"/>
+            </a:pPr>
+            <a:endParaRPr>
+              <a:solidFill>
+                <a:srgbClr val="000000"/>
+              </a:solidFill>
+            </a:endParaRPr>
+          </a:p>
+        </p:txBody>
+      </p:sp>
     </p:spTree>
     <p:extLst>
       <p:ext uri="{BB962C8B-B14F-4D97-AF65-F5344CB8AC3E}">
-        <p14:creationId xmlns:p14="http://schemas.microsoft.com/office/powerpoint/2010/main" val="2724193976"/>
+        <p14:creationId xmlns:p14="http://schemas.microsoft.com/office/powerpoint/2010/main" val="1029360624"/>
       </p:ext>
     </p:extLst>
   </p:cSld>
@@ -8025,7 +7874,7 @@
             <a:spLocks noGrp="1"/>
           </p:cNvSpPr>
           <p:nvPr>
-            <p:ph type="title"/>
+            <p:ph type="ctrTitle"/>
           </p:nvPr>
         </p:nvSpPr>
         <p:spPr/>
@@ -8034,17 +7883,44 @@
           <a:lstStyle/>
           <a:p>
             <a:r>
-              <a:rPr lang="nl-NL" dirty="0" smtClean="0"/>
-              <a:t>DCF77 module</a:t>
-            </a:r>
-            <a:endParaRPr lang="nl-NL" dirty="0"/>
+              <a:rPr lang="nl-NL" dirty="0" smtClean="0">
+                <a:solidFill>
+                  <a:srgbClr val="FF0000"/>
+                </a:solidFill>
+              </a:rPr>
+              <a:t>Inleiding</a:t>
+            </a:r>
+            <a:endParaRPr lang="nl-NL" dirty="0">
+              <a:solidFill>
+                <a:srgbClr val="FF0000"/>
+              </a:solidFill>
+            </a:endParaRPr>
+          </a:p>
+        </p:txBody>
+      </p:sp>
+      <p:sp>
+        <p:nvSpPr>
+          <p:cNvPr id="3" name="Ondertitel 2"/>
+          <p:cNvSpPr>
+            <a:spLocks noGrp="1"/>
+          </p:cNvSpPr>
+          <p:nvPr>
+            <p:ph type="subTitle" idx="1"/>
+          </p:nvPr>
+        </p:nvSpPr>
+        <p:spPr/>
+        <p:txBody>
+          <a:bodyPr/>
+          <a:lstStyle/>
+          <a:p>
+            <a:endParaRPr lang="nl-NL"/>
           </a:p>
         </p:txBody>
       </p:sp>
     </p:spTree>
     <p:extLst>
       <p:ext uri="{BB962C8B-B14F-4D97-AF65-F5344CB8AC3E}">
-        <p14:creationId xmlns:p14="http://schemas.microsoft.com/office/powerpoint/2010/main" val="912281294"/>
+        <p14:creationId xmlns:p14="http://schemas.microsoft.com/office/powerpoint/2010/main" val="4064259602"/>
       </p:ext>
     </p:extLst>
   </p:cSld>
@@ -8262,6 +8138,673 @@
                 <a:latin typeface="Tahoma"/>
                 <a:ea typeface="ＭＳ Ｐゴシック" charset="-128"/>
               </a:rPr>
+              <a:t>Werking display</a:t>
+            </a:r>
+          </a:p>
+        </p:txBody>
+      </p:sp>
+      <p:pic>
+        <p:nvPicPr>
+          <p:cNvPr id="14" name="voorbeeld_lcd.png"/>
+          <p:cNvPicPr/>
+          <p:nvPr/>
+        </p:nvPicPr>
+        <p:blipFill>
+          <a:blip r:embed="rId2">
+            <a:extLst/>
+          </a:blip>
+          <a:stretch>
+            <a:fillRect/>
+          </a:stretch>
+        </p:blipFill>
+        <p:spPr>
+          <a:xfrm>
+            <a:off x="2796156" y="4305606"/>
+            <a:ext cx="3147444" cy="1422333"/>
+          </a:xfrm>
+          <a:prstGeom prst="rect">
+            <a:avLst/>
+          </a:prstGeom>
+          <a:ln w="12700">
+            <a:miter lim="400000"/>
+          </a:ln>
+        </p:spPr>
+      </p:pic>
+      <p:pic>
+        <p:nvPicPr>
+          <p:cNvPr id="15" name="pasted-image.png"/>
+          <p:cNvPicPr/>
+          <p:nvPr/>
+        </p:nvPicPr>
+        <p:blipFill>
+          <a:blip r:embed="rId3">
+            <a:extLst/>
+          </a:blip>
+          <a:stretch>
+            <a:fillRect/>
+          </a:stretch>
+        </p:blipFill>
+        <p:spPr>
+          <a:xfrm>
+            <a:off x="5297313" y="2054571"/>
+            <a:ext cx="3583304" cy="2087816"/>
+          </a:xfrm>
+          <a:prstGeom prst="rect">
+            <a:avLst/>
+          </a:prstGeom>
+          <a:ln w="12700">
+            <a:miter lim="400000"/>
+          </a:ln>
+        </p:spPr>
+      </p:pic>
+      <p:pic>
+        <p:nvPicPr>
+          <p:cNvPr id="16" name="pasted-image.png"/>
+          <p:cNvPicPr/>
+          <p:nvPr/>
+        </p:nvPicPr>
+        <p:blipFill>
+          <a:blip r:embed="rId4">
+            <a:extLst/>
+          </a:blip>
+          <a:stretch>
+            <a:fillRect/>
+          </a:stretch>
+        </p:blipFill>
+        <p:spPr>
+          <a:xfrm>
+            <a:off x="268958" y="2054571"/>
+            <a:ext cx="2010067" cy="1995570"/>
+          </a:xfrm>
+          <a:prstGeom prst="rect">
+            <a:avLst/>
+          </a:prstGeom>
+          <a:ln w="12700">
+            <a:miter lim="400000"/>
+          </a:ln>
+        </p:spPr>
+      </p:pic>
+      <p:pic>
+        <p:nvPicPr>
+          <p:cNvPr id="17" name="pasted-image.png"/>
+          <p:cNvPicPr/>
+          <p:nvPr/>
+        </p:nvPicPr>
+        <p:blipFill>
+          <a:blip r:embed="rId5">
+            <a:extLst/>
+          </a:blip>
+          <a:stretch>
+            <a:fillRect/>
+          </a:stretch>
+        </p:blipFill>
+        <p:spPr>
+          <a:xfrm>
+            <a:off x="2224824" y="3077072"/>
+            <a:ext cx="3018288" cy="561385"/>
+          </a:xfrm>
+          <a:prstGeom prst="rect">
+            <a:avLst/>
+          </a:prstGeom>
+          <a:ln w="12700">
+            <a:miter lim="400000"/>
+          </a:ln>
+        </p:spPr>
+      </p:pic>
+      <p:pic>
+        <p:nvPicPr>
+          <p:cNvPr id="18" name="pasted-image.png"/>
+          <p:cNvPicPr/>
+          <p:nvPr/>
+        </p:nvPicPr>
+        <p:blipFill>
+          <a:blip r:embed="rId6">
+            <a:extLst/>
+          </a:blip>
+          <a:stretch>
+            <a:fillRect/>
+          </a:stretch>
+        </p:blipFill>
+        <p:spPr>
+          <a:xfrm>
+            <a:off x="2279025" y="2591538"/>
+            <a:ext cx="2909886" cy="506941"/>
+          </a:xfrm>
+          <a:prstGeom prst="rect">
+            <a:avLst/>
+          </a:prstGeom>
+          <a:ln w="12700">
+            <a:miter lim="400000"/>
+          </a:ln>
+        </p:spPr>
+      </p:pic>
+      <p:pic>
+        <p:nvPicPr>
+          <p:cNvPr id="19" name="pasted-image.png"/>
+          <p:cNvPicPr/>
+          <p:nvPr/>
+        </p:nvPicPr>
+        <p:blipFill>
+          <a:blip r:embed="rId7">
+            <a:extLst/>
+          </a:blip>
+          <a:stretch>
+            <a:fillRect/>
+          </a:stretch>
+        </p:blipFill>
+        <p:spPr>
+          <a:xfrm>
+            <a:off x="2224824" y="3635446"/>
+            <a:ext cx="2907026" cy="506941"/>
+          </a:xfrm>
+          <a:prstGeom prst="rect">
+            <a:avLst/>
+          </a:prstGeom>
+          <a:ln w="12700">
+            <a:miter lim="400000"/>
+          </a:ln>
+        </p:spPr>
+      </p:pic>
+      <p:pic>
+        <p:nvPicPr>
+          <p:cNvPr id="20" name="pasted-image.png"/>
+          <p:cNvPicPr/>
+          <p:nvPr/>
+        </p:nvPicPr>
+        <p:blipFill>
+          <a:blip r:embed="rId8">
+            <a:extLst/>
+          </a:blip>
+          <a:stretch>
+            <a:fillRect/>
+          </a:stretch>
+        </p:blipFill>
+        <p:spPr>
+          <a:xfrm>
+            <a:off x="2317237" y="2095332"/>
+            <a:ext cx="3009410" cy="444773"/>
+          </a:xfrm>
+          <a:prstGeom prst="rect">
+            <a:avLst/>
+          </a:prstGeom>
+          <a:ln w="12700">
+            <a:miter lim="400000"/>
+          </a:ln>
+        </p:spPr>
+      </p:pic>
+    </p:spTree>
+    <p:extLst>
+      <p:ext uri="{BB962C8B-B14F-4D97-AF65-F5344CB8AC3E}">
+        <p14:creationId xmlns:p14="http://schemas.microsoft.com/office/powerpoint/2010/main" val="1364178138"/>
+      </p:ext>
+    </p:extLst>
+  </p:cSld>
+  <p:clrMapOvr>
+    <a:masterClrMapping/>
+  </p:clrMapOvr>
+  <p:timing>
+    <p:tnLst>
+      <p:par>
+        <p:cTn id="1" dur="indefinite" restart="never" nodeType="tmRoot"/>
+      </p:par>
+    </p:tnLst>
+  </p:timing>
+</p:sld>
+</file>
+
+<file path=ppt/slides/slide21.xml><?xml version="1.0" encoding="utf-8"?>
+<p:sld xmlns:a="http://schemas.openxmlformats.org/drawingml/2006/main" xmlns:r="http://schemas.openxmlformats.org/officeDocument/2006/relationships" xmlns:p="http://schemas.openxmlformats.org/presentationml/2006/main">
+  <p:cSld>
+    <p:spTree>
+      <p:nvGrpSpPr>
+        <p:cNvPr id="1" name=""/>
+        <p:cNvGrpSpPr/>
+        <p:nvPr/>
+      </p:nvGrpSpPr>
+      <p:grpSpPr>
+        <a:xfrm>
+          <a:off x="0" y="0"/>
+          <a:ext cx="0" cy="0"/>
+          <a:chOff x="0" y="0"/>
+          <a:chExt cx="0" cy="0"/>
+        </a:xfrm>
+      </p:grpSpPr>
+      <p:sp>
+        <p:nvSpPr>
+          <p:cNvPr id="4098" name="Title 3"/>
+          <p:cNvSpPr>
+            <a:spLocks noGrp="1"/>
+          </p:cNvSpPr>
+          <p:nvPr>
+            <p:ph type="title"/>
+          </p:nvPr>
+        </p:nvSpPr>
+        <p:spPr>
+          <a:xfrm>
+            <a:off x="915193" y="502892"/>
+            <a:ext cx="7159625" cy="627063"/>
+          </a:xfrm>
+        </p:spPr>
+        <p:txBody>
+          <a:bodyPr/>
+          <a:lstStyle/>
+          <a:p>
+            <a:pPr>
+              <a:defRPr/>
+            </a:pPr>
+            <a:r>
+              <a:rPr lang="nl-NL" altLang="nl-NL" dirty="0" smtClean="0">
+                <a:latin typeface="+mn-lt"/>
+                <a:ea typeface="ＭＳ Ｐゴシック" pitchFamily="34" charset="-128"/>
+              </a:rPr>
+              <a:t>LCD</a:t>
+            </a:r>
+          </a:p>
+        </p:txBody>
+      </p:sp>
+      <p:sp>
+        <p:nvSpPr>
+          <p:cNvPr id="6" name="Ondertitel 2"/>
+          <p:cNvSpPr txBox="1">
+            <a:spLocks/>
+          </p:cNvSpPr>
+          <p:nvPr/>
+        </p:nvSpPr>
+        <p:spPr bwMode="auto">
+          <a:xfrm>
+            <a:off x="914400" y="1041400"/>
+            <a:ext cx="6781800" cy="474663"/>
+          </a:xfrm>
+          <a:prstGeom prst="rect">
+            <a:avLst/>
+          </a:prstGeom>
+          <a:noFill/>
+          <a:ln w="9525">
+            <a:noFill/>
+            <a:miter lim="800000"/>
+            <a:headEnd/>
+            <a:tailEnd/>
+          </a:ln>
+        </p:spPr>
+        <p:txBody>
+          <a:bodyPr lIns="0" tIns="0" rIns="0" bIns="0"/>
+          <a:lstStyle>
+            <a:lvl1pPr eaLnBrk="0" hangingPunct="0">
+              <a:defRPr sz="2400">
+                <a:solidFill>
+                  <a:schemeClr val="tx1"/>
+                </a:solidFill>
+                <a:latin typeface="Tahoma" charset="0"/>
+                <a:cs typeface="Arial" charset="0"/>
+              </a:defRPr>
+            </a:lvl1pPr>
+            <a:lvl2pPr marL="37931725" indent="-37474525" eaLnBrk="0" hangingPunct="0">
+              <a:defRPr sz="2400">
+                <a:solidFill>
+                  <a:schemeClr val="tx1"/>
+                </a:solidFill>
+                <a:latin typeface="Tahoma" charset="0"/>
+                <a:cs typeface="Arial" charset="0"/>
+              </a:defRPr>
+            </a:lvl2pPr>
+            <a:lvl3pPr eaLnBrk="0" hangingPunct="0">
+              <a:defRPr sz="2400">
+                <a:solidFill>
+                  <a:schemeClr val="tx1"/>
+                </a:solidFill>
+                <a:latin typeface="Tahoma" charset="0"/>
+                <a:cs typeface="Arial" charset="0"/>
+              </a:defRPr>
+            </a:lvl3pPr>
+            <a:lvl4pPr eaLnBrk="0" hangingPunct="0">
+              <a:defRPr sz="2400">
+                <a:solidFill>
+                  <a:schemeClr val="tx1"/>
+                </a:solidFill>
+                <a:latin typeface="Tahoma" charset="0"/>
+                <a:cs typeface="Arial" charset="0"/>
+              </a:defRPr>
+            </a:lvl4pPr>
+            <a:lvl5pPr eaLnBrk="0" hangingPunct="0">
+              <a:defRPr sz="2400">
+                <a:solidFill>
+                  <a:schemeClr val="tx1"/>
+                </a:solidFill>
+                <a:latin typeface="Tahoma" charset="0"/>
+                <a:cs typeface="Arial" charset="0"/>
+              </a:defRPr>
+            </a:lvl5pPr>
+            <a:lvl6pPr marL="457200" eaLnBrk="0" fontAlgn="base" hangingPunct="0">
+              <a:spcBef>
+                <a:spcPct val="0"/>
+              </a:spcBef>
+              <a:spcAft>
+                <a:spcPct val="0"/>
+              </a:spcAft>
+              <a:defRPr sz="2400">
+                <a:solidFill>
+                  <a:schemeClr val="tx1"/>
+                </a:solidFill>
+                <a:latin typeface="Tahoma" charset="0"/>
+                <a:cs typeface="Arial" charset="0"/>
+              </a:defRPr>
+            </a:lvl6pPr>
+            <a:lvl7pPr marL="914400" eaLnBrk="0" fontAlgn="base" hangingPunct="0">
+              <a:spcBef>
+                <a:spcPct val="0"/>
+              </a:spcBef>
+              <a:spcAft>
+                <a:spcPct val="0"/>
+              </a:spcAft>
+              <a:defRPr sz="2400">
+                <a:solidFill>
+                  <a:schemeClr val="tx1"/>
+                </a:solidFill>
+                <a:latin typeface="Tahoma" charset="0"/>
+                <a:cs typeface="Arial" charset="0"/>
+              </a:defRPr>
+            </a:lvl7pPr>
+            <a:lvl8pPr marL="1371600" eaLnBrk="0" fontAlgn="base" hangingPunct="0">
+              <a:spcBef>
+                <a:spcPct val="0"/>
+              </a:spcBef>
+              <a:spcAft>
+                <a:spcPct val="0"/>
+              </a:spcAft>
+              <a:defRPr sz="2400">
+                <a:solidFill>
+                  <a:schemeClr val="tx1"/>
+                </a:solidFill>
+                <a:latin typeface="Tahoma" charset="0"/>
+                <a:cs typeface="Arial" charset="0"/>
+              </a:defRPr>
+            </a:lvl8pPr>
+            <a:lvl9pPr marL="1828800" eaLnBrk="0" fontAlgn="base" hangingPunct="0">
+              <a:spcBef>
+                <a:spcPct val="0"/>
+              </a:spcBef>
+              <a:spcAft>
+                <a:spcPct val="0"/>
+              </a:spcAft>
+              <a:defRPr sz="2400">
+                <a:solidFill>
+                  <a:schemeClr val="tx1"/>
+                </a:solidFill>
+                <a:latin typeface="Tahoma" charset="0"/>
+                <a:cs typeface="Arial" charset="0"/>
+              </a:defRPr>
+            </a:lvl9pPr>
+          </a:lstStyle>
+          <a:p>
+            <a:pPr algn="l">
+              <a:lnSpc>
+                <a:spcPts val="2500"/>
+              </a:lnSpc>
+              <a:buClr>
+                <a:srgbClr val="00A6D6"/>
+              </a:buClr>
+              <a:defRPr/>
+            </a:pPr>
+            <a:r>
+              <a:rPr lang="nl-NL" altLang="nl-NL" sz="2000" dirty="0" smtClean="0">
+                <a:solidFill>
+                  <a:srgbClr val="00A6D6"/>
+                </a:solidFill>
+                <a:latin typeface="Tahoma"/>
+                <a:ea typeface="ＭＳ Ｐゴシック" charset="-128"/>
+              </a:rPr>
+              <a:t>LCD controller chip</a:t>
+            </a:r>
+          </a:p>
+        </p:txBody>
+      </p:sp>
+      <p:pic>
+        <p:nvPicPr>
+          <p:cNvPr id="14" name="pasted-image.png"/>
+          <p:cNvPicPr/>
+          <p:nvPr/>
+        </p:nvPicPr>
+        <p:blipFill rotWithShape="1">
+          <a:blip r:embed="rId2">
+            <a:extLst/>
+          </a:blip>
+          <a:srcRect t="2545" b="2026"/>
+          <a:stretch/>
+        </p:blipFill>
+        <p:spPr>
+          <a:xfrm>
+            <a:off x="1561381" y="1431985"/>
+            <a:ext cx="6513437" cy="4666890"/>
+          </a:xfrm>
+          <a:prstGeom prst="rect">
+            <a:avLst/>
+          </a:prstGeom>
+          <a:ln w="12700">
+            <a:miter lim="400000"/>
+          </a:ln>
+        </p:spPr>
+      </p:pic>
+    </p:spTree>
+    <p:extLst>
+      <p:ext uri="{BB962C8B-B14F-4D97-AF65-F5344CB8AC3E}">
+        <p14:creationId xmlns:p14="http://schemas.microsoft.com/office/powerpoint/2010/main" val="2724193976"/>
+      </p:ext>
+    </p:extLst>
+  </p:cSld>
+  <p:clrMapOvr>
+    <a:masterClrMapping/>
+  </p:clrMapOvr>
+  <p:timing>
+    <p:tnLst>
+      <p:par>
+        <p:cTn id="1" dur="indefinite" restart="never" nodeType="tmRoot"/>
+      </p:par>
+    </p:tnLst>
+  </p:timing>
+</p:sld>
+</file>
+
+<file path=ppt/slides/slide22.xml><?xml version="1.0" encoding="utf-8"?>
+<p:sld xmlns:a="http://schemas.openxmlformats.org/drawingml/2006/main" xmlns:r="http://schemas.openxmlformats.org/officeDocument/2006/relationships" xmlns:p="http://schemas.openxmlformats.org/presentationml/2006/main">
+  <p:cSld>
+    <p:spTree>
+      <p:nvGrpSpPr>
+        <p:cNvPr id="1" name=""/>
+        <p:cNvGrpSpPr/>
+        <p:nvPr/>
+      </p:nvGrpSpPr>
+      <p:grpSpPr>
+        <a:xfrm>
+          <a:off x="0" y="0"/>
+          <a:ext cx="0" cy="0"/>
+          <a:chOff x="0" y="0"/>
+          <a:chExt cx="0" cy="0"/>
+        </a:xfrm>
+      </p:grpSpPr>
+      <p:sp>
+        <p:nvSpPr>
+          <p:cNvPr id="4098" name="Title 3"/>
+          <p:cNvSpPr>
+            <a:spLocks noGrp="1"/>
+          </p:cNvSpPr>
+          <p:nvPr>
+            <p:ph type="title"/>
+          </p:nvPr>
+        </p:nvSpPr>
+        <p:spPr>
+          <a:xfrm>
+            <a:off x="915193" y="502892"/>
+            <a:ext cx="7159625" cy="627063"/>
+          </a:xfrm>
+        </p:spPr>
+        <p:txBody>
+          <a:bodyPr/>
+          <a:lstStyle/>
+          <a:p>
+            <a:pPr>
+              <a:defRPr/>
+            </a:pPr>
+            <a:r>
+              <a:rPr lang="nl-NL" altLang="nl-NL" dirty="0" smtClean="0">
+                <a:latin typeface="+mn-lt"/>
+                <a:ea typeface="ＭＳ Ｐゴシック" pitchFamily="34" charset="-128"/>
+              </a:rPr>
+              <a:t>LCD</a:t>
+            </a:r>
+          </a:p>
+        </p:txBody>
+      </p:sp>
+      <p:sp>
+        <p:nvSpPr>
+          <p:cNvPr id="6" name="Ondertitel 2"/>
+          <p:cNvSpPr txBox="1">
+            <a:spLocks/>
+          </p:cNvSpPr>
+          <p:nvPr/>
+        </p:nvSpPr>
+        <p:spPr bwMode="auto">
+          <a:xfrm>
+            <a:off x="914400" y="1041400"/>
+            <a:ext cx="6781800" cy="474663"/>
+          </a:xfrm>
+          <a:prstGeom prst="rect">
+            <a:avLst/>
+          </a:prstGeom>
+          <a:noFill/>
+          <a:ln w="9525">
+            <a:noFill/>
+            <a:miter lim="800000"/>
+            <a:headEnd/>
+            <a:tailEnd/>
+          </a:ln>
+        </p:spPr>
+        <p:txBody>
+          <a:bodyPr lIns="0" tIns="0" rIns="0" bIns="0"/>
+          <a:lstStyle>
+            <a:lvl1pPr eaLnBrk="0" hangingPunct="0">
+              <a:defRPr sz="2400">
+                <a:solidFill>
+                  <a:schemeClr val="tx1"/>
+                </a:solidFill>
+                <a:latin typeface="Tahoma" charset="0"/>
+                <a:cs typeface="Arial" charset="0"/>
+              </a:defRPr>
+            </a:lvl1pPr>
+            <a:lvl2pPr marL="37931725" indent="-37474525" eaLnBrk="0" hangingPunct="0">
+              <a:defRPr sz="2400">
+                <a:solidFill>
+                  <a:schemeClr val="tx1"/>
+                </a:solidFill>
+                <a:latin typeface="Tahoma" charset="0"/>
+                <a:cs typeface="Arial" charset="0"/>
+              </a:defRPr>
+            </a:lvl2pPr>
+            <a:lvl3pPr eaLnBrk="0" hangingPunct="0">
+              <a:defRPr sz="2400">
+                <a:solidFill>
+                  <a:schemeClr val="tx1"/>
+                </a:solidFill>
+                <a:latin typeface="Tahoma" charset="0"/>
+                <a:cs typeface="Arial" charset="0"/>
+              </a:defRPr>
+            </a:lvl3pPr>
+            <a:lvl4pPr eaLnBrk="0" hangingPunct="0">
+              <a:defRPr sz="2400">
+                <a:solidFill>
+                  <a:schemeClr val="tx1"/>
+                </a:solidFill>
+                <a:latin typeface="Tahoma" charset="0"/>
+                <a:cs typeface="Arial" charset="0"/>
+              </a:defRPr>
+            </a:lvl4pPr>
+            <a:lvl5pPr eaLnBrk="0" hangingPunct="0">
+              <a:defRPr sz="2400">
+                <a:solidFill>
+                  <a:schemeClr val="tx1"/>
+                </a:solidFill>
+                <a:latin typeface="Tahoma" charset="0"/>
+                <a:cs typeface="Arial" charset="0"/>
+              </a:defRPr>
+            </a:lvl5pPr>
+            <a:lvl6pPr marL="457200" eaLnBrk="0" fontAlgn="base" hangingPunct="0">
+              <a:spcBef>
+                <a:spcPct val="0"/>
+              </a:spcBef>
+              <a:spcAft>
+                <a:spcPct val="0"/>
+              </a:spcAft>
+              <a:defRPr sz="2400">
+                <a:solidFill>
+                  <a:schemeClr val="tx1"/>
+                </a:solidFill>
+                <a:latin typeface="Tahoma" charset="0"/>
+                <a:cs typeface="Arial" charset="0"/>
+              </a:defRPr>
+            </a:lvl6pPr>
+            <a:lvl7pPr marL="914400" eaLnBrk="0" fontAlgn="base" hangingPunct="0">
+              <a:spcBef>
+                <a:spcPct val="0"/>
+              </a:spcBef>
+              <a:spcAft>
+                <a:spcPct val="0"/>
+              </a:spcAft>
+              <a:defRPr sz="2400">
+                <a:solidFill>
+                  <a:schemeClr val="tx1"/>
+                </a:solidFill>
+                <a:latin typeface="Tahoma" charset="0"/>
+                <a:cs typeface="Arial" charset="0"/>
+              </a:defRPr>
+            </a:lvl7pPr>
+            <a:lvl8pPr marL="1371600" eaLnBrk="0" fontAlgn="base" hangingPunct="0">
+              <a:spcBef>
+                <a:spcPct val="0"/>
+              </a:spcBef>
+              <a:spcAft>
+                <a:spcPct val="0"/>
+              </a:spcAft>
+              <a:defRPr sz="2400">
+                <a:solidFill>
+                  <a:schemeClr val="tx1"/>
+                </a:solidFill>
+                <a:latin typeface="Tahoma" charset="0"/>
+                <a:cs typeface="Arial" charset="0"/>
+              </a:defRPr>
+            </a:lvl8pPr>
+            <a:lvl9pPr marL="1828800" eaLnBrk="0" fontAlgn="base" hangingPunct="0">
+              <a:spcBef>
+                <a:spcPct val="0"/>
+              </a:spcBef>
+              <a:spcAft>
+                <a:spcPct val="0"/>
+              </a:spcAft>
+              <a:defRPr sz="2400">
+                <a:solidFill>
+                  <a:schemeClr val="tx1"/>
+                </a:solidFill>
+                <a:latin typeface="Tahoma" charset="0"/>
+                <a:cs typeface="Arial" charset="0"/>
+              </a:defRPr>
+            </a:lvl9pPr>
+          </a:lstStyle>
+          <a:p>
+            <a:pPr algn="l">
+              <a:lnSpc>
+                <a:spcPts val="2500"/>
+              </a:lnSpc>
+              <a:buClr>
+                <a:srgbClr val="00A6D6"/>
+              </a:buClr>
+              <a:defRPr/>
+            </a:pPr>
+            <a:r>
+              <a:rPr lang="nl-NL" altLang="nl-NL" sz="2000" dirty="0" smtClean="0">
+                <a:solidFill>
+                  <a:srgbClr val="00A6D6"/>
+                </a:solidFill>
+                <a:latin typeface="Tahoma"/>
+                <a:ea typeface="ＭＳ Ｐゴシック" charset="-128"/>
+              </a:rPr>
               <a:t>Data omzetting, vb. datum</a:t>
             </a:r>
           </a:p>
@@ -8341,7 +8884,7 @@
 </p:sld>
 </file>
 
-<file path=ppt/slides/slide21.xml><?xml version="1.0" encoding="utf-8"?>
+<file path=ppt/slides/slide23.xml><?xml version="1.0" encoding="utf-8"?>
 <p:sld xmlns:a="http://schemas.openxmlformats.org/drawingml/2006/main" xmlns:r="http://schemas.openxmlformats.org/officeDocument/2006/relationships" xmlns:p="http://schemas.openxmlformats.org/presentationml/2006/main">
   <p:cSld>
     <p:spTree>
@@ -9448,7 +9991,7 @@
           </a:ln>
           <a:extLst>
             <a:ext uri="{C572A759-6A51-4108-AA02-DFA0A04FC94B}">
-              <ma14:wrappingTextBoxFlag xmlns="" xmlns:ma14="http://schemas.microsoft.com/office/mac/drawingml/2011/main" val="1"/>
+              <ma14:wrappingTextBoxFlag xmlns:ma14="http://schemas.microsoft.com/office/mac/drawingml/2011/main" xmlns="" val="1"/>
             </a:ext>
           </a:extLst>
         </p:spPr>
@@ -9500,7 +10043,312 @@
 </p:sld>
 </file>
 
+<file path=ppt/slides/slide24.xml><?xml version="1.0" encoding="utf-8"?>
+<p:sld xmlns:a="http://schemas.openxmlformats.org/drawingml/2006/main" xmlns:r="http://schemas.openxmlformats.org/officeDocument/2006/relationships" xmlns:p="http://schemas.openxmlformats.org/presentationml/2006/main">
+  <p:cSld>
+    <p:spTree>
+      <p:nvGrpSpPr>
+        <p:cNvPr id="1" name=""/>
+        <p:cNvGrpSpPr/>
+        <p:nvPr/>
+      </p:nvGrpSpPr>
+      <p:grpSpPr>
+        <a:xfrm>
+          <a:off x="0" y="0"/>
+          <a:ext cx="0" cy="0"/>
+          <a:chOff x="0" y="0"/>
+          <a:chExt cx="0" cy="0"/>
+        </a:xfrm>
+      </p:grpSpPr>
+      <p:sp>
+        <p:nvSpPr>
+          <p:cNvPr id="2" name="Titel 1"/>
+          <p:cNvSpPr>
+            <a:spLocks noGrp="1"/>
+          </p:cNvSpPr>
+          <p:nvPr>
+            <p:ph type="ctrTitle"/>
+          </p:nvPr>
+        </p:nvSpPr>
+        <p:spPr/>
+        <p:txBody>
+          <a:bodyPr/>
+          <a:lstStyle/>
+          <a:p>
+            <a:r>
+              <a:rPr lang="nl-NL" dirty="0" smtClean="0">
+                <a:solidFill>
+                  <a:srgbClr val="FF0000"/>
+                </a:solidFill>
+              </a:rPr>
+              <a:t>Resultaten &amp; testen</a:t>
+            </a:r>
+            <a:endParaRPr lang="nl-NL" dirty="0">
+              <a:solidFill>
+                <a:srgbClr val="FF0000"/>
+              </a:solidFill>
+            </a:endParaRPr>
+          </a:p>
+        </p:txBody>
+      </p:sp>
+      <p:sp>
+        <p:nvSpPr>
+          <p:cNvPr id="3" name="Ondertitel 2"/>
+          <p:cNvSpPr>
+            <a:spLocks noGrp="1"/>
+          </p:cNvSpPr>
+          <p:nvPr>
+            <p:ph type="subTitle" idx="1"/>
+          </p:nvPr>
+        </p:nvSpPr>
+        <p:spPr/>
+        <p:txBody>
+          <a:bodyPr/>
+          <a:lstStyle/>
+          <a:p>
+            <a:endParaRPr lang="nl-NL"/>
+          </a:p>
+        </p:txBody>
+      </p:sp>
+    </p:spTree>
+    <p:extLst>
+      <p:ext uri="{BB962C8B-B14F-4D97-AF65-F5344CB8AC3E}">
+        <p14:creationId xmlns:p14="http://schemas.microsoft.com/office/powerpoint/2010/main" val="1884874840"/>
+      </p:ext>
+    </p:extLst>
+  </p:cSld>
+  <p:clrMapOvr>
+    <a:masterClrMapping/>
+  </p:clrMapOvr>
+</p:sld>
+</file>
+
+<file path=ppt/slides/slide25.xml><?xml version="1.0" encoding="utf-8"?>
+<p:sld xmlns:a="http://schemas.openxmlformats.org/drawingml/2006/main" xmlns:r="http://schemas.openxmlformats.org/officeDocument/2006/relationships" xmlns:p="http://schemas.openxmlformats.org/presentationml/2006/main">
+  <p:cSld>
+    <p:spTree>
+      <p:nvGrpSpPr>
+        <p:cNvPr id="1" name=""/>
+        <p:cNvGrpSpPr/>
+        <p:nvPr/>
+      </p:nvGrpSpPr>
+      <p:grpSpPr>
+        <a:xfrm>
+          <a:off x="0" y="0"/>
+          <a:ext cx="0" cy="0"/>
+          <a:chOff x="0" y="0"/>
+          <a:chExt cx="0" cy="0"/>
+        </a:xfrm>
+      </p:grpSpPr>
+      <p:sp>
+        <p:nvSpPr>
+          <p:cNvPr id="2" name="Titel 1"/>
+          <p:cNvSpPr>
+            <a:spLocks noGrp="1"/>
+          </p:cNvSpPr>
+          <p:nvPr>
+            <p:ph type="ctrTitle"/>
+          </p:nvPr>
+        </p:nvSpPr>
+        <p:spPr/>
+        <p:txBody>
+          <a:bodyPr/>
+          <a:lstStyle/>
+          <a:p>
+            <a:r>
+              <a:rPr lang="nl-NL" dirty="0" smtClean="0">
+                <a:solidFill>
+                  <a:srgbClr val="FF0000"/>
+                </a:solidFill>
+              </a:rPr>
+              <a:t>Conclusie</a:t>
+            </a:r>
+            <a:endParaRPr lang="nl-NL" dirty="0">
+              <a:solidFill>
+                <a:srgbClr val="FF0000"/>
+              </a:solidFill>
+            </a:endParaRPr>
+          </a:p>
+        </p:txBody>
+      </p:sp>
+      <p:sp>
+        <p:nvSpPr>
+          <p:cNvPr id="3" name="Ondertitel 2"/>
+          <p:cNvSpPr>
+            <a:spLocks noGrp="1"/>
+          </p:cNvSpPr>
+          <p:nvPr>
+            <p:ph type="subTitle" idx="1"/>
+          </p:nvPr>
+        </p:nvSpPr>
+        <p:spPr/>
+        <p:txBody>
+          <a:bodyPr/>
+          <a:lstStyle/>
+          <a:p>
+            <a:endParaRPr lang="nl-NL"/>
+          </a:p>
+        </p:txBody>
+      </p:sp>
+    </p:spTree>
+    <p:extLst>
+      <p:ext uri="{BB962C8B-B14F-4D97-AF65-F5344CB8AC3E}">
+        <p14:creationId xmlns:p14="http://schemas.microsoft.com/office/powerpoint/2010/main" val="3870014339"/>
+      </p:ext>
+    </p:extLst>
+  </p:cSld>
+  <p:clrMapOvr>
+    <a:masterClrMapping/>
+  </p:clrMapOvr>
+</p:sld>
+</file>
+
 <file path=ppt/slides/slide3.xml><?xml version="1.0" encoding="utf-8"?>
+<p:sld xmlns:a="http://schemas.openxmlformats.org/drawingml/2006/main" xmlns:r="http://schemas.openxmlformats.org/officeDocument/2006/relationships" xmlns:p="http://schemas.openxmlformats.org/presentationml/2006/main">
+  <p:cSld>
+    <p:spTree>
+      <p:nvGrpSpPr>
+        <p:cNvPr id="1" name=""/>
+        <p:cNvGrpSpPr/>
+        <p:nvPr/>
+      </p:nvGrpSpPr>
+      <p:grpSpPr>
+        <a:xfrm>
+          <a:off x="0" y="0"/>
+          <a:ext cx="0" cy="0"/>
+          <a:chOff x="0" y="0"/>
+          <a:chExt cx="0" cy="0"/>
+        </a:xfrm>
+      </p:grpSpPr>
+      <p:sp>
+        <p:nvSpPr>
+          <p:cNvPr id="2" name="Titel 1"/>
+          <p:cNvSpPr>
+            <a:spLocks noGrp="1"/>
+          </p:cNvSpPr>
+          <p:nvPr>
+            <p:ph type="ctrTitle"/>
+          </p:nvPr>
+        </p:nvSpPr>
+        <p:spPr>
+          <a:xfrm>
+            <a:off x="685800" y="2130425"/>
+            <a:ext cx="7742208" cy="1470025"/>
+          </a:xfrm>
+        </p:spPr>
+        <p:txBody>
+          <a:bodyPr/>
+          <a:lstStyle/>
+          <a:p>
+            <a:r>
+              <a:rPr lang="nl-NL" dirty="0" smtClean="0">
+                <a:solidFill>
+                  <a:srgbClr val="FF0000"/>
+                </a:solidFill>
+              </a:rPr>
+              <a:t>Specificaties &amp; opdeling van het systeem in de 4 modules</a:t>
+            </a:r>
+            <a:endParaRPr lang="nl-NL" dirty="0">
+              <a:solidFill>
+                <a:srgbClr val="FF0000"/>
+              </a:solidFill>
+            </a:endParaRPr>
+          </a:p>
+        </p:txBody>
+      </p:sp>
+      <p:sp>
+        <p:nvSpPr>
+          <p:cNvPr id="3" name="Ondertitel 2"/>
+          <p:cNvSpPr>
+            <a:spLocks noGrp="1"/>
+          </p:cNvSpPr>
+          <p:nvPr>
+            <p:ph type="subTitle" idx="1"/>
+          </p:nvPr>
+        </p:nvSpPr>
+        <p:spPr/>
+        <p:txBody>
+          <a:bodyPr/>
+          <a:lstStyle/>
+          <a:p>
+            <a:endParaRPr lang="nl-NL"/>
+          </a:p>
+        </p:txBody>
+      </p:sp>
+    </p:spTree>
+    <p:extLst>
+      <p:ext uri="{BB962C8B-B14F-4D97-AF65-F5344CB8AC3E}">
+        <p14:creationId xmlns:p14="http://schemas.microsoft.com/office/powerpoint/2010/main" val="4024387490"/>
+      </p:ext>
+    </p:extLst>
+  </p:cSld>
+  <p:clrMapOvr>
+    <a:masterClrMapping/>
+  </p:clrMapOvr>
+</p:sld>
+</file>
+
+<file path=ppt/slides/slide4.xml><?xml version="1.0" encoding="utf-8"?>
+<p:sld xmlns:a="http://schemas.openxmlformats.org/drawingml/2006/main" xmlns:r="http://schemas.openxmlformats.org/officeDocument/2006/relationships" xmlns:p="http://schemas.openxmlformats.org/presentationml/2006/main">
+  <p:cSld>
+    <p:spTree>
+      <p:nvGrpSpPr>
+        <p:cNvPr id="1" name=""/>
+        <p:cNvGrpSpPr/>
+        <p:nvPr/>
+      </p:nvGrpSpPr>
+      <p:grpSpPr>
+        <a:xfrm>
+          <a:off x="0" y="0"/>
+          <a:ext cx="0" cy="0"/>
+          <a:chOff x="0" y="0"/>
+          <a:chExt cx="0" cy="0"/>
+        </a:xfrm>
+      </p:grpSpPr>
+      <p:sp>
+        <p:nvSpPr>
+          <p:cNvPr id="2" name="Titel 1"/>
+          <p:cNvSpPr>
+            <a:spLocks noGrp="1"/>
+          </p:cNvSpPr>
+          <p:nvPr>
+            <p:ph type="title"/>
+          </p:nvPr>
+        </p:nvSpPr>
+        <p:spPr/>
+        <p:txBody>
+          <a:bodyPr/>
+          <a:lstStyle/>
+          <a:p>
+            <a:r>
+              <a:rPr lang="nl-NL" dirty="0" smtClean="0"/>
+              <a:t>DCF77 module</a:t>
+            </a:r>
+            <a:endParaRPr lang="nl-NL" dirty="0"/>
+          </a:p>
+        </p:txBody>
+      </p:sp>
+    </p:spTree>
+    <p:extLst>
+      <p:ext uri="{BB962C8B-B14F-4D97-AF65-F5344CB8AC3E}">
+        <p14:creationId xmlns:p14="http://schemas.microsoft.com/office/powerpoint/2010/main" val="912281294"/>
+      </p:ext>
+    </p:extLst>
+  </p:cSld>
+  <p:clrMapOvr>
+    <a:masterClrMapping/>
+  </p:clrMapOvr>
+  <p:timing>
+    <p:tnLst>
+      <p:par>
+        <p:cTn id="1" dur="indefinite" restart="never" nodeType="tmRoot"/>
+      </p:par>
+    </p:tnLst>
+  </p:timing>
+</p:sld>
+</file>
+
+<file path=ppt/slides/slide5.xml><?xml version="1.0" encoding="utf-8"?>
 <p:sld xmlns:a="http://schemas.openxmlformats.org/drawingml/2006/main" xmlns:r="http://schemas.openxmlformats.org/officeDocument/2006/relationships" xmlns:p="http://schemas.openxmlformats.org/presentationml/2006/main">
   <p:cSld>
     <p:spTree>
@@ -9912,7 +10760,7 @@
 </p:sld>
 </file>
 
-<file path=ppt/slides/slide4.xml><?xml version="1.0" encoding="utf-8"?>
+<file path=ppt/slides/slide6.xml><?xml version="1.0" encoding="utf-8"?>
 <p:sld xmlns:a="http://schemas.openxmlformats.org/drawingml/2006/main" xmlns:r="http://schemas.openxmlformats.org/officeDocument/2006/relationships" xmlns:p="http://schemas.openxmlformats.org/presentationml/2006/main">
   <p:cSld>
     <p:spTree>
@@ -16122,356 +16970,6 @@
 </p:sld>
 </file>
 
-<file path=ppt/slides/slide5.xml><?xml version="1.0" encoding="utf-8"?>
-<p:sld xmlns:a="http://schemas.openxmlformats.org/drawingml/2006/main" xmlns:r="http://schemas.openxmlformats.org/officeDocument/2006/relationships" xmlns:p="http://schemas.openxmlformats.org/presentationml/2006/main">
-  <p:cSld>
-    <p:spTree>
-      <p:nvGrpSpPr>
-        <p:cNvPr id="1" name=""/>
-        <p:cNvGrpSpPr/>
-        <p:nvPr/>
-      </p:nvGrpSpPr>
-      <p:grpSpPr>
-        <a:xfrm>
-          <a:off x="0" y="0"/>
-          <a:ext cx="0" cy="0"/>
-          <a:chOff x="0" y="0"/>
-          <a:chExt cx="0" cy="0"/>
-        </a:xfrm>
-      </p:grpSpPr>
-      <p:sp>
-        <p:nvSpPr>
-          <p:cNvPr id="4098" name="Title 3"/>
-          <p:cNvSpPr>
-            <a:spLocks noGrp="1"/>
-          </p:cNvSpPr>
-          <p:nvPr>
-            <p:ph type="title"/>
-          </p:nvPr>
-        </p:nvSpPr>
-        <p:spPr>
-          <a:xfrm>
-            <a:off x="917575" y="457200"/>
-            <a:ext cx="7159625" cy="627063"/>
-          </a:xfrm>
-        </p:spPr>
-        <p:txBody>
-          <a:bodyPr/>
-          <a:lstStyle/>
-          <a:p>
-            <a:pPr>
-              <a:defRPr/>
-            </a:pPr>
-            <a:r>
-              <a:rPr lang="nl-NL" altLang="nl-NL" dirty="0" smtClean="0">
-                <a:latin typeface="+mn-lt"/>
-                <a:ea typeface="ＭＳ Ｐゴシック" pitchFamily="34" charset="-128"/>
-              </a:rPr>
-              <a:t>DCF77</a:t>
-            </a:r>
-          </a:p>
-        </p:txBody>
-      </p:sp>
-      <p:sp>
-        <p:nvSpPr>
-          <p:cNvPr id="6" name="Ondertitel 2"/>
-          <p:cNvSpPr txBox="1">
-            <a:spLocks/>
-          </p:cNvSpPr>
-          <p:nvPr/>
-        </p:nvSpPr>
-        <p:spPr bwMode="auto">
-          <a:xfrm>
-            <a:off x="914400" y="1041400"/>
-            <a:ext cx="6781800" cy="474663"/>
-          </a:xfrm>
-          <a:prstGeom prst="rect">
-            <a:avLst/>
-          </a:prstGeom>
-          <a:noFill/>
-          <a:ln w="9525">
-            <a:noFill/>
-            <a:miter lim="800000"/>
-            <a:headEnd/>
-            <a:tailEnd/>
-          </a:ln>
-        </p:spPr>
-        <p:txBody>
-          <a:bodyPr lIns="0" tIns="0" rIns="0" bIns="0"/>
-          <a:lstStyle>
-            <a:lvl1pPr eaLnBrk="0" hangingPunct="0">
-              <a:defRPr sz="2400">
-                <a:solidFill>
-                  <a:schemeClr val="tx1"/>
-                </a:solidFill>
-                <a:latin typeface="Tahoma" charset="0"/>
-                <a:cs typeface="Arial" charset="0"/>
-              </a:defRPr>
-            </a:lvl1pPr>
-            <a:lvl2pPr marL="37931725" indent="-37474525" eaLnBrk="0" hangingPunct="0">
-              <a:defRPr sz="2400">
-                <a:solidFill>
-                  <a:schemeClr val="tx1"/>
-                </a:solidFill>
-                <a:latin typeface="Tahoma" charset="0"/>
-                <a:cs typeface="Arial" charset="0"/>
-              </a:defRPr>
-            </a:lvl2pPr>
-            <a:lvl3pPr eaLnBrk="0" hangingPunct="0">
-              <a:defRPr sz="2400">
-                <a:solidFill>
-                  <a:schemeClr val="tx1"/>
-                </a:solidFill>
-                <a:latin typeface="Tahoma" charset="0"/>
-                <a:cs typeface="Arial" charset="0"/>
-              </a:defRPr>
-            </a:lvl3pPr>
-            <a:lvl4pPr eaLnBrk="0" hangingPunct="0">
-              <a:defRPr sz="2400">
-                <a:solidFill>
-                  <a:schemeClr val="tx1"/>
-                </a:solidFill>
-                <a:latin typeface="Tahoma" charset="0"/>
-                <a:cs typeface="Arial" charset="0"/>
-              </a:defRPr>
-            </a:lvl4pPr>
-            <a:lvl5pPr eaLnBrk="0" hangingPunct="0">
-              <a:defRPr sz="2400">
-                <a:solidFill>
-                  <a:schemeClr val="tx1"/>
-                </a:solidFill>
-                <a:latin typeface="Tahoma" charset="0"/>
-                <a:cs typeface="Arial" charset="0"/>
-              </a:defRPr>
-            </a:lvl5pPr>
-            <a:lvl6pPr marL="457200" eaLnBrk="0" fontAlgn="base" hangingPunct="0">
-              <a:spcBef>
-                <a:spcPct val="0"/>
-              </a:spcBef>
-              <a:spcAft>
-                <a:spcPct val="0"/>
-              </a:spcAft>
-              <a:defRPr sz="2400">
-                <a:solidFill>
-                  <a:schemeClr val="tx1"/>
-                </a:solidFill>
-                <a:latin typeface="Tahoma" charset="0"/>
-                <a:cs typeface="Arial" charset="0"/>
-              </a:defRPr>
-            </a:lvl6pPr>
-            <a:lvl7pPr marL="914400" eaLnBrk="0" fontAlgn="base" hangingPunct="0">
-              <a:spcBef>
-                <a:spcPct val="0"/>
-              </a:spcBef>
-              <a:spcAft>
-                <a:spcPct val="0"/>
-              </a:spcAft>
-              <a:defRPr sz="2400">
-                <a:solidFill>
-                  <a:schemeClr val="tx1"/>
-                </a:solidFill>
-                <a:latin typeface="Tahoma" charset="0"/>
-                <a:cs typeface="Arial" charset="0"/>
-              </a:defRPr>
-            </a:lvl7pPr>
-            <a:lvl8pPr marL="1371600" eaLnBrk="0" fontAlgn="base" hangingPunct="0">
-              <a:spcBef>
-                <a:spcPct val="0"/>
-              </a:spcBef>
-              <a:spcAft>
-                <a:spcPct val="0"/>
-              </a:spcAft>
-              <a:defRPr sz="2400">
-                <a:solidFill>
-                  <a:schemeClr val="tx1"/>
-                </a:solidFill>
-                <a:latin typeface="Tahoma" charset="0"/>
-                <a:cs typeface="Arial" charset="0"/>
-              </a:defRPr>
-            </a:lvl8pPr>
-            <a:lvl9pPr marL="1828800" eaLnBrk="0" fontAlgn="base" hangingPunct="0">
-              <a:spcBef>
-                <a:spcPct val="0"/>
-              </a:spcBef>
-              <a:spcAft>
-                <a:spcPct val="0"/>
-              </a:spcAft>
-              <a:defRPr sz="2400">
-                <a:solidFill>
-                  <a:schemeClr val="tx1"/>
-                </a:solidFill>
-                <a:latin typeface="Tahoma" charset="0"/>
-                <a:cs typeface="Arial" charset="0"/>
-              </a:defRPr>
-            </a:lvl9pPr>
-          </a:lstStyle>
-          <a:p>
-            <a:pPr algn="l">
-              <a:lnSpc>
-                <a:spcPts val="2500"/>
-              </a:lnSpc>
-              <a:buClr>
-                <a:srgbClr val="00A6D6"/>
-              </a:buClr>
-              <a:defRPr/>
-            </a:pPr>
-            <a:r>
-              <a:rPr lang="nl-NL" altLang="nl-NL" sz="2000" dirty="0" smtClean="0">
-                <a:solidFill>
-                  <a:srgbClr val="00A6D6"/>
-                </a:solidFill>
-                <a:latin typeface="+mn-lt"/>
-                <a:ea typeface="ＭＳ Ｐゴシック" charset="-128"/>
-              </a:rPr>
-              <a:t>Testen</a:t>
-            </a:r>
-          </a:p>
-        </p:txBody>
-      </p:sp>
-      <p:pic>
-        <p:nvPicPr>
-          <p:cNvPr id="4" name="Afbeelding 3"/>
-          <p:cNvPicPr>
-            <a:picLocks noChangeAspect="1"/>
-          </p:cNvPicPr>
-          <p:nvPr/>
-        </p:nvPicPr>
-        <p:blipFill>
-          <a:blip r:embed="rId2">
-            <a:extLst>
-              <a:ext uri="{28A0092B-C50C-407E-A947-70E740481C1C}">
-                <a14:useLocalDpi xmlns:a14="http://schemas.microsoft.com/office/drawing/2010/main" val="0"/>
-              </a:ext>
-            </a:extLst>
-          </a:blip>
-          <a:stretch>
-            <a:fillRect/>
-          </a:stretch>
-        </p:blipFill>
-        <p:spPr>
-          <a:xfrm>
-            <a:off x="990714" y="2488486"/>
-            <a:ext cx="7300593" cy="2088061"/>
-          </a:xfrm>
-          <a:prstGeom prst="rect">
-            <a:avLst/>
-          </a:prstGeom>
-        </p:spPr>
-      </p:pic>
-      <p:sp>
-        <p:nvSpPr>
-          <p:cNvPr id="2" name="Tekstvak 1"/>
-          <p:cNvSpPr txBox="1"/>
-          <p:nvPr/>
-        </p:nvSpPr>
-        <p:spPr>
-          <a:xfrm>
-            <a:off x="1001987" y="4576547"/>
-            <a:ext cx="7289320" cy="261610"/>
-          </a:xfrm>
-          <a:prstGeom prst="rect">
-            <a:avLst/>
-          </a:prstGeom>
-          <a:noFill/>
-        </p:spPr>
-        <p:txBody>
-          <a:bodyPr wrap="square" rtlCol="0">
-            <a:spAutoFit/>
-          </a:bodyPr>
-          <a:lstStyle/>
-          <a:p>
-            <a:r>
-              <a:rPr lang="nl-NL" sz="1050" i="1" dirty="0" smtClean="0"/>
-              <a:t>De in het DCF signaal van de testbench gecodeerde datum &amp; tijdstempel is in dit geval: maandag 08-12-2014, 11:48  </a:t>
-            </a:r>
-            <a:endParaRPr lang="nl-NL" sz="1050" i="1" dirty="0"/>
-          </a:p>
-        </p:txBody>
-      </p:sp>
-    </p:spTree>
-    <p:extLst>
-      <p:ext uri="{BB962C8B-B14F-4D97-AF65-F5344CB8AC3E}">
-        <p14:creationId xmlns:p14="http://schemas.microsoft.com/office/powerpoint/2010/main" val="488364077"/>
-      </p:ext>
-    </p:extLst>
-  </p:cSld>
-  <p:clrMapOvr>
-    <a:masterClrMapping/>
-  </p:clrMapOvr>
-  <p:timing>
-    <p:tnLst>
-      <p:par>
-        <p:cTn id="1" dur="indefinite" restart="never" nodeType="tmRoot"/>
-      </p:par>
-    </p:tnLst>
-  </p:timing>
-</p:sld>
-</file>
-
-<file path=ppt/slides/slide6.xml><?xml version="1.0" encoding="utf-8"?>
-<p:sld xmlns:a="http://schemas.openxmlformats.org/drawingml/2006/main" xmlns:r="http://schemas.openxmlformats.org/officeDocument/2006/relationships" xmlns:p="http://schemas.openxmlformats.org/presentationml/2006/main">
-  <p:cSld>
-    <p:spTree>
-      <p:nvGrpSpPr>
-        <p:cNvPr id="1" name=""/>
-        <p:cNvGrpSpPr/>
-        <p:nvPr/>
-      </p:nvGrpSpPr>
-      <p:grpSpPr>
-        <a:xfrm>
-          <a:off x="0" y="0"/>
-          <a:ext cx="0" cy="0"/>
-          <a:chOff x="0" y="0"/>
-          <a:chExt cx="0" cy="0"/>
-        </a:xfrm>
-      </p:grpSpPr>
-      <p:sp>
-        <p:nvSpPr>
-          <p:cNvPr id="2" name="Titel 1"/>
-          <p:cNvSpPr>
-            <a:spLocks noGrp="1"/>
-          </p:cNvSpPr>
-          <p:nvPr>
-            <p:ph type="title"/>
-          </p:nvPr>
-        </p:nvSpPr>
-        <p:spPr/>
-        <p:txBody>
-          <a:bodyPr/>
-          <a:lstStyle/>
-          <a:p>
-            <a:r>
-              <a:rPr lang="nl-NL" dirty="0" err="1" smtClean="0"/>
-              <a:t>Main</a:t>
-            </a:r>
-            <a:r>
-              <a:rPr lang="nl-NL" dirty="0" smtClean="0"/>
-              <a:t> controller</a:t>
-            </a:r>
-            <a:endParaRPr lang="nl-NL" dirty="0"/>
-          </a:p>
-        </p:txBody>
-      </p:sp>
-    </p:spTree>
-    <p:extLst>
-      <p:ext uri="{BB962C8B-B14F-4D97-AF65-F5344CB8AC3E}">
-        <p14:creationId xmlns:p14="http://schemas.microsoft.com/office/powerpoint/2010/main" val="1952424736"/>
-      </p:ext>
-    </p:extLst>
-  </p:cSld>
-  <p:clrMapOvr>
-    <a:masterClrMapping/>
-  </p:clrMapOvr>
-  <p:timing>
-    <p:tnLst>
-      <p:par>
-        <p:cTn id="1" dur="indefinite" restart="never" nodeType="tmRoot"/>
-      </p:par>
-    </p:tnLst>
-  </p:timing>
-</p:sld>
-</file>
-
 <file path=ppt/slides/slide7.xml><?xml version="1.0" encoding="utf-8"?>
 <p:sld xmlns:a="http://schemas.openxmlformats.org/drawingml/2006/main" xmlns:r="http://schemas.openxmlformats.org/officeDocument/2006/relationships" xmlns:p="http://schemas.openxmlformats.org/presentationml/2006/main">
   <p:cSld>
@@ -16513,23 +17011,12 @@
               <a:defRPr/>
             </a:pPr>
             <a:r>
-              <a:rPr lang="nl-NL" altLang="nl-NL" dirty="0" err="1" smtClean="0">
-                <a:latin typeface="+mn-lt"/>
-                <a:ea typeface="ＭＳ Ｐゴシック" pitchFamily="34" charset="-128"/>
-              </a:rPr>
-              <a:t>Main</a:t>
-            </a:r>
-            <a:r>
               <a:rPr lang="nl-NL" altLang="nl-NL" dirty="0" smtClean="0">
                 <a:latin typeface="+mn-lt"/>
                 <a:ea typeface="ＭＳ Ｐゴシック" pitchFamily="34" charset="-128"/>
               </a:rPr>
-              <a:t> controller</a:t>
-            </a:r>
-            <a:endParaRPr lang="nl-NL" altLang="nl-NL" dirty="0" smtClean="0">
-              <a:latin typeface="+mn-lt"/>
-              <a:ea typeface="ＭＳ Ｐゴシック" pitchFamily="34" charset="-128"/>
-            </a:endParaRPr>
+              <a:t>DCF77</a:t>
+            </a:r>
           </a:p>
         </p:txBody>
       </p:sp>
@@ -16684,27 +17171,18 @@
                 <a:latin typeface="+mn-lt"/>
                 <a:ea typeface="ＭＳ Ｐゴシック" charset="-128"/>
               </a:rPr>
-              <a:t>Blokdiagram</a:t>
-            </a:r>
-            <a:endParaRPr lang="nl-NL" altLang="nl-NL" sz="2000" dirty="0" smtClean="0">
-              <a:solidFill>
-                <a:srgbClr val="00A6D6"/>
-              </a:solidFill>
-              <a:latin typeface="+mn-lt"/>
-              <a:ea typeface="ＭＳ Ｐゴシック" charset="-128"/>
-            </a:endParaRPr>
+              <a:t>Testen</a:t>
+            </a:r>
           </a:p>
         </p:txBody>
       </p:sp>
       <p:pic>
         <p:nvPicPr>
-          <p:cNvPr id="97" name="Content Placeholder 1" descr="controller.png"/>
+          <p:cNvPr id="4" name="Afbeelding 3"/>
           <p:cNvPicPr>
-            <a:picLocks noGrp="1" noChangeAspect="1"/>
+            <a:picLocks noChangeAspect="1"/>
           </p:cNvPicPr>
-          <p:nvPr>
-            <p:ph idx="1"/>
-          </p:nvPr>
+          <p:nvPr/>
         </p:nvPicPr>
         <p:blipFill>
           <a:blip r:embed="rId2">
@@ -16714,22 +17192,54 @@
               </a:ext>
             </a:extLst>
           </a:blip>
-          <a:srcRect t="-43" b="41680"/>
           <a:stretch>
             <a:fillRect/>
           </a:stretch>
         </p:blipFill>
         <p:spPr>
           <a:xfrm>
-            <a:off x="1952625" y="1673225"/>
-            <a:ext cx="5320690" cy="4388402"/>
-          </a:xfrm>
+            <a:off x="990714" y="2488486"/>
+            <a:ext cx="7300593" cy="2088061"/>
+          </a:xfrm>
+          <a:prstGeom prst="rect">
+            <a:avLst/>
+          </a:prstGeom>
         </p:spPr>
       </p:pic>
+      <p:sp>
+        <p:nvSpPr>
+          <p:cNvPr id="2" name="Tekstvak 1"/>
+          <p:cNvSpPr txBox="1"/>
+          <p:nvPr/>
+        </p:nvSpPr>
+        <p:spPr>
+          <a:xfrm>
+            <a:off x="1001987" y="4576547"/>
+            <a:ext cx="7289320" cy="261610"/>
+          </a:xfrm>
+          <a:prstGeom prst="rect">
+            <a:avLst/>
+          </a:prstGeom>
+          <a:noFill/>
+        </p:spPr>
+        <p:txBody>
+          <a:bodyPr wrap="square" rtlCol="0">
+            <a:spAutoFit/>
+          </a:bodyPr>
+          <a:lstStyle/>
+          <a:p>
+            <a:r>
+              <a:rPr lang="nl-NL" sz="1050" i="1" dirty="0" smtClean="0"/>
+              <a:t>De in het DCF signaal van de testbench gecodeerde datum &amp; tijdstempel is in dit geval: maandag 08-12-2014, 11:48  </a:t>
+            </a:r>
+            <a:endParaRPr lang="nl-NL" sz="1050" i="1" dirty="0"/>
+          </a:p>
+        </p:txBody>
+      </p:sp>
     </p:spTree>
     <p:extLst>
       <p:ext uri="{BB962C8B-B14F-4D97-AF65-F5344CB8AC3E}">
-        <p14:creationId xmlns:p14="http://schemas.microsoft.com/office/powerpoint/2010/main" val="2942164064"/>
+        <p14:creationId xmlns:p14="http://schemas.microsoft.com/office/powerpoint/2010/main" val="488364077"/>
       </p:ext>
     </p:extLst>
   </p:cSld>
@@ -16765,7 +17275,7 @@
       </p:grpSpPr>
       <p:sp>
         <p:nvSpPr>
-          <p:cNvPr id="4098" name="Title 3"/>
+          <p:cNvPr id="2" name="Titel 1"/>
           <p:cNvSpPr>
             <a:spLocks noGrp="1"/>
           </p:cNvSpPr>
@@ -16773,254 +17283,27 @@
             <p:ph type="title"/>
           </p:nvPr>
         </p:nvSpPr>
-        <p:spPr>
-          <a:xfrm>
-            <a:off x="917575" y="457200"/>
-            <a:ext cx="7159625" cy="627063"/>
-          </a:xfrm>
-        </p:spPr>
-        <p:txBody>
-          <a:bodyPr/>
-          <a:lstStyle/>
-          <a:p>
-            <a:pPr>
-              <a:defRPr/>
-            </a:pPr>
-            <a:r>
-              <a:rPr lang="nl-NL" altLang="nl-NL" dirty="0" err="1" smtClean="0">
-                <a:latin typeface="+mn-lt"/>
-                <a:ea typeface="ＭＳ Ｐゴシック" pitchFamily="34" charset="-128"/>
-              </a:rPr>
-              <a:t>Main</a:t>
-            </a:r>
-            <a:r>
-              <a:rPr lang="nl-NL" altLang="nl-NL" dirty="0" smtClean="0">
-                <a:latin typeface="+mn-lt"/>
-                <a:ea typeface="ＭＳ Ｐゴシック" pitchFamily="34" charset="-128"/>
-              </a:rPr>
-              <a:t> controller</a:t>
-            </a:r>
-            <a:endParaRPr lang="nl-NL" altLang="nl-NL" dirty="0" smtClean="0">
-              <a:latin typeface="+mn-lt"/>
-              <a:ea typeface="ＭＳ Ｐゴシック" pitchFamily="34" charset="-128"/>
-            </a:endParaRPr>
-          </a:p>
-        </p:txBody>
-      </p:sp>
-      <p:sp>
-        <p:nvSpPr>
-          <p:cNvPr id="6" name="Ondertitel 2"/>
-          <p:cNvSpPr txBox="1">
-            <a:spLocks/>
-          </p:cNvSpPr>
-          <p:nvPr/>
-        </p:nvSpPr>
-        <p:spPr bwMode="auto">
-          <a:xfrm>
-            <a:off x="914400" y="1041400"/>
-            <a:ext cx="6781800" cy="474663"/>
-          </a:xfrm>
-          <a:prstGeom prst="rect">
-            <a:avLst/>
-          </a:prstGeom>
-          <a:noFill/>
-          <a:ln w="9525">
-            <a:noFill/>
-            <a:miter lim="800000"/>
-            <a:headEnd/>
-            <a:tailEnd/>
-          </a:ln>
-        </p:spPr>
-        <p:txBody>
-          <a:bodyPr lIns="0" tIns="0" rIns="0" bIns="0"/>
-          <a:lstStyle>
-            <a:lvl1pPr eaLnBrk="0" hangingPunct="0">
-              <a:defRPr sz="2400">
-                <a:solidFill>
-                  <a:schemeClr val="tx1"/>
-                </a:solidFill>
-                <a:latin typeface="Tahoma" charset="0"/>
-                <a:cs typeface="Arial" charset="0"/>
-              </a:defRPr>
-            </a:lvl1pPr>
-            <a:lvl2pPr marL="37931725" indent="-37474525" eaLnBrk="0" hangingPunct="0">
-              <a:defRPr sz="2400">
-                <a:solidFill>
-                  <a:schemeClr val="tx1"/>
-                </a:solidFill>
-                <a:latin typeface="Tahoma" charset="0"/>
-                <a:cs typeface="Arial" charset="0"/>
-              </a:defRPr>
-            </a:lvl2pPr>
-            <a:lvl3pPr eaLnBrk="0" hangingPunct="0">
-              <a:defRPr sz="2400">
-                <a:solidFill>
-                  <a:schemeClr val="tx1"/>
-                </a:solidFill>
-                <a:latin typeface="Tahoma" charset="0"/>
-                <a:cs typeface="Arial" charset="0"/>
-              </a:defRPr>
-            </a:lvl3pPr>
-            <a:lvl4pPr eaLnBrk="0" hangingPunct="0">
-              <a:defRPr sz="2400">
-                <a:solidFill>
-                  <a:schemeClr val="tx1"/>
-                </a:solidFill>
-                <a:latin typeface="Tahoma" charset="0"/>
-                <a:cs typeface="Arial" charset="0"/>
-              </a:defRPr>
-            </a:lvl4pPr>
-            <a:lvl5pPr eaLnBrk="0" hangingPunct="0">
-              <a:defRPr sz="2400">
-                <a:solidFill>
-                  <a:schemeClr val="tx1"/>
-                </a:solidFill>
-                <a:latin typeface="Tahoma" charset="0"/>
-                <a:cs typeface="Arial" charset="0"/>
-              </a:defRPr>
-            </a:lvl5pPr>
-            <a:lvl6pPr marL="457200" eaLnBrk="0" fontAlgn="base" hangingPunct="0">
-              <a:spcBef>
-                <a:spcPct val="0"/>
-              </a:spcBef>
-              <a:spcAft>
-                <a:spcPct val="0"/>
-              </a:spcAft>
-              <a:defRPr sz="2400">
-                <a:solidFill>
-                  <a:schemeClr val="tx1"/>
-                </a:solidFill>
-                <a:latin typeface="Tahoma" charset="0"/>
-                <a:cs typeface="Arial" charset="0"/>
-              </a:defRPr>
-            </a:lvl6pPr>
-            <a:lvl7pPr marL="914400" eaLnBrk="0" fontAlgn="base" hangingPunct="0">
-              <a:spcBef>
-                <a:spcPct val="0"/>
-              </a:spcBef>
-              <a:spcAft>
-                <a:spcPct val="0"/>
-              </a:spcAft>
-              <a:defRPr sz="2400">
-                <a:solidFill>
-                  <a:schemeClr val="tx1"/>
-                </a:solidFill>
-                <a:latin typeface="Tahoma" charset="0"/>
-                <a:cs typeface="Arial" charset="0"/>
-              </a:defRPr>
-            </a:lvl7pPr>
-            <a:lvl8pPr marL="1371600" eaLnBrk="0" fontAlgn="base" hangingPunct="0">
-              <a:spcBef>
-                <a:spcPct val="0"/>
-              </a:spcBef>
-              <a:spcAft>
-                <a:spcPct val="0"/>
-              </a:spcAft>
-              <a:defRPr sz="2400">
-                <a:solidFill>
-                  <a:schemeClr val="tx1"/>
-                </a:solidFill>
-                <a:latin typeface="Tahoma" charset="0"/>
-                <a:cs typeface="Arial" charset="0"/>
-              </a:defRPr>
-            </a:lvl8pPr>
-            <a:lvl9pPr marL="1828800" eaLnBrk="0" fontAlgn="base" hangingPunct="0">
-              <a:spcBef>
-                <a:spcPct val="0"/>
-              </a:spcBef>
-              <a:spcAft>
-                <a:spcPct val="0"/>
-              </a:spcAft>
-              <a:defRPr sz="2400">
-                <a:solidFill>
-                  <a:schemeClr val="tx1"/>
-                </a:solidFill>
-                <a:latin typeface="Tahoma" charset="0"/>
-                <a:cs typeface="Arial" charset="0"/>
-              </a:defRPr>
-            </a:lvl9pPr>
-          </a:lstStyle>
-          <a:p>
-            <a:pPr algn="l">
-              <a:lnSpc>
-                <a:spcPts val="2500"/>
-              </a:lnSpc>
-              <a:buClr>
-                <a:srgbClr val="00A6D6"/>
-              </a:buClr>
-              <a:defRPr/>
-            </a:pPr>
-            <a:r>
-              <a:rPr lang="nl-NL" altLang="nl-NL" sz="2000" dirty="0" smtClean="0">
-                <a:solidFill>
-                  <a:srgbClr val="00A6D6"/>
-                </a:solidFill>
-                <a:latin typeface="+mn-lt"/>
-                <a:ea typeface="ＭＳ Ｐゴシック" charset="-128"/>
-              </a:rPr>
-              <a:t>Buffer</a:t>
-            </a:r>
-            <a:endParaRPr lang="nl-NL" altLang="nl-NL" sz="2000" dirty="0" smtClean="0">
-              <a:solidFill>
-                <a:srgbClr val="00A6D6"/>
-              </a:solidFill>
-              <a:latin typeface="+mn-lt"/>
-              <a:ea typeface="ＭＳ Ｐゴシック" charset="-128"/>
-            </a:endParaRPr>
-          </a:p>
-        </p:txBody>
-      </p:sp>
-      <p:sp>
-        <p:nvSpPr>
-          <p:cNvPr id="8" name="Content Placeholder 4"/>
-          <p:cNvSpPr>
-            <a:spLocks noGrp="1"/>
-          </p:cNvSpPr>
-          <p:nvPr>
-            <p:ph idx="1"/>
-          </p:nvPr>
-        </p:nvSpPr>
         <p:spPr/>
         <p:txBody>
           <a:bodyPr/>
           <a:lstStyle/>
           <a:p>
             <a:r>
-              <a:rPr lang="nl-NL" altLang="nl-NL" dirty="0">
-                <a:ea typeface="Tahoma"/>
-                <a:cs typeface="Tahoma"/>
-              </a:rPr>
-              <a:t> Ingedrukt houden van knoppen</a:t>
-            </a:r>
-          </a:p>
-          <a:p>
-            <a:r>
-              <a:rPr lang="nl-NL" altLang="nl-NL" dirty="0">
-                <a:ea typeface="Tahoma"/>
-                <a:cs typeface="Tahoma"/>
-              </a:rPr>
-              <a:t> Meerdere knoppen tegelijk indrukken</a:t>
-            </a:r>
-          </a:p>
-          <a:p>
-            <a:r>
-              <a:rPr lang="nl-NL" altLang="nl-NL" dirty="0">
-                <a:solidFill>
-                  <a:srgbClr val="000000"/>
-                </a:solidFill>
-                <a:latin typeface="Tahoma"/>
-                <a:ea typeface="Tahoma"/>
-                <a:cs typeface="Tahoma"/>
-              </a:rPr>
-              <a:t> Rekening houden met imperfecties van input</a:t>
-            </a:r>
+              <a:rPr lang="nl-NL" dirty="0" err="1" smtClean="0"/>
+              <a:t>Main</a:t>
+            </a:r>
+            <a:r>
+              <a:rPr lang="nl-NL" dirty="0" smtClean="0"/>
+              <a:t> controller</a:t>
+            </a:r>
+            <a:endParaRPr lang="nl-NL" dirty="0"/>
           </a:p>
         </p:txBody>
       </p:sp>
     </p:spTree>
     <p:extLst>
       <p:ext uri="{BB962C8B-B14F-4D97-AF65-F5344CB8AC3E}">
-        <p14:creationId xmlns:p14="http://schemas.microsoft.com/office/powerpoint/2010/main" val="388637402"/>
+        <p14:creationId xmlns:p14="http://schemas.microsoft.com/office/powerpoint/2010/main" val="1952424736"/>
       </p:ext>
     </p:extLst>
   </p:cSld>
@@ -17091,10 +17374,6 @@
               </a:rPr>
               <a:t> controller</a:t>
             </a:r>
-            <a:endParaRPr lang="nl-NL" altLang="nl-NL" dirty="0" smtClean="0">
-              <a:latin typeface="+mn-lt"/>
-              <a:ea typeface="ＭＳ Ｐゴシック" pitchFamily="34" charset="-128"/>
-            </a:endParaRPr>
           </a:p>
         </p:txBody>
       </p:sp>
@@ -17249,76 +17528,45 @@
                 <a:latin typeface="+mn-lt"/>
                 <a:ea typeface="ＭＳ Ｐゴシック" charset="-128"/>
               </a:rPr>
-              <a:t>Geheugen</a:t>
-            </a:r>
-            <a:endParaRPr lang="nl-NL" altLang="nl-NL" sz="2000" dirty="0" smtClean="0">
-              <a:solidFill>
-                <a:srgbClr val="00A6D6"/>
-              </a:solidFill>
-              <a:latin typeface="+mn-lt"/>
-              <a:ea typeface="ＭＳ Ｐゴシック" charset="-128"/>
-            </a:endParaRPr>
+              <a:t>Blokdiagram</a:t>
+            </a:r>
           </a:p>
         </p:txBody>
       </p:sp>
-      <p:sp>
-        <p:nvSpPr>
-          <p:cNvPr id="8" name="Content Placeholder 4"/>
-          <p:cNvSpPr>
-            <a:spLocks noGrp="1"/>
-          </p:cNvSpPr>
+      <p:pic>
+        <p:nvPicPr>
+          <p:cNvPr id="97" name="Content Placeholder 1" descr="controller.png"/>
+          <p:cNvPicPr>
+            <a:picLocks noGrp="1" noChangeAspect="1"/>
+          </p:cNvPicPr>
           <p:nvPr>
             <p:ph idx="1"/>
           </p:nvPr>
-        </p:nvSpPr>
-        <p:spPr/>
-        <p:txBody>
-          <a:bodyPr/>
-          <a:lstStyle/>
-          <a:p>
-            <a:r>
-              <a:rPr lang="nl-NL" altLang="nl-NL" dirty="0" err="1">
-                <a:ea typeface="Tahoma"/>
-                <a:cs typeface="Tahoma"/>
-              </a:rPr>
-              <a:t>Enable</a:t>
-            </a:r>
-            <a:r>
-              <a:rPr lang="nl-NL" altLang="nl-NL" dirty="0">
-                <a:ea typeface="Tahoma"/>
-                <a:cs typeface="Tahoma"/>
-              </a:rPr>
-              <a:t> signaal</a:t>
-            </a:r>
-          </a:p>
-          <a:p>
-            <a:r>
-              <a:rPr lang="nl-NL" altLang="nl-NL" dirty="0">
-                <a:ea typeface="Tahoma"/>
-                <a:cs typeface="Tahoma"/>
-              </a:rPr>
-              <a:t>16 bits groot</a:t>
-            </a:r>
-          </a:p>
-          <a:p>
-            <a:r>
-              <a:rPr lang="nl-NL" altLang="nl-NL" dirty="0" smtClean="0">
-                <a:ea typeface="Tahoma"/>
-                <a:cs typeface="Tahoma"/>
-              </a:rPr>
-              <a:t>Uitgang</a:t>
-            </a:r>
-            <a:endParaRPr lang="nl-NL" altLang="nl-NL" dirty="0">
-              <a:ea typeface="Tahoma"/>
-              <a:cs typeface="Tahoma"/>
-            </a:endParaRPr>
-          </a:p>
-        </p:txBody>
-      </p:sp>
+        </p:nvPicPr>
+        <p:blipFill>
+          <a:blip r:embed="rId2">
+            <a:extLst>
+              <a:ext uri="{28A0092B-C50C-407E-A947-70E740481C1C}">
+                <a14:useLocalDpi xmlns:a14="http://schemas.microsoft.com/office/drawing/2010/main" val="0"/>
+              </a:ext>
+            </a:extLst>
+          </a:blip>
+          <a:srcRect t="-43" b="41680"/>
+          <a:stretch>
+            <a:fillRect/>
+          </a:stretch>
+        </p:blipFill>
+        <p:spPr>
+          <a:xfrm>
+            <a:off x="1952625" y="1673225"/>
+            <a:ext cx="5320690" cy="4388402"/>
+          </a:xfrm>
+        </p:spPr>
+      </p:pic>
     </p:spTree>
     <p:extLst>
       <p:ext uri="{BB962C8B-B14F-4D97-AF65-F5344CB8AC3E}">
-        <p14:creationId xmlns:p14="http://schemas.microsoft.com/office/powerpoint/2010/main" val="2557476164"/>
+        <p14:creationId xmlns:p14="http://schemas.microsoft.com/office/powerpoint/2010/main" val="2942164064"/>
       </p:ext>
     </p:extLst>
   </p:cSld>

--- a/Presentatie/Presentatie groep A1.pptx
+++ b/Presentatie/Presentatie groep A1.pptx
@@ -5,37 +5,39 @@
     <p:sldMasterId id="2147483649" r:id="rId1"/>
   </p:sldMasterIdLst>
   <p:notesMasterIdLst>
-    <p:notesMasterId r:id="rId27"/>
+    <p:notesMasterId r:id="rId29"/>
   </p:notesMasterIdLst>
   <p:handoutMasterIdLst>
-    <p:handoutMasterId r:id="rId28"/>
+    <p:handoutMasterId r:id="rId30"/>
   </p:handoutMasterIdLst>
   <p:sldIdLst>
     <p:sldId id="382" r:id="rId2"/>
-    <p:sldId id="407" r:id="rId3"/>
-    <p:sldId id="408" r:id="rId4"/>
-    <p:sldId id="383" r:id="rId5"/>
-    <p:sldId id="384" r:id="rId6"/>
-    <p:sldId id="385" r:id="rId7"/>
-    <p:sldId id="386" r:id="rId8"/>
-    <p:sldId id="392" r:id="rId9"/>
-    <p:sldId id="393" r:id="rId10"/>
-    <p:sldId id="394" r:id="rId11"/>
-    <p:sldId id="395" r:id="rId12"/>
-    <p:sldId id="396" r:id="rId13"/>
-    <p:sldId id="387" r:id="rId14"/>
-    <p:sldId id="403" r:id="rId15"/>
-    <p:sldId id="404" r:id="rId16"/>
-    <p:sldId id="405" r:id="rId17"/>
-    <p:sldId id="406" r:id="rId18"/>
-    <p:sldId id="397" r:id="rId19"/>
-    <p:sldId id="398" r:id="rId20"/>
-    <p:sldId id="399" r:id="rId21"/>
-    <p:sldId id="400" r:id="rId22"/>
-    <p:sldId id="401" r:id="rId23"/>
-    <p:sldId id="402" r:id="rId24"/>
-    <p:sldId id="409" r:id="rId25"/>
-    <p:sldId id="410" r:id="rId26"/>
+    <p:sldId id="412" r:id="rId3"/>
+    <p:sldId id="407" r:id="rId4"/>
+    <p:sldId id="408" r:id="rId5"/>
+    <p:sldId id="383" r:id="rId6"/>
+    <p:sldId id="384" r:id="rId7"/>
+    <p:sldId id="385" r:id="rId8"/>
+    <p:sldId id="386" r:id="rId9"/>
+    <p:sldId id="392" r:id="rId10"/>
+    <p:sldId id="393" r:id="rId11"/>
+    <p:sldId id="394" r:id="rId12"/>
+    <p:sldId id="395" r:id="rId13"/>
+    <p:sldId id="396" r:id="rId14"/>
+    <p:sldId id="387" r:id="rId15"/>
+    <p:sldId id="403" r:id="rId16"/>
+    <p:sldId id="404" r:id="rId17"/>
+    <p:sldId id="405" r:id="rId18"/>
+    <p:sldId id="406" r:id="rId19"/>
+    <p:sldId id="397" r:id="rId20"/>
+    <p:sldId id="398" r:id="rId21"/>
+    <p:sldId id="399" r:id="rId22"/>
+    <p:sldId id="400" r:id="rId23"/>
+    <p:sldId id="401" r:id="rId24"/>
+    <p:sldId id="402" r:id="rId25"/>
+    <p:sldId id="411" r:id="rId26"/>
+    <p:sldId id="409" r:id="rId27"/>
+    <p:sldId id="410" r:id="rId28"/>
   </p:sldIdLst>
   <p:sldSz cx="9144000" cy="6858000" type="screen4x3"/>
   <p:notesSz cx="6794500" cy="9931400"/>
@@ -5502,62 +5504,45 @@
                 <a:latin typeface="+mn-lt"/>
                 <a:ea typeface="ＭＳ Ｐゴシック" charset="-128"/>
               </a:rPr>
-              <a:t>Buffer</a:t>
+              <a:t>Blokdiagram</a:t>
             </a:r>
           </a:p>
         </p:txBody>
       </p:sp>
-      <p:sp>
-        <p:nvSpPr>
-          <p:cNvPr id="8" name="Content Placeholder 4"/>
-          <p:cNvSpPr>
-            <a:spLocks noGrp="1"/>
-          </p:cNvSpPr>
+      <p:pic>
+        <p:nvPicPr>
+          <p:cNvPr id="97" name="Content Placeholder 1" descr="controller.png"/>
+          <p:cNvPicPr>
+            <a:picLocks noGrp="1" noChangeAspect="1"/>
+          </p:cNvPicPr>
           <p:nvPr>
             <p:ph idx="1"/>
           </p:nvPr>
-        </p:nvSpPr>
-        <p:spPr/>
-        <p:txBody>
-          <a:bodyPr/>
-          <a:lstStyle/>
-          <a:p>
-            <a:r>
-              <a:rPr lang="nl-NL" altLang="nl-NL" dirty="0">
-                <a:ea typeface="Tahoma"/>
-                <a:cs typeface="Tahoma"/>
-              </a:rPr>
-              <a:t> Ingedrukt houden van knoppen</a:t>
-            </a:r>
-          </a:p>
-          <a:p>
-            <a:r>
-              <a:rPr lang="nl-NL" altLang="nl-NL" dirty="0">
-                <a:ea typeface="Tahoma"/>
-                <a:cs typeface="Tahoma"/>
-              </a:rPr>
-              <a:t> Meerdere knoppen tegelijk indrukken</a:t>
-            </a:r>
-          </a:p>
-          <a:p>
-            <a:r>
-              <a:rPr lang="nl-NL" altLang="nl-NL" dirty="0">
-                <a:solidFill>
-                  <a:srgbClr val="000000"/>
-                </a:solidFill>
-                <a:latin typeface="Tahoma"/>
-                <a:ea typeface="Tahoma"/>
-                <a:cs typeface="Tahoma"/>
-              </a:rPr>
-              <a:t> Rekening houden met imperfecties van input</a:t>
-            </a:r>
-          </a:p>
-        </p:txBody>
-      </p:sp>
+        </p:nvPicPr>
+        <p:blipFill>
+          <a:blip r:embed="rId2">
+            <a:extLst>
+              <a:ext uri="{28A0092B-C50C-407E-A947-70E740481C1C}">
+                <a14:useLocalDpi xmlns:a14="http://schemas.microsoft.com/office/drawing/2010/main" val="0"/>
+              </a:ext>
+            </a:extLst>
+          </a:blip>
+          <a:srcRect t="-43" b="41680"/>
+          <a:stretch>
+            <a:fillRect/>
+          </a:stretch>
+        </p:blipFill>
+        <p:spPr>
+          <a:xfrm>
+            <a:off x="1952625" y="1673225"/>
+            <a:ext cx="5320690" cy="4388402"/>
+          </a:xfrm>
+        </p:spPr>
+      </p:pic>
     </p:spTree>
     <p:extLst>
       <p:ext uri="{BB962C8B-B14F-4D97-AF65-F5344CB8AC3E}">
-        <p14:creationId xmlns:p14="http://schemas.microsoft.com/office/powerpoint/2010/main" val="388637402"/>
+        <p14:creationId xmlns:p14="http://schemas.microsoft.com/office/powerpoint/2010/main" val="2942164064"/>
       </p:ext>
     </p:extLst>
   </p:cSld>
@@ -5782,7 +5767,7 @@
                 <a:latin typeface="+mn-lt"/>
                 <a:ea typeface="ＭＳ Ｐゴシック" charset="-128"/>
               </a:rPr>
-              <a:t>Geheugen</a:t>
+              <a:t>Buffer</a:t>
             </a:r>
           </a:p>
         </p:txBody>
@@ -5803,18 +5788,11 @@
           <a:lstStyle/>
           <a:p>
             <a:r>
-              <a:rPr lang="nl-NL" altLang="nl-NL" dirty="0" err="1">
-                <a:ea typeface="Tahoma"/>
-                <a:cs typeface="Tahoma"/>
-              </a:rPr>
-              <a:t>Enable</a:t>
-            </a:r>
-            <a:r>
               <a:rPr lang="nl-NL" altLang="nl-NL" dirty="0">
                 <a:ea typeface="Tahoma"/>
                 <a:cs typeface="Tahoma"/>
               </a:rPr>
-              <a:t> signaal</a:t>
+              <a:t> Ingedrukt houden van knoppen</a:t>
             </a:r>
           </a:p>
           <a:p>
@@ -5823,28 +5801,28 @@
                 <a:ea typeface="Tahoma"/>
                 <a:cs typeface="Tahoma"/>
               </a:rPr>
-              <a:t>16 bits groot</a:t>
-            </a:r>
-          </a:p>
-          <a:p>
-            <a:r>
-              <a:rPr lang="nl-NL" altLang="nl-NL" dirty="0" smtClean="0">
+              <a:t> Meerdere knoppen tegelijk indrukken</a:t>
+            </a:r>
+          </a:p>
+          <a:p>
+            <a:r>
+              <a:rPr lang="nl-NL" altLang="nl-NL" dirty="0">
+                <a:solidFill>
+                  <a:srgbClr val="000000"/>
+                </a:solidFill>
+                <a:latin typeface="Tahoma"/>
                 <a:ea typeface="Tahoma"/>
                 <a:cs typeface="Tahoma"/>
               </a:rPr>
-              <a:t>Uitgang</a:t>
-            </a:r>
-            <a:endParaRPr lang="nl-NL" altLang="nl-NL" dirty="0">
-              <a:ea typeface="Tahoma"/>
-              <a:cs typeface="Tahoma"/>
-            </a:endParaRPr>
+              <a:t> Rekening houden met imperfecties van input</a:t>
+            </a:r>
           </a:p>
         </p:txBody>
       </p:sp>
     </p:spTree>
     <p:extLst>
       <p:ext uri="{BB962C8B-B14F-4D97-AF65-F5344CB8AC3E}">
-        <p14:creationId xmlns:p14="http://schemas.microsoft.com/office/powerpoint/2010/main" val="2557476164"/>
+        <p14:creationId xmlns:p14="http://schemas.microsoft.com/office/powerpoint/2010/main" val="388637402"/>
       </p:ext>
     </p:extLst>
   </p:cSld>
@@ -6069,7 +6047,7 @@
                 <a:latin typeface="+mn-lt"/>
                 <a:ea typeface="ＭＳ Ｐゴシック" charset="-128"/>
               </a:rPr>
-              <a:t>Menu</a:t>
+              <a:t>Geheugen</a:t>
             </a:r>
           </a:p>
         </p:txBody>
@@ -6090,11 +6068,27 @@
           <a:lstStyle/>
           <a:p>
             <a:r>
+              <a:rPr lang="nl-NL" altLang="nl-NL" dirty="0" err="1">
+                <a:ea typeface="Tahoma"/>
+                <a:cs typeface="Tahoma"/>
+              </a:rPr>
+              <a:t>Enable</a:t>
+            </a:r>
+            <a:r>
               <a:rPr lang="nl-NL" altLang="nl-NL" dirty="0">
                 <a:ea typeface="Tahoma"/>
                 <a:cs typeface="Tahoma"/>
               </a:rPr>
-              <a:t>Gebruiksvriendelijk</a:t>
+              <a:t> signaal</a:t>
+            </a:r>
+          </a:p>
+          <a:p>
+            <a:r>
+              <a:rPr lang="nl-NL" altLang="nl-NL" dirty="0">
+                <a:ea typeface="Tahoma"/>
+                <a:cs typeface="Tahoma"/>
+              </a:rPr>
+              <a:t>16 bits groot</a:t>
             </a:r>
           </a:p>
           <a:p>
@@ -6103,7 +6097,7 @@
                 <a:ea typeface="Tahoma"/>
                 <a:cs typeface="Tahoma"/>
               </a:rPr>
-              <a:t>FSM</a:t>
+              <a:t>Uitgang</a:t>
             </a:r>
             <a:endParaRPr lang="nl-NL" altLang="nl-NL" dirty="0">
               <a:ea typeface="Tahoma"/>
@@ -6112,41 +6106,10 @@
           </a:p>
         </p:txBody>
       </p:sp>
-      <p:pic>
-        <p:nvPicPr>
-          <p:cNvPr id="5" name="Afbeelding 4" descr="fsm.png"/>
-          <p:cNvPicPr>
-            <a:picLocks noChangeAspect="1"/>
-          </p:cNvPicPr>
-          <p:nvPr/>
-        </p:nvPicPr>
-        <p:blipFill>
-          <a:blip r:embed="rId2">
-            <a:extLst>
-              <a:ext uri="{28A0092B-C50C-407E-A947-70E740481C1C}">
-                <a14:useLocalDpi xmlns:a14="http://schemas.microsoft.com/office/drawing/2010/main" val="0"/>
-              </a:ext>
-            </a:extLst>
-          </a:blip>
-          <a:srcRect l="-10" r="12916"/>
-          <a:stretch>
-            <a:fillRect/>
-          </a:stretch>
-        </p:blipFill>
-        <p:spPr>
-          <a:xfrm>
-            <a:off x="3544508" y="1903216"/>
-            <a:ext cx="5157167" cy="3552825"/>
-          </a:xfrm>
-          <a:prstGeom prst="rect">
-            <a:avLst/>
-          </a:prstGeom>
-        </p:spPr>
-      </p:pic>
     </p:spTree>
     <p:extLst>
       <p:ext uri="{BB962C8B-B14F-4D97-AF65-F5344CB8AC3E}">
-        <p14:creationId xmlns:p14="http://schemas.microsoft.com/office/powerpoint/2010/main" val="3958517889"/>
+        <p14:creationId xmlns:p14="http://schemas.microsoft.com/office/powerpoint/2010/main" val="2557476164"/>
       </p:ext>
     </p:extLst>
   </p:cSld>
@@ -6182,7 +6145,7 @@
       </p:grpSpPr>
       <p:sp>
         <p:nvSpPr>
-          <p:cNvPr id="2" name="Titel 1"/>
+          <p:cNvPr id="4098" name="Title 3"/>
           <p:cNvSpPr>
             <a:spLocks noGrp="1"/>
           </p:cNvSpPr>
@@ -6190,23 +6153,265 @@
             <p:ph type="title"/>
           </p:nvPr>
         </p:nvSpPr>
+        <p:spPr>
+          <a:xfrm>
+            <a:off x="917575" y="457200"/>
+            <a:ext cx="7159625" cy="627063"/>
+          </a:xfrm>
+        </p:spPr>
+        <p:txBody>
+          <a:bodyPr/>
+          <a:lstStyle/>
+          <a:p>
+            <a:pPr>
+              <a:defRPr/>
+            </a:pPr>
+            <a:r>
+              <a:rPr lang="nl-NL" altLang="nl-NL" dirty="0" err="1" smtClean="0">
+                <a:latin typeface="+mn-lt"/>
+                <a:ea typeface="ＭＳ Ｐゴシック" pitchFamily="34" charset="-128"/>
+              </a:rPr>
+              <a:t>Main</a:t>
+            </a:r>
+            <a:r>
+              <a:rPr lang="nl-NL" altLang="nl-NL" dirty="0" smtClean="0">
+                <a:latin typeface="+mn-lt"/>
+                <a:ea typeface="ＭＳ Ｐゴシック" pitchFamily="34" charset="-128"/>
+              </a:rPr>
+              <a:t> controller</a:t>
+            </a:r>
+          </a:p>
+        </p:txBody>
+      </p:sp>
+      <p:sp>
+        <p:nvSpPr>
+          <p:cNvPr id="6" name="Ondertitel 2"/>
+          <p:cNvSpPr txBox="1">
+            <a:spLocks/>
+          </p:cNvSpPr>
+          <p:nvPr/>
+        </p:nvSpPr>
+        <p:spPr bwMode="auto">
+          <a:xfrm>
+            <a:off x="914400" y="1041400"/>
+            <a:ext cx="6781800" cy="474663"/>
+          </a:xfrm>
+          <a:prstGeom prst="rect">
+            <a:avLst/>
+          </a:prstGeom>
+          <a:noFill/>
+          <a:ln w="9525">
+            <a:noFill/>
+            <a:miter lim="800000"/>
+            <a:headEnd/>
+            <a:tailEnd/>
+          </a:ln>
+        </p:spPr>
+        <p:txBody>
+          <a:bodyPr lIns="0" tIns="0" rIns="0" bIns="0"/>
+          <a:lstStyle>
+            <a:lvl1pPr eaLnBrk="0" hangingPunct="0">
+              <a:defRPr sz="2400">
+                <a:solidFill>
+                  <a:schemeClr val="tx1"/>
+                </a:solidFill>
+                <a:latin typeface="Tahoma" charset="0"/>
+                <a:cs typeface="Arial" charset="0"/>
+              </a:defRPr>
+            </a:lvl1pPr>
+            <a:lvl2pPr marL="37931725" indent="-37474525" eaLnBrk="0" hangingPunct="0">
+              <a:defRPr sz="2400">
+                <a:solidFill>
+                  <a:schemeClr val="tx1"/>
+                </a:solidFill>
+                <a:latin typeface="Tahoma" charset="0"/>
+                <a:cs typeface="Arial" charset="0"/>
+              </a:defRPr>
+            </a:lvl2pPr>
+            <a:lvl3pPr eaLnBrk="0" hangingPunct="0">
+              <a:defRPr sz="2400">
+                <a:solidFill>
+                  <a:schemeClr val="tx1"/>
+                </a:solidFill>
+                <a:latin typeface="Tahoma" charset="0"/>
+                <a:cs typeface="Arial" charset="0"/>
+              </a:defRPr>
+            </a:lvl3pPr>
+            <a:lvl4pPr eaLnBrk="0" hangingPunct="0">
+              <a:defRPr sz="2400">
+                <a:solidFill>
+                  <a:schemeClr val="tx1"/>
+                </a:solidFill>
+                <a:latin typeface="Tahoma" charset="0"/>
+                <a:cs typeface="Arial" charset="0"/>
+              </a:defRPr>
+            </a:lvl4pPr>
+            <a:lvl5pPr eaLnBrk="0" hangingPunct="0">
+              <a:defRPr sz="2400">
+                <a:solidFill>
+                  <a:schemeClr val="tx1"/>
+                </a:solidFill>
+                <a:latin typeface="Tahoma" charset="0"/>
+                <a:cs typeface="Arial" charset="0"/>
+              </a:defRPr>
+            </a:lvl5pPr>
+            <a:lvl6pPr marL="457200" eaLnBrk="0" fontAlgn="base" hangingPunct="0">
+              <a:spcBef>
+                <a:spcPct val="0"/>
+              </a:spcBef>
+              <a:spcAft>
+                <a:spcPct val="0"/>
+              </a:spcAft>
+              <a:defRPr sz="2400">
+                <a:solidFill>
+                  <a:schemeClr val="tx1"/>
+                </a:solidFill>
+                <a:latin typeface="Tahoma" charset="0"/>
+                <a:cs typeface="Arial" charset="0"/>
+              </a:defRPr>
+            </a:lvl6pPr>
+            <a:lvl7pPr marL="914400" eaLnBrk="0" fontAlgn="base" hangingPunct="0">
+              <a:spcBef>
+                <a:spcPct val="0"/>
+              </a:spcBef>
+              <a:spcAft>
+                <a:spcPct val="0"/>
+              </a:spcAft>
+              <a:defRPr sz="2400">
+                <a:solidFill>
+                  <a:schemeClr val="tx1"/>
+                </a:solidFill>
+                <a:latin typeface="Tahoma" charset="0"/>
+                <a:cs typeface="Arial" charset="0"/>
+              </a:defRPr>
+            </a:lvl7pPr>
+            <a:lvl8pPr marL="1371600" eaLnBrk="0" fontAlgn="base" hangingPunct="0">
+              <a:spcBef>
+                <a:spcPct val="0"/>
+              </a:spcBef>
+              <a:spcAft>
+                <a:spcPct val="0"/>
+              </a:spcAft>
+              <a:defRPr sz="2400">
+                <a:solidFill>
+                  <a:schemeClr val="tx1"/>
+                </a:solidFill>
+                <a:latin typeface="Tahoma" charset="0"/>
+                <a:cs typeface="Arial" charset="0"/>
+              </a:defRPr>
+            </a:lvl8pPr>
+            <a:lvl9pPr marL="1828800" eaLnBrk="0" fontAlgn="base" hangingPunct="0">
+              <a:spcBef>
+                <a:spcPct val="0"/>
+              </a:spcBef>
+              <a:spcAft>
+                <a:spcPct val="0"/>
+              </a:spcAft>
+              <a:defRPr sz="2400">
+                <a:solidFill>
+                  <a:schemeClr val="tx1"/>
+                </a:solidFill>
+                <a:latin typeface="Tahoma" charset="0"/>
+                <a:cs typeface="Arial" charset="0"/>
+              </a:defRPr>
+            </a:lvl9pPr>
+          </a:lstStyle>
+          <a:p>
+            <a:pPr algn="l">
+              <a:lnSpc>
+                <a:spcPts val="2500"/>
+              </a:lnSpc>
+              <a:buClr>
+                <a:srgbClr val="00A6D6"/>
+              </a:buClr>
+              <a:defRPr/>
+            </a:pPr>
+            <a:r>
+              <a:rPr lang="nl-NL" altLang="nl-NL" sz="2000" dirty="0" smtClean="0">
+                <a:solidFill>
+                  <a:srgbClr val="00A6D6"/>
+                </a:solidFill>
+                <a:latin typeface="+mn-lt"/>
+                <a:ea typeface="ＭＳ Ｐゴシック" charset="-128"/>
+              </a:rPr>
+              <a:t>Menu</a:t>
+            </a:r>
+          </a:p>
+        </p:txBody>
+      </p:sp>
+      <p:sp>
+        <p:nvSpPr>
+          <p:cNvPr id="8" name="Content Placeholder 4"/>
+          <p:cNvSpPr>
+            <a:spLocks noGrp="1"/>
+          </p:cNvSpPr>
+          <p:nvPr>
+            <p:ph idx="1"/>
+          </p:nvPr>
+        </p:nvSpPr>
         <p:spPr/>
         <p:txBody>
           <a:bodyPr/>
           <a:lstStyle/>
           <a:p>
             <a:r>
-              <a:rPr lang="nl-NL" dirty="0" smtClean="0"/>
-              <a:t>Alarm module</a:t>
-            </a:r>
-            <a:endParaRPr lang="nl-NL" dirty="0"/>
+              <a:rPr lang="nl-NL" altLang="nl-NL" dirty="0">
+                <a:ea typeface="Tahoma"/>
+                <a:cs typeface="Tahoma"/>
+              </a:rPr>
+              <a:t>Gebruiksvriendelijk</a:t>
+            </a:r>
+          </a:p>
+          <a:p>
+            <a:r>
+              <a:rPr lang="nl-NL" altLang="nl-NL" dirty="0" smtClean="0">
+                <a:ea typeface="Tahoma"/>
+                <a:cs typeface="Tahoma"/>
+              </a:rPr>
+              <a:t>FSM</a:t>
+            </a:r>
+            <a:endParaRPr lang="nl-NL" altLang="nl-NL" dirty="0">
+              <a:ea typeface="Tahoma"/>
+              <a:cs typeface="Tahoma"/>
+            </a:endParaRPr>
           </a:p>
         </p:txBody>
       </p:sp>
+      <p:pic>
+        <p:nvPicPr>
+          <p:cNvPr id="5" name="Afbeelding 4" descr="fsm.png"/>
+          <p:cNvPicPr>
+            <a:picLocks noChangeAspect="1"/>
+          </p:cNvPicPr>
+          <p:nvPr/>
+        </p:nvPicPr>
+        <p:blipFill>
+          <a:blip r:embed="rId2">
+            <a:extLst>
+              <a:ext uri="{28A0092B-C50C-407E-A947-70E740481C1C}">
+                <a14:useLocalDpi xmlns:a14="http://schemas.microsoft.com/office/drawing/2010/main" val="0"/>
+              </a:ext>
+            </a:extLst>
+          </a:blip>
+          <a:srcRect l="-10" r="12916"/>
+          <a:stretch>
+            <a:fillRect/>
+          </a:stretch>
+        </p:blipFill>
+        <p:spPr>
+          <a:xfrm>
+            <a:off x="3544508" y="1903216"/>
+            <a:ext cx="5157167" cy="3552825"/>
+          </a:xfrm>
+          <a:prstGeom prst="rect">
+            <a:avLst/>
+          </a:prstGeom>
+        </p:spPr>
+      </p:pic>
     </p:spTree>
     <p:extLst>
       <p:ext uri="{BB962C8B-B14F-4D97-AF65-F5344CB8AC3E}">
-        <p14:creationId xmlns:p14="http://schemas.microsoft.com/office/powerpoint/2010/main" val="1580779184"/>
+        <p14:creationId xmlns:p14="http://schemas.microsoft.com/office/powerpoint/2010/main" val="3958517889"/>
       </p:ext>
     </p:extLst>
   </p:cSld>
@@ -6242,7 +6447,7 @@
       </p:grpSpPr>
       <p:sp>
         <p:nvSpPr>
-          <p:cNvPr id="4098" name="Title 3"/>
+          <p:cNvPr id="2" name="Titel 1"/>
           <p:cNvSpPr>
             <a:spLocks noGrp="1"/>
           </p:cNvSpPr>
@@ -6250,242 +6455,23 @@
             <p:ph type="title"/>
           </p:nvPr>
         </p:nvSpPr>
-        <p:spPr>
-          <a:xfrm>
-            <a:off x="917575" y="457200"/>
-            <a:ext cx="7159625" cy="627063"/>
-          </a:xfrm>
-        </p:spPr>
+        <p:spPr/>
         <p:txBody>
           <a:bodyPr/>
           <a:lstStyle/>
           <a:p>
-            <a:pPr>
-              <a:defRPr/>
-            </a:pPr>
-            <a:r>
-              <a:rPr lang="nl-NL" altLang="nl-NL" dirty="0" smtClean="0">
-                <a:latin typeface="+mn-lt"/>
-                <a:ea typeface="ＭＳ Ｐゴシック" pitchFamily="34" charset="-128"/>
-              </a:rPr>
-              <a:t>Alarm</a:t>
-            </a:r>
+            <a:r>
+              <a:rPr lang="nl-NL" dirty="0" smtClean="0"/>
+              <a:t>Alarm module</a:t>
+            </a:r>
+            <a:endParaRPr lang="nl-NL" dirty="0"/>
           </a:p>
         </p:txBody>
       </p:sp>
-      <p:sp>
-        <p:nvSpPr>
-          <p:cNvPr id="6" name="Ondertitel 2"/>
-          <p:cNvSpPr txBox="1">
-            <a:spLocks/>
-          </p:cNvSpPr>
-          <p:nvPr/>
-        </p:nvSpPr>
-        <p:spPr bwMode="auto">
-          <a:xfrm>
-            <a:off x="914400" y="1041400"/>
-            <a:ext cx="6781800" cy="474663"/>
-          </a:xfrm>
-          <a:prstGeom prst="rect">
-            <a:avLst/>
-          </a:prstGeom>
-          <a:noFill/>
-          <a:ln w="9525">
-            <a:noFill/>
-            <a:miter lim="800000"/>
-            <a:headEnd/>
-            <a:tailEnd/>
-          </a:ln>
-        </p:spPr>
-        <p:txBody>
-          <a:bodyPr lIns="0" tIns="0" rIns="0" bIns="0"/>
-          <a:lstStyle>
-            <a:lvl1pPr eaLnBrk="0" hangingPunct="0">
-              <a:defRPr sz="2400">
-                <a:solidFill>
-                  <a:schemeClr val="tx1"/>
-                </a:solidFill>
-                <a:latin typeface="Tahoma" charset="0"/>
-                <a:cs typeface="Arial" charset="0"/>
-              </a:defRPr>
-            </a:lvl1pPr>
-            <a:lvl2pPr marL="37931725" indent="-37474525" eaLnBrk="0" hangingPunct="0">
-              <a:defRPr sz="2400">
-                <a:solidFill>
-                  <a:schemeClr val="tx1"/>
-                </a:solidFill>
-                <a:latin typeface="Tahoma" charset="0"/>
-                <a:cs typeface="Arial" charset="0"/>
-              </a:defRPr>
-            </a:lvl2pPr>
-            <a:lvl3pPr eaLnBrk="0" hangingPunct="0">
-              <a:defRPr sz="2400">
-                <a:solidFill>
-                  <a:schemeClr val="tx1"/>
-                </a:solidFill>
-                <a:latin typeface="Tahoma" charset="0"/>
-                <a:cs typeface="Arial" charset="0"/>
-              </a:defRPr>
-            </a:lvl3pPr>
-            <a:lvl4pPr eaLnBrk="0" hangingPunct="0">
-              <a:defRPr sz="2400">
-                <a:solidFill>
-                  <a:schemeClr val="tx1"/>
-                </a:solidFill>
-                <a:latin typeface="Tahoma" charset="0"/>
-                <a:cs typeface="Arial" charset="0"/>
-              </a:defRPr>
-            </a:lvl4pPr>
-            <a:lvl5pPr eaLnBrk="0" hangingPunct="0">
-              <a:defRPr sz="2400">
-                <a:solidFill>
-                  <a:schemeClr val="tx1"/>
-                </a:solidFill>
-                <a:latin typeface="Tahoma" charset="0"/>
-                <a:cs typeface="Arial" charset="0"/>
-              </a:defRPr>
-            </a:lvl5pPr>
-            <a:lvl6pPr marL="457200" eaLnBrk="0" fontAlgn="base" hangingPunct="0">
-              <a:spcBef>
-                <a:spcPct val="0"/>
-              </a:spcBef>
-              <a:spcAft>
-                <a:spcPct val="0"/>
-              </a:spcAft>
-              <a:defRPr sz="2400">
-                <a:solidFill>
-                  <a:schemeClr val="tx1"/>
-                </a:solidFill>
-                <a:latin typeface="Tahoma" charset="0"/>
-                <a:cs typeface="Arial" charset="0"/>
-              </a:defRPr>
-            </a:lvl6pPr>
-            <a:lvl7pPr marL="914400" eaLnBrk="0" fontAlgn="base" hangingPunct="0">
-              <a:spcBef>
-                <a:spcPct val="0"/>
-              </a:spcBef>
-              <a:spcAft>
-                <a:spcPct val="0"/>
-              </a:spcAft>
-              <a:defRPr sz="2400">
-                <a:solidFill>
-                  <a:schemeClr val="tx1"/>
-                </a:solidFill>
-                <a:latin typeface="Tahoma" charset="0"/>
-                <a:cs typeface="Arial" charset="0"/>
-              </a:defRPr>
-            </a:lvl7pPr>
-            <a:lvl8pPr marL="1371600" eaLnBrk="0" fontAlgn="base" hangingPunct="0">
-              <a:spcBef>
-                <a:spcPct val="0"/>
-              </a:spcBef>
-              <a:spcAft>
-                <a:spcPct val="0"/>
-              </a:spcAft>
-              <a:defRPr sz="2400">
-                <a:solidFill>
-                  <a:schemeClr val="tx1"/>
-                </a:solidFill>
-                <a:latin typeface="Tahoma" charset="0"/>
-                <a:cs typeface="Arial" charset="0"/>
-              </a:defRPr>
-            </a:lvl8pPr>
-            <a:lvl9pPr marL="1828800" eaLnBrk="0" fontAlgn="base" hangingPunct="0">
-              <a:spcBef>
-                <a:spcPct val="0"/>
-              </a:spcBef>
-              <a:spcAft>
-                <a:spcPct val="0"/>
-              </a:spcAft>
-              <a:defRPr sz="2400">
-                <a:solidFill>
-                  <a:schemeClr val="tx1"/>
-                </a:solidFill>
-                <a:latin typeface="Tahoma" charset="0"/>
-                <a:cs typeface="Arial" charset="0"/>
-              </a:defRPr>
-            </a:lvl9pPr>
-          </a:lstStyle>
-          <a:p>
-            <a:pPr algn="l">
-              <a:lnSpc>
-                <a:spcPts val="2500"/>
-              </a:lnSpc>
-              <a:buClr>
-                <a:srgbClr val="00A6D6"/>
-              </a:buClr>
-              <a:defRPr/>
-            </a:pPr>
-            <a:r>
-              <a:rPr lang="nl-NL" altLang="nl-NL" sz="2000" dirty="0" smtClean="0">
-                <a:solidFill>
-                  <a:srgbClr val="00A6D6"/>
-                </a:solidFill>
-                <a:latin typeface="+mn-lt"/>
-                <a:ea typeface="ＭＳ Ｐゴシック" charset="-128"/>
-              </a:rPr>
-              <a:t>Blokdiagram</a:t>
-            </a:r>
-          </a:p>
-        </p:txBody>
-      </p:sp>
-      <p:pic>
-        <p:nvPicPr>
-          <p:cNvPr id="7" name="Tijdelijke aanduiding voor inhoud 5"/>
-          <p:cNvPicPr>
-            <a:picLocks noChangeAspect="1"/>
-          </p:cNvPicPr>
-          <p:nvPr/>
-        </p:nvPicPr>
-        <p:blipFill>
-          <a:blip r:embed="rId2">
-            <a:extLst>
-              <a:ext uri="{28A0092B-C50C-407E-A947-70E740481C1C}">
-                <a14:useLocalDpi xmlns:a14="http://schemas.microsoft.com/office/drawing/2010/main" val="0"/>
-              </a:ext>
-            </a:extLst>
-          </a:blip>
-          <a:stretch>
-            <a:fillRect/>
-          </a:stretch>
-        </p:blipFill>
-        <p:spPr bwMode="auto">
-          <a:xfrm>
-            <a:off x="153448" y="2238233"/>
-            <a:ext cx="8990552" cy="3745381"/>
-          </a:xfrm>
-          <a:prstGeom prst="rect">
-            <a:avLst/>
-          </a:prstGeom>
-          <a:noFill/>
-          <a:ln>
-            <a:noFill/>
-          </a:ln>
-          <a:extLst>
-            <a:ext uri="{909E8E84-426E-40DD-AFC4-6F175D3DCCD1}">
-              <a14:hiddenFill xmlns:a14="http://schemas.microsoft.com/office/drawing/2010/main">
-                <a:solidFill>
-                  <a:srgbClr val="FFFFFF"/>
-                </a:solidFill>
-              </a14:hiddenFill>
-            </a:ext>
-            <a:ext uri="{91240B29-F687-4F45-9708-019B960494DF}">
-              <a14:hiddenLine xmlns:a14="http://schemas.microsoft.com/office/drawing/2010/main" w="9525">
-                <a:solidFill>
-                  <a:srgbClr val="000000"/>
-                </a:solidFill>
-                <a:miter lim="800000"/>
-                <a:headEnd/>
-                <a:tailEnd/>
-              </a14:hiddenLine>
-            </a:ext>
-          </a:extLst>
-        </p:spPr>
-      </p:pic>
     </p:spTree>
     <p:extLst>
       <p:ext uri="{BB962C8B-B14F-4D97-AF65-F5344CB8AC3E}">
-        <p14:creationId xmlns:p14="http://schemas.microsoft.com/office/powerpoint/2010/main" val="2267202334"/>
+        <p14:creationId xmlns:p14="http://schemas.microsoft.com/office/powerpoint/2010/main" val="1580779184"/>
       </p:ext>
     </p:extLst>
   </p:cSld>
@@ -6703,40 +6689,18 @@
                 <a:latin typeface="+mn-lt"/>
                 <a:ea typeface="ＭＳ Ｐゴシック" charset="-128"/>
               </a:rPr>
-              <a:t>FSM ‘</a:t>
-            </a:r>
-            <a:r>
-              <a:rPr lang="nl-NL" altLang="nl-NL" sz="2000" dirty="0" err="1" smtClean="0">
-                <a:solidFill>
-                  <a:srgbClr val="00A6D6"/>
-                </a:solidFill>
-                <a:latin typeface="+mn-lt"/>
-                <a:ea typeface="ＭＳ Ｐゴシック" charset="-128"/>
-              </a:rPr>
-              <a:t>Compare</a:t>
-            </a:r>
-            <a:r>
-              <a:rPr lang="nl-NL" altLang="nl-NL" sz="2000" dirty="0" smtClean="0">
-                <a:solidFill>
-                  <a:srgbClr val="00A6D6"/>
-                </a:solidFill>
-                <a:latin typeface="+mn-lt"/>
-                <a:ea typeface="ＭＳ Ｐゴシック" charset="-128"/>
-              </a:rPr>
-              <a:t>’</a:t>
+              <a:t>Blokdiagram</a:t>
             </a:r>
           </a:p>
         </p:txBody>
       </p:sp>
       <p:pic>
         <p:nvPicPr>
-          <p:cNvPr id="5" name="Tijdelijke aanduiding voor inhoud 1"/>
+          <p:cNvPr id="7" name="Tijdelijke aanduiding voor inhoud 5"/>
           <p:cNvPicPr>
-            <a:picLocks noGrp="1" noChangeAspect="1"/>
+            <a:picLocks noChangeAspect="1"/>
           </p:cNvPicPr>
-          <p:nvPr>
-            <p:ph idx="1"/>
-          </p:nvPr>
+          <p:nvPr/>
         </p:nvPicPr>
         <p:blipFill>
           <a:blip r:embed="rId2">
@@ -6750,17 +6714,43 @@
             <a:fillRect/>
           </a:stretch>
         </p:blipFill>
-        <p:spPr>
+        <p:spPr bwMode="auto">
           <a:xfrm>
-            <a:off x="532263" y="1316251"/>
-            <a:ext cx="7789246" cy="4646400"/>
-          </a:xfrm>
+            <a:off x="153448" y="2238233"/>
+            <a:ext cx="8990552" cy="3745381"/>
+          </a:xfrm>
+          <a:prstGeom prst="rect">
+            <a:avLst/>
+          </a:prstGeom>
+          <a:noFill/>
+          <a:ln>
+            <a:noFill/>
+          </a:ln>
+          <a:extLst>
+            <a:ext uri="{909E8E84-426E-40DD-AFC4-6F175D3DCCD1}">
+              <a14:hiddenFill xmlns:a14="http://schemas.microsoft.com/office/drawing/2010/main">
+                <a:solidFill>
+                  <a:srgbClr val="FFFFFF"/>
+                </a:solidFill>
+              </a14:hiddenFill>
+            </a:ext>
+            <a:ext uri="{91240B29-F687-4F45-9708-019B960494DF}">
+              <a14:hiddenLine xmlns:a14="http://schemas.microsoft.com/office/drawing/2010/main" w="9525">
+                <a:solidFill>
+                  <a:srgbClr val="000000"/>
+                </a:solidFill>
+                <a:miter lim="800000"/>
+                <a:headEnd/>
+                <a:tailEnd/>
+              </a14:hiddenLine>
+            </a:ext>
+          </a:extLst>
         </p:spPr>
       </p:pic>
     </p:spTree>
     <p:extLst>
       <p:ext uri="{BB962C8B-B14F-4D97-AF65-F5344CB8AC3E}">
-        <p14:creationId xmlns:p14="http://schemas.microsoft.com/office/powerpoint/2010/main" val="1260428583"/>
+        <p14:creationId xmlns:p14="http://schemas.microsoft.com/office/powerpoint/2010/main" val="2267202334"/>
       </p:ext>
     </p:extLst>
   </p:cSld>
@@ -6978,6 +6968,281 @@
                 <a:latin typeface="+mn-lt"/>
                 <a:ea typeface="ＭＳ Ｐゴシック" charset="-128"/>
               </a:rPr>
+              <a:t>FSM ‘</a:t>
+            </a:r>
+            <a:r>
+              <a:rPr lang="nl-NL" altLang="nl-NL" sz="2000" dirty="0" err="1" smtClean="0">
+                <a:solidFill>
+                  <a:srgbClr val="00A6D6"/>
+                </a:solidFill>
+                <a:latin typeface="+mn-lt"/>
+                <a:ea typeface="ＭＳ Ｐゴシック" charset="-128"/>
+              </a:rPr>
+              <a:t>Compare</a:t>
+            </a:r>
+            <a:r>
+              <a:rPr lang="nl-NL" altLang="nl-NL" sz="2000" dirty="0" smtClean="0">
+                <a:solidFill>
+                  <a:srgbClr val="00A6D6"/>
+                </a:solidFill>
+                <a:latin typeface="+mn-lt"/>
+                <a:ea typeface="ＭＳ Ｐゴシック" charset="-128"/>
+              </a:rPr>
+              <a:t>’</a:t>
+            </a:r>
+          </a:p>
+        </p:txBody>
+      </p:sp>
+      <p:pic>
+        <p:nvPicPr>
+          <p:cNvPr id="5" name="Tijdelijke aanduiding voor inhoud 1"/>
+          <p:cNvPicPr>
+            <a:picLocks noGrp="1" noChangeAspect="1"/>
+          </p:cNvPicPr>
+          <p:nvPr>
+            <p:ph idx="1"/>
+          </p:nvPr>
+        </p:nvPicPr>
+        <p:blipFill>
+          <a:blip r:embed="rId2">
+            <a:extLst>
+              <a:ext uri="{28A0092B-C50C-407E-A947-70E740481C1C}">
+                <a14:useLocalDpi xmlns:a14="http://schemas.microsoft.com/office/drawing/2010/main" val="0"/>
+              </a:ext>
+            </a:extLst>
+          </a:blip>
+          <a:stretch>
+            <a:fillRect/>
+          </a:stretch>
+        </p:blipFill>
+        <p:spPr>
+          <a:xfrm>
+            <a:off x="532263" y="1316251"/>
+            <a:ext cx="7789246" cy="4646400"/>
+          </a:xfrm>
+        </p:spPr>
+      </p:pic>
+    </p:spTree>
+    <p:extLst>
+      <p:ext uri="{BB962C8B-B14F-4D97-AF65-F5344CB8AC3E}">
+        <p14:creationId xmlns:p14="http://schemas.microsoft.com/office/powerpoint/2010/main" val="1260428583"/>
+      </p:ext>
+    </p:extLst>
+  </p:cSld>
+  <p:clrMapOvr>
+    <a:masterClrMapping/>
+  </p:clrMapOvr>
+  <p:timing>
+    <p:tnLst>
+      <p:par>
+        <p:cTn id="1" dur="indefinite" restart="never" nodeType="tmRoot"/>
+      </p:par>
+    </p:tnLst>
+  </p:timing>
+</p:sld>
+</file>
+
+<file path=ppt/slides/slide17.xml><?xml version="1.0" encoding="utf-8"?>
+<p:sld xmlns:a="http://schemas.openxmlformats.org/drawingml/2006/main" xmlns:r="http://schemas.openxmlformats.org/officeDocument/2006/relationships" xmlns:p="http://schemas.openxmlformats.org/presentationml/2006/main">
+  <p:cSld>
+    <p:spTree>
+      <p:nvGrpSpPr>
+        <p:cNvPr id="1" name=""/>
+        <p:cNvGrpSpPr/>
+        <p:nvPr/>
+      </p:nvGrpSpPr>
+      <p:grpSpPr>
+        <a:xfrm>
+          <a:off x="0" y="0"/>
+          <a:ext cx="0" cy="0"/>
+          <a:chOff x="0" y="0"/>
+          <a:chExt cx="0" cy="0"/>
+        </a:xfrm>
+      </p:grpSpPr>
+      <p:sp>
+        <p:nvSpPr>
+          <p:cNvPr id="4098" name="Title 3"/>
+          <p:cNvSpPr>
+            <a:spLocks noGrp="1"/>
+          </p:cNvSpPr>
+          <p:nvPr>
+            <p:ph type="title"/>
+          </p:nvPr>
+        </p:nvSpPr>
+        <p:spPr>
+          <a:xfrm>
+            <a:off x="917575" y="457200"/>
+            <a:ext cx="7159625" cy="627063"/>
+          </a:xfrm>
+        </p:spPr>
+        <p:txBody>
+          <a:bodyPr/>
+          <a:lstStyle/>
+          <a:p>
+            <a:pPr>
+              <a:defRPr/>
+            </a:pPr>
+            <a:r>
+              <a:rPr lang="nl-NL" altLang="nl-NL" dirty="0" smtClean="0">
+                <a:latin typeface="+mn-lt"/>
+                <a:ea typeface="ＭＳ Ｐゴシック" pitchFamily="34" charset="-128"/>
+              </a:rPr>
+              <a:t>Alarm</a:t>
+            </a:r>
+          </a:p>
+        </p:txBody>
+      </p:sp>
+      <p:sp>
+        <p:nvSpPr>
+          <p:cNvPr id="6" name="Ondertitel 2"/>
+          <p:cNvSpPr txBox="1">
+            <a:spLocks/>
+          </p:cNvSpPr>
+          <p:nvPr/>
+        </p:nvSpPr>
+        <p:spPr bwMode="auto">
+          <a:xfrm>
+            <a:off x="914400" y="1041400"/>
+            <a:ext cx="6781800" cy="474663"/>
+          </a:xfrm>
+          <a:prstGeom prst="rect">
+            <a:avLst/>
+          </a:prstGeom>
+          <a:noFill/>
+          <a:ln w="9525">
+            <a:noFill/>
+            <a:miter lim="800000"/>
+            <a:headEnd/>
+            <a:tailEnd/>
+          </a:ln>
+        </p:spPr>
+        <p:txBody>
+          <a:bodyPr lIns="0" tIns="0" rIns="0" bIns="0"/>
+          <a:lstStyle>
+            <a:lvl1pPr eaLnBrk="0" hangingPunct="0">
+              <a:defRPr sz="2400">
+                <a:solidFill>
+                  <a:schemeClr val="tx1"/>
+                </a:solidFill>
+                <a:latin typeface="Tahoma" charset="0"/>
+                <a:cs typeface="Arial" charset="0"/>
+              </a:defRPr>
+            </a:lvl1pPr>
+            <a:lvl2pPr marL="37931725" indent="-37474525" eaLnBrk="0" hangingPunct="0">
+              <a:defRPr sz="2400">
+                <a:solidFill>
+                  <a:schemeClr val="tx1"/>
+                </a:solidFill>
+                <a:latin typeface="Tahoma" charset="0"/>
+                <a:cs typeface="Arial" charset="0"/>
+              </a:defRPr>
+            </a:lvl2pPr>
+            <a:lvl3pPr eaLnBrk="0" hangingPunct="0">
+              <a:defRPr sz="2400">
+                <a:solidFill>
+                  <a:schemeClr val="tx1"/>
+                </a:solidFill>
+                <a:latin typeface="Tahoma" charset="0"/>
+                <a:cs typeface="Arial" charset="0"/>
+              </a:defRPr>
+            </a:lvl3pPr>
+            <a:lvl4pPr eaLnBrk="0" hangingPunct="0">
+              <a:defRPr sz="2400">
+                <a:solidFill>
+                  <a:schemeClr val="tx1"/>
+                </a:solidFill>
+                <a:latin typeface="Tahoma" charset="0"/>
+                <a:cs typeface="Arial" charset="0"/>
+              </a:defRPr>
+            </a:lvl4pPr>
+            <a:lvl5pPr eaLnBrk="0" hangingPunct="0">
+              <a:defRPr sz="2400">
+                <a:solidFill>
+                  <a:schemeClr val="tx1"/>
+                </a:solidFill>
+                <a:latin typeface="Tahoma" charset="0"/>
+                <a:cs typeface="Arial" charset="0"/>
+              </a:defRPr>
+            </a:lvl5pPr>
+            <a:lvl6pPr marL="457200" eaLnBrk="0" fontAlgn="base" hangingPunct="0">
+              <a:spcBef>
+                <a:spcPct val="0"/>
+              </a:spcBef>
+              <a:spcAft>
+                <a:spcPct val="0"/>
+              </a:spcAft>
+              <a:defRPr sz="2400">
+                <a:solidFill>
+                  <a:schemeClr val="tx1"/>
+                </a:solidFill>
+                <a:latin typeface="Tahoma" charset="0"/>
+                <a:cs typeface="Arial" charset="0"/>
+              </a:defRPr>
+            </a:lvl6pPr>
+            <a:lvl7pPr marL="914400" eaLnBrk="0" fontAlgn="base" hangingPunct="0">
+              <a:spcBef>
+                <a:spcPct val="0"/>
+              </a:spcBef>
+              <a:spcAft>
+                <a:spcPct val="0"/>
+              </a:spcAft>
+              <a:defRPr sz="2400">
+                <a:solidFill>
+                  <a:schemeClr val="tx1"/>
+                </a:solidFill>
+                <a:latin typeface="Tahoma" charset="0"/>
+                <a:cs typeface="Arial" charset="0"/>
+              </a:defRPr>
+            </a:lvl7pPr>
+            <a:lvl8pPr marL="1371600" eaLnBrk="0" fontAlgn="base" hangingPunct="0">
+              <a:spcBef>
+                <a:spcPct val="0"/>
+              </a:spcBef>
+              <a:spcAft>
+                <a:spcPct val="0"/>
+              </a:spcAft>
+              <a:defRPr sz="2400">
+                <a:solidFill>
+                  <a:schemeClr val="tx1"/>
+                </a:solidFill>
+                <a:latin typeface="Tahoma" charset="0"/>
+                <a:cs typeface="Arial" charset="0"/>
+              </a:defRPr>
+            </a:lvl8pPr>
+            <a:lvl9pPr marL="1828800" eaLnBrk="0" fontAlgn="base" hangingPunct="0">
+              <a:spcBef>
+                <a:spcPct val="0"/>
+              </a:spcBef>
+              <a:spcAft>
+                <a:spcPct val="0"/>
+              </a:spcAft>
+              <a:defRPr sz="2400">
+                <a:solidFill>
+                  <a:schemeClr val="tx1"/>
+                </a:solidFill>
+                <a:latin typeface="Tahoma" charset="0"/>
+                <a:cs typeface="Arial" charset="0"/>
+              </a:defRPr>
+            </a:lvl9pPr>
+          </a:lstStyle>
+          <a:p>
+            <a:pPr algn="l">
+              <a:lnSpc>
+                <a:spcPts val="2500"/>
+              </a:lnSpc>
+              <a:buClr>
+                <a:srgbClr val="00A6D6"/>
+              </a:buClr>
+              <a:defRPr/>
+            </a:pPr>
+            <a:r>
+              <a:rPr lang="nl-NL" altLang="nl-NL" sz="2000" dirty="0" smtClean="0">
+                <a:solidFill>
+                  <a:srgbClr val="00A6D6"/>
+                </a:solidFill>
+                <a:latin typeface="+mn-lt"/>
+                <a:ea typeface="ＭＳ Ｐゴシック" charset="-128"/>
+              </a:rPr>
               <a:t>FSM ‘PWM’</a:t>
             </a:r>
           </a:p>
@@ -7075,7 +7340,7 @@
 </p:sld>
 </file>
 
-<file path=ppt/slides/slide17.xml><?xml version="1.0" encoding="utf-8"?>
+<file path=ppt/slides/slide18.xml><?xml version="1.0" encoding="utf-8"?>
 <p:sld xmlns:a="http://schemas.openxmlformats.org/drawingml/2006/main" xmlns:r="http://schemas.openxmlformats.org/officeDocument/2006/relationships" xmlns:p="http://schemas.openxmlformats.org/presentationml/2006/main">
   <p:cSld>
     <p:spTree>
@@ -7354,7 +7619,7 @@
 </p:sld>
 </file>
 
-<file path=ppt/slides/slide18.xml><?xml version="1.0" encoding="utf-8"?>
+<file path=ppt/slides/slide19.xml><?xml version="1.0" encoding="utf-8"?>
 <p:sld xmlns:a="http://schemas.openxmlformats.org/drawingml/2006/main" xmlns:r="http://schemas.openxmlformats.org/officeDocument/2006/relationships" xmlns:p="http://schemas.openxmlformats.org/presentationml/2006/main">
   <p:cSld>
     <p:spTree>
@@ -7398,442 +7663,6 @@
     <p:extLst>
       <p:ext uri="{BB962C8B-B14F-4D97-AF65-F5344CB8AC3E}">
         <p14:creationId xmlns:p14="http://schemas.microsoft.com/office/powerpoint/2010/main" val="3719282447"/>
-      </p:ext>
-    </p:extLst>
-  </p:cSld>
-  <p:clrMapOvr>
-    <a:masterClrMapping/>
-  </p:clrMapOvr>
-  <p:timing>
-    <p:tnLst>
-      <p:par>
-        <p:cTn id="1" dur="indefinite" restart="never" nodeType="tmRoot"/>
-      </p:par>
-    </p:tnLst>
-  </p:timing>
-</p:sld>
-</file>
-
-<file path=ppt/slides/slide19.xml><?xml version="1.0" encoding="utf-8"?>
-<p:sld xmlns:a="http://schemas.openxmlformats.org/drawingml/2006/main" xmlns:r="http://schemas.openxmlformats.org/officeDocument/2006/relationships" xmlns:p="http://schemas.openxmlformats.org/presentationml/2006/main">
-  <p:cSld>
-    <p:spTree>
-      <p:nvGrpSpPr>
-        <p:cNvPr id="1" name=""/>
-        <p:cNvGrpSpPr/>
-        <p:nvPr/>
-      </p:nvGrpSpPr>
-      <p:grpSpPr>
-        <a:xfrm>
-          <a:off x="0" y="0"/>
-          <a:ext cx="0" cy="0"/>
-          <a:chOff x="0" y="0"/>
-          <a:chExt cx="0" cy="0"/>
-        </a:xfrm>
-      </p:grpSpPr>
-      <p:sp>
-        <p:nvSpPr>
-          <p:cNvPr id="4098" name="Title 3"/>
-          <p:cNvSpPr>
-            <a:spLocks noGrp="1"/>
-          </p:cNvSpPr>
-          <p:nvPr>
-            <p:ph type="title"/>
-          </p:nvPr>
-        </p:nvSpPr>
-        <p:spPr>
-          <a:xfrm>
-            <a:off x="915193" y="502892"/>
-            <a:ext cx="7159625" cy="627063"/>
-          </a:xfrm>
-        </p:spPr>
-        <p:txBody>
-          <a:bodyPr/>
-          <a:lstStyle/>
-          <a:p>
-            <a:pPr>
-              <a:defRPr/>
-            </a:pPr>
-            <a:r>
-              <a:rPr lang="nl-NL" altLang="nl-NL" dirty="0" smtClean="0">
-                <a:latin typeface="+mn-lt"/>
-                <a:ea typeface="ＭＳ Ｐゴシック" pitchFamily="34" charset="-128"/>
-              </a:rPr>
-              <a:t>LCD</a:t>
-            </a:r>
-          </a:p>
-        </p:txBody>
-      </p:sp>
-      <p:sp>
-        <p:nvSpPr>
-          <p:cNvPr id="6" name="Ondertitel 2"/>
-          <p:cNvSpPr txBox="1">
-            <a:spLocks/>
-          </p:cNvSpPr>
-          <p:nvPr/>
-        </p:nvSpPr>
-        <p:spPr bwMode="auto">
-          <a:xfrm>
-            <a:off x="914400" y="1041400"/>
-            <a:ext cx="6781800" cy="474663"/>
-          </a:xfrm>
-          <a:prstGeom prst="rect">
-            <a:avLst/>
-          </a:prstGeom>
-          <a:noFill/>
-          <a:ln w="9525">
-            <a:noFill/>
-            <a:miter lim="800000"/>
-            <a:headEnd/>
-            <a:tailEnd/>
-          </a:ln>
-        </p:spPr>
-        <p:txBody>
-          <a:bodyPr lIns="0" tIns="0" rIns="0" bIns="0"/>
-          <a:lstStyle>
-            <a:lvl1pPr eaLnBrk="0" hangingPunct="0">
-              <a:defRPr sz="2400">
-                <a:solidFill>
-                  <a:schemeClr val="tx1"/>
-                </a:solidFill>
-                <a:latin typeface="Tahoma" charset="0"/>
-                <a:cs typeface="Arial" charset="0"/>
-              </a:defRPr>
-            </a:lvl1pPr>
-            <a:lvl2pPr marL="37931725" indent="-37474525" eaLnBrk="0" hangingPunct="0">
-              <a:defRPr sz="2400">
-                <a:solidFill>
-                  <a:schemeClr val="tx1"/>
-                </a:solidFill>
-                <a:latin typeface="Tahoma" charset="0"/>
-                <a:cs typeface="Arial" charset="0"/>
-              </a:defRPr>
-            </a:lvl2pPr>
-            <a:lvl3pPr eaLnBrk="0" hangingPunct="0">
-              <a:defRPr sz="2400">
-                <a:solidFill>
-                  <a:schemeClr val="tx1"/>
-                </a:solidFill>
-                <a:latin typeface="Tahoma" charset="0"/>
-                <a:cs typeface="Arial" charset="0"/>
-              </a:defRPr>
-            </a:lvl3pPr>
-            <a:lvl4pPr eaLnBrk="0" hangingPunct="0">
-              <a:defRPr sz="2400">
-                <a:solidFill>
-                  <a:schemeClr val="tx1"/>
-                </a:solidFill>
-                <a:latin typeface="Tahoma" charset="0"/>
-                <a:cs typeface="Arial" charset="0"/>
-              </a:defRPr>
-            </a:lvl4pPr>
-            <a:lvl5pPr eaLnBrk="0" hangingPunct="0">
-              <a:defRPr sz="2400">
-                <a:solidFill>
-                  <a:schemeClr val="tx1"/>
-                </a:solidFill>
-                <a:latin typeface="Tahoma" charset="0"/>
-                <a:cs typeface="Arial" charset="0"/>
-              </a:defRPr>
-            </a:lvl5pPr>
-            <a:lvl6pPr marL="457200" eaLnBrk="0" fontAlgn="base" hangingPunct="0">
-              <a:spcBef>
-                <a:spcPct val="0"/>
-              </a:spcBef>
-              <a:spcAft>
-                <a:spcPct val="0"/>
-              </a:spcAft>
-              <a:defRPr sz="2400">
-                <a:solidFill>
-                  <a:schemeClr val="tx1"/>
-                </a:solidFill>
-                <a:latin typeface="Tahoma" charset="0"/>
-                <a:cs typeface="Arial" charset="0"/>
-              </a:defRPr>
-            </a:lvl6pPr>
-            <a:lvl7pPr marL="914400" eaLnBrk="0" fontAlgn="base" hangingPunct="0">
-              <a:spcBef>
-                <a:spcPct val="0"/>
-              </a:spcBef>
-              <a:spcAft>
-                <a:spcPct val="0"/>
-              </a:spcAft>
-              <a:defRPr sz="2400">
-                <a:solidFill>
-                  <a:schemeClr val="tx1"/>
-                </a:solidFill>
-                <a:latin typeface="Tahoma" charset="0"/>
-                <a:cs typeface="Arial" charset="0"/>
-              </a:defRPr>
-            </a:lvl7pPr>
-            <a:lvl8pPr marL="1371600" eaLnBrk="0" fontAlgn="base" hangingPunct="0">
-              <a:spcBef>
-                <a:spcPct val="0"/>
-              </a:spcBef>
-              <a:spcAft>
-                <a:spcPct val="0"/>
-              </a:spcAft>
-              <a:defRPr sz="2400">
-                <a:solidFill>
-                  <a:schemeClr val="tx1"/>
-                </a:solidFill>
-                <a:latin typeface="Tahoma" charset="0"/>
-                <a:cs typeface="Arial" charset="0"/>
-              </a:defRPr>
-            </a:lvl8pPr>
-            <a:lvl9pPr marL="1828800" eaLnBrk="0" fontAlgn="base" hangingPunct="0">
-              <a:spcBef>
-                <a:spcPct val="0"/>
-              </a:spcBef>
-              <a:spcAft>
-                <a:spcPct val="0"/>
-              </a:spcAft>
-              <a:defRPr sz="2400">
-                <a:solidFill>
-                  <a:schemeClr val="tx1"/>
-                </a:solidFill>
-                <a:latin typeface="Tahoma" charset="0"/>
-                <a:cs typeface="Arial" charset="0"/>
-              </a:defRPr>
-            </a:lvl9pPr>
-          </a:lstStyle>
-          <a:p>
-            <a:pPr algn="l">
-              <a:lnSpc>
-                <a:spcPts val="2500"/>
-              </a:lnSpc>
-              <a:buClr>
-                <a:srgbClr val="00A6D6"/>
-              </a:buClr>
-              <a:defRPr/>
-            </a:pPr>
-            <a:r>
-              <a:rPr lang="nl-NL" altLang="nl-NL" sz="2000" dirty="0" smtClean="0">
-                <a:solidFill>
-                  <a:srgbClr val="00A6D6"/>
-                </a:solidFill>
-                <a:latin typeface="Tahoma"/>
-                <a:ea typeface="ＭＳ Ｐゴシック" charset="-128"/>
-              </a:rPr>
-              <a:t>Het totale systeem</a:t>
-            </a:r>
-          </a:p>
-        </p:txBody>
-      </p:sp>
-      <p:sp>
-        <p:nvSpPr>
-          <p:cNvPr id="4" name="Tijdelijke aanduiding voor inhoud 3"/>
-          <p:cNvSpPr>
-            <a:spLocks noGrp="1"/>
-          </p:cNvSpPr>
-          <p:nvPr>
-            <p:ph idx="1"/>
-          </p:nvPr>
-        </p:nvSpPr>
-        <p:spPr/>
-        <p:txBody>
-          <a:bodyPr/>
-          <a:lstStyle/>
-          <a:p>
-            <a:pPr lvl="0"/>
-            <a:r>
-              <a:rPr lang="nl-NL" dirty="0"/>
-              <a:t>LCD MIDAS typenummer </a:t>
-            </a:r>
-            <a:r>
-              <a:rPr lang="nl-NL" dirty="0" smtClean="0"/>
-              <a:t>MC128064B6W-BNMLW</a:t>
-            </a:r>
-          </a:p>
-          <a:p>
-            <a:pPr lvl="0"/>
-            <a:endParaRPr lang="nl-NL" dirty="0"/>
-          </a:p>
-          <a:p>
-            <a:pPr lvl="0"/>
-            <a:r>
-              <a:rPr lang="nl-NL" dirty="0"/>
-              <a:t>Chip geeft x-y positie met </a:t>
-            </a:r>
-            <a:r>
-              <a:rPr lang="nl-NL" dirty="0" smtClean="0"/>
-              <a:t>karakter</a:t>
-            </a:r>
-          </a:p>
-          <a:p>
-            <a:pPr lvl="0"/>
-            <a:endParaRPr lang="nl-NL" dirty="0"/>
-          </a:p>
-          <a:p>
-            <a:pPr lvl="0"/>
-            <a:r>
-              <a:rPr lang="nl-NL" dirty="0"/>
-              <a:t>Atmega32-16pu met karakter bibliotheek en schrijf </a:t>
-            </a:r>
-            <a:r>
-              <a:rPr lang="nl-NL" dirty="0" smtClean="0"/>
-              <a:t>routine</a:t>
-            </a:r>
-            <a:endParaRPr lang="nl-NL" dirty="0"/>
-          </a:p>
-        </p:txBody>
-      </p:sp>
-      <p:pic>
-        <p:nvPicPr>
-          <p:cNvPr id="8" name="voorbeeld_lcd.png"/>
-          <p:cNvPicPr/>
-          <p:nvPr/>
-        </p:nvPicPr>
-        <p:blipFill>
-          <a:blip r:embed="rId2">
-            <a:extLst/>
-          </a:blip>
-          <a:stretch>
-            <a:fillRect/>
-          </a:stretch>
-        </p:blipFill>
-        <p:spPr>
-          <a:xfrm>
-            <a:off x="5058289" y="4160983"/>
-            <a:ext cx="3059981" cy="1373199"/>
-          </a:xfrm>
-          <a:prstGeom prst="rect">
-            <a:avLst/>
-          </a:prstGeom>
-          <a:ln w="12700">
-            <a:miter lim="400000"/>
-          </a:ln>
-        </p:spPr>
-      </p:pic>
-      <p:pic>
-        <p:nvPicPr>
-          <p:cNvPr id="10" name="pasted-image.tif"/>
-          <p:cNvPicPr/>
-          <p:nvPr/>
-        </p:nvPicPr>
-        <p:blipFill>
-          <a:blip r:embed="rId3">
-            <a:extLst/>
-          </a:blip>
-          <a:srcRect l="31265" t="1357" r="31139" b="10740"/>
-          <a:stretch>
-            <a:fillRect/>
-          </a:stretch>
-        </p:blipFill>
-        <p:spPr>
-          <a:xfrm>
-            <a:off x="3586356" y="3990773"/>
-            <a:ext cx="673162" cy="1774865"/>
-          </a:xfrm>
-          <a:prstGeom prst="rect">
-            <a:avLst/>
-          </a:prstGeom>
-          <a:ln w="12700">
-            <a:miter lim="400000"/>
-          </a:ln>
-        </p:spPr>
-      </p:pic>
-      <p:pic>
-        <p:nvPicPr>
-          <p:cNvPr id="11" name="toplevel_entity.png"/>
-          <p:cNvPicPr/>
-          <p:nvPr/>
-        </p:nvPicPr>
-        <p:blipFill>
-          <a:blip r:embed="rId4">
-            <a:extLst/>
-          </a:blip>
-          <a:stretch>
-            <a:fillRect/>
-          </a:stretch>
-        </p:blipFill>
-        <p:spPr>
-          <a:xfrm>
-            <a:off x="468569" y="3929528"/>
-            <a:ext cx="2823273" cy="1836110"/>
-          </a:xfrm>
-          <a:prstGeom prst="rect">
-            <a:avLst/>
-          </a:prstGeom>
-          <a:ln w="12700">
-            <a:miter lim="400000"/>
-          </a:ln>
-        </p:spPr>
-      </p:pic>
-      <p:sp>
-        <p:nvSpPr>
-          <p:cNvPr id="12" name="Shape 41"/>
-          <p:cNvSpPr/>
-          <p:nvPr/>
-        </p:nvSpPr>
-        <p:spPr>
-          <a:xfrm>
-            <a:off x="2787586" y="4604708"/>
-            <a:ext cx="798770" cy="0"/>
-          </a:xfrm>
-          <a:prstGeom prst="line">
-            <a:avLst/>
-          </a:prstGeom>
-          <a:ln w="63500">
-            <a:solidFill/>
-            <a:miter lim="400000"/>
-            <a:tailEnd type="triangle"/>
-          </a:ln>
-        </p:spPr>
-        <p:txBody>
-          <a:bodyPr lIns="0" tIns="0" rIns="0" bIns="0" anchor="ctr"/>
-          <a:lstStyle/>
-          <a:p>
-            <a:pPr>
-              <a:defRPr sz="2400"/>
-            </a:pPr>
-            <a:endParaRPr>
-              <a:solidFill>
-                <a:srgbClr val="000000"/>
-              </a:solidFill>
-            </a:endParaRPr>
-          </a:p>
-        </p:txBody>
-      </p:sp>
-      <p:sp>
-        <p:nvSpPr>
-          <p:cNvPr id="13" name="Shape 42"/>
-          <p:cNvSpPr/>
-          <p:nvPr/>
-        </p:nvSpPr>
-        <p:spPr>
-          <a:xfrm>
-            <a:off x="4259518" y="4604708"/>
-            <a:ext cx="798771" cy="0"/>
-          </a:xfrm>
-          <a:prstGeom prst="line">
-            <a:avLst/>
-          </a:prstGeom>
-          <a:ln w="63500">
-            <a:solidFill/>
-            <a:miter lim="400000"/>
-            <a:tailEnd type="triangle"/>
-          </a:ln>
-        </p:spPr>
-        <p:txBody>
-          <a:bodyPr lIns="0" tIns="0" rIns="0" bIns="0" anchor="ctr"/>
-          <a:lstStyle/>
-          <a:p>
-            <a:pPr>
-              <a:defRPr sz="2400"/>
-            </a:pPr>
-            <a:endParaRPr>
-              <a:solidFill>
-                <a:srgbClr val="000000"/>
-              </a:solidFill>
-            </a:endParaRPr>
-          </a:p>
-        </p:txBody>
-      </p:sp>
-    </p:spTree>
-    <p:extLst>
-      <p:ext uri="{BB962C8B-B14F-4D97-AF65-F5344CB8AC3E}">
-        <p14:creationId xmlns:p14="http://schemas.microsoft.com/office/powerpoint/2010/main" val="1029360624"/>
       </p:ext>
     </p:extLst>
   </p:cSld>
@@ -7882,19 +7711,7 @@
           <a:bodyPr/>
           <a:lstStyle/>
           <a:p>
-            <a:r>
-              <a:rPr lang="nl-NL" dirty="0" smtClean="0">
-                <a:solidFill>
-                  <a:srgbClr val="FF0000"/>
-                </a:solidFill>
-              </a:rPr>
-              <a:t>Inleiding</a:t>
-            </a:r>
-            <a:endParaRPr lang="nl-NL" dirty="0">
-              <a:solidFill>
-                <a:srgbClr val="FF0000"/>
-              </a:solidFill>
-            </a:endParaRPr>
+            <a:endParaRPr lang="nl-NL"/>
           </a:p>
         </p:txBody>
       </p:sp>
@@ -7917,23 +7734,57 @@
           </a:p>
         </p:txBody>
       </p:sp>
+      <p:pic>
+        <p:nvPicPr>
+          <p:cNvPr id="1026" name="Picture 2" descr="http://ic.tweakimg.net/ext/i/1355911059.jpeg"/>
+          <p:cNvPicPr>
+            <a:picLocks noChangeAspect="1" noChangeArrowheads="1"/>
+          </p:cNvPicPr>
+          <p:nvPr/>
+        </p:nvPicPr>
+        <p:blipFill>
+          <a:blip r:embed="rId2" cstate="print">
+            <a:extLst>
+              <a:ext uri="{28A0092B-C50C-407E-A947-70E740481C1C}">
+                <a14:useLocalDpi xmlns:a14="http://schemas.microsoft.com/office/drawing/2010/main" val="0"/>
+              </a:ext>
+            </a:extLst>
+          </a:blip>
+          <a:srcRect/>
+          <a:stretch>
+            <a:fillRect/>
+          </a:stretch>
+        </p:blipFill>
+        <p:spPr bwMode="auto">
+          <a:xfrm>
+            <a:off x="3021284" y="1406187"/>
+            <a:ext cx="3101431" cy="4388525"/>
+          </a:xfrm>
+          <a:prstGeom prst="rect">
+            <a:avLst/>
+          </a:prstGeom>
+          <a:noFill/>
+          <a:extLst>
+            <a:ext uri="{909E8E84-426E-40DD-AFC4-6F175D3DCCD1}">
+              <a14:hiddenFill xmlns:a14="http://schemas.microsoft.com/office/drawing/2010/main">
+                <a:solidFill>
+                  <a:srgbClr val="FFFFFF"/>
+                </a:solidFill>
+              </a14:hiddenFill>
+            </a:ext>
+          </a:extLst>
+        </p:spPr>
+      </p:pic>
     </p:spTree>
     <p:extLst>
       <p:ext uri="{BB962C8B-B14F-4D97-AF65-F5344CB8AC3E}">
-        <p14:creationId xmlns:p14="http://schemas.microsoft.com/office/powerpoint/2010/main" val="4064259602"/>
+        <p14:creationId xmlns:p14="http://schemas.microsoft.com/office/powerpoint/2010/main" val="1098446493"/>
       </p:ext>
     </p:extLst>
   </p:cSld>
   <p:clrMapOvr>
     <a:masterClrMapping/>
   </p:clrMapOvr>
-  <p:timing>
-    <p:tnLst>
-      <p:par>
-        <p:cTn id="1" dur="indefinite" restart="never" nodeType="tmRoot"/>
-      </p:par>
-    </p:tnLst>
-  </p:timing>
 </p:sld>
 </file>
 
@@ -8138,14 +7989,72 @@
                 <a:latin typeface="Tahoma"/>
                 <a:ea typeface="ＭＳ Ｐゴシック" charset="-128"/>
               </a:rPr>
-              <a:t>Werking display</a:t>
-            </a:r>
+              <a:t>Het totale systeem</a:t>
+            </a:r>
+          </a:p>
+        </p:txBody>
+      </p:sp>
+      <p:sp>
+        <p:nvSpPr>
+          <p:cNvPr id="4" name="Tijdelijke aanduiding voor inhoud 3"/>
+          <p:cNvSpPr>
+            <a:spLocks noGrp="1"/>
+          </p:cNvSpPr>
+          <p:nvPr>
+            <p:ph idx="1"/>
+          </p:nvPr>
+        </p:nvSpPr>
+        <p:spPr/>
+        <p:txBody>
+          <a:bodyPr/>
+          <a:lstStyle/>
+          <a:p>
+            <a:pPr lvl="0"/>
+            <a:r>
+              <a:rPr lang="nl-NL" dirty="0"/>
+              <a:t>LCD MIDAS typenummer </a:t>
+            </a:r>
+            <a:r>
+              <a:rPr lang="nl-NL" dirty="0" smtClean="0"/>
+              <a:t>MC128064B6W-BNMLW</a:t>
+            </a:r>
+          </a:p>
+          <a:p>
+            <a:pPr lvl="0"/>
+            <a:endParaRPr lang="nl-NL" dirty="0"/>
+          </a:p>
+          <a:p>
+            <a:pPr lvl="0"/>
+            <a:r>
+              <a:rPr lang="nl-NL" dirty="0"/>
+              <a:t>Chip geeft x-y positie met </a:t>
+            </a:r>
+            <a:r>
+              <a:rPr lang="nl-NL" dirty="0" smtClean="0"/>
+              <a:t>karakter</a:t>
+            </a:r>
+          </a:p>
+          <a:p>
+            <a:pPr lvl="0"/>
+            <a:endParaRPr lang="nl-NL" dirty="0"/>
+          </a:p>
+          <a:p>
+            <a:pPr lvl="0"/>
+            <a:r>
+              <a:rPr lang="nl-NL" dirty="0"/>
+              <a:t>Atmega32-16pu met karakter bibliotheek en schrijf </a:t>
+            </a:r>
+            <a:r>
+              <a:rPr lang="nl-NL" dirty="0" smtClean="0"/>
+              <a:t>routine</a:t>
+            </a:r>
+            <a:endParaRPr lang="nl-NL" dirty="0"/>
           </a:p>
         </p:txBody>
       </p:sp>
       <p:pic>
         <p:nvPicPr>
-          <p:cNvPr id="14" name="voorbeeld_lcd.png"/>
+          <p:cNvPr id="8" name="voorbeeld_lcd.png"/>
           <p:cNvPicPr/>
           <p:nvPr/>
         </p:nvPicPr>
@@ -8159,8 +8068,8 @@
         </p:blipFill>
         <p:spPr>
           <a:xfrm>
-            <a:off x="2796156" y="4305606"/>
-            <a:ext cx="3147444" cy="1422333"/>
+            <a:off x="5058289" y="4160983"/>
+            <a:ext cx="3059981" cy="1373199"/>
           </a:xfrm>
           <a:prstGeom prst="rect">
             <a:avLst/>
@@ -8172,7 +8081,7 @@
       </p:pic>
       <p:pic>
         <p:nvPicPr>
-          <p:cNvPr id="15" name="pasted-image.png"/>
+          <p:cNvPr id="10" name="pasted-image.tif"/>
           <p:cNvPicPr/>
           <p:nvPr/>
         </p:nvPicPr>
@@ -8180,14 +8089,15 @@
           <a:blip r:embed="rId3">
             <a:extLst/>
           </a:blip>
+          <a:srcRect l="31265" t="1357" r="31139" b="10740"/>
           <a:stretch>
             <a:fillRect/>
           </a:stretch>
         </p:blipFill>
         <p:spPr>
           <a:xfrm>
-            <a:off x="5297313" y="2054571"/>
-            <a:ext cx="3583304" cy="2087816"/>
+            <a:off x="3586356" y="3990773"/>
+            <a:ext cx="673162" cy="1774865"/>
           </a:xfrm>
           <a:prstGeom prst="rect">
             <a:avLst/>
@@ -8199,7 +8109,7 @@
       </p:pic>
       <p:pic>
         <p:nvPicPr>
-          <p:cNvPr id="16" name="pasted-image.png"/>
+          <p:cNvPr id="11" name="toplevel_entity.png"/>
           <p:cNvPicPr/>
           <p:nvPr/>
         </p:nvPicPr>
@@ -8213,8 +8123,8 @@
         </p:blipFill>
         <p:spPr>
           <a:xfrm>
-            <a:off x="268958" y="2054571"/>
-            <a:ext cx="2010067" cy="1995570"/>
+            <a:off x="468569" y="3929528"/>
+            <a:ext cx="2823273" cy="1836110"/>
           </a:xfrm>
           <a:prstGeom prst="rect">
             <a:avLst/>
@@ -8224,118 +8134,80 @@
           </a:ln>
         </p:spPr>
       </p:pic>
-      <p:pic>
-        <p:nvPicPr>
-          <p:cNvPr id="17" name="pasted-image.png"/>
-          <p:cNvPicPr/>
+      <p:sp>
+        <p:nvSpPr>
+          <p:cNvPr id="12" name="Shape 41"/>
+          <p:cNvSpPr/>
           <p:nvPr/>
-        </p:nvPicPr>
-        <p:blipFill>
-          <a:blip r:embed="rId5">
-            <a:extLst/>
-          </a:blip>
-          <a:stretch>
-            <a:fillRect/>
-          </a:stretch>
-        </p:blipFill>
+        </p:nvSpPr>
         <p:spPr>
           <a:xfrm>
-            <a:off x="2224824" y="3077072"/>
-            <a:ext cx="3018288" cy="561385"/>
-          </a:xfrm>
-          <a:prstGeom prst="rect">
+            <a:off x="2787586" y="4604708"/>
+            <a:ext cx="798770" cy="0"/>
+          </a:xfrm>
+          <a:prstGeom prst="line">
             <a:avLst/>
           </a:prstGeom>
-          <a:ln w="12700">
+          <a:ln w="63500">
+            <a:solidFill/>
             <a:miter lim="400000"/>
+            <a:tailEnd type="triangle"/>
           </a:ln>
         </p:spPr>
-      </p:pic>
-      <p:pic>
-        <p:nvPicPr>
-          <p:cNvPr id="18" name="pasted-image.png"/>
-          <p:cNvPicPr/>
+        <p:txBody>
+          <a:bodyPr lIns="0" tIns="0" rIns="0" bIns="0" anchor="ctr"/>
+          <a:lstStyle/>
+          <a:p>
+            <a:pPr>
+              <a:defRPr sz="2400"/>
+            </a:pPr>
+            <a:endParaRPr>
+              <a:solidFill>
+                <a:srgbClr val="000000"/>
+              </a:solidFill>
+            </a:endParaRPr>
+          </a:p>
+        </p:txBody>
+      </p:sp>
+      <p:sp>
+        <p:nvSpPr>
+          <p:cNvPr id="13" name="Shape 42"/>
+          <p:cNvSpPr/>
           <p:nvPr/>
-        </p:nvPicPr>
-        <p:blipFill>
-          <a:blip r:embed="rId6">
-            <a:extLst/>
-          </a:blip>
-          <a:stretch>
-            <a:fillRect/>
-          </a:stretch>
-        </p:blipFill>
+        </p:nvSpPr>
         <p:spPr>
           <a:xfrm>
-            <a:off x="2279025" y="2591538"/>
-            <a:ext cx="2909886" cy="506941"/>
-          </a:xfrm>
-          <a:prstGeom prst="rect">
+            <a:off x="4259518" y="4604708"/>
+            <a:ext cx="798771" cy="0"/>
+          </a:xfrm>
+          <a:prstGeom prst="line">
             <a:avLst/>
           </a:prstGeom>
-          <a:ln w="12700">
+          <a:ln w="63500">
+            <a:solidFill/>
             <a:miter lim="400000"/>
+            <a:tailEnd type="triangle"/>
           </a:ln>
         </p:spPr>
-      </p:pic>
-      <p:pic>
-        <p:nvPicPr>
-          <p:cNvPr id="19" name="pasted-image.png"/>
-          <p:cNvPicPr/>
-          <p:nvPr/>
-        </p:nvPicPr>
-        <p:blipFill>
-          <a:blip r:embed="rId7">
-            <a:extLst/>
-          </a:blip>
-          <a:stretch>
-            <a:fillRect/>
-          </a:stretch>
-        </p:blipFill>
-        <p:spPr>
-          <a:xfrm>
-            <a:off x="2224824" y="3635446"/>
-            <a:ext cx="2907026" cy="506941"/>
-          </a:xfrm>
-          <a:prstGeom prst="rect">
-            <a:avLst/>
-          </a:prstGeom>
-          <a:ln w="12700">
-            <a:miter lim="400000"/>
-          </a:ln>
-        </p:spPr>
-      </p:pic>
-      <p:pic>
-        <p:nvPicPr>
-          <p:cNvPr id="20" name="pasted-image.png"/>
-          <p:cNvPicPr/>
-          <p:nvPr/>
-        </p:nvPicPr>
-        <p:blipFill>
-          <a:blip r:embed="rId8">
-            <a:extLst/>
-          </a:blip>
-          <a:stretch>
-            <a:fillRect/>
-          </a:stretch>
-        </p:blipFill>
-        <p:spPr>
-          <a:xfrm>
-            <a:off x="2317237" y="2095332"/>
-            <a:ext cx="3009410" cy="444773"/>
-          </a:xfrm>
-          <a:prstGeom prst="rect">
-            <a:avLst/>
-          </a:prstGeom>
-          <a:ln w="12700">
-            <a:miter lim="400000"/>
-          </a:ln>
-        </p:spPr>
-      </p:pic>
+        <p:txBody>
+          <a:bodyPr lIns="0" tIns="0" rIns="0" bIns="0" anchor="ctr"/>
+          <a:lstStyle/>
+          <a:p>
+            <a:pPr>
+              <a:defRPr sz="2400"/>
+            </a:pPr>
+            <a:endParaRPr>
+              <a:solidFill>
+                <a:srgbClr val="000000"/>
+              </a:solidFill>
+            </a:endParaRPr>
+          </a:p>
+        </p:txBody>
+      </p:sp>
     </p:spTree>
     <p:extLst>
       <p:ext uri="{BB962C8B-B14F-4D97-AF65-F5344CB8AC3E}">
-        <p14:creationId xmlns:p14="http://schemas.microsoft.com/office/powerpoint/2010/main" val="1364178138"/>
+        <p14:creationId xmlns:p14="http://schemas.microsoft.com/office/powerpoint/2010/main" val="1029360624"/>
       </p:ext>
     </p:extLst>
   </p:cSld>
@@ -8553,28 +8425,29 @@
                 <a:latin typeface="Tahoma"/>
                 <a:ea typeface="ＭＳ Ｐゴシック" charset="-128"/>
               </a:rPr>
-              <a:t>LCD controller chip</a:t>
+              <a:t>Werking display</a:t>
             </a:r>
           </a:p>
         </p:txBody>
       </p:sp>
       <p:pic>
         <p:nvPicPr>
-          <p:cNvPr id="14" name="pasted-image.png"/>
+          <p:cNvPr id="14" name="voorbeeld_lcd.png"/>
           <p:cNvPicPr/>
           <p:nvPr/>
         </p:nvPicPr>
-        <p:blipFill rotWithShape="1">
+        <p:blipFill>
           <a:blip r:embed="rId2">
             <a:extLst/>
           </a:blip>
-          <a:srcRect t="2545" b="2026"/>
-          <a:stretch/>
+          <a:stretch>
+            <a:fillRect/>
+          </a:stretch>
         </p:blipFill>
         <p:spPr>
           <a:xfrm>
-            <a:off x="1561381" y="1431985"/>
-            <a:ext cx="6513437" cy="4666890"/>
+            <a:off x="2796156" y="4305606"/>
+            <a:ext cx="3147444" cy="1422333"/>
           </a:xfrm>
           <a:prstGeom prst="rect">
             <a:avLst/>
@@ -8584,10 +8457,172 @@
           </a:ln>
         </p:spPr>
       </p:pic>
+      <p:pic>
+        <p:nvPicPr>
+          <p:cNvPr id="15" name="pasted-image.png"/>
+          <p:cNvPicPr/>
+          <p:nvPr/>
+        </p:nvPicPr>
+        <p:blipFill>
+          <a:blip r:embed="rId3">
+            <a:extLst/>
+          </a:blip>
+          <a:stretch>
+            <a:fillRect/>
+          </a:stretch>
+        </p:blipFill>
+        <p:spPr>
+          <a:xfrm>
+            <a:off x="5297313" y="2054571"/>
+            <a:ext cx="3583304" cy="2087816"/>
+          </a:xfrm>
+          <a:prstGeom prst="rect">
+            <a:avLst/>
+          </a:prstGeom>
+          <a:ln w="12700">
+            <a:miter lim="400000"/>
+          </a:ln>
+        </p:spPr>
+      </p:pic>
+      <p:pic>
+        <p:nvPicPr>
+          <p:cNvPr id="16" name="pasted-image.png"/>
+          <p:cNvPicPr/>
+          <p:nvPr/>
+        </p:nvPicPr>
+        <p:blipFill>
+          <a:blip r:embed="rId4">
+            <a:extLst/>
+          </a:blip>
+          <a:stretch>
+            <a:fillRect/>
+          </a:stretch>
+        </p:blipFill>
+        <p:spPr>
+          <a:xfrm>
+            <a:off x="268958" y="2054571"/>
+            <a:ext cx="2010067" cy="1995570"/>
+          </a:xfrm>
+          <a:prstGeom prst="rect">
+            <a:avLst/>
+          </a:prstGeom>
+          <a:ln w="12700">
+            <a:miter lim="400000"/>
+          </a:ln>
+        </p:spPr>
+      </p:pic>
+      <p:pic>
+        <p:nvPicPr>
+          <p:cNvPr id="17" name="pasted-image.png"/>
+          <p:cNvPicPr/>
+          <p:nvPr/>
+        </p:nvPicPr>
+        <p:blipFill>
+          <a:blip r:embed="rId5">
+            <a:extLst/>
+          </a:blip>
+          <a:stretch>
+            <a:fillRect/>
+          </a:stretch>
+        </p:blipFill>
+        <p:spPr>
+          <a:xfrm>
+            <a:off x="2224824" y="3077072"/>
+            <a:ext cx="3018288" cy="561385"/>
+          </a:xfrm>
+          <a:prstGeom prst="rect">
+            <a:avLst/>
+          </a:prstGeom>
+          <a:ln w="12700">
+            <a:miter lim="400000"/>
+          </a:ln>
+        </p:spPr>
+      </p:pic>
+      <p:pic>
+        <p:nvPicPr>
+          <p:cNvPr id="18" name="pasted-image.png"/>
+          <p:cNvPicPr/>
+          <p:nvPr/>
+        </p:nvPicPr>
+        <p:blipFill>
+          <a:blip r:embed="rId6">
+            <a:extLst/>
+          </a:blip>
+          <a:stretch>
+            <a:fillRect/>
+          </a:stretch>
+        </p:blipFill>
+        <p:spPr>
+          <a:xfrm>
+            <a:off x="2279025" y="2591538"/>
+            <a:ext cx="2909886" cy="506941"/>
+          </a:xfrm>
+          <a:prstGeom prst="rect">
+            <a:avLst/>
+          </a:prstGeom>
+          <a:ln w="12700">
+            <a:miter lim="400000"/>
+          </a:ln>
+        </p:spPr>
+      </p:pic>
+      <p:pic>
+        <p:nvPicPr>
+          <p:cNvPr id="19" name="pasted-image.png"/>
+          <p:cNvPicPr/>
+          <p:nvPr/>
+        </p:nvPicPr>
+        <p:blipFill>
+          <a:blip r:embed="rId7">
+            <a:extLst/>
+          </a:blip>
+          <a:stretch>
+            <a:fillRect/>
+          </a:stretch>
+        </p:blipFill>
+        <p:spPr>
+          <a:xfrm>
+            <a:off x="2224824" y="3635446"/>
+            <a:ext cx="2907026" cy="506941"/>
+          </a:xfrm>
+          <a:prstGeom prst="rect">
+            <a:avLst/>
+          </a:prstGeom>
+          <a:ln w="12700">
+            <a:miter lim="400000"/>
+          </a:ln>
+        </p:spPr>
+      </p:pic>
+      <p:pic>
+        <p:nvPicPr>
+          <p:cNvPr id="20" name="pasted-image.png"/>
+          <p:cNvPicPr/>
+          <p:nvPr/>
+        </p:nvPicPr>
+        <p:blipFill>
+          <a:blip r:embed="rId8">
+            <a:extLst/>
+          </a:blip>
+          <a:stretch>
+            <a:fillRect/>
+          </a:stretch>
+        </p:blipFill>
+        <p:spPr>
+          <a:xfrm>
+            <a:off x="2317237" y="2095332"/>
+            <a:ext cx="3009410" cy="444773"/>
+          </a:xfrm>
+          <a:prstGeom prst="rect">
+            <a:avLst/>
+          </a:prstGeom>
+          <a:ln w="12700">
+            <a:miter lim="400000"/>
+          </a:ln>
+        </p:spPr>
+      </p:pic>
     </p:spTree>
     <p:extLst>
       <p:ext uri="{BB962C8B-B14F-4D97-AF65-F5344CB8AC3E}">
-        <p14:creationId xmlns:p14="http://schemas.microsoft.com/office/powerpoint/2010/main" val="2724193976"/>
+        <p14:creationId xmlns:p14="http://schemas.microsoft.com/office/powerpoint/2010/main" val="1364178138"/>
       </p:ext>
     </p:extLst>
   </p:cSld>
@@ -8805,6 +8840,258 @@
                 <a:latin typeface="Tahoma"/>
                 <a:ea typeface="ＭＳ Ｐゴシック" charset="-128"/>
               </a:rPr>
+              <a:t>LCD controller chip</a:t>
+            </a:r>
+          </a:p>
+        </p:txBody>
+      </p:sp>
+      <p:pic>
+        <p:nvPicPr>
+          <p:cNvPr id="14" name="pasted-image.png"/>
+          <p:cNvPicPr/>
+          <p:nvPr/>
+        </p:nvPicPr>
+        <p:blipFill rotWithShape="1">
+          <a:blip r:embed="rId2">
+            <a:extLst/>
+          </a:blip>
+          <a:srcRect t="2545" b="2026"/>
+          <a:stretch/>
+        </p:blipFill>
+        <p:spPr>
+          <a:xfrm>
+            <a:off x="1561381" y="1431985"/>
+            <a:ext cx="6513437" cy="4666890"/>
+          </a:xfrm>
+          <a:prstGeom prst="rect">
+            <a:avLst/>
+          </a:prstGeom>
+          <a:ln w="12700">
+            <a:miter lim="400000"/>
+          </a:ln>
+        </p:spPr>
+      </p:pic>
+    </p:spTree>
+    <p:extLst>
+      <p:ext uri="{BB962C8B-B14F-4D97-AF65-F5344CB8AC3E}">
+        <p14:creationId xmlns:p14="http://schemas.microsoft.com/office/powerpoint/2010/main" val="2724193976"/>
+      </p:ext>
+    </p:extLst>
+  </p:cSld>
+  <p:clrMapOvr>
+    <a:masterClrMapping/>
+  </p:clrMapOvr>
+  <p:timing>
+    <p:tnLst>
+      <p:par>
+        <p:cTn id="1" dur="indefinite" restart="never" nodeType="tmRoot"/>
+      </p:par>
+    </p:tnLst>
+  </p:timing>
+</p:sld>
+</file>
+
+<file path=ppt/slides/slide23.xml><?xml version="1.0" encoding="utf-8"?>
+<p:sld xmlns:a="http://schemas.openxmlformats.org/drawingml/2006/main" xmlns:r="http://schemas.openxmlformats.org/officeDocument/2006/relationships" xmlns:p="http://schemas.openxmlformats.org/presentationml/2006/main">
+  <p:cSld>
+    <p:spTree>
+      <p:nvGrpSpPr>
+        <p:cNvPr id="1" name=""/>
+        <p:cNvGrpSpPr/>
+        <p:nvPr/>
+      </p:nvGrpSpPr>
+      <p:grpSpPr>
+        <a:xfrm>
+          <a:off x="0" y="0"/>
+          <a:ext cx="0" cy="0"/>
+          <a:chOff x="0" y="0"/>
+          <a:chExt cx="0" cy="0"/>
+        </a:xfrm>
+      </p:grpSpPr>
+      <p:sp>
+        <p:nvSpPr>
+          <p:cNvPr id="4098" name="Title 3"/>
+          <p:cNvSpPr>
+            <a:spLocks noGrp="1"/>
+          </p:cNvSpPr>
+          <p:nvPr>
+            <p:ph type="title"/>
+          </p:nvPr>
+        </p:nvSpPr>
+        <p:spPr>
+          <a:xfrm>
+            <a:off x="915193" y="502892"/>
+            <a:ext cx="7159625" cy="627063"/>
+          </a:xfrm>
+        </p:spPr>
+        <p:txBody>
+          <a:bodyPr/>
+          <a:lstStyle/>
+          <a:p>
+            <a:pPr>
+              <a:defRPr/>
+            </a:pPr>
+            <a:r>
+              <a:rPr lang="nl-NL" altLang="nl-NL" dirty="0" smtClean="0">
+                <a:latin typeface="+mn-lt"/>
+                <a:ea typeface="ＭＳ Ｐゴシック" pitchFamily="34" charset="-128"/>
+              </a:rPr>
+              <a:t>LCD</a:t>
+            </a:r>
+          </a:p>
+        </p:txBody>
+      </p:sp>
+      <p:sp>
+        <p:nvSpPr>
+          <p:cNvPr id="6" name="Ondertitel 2"/>
+          <p:cNvSpPr txBox="1">
+            <a:spLocks/>
+          </p:cNvSpPr>
+          <p:nvPr/>
+        </p:nvSpPr>
+        <p:spPr bwMode="auto">
+          <a:xfrm>
+            <a:off x="914400" y="1041400"/>
+            <a:ext cx="6781800" cy="474663"/>
+          </a:xfrm>
+          <a:prstGeom prst="rect">
+            <a:avLst/>
+          </a:prstGeom>
+          <a:noFill/>
+          <a:ln w="9525">
+            <a:noFill/>
+            <a:miter lim="800000"/>
+            <a:headEnd/>
+            <a:tailEnd/>
+          </a:ln>
+        </p:spPr>
+        <p:txBody>
+          <a:bodyPr lIns="0" tIns="0" rIns="0" bIns="0"/>
+          <a:lstStyle>
+            <a:lvl1pPr eaLnBrk="0" hangingPunct="0">
+              <a:defRPr sz="2400">
+                <a:solidFill>
+                  <a:schemeClr val="tx1"/>
+                </a:solidFill>
+                <a:latin typeface="Tahoma" charset="0"/>
+                <a:cs typeface="Arial" charset="0"/>
+              </a:defRPr>
+            </a:lvl1pPr>
+            <a:lvl2pPr marL="37931725" indent="-37474525" eaLnBrk="0" hangingPunct="0">
+              <a:defRPr sz="2400">
+                <a:solidFill>
+                  <a:schemeClr val="tx1"/>
+                </a:solidFill>
+                <a:latin typeface="Tahoma" charset="0"/>
+                <a:cs typeface="Arial" charset="0"/>
+              </a:defRPr>
+            </a:lvl2pPr>
+            <a:lvl3pPr eaLnBrk="0" hangingPunct="0">
+              <a:defRPr sz="2400">
+                <a:solidFill>
+                  <a:schemeClr val="tx1"/>
+                </a:solidFill>
+                <a:latin typeface="Tahoma" charset="0"/>
+                <a:cs typeface="Arial" charset="0"/>
+              </a:defRPr>
+            </a:lvl3pPr>
+            <a:lvl4pPr eaLnBrk="0" hangingPunct="0">
+              <a:defRPr sz="2400">
+                <a:solidFill>
+                  <a:schemeClr val="tx1"/>
+                </a:solidFill>
+                <a:latin typeface="Tahoma" charset="0"/>
+                <a:cs typeface="Arial" charset="0"/>
+              </a:defRPr>
+            </a:lvl4pPr>
+            <a:lvl5pPr eaLnBrk="0" hangingPunct="0">
+              <a:defRPr sz="2400">
+                <a:solidFill>
+                  <a:schemeClr val="tx1"/>
+                </a:solidFill>
+                <a:latin typeface="Tahoma" charset="0"/>
+                <a:cs typeface="Arial" charset="0"/>
+              </a:defRPr>
+            </a:lvl5pPr>
+            <a:lvl6pPr marL="457200" eaLnBrk="0" fontAlgn="base" hangingPunct="0">
+              <a:spcBef>
+                <a:spcPct val="0"/>
+              </a:spcBef>
+              <a:spcAft>
+                <a:spcPct val="0"/>
+              </a:spcAft>
+              <a:defRPr sz="2400">
+                <a:solidFill>
+                  <a:schemeClr val="tx1"/>
+                </a:solidFill>
+                <a:latin typeface="Tahoma" charset="0"/>
+                <a:cs typeface="Arial" charset="0"/>
+              </a:defRPr>
+            </a:lvl6pPr>
+            <a:lvl7pPr marL="914400" eaLnBrk="0" fontAlgn="base" hangingPunct="0">
+              <a:spcBef>
+                <a:spcPct val="0"/>
+              </a:spcBef>
+              <a:spcAft>
+                <a:spcPct val="0"/>
+              </a:spcAft>
+              <a:defRPr sz="2400">
+                <a:solidFill>
+                  <a:schemeClr val="tx1"/>
+                </a:solidFill>
+                <a:latin typeface="Tahoma" charset="0"/>
+                <a:cs typeface="Arial" charset="0"/>
+              </a:defRPr>
+            </a:lvl7pPr>
+            <a:lvl8pPr marL="1371600" eaLnBrk="0" fontAlgn="base" hangingPunct="0">
+              <a:spcBef>
+                <a:spcPct val="0"/>
+              </a:spcBef>
+              <a:spcAft>
+                <a:spcPct val="0"/>
+              </a:spcAft>
+              <a:defRPr sz="2400">
+                <a:solidFill>
+                  <a:schemeClr val="tx1"/>
+                </a:solidFill>
+                <a:latin typeface="Tahoma" charset="0"/>
+                <a:cs typeface="Arial" charset="0"/>
+              </a:defRPr>
+            </a:lvl8pPr>
+            <a:lvl9pPr marL="1828800" eaLnBrk="0" fontAlgn="base" hangingPunct="0">
+              <a:spcBef>
+                <a:spcPct val="0"/>
+              </a:spcBef>
+              <a:spcAft>
+                <a:spcPct val="0"/>
+              </a:spcAft>
+              <a:defRPr sz="2400">
+                <a:solidFill>
+                  <a:schemeClr val="tx1"/>
+                </a:solidFill>
+                <a:latin typeface="Tahoma" charset="0"/>
+                <a:cs typeface="Arial" charset="0"/>
+              </a:defRPr>
+            </a:lvl9pPr>
+          </a:lstStyle>
+          <a:p>
+            <a:pPr algn="l">
+              <a:lnSpc>
+                <a:spcPts val="2500"/>
+              </a:lnSpc>
+              <a:buClr>
+                <a:srgbClr val="00A6D6"/>
+              </a:buClr>
+              <a:defRPr/>
+            </a:pPr>
+            <a:r>
+              <a:rPr lang="nl-NL" altLang="nl-NL" sz="2000" dirty="0" smtClean="0">
+                <a:solidFill>
+                  <a:srgbClr val="00A6D6"/>
+                </a:solidFill>
+                <a:latin typeface="Tahoma"/>
+                <a:ea typeface="ＭＳ Ｐゴシック" charset="-128"/>
+              </a:rPr>
               <a:t>Data omzetting, vb. datum</a:t>
             </a:r>
           </a:p>
@@ -8884,7 +9171,7 @@
 </p:sld>
 </file>
 
-<file path=ppt/slides/slide23.xml><?xml version="1.0" encoding="utf-8"?>
+<file path=ppt/slides/slide24.xml><?xml version="1.0" encoding="utf-8"?>
 <p:sld xmlns:a="http://schemas.openxmlformats.org/drawingml/2006/main" xmlns:r="http://schemas.openxmlformats.org/officeDocument/2006/relationships" xmlns:p="http://schemas.openxmlformats.org/presentationml/2006/main">
   <p:cSld>
     <p:spTree>
@@ -9991,7 +10278,7 @@
           </a:ln>
           <a:extLst>
             <a:ext uri="{C572A759-6A51-4108-AA02-DFA0A04FC94B}">
-              <ma14:wrappingTextBoxFlag xmlns:ma14="http://schemas.microsoft.com/office/mac/drawingml/2011/main" xmlns="" val="1"/>
+              <ma14:wrappingTextBoxFlag xmlns="" xmlns:ma14="http://schemas.microsoft.com/office/mac/drawingml/2011/main" val="1"/>
             </a:ext>
           </a:extLst>
         </p:spPr>
@@ -10043,7 +10330,442 @@
 </p:sld>
 </file>
 
-<file path=ppt/slides/slide24.xml><?xml version="1.0" encoding="utf-8"?>
+<file path=ppt/slides/slide25.xml><?xml version="1.0" encoding="utf-8"?>
+<p:sld xmlns:a="http://schemas.openxmlformats.org/drawingml/2006/main" xmlns:r="http://schemas.openxmlformats.org/officeDocument/2006/relationships" xmlns:p="http://schemas.openxmlformats.org/presentationml/2006/main">
+  <p:cSld>
+    <p:spTree>
+      <p:nvGrpSpPr>
+        <p:cNvPr id="1" name=""/>
+        <p:cNvGrpSpPr/>
+        <p:nvPr/>
+      </p:nvGrpSpPr>
+      <p:grpSpPr>
+        <a:xfrm>
+          <a:off x="0" y="0"/>
+          <a:ext cx="0" cy="0"/>
+          <a:chOff x="0" y="0"/>
+          <a:chExt cx="0" cy="0"/>
+        </a:xfrm>
+      </p:grpSpPr>
+      <p:sp>
+        <p:nvSpPr>
+          <p:cNvPr id="4" name="Title 3"/>
+          <p:cNvSpPr txBox="1">
+            <a:spLocks/>
+          </p:cNvSpPr>
+          <p:nvPr/>
+        </p:nvSpPr>
+        <p:spPr bwMode="auto">
+          <a:xfrm>
+            <a:off x="915193" y="502892"/>
+            <a:ext cx="7159625" cy="627063"/>
+          </a:xfrm>
+          <a:prstGeom prst="rect">
+            <a:avLst/>
+          </a:prstGeom>
+          <a:noFill/>
+          <a:ln>
+            <a:noFill/>
+          </a:ln>
+          <a:extLst>
+            <a:ext uri="{909E8E84-426E-40DD-AFC4-6F175D3DCCD1}">
+              <a14:hiddenFill xmlns:a14="http://schemas.microsoft.com/office/drawing/2010/main">
+                <a:solidFill>
+                  <a:srgbClr val="FFFFFF"/>
+                </a:solidFill>
+              </a14:hiddenFill>
+            </a:ext>
+            <a:ext uri="{91240B29-F687-4F45-9708-019B960494DF}">
+              <a14:hiddenLine xmlns:a14="http://schemas.microsoft.com/office/drawing/2010/main" w="9525">
+                <a:solidFill>
+                  <a:srgbClr val="000000"/>
+                </a:solidFill>
+                <a:miter lim="800000"/>
+                <a:headEnd/>
+                <a:tailEnd/>
+              </a14:hiddenLine>
+            </a:ext>
+          </a:extLst>
+        </p:spPr>
+        <p:txBody>
+          <a:bodyPr vert="horz" wrap="square" lIns="0" tIns="0" rIns="0" bIns="0" numCol="1" anchor="t" anchorCtr="0" compatLnSpc="1">
+            <a:prstTxWarp prst="textNoShape">
+              <a:avLst/>
+            </a:prstTxWarp>
+          </a:bodyPr>
+          <a:lstStyle>
+            <a:lvl1pPr marL="857250" indent="-857250" algn="l" rtl="0" eaLnBrk="0" fontAlgn="base" hangingPunct="0">
+              <a:spcBef>
+                <a:spcPct val="0"/>
+              </a:spcBef>
+              <a:spcAft>
+                <a:spcPct val="0"/>
+              </a:spcAft>
+              <a:defRPr sz="4000" b="1" cap="all">
+                <a:solidFill>
+                  <a:schemeClr val="tx1"/>
+                </a:solidFill>
+                <a:latin typeface="+mj-lt"/>
+                <a:ea typeface="ＭＳ Ｐゴシック" charset="-128"/>
+                <a:cs typeface="ＭＳ Ｐゴシック" charset="-128"/>
+              </a:defRPr>
+            </a:lvl1pPr>
+            <a:lvl2pPr marL="857250" indent="-857250" algn="l" rtl="0" eaLnBrk="0" fontAlgn="base" hangingPunct="0">
+              <a:spcBef>
+                <a:spcPct val="0"/>
+              </a:spcBef>
+              <a:spcAft>
+                <a:spcPct val="0"/>
+              </a:spcAft>
+              <a:defRPr sz="3300">
+                <a:solidFill>
+                  <a:schemeClr val="tx1"/>
+                </a:solidFill>
+                <a:latin typeface="Bookman Old Style" pitchFamily="18" charset="0"/>
+                <a:ea typeface="ＭＳ Ｐゴシック" charset="-128"/>
+                <a:cs typeface="ＭＳ Ｐゴシック" charset="-128"/>
+              </a:defRPr>
+            </a:lvl2pPr>
+            <a:lvl3pPr marL="857250" indent="-857250" algn="l" rtl="0" eaLnBrk="0" fontAlgn="base" hangingPunct="0">
+              <a:spcBef>
+                <a:spcPct val="0"/>
+              </a:spcBef>
+              <a:spcAft>
+                <a:spcPct val="0"/>
+              </a:spcAft>
+              <a:defRPr sz="3300">
+                <a:solidFill>
+                  <a:schemeClr val="tx1"/>
+                </a:solidFill>
+                <a:latin typeface="Bookman Old Style" pitchFamily="18" charset="0"/>
+                <a:ea typeface="ＭＳ Ｐゴシック" charset="-128"/>
+                <a:cs typeface="ＭＳ Ｐゴシック" charset="-128"/>
+              </a:defRPr>
+            </a:lvl3pPr>
+            <a:lvl4pPr marL="857250" indent="-857250" algn="l" rtl="0" eaLnBrk="0" fontAlgn="base" hangingPunct="0">
+              <a:spcBef>
+                <a:spcPct val="0"/>
+              </a:spcBef>
+              <a:spcAft>
+                <a:spcPct val="0"/>
+              </a:spcAft>
+              <a:defRPr sz="3300">
+                <a:solidFill>
+                  <a:schemeClr val="tx1"/>
+                </a:solidFill>
+                <a:latin typeface="Bookman Old Style" pitchFamily="18" charset="0"/>
+                <a:ea typeface="ＭＳ Ｐゴシック" charset="-128"/>
+                <a:cs typeface="ＭＳ Ｐゴシック" charset="-128"/>
+              </a:defRPr>
+            </a:lvl4pPr>
+            <a:lvl5pPr marL="857250" indent="-857250" algn="l" rtl="0" eaLnBrk="0" fontAlgn="base" hangingPunct="0">
+              <a:spcBef>
+                <a:spcPct val="0"/>
+              </a:spcBef>
+              <a:spcAft>
+                <a:spcPct val="0"/>
+              </a:spcAft>
+              <a:defRPr sz="3300">
+                <a:solidFill>
+                  <a:schemeClr val="tx1"/>
+                </a:solidFill>
+                <a:latin typeface="Bookman Old Style" pitchFamily="18" charset="0"/>
+                <a:ea typeface="ＭＳ Ｐゴシック" charset="-128"/>
+                <a:cs typeface="ＭＳ Ｐゴシック" charset="-128"/>
+              </a:defRPr>
+            </a:lvl5pPr>
+            <a:lvl6pPr marL="1314450" indent="-857250" algn="l" rtl="0" eaLnBrk="0" fontAlgn="base" hangingPunct="0">
+              <a:spcBef>
+                <a:spcPct val="0"/>
+              </a:spcBef>
+              <a:spcAft>
+                <a:spcPct val="0"/>
+              </a:spcAft>
+              <a:defRPr sz="3300">
+                <a:solidFill>
+                  <a:schemeClr val="tx1"/>
+                </a:solidFill>
+                <a:latin typeface="Bookman Old Style" pitchFamily="18" charset="0"/>
+              </a:defRPr>
+            </a:lvl6pPr>
+            <a:lvl7pPr marL="1771650" indent="-857250" algn="l" rtl="0" eaLnBrk="0" fontAlgn="base" hangingPunct="0">
+              <a:spcBef>
+                <a:spcPct val="0"/>
+              </a:spcBef>
+              <a:spcAft>
+                <a:spcPct val="0"/>
+              </a:spcAft>
+              <a:defRPr sz="3300">
+                <a:solidFill>
+                  <a:schemeClr val="tx1"/>
+                </a:solidFill>
+                <a:latin typeface="Bookman Old Style" pitchFamily="18" charset="0"/>
+              </a:defRPr>
+            </a:lvl7pPr>
+            <a:lvl8pPr marL="2228850" indent="-857250" algn="l" rtl="0" eaLnBrk="0" fontAlgn="base" hangingPunct="0">
+              <a:spcBef>
+                <a:spcPct val="0"/>
+              </a:spcBef>
+              <a:spcAft>
+                <a:spcPct val="0"/>
+              </a:spcAft>
+              <a:defRPr sz="3300">
+                <a:solidFill>
+                  <a:schemeClr val="tx1"/>
+                </a:solidFill>
+                <a:latin typeface="Bookman Old Style" pitchFamily="18" charset="0"/>
+              </a:defRPr>
+            </a:lvl8pPr>
+            <a:lvl9pPr marL="2686050" indent="-857250" algn="l" rtl="0" eaLnBrk="0" fontAlgn="base" hangingPunct="0">
+              <a:spcBef>
+                <a:spcPct val="0"/>
+              </a:spcBef>
+              <a:spcAft>
+                <a:spcPct val="0"/>
+              </a:spcAft>
+              <a:defRPr sz="3300">
+                <a:solidFill>
+                  <a:schemeClr val="tx1"/>
+                </a:solidFill>
+                <a:latin typeface="Bookman Old Style" pitchFamily="18" charset="0"/>
+              </a:defRPr>
+            </a:lvl9pPr>
+          </a:lstStyle>
+          <a:p>
+            <a:pPr>
+              <a:defRPr/>
+            </a:pPr>
+            <a:r>
+              <a:rPr lang="nl-NL" altLang="nl-NL" sz="3300" b="0" kern="0" dirty="0" smtClean="0">
+                <a:latin typeface="+mn-lt"/>
+                <a:ea typeface="ＭＳ Ｐゴシック" pitchFamily="34" charset="-128"/>
+              </a:rPr>
+              <a:t>LCD</a:t>
+            </a:r>
+          </a:p>
+        </p:txBody>
+      </p:sp>
+      <p:sp>
+        <p:nvSpPr>
+          <p:cNvPr id="5" name="Ondertitel 2"/>
+          <p:cNvSpPr txBox="1">
+            <a:spLocks/>
+          </p:cNvSpPr>
+          <p:nvPr/>
+        </p:nvSpPr>
+        <p:spPr bwMode="auto">
+          <a:xfrm>
+            <a:off x="914400" y="1041400"/>
+            <a:ext cx="6781800" cy="474663"/>
+          </a:xfrm>
+          <a:prstGeom prst="rect">
+            <a:avLst/>
+          </a:prstGeom>
+          <a:noFill/>
+          <a:ln w="9525">
+            <a:noFill/>
+            <a:miter lim="800000"/>
+            <a:headEnd/>
+            <a:tailEnd/>
+          </a:ln>
+        </p:spPr>
+        <p:txBody>
+          <a:bodyPr lIns="0" tIns="0" rIns="0" bIns="0"/>
+          <a:lstStyle>
+            <a:lvl1pPr eaLnBrk="0" hangingPunct="0">
+              <a:defRPr sz="2400">
+                <a:solidFill>
+                  <a:schemeClr val="tx1"/>
+                </a:solidFill>
+                <a:latin typeface="Tahoma" charset="0"/>
+                <a:cs typeface="Arial" charset="0"/>
+              </a:defRPr>
+            </a:lvl1pPr>
+            <a:lvl2pPr marL="37931725" indent="-37474525" eaLnBrk="0" hangingPunct="0">
+              <a:defRPr sz="2400">
+                <a:solidFill>
+                  <a:schemeClr val="tx1"/>
+                </a:solidFill>
+                <a:latin typeface="Tahoma" charset="0"/>
+                <a:cs typeface="Arial" charset="0"/>
+              </a:defRPr>
+            </a:lvl2pPr>
+            <a:lvl3pPr eaLnBrk="0" hangingPunct="0">
+              <a:defRPr sz="2400">
+                <a:solidFill>
+                  <a:schemeClr val="tx1"/>
+                </a:solidFill>
+                <a:latin typeface="Tahoma" charset="0"/>
+                <a:cs typeface="Arial" charset="0"/>
+              </a:defRPr>
+            </a:lvl3pPr>
+            <a:lvl4pPr eaLnBrk="0" hangingPunct="0">
+              <a:defRPr sz="2400">
+                <a:solidFill>
+                  <a:schemeClr val="tx1"/>
+                </a:solidFill>
+                <a:latin typeface="Tahoma" charset="0"/>
+                <a:cs typeface="Arial" charset="0"/>
+              </a:defRPr>
+            </a:lvl4pPr>
+            <a:lvl5pPr eaLnBrk="0" hangingPunct="0">
+              <a:defRPr sz="2400">
+                <a:solidFill>
+                  <a:schemeClr val="tx1"/>
+                </a:solidFill>
+                <a:latin typeface="Tahoma" charset="0"/>
+                <a:cs typeface="Arial" charset="0"/>
+              </a:defRPr>
+            </a:lvl5pPr>
+            <a:lvl6pPr marL="457200" eaLnBrk="0" fontAlgn="base" hangingPunct="0">
+              <a:spcBef>
+                <a:spcPct val="0"/>
+              </a:spcBef>
+              <a:spcAft>
+                <a:spcPct val="0"/>
+              </a:spcAft>
+              <a:defRPr sz="2400">
+                <a:solidFill>
+                  <a:schemeClr val="tx1"/>
+                </a:solidFill>
+                <a:latin typeface="Tahoma" charset="0"/>
+                <a:cs typeface="Arial" charset="0"/>
+              </a:defRPr>
+            </a:lvl6pPr>
+            <a:lvl7pPr marL="914400" eaLnBrk="0" fontAlgn="base" hangingPunct="0">
+              <a:spcBef>
+                <a:spcPct val="0"/>
+              </a:spcBef>
+              <a:spcAft>
+                <a:spcPct val="0"/>
+              </a:spcAft>
+              <a:defRPr sz="2400">
+                <a:solidFill>
+                  <a:schemeClr val="tx1"/>
+                </a:solidFill>
+                <a:latin typeface="Tahoma" charset="0"/>
+                <a:cs typeface="Arial" charset="0"/>
+              </a:defRPr>
+            </a:lvl7pPr>
+            <a:lvl8pPr marL="1371600" eaLnBrk="0" fontAlgn="base" hangingPunct="0">
+              <a:spcBef>
+                <a:spcPct val="0"/>
+              </a:spcBef>
+              <a:spcAft>
+                <a:spcPct val="0"/>
+              </a:spcAft>
+              <a:defRPr sz="2400">
+                <a:solidFill>
+                  <a:schemeClr val="tx1"/>
+                </a:solidFill>
+                <a:latin typeface="Tahoma" charset="0"/>
+                <a:cs typeface="Arial" charset="0"/>
+              </a:defRPr>
+            </a:lvl8pPr>
+            <a:lvl9pPr marL="1828800" eaLnBrk="0" fontAlgn="base" hangingPunct="0">
+              <a:spcBef>
+                <a:spcPct val="0"/>
+              </a:spcBef>
+              <a:spcAft>
+                <a:spcPct val="0"/>
+              </a:spcAft>
+              <a:defRPr sz="2400">
+                <a:solidFill>
+                  <a:schemeClr val="tx1"/>
+                </a:solidFill>
+                <a:latin typeface="Tahoma" charset="0"/>
+                <a:cs typeface="Arial" charset="0"/>
+              </a:defRPr>
+            </a:lvl9pPr>
+          </a:lstStyle>
+          <a:p>
+            <a:pPr algn="l">
+              <a:lnSpc>
+                <a:spcPts val="2500"/>
+              </a:lnSpc>
+              <a:buClr>
+                <a:srgbClr val="00A6D6"/>
+              </a:buClr>
+              <a:defRPr/>
+            </a:pPr>
+            <a:r>
+              <a:rPr lang="nl-NL" altLang="nl-NL" sz="2000" dirty="0" smtClean="0">
+                <a:solidFill>
+                  <a:srgbClr val="00A6D6"/>
+                </a:solidFill>
+                <a:latin typeface="Tahoma"/>
+                <a:ea typeface="ＭＳ Ｐゴシック" charset="-128"/>
+              </a:rPr>
+              <a:t>Verzenden van data</a:t>
+            </a:r>
+          </a:p>
+        </p:txBody>
+      </p:sp>
+      <p:pic>
+        <p:nvPicPr>
+          <p:cNvPr id="8" name="pasted-image.png"/>
+          <p:cNvPicPr/>
+          <p:nvPr/>
+        </p:nvPicPr>
+        <p:blipFill>
+          <a:blip r:embed="rId2">
+            <a:extLst/>
+          </a:blip>
+          <a:stretch>
+            <a:fillRect/>
+          </a:stretch>
+        </p:blipFill>
+        <p:spPr>
+          <a:xfrm>
+            <a:off x="508001" y="1785698"/>
+            <a:ext cx="5109028" cy="3845845"/>
+          </a:xfrm>
+          <a:prstGeom prst="rect">
+            <a:avLst/>
+          </a:prstGeom>
+          <a:ln w="12700">
+            <a:miter lim="400000"/>
+          </a:ln>
+        </p:spPr>
+      </p:pic>
+      <p:pic>
+        <p:nvPicPr>
+          <p:cNvPr id="9" name="Afbeelding 8"/>
+          <p:cNvPicPr>
+            <a:picLocks noChangeAspect="1"/>
+          </p:cNvPicPr>
+          <p:nvPr/>
+        </p:nvPicPr>
+        <p:blipFill>
+          <a:blip r:embed="rId3"/>
+          <a:stretch>
+            <a:fillRect/>
+          </a:stretch>
+        </p:blipFill>
+        <p:spPr>
+          <a:xfrm>
+            <a:off x="4946373" y="3199256"/>
+            <a:ext cx="3297742" cy="707474"/>
+          </a:xfrm>
+          <a:prstGeom prst="rect">
+            <a:avLst/>
+          </a:prstGeom>
+        </p:spPr>
+      </p:pic>
+    </p:spTree>
+    <p:extLst>
+      <p:ext uri="{BB962C8B-B14F-4D97-AF65-F5344CB8AC3E}">
+        <p14:creationId xmlns:p14="http://schemas.microsoft.com/office/powerpoint/2010/main" val="2796720058"/>
+      </p:ext>
+    </p:extLst>
+  </p:cSld>
+  <p:clrMapOvr>
+    <a:masterClrMapping/>
+  </p:clrMapOvr>
+</p:sld>
+</file>
+
+<file path=ppt/slides/slide26.xml><?xml version="1.0" encoding="utf-8"?>
 <p:sld xmlns:a="http://schemas.openxmlformats.org/drawingml/2006/main" xmlns:r="http://schemas.openxmlformats.org/officeDocument/2006/relationships" xmlns:p="http://schemas.openxmlformats.org/presentationml/2006/main">
   <p:cSld>
     <p:spTree>
@@ -10123,7 +10845,7 @@
 </p:sld>
 </file>
 
-<file path=ppt/slides/slide25.xml><?xml version="1.0" encoding="utf-8"?>
+<file path=ppt/slides/slide27.xml><?xml version="1.0" encoding="utf-8"?>
 <p:sld xmlns:a="http://schemas.openxmlformats.org/drawingml/2006/main" xmlns:r="http://schemas.openxmlformats.org/officeDocument/2006/relationships" xmlns:p="http://schemas.openxmlformats.org/presentationml/2006/main">
   <p:cSld>
     <p:spTree>
@@ -10142,51 +10864,194 @@
       </p:grpSpPr>
       <p:sp>
         <p:nvSpPr>
-          <p:cNvPr id="2" name="Titel 1"/>
-          <p:cNvSpPr>
-            <a:spLocks noGrp="1"/>
+          <p:cNvPr id="4" name="Titel 1"/>
+          <p:cNvSpPr txBox="1">
+            <a:spLocks/>
           </p:cNvSpPr>
-          <p:nvPr>
-            <p:ph type="ctrTitle"/>
-          </p:nvPr>
+          <p:nvPr/>
         </p:nvSpPr>
-        <p:spPr/>
+        <p:spPr bwMode="auto">
+          <a:xfrm>
+            <a:off x="722313" y="4406900"/>
+            <a:ext cx="7772400" cy="1362075"/>
+          </a:xfrm>
+          <a:prstGeom prst="rect">
+            <a:avLst/>
+          </a:prstGeom>
+          <a:noFill/>
+          <a:ln>
+            <a:noFill/>
+          </a:ln>
+          <a:extLst>
+            <a:ext uri="{909E8E84-426E-40DD-AFC4-6F175D3DCCD1}">
+              <a14:hiddenFill xmlns:a14="http://schemas.microsoft.com/office/drawing/2010/main">
+                <a:solidFill>
+                  <a:srgbClr val="FFFFFF"/>
+                </a:solidFill>
+              </a14:hiddenFill>
+            </a:ext>
+            <a:ext uri="{91240B29-F687-4F45-9708-019B960494DF}">
+              <a14:hiddenLine xmlns:a14="http://schemas.microsoft.com/office/drawing/2010/main" w="9525">
+                <a:solidFill>
+                  <a:srgbClr val="000000"/>
+                </a:solidFill>
+                <a:miter lim="800000"/>
+                <a:headEnd/>
+                <a:tailEnd/>
+              </a14:hiddenLine>
+            </a:ext>
+          </a:extLst>
+        </p:spPr>
         <p:txBody>
-          <a:bodyPr/>
-          <a:lstStyle/>
-          <a:p>
-            <a:r>
-              <a:rPr lang="nl-NL" dirty="0" smtClean="0">
-                <a:solidFill>
-                  <a:srgbClr val="FF0000"/>
-                </a:solidFill>
-              </a:rPr>
+          <a:bodyPr vert="horz" wrap="square" lIns="0" tIns="0" rIns="0" bIns="0" numCol="1" anchor="t" anchorCtr="0" compatLnSpc="1">
+            <a:prstTxWarp prst="textNoShape">
+              <a:avLst/>
+            </a:prstTxWarp>
+          </a:bodyPr>
+          <a:lstStyle>
+            <a:lvl1pPr marL="857250" indent="-857250" algn="l" rtl="0" eaLnBrk="0" fontAlgn="base" hangingPunct="0">
+              <a:spcBef>
+                <a:spcPct val="0"/>
+              </a:spcBef>
+              <a:spcAft>
+                <a:spcPct val="0"/>
+              </a:spcAft>
+              <a:defRPr sz="3300">
+                <a:solidFill>
+                  <a:schemeClr val="tx1"/>
+                </a:solidFill>
+                <a:latin typeface="+mj-lt"/>
+                <a:ea typeface="ＭＳ Ｐゴシック" charset="-128"/>
+                <a:cs typeface="ＭＳ Ｐゴシック" charset="-128"/>
+              </a:defRPr>
+            </a:lvl1pPr>
+            <a:lvl2pPr marL="857250" indent="-857250" algn="l" rtl="0" eaLnBrk="0" fontAlgn="base" hangingPunct="0">
+              <a:spcBef>
+                <a:spcPct val="0"/>
+              </a:spcBef>
+              <a:spcAft>
+                <a:spcPct val="0"/>
+              </a:spcAft>
+              <a:defRPr sz="3300">
+                <a:solidFill>
+                  <a:schemeClr val="tx1"/>
+                </a:solidFill>
+                <a:latin typeface="Bookman Old Style" pitchFamily="18" charset="0"/>
+                <a:ea typeface="ＭＳ Ｐゴシック" charset="-128"/>
+                <a:cs typeface="ＭＳ Ｐゴシック" charset="-128"/>
+              </a:defRPr>
+            </a:lvl2pPr>
+            <a:lvl3pPr marL="857250" indent="-857250" algn="l" rtl="0" eaLnBrk="0" fontAlgn="base" hangingPunct="0">
+              <a:spcBef>
+                <a:spcPct val="0"/>
+              </a:spcBef>
+              <a:spcAft>
+                <a:spcPct val="0"/>
+              </a:spcAft>
+              <a:defRPr sz="3300">
+                <a:solidFill>
+                  <a:schemeClr val="tx1"/>
+                </a:solidFill>
+                <a:latin typeface="Bookman Old Style" pitchFamily="18" charset="0"/>
+                <a:ea typeface="ＭＳ Ｐゴシック" charset="-128"/>
+                <a:cs typeface="ＭＳ Ｐゴシック" charset="-128"/>
+              </a:defRPr>
+            </a:lvl3pPr>
+            <a:lvl4pPr marL="857250" indent="-857250" algn="l" rtl="0" eaLnBrk="0" fontAlgn="base" hangingPunct="0">
+              <a:spcBef>
+                <a:spcPct val="0"/>
+              </a:spcBef>
+              <a:spcAft>
+                <a:spcPct val="0"/>
+              </a:spcAft>
+              <a:defRPr sz="3300">
+                <a:solidFill>
+                  <a:schemeClr val="tx1"/>
+                </a:solidFill>
+                <a:latin typeface="Bookman Old Style" pitchFamily="18" charset="0"/>
+                <a:ea typeface="ＭＳ Ｐゴシック" charset="-128"/>
+                <a:cs typeface="ＭＳ Ｐゴシック" charset="-128"/>
+              </a:defRPr>
+            </a:lvl4pPr>
+            <a:lvl5pPr marL="857250" indent="-857250" algn="l" rtl="0" eaLnBrk="0" fontAlgn="base" hangingPunct="0">
+              <a:spcBef>
+                <a:spcPct val="0"/>
+              </a:spcBef>
+              <a:spcAft>
+                <a:spcPct val="0"/>
+              </a:spcAft>
+              <a:defRPr sz="3300">
+                <a:solidFill>
+                  <a:schemeClr val="tx1"/>
+                </a:solidFill>
+                <a:latin typeface="Bookman Old Style" pitchFamily="18" charset="0"/>
+                <a:ea typeface="ＭＳ Ｐゴシック" charset="-128"/>
+                <a:cs typeface="ＭＳ Ｐゴシック" charset="-128"/>
+              </a:defRPr>
+            </a:lvl5pPr>
+            <a:lvl6pPr marL="1314450" indent="-857250" algn="l" rtl="0" eaLnBrk="0" fontAlgn="base" hangingPunct="0">
+              <a:spcBef>
+                <a:spcPct val="0"/>
+              </a:spcBef>
+              <a:spcAft>
+                <a:spcPct val="0"/>
+              </a:spcAft>
+              <a:defRPr sz="3300">
+                <a:solidFill>
+                  <a:schemeClr val="tx1"/>
+                </a:solidFill>
+                <a:latin typeface="Bookman Old Style" pitchFamily="18" charset="0"/>
+              </a:defRPr>
+            </a:lvl6pPr>
+            <a:lvl7pPr marL="1771650" indent="-857250" algn="l" rtl="0" eaLnBrk="0" fontAlgn="base" hangingPunct="0">
+              <a:spcBef>
+                <a:spcPct val="0"/>
+              </a:spcBef>
+              <a:spcAft>
+                <a:spcPct val="0"/>
+              </a:spcAft>
+              <a:defRPr sz="3300">
+                <a:solidFill>
+                  <a:schemeClr val="tx1"/>
+                </a:solidFill>
+                <a:latin typeface="Bookman Old Style" pitchFamily="18" charset="0"/>
+              </a:defRPr>
+            </a:lvl7pPr>
+            <a:lvl8pPr marL="2228850" indent="-857250" algn="l" rtl="0" eaLnBrk="0" fontAlgn="base" hangingPunct="0">
+              <a:spcBef>
+                <a:spcPct val="0"/>
+              </a:spcBef>
+              <a:spcAft>
+                <a:spcPct val="0"/>
+              </a:spcAft>
+              <a:defRPr sz="3300">
+                <a:solidFill>
+                  <a:schemeClr val="tx1"/>
+                </a:solidFill>
+                <a:latin typeface="Bookman Old Style" pitchFamily="18" charset="0"/>
+              </a:defRPr>
+            </a:lvl8pPr>
+            <a:lvl9pPr marL="2686050" indent="-857250" algn="l" rtl="0" eaLnBrk="0" fontAlgn="base" hangingPunct="0">
+              <a:spcBef>
+                <a:spcPct val="0"/>
+              </a:spcBef>
+              <a:spcAft>
+                <a:spcPct val="0"/>
+              </a:spcAft>
+              <a:defRPr sz="3300">
+                <a:solidFill>
+                  <a:schemeClr val="tx1"/>
+                </a:solidFill>
+                <a:latin typeface="Bookman Old Style" pitchFamily="18" charset="0"/>
+              </a:defRPr>
+            </a:lvl9pPr>
+          </a:lstStyle>
+          <a:p>
+            <a:r>
+              <a:rPr lang="nl-NL" sz="4000" b="1" kern="0" dirty="0" smtClean="0"/>
               <a:t>Conclusie</a:t>
             </a:r>
-            <a:endParaRPr lang="nl-NL" dirty="0">
-              <a:solidFill>
-                <a:srgbClr val="FF0000"/>
-              </a:solidFill>
-            </a:endParaRPr>
-          </a:p>
-        </p:txBody>
-      </p:sp>
-      <p:sp>
-        <p:nvSpPr>
-          <p:cNvPr id="3" name="Ondertitel 2"/>
-          <p:cNvSpPr>
-            <a:spLocks noGrp="1"/>
-          </p:cNvSpPr>
-          <p:nvPr>
-            <p:ph type="subTitle" idx="1"/>
-          </p:nvPr>
-        </p:nvSpPr>
-        <p:spPr/>
-        <p:txBody>
-          <a:bodyPr/>
-          <a:lstStyle/>
-          <a:p>
-            <a:endParaRPr lang="nl-NL"/>
+            <a:endParaRPr lang="nl-NL" sz="4000" b="1" kern="0" dirty="0"/>
           </a:p>
         </p:txBody>
       </p:sp>
@@ -10222,6 +11087,360 @@
       </p:grpSpPr>
       <p:sp>
         <p:nvSpPr>
+          <p:cNvPr id="3" name="Ondertitel 2"/>
+          <p:cNvSpPr>
+            <a:spLocks noGrp="1"/>
+          </p:cNvSpPr>
+          <p:nvPr>
+            <p:ph type="subTitle" idx="1"/>
+          </p:nvPr>
+        </p:nvSpPr>
+        <p:spPr>
+          <a:xfrm>
+            <a:off x="1294605" y="1778726"/>
+            <a:ext cx="6400800" cy="1752600"/>
+          </a:xfrm>
+        </p:spPr>
+        <p:txBody>
+          <a:bodyPr/>
+          <a:lstStyle/>
+          <a:p>
+            <a:pPr marL="342900" indent="-342900" algn="l">
+              <a:buFont typeface="Arial" panose="020B0604020202020204" pitchFamily="34" charset="0"/>
+              <a:buChar char="•"/>
+            </a:pPr>
+            <a:r>
+              <a:rPr lang="nl-NL" dirty="0" smtClean="0"/>
+              <a:t>Specificaties &amp; totaal systeem</a:t>
+            </a:r>
+          </a:p>
+          <a:p>
+            <a:pPr marL="342900" indent="-342900" algn="l">
+              <a:buFont typeface="Arial" panose="020B0604020202020204" pitchFamily="34" charset="0"/>
+              <a:buChar char="•"/>
+            </a:pPr>
+            <a:r>
+              <a:rPr lang="nl-NL" dirty="0" smtClean="0"/>
+              <a:t>Sub modules</a:t>
+            </a:r>
+          </a:p>
+          <a:p>
+            <a:pPr marL="800100" lvl="1" indent="-342900" algn="l">
+              <a:buFont typeface="Arial" panose="020B0604020202020204" pitchFamily="34" charset="0"/>
+              <a:buChar char="•"/>
+            </a:pPr>
+            <a:r>
+              <a:rPr lang="nl-NL" dirty="0"/>
+              <a:t>DCF</a:t>
+            </a:r>
+          </a:p>
+          <a:p>
+            <a:pPr marL="800100" lvl="1" indent="-342900" algn="l">
+              <a:buFont typeface="Arial" panose="020B0604020202020204" pitchFamily="34" charset="0"/>
+              <a:buChar char="•"/>
+            </a:pPr>
+            <a:r>
+              <a:rPr lang="nl-NL" dirty="0"/>
+              <a:t>Controller</a:t>
+            </a:r>
+          </a:p>
+          <a:p>
+            <a:pPr marL="800100" lvl="1" indent="-342900" algn="l">
+              <a:buFont typeface="Arial" panose="020B0604020202020204" pitchFamily="34" charset="0"/>
+              <a:buChar char="•"/>
+            </a:pPr>
+            <a:r>
+              <a:rPr lang="nl-NL" dirty="0"/>
+              <a:t>Alarm</a:t>
+            </a:r>
+          </a:p>
+          <a:p>
+            <a:pPr marL="800100" lvl="1" indent="-342900" algn="l">
+              <a:buFont typeface="Arial" panose="020B0604020202020204" pitchFamily="34" charset="0"/>
+              <a:buChar char="•"/>
+            </a:pPr>
+            <a:r>
+              <a:rPr lang="nl-NL" dirty="0" smtClean="0"/>
+              <a:t>LCD</a:t>
+            </a:r>
+          </a:p>
+          <a:p>
+            <a:pPr marL="342900" indent="-342900" algn="l">
+              <a:buFont typeface="Arial" panose="020B0604020202020204" pitchFamily="34" charset="0"/>
+              <a:buChar char="•"/>
+            </a:pPr>
+            <a:r>
+              <a:rPr lang="nl-NL" dirty="0" smtClean="0"/>
+              <a:t>Resultaten &amp; testen</a:t>
+            </a:r>
+          </a:p>
+          <a:p>
+            <a:pPr marL="342900" indent="-342900" algn="l">
+              <a:buFont typeface="Arial" panose="020B0604020202020204" pitchFamily="34" charset="0"/>
+              <a:buChar char="•"/>
+            </a:pPr>
+            <a:r>
+              <a:rPr lang="nl-NL" dirty="0" smtClean="0"/>
+              <a:t>Conclusie</a:t>
+            </a:r>
+          </a:p>
+          <a:p>
+            <a:pPr marL="800100" lvl="1" indent="-342900" algn="l">
+              <a:buFont typeface="Arial" panose="020B0604020202020204" pitchFamily="34" charset="0"/>
+              <a:buChar char="•"/>
+            </a:pPr>
+            <a:endParaRPr lang="nl-NL" dirty="0"/>
+          </a:p>
+          <a:p>
+            <a:pPr marL="800100" lvl="1" indent="-342900" algn="l">
+              <a:buFont typeface="Arial" panose="020B0604020202020204" pitchFamily="34" charset="0"/>
+              <a:buChar char="•"/>
+            </a:pPr>
+            <a:endParaRPr lang="nl-NL" dirty="0" smtClean="0"/>
+          </a:p>
+        </p:txBody>
+      </p:sp>
+      <p:sp>
+        <p:nvSpPr>
+          <p:cNvPr id="4" name="Title 3"/>
+          <p:cNvSpPr txBox="1">
+            <a:spLocks/>
+          </p:cNvSpPr>
+          <p:nvPr/>
+        </p:nvSpPr>
+        <p:spPr bwMode="auto">
+          <a:xfrm>
+            <a:off x="915193" y="502892"/>
+            <a:ext cx="7159625" cy="627063"/>
+          </a:xfrm>
+          <a:prstGeom prst="rect">
+            <a:avLst/>
+          </a:prstGeom>
+          <a:noFill/>
+          <a:ln>
+            <a:noFill/>
+          </a:ln>
+          <a:extLst>
+            <a:ext uri="{909E8E84-426E-40DD-AFC4-6F175D3DCCD1}">
+              <a14:hiddenFill xmlns:a14="http://schemas.microsoft.com/office/drawing/2010/main">
+                <a:solidFill>
+                  <a:srgbClr val="FFFFFF"/>
+                </a:solidFill>
+              </a14:hiddenFill>
+            </a:ext>
+            <a:ext uri="{91240B29-F687-4F45-9708-019B960494DF}">
+              <a14:hiddenLine xmlns:a14="http://schemas.microsoft.com/office/drawing/2010/main" w="9525">
+                <a:solidFill>
+                  <a:srgbClr val="000000"/>
+                </a:solidFill>
+                <a:miter lim="800000"/>
+                <a:headEnd/>
+                <a:tailEnd/>
+              </a14:hiddenLine>
+            </a:ext>
+          </a:extLst>
+        </p:spPr>
+        <p:txBody>
+          <a:bodyPr vert="horz" wrap="square" lIns="0" tIns="0" rIns="0" bIns="0" numCol="1" anchor="t" anchorCtr="0" compatLnSpc="1">
+            <a:prstTxWarp prst="textNoShape">
+              <a:avLst/>
+            </a:prstTxWarp>
+          </a:bodyPr>
+          <a:lstStyle>
+            <a:lvl1pPr marL="857250" indent="-857250" algn="l" rtl="0" eaLnBrk="0" fontAlgn="base" hangingPunct="0">
+              <a:spcBef>
+                <a:spcPct val="0"/>
+              </a:spcBef>
+              <a:spcAft>
+                <a:spcPct val="0"/>
+              </a:spcAft>
+              <a:defRPr sz="3300">
+                <a:solidFill>
+                  <a:schemeClr val="tx1"/>
+                </a:solidFill>
+                <a:latin typeface="+mj-lt"/>
+                <a:ea typeface="ＭＳ Ｐゴシック" charset="-128"/>
+                <a:cs typeface="ＭＳ Ｐゴシック" charset="-128"/>
+              </a:defRPr>
+            </a:lvl1pPr>
+            <a:lvl2pPr marL="857250" indent="-857250" algn="l" rtl="0" eaLnBrk="0" fontAlgn="base" hangingPunct="0">
+              <a:spcBef>
+                <a:spcPct val="0"/>
+              </a:spcBef>
+              <a:spcAft>
+                <a:spcPct val="0"/>
+              </a:spcAft>
+              <a:defRPr sz="3300">
+                <a:solidFill>
+                  <a:schemeClr val="tx1"/>
+                </a:solidFill>
+                <a:latin typeface="Bookman Old Style" pitchFamily="18" charset="0"/>
+                <a:ea typeface="ＭＳ Ｐゴシック" charset="-128"/>
+                <a:cs typeface="ＭＳ Ｐゴシック" charset="-128"/>
+              </a:defRPr>
+            </a:lvl2pPr>
+            <a:lvl3pPr marL="857250" indent="-857250" algn="l" rtl="0" eaLnBrk="0" fontAlgn="base" hangingPunct="0">
+              <a:spcBef>
+                <a:spcPct val="0"/>
+              </a:spcBef>
+              <a:spcAft>
+                <a:spcPct val="0"/>
+              </a:spcAft>
+              <a:defRPr sz="3300">
+                <a:solidFill>
+                  <a:schemeClr val="tx1"/>
+                </a:solidFill>
+                <a:latin typeface="Bookman Old Style" pitchFamily="18" charset="0"/>
+                <a:ea typeface="ＭＳ Ｐゴシック" charset="-128"/>
+                <a:cs typeface="ＭＳ Ｐゴシック" charset="-128"/>
+              </a:defRPr>
+            </a:lvl3pPr>
+            <a:lvl4pPr marL="857250" indent="-857250" algn="l" rtl="0" eaLnBrk="0" fontAlgn="base" hangingPunct="0">
+              <a:spcBef>
+                <a:spcPct val="0"/>
+              </a:spcBef>
+              <a:spcAft>
+                <a:spcPct val="0"/>
+              </a:spcAft>
+              <a:defRPr sz="3300">
+                <a:solidFill>
+                  <a:schemeClr val="tx1"/>
+                </a:solidFill>
+                <a:latin typeface="Bookman Old Style" pitchFamily="18" charset="0"/>
+                <a:ea typeface="ＭＳ Ｐゴシック" charset="-128"/>
+                <a:cs typeface="ＭＳ Ｐゴシック" charset="-128"/>
+              </a:defRPr>
+            </a:lvl4pPr>
+            <a:lvl5pPr marL="857250" indent="-857250" algn="l" rtl="0" eaLnBrk="0" fontAlgn="base" hangingPunct="0">
+              <a:spcBef>
+                <a:spcPct val="0"/>
+              </a:spcBef>
+              <a:spcAft>
+                <a:spcPct val="0"/>
+              </a:spcAft>
+              <a:defRPr sz="3300">
+                <a:solidFill>
+                  <a:schemeClr val="tx1"/>
+                </a:solidFill>
+                <a:latin typeface="Bookman Old Style" pitchFamily="18" charset="0"/>
+                <a:ea typeface="ＭＳ Ｐゴシック" charset="-128"/>
+                <a:cs typeface="ＭＳ Ｐゴシック" charset="-128"/>
+              </a:defRPr>
+            </a:lvl5pPr>
+            <a:lvl6pPr marL="1314450" indent="-857250" algn="l" rtl="0" eaLnBrk="0" fontAlgn="base" hangingPunct="0">
+              <a:spcBef>
+                <a:spcPct val="0"/>
+              </a:spcBef>
+              <a:spcAft>
+                <a:spcPct val="0"/>
+              </a:spcAft>
+              <a:defRPr sz="3300">
+                <a:solidFill>
+                  <a:schemeClr val="tx1"/>
+                </a:solidFill>
+                <a:latin typeface="Bookman Old Style" pitchFamily="18" charset="0"/>
+              </a:defRPr>
+            </a:lvl6pPr>
+            <a:lvl7pPr marL="1771650" indent="-857250" algn="l" rtl="0" eaLnBrk="0" fontAlgn="base" hangingPunct="0">
+              <a:spcBef>
+                <a:spcPct val="0"/>
+              </a:spcBef>
+              <a:spcAft>
+                <a:spcPct val="0"/>
+              </a:spcAft>
+              <a:defRPr sz="3300">
+                <a:solidFill>
+                  <a:schemeClr val="tx1"/>
+                </a:solidFill>
+                <a:latin typeface="Bookman Old Style" pitchFamily="18" charset="0"/>
+              </a:defRPr>
+            </a:lvl7pPr>
+            <a:lvl8pPr marL="2228850" indent="-857250" algn="l" rtl="0" eaLnBrk="0" fontAlgn="base" hangingPunct="0">
+              <a:spcBef>
+                <a:spcPct val="0"/>
+              </a:spcBef>
+              <a:spcAft>
+                <a:spcPct val="0"/>
+              </a:spcAft>
+              <a:defRPr sz="3300">
+                <a:solidFill>
+                  <a:schemeClr val="tx1"/>
+                </a:solidFill>
+                <a:latin typeface="Bookman Old Style" pitchFamily="18" charset="0"/>
+              </a:defRPr>
+            </a:lvl8pPr>
+            <a:lvl9pPr marL="2686050" indent="-857250" algn="l" rtl="0" eaLnBrk="0" fontAlgn="base" hangingPunct="0">
+              <a:spcBef>
+                <a:spcPct val="0"/>
+              </a:spcBef>
+              <a:spcAft>
+                <a:spcPct val="0"/>
+              </a:spcAft>
+              <a:defRPr sz="3300">
+                <a:solidFill>
+                  <a:schemeClr val="tx1"/>
+                </a:solidFill>
+                <a:latin typeface="Bookman Old Style" pitchFamily="18" charset="0"/>
+              </a:defRPr>
+            </a:lvl9pPr>
+          </a:lstStyle>
+          <a:p>
+            <a:pPr>
+              <a:defRPr/>
+            </a:pPr>
+            <a:r>
+              <a:rPr lang="nl-NL" altLang="nl-NL" kern="0" dirty="0" smtClean="0">
+                <a:latin typeface="+mn-lt"/>
+                <a:ea typeface="ＭＳ Ｐゴシック" pitchFamily="34" charset="-128"/>
+              </a:rPr>
+              <a:t>Inhoud</a:t>
+            </a:r>
+            <a:endParaRPr lang="nl-NL" altLang="nl-NL" kern="0" dirty="0" smtClean="0">
+              <a:latin typeface="+mn-lt"/>
+              <a:ea typeface="ＭＳ Ｐゴシック" pitchFamily="34" charset="-128"/>
+            </a:endParaRPr>
+          </a:p>
+        </p:txBody>
+      </p:sp>
+    </p:spTree>
+    <p:extLst>
+      <p:ext uri="{BB962C8B-B14F-4D97-AF65-F5344CB8AC3E}">
+        <p14:creationId xmlns:p14="http://schemas.microsoft.com/office/powerpoint/2010/main" val="4064259602"/>
+      </p:ext>
+    </p:extLst>
+  </p:cSld>
+  <p:clrMapOvr>
+    <a:masterClrMapping/>
+  </p:clrMapOvr>
+  <p:timing>
+    <p:tnLst>
+      <p:par>
+        <p:cTn id="1" dur="indefinite" restart="never" nodeType="tmRoot"/>
+      </p:par>
+    </p:tnLst>
+  </p:timing>
+</p:sld>
+</file>
+
+<file path=ppt/slides/slide4.xml><?xml version="1.0" encoding="utf-8"?>
+<p:sld xmlns:a="http://schemas.openxmlformats.org/drawingml/2006/main" xmlns:r="http://schemas.openxmlformats.org/officeDocument/2006/relationships" xmlns:p="http://schemas.openxmlformats.org/presentationml/2006/main">
+  <p:cSld>
+    <p:spTree>
+      <p:nvGrpSpPr>
+        <p:cNvPr id="1" name=""/>
+        <p:cNvGrpSpPr/>
+        <p:nvPr/>
+      </p:nvGrpSpPr>
+      <p:grpSpPr>
+        <a:xfrm>
+          <a:off x="0" y="0"/>
+          <a:ext cx="0" cy="0"/>
+          <a:chOff x="0" y="0"/>
+          <a:chExt cx="0" cy="0"/>
+        </a:xfrm>
+      </p:grpSpPr>
+      <p:sp>
+        <p:nvSpPr>
           <p:cNvPr id="2" name="Titel 1"/>
           <p:cNvSpPr>
             <a:spLocks noGrp="1"/>
@@ -10288,7 +11507,7 @@
 </p:sld>
 </file>
 
-<file path=ppt/slides/slide4.xml><?xml version="1.0" encoding="utf-8"?>
+<file path=ppt/slides/slide5.xml><?xml version="1.0" encoding="utf-8"?>
 <p:sld xmlns:a="http://schemas.openxmlformats.org/drawingml/2006/main" xmlns:r="http://schemas.openxmlformats.org/officeDocument/2006/relationships" xmlns:p="http://schemas.openxmlformats.org/presentationml/2006/main">
   <p:cSld>
     <p:spTree>
@@ -10348,7 +11567,7 @@
 </p:sld>
 </file>
 
-<file path=ppt/slides/slide5.xml><?xml version="1.0" encoding="utf-8"?>
+<file path=ppt/slides/slide6.xml><?xml version="1.0" encoding="utf-8"?>
 <p:sld xmlns:a="http://schemas.openxmlformats.org/drawingml/2006/main" xmlns:r="http://schemas.openxmlformats.org/officeDocument/2006/relationships" xmlns:p="http://schemas.openxmlformats.org/presentationml/2006/main">
   <p:cSld>
     <p:spTree>
@@ -10760,7 +11979,7 @@
 </p:sld>
 </file>
 
-<file path=ppt/slides/slide6.xml><?xml version="1.0" encoding="utf-8"?>
+<file path=ppt/slides/slide7.xml><?xml version="1.0" encoding="utf-8"?>
 <p:sld xmlns:a="http://schemas.openxmlformats.org/drawingml/2006/main" xmlns:r="http://schemas.openxmlformats.org/officeDocument/2006/relationships" xmlns:p="http://schemas.openxmlformats.org/presentationml/2006/main">
   <p:cSld>
     <p:spTree>
@@ -16970,7 +18189,7 @@
 </p:sld>
 </file>
 
-<file path=ppt/slides/slide7.xml><?xml version="1.0" encoding="utf-8"?>
+<file path=ppt/slides/slide8.xml><?xml version="1.0" encoding="utf-8"?>
 <p:sld xmlns:a="http://schemas.openxmlformats.org/drawingml/2006/main" xmlns:r="http://schemas.openxmlformats.org/officeDocument/2006/relationships" xmlns:p="http://schemas.openxmlformats.org/presentationml/2006/main">
   <p:cSld>
     <p:spTree>
@@ -17240,70 +18459,6 @@
     <p:extLst>
       <p:ext uri="{BB962C8B-B14F-4D97-AF65-F5344CB8AC3E}">
         <p14:creationId xmlns:p14="http://schemas.microsoft.com/office/powerpoint/2010/main" val="488364077"/>
-      </p:ext>
-    </p:extLst>
-  </p:cSld>
-  <p:clrMapOvr>
-    <a:masterClrMapping/>
-  </p:clrMapOvr>
-  <p:timing>
-    <p:tnLst>
-      <p:par>
-        <p:cTn id="1" dur="indefinite" restart="never" nodeType="tmRoot"/>
-      </p:par>
-    </p:tnLst>
-  </p:timing>
-</p:sld>
-</file>
-
-<file path=ppt/slides/slide8.xml><?xml version="1.0" encoding="utf-8"?>
-<p:sld xmlns:a="http://schemas.openxmlformats.org/drawingml/2006/main" xmlns:r="http://schemas.openxmlformats.org/officeDocument/2006/relationships" xmlns:p="http://schemas.openxmlformats.org/presentationml/2006/main">
-  <p:cSld>
-    <p:spTree>
-      <p:nvGrpSpPr>
-        <p:cNvPr id="1" name=""/>
-        <p:cNvGrpSpPr/>
-        <p:nvPr/>
-      </p:nvGrpSpPr>
-      <p:grpSpPr>
-        <a:xfrm>
-          <a:off x="0" y="0"/>
-          <a:ext cx="0" cy="0"/>
-          <a:chOff x="0" y="0"/>
-          <a:chExt cx="0" cy="0"/>
-        </a:xfrm>
-      </p:grpSpPr>
-      <p:sp>
-        <p:nvSpPr>
-          <p:cNvPr id="2" name="Titel 1"/>
-          <p:cNvSpPr>
-            <a:spLocks noGrp="1"/>
-          </p:cNvSpPr>
-          <p:nvPr>
-            <p:ph type="title"/>
-          </p:nvPr>
-        </p:nvSpPr>
-        <p:spPr/>
-        <p:txBody>
-          <a:bodyPr/>
-          <a:lstStyle/>
-          <a:p>
-            <a:r>
-              <a:rPr lang="nl-NL" dirty="0" err="1" smtClean="0"/>
-              <a:t>Main</a:t>
-            </a:r>
-            <a:r>
-              <a:rPr lang="nl-NL" dirty="0" smtClean="0"/>
-              <a:t> controller</a:t>
-            </a:r>
-            <a:endParaRPr lang="nl-NL" dirty="0"/>
-          </a:p>
-        </p:txBody>
-      </p:sp>
-    </p:spTree>
-    <p:extLst>
-      <p:ext uri="{BB962C8B-B14F-4D97-AF65-F5344CB8AC3E}">
-        <p14:creationId xmlns:p14="http://schemas.microsoft.com/office/powerpoint/2010/main" val="1952424736"/>
       </p:ext>
     </p:extLst>
   </p:cSld>
@@ -17339,7 +18494,7 @@
       </p:grpSpPr>
       <p:sp>
         <p:nvSpPr>
-          <p:cNvPr id="4098" name="Title 3"/>
+          <p:cNvPr id="2" name="Titel 1"/>
           <p:cNvSpPr>
             <a:spLocks noGrp="1"/>
           </p:cNvSpPr>
@@ -17347,226 +18502,27 @@
             <p:ph type="title"/>
           </p:nvPr>
         </p:nvSpPr>
-        <p:spPr>
-          <a:xfrm>
-            <a:off x="917575" y="457200"/>
-            <a:ext cx="7159625" cy="627063"/>
-          </a:xfrm>
-        </p:spPr>
+        <p:spPr/>
         <p:txBody>
           <a:bodyPr/>
           <a:lstStyle/>
           <a:p>
-            <a:pPr>
-              <a:defRPr/>
-            </a:pPr>
-            <a:r>
-              <a:rPr lang="nl-NL" altLang="nl-NL" dirty="0" err="1" smtClean="0">
-                <a:latin typeface="+mn-lt"/>
-                <a:ea typeface="ＭＳ Ｐゴシック" pitchFamily="34" charset="-128"/>
-              </a:rPr>
+            <a:r>
+              <a:rPr lang="nl-NL" dirty="0" err="1" smtClean="0"/>
               <a:t>Main</a:t>
             </a:r>
             <a:r>
-              <a:rPr lang="nl-NL" altLang="nl-NL" dirty="0" smtClean="0">
-                <a:latin typeface="+mn-lt"/>
-                <a:ea typeface="ＭＳ Ｐゴシック" pitchFamily="34" charset="-128"/>
-              </a:rPr>
+              <a:rPr lang="nl-NL" dirty="0" smtClean="0"/>
               <a:t> controller</a:t>
             </a:r>
+            <a:endParaRPr lang="nl-NL" dirty="0"/>
           </a:p>
         </p:txBody>
       </p:sp>
-      <p:sp>
-        <p:nvSpPr>
-          <p:cNvPr id="6" name="Ondertitel 2"/>
-          <p:cNvSpPr txBox="1">
-            <a:spLocks/>
-          </p:cNvSpPr>
-          <p:nvPr/>
-        </p:nvSpPr>
-        <p:spPr bwMode="auto">
-          <a:xfrm>
-            <a:off x="914400" y="1041400"/>
-            <a:ext cx="6781800" cy="474663"/>
-          </a:xfrm>
-          <a:prstGeom prst="rect">
-            <a:avLst/>
-          </a:prstGeom>
-          <a:noFill/>
-          <a:ln w="9525">
-            <a:noFill/>
-            <a:miter lim="800000"/>
-            <a:headEnd/>
-            <a:tailEnd/>
-          </a:ln>
-        </p:spPr>
-        <p:txBody>
-          <a:bodyPr lIns="0" tIns="0" rIns="0" bIns="0"/>
-          <a:lstStyle>
-            <a:lvl1pPr eaLnBrk="0" hangingPunct="0">
-              <a:defRPr sz="2400">
-                <a:solidFill>
-                  <a:schemeClr val="tx1"/>
-                </a:solidFill>
-                <a:latin typeface="Tahoma" charset="0"/>
-                <a:cs typeface="Arial" charset="0"/>
-              </a:defRPr>
-            </a:lvl1pPr>
-            <a:lvl2pPr marL="37931725" indent="-37474525" eaLnBrk="0" hangingPunct="0">
-              <a:defRPr sz="2400">
-                <a:solidFill>
-                  <a:schemeClr val="tx1"/>
-                </a:solidFill>
-                <a:latin typeface="Tahoma" charset="0"/>
-                <a:cs typeface="Arial" charset="0"/>
-              </a:defRPr>
-            </a:lvl2pPr>
-            <a:lvl3pPr eaLnBrk="0" hangingPunct="0">
-              <a:defRPr sz="2400">
-                <a:solidFill>
-                  <a:schemeClr val="tx1"/>
-                </a:solidFill>
-                <a:latin typeface="Tahoma" charset="0"/>
-                <a:cs typeface="Arial" charset="0"/>
-              </a:defRPr>
-            </a:lvl3pPr>
-            <a:lvl4pPr eaLnBrk="0" hangingPunct="0">
-              <a:defRPr sz="2400">
-                <a:solidFill>
-                  <a:schemeClr val="tx1"/>
-                </a:solidFill>
-                <a:latin typeface="Tahoma" charset="0"/>
-                <a:cs typeface="Arial" charset="0"/>
-              </a:defRPr>
-            </a:lvl4pPr>
-            <a:lvl5pPr eaLnBrk="0" hangingPunct="0">
-              <a:defRPr sz="2400">
-                <a:solidFill>
-                  <a:schemeClr val="tx1"/>
-                </a:solidFill>
-                <a:latin typeface="Tahoma" charset="0"/>
-                <a:cs typeface="Arial" charset="0"/>
-              </a:defRPr>
-            </a:lvl5pPr>
-            <a:lvl6pPr marL="457200" eaLnBrk="0" fontAlgn="base" hangingPunct="0">
-              <a:spcBef>
-                <a:spcPct val="0"/>
-              </a:spcBef>
-              <a:spcAft>
-                <a:spcPct val="0"/>
-              </a:spcAft>
-              <a:defRPr sz="2400">
-                <a:solidFill>
-                  <a:schemeClr val="tx1"/>
-                </a:solidFill>
-                <a:latin typeface="Tahoma" charset="0"/>
-                <a:cs typeface="Arial" charset="0"/>
-              </a:defRPr>
-            </a:lvl6pPr>
-            <a:lvl7pPr marL="914400" eaLnBrk="0" fontAlgn="base" hangingPunct="0">
-              <a:spcBef>
-                <a:spcPct val="0"/>
-              </a:spcBef>
-              <a:spcAft>
-                <a:spcPct val="0"/>
-              </a:spcAft>
-              <a:defRPr sz="2400">
-                <a:solidFill>
-                  <a:schemeClr val="tx1"/>
-                </a:solidFill>
-                <a:latin typeface="Tahoma" charset="0"/>
-                <a:cs typeface="Arial" charset="0"/>
-              </a:defRPr>
-            </a:lvl7pPr>
-            <a:lvl8pPr marL="1371600" eaLnBrk="0" fontAlgn="base" hangingPunct="0">
-              <a:spcBef>
-                <a:spcPct val="0"/>
-              </a:spcBef>
-              <a:spcAft>
-                <a:spcPct val="0"/>
-              </a:spcAft>
-              <a:defRPr sz="2400">
-                <a:solidFill>
-                  <a:schemeClr val="tx1"/>
-                </a:solidFill>
-                <a:latin typeface="Tahoma" charset="0"/>
-                <a:cs typeface="Arial" charset="0"/>
-              </a:defRPr>
-            </a:lvl8pPr>
-            <a:lvl9pPr marL="1828800" eaLnBrk="0" fontAlgn="base" hangingPunct="0">
-              <a:spcBef>
-                <a:spcPct val="0"/>
-              </a:spcBef>
-              <a:spcAft>
-                <a:spcPct val="0"/>
-              </a:spcAft>
-              <a:defRPr sz="2400">
-                <a:solidFill>
-                  <a:schemeClr val="tx1"/>
-                </a:solidFill>
-                <a:latin typeface="Tahoma" charset="0"/>
-                <a:cs typeface="Arial" charset="0"/>
-              </a:defRPr>
-            </a:lvl9pPr>
-          </a:lstStyle>
-          <a:p>
-            <a:pPr algn="l">
-              <a:lnSpc>
-                <a:spcPts val="2500"/>
-              </a:lnSpc>
-              <a:buClr>
-                <a:srgbClr val="00A6D6"/>
-              </a:buClr>
-              <a:defRPr/>
-            </a:pPr>
-            <a:r>
-              <a:rPr lang="nl-NL" altLang="nl-NL" sz="2000" dirty="0" smtClean="0">
-                <a:solidFill>
-                  <a:srgbClr val="00A6D6"/>
-                </a:solidFill>
-                <a:latin typeface="+mn-lt"/>
-                <a:ea typeface="ＭＳ Ｐゴシック" charset="-128"/>
-              </a:rPr>
-              <a:t>Blokdiagram</a:t>
-            </a:r>
-          </a:p>
-        </p:txBody>
-      </p:sp>
-      <p:pic>
-        <p:nvPicPr>
-          <p:cNvPr id="97" name="Content Placeholder 1" descr="controller.png"/>
-          <p:cNvPicPr>
-            <a:picLocks noGrp="1" noChangeAspect="1"/>
-          </p:cNvPicPr>
-          <p:nvPr>
-            <p:ph idx="1"/>
-          </p:nvPr>
-        </p:nvPicPr>
-        <p:blipFill>
-          <a:blip r:embed="rId2">
-            <a:extLst>
-              <a:ext uri="{28A0092B-C50C-407E-A947-70E740481C1C}">
-                <a14:useLocalDpi xmlns:a14="http://schemas.microsoft.com/office/drawing/2010/main" val="0"/>
-              </a:ext>
-            </a:extLst>
-          </a:blip>
-          <a:srcRect t="-43" b="41680"/>
-          <a:stretch>
-            <a:fillRect/>
-          </a:stretch>
-        </p:blipFill>
-        <p:spPr>
-          <a:xfrm>
-            <a:off x="1952625" y="1673225"/>
-            <a:ext cx="5320690" cy="4388402"/>
-          </a:xfrm>
-        </p:spPr>
-      </p:pic>
     </p:spTree>
     <p:extLst>
       <p:ext uri="{BB962C8B-B14F-4D97-AF65-F5344CB8AC3E}">
-        <p14:creationId xmlns:p14="http://schemas.microsoft.com/office/powerpoint/2010/main" val="2942164064"/>
+        <p14:creationId xmlns:p14="http://schemas.microsoft.com/office/powerpoint/2010/main" val="1952424736"/>
       </p:ext>
     </p:extLst>
   </p:cSld>

--- a/Presentatie/Presentatie groep A1.pptx
+++ b/Presentatie/Presentatie groep A1.pptx
@@ -174,7 +174,7 @@
   </p:defaultTextStyle>
   <p:extLst>
     <p:ext uri="{EFAFB233-063F-42B5-8137-9DF3F51BA10A}">
-      <p15:sldGuideLst xmlns:p15="http://schemas.microsoft.com/office/powerpoint/2012/main" xmlns="">
+      <p15:sldGuideLst xmlns:p15="http://schemas.microsoft.com/office/powerpoint/2012/main">
         <p15:guide id="1" orient="horz" pos="1296">
           <p15:clr>
             <a:srgbClr val="A4A3A4"/>
@@ -422,7 +422,7 @@
             <a:fld id="{B17CE723-7FAF-42F5-8202-21813B3B577F}" type="slidenum">
               <a:rPr lang="en-US" altLang="nl-NL"/>
               <a:pPr/>
-              <a:t>‹#›</a:t>
+              <a:t>‹nr.›</a:t>
             </a:fld>
             <a:endParaRPr lang="en-US" altLang="nl-NL"/>
           </a:p>
@@ -763,7 +763,7 @@
             <a:fld id="{29B3F914-7A78-478A-AECE-6C3BB1B32040}" type="slidenum">
               <a:rPr lang="en-US" altLang="nl-NL"/>
               <a:pPr/>
-              <a:t>‹#›</a:t>
+              <a:t>‹nr.›</a:t>
             </a:fld>
             <a:endParaRPr lang="en-US" altLang="nl-NL"/>
           </a:p>
@@ -4263,7 +4263,7 @@
                 <a:ea typeface="ＭＳ Ｐゴシック" panose="020B0600070205080204" pitchFamily="34" charset="-128"/>
               </a:rPr>
               <a:pPr algn="r" eaLnBrk="1" hangingPunct="1"/>
-              <a:t>‹#›</a:t>
+              <a:t>‹nr.›</a:t>
             </a:fld>
             <a:endParaRPr lang="nl-NL" altLang="nl-NL" sz="1100">
               <a:ea typeface="ＭＳ Ｐゴシック" panose="020B0600070205080204" pitchFamily="34" charset="-128"/>
@@ -13936,6 +13936,13 @@
   <p:clrMapOvr>
     <a:masterClrMapping/>
   </p:clrMapOvr>
+  <p:timing>
+    <p:tnLst>
+      <p:par>
+        <p:cTn id="1" dur="indefinite" restart="never" nodeType="tmRoot"/>
+      </p:par>
+    </p:tnLst>
+  </p:timing>
 </p:sld>
 </file>
 
@@ -17341,7 +17348,7 @@
           </a:ln>
           <a:extLst>
             <a:ext uri="{C572A759-6A51-4108-AA02-DFA0A04FC94B}">
-              <ma14:wrappingTextBoxFlag xmlns:ma14="http://schemas.microsoft.com/office/mac/drawingml/2011/main" xmlns="" val="1"/>
+              <ma14:wrappingTextBoxFlag xmlns="" xmlns:ma14="http://schemas.microsoft.com/office/mac/drawingml/2011/main" val="1"/>
             </a:ext>
           </a:extLst>
         </p:spPr>
@@ -17825,6 +17832,13 @@
   <p:clrMapOvr>
     <a:masterClrMapping/>
   </p:clrMapOvr>
+  <p:timing>
+    <p:tnLst>
+      <p:par>
+        <p:cTn id="1" dur="indefinite" restart="never" nodeType="tmRoot"/>
+      </p:par>
+    </p:tnLst>
+  </p:timing>
 </p:sld>
 </file>
 
@@ -17885,11 +17899,7 @@
             </a:pPr>
             <a:r>
               <a:rPr lang="nl-NL" dirty="0" smtClean="0"/>
-              <a:t>Sub </a:t>
-            </a:r>
-            <a:r>
-              <a:rPr lang="nl-NL" dirty="0" smtClean="0"/>
-              <a:t>modules</a:t>
+              <a:t>Sub modules</a:t>
             </a:r>
           </a:p>
           <a:p>
@@ -18406,6 +18416,13 @@
   <p:clrMapOvr>
     <a:masterClrMapping/>
   </p:clrMapOvr>
+  <p:timing>
+    <p:tnLst>
+      <p:par>
+        <p:cTn id="1" dur="indefinite" restart="never" nodeType="tmRoot"/>
+      </p:par>
+    </p:tnLst>
+  </p:timing>
 </p:sld>
 </file>
 
@@ -18617,9 +18634,6 @@
               </a:rPr>
               <a:t>RESULTATEN &amp; TESTEN</a:t>
             </a:r>
-            <a:endParaRPr lang="nl-NL" sz="3300" b="0" dirty="0">
-              <a:latin typeface="+mn-lt"/>
-            </a:endParaRPr>
           </a:p>
         </p:txBody>
       </p:sp>
@@ -18776,13 +18790,6 @@
               </a:rPr>
               <a:t>Simulaties</a:t>
             </a:r>
-            <a:endParaRPr lang="nl-NL" altLang="nl-NL" sz="2000" dirty="0" smtClean="0">
-              <a:solidFill>
-                <a:srgbClr val="00A6D6"/>
-              </a:solidFill>
-              <a:latin typeface="Tahoma"/>
-              <a:ea typeface="ＭＳ Ｐゴシック" charset="-128"/>
-            </a:endParaRPr>
           </a:p>
         </p:txBody>
       </p:sp>
@@ -19060,7 +19067,29 @@
                 <a:ea typeface="Tahoma"/>
                 <a:cs typeface="Tahoma"/>
               </a:rPr>
-              <a:t> Switch Level Simulatie</a:t>
+              <a:t> </a:t>
+            </a:r>
+            <a:r>
+              <a:rPr lang="nl-NL" altLang="nl-NL" dirty="0" smtClean="0">
+                <a:solidFill>
+                  <a:srgbClr val="000000"/>
+                </a:solidFill>
+                <a:latin typeface="Tahoma"/>
+                <a:ea typeface="Tahoma"/>
+                <a:cs typeface="Tahoma"/>
+              </a:rPr>
+              <a:t>Switch-level </a:t>
+            </a:r>
+            <a:r>
+              <a:rPr lang="nl-NL" altLang="nl-NL" dirty="0" smtClean="0">
+                <a:solidFill>
+                  <a:srgbClr val="000000"/>
+                </a:solidFill>
+                <a:latin typeface="Tahoma"/>
+                <a:ea typeface="Tahoma"/>
+                <a:cs typeface="Tahoma"/>
+              </a:rPr>
+              <a:t>Simulatie</a:t>
             </a:r>
           </a:p>
           <a:p>
@@ -19107,6 +19136,13 @@
   <p:clrMapOvr>
     <a:masterClrMapping/>
   </p:clrMapOvr>
+  <p:timing>
+    <p:tnLst>
+      <p:par>
+        <p:cTn id="1" dur="indefinite" restart="never" nodeType="tmRoot"/>
+      </p:par>
+    </p:tnLst>
+  </p:timing>
 </p:sld>
 </file>
 
@@ -19318,9 +19354,6 @@
               </a:rPr>
               <a:t>RESULTATEN &amp; TESTEN</a:t>
             </a:r>
-            <a:endParaRPr lang="nl-NL" sz="3300" b="0" dirty="0">
-              <a:latin typeface="+mn-lt"/>
-            </a:endParaRPr>
           </a:p>
         </p:txBody>
       </p:sp>
@@ -19477,13 +19510,6 @@
               </a:rPr>
               <a:t>Testen op de chip</a:t>
             </a:r>
-            <a:endParaRPr lang="nl-NL" altLang="nl-NL" sz="2000" dirty="0" smtClean="0">
-              <a:solidFill>
-                <a:srgbClr val="00A6D6"/>
-              </a:solidFill>
-              <a:latin typeface="Tahoma"/>
-              <a:ea typeface="ＭＳ Ｐゴシック" charset="-128"/>
-            </a:endParaRPr>
           </a:p>
         </p:txBody>
       </p:sp>
@@ -19809,6 +19835,13 @@
   <p:clrMapOvr>
     <a:masterClrMapping/>
   </p:clrMapOvr>
+  <p:timing>
+    <p:tnLst>
+      <p:par>
+        <p:cTn id="1" dur="indefinite" restart="never" nodeType="tmRoot"/>
+      </p:par>
+    </p:tnLst>
+  </p:timing>
 </p:sld>
 </file>
 
@@ -20032,6 +20065,13 @@
   <p:clrMapOvr>
     <a:masterClrMapping/>
   </p:clrMapOvr>
+  <p:timing>
+    <p:tnLst>
+      <p:par>
+        <p:cTn id="1" dur="indefinite" restart="never" nodeType="tmRoot"/>
+      </p:par>
+    </p:tnLst>
+  </p:timing>
 </p:sld>
 </file>
 
@@ -20131,34 +20171,6 @@
           <a:chExt cx="0" cy="0"/>
         </a:xfrm>
       </p:grpSpPr>
-      <p:pic>
-        <p:nvPicPr>
-          <p:cNvPr id="4" name="Tijdelijke aanduiding voor inhoud 3"/>
-          <p:cNvPicPr>
-            <a:picLocks noGrp="1" noChangeAspect="1"/>
-          </p:cNvPicPr>
-          <p:nvPr>
-            <p:ph idx="1"/>
-          </p:nvPr>
-        </p:nvPicPr>
-        <p:blipFill rotWithShape="1">
-          <a:blip r:embed="rId3">
-            <a:extLst>
-              <a:ext uri="{28A0092B-C50C-407E-A947-70E740481C1C}">
-                <a14:useLocalDpi xmlns:a14="http://schemas.microsoft.com/office/drawing/2010/main" val="0"/>
-              </a:ext>
-            </a:extLst>
-          </a:blip>
-          <a:srcRect b="5749"/>
-          <a:stretch/>
-        </p:blipFill>
-        <p:spPr>
-          <a:xfrm>
-            <a:off x="1780816" y="1488266"/>
-            <a:ext cx="5582369" cy="4801324"/>
-          </a:xfrm>
-        </p:spPr>
-      </p:pic>
       <p:sp>
         <p:nvSpPr>
           <p:cNvPr id="7" name="Title 3"/>
@@ -20523,13 +20535,13 @@
       </p:sp>
       <p:pic>
         <p:nvPicPr>
-          <p:cNvPr id="10" name="Tijdelijke aanduiding voor inhoud 3"/>
+          <p:cNvPr id="9" name="Tijdelijke aanduiding voor inhoud 3"/>
           <p:cNvPicPr>
             <a:picLocks noChangeAspect="1"/>
           </p:cNvPicPr>
           <p:nvPr/>
         </p:nvPicPr>
-        <p:blipFill rotWithShape="1">
+        <p:blipFill>
           <a:blip r:embed="rId3">
             <a:extLst>
               <a:ext uri="{28A0092B-C50C-407E-A947-70E740481C1C}">
@@ -20537,13 +20549,14 @@
               </a:ext>
             </a:extLst>
           </a:blip>
-          <a:srcRect l="30004" t="68721" r="27053"/>
-          <a:stretch/>
+          <a:stretch>
+            <a:fillRect/>
+          </a:stretch>
         </p:blipFill>
         <p:spPr bwMode="auto">
           <a:xfrm>
-            <a:off x="3472249" y="4992130"/>
-            <a:ext cx="2397210" cy="1593451"/>
+            <a:off x="1366454" y="1741039"/>
+            <a:ext cx="6257102" cy="4282474"/>
           </a:xfrm>
           <a:prstGeom prst="rect">
             <a:avLst/>
@@ -21070,8 +21083,9 @@
           <a:p>
             <a:r>
               <a:rPr lang="nl-NL" dirty="0" smtClean="0"/>
-              <a:t>DCF-signaal</a:t>
-            </a:r>
+              <a:t>DCF signaal</a:t>
+            </a:r>
+            <a:endParaRPr lang="nl-NL" dirty="0" smtClean="0"/>
           </a:p>
           <a:p>
             <a:r>
@@ -21082,14 +21096,20 @@
           <a:p>
             <a:r>
               <a:rPr lang="nl-NL" dirty="0" smtClean="0"/>
-              <a:t>Reset-knop</a:t>
-            </a:r>
+              <a:t>Reset knop</a:t>
+            </a:r>
+            <a:endParaRPr lang="nl-NL" dirty="0" smtClean="0"/>
           </a:p>
           <a:p>
             <a:r>
               <a:rPr lang="nl-NL" dirty="0" smtClean="0"/>
-              <a:t>4 menu-knoppen</a:t>
-            </a:r>
+              <a:t>4 </a:t>
+            </a:r>
+            <a:r>
+              <a:rPr lang="nl-NL" dirty="0" smtClean="0"/>
+              <a:t>menu knoppen</a:t>
+            </a:r>
+            <a:endParaRPr lang="nl-NL" dirty="0" smtClean="0"/>
           </a:p>
           <a:p>
             <a:r>
@@ -21098,7 +21118,11 @@
             </a:r>
             <a:r>
               <a:rPr lang="nl-NL" dirty="0" err="1" smtClean="0"/>
-              <a:t>uit-knop</a:t>
+              <a:t>snooze</a:t>
+            </a:r>
+            <a:r>
+              <a:rPr lang="nl-NL" dirty="0" smtClean="0"/>
+              <a:t> knop</a:t>
             </a:r>
             <a:endParaRPr lang="nl-NL" dirty="0"/>
           </a:p>

--- a/Presentatie/Presentatie groep A1.pptx
+++ b/Presentatie/Presentatie groep A1.pptx
@@ -174,7 +174,7 @@
   </p:defaultTextStyle>
   <p:extLst>
     <p:ext uri="{EFAFB233-063F-42B5-8137-9DF3F51BA10A}">
-      <p15:sldGuideLst xmlns:p15="http://schemas.microsoft.com/office/powerpoint/2012/main">
+      <p15:sldGuideLst xmlns:p15="http://schemas.microsoft.com/office/powerpoint/2012/main" xmlns="">
         <p15:guide id="1" orient="horz" pos="1296">
           <p15:clr>
             <a:srgbClr val="A4A3A4"/>
@@ -422,7 +422,7 @@
             <a:fld id="{B17CE723-7FAF-42F5-8202-21813B3B577F}" type="slidenum">
               <a:rPr lang="en-US" altLang="nl-NL"/>
               <a:pPr/>
-              <a:t>‹nr.›</a:t>
+              <a:t>‹#›</a:t>
             </a:fld>
             <a:endParaRPr lang="en-US" altLang="nl-NL"/>
           </a:p>
@@ -763,7 +763,7 @@
             <a:fld id="{29B3F914-7A78-478A-AECE-6C3BB1B32040}" type="slidenum">
               <a:rPr lang="en-US" altLang="nl-NL"/>
               <a:pPr/>
-              <a:t>‹nr.›</a:t>
+              <a:t>‹#›</a:t>
             </a:fld>
             <a:endParaRPr lang="en-US" altLang="nl-NL"/>
           </a:p>
@@ -4263,7 +4263,7 @@
                 <a:ea typeface="ＭＳ Ｐゴシック" panose="020B0600070205080204" pitchFamily="34" charset="-128"/>
               </a:rPr>
               <a:pPr algn="r" eaLnBrk="1" hangingPunct="1"/>
-              <a:t>‹nr.›</a:t>
+              <a:t>‹#›</a:t>
             </a:fld>
             <a:endParaRPr lang="nl-NL" altLang="nl-NL" sz="1100">
               <a:ea typeface="ＭＳ Ｐゴシック" panose="020B0600070205080204" pitchFamily="34" charset="-128"/>
@@ -17348,7 +17348,7 @@
           </a:ln>
           <a:extLst>
             <a:ext uri="{C572A759-6A51-4108-AA02-DFA0A04FC94B}">
-              <ma14:wrappingTextBoxFlag xmlns="" xmlns:ma14="http://schemas.microsoft.com/office/mac/drawingml/2011/main" val="1"/>
+              <ma14:wrappingTextBoxFlag xmlns:ma14="http://schemas.microsoft.com/office/mac/drawingml/2011/main" xmlns="" val="1"/>
             </a:ext>
           </a:extLst>
         </p:spPr>
@@ -19054,8 +19054,39 @@
                 <a:ea typeface="Tahoma"/>
                 <a:cs typeface="Tahoma"/>
               </a:rPr>
-              <a:t> Modelsim</a:t>
-            </a:r>
+              <a:t> </a:t>
+            </a:r>
+            <a:r>
+              <a:rPr lang="nl-NL" altLang="nl-NL" dirty="0" smtClean="0">
+                <a:solidFill>
+                  <a:srgbClr val="000000"/>
+                </a:solidFill>
+                <a:latin typeface="Tahoma"/>
+                <a:ea typeface="Tahoma"/>
+                <a:cs typeface="Tahoma"/>
+              </a:rPr>
+              <a:t>Modelsim</a:t>
+            </a:r>
+          </a:p>
+          <a:p>
+            <a:r>
+              <a:rPr lang="nl-NL" altLang="nl-NL" dirty="0" smtClean="0">
+                <a:solidFill>
+                  <a:srgbClr val="000000"/>
+                </a:solidFill>
+                <a:ea typeface="Tahoma"/>
+                <a:cs typeface="Tahoma"/>
+              </a:rPr>
+              <a:t>FPGA-bord</a:t>
+            </a:r>
+            <a:endParaRPr lang="nl-NL" altLang="nl-NL" dirty="0" smtClean="0">
+              <a:solidFill>
+                <a:srgbClr val="000000"/>
+              </a:solidFill>
+              <a:latin typeface="Tahoma"/>
+              <a:ea typeface="Tahoma"/>
+              <a:cs typeface="Tahoma"/>
+            </a:endParaRPr>
           </a:p>
           <a:p>
             <a:r>
@@ -19070,7 +19101,7 @@
               <a:t> </a:t>
             </a:r>
             <a:r>
-              <a:rPr lang="nl-NL" altLang="nl-NL" dirty="0" smtClean="0">
+              <a:rPr lang="nl-NL" altLang="nl-NL" smtClean="0">
                 <a:solidFill>
                   <a:srgbClr val="000000"/>
                 </a:solidFill>
@@ -19081,7 +19112,7 @@
               <a:t>Switch-level </a:t>
             </a:r>
             <a:r>
-              <a:rPr lang="nl-NL" altLang="nl-NL" dirty="0" smtClean="0">
+              <a:rPr lang="nl-NL" altLang="nl-NL" smtClean="0">
                 <a:solidFill>
                   <a:srgbClr val="000000"/>
                 </a:solidFill>
@@ -19091,31 +19122,7 @@
               </a:rPr>
               <a:t>Simulatie</a:t>
             </a:r>
-          </a:p>
-          <a:p>
-            <a:r>
-              <a:rPr lang="nl-NL" altLang="nl-NL" dirty="0">
-                <a:solidFill>
-                  <a:srgbClr val="000000"/>
-                </a:solidFill>
-                <a:latin typeface="Tahoma"/>
-                <a:ea typeface="Tahoma"/>
-                <a:cs typeface="Tahoma"/>
-              </a:rPr>
-              <a:t> </a:t>
-            </a:r>
-            <a:r>
-              <a:rPr lang="nl-NL" altLang="nl-NL" dirty="0" smtClean="0">
-                <a:solidFill>
-                  <a:srgbClr val="000000"/>
-                </a:solidFill>
-                <a:latin typeface="Tahoma"/>
-                <a:ea typeface="Tahoma"/>
-                <a:cs typeface="Tahoma"/>
-              </a:rPr>
-              <a:t>FPGA-bord</a:t>
-            </a:r>
-            <a:endParaRPr lang="nl-NL" altLang="nl-NL" dirty="0">
+            <a:endParaRPr lang="nl-NL" altLang="nl-NL" dirty="0" smtClean="0">
               <a:solidFill>
                 <a:srgbClr val="000000"/>
               </a:solidFill>
@@ -21085,7 +21092,6 @@
               <a:rPr lang="nl-NL" dirty="0" smtClean="0"/>
               <a:t>DCF signaal</a:t>
             </a:r>
-            <a:endParaRPr lang="nl-NL" dirty="0" smtClean="0"/>
           </a:p>
           <a:p>
             <a:r>
@@ -21098,18 +21104,12 @@
               <a:rPr lang="nl-NL" dirty="0" smtClean="0"/>
               <a:t>Reset knop</a:t>
             </a:r>
-            <a:endParaRPr lang="nl-NL" dirty="0" smtClean="0"/>
           </a:p>
           <a:p>
             <a:r>
               <a:rPr lang="nl-NL" dirty="0" smtClean="0"/>
-              <a:t>4 </a:t>
-            </a:r>
-            <a:r>
-              <a:rPr lang="nl-NL" dirty="0" smtClean="0"/>
-              <a:t>menu knoppen</a:t>
-            </a:r>
-            <a:endParaRPr lang="nl-NL" dirty="0" smtClean="0"/>
+              <a:t>4 menu knoppen</a:t>
+            </a:r>
           </a:p>
           <a:p>
             <a:r>
